--- a/other/PGenerator.pptx
+++ b/other/PGenerator.pptx
@@ -11,7 +11,9 @@
     <p:sldId id="260" r:id="rId5"/>
     <p:sldId id="257" r:id="rId6"/>
     <p:sldId id="258" r:id="rId7"/>
-    <p:sldId id="264" r:id="rId8"/>
+    <p:sldId id="265" r:id="rId8"/>
+    <p:sldId id="266" r:id="rId9"/>
+    <p:sldId id="264" r:id="rId10"/>
   </p:sldIdLst>
   <p:sldSz cx="12192000" cy="6858000"/>
   <p:notesSz cx="6858000" cy="9144000"/>
@@ -3346,753 +3348,6 @@
 </dgm:colorsDef>
 </file>
 
-<file path=ppt/diagrams/colors5.xml><?xml version="1.0" encoding="utf-8"?>
-<dgm:colorsDef xmlns:dgm="http://schemas.openxmlformats.org/drawingml/2006/diagram" xmlns:a="http://schemas.openxmlformats.org/drawingml/2006/main" uniqueId="urn:microsoft.com/office/officeart/2005/8/colors/accent1_2">
-  <dgm:title val=""/>
-  <dgm:desc val=""/>
-  <dgm:catLst>
-    <dgm:cat type="accent1" pri="11200"/>
-  </dgm:catLst>
-  <dgm:styleLbl name="node0">
-    <dgm:fillClrLst meth="repeat">
-      <a:schemeClr val="accent1"/>
-    </dgm:fillClrLst>
-    <dgm:linClrLst meth="repeat">
-      <a:schemeClr val="lt1"/>
-    </dgm:linClrLst>
-    <dgm:effectClrLst/>
-    <dgm:txLinClrLst/>
-    <dgm:txFillClrLst/>
-    <dgm:txEffectClrLst/>
-  </dgm:styleLbl>
-  <dgm:styleLbl name="alignNode1">
-    <dgm:fillClrLst meth="repeat">
-      <a:schemeClr val="accent1"/>
-    </dgm:fillClrLst>
-    <dgm:linClrLst meth="repeat">
-      <a:schemeClr val="accent1"/>
-    </dgm:linClrLst>
-    <dgm:effectClrLst/>
-    <dgm:txLinClrLst/>
-    <dgm:txFillClrLst/>
-    <dgm:txEffectClrLst/>
-  </dgm:styleLbl>
-  <dgm:styleLbl name="node1">
-    <dgm:fillClrLst meth="repeat">
-      <a:schemeClr val="accent1"/>
-    </dgm:fillClrLst>
-    <dgm:linClrLst meth="repeat">
-      <a:schemeClr val="lt1"/>
-    </dgm:linClrLst>
-    <dgm:effectClrLst/>
-    <dgm:txLinClrLst/>
-    <dgm:txFillClrLst/>
-    <dgm:txEffectClrLst/>
-  </dgm:styleLbl>
-  <dgm:styleLbl name="lnNode1">
-    <dgm:fillClrLst meth="repeat">
-      <a:schemeClr val="accent1"/>
-    </dgm:fillClrLst>
-    <dgm:linClrLst meth="repeat">
-      <a:schemeClr val="lt1"/>
-    </dgm:linClrLst>
-    <dgm:effectClrLst/>
-    <dgm:txLinClrLst/>
-    <dgm:txFillClrLst/>
-    <dgm:txEffectClrLst/>
-  </dgm:styleLbl>
-  <dgm:styleLbl name="vennNode1">
-    <dgm:fillClrLst meth="repeat">
-      <a:schemeClr val="accent1">
-        <a:alpha val="50000"/>
-      </a:schemeClr>
-    </dgm:fillClrLst>
-    <dgm:linClrLst meth="repeat">
-      <a:schemeClr val="lt1"/>
-    </dgm:linClrLst>
-    <dgm:effectClrLst/>
-    <dgm:txLinClrLst/>
-    <dgm:txFillClrLst/>
-    <dgm:txEffectClrLst/>
-  </dgm:styleLbl>
-  <dgm:styleLbl name="node2">
-    <dgm:fillClrLst meth="repeat">
-      <a:schemeClr val="accent1"/>
-    </dgm:fillClrLst>
-    <dgm:linClrLst meth="repeat">
-      <a:schemeClr val="lt1"/>
-    </dgm:linClrLst>
-    <dgm:effectClrLst/>
-    <dgm:txLinClrLst/>
-    <dgm:txFillClrLst/>
-    <dgm:txEffectClrLst/>
-  </dgm:styleLbl>
-  <dgm:styleLbl name="node3">
-    <dgm:fillClrLst meth="repeat">
-      <a:schemeClr val="accent1"/>
-    </dgm:fillClrLst>
-    <dgm:linClrLst meth="repeat">
-      <a:schemeClr val="lt1"/>
-    </dgm:linClrLst>
-    <dgm:effectClrLst/>
-    <dgm:txLinClrLst/>
-    <dgm:txFillClrLst/>
-    <dgm:txEffectClrLst/>
-  </dgm:styleLbl>
-  <dgm:styleLbl name="node4">
-    <dgm:fillClrLst meth="repeat">
-      <a:schemeClr val="accent1"/>
-    </dgm:fillClrLst>
-    <dgm:linClrLst meth="repeat">
-      <a:schemeClr val="lt1"/>
-    </dgm:linClrLst>
-    <dgm:effectClrLst/>
-    <dgm:txLinClrLst/>
-    <dgm:txFillClrLst/>
-    <dgm:txEffectClrLst/>
-  </dgm:styleLbl>
-  <dgm:styleLbl name="fgImgPlace1">
-    <dgm:fillClrLst meth="repeat">
-      <a:schemeClr val="accent1">
-        <a:tint val="50000"/>
-      </a:schemeClr>
-    </dgm:fillClrLst>
-    <dgm:linClrLst meth="repeat">
-      <a:schemeClr val="lt1"/>
-    </dgm:linClrLst>
-    <dgm:effectClrLst/>
-    <dgm:txLinClrLst/>
-    <dgm:txFillClrLst meth="repeat">
-      <a:schemeClr val="lt1"/>
-    </dgm:txFillClrLst>
-    <dgm:txEffectClrLst/>
-  </dgm:styleLbl>
-  <dgm:styleLbl name="alignImgPlace1">
-    <dgm:fillClrLst meth="repeat">
-      <a:schemeClr val="accent1">
-        <a:tint val="50000"/>
-      </a:schemeClr>
-    </dgm:fillClrLst>
-    <dgm:linClrLst meth="repeat">
-      <a:schemeClr val="lt1"/>
-    </dgm:linClrLst>
-    <dgm:effectClrLst/>
-    <dgm:txLinClrLst/>
-    <dgm:txFillClrLst meth="repeat">
-      <a:schemeClr val="lt1"/>
-    </dgm:txFillClrLst>
-    <dgm:txEffectClrLst/>
-  </dgm:styleLbl>
-  <dgm:styleLbl name="bgImgPlace1">
-    <dgm:fillClrLst meth="repeat">
-      <a:schemeClr val="accent1">
-        <a:tint val="50000"/>
-      </a:schemeClr>
-    </dgm:fillClrLst>
-    <dgm:linClrLst meth="repeat">
-      <a:schemeClr val="lt1"/>
-    </dgm:linClrLst>
-    <dgm:effectClrLst/>
-    <dgm:txLinClrLst/>
-    <dgm:txFillClrLst meth="repeat">
-      <a:schemeClr val="lt1"/>
-    </dgm:txFillClrLst>
-    <dgm:txEffectClrLst/>
-  </dgm:styleLbl>
-  <dgm:styleLbl name="sibTrans2D1">
-    <dgm:fillClrLst meth="repeat">
-      <a:schemeClr val="accent1">
-        <a:tint val="60000"/>
-      </a:schemeClr>
-    </dgm:fillClrLst>
-    <dgm:linClrLst meth="repeat">
-      <a:schemeClr val="accent1">
-        <a:tint val="60000"/>
-      </a:schemeClr>
-    </dgm:linClrLst>
-    <dgm:effectClrLst/>
-    <dgm:txLinClrLst/>
-    <dgm:txFillClrLst/>
-    <dgm:txEffectClrLst/>
-  </dgm:styleLbl>
-  <dgm:styleLbl name="fgSibTrans2D1">
-    <dgm:fillClrLst meth="repeat">
-      <a:schemeClr val="accent1">
-        <a:tint val="60000"/>
-      </a:schemeClr>
-    </dgm:fillClrLst>
-    <dgm:linClrLst meth="repeat">
-      <a:schemeClr val="accent1">
-        <a:tint val="60000"/>
-      </a:schemeClr>
-    </dgm:linClrLst>
-    <dgm:effectClrLst/>
-    <dgm:txLinClrLst/>
-    <dgm:txFillClrLst/>
-    <dgm:txEffectClrLst/>
-  </dgm:styleLbl>
-  <dgm:styleLbl name="bgSibTrans2D1">
-    <dgm:fillClrLst meth="repeat">
-      <a:schemeClr val="accent1">
-        <a:tint val="60000"/>
-      </a:schemeClr>
-    </dgm:fillClrLst>
-    <dgm:linClrLst meth="repeat">
-      <a:schemeClr val="accent1">
-        <a:tint val="60000"/>
-      </a:schemeClr>
-    </dgm:linClrLst>
-    <dgm:effectClrLst/>
-    <dgm:txLinClrLst/>
-    <dgm:txFillClrLst/>
-    <dgm:txEffectClrLst/>
-  </dgm:styleLbl>
-  <dgm:styleLbl name="sibTrans1D1">
-    <dgm:fillClrLst meth="repeat">
-      <a:schemeClr val="accent1"/>
-    </dgm:fillClrLst>
-    <dgm:linClrLst meth="repeat">
-      <a:schemeClr val="accent1"/>
-    </dgm:linClrLst>
-    <dgm:effectClrLst/>
-    <dgm:txLinClrLst/>
-    <dgm:txFillClrLst meth="repeat">
-      <a:schemeClr val="tx1"/>
-    </dgm:txFillClrLst>
-    <dgm:txEffectClrLst/>
-  </dgm:styleLbl>
-  <dgm:styleLbl name="callout">
-    <dgm:fillClrLst meth="repeat">
-      <a:schemeClr val="accent1"/>
-    </dgm:fillClrLst>
-    <dgm:linClrLst meth="repeat">
-      <a:schemeClr val="accent1">
-        <a:tint val="50000"/>
-      </a:schemeClr>
-    </dgm:linClrLst>
-    <dgm:effectClrLst/>
-    <dgm:txLinClrLst/>
-    <dgm:txFillClrLst meth="repeat">
-      <a:schemeClr val="tx1"/>
-    </dgm:txFillClrLst>
-    <dgm:txEffectClrLst/>
-  </dgm:styleLbl>
-  <dgm:styleLbl name="asst0">
-    <dgm:fillClrLst meth="repeat">
-      <a:schemeClr val="accent1"/>
-    </dgm:fillClrLst>
-    <dgm:linClrLst meth="repeat">
-      <a:schemeClr val="lt1"/>
-    </dgm:linClrLst>
-    <dgm:effectClrLst/>
-    <dgm:txLinClrLst/>
-    <dgm:txFillClrLst/>
-    <dgm:txEffectClrLst/>
-  </dgm:styleLbl>
-  <dgm:styleLbl name="asst1">
-    <dgm:fillClrLst meth="repeat">
-      <a:schemeClr val="accent1"/>
-    </dgm:fillClrLst>
-    <dgm:linClrLst meth="repeat">
-      <a:schemeClr val="lt1"/>
-    </dgm:linClrLst>
-    <dgm:effectClrLst/>
-    <dgm:txLinClrLst/>
-    <dgm:txFillClrLst/>
-    <dgm:txEffectClrLst/>
-  </dgm:styleLbl>
-  <dgm:styleLbl name="asst2">
-    <dgm:fillClrLst meth="repeat">
-      <a:schemeClr val="accent1"/>
-    </dgm:fillClrLst>
-    <dgm:linClrLst meth="repeat">
-      <a:schemeClr val="lt1"/>
-    </dgm:linClrLst>
-    <dgm:effectClrLst/>
-    <dgm:txLinClrLst/>
-    <dgm:txFillClrLst/>
-    <dgm:txEffectClrLst/>
-  </dgm:styleLbl>
-  <dgm:styleLbl name="asst3">
-    <dgm:fillClrLst meth="repeat">
-      <a:schemeClr val="accent1"/>
-    </dgm:fillClrLst>
-    <dgm:linClrLst meth="repeat">
-      <a:schemeClr val="lt1"/>
-    </dgm:linClrLst>
-    <dgm:effectClrLst/>
-    <dgm:txLinClrLst/>
-    <dgm:txFillClrLst/>
-    <dgm:txEffectClrLst/>
-  </dgm:styleLbl>
-  <dgm:styleLbl name="asst4">
-    <dgm:fillClrLst meth="repeat">
-      <a:schemeClr val="accent1"/>
-    </dgm:fillClrLst>
-    <dgm:linClrLst meth="repeat">
-      <a:schemeClr val="lt1"/>
-    </dgm:linClrLst>
-    <dgm:effectClrLst/>
-    <dgm:txLinClrLst/>
-    <dgm:txFillClrLst/>
-    <dgm:txEffectClrLst/>
-  </dgm:styleLbl>
-  <dgm:styleLbl name="parChTrans2D1">
-    <dgm:fillClrLst meth="repeat">
-      <a:schemeClr val="accent1">
-        <a:tint val="60000"/>
-      </a:schemeClr>
-    </dgm:fillClrLst>
-    <dgm:linClrLst meth="repeat">
-      <a:schemeClr val="accent1">
-        <a:tint val="60000"/>
-      </a:schemeClr>
-    </dgm:linClrLst>
-    <dgm:effectClrLst/>
-    <dgm:txLinClrLst/>
-    <dgm:txFillClrLst meth="repeat">
-      <a:schemeClr val="lt1"/>
-    </dgm:txFillClrLst>
-    <dgm:txEffectClrLst/>
-  </dgm:styleLbl>
-  <dgm:styleLbl name="parChTrans2D2">
-    <dgm:fillClrLst meth="repeat">
-      <a:schemeClr val="accent1"/>
-    </dgm:fillClrLst>
-    <dgm:linClrLst meth="repeat">
-      <a:schemeClr val="accent1"/>
-    </dgm:linClrLst>
-    <dgm:effectClrLst/>
-    <dgm:txLinClrLst/>
-    <dgm:txFillClrLst meth="repeat">
-      <a:schemeClr val="lt1"/>
-    </dgm:txFillClrLst>
-    <dgm:txEffectClrLst/>
-  </dgm:styleLbl>
-  <dgm:styleLbl name="parChTrans2D3">
-    <dgm:fillClrLst meth="repeat">
-      <a:schemeClr val="accent1"/>
-    </dgm:fillClrLst>
-    <dgm:linClrLst meth="repeat">
-      <a:schemeClr val="accent1"/>
-    </dgm:linClrLst>
-    <dgm:effectClrLst/>
-    <dgm:txLinClrLst/>
-    <dgm:txFillClrLst meth="repeat">
-      <a:schemeClr val="lt1"/>
-    </dgm:txFillClrLst>
-    <dgm:txEffectClrLst/>
-  </dgm:styleLbl>
-  <dgm:styleLbl name="parChTrans2D4">
-    <dgm:fillClrLst meth="repeat">
-      <a:schemeClr val="accent1"/>
-    </dgm:fillClrLst>
-    <dgm:linClrLst meth="repeat">
-      <a:schemeClr val="accent1"/>
-    </dgm:linClrLst>
-    <dgm:effectClrLst/>
-    <dgm:txLinClrLst/>
-    <dgm:txFillClrLst meth="repeat">
-      <a:schemeClr val="lt1"/>
-    </dgm:txFillClrLst>
-    <dgm:txEffectClrLst/>
-  </dgm:styleLbl>
-  <dgm:styleLbl name="parChTrans1D1">
-    <dgm:fillClrLst meth="repeat">
-      <a:schemeClr val="accent1"/>
-    </dgm:fillClrLst>
-    <dgm:linClrLst meth="repeat">
-      <a:schemeClr val="accent1">
-        <a:shade val="60000"/>
-      </a:schemeClr>
-    </dgm:linClrLst>
-    <dgm:effectClrLst/>
-    <dgm:txLinClrLst/>
-    <dgm:txFillClrLst meth="repeat">
-      <a:schemeClr val="tx1"/>
-    </dgm:txFillClrLst>
-    <dgm:txEffectClrLst/>
-  </dgm:styleLbl>
-  <dgm:styleLbl name="parChTrans1D2">
-    <dgm:fillClrLst meth="repeat">
-      <a:schemeClr val="accent1"/>
-    </dgm:fillClrLst>
-    <dgm:linClrLst meth="repeat">
-      <a:schemeClr val="accent1">
-        <a:shade val="60000"/>
-      </a:schemeClr>
-    </dgm:linClrLst>
-    <dgm:effectClrLst/>
-    <dgm:txLinClrLst/>
-    <dgm:txFillClrLst meth="repeat">
-      <a:schemeClr val="tx1"/>
-    </dgm:txFillClrLst>
-    <dgm:txEffectClrLst/>
-  </dgm:styleLbl>
-  <dgm:styleLbl name="parChTrans1D3">
-    <dgm:fillClrLst meth="repeat">
-      <a:schemeClr val="accent1"/>
-    </dgm:fillClrLst>
-    <dgm:linClrLst meth="repeat">
-      <a:schemeClr val="accent1">
-        <a:shade val="80000"/>
-      </a:schemeClr>
-    </dgm:linClrLst>
-    <dgm:effectClrLst/>
-    <dgm:txLinClrLst/>
-    <dgm:txFillClrLst meth="repeat">
-      <a:schemeClr val="tx1"/>
-    </dgm:txFillClrLst>
-    <dgm:txEffectClrLst/>
-  </dgm:styleLbl>
-  <dgm:styleLbl name="parChTrans1D4">
-    <dgm:fillClrLst meth="repeat">
-      <a:schemeClr val="accent1"/>
-    </dgm:fillClrLst>
-    <dgm:linClrLst meth="repeat">
-      <a:schemeClr val="accent1">
-        <a:shade val="80000"/>
-      </a:schemeClr>
-    </dgm:linClrLst>
-    <dgm:effectClrLst/>
-    <dgm:txLinClrLst/>
-    <dgm:txFillClrLst meth="repeat">
-      <a:schemeClr val="tx1"/>
-    </dgm:txFillClrLst>
-    <dgm:txEffectClrLst/>
-  </dgm:styleLbl>
-  <dgm:styleLbl name="fgAcc1">
-    <dgm:fillClrLst meth="repeat">
-      <a:schemeClr val="lt1">
-        <a:alpha val="90000"/>
-      </a:schemeClr>
-    </dgm:fillClrLst>
-    <dgm:linClrLst meth="repeat">
-      <a:schemeClr val="accent1"/>
-    </dgm:linClrLst>
-    <dgm:effectClrLst/>
-    <dgm:txLinClrLst/>
-    <dgm:txFillClrLst meth="repeat">
-      <a:schemeClr val="dk1"/>
-    </dgm:txFillClrLst>
-    <dgm:txEffectClrLst/>
-  </dgm:styleLbl>
-  <dgm:styleLbl name="conFgAcc1">
-    <dgm:fillClrLst meth="repeat">
-      <a:schemeClr val="lt1">
-        <a:alpha val="90000"/>
-      </a:schemeClr>
-    </dgm:fillClrLst>
-    <dgm:linClrLst meth="repeat">
-      <a:schemeClr val="accent1"/>
-    </dgm:linClrLst>
-    <dgm:effectClrLst/>
-    <dgm:txLinClrLst/>
-    <dgm:txFillClrLst meth="repeat">
-      <a:schemeClr val="dk1"/>
-    </dgm:txFillClrLst>
-    <dgm:txEffectClrLst/>
-  </dgm:styleLbl>
-  <dgm:styleLbl name="alignAcc1">
-    <dgm:fillClrLst meth="repeat">
-      <a:schemeClr val="lt1">
-        <a:alpha val="90000"/>
-      </a:schemeClr>
-    </dgm:fillClrLst>
-    <dgm:linClrLst meth="repeat">
-      <a:schemeClr val="accent1"/>
-    </dgm:linClrLst>
-    <dgm:effectClrLst/>
-    <dgm:txLinClrLst/>
-    <dgm:txFillClrLst meth="repeat">
-      <a:schemeClr val="dk1"/>
-    </dgm:txFillClrLst>
-    <dgm:txEffectClrLst/>
-  </dgm:styleLbl>
-  <dgm:styleLbl name="trAlignAcc1">
-    <dgm:fillClrLst meth="repeat">
-      <a:schemeClr val="lt1">
-        <a:alpha val="40000"/>
-      </a:schemeClr>
-    </dgm:fillClrLst>
-    <dgm:linClrLst meth="repeat">
-      <a:schemeClr val="accent1"/>
-    </dgm:linClrLst>
-    <dgm:effectClrLst/>
-    <dgm:txLinClrLst/>
-    <dgm:txFillClrLst meth="repeat">
-      <a:schemeClr val="dk1"/>
-    </dgm:txFillClrLst>
-    <dgm:txEffectClrLst/>
-  </dgm:styleLbl>
-  <dgm:styleLbl name="bgAcc1">
-    <dgm:fillClrLst meth="repeat">
-      <a:schemeClr val="lt1">
-        <a:alpha val="90000"/>
-      </a:schemeClr>
-    </dgm:fillClrLst>
-    <dgm:linClrLst meth="repeat">
-      <a:schemeClr val="accent1"/>
-    </dgm:linClrLst>
-    <dgm:effectClrLst/>
-    <dgm:txLinClrLst/>
-    <dgm:txFillClrLst meth="repeat">
-      <a:schemeClr val="dk1"/>
-    </dgm:txFillClrLst>
-    <dgm:txEffectClrLst/>
-  </dgm:styleLbl>
-  <dgm:styleLbl name="solidFgAcc1">
-    <dgm:fillClrLst meth="repeat">
-      <a:schemeClr val="lt1"/>
-    </dgm:fillClrLst>
-    <dgm:linClrLst meth="repeat">
-      <a:schemeClr val="accent1"/>
-    </dgm:linClrLst>
-    <dgm:effectClrLst/>
-    <dgm:txLinClrLst/>
-    <dgm:txFillClrLst meth="repeat">
-      <a:schemeClr val="dk1"/>
-    </dgm:txFillClrLst>
-    <dgm:txEffectClrLst/>
-  </dgm:styleLbl>
-  <dgm:styleLbl name="solidAlignAcc1">
-    <dgm:fillClrLst meth="repeat">
-      <a:schemeClr val="lt1"/>
-    </dgm:fillClrLst>
-    <dgm:linClrLst meth="repeat">
-      <a:schemeClr val="accent1"/>
-    </dgm:linClrLst>
-    <dgm:effectClrLst/>
-    <dgm:txLinClrLst/>
-    <dgm:txFillClrLst meth="repeat">
-      <a:schemeClr val="dk1"/>
-    </dgm:txFillClrLst>
-    <dgm:txEffectClrLst/>
-  </dgm:styleLbl>
-  <dgm:styleLbl name="solidBgAcc1">
-    <dgm:fillClrLst meth="repeat">
-      <a:schemeClr val="lt1"/>
-    </dgm:fillClrLst>
-    <dgm:linClrLst meth="repeat">
-      <a:schemeClr val="accent1"/>
-    </dgm:linClrLst>
-    <dgm:effectClrLst/>
-    <dgm:txLinClrLst/>
-    <dgm:txFillClrLst meth="repeat">
-      <a:schemeClr val="dk1"/>
-    </dgm:txFillClrLst>
-    <dgm:txEffectClrLst/>
-  </dgm:styleLbl>
-  <dgm:styleLbl name="fgAccFollowNode1">
-    <dgm:fillClrLst meth="repeat">
-      <a:schemeClr val="accent1">
-        <a:alpha val="90000"/>
-        <a:tint val="40000"/>
-      </a:schemeClr>
-    </dgm:fillClrLst>
-    <dgm:linClrLst meth="repeat">
-      <a:schemeClr val="accent1">
-        <a:alpha val="90000"/>
-        <a:tint val="40000"/>
-      </a:schemeClr>
-    </dgm:linClrLst>
-    <dgm:effectClrLst/>
-    <dgm:txLinClrLst/>
-    <dgm:txFillClrLst meth="repeat">
-      <a:schemeClr val="dk1"/>
-    </dgm:txFillClrLst>
-    <dgm:txEffectClrLst/>
-  </dgm:styleLbl>
-  <dgm:styleLbl name="alignAccFollowNode1">
-    <dgm:fillClrLst meth="repeat">
-      <a:schemeClr val="accent1">
-        <a:alpha val="90000"/>
-        <a:tint val="40000"/>
-      </a:schemeClr>
-    </dgm:fillClrLst>
-    <dgm:linClrLst meth="repeat">
-      <a:schemeClr val="accent1">
-        <a:alpha val="90000"/>
-        <a:tint val="40000"/>
-      </a:schemeClr>
-    </dgm:linClrLst>
-    <dgm:effectClrLst/>
-    <dgm:txLinClrLst/>
-    <dgm:txFillClrLst meth="repeat">
-      <a:schemeClr val="dk1"/>
-    </dgm:txFillClrLst>
-    <dgm:txEffectClrLst/>
-  </dgm:styleLbl>
-  <dgm:styleLbl name="bgAccFollowNode1">
-    <dgm:fillClrLst meth="repeat">
-      <a:schemeClr val="accent1">
-        <a:alpha val="90000"/>
-        <a:tint val="40000"/>
-      </a:schemeClr>
-    </dgm:fillClrLst>
-    <dgm:linClrLst meth="repeat">
-      <a:schemeClr val="accent1">
-        <a:alpha val="90000"/>
-        <a:tint val="40000"/>
-      </a:schemeClr>
-    </dgm:linClrLst>
-    <dgm:effectClrLst/>
-    <dgm:txLinClrLst/>
-    <dgm:txFillClrLst meth="repeat">
-      <a:schemeClr val="dk1"/>
-    </dgm:txFillClrLst>
-    <dgm:txEffectClrLst/>
-  </dgm:styleLbl>
-  <dgm:styleLbl name="fgAcc0">
-    <dgm:fillClrLst meth="repeat">
-      <a:schemeClr val="lt1">
-        <a:alpha val="90000"/>
-      </a:schemeClr>
-    </dgm:fillClrLst>
-    <dgm:linClrLst meth="repeat">
-      <a:schemeClr val="accent1"/>
-    </dgm:linClrLst>
-    <dgm:effectClrLst/>
-    <dgm:txLinClrLst/>
-    <dgm:txFillClrLst meth="repeat">
-      <a:schemeClr val="dk1"/>
-    </dgm:txFillClrLst>
-    <dgm:txEffectClrLst/>
-  </dgm:styleLbl>
-  <dgm:styleLbl name="fgAcc2">
-    <dgm:fillClrLst meth="repeat">
-      <a:schemeClr val="lt1">
-        <a:alpha val="90000"/>
-      </a:schemeClr>
-    </dgm:fillClrLst>
-    <dgm:linClrLst meth="repeat">
-      <a:schemeClr val="accent1"/>
-    </dgm:linClrLst>
-    <dgm:effectClrLst/>
-    <dgm:txLinClrLst/>
-    <dgm:txFillClrLst meth="repeat">
-      <a:schemeClr val="dk1"/>
-    </dgm:txFillClrLst>
-    <dgm:txEffectClrLst/>
-  </dgm:styleLbl>
-  <dgm:styleLbl name="fgAcc3">
-    <dgm:fillClrLst meth="repeat">
-      <a:schemeClr val="lt1">
-        <a:alpha val="90000"/>
-      </a:schemeClr>
-    </dgm:fillClrLst>
-    <dgm:linClrLst meth="repeat">
-      <a:schemeClr val="accent1"/>
-    </dgm:linClrLst>
-    <dgm:effectClrLst/>
-    <dgm:txLinClrLst/>
-    <dgm:txFillClrLst meth="repeat">
-      <a:schemeClr val="dk1"/>
-    </dgm:txFillClrLst>
-    <dgm:txEffectClrLst/>
-  </dgm:styleLbl>
-  <dgm:styleLbl name="fgAcc4">
-    <dgm:fillClrLst meth="repeat">
-      <a:schemeClr val="lt1">
-        <a:alpha val="90000"/>
-      </a:schemeClr>
-    </dgm:fillClrLst>
-    <dgm:linClrLst meth="repeat">
-      <a:schemeClr val="accent1"/>
-    </dgm:linClrLst>
-    <dgm:effectClrLst/>
-    <dgm:txLinClrLst/>
-    <dgm:txFillClrLst meth="repeat">
-      <a:schemeClr val="dk1"/>
-    </dgm:txFillClrLst>
-    <dgm:txEffectClrLst/>
-  </dgm:styleLbl>
-  <dgm:styleLbl name="bgShp">
-    <dgm:fillClrLst meth="repeat">
-      <a:schemeClr val="accent1">
-        <a:tint val="40000"/>
-      </a:schemeClr>
-    </dgm:fillClrLst>
-    <dgm:linClrLst meth="repeat">
-      <a:schemeClr val="accent1"/>
-    </dgm:linClrLst>
-    <dgm:effectClrLst/>
-    <dgm:txLinClrLst/>
-    <dgm:txFillClrLst meth="repeat">
-      <a:schemeClr val="dk1"/>
-    </dgm:txFillClrLst>
-    <dgm:txEffectClrLst/>
-  </dgm:styleLbl>
-  <dgm:styleLbl name="dkBgShp">
-    <dgm:fillClrLst meth="repeat">
-      <a:schemeClr val="accent1">
-        <a:shade val="80000"/>
-      </a:schemeClr>
-    </dgm:fillClrLst>
-    <dgm:linClrLst meth="repeat">
-      <a:schemeClr val="accent1"/>
-    </dgm:linClrLst>
-    <dgm:effectClrLst/>
-    <dgm:txLinClrLst/>
-    <dgm:txFillClrLst meth="repeat">
-      <a:schemeClr val="lt1"/>
-    </dgm:txFillClrLst>
-    <dgm:txEffectClrLst/>
-  </dgm:styleLbl>
-  <dgm:styleLbl name="trBgShp">
-    <dgm:fillClrLst meth="repeat">
-      <a:schemeClr val="accent1">
-        <a:tint val="50000"/>
-        <a:alpha val="40000"/>
-      </a:schemeClr>
-    </dgm:fillClrLst>
-    <dgm:linClrLst meth="repeat">
-      <a:schemeClr val="accent1"/>
-    </dgm:linClrLst>
-    <dgm:effectClrLst/>
-    <dgm:txLinClrLst/>
-    <dgm:txFillClrLst meth="repeat">
-      <a:schemeClr val="lt1"/>
-    </dgm:txFillClrLst>
-    <dgm:txEffectClrLst/>
-  </dgm:styleLbl>
-  <dgm:styleLbl name="fgShp">
-    <dgm:fillClrLst meth="repeat">
-      <a:schemeClr val="accent1">
-        <a:tint val="60000"/>
-      </a:schemeClr>
-    </dgm:fillClrLst>
-    <dgm:linClrLst meth="repeat">
-      <a:schemeClr val="lt1"/>
-    </dgm:linClrLst>
-    <dgm:effectClrLst/>
-    <dgm:txLinClrLst/>
-    <dgm:txFillClrLst meth="repeat">
-      <a:schemeClr val="dk1"/>
-    </dgm:txFillClrLst>
-    <dgm:txEffectClrLst/>
-  </dgm:styleLbl>
-  <dgm:styleLbl name="revTx">
-    <dgm:fillClrLst meth="repeat">
-      <a:schemeClr val="lt1">
-        <a:alpha val="0"/>
-      </a:schemeClr>
-    </dgm:fillClrLst>
-    <dgm:linClrLst meth="repeat">
-      <a:schemeClr val="dk1">
-        <a:alpha val="0"/>
-      </a:schemeClr>
-    </dgm:linClrLst>
-    <dgm:effectClrLst/>
-    <dgm:txLinClrLst/>
-    <dgm:txFillClrLst meth="repeat">
-      <a:schemeClr val="tx1"/>
-    </dgm:txFillClrLst>
-    <dgm:txEffectClrLst/>
-  </dgm:styleLbl>
-</dgm:colorsDef>
-</file>
-
 <file path=ppt/diagrams/data1.xml><?xml version="1.0" encoding="utf-8"?>
 <dgm:dataModel xmlns:dgm="http://schemas.openxmlformats.org/drawingml/2006/diagram" xmlns:a="http://schemas.openxmlformats.org/drawingml/2006/main">
   <dgm:ptLst>
@@ -4116,7 +3371,7 @@
         <a:p>
           <a:r>
             <a:rPr lang="en-US" dirty="0" smtClean="0"/>
-            <a:t>PCM</a:t>
+            <a:t>PG</a:t>
           </a:r>
           <a:endParaRPr lang="ru-RU" dirty="0"/>
         </a:p>
@@ -4467,16 +3722,16 @@
   </dgm:ptLst>
   <dgm:cxnLst>
     <dgm:cxn modelId="{670244C7-BF8E-4594-831F-F80E5B36A7F9}" type="presOf" srcId="{95526B12-6D3C-46B8-9328-209DD2E37A70}" destId="{3A49AFD9-9E0D-4EC1-914E-33F38D830918}" srcOrd="0" destOrd="0" presId="urn:microsoft.com/office/officeart/2008/layout/LinedList"/>
+    <dgm:cxn modelId="{947926E4-E39F-4871-A72D-499E36C7E629}" srcId="{CD4D45AC-35BB-4B80-9454-6D4E93956E0D}" destId="{F1A97F2B-C30A-4382-91C6-BD5827E55099}" srcOrd="1" destOrd="0" parTransId="{90D57B56-2C1D-445E-AB21-948B3B6CDE72}" sibTransId="{675E34B5-76C1-4E52-AC50-885570AF2390}"/>
     <dgm:cxn modelId="{DAE6BDE0-2D42-47BC-900C-199474CF8A7F}" type="presOf" srcId="{C7663D2E-D6E3-488C-816A-9E4135DA5EA7}" destId="{F1732EF7-F6E6-4081-8DF1-29AD97BD5633}" srcOrd="0" destOrd="0" presId="urn:microsoft.com/office/officeart/2008/layout/LinedList"/>
+    <dgm:cxn modelId="{C5140F73-4FB8-4D5A-996A-DFBF566BD2B5}" srcId="{CD4D45AC-35BB-4B80-9454-6D4E93956E0D}" destId="{95526B12-6D3C-46B8-9328-209DD2E37A70}" srcOrd="3" destOrd="0" parTransId="{95CE9040-6B4E-4482-9DED-3CC9823D1D61}" sibTransId="{9684890A-19DE-4A97-BE6B-7D28AAE180D6}"/>
+    <dgm:cxn modelId="{181F8096-F605-4DF7-A717-DD87F7AAECB5}" srcId="{CD4D45AC-35BB-4B80-9454-6D4E93956E0D}" destId="{F0C577DE-8405-43C8-98B6-D5148C12F76D}" srcOrd="2" destOrd="0" parTransId="{11FC0FCC-DC1C-4CC9-9461-AE2E89C1C628}" sibTransId="{2C67ECCD-28D7-4A63-A870-7273102FE95D}"/>
+    <dgm:cxn modelId="{A922358C-4555-41DD-9EB9-29779BD74882}" srcId="{C7663D2E-D6E3-488C-816A-9E4135DA5EA7}" destId="{CD4D45AC-35BB-4B80-9454-6D4E93956E0D}" srcOrd="0" destOrd="0" parTransId="{781DBA8D-40C7-4019-88A4-97E3D276EA82}" sibTransId="{2AE5C03D-8F0E-4569-8D71-CCB9D9537E37}"/>
+    <dgm:cxn modelId="{95250FA2-AED9-459C-8304-482DB7366479}" type="presOf" srcId="{F0C577DE-8405-43C8-98B6-D5148C12F76D}" destId="{C2BE643E-EAF3-4274-B2EB-CC5C8E10EA18}" srcOrd="0" destOrd="0" presId="urn:microsoft.com/office/officeart/2008/layout/LinedList"/>
     <dgm:cxn modelId="{C9F165DD-17EE-4596-99AB-2F44EF39C912}" type="presOf" srcId="{4992EA7B-BA21-4C13-A16C-696D46B5790A}" destId="{7B56716A-B620-4D74-8EA2-535BC53560D9}" srcOrd="0" destOrd="0" presId="urn:microsoft.com/office/officeart/2008/layout/LinedList"/>
+    <dgm:cxn modelId="{856D0C53-2FDC-46C7-ABD8-3A3F6015C6D8}" type="presOf" srcId="{F1A97F2B-C30A-4382-91C6-BD5827E55099}" destId="{7D6E58AD-C436-43D9-A759-D0E8C0FC1E64}" srcOrd="0" destOrd="0" presId="urn:microsoft.com/office/officeart/2008/layout/LinedList"/>
+    <dgm:cxn modelId="{CDB052A5-4104-4873-BE12-9565D59EC4BC}" type="presOf" srcId="{CD4D45AC-35BB-4B80-9454-6D4E93956E0D}" destId="{AF6C1F76-AC6C-48C0-9619-F1212EAC046B}" srcOrd="0" destOrd="0" presId="urn:microsoft.com/office/officeart/2008/layout/LinedList"/>
     <dgm:cxn modelId="{97492DA2-1088-4177-AF02-9F64FADAB785}" srcId="{CD4D45AC-35BB-4B80-9454-6D4E93956E0D}" destId="{4992EA7B-BA21-4C13-A16C-696D46B5790A}" srcOrd="0" destOrd="0" parTransId="{F75787F1-FD15-4F12-8261-A11D2474730E}" sibTransId="{9F233F94-CDDE-4835-973B-370C8042DCA5}"/>
-    <dgm:cxn modelId="{947926E4-E39F-4871-A72D-499E36C7E629}" srcId="{CD4D45AC-35BB-4B80-9454-6D4E93956E0D}" destId="{F1A97F2B-C30A-4382-91C6-BD5827E55099}" srcOrd="1" destOrd="0" parTransId="{90D57B56-2C1D-445E-AB21-948B3B6CDE72}" sibTransId="{675E34B5-76C1-4E52-AC50-885570AF2390}"/>
-    <dgm:cxn modelId="{A922358C-4555-41DD-9EB9-29779BD74882}" srcId="{C7663D2E-D6E3-488C-816A-9E4135DA5EA7}" destId="{CD4D45AC-35BB-4B80-9454-6D4E93956E0D}" srcOrd="0" destOrd="0" parTransId="{781DBA8D-40C7-4019-88A4-97E3D276EA82}" sibTransId="{2AE5C03D-8F0E-4569-8D71-CCB9D9537E37}"/>
-    <dgm:cxn modelId="{CDB052A5-4104-4873-BE12-9565D59EC4BC}" type="presOf" srcId="{CD4D45AC-35BB-4B80-9454-6D4E93956E0D}" destId="{AF6C1F76-AC6C-48C0-9619-F1212EAC046B}" srcOrd="0" destOrd="0" presId="urn:microsoft.com/office/officeart/2008/layout/LinedList"/>
-    <dgm:cxn modelId="{C5140F73-4FB8-4D5A-996A-DFBF566BD2B5}" srcId="{CD4D45AC-35BB-4B80-9454-6D4E93956E0D}" destId="{95526B12-6D3C-46B8-9328-209DD2E37A70}" srcOrd="3" destOrd="0" parTransId="{95CE9040-6B4E-4482-9DED-3CC9823D1D61}" sibTransId="{9684890A-19DE-4A97-BE6B-7D28AAE180D6}"/>
-    <dgm:cxn modelId="{856D0C53-2FDC-46C7-ABD8-3A3F6015C6D8}" type="presOf" srcId="{F1A97F2B-C30A-4382-91C6-BD5827E55099}" destId="{7D6E58AD-C436-43D9-A759-D0E8C0FC1E64}" srcOrd="0" destOrd="0" presId="urn:microsoft.com/office/officeart/2008/layout/LinedList"/>
-    <dgm:cxn modelId="{181F8096-F605-4DF7-A717-DD87F7AAECB5}" srcId="{CD4D45AC-35BB-4B80-9454-6D4E93956E0D}" destId="{F0C577DE-8405-43C8-98B6-D5148C12F76D}" srcOrd="2" destOrd="0" parTransId="{11FC0FCC-DC1C-4CC9-9461-AE2E89C1C628}" sibTransId="{2C67ECCD-28D7-4A63-A870-7273102FE95D}"/>
-    <dgm:cxn modelId="{95250FA2-AED9-459C-8304-482DB7366479}" type="presOf" srcId="{F0C577DE-8405-43C8-98B6-D5148C12F76D}" destId="{C2BE643E-EAF3-4274-B2EB-CC5C8E10EA18}" srcOrd="0" destOrd="0" presId="urn:microsoft.com/office/officeart/2008/layout/LinedList"/>
     <dgm:cxn modelId="{03E43D4F-FE06-44EC-A039-C7BB3973ECAB}" type="presParOf" srcId="{F1732EF7-F6E6-4081-8DF1-29AD97BD5633}" destId="{A3AEC059-AB27-4AD6-A5D5-E1256A6BDF5B}" srcOrd="0" destOrd="0" presId="urn:microsoft.com/office/officeart/2008/layout/LinedList"/>
     <dgm:cxn modelId="{9501CC78-AA1A-4EEB-86C7-C0D97BF8B467}" type="presParOf" srcId="{F1732EF7-F6E6-4081-8DF1-29AD97BD5633}" destId="{BFB581E6-D15D-454B-B868-DA84719FE66C}" srcOrd="1" destOrd="0" presId="urn:microsoft.com/office/officeart/2008/layout/LinedList"/>
     <dgm:cxn modelId="{F8664EC9-4AC7-4401-A611-B1A74D452C3E}" type="presParOf" srcId="{BFB581E6-D15D-454B-B868-DA84719FE66C}" destId="{AF6C1F76-AC6C-48C0-9619-F1212EAC046B}" srcOrd="0" destOrd="0" presId="urn:microsoft.com/office/officeart/2008/layout/LinedList"/>
@@ -4540,15 +3795,7 @@
         <a:p>
           <a:r>
             <a:rPr lang="ru-RU" dirty="0" smtClean="0"/>
-            <a:t>Объединить </a:t>
-          </a:r>
-          <a:r>
-            <a:rPr lang="ru-RU" dirty="0" smtClean="0"/>
-            <a:t>всё в </a:t>
-          </a:r>
-          <a:r>
-            <a:rPr lang="ru-RU" dirty="0" smtClean="0"/>
-            <a:t>один образ</a:t>
+            <a:t>Объединить всё в один образ</a:t>
           </a:r>
           <a:endParaRPr lang="ru-RU" dirty="0"/>
         </a:p>
@@ -5191,7 +4438,7 @@
 <dgm:dataModel xmlns:dgm="http://schemas.openxmlformats.org/drawingml/2006/diagram" xmlns:a="http://schemas.openxmlformats.org/drawingml/2006/main">
   <dgm:ptLst>
     <dgm:pt modelId="{1A2B4F42-0AB5-44FC-BD18-331CDE8A3CAD}" type="doc">
-      <dgm:prSet loTypeId="urn:microsoft.com/office/officeart/2005/8/layout/hProcess9" loCatId="process" qsTypeId="urn:microsoft.com/office/officeart/2005/8/quickstyle/simple1" qsCatId="simple" csTypeId="urn:microsoft.com/office/officeart/2005/8/colors/accent1_1" csCatId="accent1" phldr="1"/>
+      <dgm:prSet loTypeId="urn:microsoft.com/office/officeart/2005/8/layout/chevron2" loCatId="process" qsTypeId="urn:microsoft.com/office/officeart/2005/8/quickstyle/simple1" qsCatId="simple" csTypeId="urn:microsoft.com/office/officeart/2005/8/colors/accent1_1" csCatId="accent1" phldr="1"/>
       <dgm:spPr/>
       <dgm:t>
         <a:bodyPr/>
@@ -5210,7 +4457,7 @@
         <a:p>
           <a:r>
             <a:rPr lang="ru-RU" dirty="0" smtClean="0"/>
-            <a:t>Создание</a:t>
+            <a:t>Разработка</a:t>
           </a:r>
           <a:endParaRPr lang="ru-RU" dirty="0"/>
         </a:p>
@@ -5284,7 +4531,7 @@
         <a:p>
           <a:r>
             <a:rPr lang="ru-RU" dirty="0" smtClean="0"/>
-            <a:t>Сборка образ</a:t>
+            <a:t>Сбор образа</a:t>
           </a:r>
           <a:endParaRPr lang="ru-RU" dirty="0"/>
         </a:p>
@@ -5321,7 +4568,7 @@
         <a:p>
           <a:r>
             <a:rPr lang="ru-RU" dirty="0" smtClean="0"/>
-            <a:t>Изменение</a:t>
+            <a:t>Корректировка</a:t>
           </a:r>
           <a:endParaRPr lang="ru-RU" dirty="0"/>
         </a:p>
@@ -5386,22 +4633,18 @@
         </a:p>
       </dgm:t>
     </dgm:pt>
-    <dgm:pt modelId="{0E8C1D51-7DC1-402F-8BAD-DC99EFAC8940}">
-      <dgm:prSet phldrT="[Текст]"/>
+    <dgm:pt modelId="{3EA63519-AA89-4F95-8C73-5034D21E59BF}">
+      <dgm:prSet phldrT="[Текст]" custT="1"/>
       <dgm:spPr/>
       <dgm:t>
         <a:bodyPr/>
         <a:lstStyle/>
         <a:p>
-          <a:r>
-            <a:rPr lang="ru-RU" dirty="0" smtClean="0"/>
-            <a:t>Проектирование</a:t>
-          </a:r>
-          <a:endParaRPr lang="ru-RU" dirty="0"/>
+          <a:endParaRPr lang="ru-RU" sz="2400" dirty="0"/>
         </a:p>
       </dgm:t>
     </dgm:pt>
-    <dgm:pt modelId="{486DE5E4-070D-4EF1-BEFE-35D2A5890006}" type="parTrans" cxnId="{AD7E0059-139B-4C35-9F80-0CEAC9819A81}">
+    <dgm:pt modelId="{F04F4797-34DC-4280-9A4A-5E516BD17653}" type="parTrans" cxnId="{EDEFD8B6-7F4E-4B70-B15D-0D3A7CE7A00E}">
       <dgm:prSet/>
       <dgm:spPr/>
       <dgm:t>
@@ -5412,7 +4655,7 @@
         </a:p>
       </dgm:t>
     </dgm:pt>
-    <dgm:pt modelId="{65632C4E-CBC2-4132-83BD-F7CBDDB185F9}" type="sibTrans" cxnId="{AD7E0059-139B-4C35-9F80-0CEAC9819A81}">
+    <dgm:pt modelId="{4F4A7401-D012-4811-8902-6A8861DD1192}" type="sibTrans" cxnId="{EDEFD8B6-7F4E-4B70-B15D-0D3A7CE7A00E}">
       <dgm:prSet/>
       <dgm:spPr/>
       <dgm:t>
@@ -5423,10 +4666,283 @@
         </a:p>
       </dgm:t>
     </dgm:pt>
-    <dgm:pt modelId="{E9F9EBC8-DA6C-4C75-A771-809140917B54}" type="pres">
-      <dgm:prSet presAssocID="{1A2B4F42-0AB5-44FC-BD18-331CDE8A3CAD}" presName="CompostProcess" presStyleCnt="0">
+    <dgm:pt modelId="{FAEF1F42-C67B-4A8A-9E12-41FDC5290F07}">
+      <dgm:prSet phldrT="[Текст]" custT="1"/>
+      <dgm:spPr/>
+      <dgm:t>
+        <a:bodyPr/>
+        <a:lstStyle/>
+        <a:p>
+          <a:r>
+            <a:rPr lang="ru-RU" sz="2400" dirty="0" smtClean="0"/>
+            <a:t>Анализ</a:t>
+          </a:r>
+          <a:endParaRPr lang="ru-RU" sz="2400" dirty="0"/>
+        </a:p>
+      </dgm:t>
+    </dgm:pt>
+    <dgm:pt modelId="{B4DB3190-305E-43E7-968B-725AA300ED56}" type="parTrans" cxnId="{C44EE3FB-881F-47F1-A679-F16A25D069D0}">
+      <dgm:prSet/>
+      <dgm:spPr/>
+      <dgm:t>
+        <a:bodyPr/>
+        <a:lstStyle/>
+        <a:p>
+          <a:endParaRPr lang="ru-RU"/>
+        </a:p>
+      </dgm:t>
+    </dgm:pt>
+    <dgm:pt modelId="{4003C8C3-76C1-4713-B446-A04AFEB69B2D}" type="sibTrans" cxnId="{C44EE3FB-881F-47F1-A679-F16A25D069D0}">
+      <dgm:prSet/>
+      <dgm:spPr/>
+      <dgm:t>
+        <a:bodyPr/>
+        <a:lstStyle/>
+        <a:p>
+          <a:endParaRPr lang="ru-RU"/>
+        </a:p>
+      </dgm:t>
+    </dgm:pt>
+    <dgm:pt modelId="{0E715C82-7B9E-4BD1-BE9A-46A07AC4BF73}">
+      <dgm:prSet phldrT="[Текст]"/>
+      <dgm:spPr/>
+      <dgm:t>
+        <a:bodyPr/>
+        <a:lstStyle/>
+        <a:p>
+          <a:endParaRPr lang="ru-RU" dirty="0"/>
+        </a:p>
+      </dgm:t>
+    </dgm:pt>
+    <dgm:pt modelId="{6EA4062B-DC3C-413E-9AAC-A06DE51CEE1E}" type="parTrans" cxnId="{F62970D0-F4F8-40EC-BC8F-7B2E4A19B8A1}">
+      <dgm:prSet/>
+      <dgm:spPr/>
+      <dgm:t>
+        <a:bodyPr/>
+        <a:lstStyle/>
+        <a:p>
+          <a:endParaRPr lang="ru-RU"/>
+        </a:p>
+      </dgm:t>
+    </dgm:pt>
+    <dgm:pt modelId="{B4E30E3C-1CDE-4293-B0E6-ABE817CDB4E0}" type="sibTrans" cxnId="{F62970D0-F4F8-40EC-BC8F-7B2E4A19B8A1}">
+      <dgm:prSet/>
+      <dgm:spPr/>
+      <dgm:t>
+        <a:bodyPr/>
+        <a:lstStyle/>
+        <a:p>
+          <a:endParaRPr lang="ru-RU"/>
+        </a:p>
+      </dgm:t>
+    </dgm:pt>
+    <dgm:pt modelId="{08807098-8173-485D-A578-A38AF1D80C6C}">
+      <dgm:prSet phldrT="[Текст]"/>
+      <dgm:spPr/>
+      <dgm:t>
+        <a:bodyPr/>
+        <a:lstStyle/>
+        <a:p>
+          <a:endParaRPr lang="ru-RU" dirty="0"/>
+        </a:p>
+      </dgm:t>
+    </dgm:pt>
+    <dgm:pt modelId="{F32F62E7-9F1A-4F43-973E-CE891FA4987C}" type="parTrans" cxnId="{D5048BB9-6E11-42C8-B2FB-4566219B6212}">
+      <dgm:prSet/>
+      <dgm:spPr/>
+      <dgm:t>
+        <a:bodyPr/>
+        <a:lstStyle/>
+        <a:p>
+          <a:endParaRPr lang="ru-RU"/>
+        </a:p>
+      </dgm:t>
+    </dgm:pt>
+    <dgm:pt modelId="{3E238C47-BDE1-4919-BC46-88186AA7575C}" type="sibTrans" cxnId="{D5048BB9-6E11-42C8-B2FB-4566219B6212}">
+      <dgm:prSet/>
+      <dgm:spPr/>
+      <dgm:t>
+        <a:bodyPr/>
+        <a:lstStyle/>
+        <a:p>
+          <a:endParaRPr lang="ru-RU"/>
+        </a:p>
+      </dgm:t>
+    </dgm:pt>
+    <dgm:pt modelId="{46536F57-D59A-4EDB-88DD-DE941E2CDB52}">
+      <dgm:prSet phldrT="[Текст]"/>
+      <dgm:spPr/>
+      <dgm:t>
+        <a:bodyPr/>
+        <a:lstStyle/>
+        <a:p>
+          <a:endParaRPr lang="ru-RU" dirty="0"/>
+        </a:p>
+      </dgm:t>
+    </dgm:pt>
+    <dgm:pt modelId="{CDCD3A05-CBC8-4032-98E8-A06616CA2AB7}" type="parTrans" cxnId="{D1A73058-2BFC-4635-BC1F-0946272AA679}">
+      <dgm:prSet/>
+      <dgm:spPr/>
+      <dgm:t>
+        <a:bodyPr/>
+        <a:lstStyle/>
+        <a:p>
+          <a:endParaRPr lang="ru-RU"/>
+        </a:p>
+      </dgm:t>
+    </dgm:pt>
+    <dgm:pt modelId="{81C1B152-4659-481A-BEBA-00BF5144CD9C}" type="sibTrans" cxnId="{D1A73058-2BFC-4635-BC1F-0946272AA679}">
+      <dgm:prSet/>
+      <dgm:spPr/>
+      <dgm:t>
+        <a:bodyPr/>
+        <a:lstStyle/>
+        <a:p>
+          <a:endParaRPr lang="ru-RU"/>
+        </a:p>
+      </dgm:t>
+    </dgm:pt>
+    <dgm:pt modelId="{F0CE30F2-B300-4D97-B71E-DB265D1A6A0D}">
+      <dgm:prSet phldrT="[Текст]"/>
+      <dgm:spPr/>
+      <dgm:t>
+        <a:bodyPr/>
+        <a:lstStyle/>
+        <a:p>
+          <a:endParaRPr lang="ru-RU" dirty="0"/>
+        </a:p>
+      </dgm:t>
+    </dgm:pt>
+    <dgm:pt modelId="{52790CC6-89CC-4536-8529-C60C34A61B1D}" type="parTrans" cxnId="{E81C0F9B-6287-4CB3-A81F-9C0A7F36DF6A}">
+      <dgm:prSet/>
+      <dgm:spPr/>
+      <dgm:t>
+        <a:bodyPr/>
+        <a:lstStyle/>
+        <a:p>
+          <a:endParaRPr lang="ru-RU"/>
+        </a:p>
+      </dgm:t>
+    </dgm:pt>
+    <dgm:pt modelId="{246503D8-7CDA-4D55-B11E-0B9A2DFC7C59}" type="sibTrans" cxnId="{E81C0F9B-6287-4CB3-A81F-9C0A7F36DF6A}">
+      <dgm:prSet/>
+      <dgm:spPr/>
+      <dgm:t>
+        <a:bodyPr/>
+        <a:lstStyle/>
+        <a:p>
+          <a:endParaRPr lang="ru-RU"/>
+        </a:p>
+      </dgm:t>
+    </dgm:pt>
+    <dgm:pt modelId="{82A3D12D-5DBA-4139-8125-9632D20344C0}">
+      <dgm:prSet phldrT="[Текст]"/>
+      <dgm:spPr/>
+      <dgm:t>
+        <a:bodyPr/>
+        <a:lstStyle/>
+        <a:p>
+          <a:endParaRPr lang="ru-RU" dirty="0"/>
+        </a:p>
+      </dgm:t>
+    </dgm:pt>
+    <dgm:pt modelId="{AE332554-BD3C-404B-84D9-2EEF0FA86493}" type="parTrans" cxnId="{5D128A41-D8C8-490B-A96E-B6BF99591214}">
+      <dgm:prSet/>
+      <dgm:spPr/>
+      <dgm:t>
+        <a:bodyPr/>
+        <a:lstStyle/>
+        <a:p>
+          <a:endParaRPr lang="ru-RU"/>
+        </a:p>
+      </dgm:t>
+    </dgm:pt>
+    <dgm:pt modelId="{1FD01FA0-C5CB-4416-A9A9-6C795EB54394}" type="sibTrans" cxnId="{5D128A41-D8C8-490B-A96E-B6BF99591214}">
+      <dgm:prSet/>
+      <dgm:spPr/>
+      <dgm:t>
+        <a:bodyPr/>
+        <a:lstStyle/>
+        <a:p>
+          <a:endParaRPr lang="ru-RU"/>
+        </a:p>
+      </dgm:t>
+    </dgm:pt>
+    <dgm:pt modelId="{20D4E9DB-3B8D-4027-8A17-50B974C6567B}">
+      <dgm:prSet phldrT="[Текст]" custT="1"/>
+      <dgm:spPr/>
+      <dgm:t>
+        <a:bodyPr/>
+        <a:lstStyle/>
+        <a:p>
+          <a:r>
+            <a:rPr lang="ru-RU" sz="2400" dirty="0" smtClean="0"/>
+            <a:t>Проектирование</a:t>
+          </a:r>
+          <a:endParaRPr lang="ru-RU" sz="2400" dirty="0"/>
+        </a:p>
+      </dgm:t>
+    </dgm:pt>
+    <dgm:pt modelId="{A4F04CAF-F577-4215-8C23-5205684EBD2F}" type="parTrans" cxnId="{A713BBB0-344F-4968-9C95-9FD94F821A48}">
+      <dgm:prSet/>
+      <dgm:spPr/>
+      <dgm:t>
+        <a:bodyPr/>
+        <a:lstStyle/>
+        <a:p>
+          <a:endParaRPr lang="ru-RU"/>
+        </a:p>
+      </dgm:t>
+    </dgm:pt>
+    <dgm:pt modelId="{66C4B0AB-028F-4B31-932C-D483CE4D1542}" type="sibTrans" cxnId="{A713BBB0-344F-4968-9C95-9FD94F821A48}">
+      <dgm:prSet/>
+      <dgm:spPr/>
+      <dgm:t>
+        <a:bodyPr/>
+        <a:lstStyle/>
+        <a:p>
+          <a:endParaRPr lang="ru-RU"/>
+        </a:p>
+      </dgm:t>
+    </dgm:pt>
+    <dgm:pt modelId="{48A5BE5C-9BAE-46E6-9EAE-3E9643D0F040}">
+      <dgm:prSet phldrT="[Текст]" custT="1"/>
+      <dgm:spPr/>
+      <dgm:t>
+        <a:bodyPr/>
+        <a:lstStyle/>
+        <a:p>
+          <a:endParaRPr lang="ru-RU" sz="2400" dirty="0"/>
+        </a:p>
+      </dgm:t>
+    </dgm:pt>
+    <dgm:pt modelId="{710C47EE-6F8D-4473-8DA1-E5314A0E2E2B}" type="parTrans" cxnId="{733B4DD4-E837-4484-B687-A22C49C2EB61}">
+      <dgm:prSet/>
+      <dgm:spPr/>
+      <dgm:t>
+        <a:bodyPr/>
+        <a:lstStyle/>
+        <a:p>
+          <a:endParaRPr lang="ru-RU"/>
+        </a:p>
+      </dgm:t>
+    </dgm:pt>
+    <dgm:pt modelId="{3AD8CA92-12D0-4C7F-9897-DFC8CEF50068}" type="sibTrans" cxnId="{733B4DD4-E837-4484-B687-A22C49C2EB61}">
+      <dgm:prSet/>
+      <dgm:spPr/>
+      <dgm:t>
+        <a:bodyPr/>
+        <a:lstStyle/>
+        <a:p>
+          <a:endParaRPr lang="ru-RU"/>
+        </a:p>
+      </dgm:t>
+    </dgm:pt>
+    <dgm:pt modelId="{768B53D8-2061-49A1-A97C-CDEB6A139446}" type="pres">
+      <dgm:prSet presAssocID="{1A2B4F42-0AB5-44FC-BD18-331CDE8A3CAD}" presName="linearFlow" presStyleCnt="0">
         <dgm:presLayoutVars>
           <dgm:dir/>
+          <dgm:animLvl val="lvl"/>
           <dgm:resizeHandles val="exact"/>
         </dgm:presLayoutVars>
       </dgm:prSet>
@@ -5439,8 +4955,17 @@
         </a:p>
       </dgm:t>
     </dgm:pt>
-    <dgm:pt modelId="{49BA00DD-D962-4A59-8B54-2FF5F53FB60A}" type="pres">
-      <dgm:prSet presAssocID="{1A2B4F42-0AB5-44FC-BD18-331CDE8A3CAD}" presName="arrow" presStyleLbl="bgShp" presStyleIdx="0" presStyleCnt="1"/>
+    <dgm:pt modelId="{9B641961-F480-44A6-B37F-0F6D7A5C65F7}" type="pres">
+      <dgm:prSet presAssocID="{3EA63519-AA89-4F95-8C73-5034D21E59BF}" presName="composite" presStyleCnt="0"/>
+      <dgm:spPr/>
+    </dgm:pt>
+    <dgm:pt modelId="{71CDE68D-3753-4F31-B4E8-BC5EF45BFA00}" type="pres">
+      <dgm:prSet presAssocID="{3EA63519-AA89-4F95-8C73-5034D21E59BF}" presName="parentText" presStyleLbl="alignNode1" presStyleIdx="0" presStyleCnt="7">
+        <dgm:presLayoutVars>
+          <dgm:chMax val="1"/>
+          <dgm:bulletEnabled val="1"/>
+        </dgm:presLayoutVars>
+      </dgm:prSet>
       <dgm:spPr/>
       <dgm:t>
         <a:bodyPr/>
@@ -5450,19 +4975,8 @@
         </a:p>
       </dgm:t>
     </dgm:pt>
-    <dgm:pt modelId="{1A6E4F9D-19A0-49F3-AD6A-995C1A2C55FE}" type="pres">
-      <dgm:prSet presAssocID="{1A2B4F42-0AB5-44FC-BD18-331CDE8A3CAD}" presName="linearProcess" presStyleCnt="0"/>
-      <dgm:spPr/>
-      <dgm:t>
-        <a:bodyPr/>
-        <a:lstStyle/>
-        <a:p>
-          <a:endParaRPr lang="ru-RU"/>
-        </a:p>
-      </dgm:t>
-    </dgm:pt>
-    <dgm:pt modelId="{684CD503-3A7A-4945-9AF2-39B7BF932C28}" type="pres">
-      <dgm:prSet presAssocID="{0E8C1D51-7DC1-402F-8BAD-DC99EFAC8940}" presName="textNode" presStyleLbl="node1" presStyleIdx="0" presStyleCnt="6">
+    <dgm:pt modelId="{B66D0B5E-9F1F-4996-A2A6-CECFC53B724F}" type="pres">
+      <dgm:prSet presAssocID="{3EA63519-AA89-4F95-8C73-5034D21E59BF}" presName="descendantText" presStyleLbl="alignAcc1" presStyleIdx="0" presStyleCnt="7">
         <dgm:presLayoutVars>
           <dgm:bulletEnabled val="1"/>
         </dgm:presLayoutVars>
@@ -5476,12 +4990,32 @@
         </a:p>
       </dgm:t>
     </dgm:pt>
-    <dgm:pt modelId="{1A6F2866-F5CF-4AE5-9969-C4F02791BDBA}" type="pres">
-      <dgm:prSet presAssocID="{65632C4E-CBC2-4132-83BD-F7CBDDB185F9}" presName="sibTrans" presStyleCnt="0"/>
+    <dgm:pt modelId="{D02FBEF6-CF23-4EC0-A096-08CA8773E3B0}" type="pres">
+      <dgm:prSet presAssocID="{4F4A7401-D012-4811-8902-6A8861DD1192}" presName="sp" presStyleCnt="0"/>
       <dgm:spPr/>
     </dgm:pt>
-    <dgm:pt modelId="{B9814984-5FFD-43AA-A575-6FE08D9D0415}" type="pres">
-      <dgm:prSet presAssocID="{94C851D7-643F-4F6A-907F-24F25BC578B2}" presName="textNode" presStyleLbl="node1" presStyleIdx="1" presStyleCnt="6">
+    <dgm:pt modelId="{B4761D78-98C3-473B-AF28-3F0EC8C385B8}" type="pres">
+      <dgm:prSet presAssocID="{48A5BE5C-9BAE-46E6-9EAE-3E9643D0F040}" presName="composite" presStyleCnt="0"/>
+      <dgm:spPr/>
+    </dgm:pt>
+    <dgm:pt modelId="{6FBA01A9-1ACB-4855-AAB5-AAFDC1A2A53F}" type="pres">
+      <dgm:prSet presAssocID="{48A5BE5C-9BAE-46E6-9EAE-3E9643D0F040}" presName="parentText" presStyleLbl="alignNode1" presStyleIdx="1" presStyleCnt="7">
+        <dgm:presLayoutVars>
+          <dgm:chMax val="1"/>
+          <dgm:bulletEnabled val="1"/>
+        </dgm:presLayoutVars>
+      </dgm:prSet>
+      <dgm:spPr/>
+      <dgm:t>
+        <a:bodyPr/>
+        <a:lstStyle/>
+        <a:p>
+          <a:endParaRPr lang="ru-RU"/>
+        </a:p>
+      </dgm:t>
+    </dgm:pt>
+    <dgm:pt modelId="{583C6395-70CA-4560-A8CE-191C1BD88AC4}" type="pres">
+      <dgm:prSet presAssocID="{48A5BE5C-9BAE-46E6-9EAE-3E9643D0F040}" presName="descendantText" presStyleLbl="alignAcc1" presStyleIdx="1" presStyleCnt="7">
         <dgm:presLayoutVars>
           <dgm:bulletEnabled val="1"/>
         </dgm:presLayoutVars>
@@ -5495,8 +5029,21 @@
         </a:p>
       </dgm:t>
     </dgm:pt>
-    <dgm:pt modelId="{221FBA34-4232-4230-9662-AE106CB794CE}" type="pres">
-      <dgm:prSet presAssocID="{1FEDE2C6-7D55-47ED-82AA-F36D819709A3}" presName="sibTrans" presStyleCnt="0"/>
+    <dgm:pt modelId="{2C9C0F09-58F8-4882-ADA8-8A20893E3E87}" type="pres">
+      <dgm:prSet presAssocID="{3AD8CA92-12D0-4C7F-9897-DFC8CEF50068}" presName="sp" presStyleCnt="0"/>
+      <dgm:spPr/>
+    </dgm:pt>
+    <dgm:pt modelId="{D024EED7-0F52-4AF7-81B7-BAAC963F8469}" type="pres">
+      <dgm:prSet presAssocID="{0E715C82-7B9E-4BD1-BE9A-46A07AC4BF73}" presName="composite" presStyleCnt="0"/>
+      <dgm:spPr/>
+    </dgm:pt>
+    <dgm:pt modelId="{8BE77904-10B1-47D7-823E-F63AA3738A8F}" type="pres">
+      <dgm:prSet presAssocID="{0E715C82-7B9E-4BD1-BE9A-46A07AC4BF73}" presName="parentText" presStyleLbl="alignNode1" presStyleIdx="2" presStyleCnt="7">
+        <dgm:presLayoutVars>
+          <dgm:chMax val="1"/>
+          <dgm:bulletEnabled val="1"/>
+        </dgm:presLayoutVars>
+      </dgm:prSet>
       <dgm:spPr/>
       <dgm:t>
         <a:bodyPr/>
@@ -5506,8 +5053,8 @@
         </a:p>
       </dgm:t>
     </dgm:pt>
-    <dgm:pt modelId="{824472BB-2F7B-4112-A4DD-102069FBCD42}" type="pres">
-      <dgm:prSet presAssocID="{AA8BE08D-1173-4BDE-A6B4-3151D280CA14}" presName="textNode" presStyleLbl="node1" presStyleIdx="2" presStyleCnt="6">
+    <dgm:pt modelId="{72B0EC31-621D-40AC-BFBB-803A3C7A0AD9}" type="pres">
+      <dgm:prSet presAssocID="{0E715C82-7B9E-4BD1-BE9A-46A07AC4BF73}" presName="descendantText" presStyleLbl="alignAcc1" presStyleIdx="2" presStyleCnt="7">
         <dgm:presLayoutVars>
           <dgm:bulletEnabled val="1"/>
         </dgm:presLayoutVars>
@@ -5521,8 +5068,21 @@
         </a:p>
       </dgm:t>
     </dgm:pt>
-    <dgm:pt modelId="{135F6F62-F1C5-4D4D-ABD9-58ACA0226A9A}" type="pres">
-      <dgm:prSet presAssocID="{5E1F489E-D7C5-44FD-A1A3-04D59B67D3D3}" presName="sibTrans" presStyleCnt="0"/>
+    <dgm:pt modelId="{E2C3267F-14EB-4677-8165-189D938F1DA0}" type="pres">
+      <dgm:prSet presAssocID="{B4E30E3C-1CDE-4293-B0E6-ABE817CDB4E0}" presName="sp" presStyleCnt="0"/>
+      <dgm:spPr/>
+    </dgm:pt>
+    <dgm:pt modelId="{4077566B-2B00-4B97-9B3C-0A99BB6F0A77}" type="pres">
+      <dgm:prSet presAssocID="{08807098-8173-485D-A578-A38AF1D80C6C}" presName="composite" presStyleCnt="0"/>
+      <dgm:spPr/>
+    </dgm:pt>
+    <dgm:pt modelId="{841751F1-A347-484C-9024-ECF7F5F5C4E7}" type="pres">
+      <dgm:prSet presAssocID="{08807098-8173-485D-A578-A38AF1D80C6C}" presName="parentText" presStyleLbl="alignNode1" presStyleIdx="3" presStyleCnt="7">
+        <dgm:presLayoutVars>
+          <dgm:chMax val="1"/>
+          <dgm:bulletEnabled val="1"/>
+        </dgm:presLayoutVars>
+      </dgm:prSet>
       <dgm:spPr/>
       <dgm:t>
         <a:bodyPr/>
@@ -5532,8 +5092,8 @@
         </a:p>
       </dgm:t>
     </dgm:pt>
-    <dgm:pt modelId="{1A6CD480-AFE0-4325-B4B7-48B0020877EE}" type="pres">
-      <dgm:prSet presAssocID="{28B1C933-CF01-4D4D-9C7E-CDE645EA629C}" presName="textNode" presStyleLbl="node1" presStyleIdx="3" presStyleCnt="6">
+    <dgm:pt modelId="{E43DB939-6F23-4514-9208-729410AE4A73}" type="pres">
+      <dgm:prSet presAssocID="{08807098-8173-485D-A578-A38AF1D80C6C}" presName="descendantText" presStyleLbl="alignAcc1" presStyleIdx="3" presStyleCnt="7">
         <dgm:presLayoutVars>
           <dgm:bulletEnabled val="1"/>
         </dgm:presLayoutVars>
@@ -5547,8 +5107,21 @@
         </a:p>
       </dgm:t>
     </dgm:pt>
-    <dgm:pt modelId="{3051B162-9181-406E-8075-F86A812E5996}" type="pres">
-      <dgm:prSet presAssocID="{D8275AC3-0268-4A33-B3FC-476D08921FED}" presName="sibTrans" presStyleCnt="0"/>
+    <dgm:pt modelId="{03DD555D-AE41-47EA-9D16-1E520D93B24B}" type="pres">
+      <dgm:prSet presAssocID="{3E238C47-BDE1-4919-BC46-88186AA7575C}" presName="sp" presStyleCnt="0"/>
+      <dgm:spPr/>
+    </dgm:pt>
+    <dgm:pt modelId="{0D5CC4B6-3AF2-43BA-BC30-305B3F4CF8E4}" type="pres">
+      <dgm:prSet presAssocID="{46536F57-D59A-4EDB-88DD-DE941E2CDB52}" presName="composite" presStyleCnt="0"/>
+      <dgm:spPr/>
+    </dgm:pt>
+    <dgm:pt modelId="{8490C617-2CE8-45AE-96AF-71AC9C7297E4}" type="pres">
+      <dgm:prSet presAssocID="{46536F57-D59A-4EDB-88DD-DE941E2CDB52}" presName="parentText" presStyleLbl="alignNode1" presStyleIdx="4" presStyleCnt="7">
+        <dgm:presLayoutVars>
+          <dgm:chMax val="1"/>
+          <dgm:bulletEnabled val="1"/>
+        </dgm:presLayoutVars>
+      </dgm:prSet>
       <dgm:spPr/>
       <dgm:t>
         <a:bodyPr/>
@@ -5558,8 +5131,8 @@
         </a:p>
       </dgm:t>
     </dgm:pt>
-    <dgm:pt modelId="{180C9C67-F2EA-4F60-8AF6-AD7689B7633F}" type="pres">
-      <dgm:prSet presAssocID="{8B534C09-8A18-4985-9A93-E5C5232E39A9}" presName="textNode" presStyleLbl="node1" presStyleIdx="4" presStyleCnt="6">
+    <dgm:pt modelId="{DFCD5078-65B0-4F43-9A63-A8CAB2AC2759}" type="pres">
+      <dgm:prSet presAssocID="{46536F57-D59A-4EDB-88DD-DE941E2CDB52}" presName="descendantText" presStyleLbl="alignAcc1" presStyleIdx="4" presStyleCnt="7">
         <dgm:presLayoutVars>
           <dgm:bulletEnabled val="1"/>
         </dgm:presLayoutVars>
@@ -5573,8 +5146,21 @@
         </a:p>
       </dgm:t>
     </dgm:pt>
-    <dgm:pt modelId="{1D2BEFB9-BADB-4592-B0BC-B41FB5ECDB10}" type="pres">
-      <dgm:prSet presAssocID="{3D16B76E-3AE8-4C9B-A792-8600C66E8E1E}" presName="sibTrans" presStyleCnt="0"/>
+    <dgm:pt modelId="{535F4265-557B-44A2-B061-ADE28D293156}" type="pres">
+      <dgm:prSet presAssocID="{81C1B152-4659-481A-BEBA-00BF5144CD9C}" presName="sp" presStyleCnt="0"/>
+      <dgm:spPr/>
+    </dgm:pt>
+    <dgm:pt modelId="{E04F1E49-0066-4F30-8994-1C1985F2A17B}" type="pres">
+      <dgm:prSet presAssocID="{F0CE30F2-B300-4D97-B71E-DB265D1A6A0D}" presName="composite" presStyleCnt="0"/>
+      <dgm:spPr/>
+    </dgm:pt>
+    <dgm:pt modelId="{D5805F06-885F-4C36-B24C-43D053D7AC6E}" type="pres">
+      <dgm:prSet presAssocID="{F0CE30F2-B300-4D97-B71E-DB265D1A6A0D}" presName="parentText" presStyleLbl="alignNode1" presStyleIdx="5" presStyleCnt="7">
+        <dgm:presLayoutVars>
+          <dgm:chMax val="1"/>
+          <dgm:bulletEnabled val="1"/>
+        </dgm:presLayoutVars>
+      </dgm:prSet>
       <dgm:spPr/>
       <dgm:t>
         <a:bodyPr/>
@@ -5584,8 +5170,47 @@
         </a:p>
       </dgm:t>
     </dgm:pt>
-    <dgm:pt modelId="{8875CD33-A813-4BB9-9AA1-C55534DFCBA1}" type="pres">
-      <dgm:prSet presAssocID="{E72E7007-DC96-46EB-A0AF-7C11C99C0C7E}" presName="textNode" presStyleLbl="node1" presStyleIdx="5" presStyleCnt="6">
+    <dgm:pt modelId="{66463D27-39F3-47CA-B4D6-F708B4EE319A}" type="pres">
+      <dgm:prSet presAssocID="{F0CE30F2-B300-4D97-B71E-DB265D1A6A0D}" presName="descendantText" presStyleLbl="alignAcc1" presStyleIdx="5" presStyleCnt="7">
+        <dgm:presLayoutVars>
+          <dgm:bulletEnabled val="1"/>
+        </dgm:presLayoutVars>
+      </dgm:prSet>
+      <dgm:spPr/>
+      <dgm:t>
+        <a:bodyPr/>
+        <a:lstStyle/>
+        <a:p>
+          <a:endParaRPr lang="ru-RU"/>
+        </a:p>
+      </dgm:t>
+    </dgm:pt>
+    <dgm:pt modelId="{A7967FFF-2DF9-485C-8DDD-823397DB4625}" type="pres">
+      <dgm:prSet presAssocID="{246503D8-7CDA-4D55-B11E-0B9A2DFC7C59}" presName="sp" presStyleCnt="0"/>
+      <dgm:spPr/>
+    </dgm:pt>
+    <dgm:pt modelId="{FA49C867-B3BA-4A74-8046-65E77C394252}" type="pres">
+      <dgm:prSet presAssocID="{82A3D12D-5DBA-4139-8125-9632D20344C0}" presName="composite" presStyleCnt="0"/>
+      <dgm:spPr/>
+    </dgm:pt>
+    <dgm:pt modelId="{D22CBBA7-221A-477B-93F8-2E5AB75E2AC3}" type="pres">
+      <dgm:prSet presAssocID="{82A3D12D-5DBA-4139-8125-9632D20344C0}" presName="parentText" presStyleLbl="alignNode1" presStyleIdx="6" presStyleCnt="7">
+        <dgm:presLayoutVars>
+          <dgm:chMax val="1"/>
+          <dgm:bulletEnabled val="1"/>
+        </dgm:presLayoutVars>
+      </dgm:prSet>
+      <dgm:spPr/>
+      <dgm:t>
+        <a:bodyPr/>
+        <a:lstStyle/>
+        <a:p>
+          <a:endParaRPr lang="ru-RU"/>
+        </a:p>
+      </dgm:t>
+    </dgm:pt>
+    <dgm:pt modelId="{549FC660-91D8-4751-B1B1-D01C73B2226D}" type="pres">
+      <dgm:prSet presAssocID="{82A3D12D-5DBA-4139-8125-9632D20344C0}" presName="descendantText" presStyleLbl="alignAcc1" presStyleIdx="6" presStyleCnt="7">
         <dgm:presLayoutVars>
           <dgm:bulletEnabled val="1"/>
         </dgm:presLayoutVars>
@@ -5601,793 +5226,62 @@
     </dgm:pt>
   </dgm:ptLst>
   <dgm:cxnLst>
-    <dgm:cxn modelId="{AD7E0059-139B-4C35-9F80-0CEAC9819A81}" srcId="{1A2B4F42-0AB5-44FC-BD18-331CDE8A3CAD}" destId="{0E8C1D51-7DC1-402F-8BAD-DC99EFAC8940}" srcOrd="0" destOrd="0" parTransId="{486DE5E4-070D-4EF1-BEFE-35D2A5890006}" sibTransId="{65632C4E-CBC2-4132-83BD-F7CBDDB185F9}"/>
-    <dgm:cxn modelId="{C4524886-0B8B-4C5A-B358-3C586595CD70}" srcId="{1A2B4F42-0AB5-44FC-BD18-331CDE8A3CAD}" destId="{8B534C09-8A18-4985-9A93-E5C5232E39A9}" srcOrd="4" destOrd="0" parTransId="{6CE18C87-2EBD-4517-99AF-ABB9CC6084AB}" sibTransId="{3D16B76E-3AE8-4C9B-A792-8600C66E8E1E}"/>
-    <dgm:cxn modelId="{DEA78DF2-288C-49F3-881E-2A12C28E5934}" srcId="{1A2B4F42-0AB5-44FC-BD18-331CDE8A3CAD}" destId="{AA8BE08D-1173-4BDE-A6B4-3151D280CA14}" srcOrd="2" destOrd="0" parTransId="{D434AFDF-CE43-4B83-AC32-D4E4D0290B5F}" sibTransId="{5E1F489E-D7C5-44FD-A1A3-04D59B67D3D3}"/>
-    <dgm:cxn modelId="{6162899D-8914-44E4-A026-7CEFDB6F4AD9}" srcId="{1A2B4F42-0AB5-44FC-BD18-331CDE8A3CAD}" destId="{E72E7007-DC96-46EB-A0AF-7C11C99C0C7E}" srcOrd="5" destOrd="0" parTransId="{35D5888D-7271-462D-95A0-24674C5AA23D}" sibTransId="{6834C8F3-C2E7-41EE-8B29-9DE276E6ECB7}"/>
-    <dgm:cxn modelId="{1E9F5C42-BEC5-46A8-B88A-3B91CE4FDABE}" srcId="{1A2B4F42-0AB5-44FC-BD18-331CDE8A3CAD}" destId="{28B1C933-CF01-4D4D-9C7E-CDE645EA629C}" srcOrd="3" destOrd="0" parTransId="{C7E97234-4A13-4550-B989-B4D48F071F6E}" sibTransId="{D8275AC3-0268-4A33-B3FC-476D08921FED}"/>
-    <dgm:cxn modelId="{16D60E59-DCE3-4D92-B784-9372C4D50CD8}" type="presOf" srcId="{0E8C1D51-7DC1-402F-8BAD-DC99EFAC8940}" destId="{684CD503-3A7A-4945-9AF2-39B7BF932C28}" srcOrd="0" destOrd="0" presId="urn:microsoft.com/office/officeart/2005/8/layout/hProcess9"/>
-    <dgm:cxn modelId="{A91EC2D6-A412-4810-B3D2-77E39243EFB1}" type="presOf" srcId="{28B1C933-CF01-4D4D-9C7E-CDE645EA629C}" destId="{1A6CD480-AFE0-4325-B4B7-48B0020877EE}" srcOrd="0" destOrd="0" presId="urn:microsoft.com/office/officeart/2005/8/layout/hProcess9"/>
-    <dgm:cxn modelId="{4B32B947-1875-412F-B6AB-EB2689C12F13}" srcId="{1A2B4F42-0AB5-44FC-BD18-331CDE8A3CAD}" destId="{94C851D7-643F-4F6A-907F-24F25BC578B2}" srcOrd="1" destOrd="0" parTransId="{0F0C90CE-83D4-4FBD-BF9D-A01C180F4989}" sibTransId="{1FEDE2C6-7D55-47ED-82AA-F36D819709A3}"/>
-    <dgm:cxn modelId="{EB8F2613-A6E5-4524-9843-4A7E203C96FF}" type="presOf" srcId="{AA8BE08D-1173-4BDE-A6B4-3151D280CA14}" destId="{824472BB-2F7B-4112-A4DD-102069FBCD42}" srcOrd="0" destOrd="0" presId="urn:microsoft.com/office/officeart/2005/8/layout/hProcess9"/>
-    <dgm:cxn modelId="{AFB90C89-8A31-4645-ABB5-E1F54B2D06E8}" type="presOf" srcId="{E72E7007-DC96-46EB-A0AF-7C11C99C0C7E}" destId="{8875CD33-A813-4BB9-9AA1-C55534DFCBA1}" srcOrd="0" destOrd="0" presId="urn:microsoft.com/office/officeart/2005/8/layout/hProcess9"/>
-    <dgm:cxn modelId="{285781DA-C915-4767-A069-3B7C9F2A45F0}" type="presOf" srcId="{8B534C09-8A18-4985-9A93-E5C5232E39A9}" destId="{180C9C67-F2EA-4F60-8AF6-AD7689B7633F}" srcOrd="0" destOrd="0" presId="urn:microsoft.com/office/officeart/2005/8/layout/hProcess9"/>
-    <dgm:cxn modelId="{06DF73B9-7E84-4D31-9F55-B895AED19259}" type="presOf" srcId="{94C851D7-643F-4F6A-907F-24F25BC578B2}" destId="{B9814984-5FFD-43AA-A575-6FE08D9D0415}" srcOrd="0" destOrd="0" presId="urn:microsoft.com/office/officeart/2005/8/layout/hProcess9"/>
-    <dgm:cxn modelId="{B9AA1564-7965-4CFD-938B-C6FBF7F0BF12}" type="presOf" srcId="{1A2B4F42-0AB5-44FC-BD18-331CDE8A3CAD}" destId="{E9F9EBC8-DA6C-4C75-A771-809140917B54}" srcOrd="0" destOrd="0" presId="urn:microsoft.com/office/officeart/2005/8/layout/hProcess9"/>
-    <dgm:cxn modelId="{90BF72BC-46DF-4269-9322-AB1A15264CCC}" type="presParOf" srcId="{E9F9EBC8-DA6C-4C75-A771-809140917B54}" destId="{49BA00DD-D962-4A59-8B54-2FF5F53FB60A}" srcOrd="0" destOrd="0" presId="urn:microsoft.com/office/officeart/2005/8/layout/hProcess9"/>
-    <dgm:cxn modelId="{8AC58FD1-8FFF-4AA5-BAA7-34D7DF7655AE}" type="presParOf" srcId="{E9F9EBC8-DA6C-4C75-A771-809140917B54}" destId="{1A6E4F9D-19A0-49F3-AD6A-995C1A2C55FE}" srcOrd="1" destOrd="0" presId="urn:microsoft.com/office/officeart/2005/8/layout/hProcess9"/>
-    <dgm:cxn modelId="{AA96CC3C-1B2B-4133-A590-EAAB423651D2}" type="presParOf" srcId="{1A6E4F9D-19A0-49F3-AD6A-995C1A2C55FE}" destId="{684CD503-3A7A-4945-9AF2-39B7BF932C28}" srcOrd="0" destOrd="0" presId="urn:microsoft.com/office/officeart/2005/8/layout/hProcess9"/>
-    <dgm:cxn modelId="{3DF0EB2B-4A67-4150-9AC1-99AEF4375E2F}" type="presParOf" srcId="{1A6E4F9D-19A0-49F3-AD6A-995C1A2C55FE}" destId="{1A6F2866-F5CF-4AE5-9969-C4F02791BDBA}" srcOrd="1" destOrd="0" presId="urn:microsoft.com/office/officeart/2005/8/layout/hProcess9"/>
-    <dgm:cxn modelId="{AB5C5DD6-453F-4FEB-B405-D90E52C9D942}" type="presParOf" srcId="{1A6E4F9D-19A0-49F3-AD6A-995C1A2C55FE}" destId="{B9814984-5FFD-43AA-A575-6FE08D9D0415}" srcOrd="2" destOrd="0" presId="urn:microsoft.com/office/officeart/2005/8/layout/hProcess9"/>
-    <dgm:cxn modelId="{DCED975E-875B-4606-A506-E3865DFEC283}" type="presParOf" srcId="{1A6E4F9D-19A0-49F3-AD6A-995C1A2C55FE}" destId="{221FBA34-4232-4230-9662-AE106CB794CE}" srcOrd="3" destOrd="0" presId="urn:microsoft.com/office/officeart/2005/8/layout/hProcess9"/>
-    <dgm:cxn modelId="{D423BB48-AEB3-4BA9-9B38-63B70C93744C}" type="presParOf" srcId="{1A6E4F9D-19A0-49F3-AD6A-995C1A2C55FE}" destId="{824472BB-2F7B-4112-A4DD-102069FBCD42}" srcOrd="4" destOrd="0" presId="urn:microsoft.com/office/officeart/2005/8/layout/hProcess9"/>
-    <dgm:cxn modelId="{A085DF1C-AA69-4E8C-B884-851C089711F3}" type="presParOf" srcId="{1A6E4F9D-19A0-49F3-AD6A-995C1A2C55FE}" destId="{135F6F62-F1C5-4D4D-ABD9-58ACA0226A9A}" srcOrd="5" destOrd="0" presId="urn:microsoft.com/office/officeart/2005/8/layout/hProcess9"/>
-    <dgm:cxn modelId="{D4F95DAA-4717-47EB-8C6D-008B16921701}" type="presParOf" srcId="{1A6E4F9D-19A0-49F3-AD6A-995C1A2C55FE}" destId="{1A6CD480-AFE0-4325-B4B7-48B0020877EE}" srcOrd="6" destOrd="0" presId="urn:microsoft.com/office/officeart/2005/8/layout/hProcess9"/>
-    <dgm:cxn modelId="{87062E4C-9A27-4D75-8D60-68C15AFD0456}" type="presParOf" srcId="{1A6E4F9D-19A0-49F3-AD6A-995C1A2C55FE}" destId="{3051B162-9181-406E-8075-F86A812E5996}" srcOrd="7" destOrd="0" presId="urn:microsoft.com/office/officeart/2005/8/layout/hProcess9"/>
-    <dgm:cxn modelId="{AF041321-33D5-47EF-8373-02D7B58C5B80}" type="presParOf" srcId="{1A6E4F9D-19A0-49F3-AD6A-995C1A2C55FE}" destId="{180C9C67-F2EA-4F60-8AF6-AD7689B7633F}" srcOrd="8" destOrd="0" presId="urn:microsoft.com/office/officeart/2005/8/layout/hProcess9"/>
-    <dgm:cxn modelId="{3812E2EB-29F8-4F14-B83E-3F257963325B}" type="presParOf" srcId="{1A6E4F9D-19A0-49F3-AD6A-995C1A2C55FE}" destId="{1D2BEFB9-BADB-4592-B0BC-B41FB5ECDB10}" srcOrd="9" destOrd="0" presId="urn:microsoft.com/office/officeart/2005/8/layout/hProcess9"/>
-    <dgm:cxn modelId="{905231B3-1BCC-4F97-A904-823DE8308518}" type="presParOf" srcId="{1A6E4F9D-19A0-49F3-AD6A-995C1A2C55FE}" destId="{8875CD33-A813-4BB9-9AA1-C55534DFCBA1}" srcOrd="10" destOrd="0" presId="urn:microsoft.com/office/officeart/2005/8/layout/hProcess9"/>
-  </dgm:cxnLst>
-  <dgm:bg/>
-  <dgm:whole/>
-  <dgm:extLst>
-    <a:ext uri="http://schemas.microsoft.com/office/drawing/2008/diagram">
-      <dsp:dataModelExt xmlns:dsp="http://schemas.microsoft.com/office/drawing/2008/diagram" relId="rId6" minVer="http://schemas.openxmlformats.org/drawingml/2006/diagram"/>
-    </a:ext>
-  </dgm:extLst>
-</dgm:dataModel>
-</file>
-
-<file path=ppt/diagrams/data5.xml><?xml version="1.0" encoding="utf-8"?>
-<dgm:dataModel xmlns:dgm="http://schemas.openxmlformats.org/drawingml/2006/diagram" xmlns:a="http://schemas.openxmlformats.org/drawingml/2006/main">
-  <dgm:ptLst>
-    <dgm:pt modelId="{1530F9B8-E88E-4DC9-A8FD-B0F2CD58385D}" type="doc">
-      <dgm:prSet loTypeId="urn:microsoft.com/office/officeart/2008/layout/SquareAccentList" loCatId="list" qsTypeId="urn:microsoft.com/office/officeart/2005/8/quickstyle/simple1" qsCatId="simple" csTypeId="urn:microsoft.com/office/officeart/2005/8/colors/accent1_2" csCatId="accent1" phldr="1"/>
-      <dgm:spPr/>
-      <dgm:t>
-        <a:bodyPr/>
-        <a:lstStyle/>
-        <a:p>
-          <a:endParaRPr lang="ru-RU"/>
-        </a:p>
-      </dgm:t>
-    </dgm:pt>
-    <dgm:pt modelId="{D6B97236-8735-4E4F-9B6D-A572D2CC56C3}">
-      <dgm:prSet phldrT="[Текст]"/>
-      <dgm:spPr/>
-      <dgm:t>
-        <a:bodyPr/>
-        <a:lstStyle/>
-        <a:p>
-          <a:r>
-            <a:rPr lang="en-US" dirty="0" smtClean="0"/>
-            <a:t>Smalltalk</a:t>
-          </a:r>
-          <a:endParaRPr lang="ru-RU" dirty="0"/>
-        </a:p>
-      </dgm:t>
-    </dgm:pt>
-    <dgm:pt modelId="{B2A378A5-6DFB-4D66-9E57-1CA7A36BFA63}" type="parTrans" cxnId="{4EDCCDA6-BB58-46F8-8E90-47D3BC924E4F}">
-      <dgm:prSet/>
-      <dgm:spPr/>
-      <dgm:t>
-        <a:bodyPr/>
-        <a:lstStyle/>
-        <a:p>
-          <a:endParaRPr lang="ru-RU"/>
-        </a:p>
-      </dgm:t>
-    </dgm:pt>
-    <dgm:pt modelId="{769321EB-D156-42D9-9481-609070ABD0F0}" type="sibTrans" cxnId="{4EDCCDA6-BB58-46F8-8E90-47D3BC924E4F}">
-      <dgm:prSet/>
-      <dgm:spPr/>
-      <dgm:t>
-        <a:bodyPr/>
-        <a:lstStyle/>
-        <a:p>
-          <a:endParaRPr lang="ru-RU"/>
-        </a:p>
-      </dgm:t>
-    </dgm:pt>
-    <dgm:pt modelId="{024E8BDF-BC40-46E2-B8D7-4EC347B428C2}">
-      <dgm:prSet phldrT="[Текст]"/>
-      <dgm:spPr/>
-      <dgm:t>
-        <a:bodyPr/>
-        <a:lstStyle/>
-        <a:p>
-          <a:r>
-            <a:rPr lang="ru-RU" dirty="0" smtClean="0"/>
-            <a:t>Интерпретируемый</a:t>
-          </a:r>
-          <a:endParaRPr lang="ru-RU" dirty="0"/>
-        </a:p>
-      </dgm:t>
-    </dgm:pt>
-    <dgm:pt modelId="{5F76EBCC-1808-402B-928C-02D1FE96B398}" type="parTrans" cxnId="{9B43282C-ED0F-4565-B5F2-7B731BE7D7A3}">
-      <dgm:prSet/>
-      <dgm:spPr/>
-      <dgm:t>
-        <a:bodyPr/>
-        <a:lstStyle/>
-        <a:p>
-          <a:endParaRPr lang="ru-RU"/>
-        </a:p>
-      </dgm:t>
-    </dgm:pt>
-    <dgm:pt modelId="{DF27E18D-EB85-4C50-8975-1778F36618BA}" type="sibTrans" cxnId="{9B43282C-ED0F-4565-B5F2-7B731BE7D7A3}">
-      <dgm:prSet/>
-      <dgm:spPr/>
-      <dgm:t>
-        <a:bodyPr/>
-        <a:lstStyle/>
-        <a:p>
-          <a:endParaRPr lang="ru-RU"/>
-        </a:p>
-      </dgm:t>
-    </dgm:pt>
-    <dgm:pt modelId="{36DDC68C-83DA-4885-8697-13DF49DCDF7F}">
-      <dgm:prSet phldrT="[Текст]"/>
-      <dgm:spPr/>
-      <dgm:t>
-        <a:bodyPr/>
-        <a:lstStyle/>
-        <a:p>
-          <a:r>
-            <a:rPr lang="ru-RU" dirty="0" smtClean="0"/>
-            <a:t>Динамическая типизация</a:t>
-          </a:r>
-          <a:endParaRPr lang="ru-RU" dirty="0"/>
-        </a:p>
-      </dgm:t>
-    </dgm:pt>
-    <dgm:pt modelId="{7C1FEE4E-3B0C-4078-B00C-7E5BB03D96A7}" type="parTrans" cxnId="{BA66FF01-95F6-46D3-9904-DC699F2D65EB}">
-      <dgm:prSet/>
-      <dgm:spPr/>
-      <dgm:t>
-        <a:bodyPr/>
-        <a:lstStyle/>
-        <a:p>
-          <a:endParaRPr lang="ru-RU"/>
-        </a:p>
-      </dgm:t>
-    </dgm:pt>
-    <dgm:pt modelId="{281705C9-472B-4AA2-9C1B-C1D545055B74}" type="sibTrans" cxnId="{BA66FF01-95F6-46D3-9904-DC699F2D65EB}">
-      <dgm:prSet/>
-      <dgm:spPr/>
-      <dgm:t>
-        <a:bodyPr/>
-        <a:lstStyle/>
-        <a:p>
-          <a:endParaRPr lang="ru-RU"/>
-        </a:p>
-      </dgm:t>
-    </dgm:pt>
-    <dgm:pt modelId="{47C1D2FE-1DC5-47B2-A09C-869F5E2F0112}">
-      <dgm:prSet phldrT="[Текст]"/>
-      <dgm:spPr/>
-      <dgm:t>
-        <a:bodyPr/>
-        <a:lstStyle/>
-        <a:p>
-          <a:r>
-            <a:rPr lang="en-US" dirty="0" smtClean="0"/>
-            <a:t>PHP</a:t>
-          </a:r>
-          <a:endParaRPr lang="ru-RU" dirty="0"/>
-        </a:p>
-      </dgm:t>
-    </dgm:pt>
-    <dgm:pt modelId="{3533A992-3A51-481A-8AC8-E74F751E8CB7}" type="parTrans" cxnId="{3C70FCD9-D4D7-4ED9-95A3-703DC8D637F8}">
-      <dgm:prSet/>
-      <dgm:spPr/>
-      <dgm:t>
-        <a:bodyPr/>
-        <a:lstStyle/>
-        <a:p>
-          <a:endParaRPr lang="ru-RU"/>
-        </a:p>
-      </dgm:t>
-    </dgm:pt>
-    <dgm:pt modelId="{A664C531-374D-494A-92CD-39B71AC4359A}" type="sibTrans" cxnId="{3C70FCD9-D4D7-4ED9-95A3-703DC8D637F8}">
-      <dgm:prSet/>
-      <dgm:spPr/>
-      <dgm:t>
-        <a:bodyPr/>
-        <a:lstStyle/>
-        <a:p>
-          <a:endParaRPr lang="ru-RU"/>
-        </a:p>
-      </dgm:t>
-    </dgm:pt>
-    <dgm:pt modelId="{4ECC37C2-DBD3-4807-B190-E28B8038B23F}">
-      <dgm:prSet phldrT="[Текст]"/>
-      <dgm:spPr/>
-      <dgm:t>
-        <a:bodyPr/>
-        <a:lstStyle/>
-        <a:p>
-          <a:r>
-            <a:rPr lang="ru-RU" dirty="0" smtClean="0"/>
-            <a:t>Интерпретируемый</a:t>
-          </a:r>
-          <a:endParaRPr lang="ru-RU" dirty="0"/>
-        </a:p>
-      </dgm:t>
-    </dgm:pt>
-    <dgm:pt modelId="{05047FC1-D603-4E9B-B291-7E97E8EFCCC4}" type="parTrans" cxnId="{822AF533-53B7-4479-81A4-482B107D4D2D}">
-      <dgm:prSet/>
-      <dgm:spPr/>
-      <dgm:t>
-        <a:bodyPr/>
-        <a:lstStyle/>
-        <a:p>
-          <a:endParaRPr lang="ru-RU"/>
-        </a:p>
-      </dgm:t>
-    </dgm:pt>
-    <dgm:pt modelId="{097D281E-E43B-48FE-8D23-94D395653BF3}" type="sibTrans" cxnId="{822AF533-53B7-4479-81A4-482B107D4D2D}">
-      <dgm:prSet/>
-      <dgm:spPr/>
-      <dgm:t>
-        <a:bodyPr/>
-        <a:lstStyle/>
-        <a:p>
-          <a:endParaRPr lang="ru-RU"/>
-        </a:p>
-      </dgm:t>
-    </dgm:pt>
-    <dgm:pt modelId="{44189CB8-522F-4EC7-BA11-8E66116A5DC9}">
-      <dgm:prSet phldrT="[Текст]"/>
-      <dgm:spPr/>
-      <dgm:t>
-        <a:bodyPr/>
-        <a:lstStyle/>
-        <a:p>
-          <a:r>
-            <a:rPr lang="ru-RU" dirty="0" smtClean="0"/>
-            <a:t>Динамическая типизация</a:t>
-          </a:r>
-          <a:endParaRPr lang="ru-RU" dirty="0"/>
-        </a:p>
-      </dgm:t>
-    </dgm:pt>
-    <dgm:pt modelId="{451B97B1-3732-47BD-8899-0131F80C608F}" type="parTrans" cxnId="{09BFDE15-8666-48C5-96A0-C2EDBCA52733}">
-      <dgm:prSet/>
-      <dgm:spPr/>
-      <dgm:t>
-        <a:bodyPr/>
-        <a:lstStyle/>
-        <a:p>
-          <a:endParaRPr lang="ru-RU"/>
-        </a:p>
-      </dgm:t>
-    </dgm:pt>
-    <dgm:pt modelId="{98CA000E-AFFA-4E41-BDEC-0644D068A65B}" type="sibTrans" cxnId="{09BFDE15-8666-48C5-96A0-C2EDBCA52733}">
-      <dgm:prSet/>
-      <dgm:spPr/>
-      <dgm:t>
-        <a:bodyPr/>
-        <a:lstStyle/>
-        <a:p>
-          <a:endParaRPr lang="ru-RU"/>
-        </a:p>
-      </dgm:t>
-    </dgm:pt>
-    <dgm:pt modelId="{6B0A836B-50A9-4157-B5B5-8D913001262C}">
-      <dgm:prSet phldrT="[Текст]"/>
-      <dgm:spPr/>
-      <dgm:t>
-        <a:bodyPr/>
-        <a:lstStyle/>
-        <a:p>
-          <a:r>
-            <a:rPr lang="ru-RU" dirty="0" smtClean="0"/>
-            <a:t>Виртуальная машина</a:t>
-          </a:r>
-          <a:endParaRPr lang="ru-RU" dirty="0"/>
-        </a:p>
-      </dgm:t>
-    </dgm:pt>
-    <dgm:pt modelId="{12BF700D-89A8-4651-BC39-A01B063B0EF7}" type="parTrans" cxnId="{9E1B95A5-DE83-4792-89AC-3791BA0ACAC0}">
-      <dgm:prSet/>
-      <dgm:spPr/>
-      <dgm:t>
-        <a:bodyPr/>
-        <a:lstStyle/>
-        <a:p>
-          <a:endParaRPr lang="ru-RU"/>
-        </a:p>
-      </dgm:t>
-    </dgm:pt>
-    <dgm:pt modelId="{F30E6539-C212-4173-BE4C-E6F7CB6E85F2}" type="sibTrans" cxnId="{9E1B95A5-DE83-4792-89AC-3791BA0ACAC0}">
-      <dgm:prSet/>
-      <dgm:spPr/>
-      <dgm:t>
-        <a:bodyPr/>
-        <a:lstStyle/>
-        <a:p>
-          <a:endParaRPr lang="ru-RU"/>
-        </a:p>
-      </dgm:t>
-    </dgm:pt>
-    <dgm:pt modelId="{8AD2DAB2-432A-4B58-9CD4-9CBF14965C7A}">
-      <dgm:prSet phldrT="[Текст]"/>
-      <dgm:spPr/>
-      <dgm:t>
-        <a:bodyPr/>
-        <a:lstStyle/>
-        <a:p>
-          <a:r>
-            <a:rPr lang="ru-RU" dirty="0" smtClean="0"/>
-            <a:t>Виртуальная машина</a:t>
-          </a:r>
-          <a:endParaRPr lang="ru-RU" dirty="0"/>
-        </a:p>
-      </dgm:t>
-    </dgm:pt>
-    <dgm:pt modelId="{A78305D6-0B38-4B2A-9ABE-EBE8B127FFDA}" type="parTrans" cxnId="{02663535-AC16-49B2-9D3D-A512D37F2564}">
-      <dgm:prSet/>
-      <dgm:spPr/>
-      <dgm:t>
-        <a:bodyPr/>
-        <a:lstStyle/>
-        <a:p>
-          <a:endParaRPr lang="ru-RU"/>
-        </a:p>
-      </dgm:t>
-    </dgm:pt>
-    <dgm:pt modelId="{1CB23ECE-B6AF-4405-8C1E-27980BA2A70B}" type="sibTrans" cxnId="{02663535-AC16-49B2-9D3D-A512D37F2564}">
-      <dgm:prSet/>
-      <dgm:spPr/>
-      <dgm:t>
-        <a:bodyPr/>
-        <a:lstStyle/>
-        <a:p>
-          <a:endParaRPr lang="ru-RU"/>
-        </a:p>
-      </dgm:t>
-    </dgm:pt>
-    <dgm:pt modelId="{C45ECF38-6053-442A-AEF8-7F5B97B8F6FD}">
-      <dgm:prSet phldrT="[Текст]"/>
-      <dgm:spPr/>
-      <dgm:t>
-        <a:bodyPr/>
-        <a:lstStyle/>
-        <a:p>
-          <a:r>
-            <a:rPr lang="ru-RU" dirty="0" smtClean="0"/>
-            <a:t>Чисто объекто-ориентированный</a:t>
-          </a:r>
-          <a:endParaRPr lang="ru-RU" dirty="0"/>
-        </a:p>
-      </dgm:t>
-    </dgm:pt>
-    <dgm:pt modelId="{A31B4C93-06BE-411D-9401-FDABAA8C383E}" type="parTrans" cxnId="{B54E19A8-34D9-4FC6-A203-42C7C4DF406C}">
-      <dgm:prSet/>
-      <dgm:spPr/>
-      <dgm:t>
-        <a:bodyPr/>
-        <a:lstStyle/>
-        <a:p>
-          <a:endParaRPr lang="ru-RU"/>
-        </a:p>
-      </dgm:t>
-    </dgm:pt>
-    <dgm:pt modelId="{371BC69A-31AC-4347-8F98-E03677C94A5C}" type="sibTrans" cxnId="{B54E19A8-34D9-4FC6-A203-42C7C4DF406C}">
-      <dgm:prSet/>
-      <dgm:spPr/>
-      <dgm:t>
-        <a:bodyPr/>
-        <a:lstStyle/>
-        <a:p>
-          <a:endParaRPr lang="ru-RU"/>
-        </a:p>
-      </dgm:t>
-    </dgm:pt>
-    <dgm:pt modelId="{79ECA6D3-CA67-443E-B80C-75F4F5B3423D}">
-      <dgm:prSet phldrT="[Текст]"/>
-      <dgm:spPr/>
-      <dgm:t>
-        <a:bodyPr/>
-        <a:lstStyle/>
-        <a:p>
-          <a:r>
-            <a:rPr lang="ru-RU" dirty="0" smtClean="0"/>
-            <a:t>-</a:t>
-          </a:r>
-          <a:endParaRPr lang="ru-RU" dirty="0"/>
-        </a:p>
-      </dgm:t>
-    </dgm:pt>
-    <dgm:pt modelId="{40C7F6E5-EAB9-4A07-B250-0391AD84FDFF}" type="parTrans" cxnId="{A657D835-8EAB-4B46-8F92-08805E15D6ED}">
-      <dgm:prSet/>
-      <dgm:spPr/>
-      <dgm:t>
-        <a:bodyPr/>
-        <a:lstStyle/>
-        <a:p>
-          <a:endParaRPr lang="ru-RU"/>
-        </a:p>
-      </dgm:t>
-    </dgm:pt>
-    <dgm:pt modelId="{F91A1F0A-25BE-4006-B5DE-FC155C3FBC48}" type="sibTrans" cxnId="{A657D835-8EAB-4B46-8F92-08805E15D6ED}">
-      <dgm:prSet/>
-      <dgm:spPr/>
-      <dgm:t>
-        <a:bodyPr/>
-        <a:lstStyle/>
-        <a:p>
-          <a:endParaRPr lang="ru-RU"/>
-        </a:p>
-      </dgm:t>
-    </dgm:pt>
-    <dgm:pt modelId="{A7F46361-580E-4482-82C2-99D31CFC87D6}" type="pres">
-      <dgm:prSet presAssocID="{1530F9B8-E88E-4DC9-A8FD-B0F2CD58385D}" presName="layout" presStyleCnt="0">
-        <dgm:presLayoutVars>
-          <dgm:chMax/>
-          <dgm:chPref/>
-          <dgm:dir/>
-          <dgm:resizeHandles/>
-        </dgm:presLayoutVars>
-      </dgm:prSet>
-      <dgm:spPr/>
-    </dgm:pt>
-    <dgm:pt modelId="{087C20E0-5FCA-4E95-BA5C-9CCDFCA5FB3A}" type="pres">
-      <dgm:prSet presAssocID="{D6B97236-8735-4E4F-9B6D-A572D2CC56C3}" presName="root" presStyleCnt="0">
-        <dgm:presLayoutVars>
-          <dgm:chMax/>
-          <dgm:chPref/>
-        </dgm:presLayoutVars>
-      </dgm:prSet>
-      <dgm:spPr/>
-    </dgm:pt>
-    <dgm:pt modelId="{6D2AFAA9-D6AF-4AFE-8667-8F808C956AE4}" type="pres">
-      <dgm:prSet presAssocID="{D6B97236-8735-4E4F-9B6D-A572D2CC56C3}" presName="rootComposite" presStyleCnt="0">
-        <dgm:presLayoutVars/>
-      </dgm:prSet>
-      <dgm:spPr/>
-    </dgm:pt>
-    <dgm:pt modelId="{79FEC703-F261-4D4A-ABDC-5C957D3DBB47}" type="pres">
-      <dgm:prSet presAssocID="{D6B97236-8735-4E4F-9B6D-A572D2CC56C3}" presName="ParentAccent" presStyleLbl="alignNode1" presStyleIdx="0" presStyleCnt="2"/>
-      <dgm:spPr/>
-    </dgm:pt>
-    <dgm:pt modelId="{25D4A95F-4F70-45F7-8465-7FF83CF0A1A2}" type="pres">
-      <dgm:prSet presAssocID="{D6B97236-8735-4E4F-9B6D-A572D2CC56C3}" presName="ParentSmallAccent" presStyleLbl="fgAcc1" presStyleIdx="0" presStyleCnt="2"/>
-      <dgm:spPr/>
-    </dgm:pt>
-    <dgm:pt modelId="{5A538641-AF19-4C32-94A0-DC116495EA87}" type="pres">
-      <dgm:prSet presAssocID="{D6B97236-8735-4E4F-9B6D-A572D2CC56C3}" presName="Parent" presStyleLbl="revTx" presStyleIdx="0" presStyleCnt="10">
-        <dgm:presLayoutVars>
-          <dgm:chMax/>
-          <dgm:chPref val="4"/>
-          <dgm:bulletEnabled val="1"/>
-        </dgm:presLayoutVars>
-      </dgm:prSet>
-      <dgm:spPr/>
-    </dgm:pt>
-    <dgm:pt modelId="{CEEB6AD1-340D-40D9-88E4-4077B44DCE10}" type="pres">
-      <dgm:prSet presAssocID="{D6B97236-8735-4E4F-9B6D-A572D2CC56C3}" presName="childShape" presStyleCnt="0">
-        <dgm:presLayoutVars>
-          <dgm:chMax val="0"/>
-          <dgm:chPref val="0"/>
-        </dgm:presLayoutVars>
-      </dgm:prSet>
-      <dgm:spPr/>
-    </dgm:pt>
-    <dgm:pt modelId="{CFBC3161-6BB5-43F8-AA4D-764E9EE1A6A6}" type="pres">
-      <dgm:prSet presAssocID="{C45ECF38-6053-442A-AEF8-7F5B97B8F6FD}" presName="childComposite" presStyleCnt="0">
-        <dgm:presLayoutVars>
-          <dgm:chMax val="0"/>
-          <dgm:chPref val="0"/>
-        </dgm:presLayoutVars>
-      </dgm:prSet>
-      <dgm:spPr/>
-    </dgm:pt>
-    <dgm:pt modelId="{C7D6DF4F-D759-4FA5-AD7C-0AABFD177E97}" type="pres">
-      <dgm:prSet presAssocID="{C45ECF38-6053-442A-AEF8-7F5B97B8F6FD}" presName="ChildAccent" presStyleLbl="solidFgAcc1" presStyleIdx="0" presStyleCnt="8"/>
-      <dgm:spPr/>
-    </dgm:pt>
-    <dgm:pt modelId="{6D303641-8EC5-405F-BD17-D9C941004BF0}" type="pres">
-      <dgm:prSet presAssocID="{C45ECF38-6053-442A-AEF8-7F5B97B8F6FD}" presName="Child" presStyleLbl="revTx" presStyleIdx="1" presStyleCnt="10">
-        <dgm:presLayoutVars>
-          <dgm:chMax val="0"/>
-          <dgm:chPref val="0"/>
-          <dgm:bulletEnabled val="1"/>
-        </dgm:presLayoutVars>
-      </dgm:prSet>
-      <dgm:spPr/>
-      <dgm:t>
-        <a:bodyPr/>
-        <a:lstStyle/>
-        <a:p>
-          <a:endParaRPr lang="ru-RU"/>
-        </a:p>
-      </dgm:t>
-    </dgm:pt>
-    <dgm:pt modelId="{70F2FA2E-E511-4FD1-A6B4-BB50AFFB6F8D}" type="pres">
-      <dgm:prSet presAssocID="{024E8BDF-BC40-46E2-B8D7-4EC347B428C2}" presName="childComposite" presStyleCnt="0">
-        <dgm:presLayoutVars>
-          <dgm:chMax val="0"/>
-          <dgm:chPref val="0"/>
-        </dgm:presLayoutVars>
-      </dgm:prSet>
-      <dgm:spPr/>
-    </dgm:pt>
-    <dgm:pt modelId="{C4673F3A-1FBE-4F50-88A9-7DEE7E2A4865}" type="pres">
-      <dgm:prSet presAssocID="{024E8BDF-BC40-46E2-B8D7-4EC347B428C2}" presName="ChildAccent" presStyleLbl="solidFgAcc1" presStyleIdx="1" presStyleCnt="8"/>
-      <dgm:spPr/>
-    </dgm:pt>
-    <dgm:pt modelId="{19B199F8-9724-4362-8E2D-A0C6497B82F6}" type="pres">
-      <dgm:prSet presAssocID="{024E8BDF-BC40-46E2-B8D7-4EC347B428C2}" presName="Child" presStyleLbl="revTx" presStyleIdx="2" presStyleCnt="10">
-        <dgm:presLayoutVars>
-          <dgm:chMax val="0"/>
-          <dgm:chPref val="0"/>
-          <dgm:bulletEnabled val="1"/>
-        </dgm:presLayoutVars>
-      </dgm:prSet>
-      <dgm:spPr/>
-    </dgm:pt>
-    <dgm:pt modelId="{8A0E11EA-9B0C-47A1-ADDB-5983E554D047}" type="pres">
-      <dgm:prSet presAssocID="{36DDC68C-83DA-4885-8697-13DF49DCDF7F}" presName="childComposite" presStyleCnt="0">
-        <dgm:presLayoutVars>
-          <dgm:chMax val="0"/>
-          <dgm:chPref val="0"/>
-        </dgm:presLayoutVars>
-      </dgm:prSet>
-      <dgm:spPr/>
-    </dgm:pt>
-    <dgm:pt modelId="{085C5279-1134-4CCA-A1B3-AAC3D8EE8654}" type="pres">
-      <dgm:prSet presAssocID="{36DDC68C-83DA-4885-8697-13DF49DCDF7F}" presName="ChildAccent" presStyleLbl="solidFgAcc1" presStyleIdx="2" presStyleCnt="8"/>
-      <dgm:spPr/>
-    </dgm:pt>
-    <dgm:pt modelId="{4C6DF099-8420-404C-B374-8C9305B305FE}" type="pres">
-      <dgm:prSet presAssocID="{36DDC68C-83DA-4885-8697-13DF49DCDF7F}" presName="Child" presStyleLbl="revTx" presStyleIdx="3" presStyleCnt="10">
-        <dgm:presLayoutVars>
-          <dgm:chMax val="0"/>
-          <dgm:chPref val="0"/>
-          <dgm:bulletEnabled val="1"/>
-        </dgm:presLayoutVars>
-      </dgm:prSet>
-      <dgm:spPr/>
-    </dgm:pt>
-    <dgm:pt modelId="{2C38C7F4-5F80-410D-B97F-B8BA7F587691}" type="pres">
-      <dgm:prSet presAssocID="{6B0A836B-50A9-4157-B5B5-8D913001262C}" presName="childComposite" presStyleCnt="0">
-        <dgm:presLayoutVars>
-          <dgm:chMax val="0"/>
-          <dgm:chPref val="0"/>
-        </dgm:presLayoutVars>
-      </dgm:prSet>
-      <dgm:spPr/>
-    </dgm:pt>
-    <dgm:pt modelId="{8CAB3347-52F5-4502-9E78-05DBA6BFFE72}" type="pres">
-      <dgm:prSet presAssocID="{6B0A836B-50A9-4157-B5B5-8D913001262C}" presName="ChildAccent" presStyleLbl="solidFgAcc1" presStyleIdx="3" presStyleCnt="8"/>
-      <dgm:spPr/>
-    </dgm:pt>
-    <dgm:pt modelId="{15486690-B66F-4BCA-BABE-366A5D97FB7F}" type="pres">
-      <dgm:prSet presAssocID="{6B0A836B-50A9-4157-B5B5-8D913001262C}" presName="Child" presStyleLbl="revTx" presStyleIdx="4" presStyleCnt="10">
-        <dgm:presLayoutVars>
-          <dgm:chMax val="0"/>
-          <dgm:chPref val="0"/>
-          <dgm:bulletEnabled val="1"/>
-        </dgm:presLayoutVars>
-      </dgm:prSet>
-      <dgm:spPr/>
-    </dgm:pt>
-    <dgm:pt modelId="{26D53441-8B98-427B-94CF-5C65576F1B8A}" type="pres">
-      <dgm:prSet presAssocID="{47C1D2FE-1DC5-47B2-A09C-869F5E2F0112}" presName="root" presStyleCnt="0">
-        <dgm:presLayoutVars>
-          <dgm:chMax/>
-          <dgm:chPref/>
-        </dgm:presLayoutVars>
-      </dgm:prSet>
-      <dgm:spPr/>
-    </dgm:pt>
-    <dgm:pt modelId="{CB44AFA6-EA54-4899-A49A-E316A161C65E}" type="pres">
-      <dgm:prSet presAssocID="{47C1D2FE-1DC5-47B2-A09C-869F5E2F0112}" presName="rootComposite" presStyleCnt="0">
-        <dgm:presLayoutVars/>
-      </dgm:prSet>
-      <dgm:spPr/>
-    </dgm:pt>
-    <dgm:pt modelId="{4C788C74-CF6B-4BAA-BD34-7D2A7BF33582}" type="pres">
-      <dgm:prSet presAssocID="{47C1D2FE-1DC5-47B2-A09C-869F5E2F0112}" presName="ParentAccent" presStyleLbl="alignNode1" presStyleIdx="1" presStyleCnt="2"/>
-      <dgm:spPr/>
-    </dgm:pt>
-    <dgm:pt modelId="{C43FB655-F7D4-442F-A80C-D7E7D0E389C6}" type="pres">
-      <dgm:prSet presAssocID="{47C1D2FE-1DC5-47B2-A09C-869F5E2F0112}" presName="ParentSmallAccent" presStyleLbl="fgAcc1" presStyleIdx="1" presStyleCnt="2"/>
-      <dgm:spPr/>
-    </dgm:pt>
-    <dgm:pt modelId="{000BD891-A42A-4F08-8E38-5D4CACBE81BB}" type="pres">
-      <dgm:prSet presAssocID="{47C1D2FE-1DC5-47B2-A09C-869F5E2F0112}" presName="Parent" presStyleLbl="revTx" presStyleIdx="5" presStyleCnt="10">
-        <dgm:presLayoutVars>
-          <dgm:chMax/>
-          <dgm:chPref val="4"/>
-          <dgm:bulletEnabled val="1"/>
-        </dgm:presLayoutVars>
-      </dgm:prSet>
-      <dgm:spPr/>
-    </dgm:pt>
-    <dgm:pt modelId="{B3513B43-CFDF-457C-A982-0965B5D98DAE}" type="pres">
-      <dgm:prSet presAssocID="{47C1D2FE-1DC5-47B2-A09C-869F5E2F0112}" presName="childShape" presStyleCnt="0">
-        <dgm:presLayoutVars>
-          <dgm:chMax val="0"/>
-          <dgm:chPref val="0"/>
-        </dgm:presLayoutVars>
-      </dgm:prSet>
-      <dgm:spPr/>
-    </dgm:pt>
-    <dgm:pt modelId="{056E2888-211E-4D8D-8C42-E39F19FB83C4}" type="pres">
-      <dgm:prSet presAssocID="{79ECA6D3-CA67-443E-B80C-75F4F5B3423D}" presName="childComposite" presStyleCnt="0">
-        <dgm:presLayoutVars>
-          <dgm:chMax val="0"/>
-          <dgm:chPref val="0"/>
-        </dgm:presLayoutVars>
-      </dgm:prSet>
-      <dgm:spPr/>
-    </dgm:pt>
-    <dgm:pt modelId="{8715885E-12BD-41B3-8F59-63A5BA751FE5}" type="pres">
-      <dgm:prSet presAssocID="{79ECA6D3-CA67-443E-B80C-75F4F5B3423D}" presName="ChildAccent" presStyleLbl="solidFgAcc1" presStyleIdx="4" presStyleCnt="8"/>
-      <dgm:spPr/>
-    </dgm:pt>
-    <dgm:pt modelId="{1CA3E5F0-3F29-4A78-AA81-A7E04C148ACE}" type="pres">
-      <dgm:prSet presAssocID="{79ECA6D3-CA67-443E-B80C-75F4F5B3423D}" presName="Child" presStyleLbl="revTx" presStyleIdx="6" presStyleCnt="10">
-        <dgm:presLayoutVars>
-          <dgm:chMax val="0"/>
-          <dgm:chPref val="0"/>
-          <dgm:bulletEnabled val="1"/>
-        </dgm:presLayoutVars>
-      </dgm:prSet>
-      <dgm:spPr/>
-    </dgm:pt>
-    <dgm:pt modelId="{37F5DFAD-E4D1-4363-8028-141B58E315CC}" type="pres">
-      <dgm:prSet presAssocID="{4ECC37C2-DBD3-4807-B190-E28B8038B23F}" presName="childComposite" presStyleCnt="0">
-        <dgm:presLayoutVars>
-          <dgm:chMax val="0"/>
-          <dgm:chPref val="0"/>
-        </dgm:presLayoutVars>
-      </dgm:prSet>
-      <dgm:spPr/>
-    </dgm:pt>
-    <dgm:pt modelId="{384006D6-FE5E-4EF6-86B9-393F29A446CC}" type="pres">
-      <dgm:prSet presAssocID="{4ECC37C2-DBD3-4807-B190-E28B8038B23F}" presName="ChildAccent" presStyleLbl="solidFgAcc1" presStyleIdx="5" presStyleCnt="8"/>
-      <dgm:spPr/>
-    </dgm:pt>
-    <dgm:pt modelId="{8796C6B9-39CB-4D79-98D1-F18F6E6D20C1}" type="pres">
-      <dgm:prSet presAssocID="{4ECC37C2-DBD3-4807-B190-E28B8038B23F}" presName="Child" presStyleLbl="revTx" presStyleIdx="7" presStyleCnt="10">
-        <dgm:presLayoutVars>
-          <dgm:chMax val="0"/>
-          <dgm:chPref val="0"/>
-          <dgm:bulletEnabled val="1"/>
-        </dgm:presLayoutVars>
-      </dgm:prSet>
-      <dgm:spPr/>
-      <dgm:t>
-        <a:bodyPr/>
-        <a:lstStyle/>
-        <a:p>
-          <a:endParaRPr lang="ru-RU"/>
-        </a:p>
-      </dgm:t>
-    </dgm:pt>
-    <dgm:pt modelId="{24815251-C74A-4F4E-800A-6BC6FC5E9423}" type="pres">
-      <dgm:prSet presAssocID="{44189CB8-522F-4EC7-BA11-8E66116A5DC9}" presName="childComposite" presStyleCnt="0">
-        <dgm:presLayoutVars>
-          <dgm:chMax val="0"/>
-          <dgm:chPref val="0"/>
-        </dgm:presLayoutVars>
-      </dgm:prSet>
-      <dgm:spPr/>
-    </dgm:pt>
-    <dgm:pt modelId="{52A0ED07-ACA8-4EF3-B540-01315170A8EC}" type="pres">
-      <dgm:prSet presAssocID="{44189CB8-522F-4EC7-BA11-8E66116A5DC9}" presName="ChildAccent" presStyleLbl="solidFgAcc1" presStyleIdx="6" presStyleCnt="8"/>
-      <dgm:spPr/>
-    </dgm:pt>
-    <dgm:pt modelId="{F5306336-4379-4739-BC46-71202D29E646}" type="pres">
-      <dgm:prSet presAssocID="{44189CB8-522F-4EC7-BA11-8E66116A5DC9}" presName="Child" presStyleLbl="revTx" presStyleIdx="8" presStyleCnt="10">
-        <dgm:presLayoutVars>
-          <dgm:chMax val="0"/>
-          <dgm:chPref val="0"/>
-          <dgm:bulletEnabled val="1"/>
-        </dgm:presLayoutVars>
-      </dgm:prSet>
-      <dgm:spPr/>
-      <dgm:t>
-        <a:bodyPr/>
-        <a:lstStyle/>
-        <a:p>
-          <a:endParaRPr lang="ru-RU"/>
-        </a:p>
-      </dgm:t>
-    </dgm:pt>
-    <dgm:pt modelId="{4E028091-976E-4B2C-8FCF-AD9ADFE3D49A}" type="pres">
-      <dgm:prSet presAssocID="{8AD2DAB2-432A-4B58-9CD4-9CBF14965C7A}" presName="childComposite" presStyleCnt="0">
-        <dgm:presLayoutVars>
-          <dgm:chMax val="0"/>
-          <dgm:chPref val="0"/>
-        </dgm:presLayoutVars>
-      </dgm:prSet>
-      <dgm:spPr/>
-    </dgm:pt>
-    <dgm:pt modelId="{CBB22B72-AFA3-44DB-B5FF-D5B307F3513E}" type="pres">
-      <dgm:prSet presAssocID="{8AD2DAB2-432A-4B58-9CD4-9CBF14965C7A}" presName="ChildAccent" presStyleLbl="solidFgAcc1" presStyleIdx="7" presStyleCnt="8"/>
-      <dgm:spPr/>
-    </dgm:pt>
-    <dgm:pt modelId="{C139161B-D8D7-43DF-968C-DABDD1CF2320}" type="pres">
-      <dgm:prSet presAssocID="{8AD2DAB2-432A-4B58-9CD4-9CBF14965C7A}" presName="Child" presStyleLbl="revTx" presStyleIdx="9" presStyleCnt="10">
-        <dgm:presLayoutVars>
-          <dgm:chMax val="0"/>
-          <dgm:chPref val="0"/>
-          <dgm:bulletEnabled val="1"/>
-        </dgm:presLayoutVars>
-      </dgm:prSet>
-      <dgm:spPr/>
-      <dgm:t>
-        <a:bodyPr/>
-        <a:lstStyle/>
-        <a:p>
-          <a:endParaRPr lang="ru-RU"/>
-        </a:p>
-      </dgm:t>
-    </dgm:pt>
-  </dgm:ptLst>
-  <dgm:cxnLst>
-    <dgm:cxn modelId="{4382744D-C562-42AC-A0A5-F67E047B4A72}" type="presOf" srcId="{4ECC37C2-DBD3-4807-B190-E28B8038B23F}" destId="{8796C6B9-39CB-4D79-98D1-F18F6E6D20C1}" srcOrd="0" destOrd="0" presId="urn:microsoft.com/office/officeart/2008/layout/SquareAccentList"/>
-    <dgm:cxn modelId="{7AB5AC35-1EF8-40C1-B61A-7863AB066FE0}" type="presOf" srcId="{8AD2DAB2-432A-4B58-9CD4-9CBF14965C7A}" destId="{C139161B-D8D7-43DF-968C-DABDD1CF2320}" srcOrd="0" destOrd="0" presId="urn:microsoft.com/office/officeart/2008/layout/SquareAccentList"/>
-    <dgm:cxn modelId="{3C70FCD9-D4D7-4ED9-95A3-703DC8D637F8}" srcId="{1530F9B8-E88E-4DC9-A8FD-B0F2CD58385D}" destId="{47C1D2FE-1DC5-47B2-A09C-869F5E2F0112}" srcOrd="1" destOrd="0" parTransId="{3533A992-3A51-481A-8AC8-E74F751E8CB7}" sibTransId="{A664C531-374D-494A-92CD-39B71AC4359A}"/>
-    <dgm:cxn modelId="{09BFDE15-8666-48C5-96A0-C2EDBCA52733}" srcId="{47C1D2FE-1DC5-47B2-A09C-869F5E2F0112}" destId="{44189CB8-522F-4EC7-BA11-8E66116A5DC9}" srcOrd="2" destOrd="0" parTransId="{451B97B1-3732-47BD-8899-0131F80C608F}" sibTransId="{98CA000E-AFFA-4E41-BDEC-0644D068A65B}"/>
-    <dgm:cxn modelId="{822AF533-53B7-4479-81A4-482B107D4D2D}" srcId="{47C1D2FE-1DC5-47B2-A09C-869F5E2F0112}" destId="{4ECC37C2-DBD3-4807-B190-E28B8038B23F}" srcOrd="1" destOrd="0" parTransId="{05047FC1-D603-4E9B-B291-7E97E8EFCCC4}" sibTransId="{097D281E-E43B-48FE-8D23-94D395653BF3}"/>
-    <dgm:cxn modelId="{BA66FF01-95F6-46D3-9904-DC699F2D65EB}" srcId="{D6B97236-8735-4E4F-9B6D-A572D2CC56C3}" destId="{36DDC68C-83DA-4885-8697-13DF49DCDF7F}" srcOrd="2" destOrd="0" parTransId="{7C1FEE4E-3B0C-4078-B00C-7E5BB03D96A7}" sibTransId="{281705C9-472B-4AA2-9C1B-C1D545055B74}"/>
-    <dgm:cxn modelId="{4EDCCDA6-BB58-46F8-8E90-47D3BC924E4F}" srcId="{1530F9B8-E88E-4DC9-A8FD-B0F2CD58385D}" destId="{D6B97236-8735-4E4F-9B6D-A572D2CC56C3}" srcOrd="0" destOrd="0" parTransId="{B2A378A5-6DFB-4D66-9E57-1CA7A36BFA63}" sibTransId="{769321EB-D156-42D9-9481-609070ABD0F0}"/>
-    <dgm:cxn modelId="{9E1B95A5-DE83-4792-89AC-3791BA0ACAC0}" srcId="{D6B97236-8735-4E4F-9B6D-A572D2CC56C3}" destId="{6B0A836B-50A9-4157-B5B5-8D913001262C}" srcOrd="3" destOrd="0" parTransId="{12BF700D-89A8-4651-BC39-A01B063B0EF7}" sibTransId="{F30E6539-C212-4173-BE4C-E6F7CB6E85F2}"/>
-    <dgm:cxn modelId="{64E65341-AA63-4D95-B445-8987EEEC4A38}" type="presOf" srcId="{36DDC68C-83DA-4885-8697-13DF49DCDF7F}" destId="{4C6DF099-8420-404C-B374-8C9305B305FE}" srcOrd="0" destOrd="0" presId="urn:microsoft.com/office/officeart/2008/layout/SquareAccentList"/>
-    <dgm:cxn modelId="{2922BF1E-74CA-4D04-8A61-1172BF6899C0}" type="presOf" srcId="{47C1D2FE-1DC5-47B2-A09C-869F5E2F0112}" destId="{000BD891-A42A-4F08-8E38-5D4CACBE81BB}" srcOrd="0" destOrd="0" presId="urn:microsoft.com/office/officeart/2008/layout/SquareAccentList"/>
-    <dgm:cxn modelId="{7AD7D7C5-E2F1-4E57-B4A7-4113E84223A6}" type="presOf" srcId="{6B0A836B-50A9-4157-B5B5-8D913001262C}" destId="{15486690-B66F-4BCA-BABE-366A5D97FB7F}" srcOrd="0" destOrd="0" presId="urn:microsoft.com/office/officeart/2008/layout/SquareAccentList"/>
-    <dgm:cxn modelId="{C85940FC-CF49-42E3-869E-31D54DA7B5BF}" type="presOf" srcId="{C45ECF38-6053-442A-AEF8-7F5B97B8F6FD}" destId="{6D303641-8EC5-405F-BD17-D9C941004BF0}" srcOrd="0" destOrd="0" presId="urn:microsoft.com/office/officeart/2008/layout/SquareAccentList"/>
-    <dgm:cxn modelId="{2395689C-499B-475D-A08F-EBE6A4FA5E7C}" type="presOf" srcId="{024E8BDF-BC40-46E2-B8D7-4EC347B428C2}" destId="{19B199F8-9724-4362-8E2D-A0C6497B82F6}" srcOrd="0" destOrd="0" presId="urn:microsoft.com/office/officeart/2008/layout/SquareAccentList"/>
-    <dgm:cxn modelId="{B0771C99-E304-46B8-845B-4878ADA4DA62}" type="presOf" srcId="{44189CB8-522F-4EC7-BA11-8E66116A5DC9}" destId="{F5306336-4379-4739-BC46-71202D29E646}" srcOrd="0" destOrd="0" presId="urn:microsoft.com/office/officeart/2008/layout/SquareAccentList"/>
-    <dgm:cxn modelId="{02663535-AC16-49B2-9D3D-A512D37F2564}" srcId="{47C1D2FE-1DC5-47B2-A09C-869F5E2F0112}" destId="{8AD2DAB2-432A-4B58-9CD4-9CBF14965C7A}" srcOrd="3" destOrd="0" parTransId="{A78305D6-0B38-4B2A-9ABE-EBE8B127FFDA}" sibTransId="{1CB23ECE-B6AF-4405-8C1E-27980BA2A70B}"/>
-    <dgm:cxn modelId="{9B43282C-ED0F-4565-B5F2-7B731BE7D7A3}" srcId="{D6B97236-8735-4E4F-9B6D-A572D2CC56C3}" destId="{024E8BDF-BC40-46E2-B8D7-4EC347B428C2}" srcOrd="1" destOrd="0" parTransId="{5F76EBCC-1808-402B-928C-02D1FE96B398}" sibTransId="{DF27E18D-EB85-4C50-8975-1778F36618BA}"/>
-    <dgm:cxn modelId="{A657D835-8EAB-4B46-8F92-08805E15D6ED}" srcId="{47C1D2FE-1DC5-47B2-A09C-869F5E2F0112}" destId="{79ECA6D3-CA67-443E-B80C-75F4F5B3423D}" srcOrd="0" destOrd="0" parTransId="{40C7F6E5-EAB9-4A07-B250-0391AD84FDFF}" sibTransId="{F91A1F0A-25BE-4006-B5DE-FC155C3FBC48}"/>
-    <dgm:cxn modelId="{7D422C1E-469F-4714-8F42-C3B9CA9D68C6}" type="presOf" srcId="{1530F9B8-E88E-4DC9-A8FD-B0F2CD58385D}" destId="{A7F46361-580E-4482-82C2-99D31CFC87D6}" srcOrd="0" destOrd="0" presId="urn:microsoft.com/office/officeart/2008/layout/SquareAccentList"/>
-    <dgm:cxn modelId="{B86E66E5-CC8E-43DE-AD70-45BC92FA738A}" type="presOf" srcId="{79ECA6D3-CA67-443E-B80C-75F4F5B3423D}" destId="{1CA3E5F0-3F29-4A78-AA81-A7E04C148ACE}" srcOrd="0" destOrd="0" presId="urn:microsoft.com/office/officeart/2008/layout/SquareAccentList"/>
-    <dgm:cxn modelId="{B54E19A8-34D9-4FC6-A203-42C7C4DF406C}" srcId="{D6B97236-8735-4E4F-9B6D-A572D2CC56C3}" destId="{C45ECF38-6053-442A-AEF8-7F5B97B8F6FD}" srcOrd="0" destOrd="0" parTransId="{A31B4C93-06BE-411D-9401-FDABAA8C383E}" sibTransId="{371BC69A-31AC-4347-8F98-E03677C94A5C}"/>
-    <dgm:cxn modelId="{79D46B2D-BD1A-45CC-8B3B-BF275012AB85}" type="presOf" srcId="{D6B97236-8735-4E4F-9B6D-A572D2CC56C3}" destId="{5A538641-AF19-4C32-94A0-DC116495EA87}" srcOrd="0" destOrd="0" presId="urn:microsoft.com/office/officeart/2008/layout/SquareAccentList"/>
-    <dgm:cxn modelId="{FDB6A007-FDA2-4180-A654-0C49E1531310}" type="presParOf" srcId="{A7F46361-580E-4482-82C2-99D31CFC87D6}" destId="{087C20E0-5FCA-4E95-BA5C-9CCDFCA5FB3A}" srcOrd="0" destOrd="0" presId="urn:microsoft.com/office/officeart/2008/layout/SquareAccentList"/>
-    <dgm:cxn modelId="{D33AF8B6-4B64-4331-9CFA-EE17389CDC3F}" type="presParOf" srcId="{087C20E0-5FCA-4E95-BA5C-9CCDFCA5FB3A}" destId="{6D2AFAA9-D6AF-4AFE-8667-8F808C956AE4}" srcOrd="0" destOrd="0" presId="urn:microsoft.com/office/officeart/2008/layout/SquareAccentList"/>
-    <dgm:cxn modelId="{BC7BABA9-751E-422D-BCC6-34315C6BF02D}" type="presParOf" srcId="{6D2AFAA9-D6AF-4AFE-8667-8F808C956AE4}" destId="{79FEC703-F261-4D4A-ABDC-5C957D3DBB47}" srcOrd="0" destOrd="0" presId="urn:microsoft.com/office/officeart/2008/layout/SquareAccentList"/>
-    <dgm:cxn modelId="{3C8DF273-0D9D-45B1-9853-27A186ACB35F}" type="presParOf" srcId="{6D2AFAA9-D6AF-4AFE-8667-8F808C956AE4}" destId="{25D4A95F-4F70-45F7-8465-7FF83CF0A1A2}" srcOrd="1" destOrd="0" presId="urn:microsoft.com/office/officeart/2008/layout/SquareAccentList"/>
-    <dgm:cxn modelId="{3F882E1B-D0F7-4EC0-A2DF-0E1C687E48B0}" type="presParOf" srcId="{6D2AFAA9-D6AF-4AFE-8667-8F808C956AE4}" destId="{5A538641-AF19-4C32-94A0-DC116495EA87}" srcOrd="2" destOrd="0" presId="urn:microsoft.com/office/officeart/2008/layout/SquareAccentList"/>
-    <dgm:cxn modelId="{7D4685D2-C219-4702-8896-90CBDAFFF8D8}" type="presParOf" srcId="{087C20E0-5FCA-4E95-BA5C-9CCDFCA5FB3A}" destId="{CEEB6AD1-340D-40D9-88E4-4077B44DCE10}" srcOrd="1" destOrd="0" presId="urn:microsoft.com/office/officeart/2008/layout/SquareAccentList"/>
-    <dgm:cxn modelId="{524827C2-DFD5-4D8D-B834-D86E1C578892}" type="presParOf" srcId="{CEEB6AD1-340D-40D9-88E4-4077B44DCE10}" destId="{CFBC3161-6BB5-43F8-AA4D-764E9EE1A6A6}" srcOrd="0" destOrd="0" presId="urn:microsoft.com/office/officeart/2008/layout/SquareAccentList"/>
-    <dgm:cxn modelId="{92B07215-D87A-49EC-BCD0-3A59ACAEAE28}" type="presParOf" srcId="{CFBC3161-6BB5-43F8-AA4D-764E9EE1A6A6}" destId="{C7D6DF4F-D759-4FA5-AD7C-0AABFD177E97}" srcOrd="0" destOrd="0" presId="urn:microsoft.com/office/officeart/2008/layout/SquareAccentList"/>
-    <dgm:cxn modelId="{D5B69C06-CE65-4871-8450-CDD5DC5FF360}" type="presParOf" srcId="{CFBC3161-6BB5-43F8-AA4D-764E9EE1A6A6}" destId="{6D303641-8EC5-405F-BD17-D9C941004BF0}" srcOrd="1" destOrd="0" presId="urn:microsoft.com/office/officeart/2008/layout/SquareAccentList"/>
-    <dgm:cxn modelId="{ADE77B5C-7249-4332-BB36-6C88EBDCE61B}" type="presParOf" srcId="{CEEB6AD1-340D-40D9-88E4-4077B44DCE10}" destId="{70F2FA2E-E511-4FD1-A6B4-BB50AFFB6F8D}" srcOrd="1" destOrd="0" presId="urn:microsoft.com/office/officeart/2008/layout/SquareAccentList"/>
-    <dgm:cxn modelId="{392C37ED-F369-4A18-A47E-F005829C2C50}" type="presParOf" srcId="{70F2FA2E-E511-4FD1-A6B4-BB50AFFB6F8D}" destId="{C4673F3A-1FBE-4F50-88A9-7DEE7E2A4865}" srcOrd="0" destOrd="0" presId="urn:microsoft.com/office/officeart/2008/layout/SquareAccentList"/>
-    <dgm:cxn modelId="{D5FEDBFA-027F-4B52-99F5-AF3A054FDD3A}" type="presParOf" srcId="{70F2FA2E-E511-4FD1-A6B4-BB50AFFB6F8D}" destId="{19B199F8-9724-4362-8E2D-A0C6497B82F6}" srcOrd="1" destOrd="0" presId="urn:microsoft.com/office/officeart/2008/layout/SquareAccentList"/>
-    <dgm:cxn modelId="{151531ED-104B-4266-9CDC-528C915DEA0E}" type="presParOf" srcId="{CEEB6AD1-340D-40D9-88E4-4077B44DCE10}" destId="{8A0E11EA-9B0C-47A1-ADDB-5983E554D047}" srcOrd="2" destOrd="0" presId="urn:microsoft.com/office/officeart/2008/layout/SquareAccentList"/>
-    <dgm:cxn modelId="{354DC6E7-1959-48DD-9081-502ABCCBC026}" type="presParOf" srcId="{8A0E11EA-9B0C-47A1-ADDB-5983E554D047}" destId="{085C5279-1134-4CCA-A1B3-AAC3D8EE8654}" srcOrd="0" destOrd="0" presId="urn:microsoft.com/office/officeart/2008/layout/SquareAccentList"/>
-    <dgm:cxn modelId="{5F1E3788-98B9-420E-ACF5-DA715E7877B9}" type="presParOf" srcId="{8A0E11EA-9B0C-47A1-ADDB-5983E554D047}" destId="{4C6DF099-8420-404C-B374-8C9305B305FE}" srcOrd="1" destOrd="0" presId="urn:microsoft.com/office/officeart/2008/layout/SquareAccentList"/>
-    <dgm:cxn modelId="{4D8E76D6-194E-4E16-A55E-E0445D5F8587}" type="presParOf" srcId="{CEEB6AD1-340D-40D9-88E4-4077B44DCE10}" destId="{2C38C7F4-5F80-410D-B97F-B8BA7F587691}" srcOrd="3" destOrd="0" presId="urn:microsoft.com/office/officeart/2008/layout/SquareAccentList"/>
-    <dgm:cxn modelId="{315CB59C-C4BC-4014-9CB7-E93CB210CAC8}" type="presParOf" srcId="{2C38C7F4-5F80-410D-B97F-B8BA7F587691}" destId="{8CAB3347-52F5-4502-9E78-05DBA6BFFE72}" srcOrd="0" destOrd="0" presId="urn:microsoft.com/office/officeart/2008/layout/SquareAccentList"/>
-    <dgm:cxn modelId="{70FC3777-CDDB-4E48-8575-3CC547DB1035}" type="presParOf" srcId="{2C38C7F4-5F80-410D-B97F-B8BA7F587691}" destId="{15486690-B66F-4BCA-BABE-366A5D97FB7F}" srcOrd="1" destOrd="0" presId="urn:microsoft.com/office/officeart/2008/layout/SquareAccentList"/>
-    <dgm:cxn modelId="{E3BF2E7B-A4C9-4364-A709-E71704CA918C}" type="presParOf" srcId="{A7F46361-580E-4482-82C2-99D31CFC87D6}" destId="{26D53441-8B98-427B-94CF-5C65576F1B8A}" srcOrd="1" destOrd="0" presId="urn:microsoft.com/office/officeart/2008/layout/SquareAccentList"/>
-    <dgm:cxn modelId="{FC8E5D1C-3973-4D84-AB1C-C0FFB994881B}" type="presParOf" srcId="{26D53441-8B98-427B-94CF-5C65576F1B8A}" destId="{CB44AFA6-EA54-4899-A49A-E316A161C65E}" srcOrd="0" destOrd="0" presId="urn:microsoft.com/office/officeart/2008/layout/SquareAccentList"/>
-    <dgm:cxn modelId="{DDA67229-64A1-4A2A-83FA-2C68ECCC239B}" type="presParOf" srcId="{CB44AFA6-EA54-4899-A49A-E316A161C65E}" destId="{4C788C74-CF6B-4BAA-BD34-7D2A7BF33582}" srcOrd="0" destOrd="0" presId="urn:microsoft.com/office/officeart/2008/layout/SquareAccentList"/>
-    <dgm:cxn modelId="{5298B234-CD4E-439A-A62E-058FCA844CCC}" type="presParOf" srcId="{CB44AFA6-EA54-4899-A49A-E316A161C65E}" destId="{C43FB655-F7D4-442F-A80C-D7E7D0E389C6}" srcOrd="1" destOrd="0" presId="urn:microsoft.com/office/officeart/2008/layout/SquareAccentList"/>
-    <dgm:cxn modelId="{3C1D3DAF-8C7D-4FE1-A106-422EAD58B99A}" type="presParOf" srcId="{CB44AFA6-EA54-4899-A49A-E316A161C65E}" destId="{000BD891-A42A-4F08-8E38-5D4CACBE81BB}" srcOrd="2" destOrd="0" presId="urn:microsoft.com/office/officeart/2008/layout/SquareAccentList"/>
-    <dgm:cxn modelId="{46456995-E0D4-470E-BC87-2029B579E25D}" type="presParOf" srcId="{26D53441-8B98-427B-94CF-5C65576F1B8A}" destId="{B3513B43-CFDF-457C-A982-0965B5D98DAE}" srcOrd="1" destOrd="0" presId="urn:microsoft.com/office/officeart/2008/layout/SquareAccentList"/>
-    <dgm:cxn modelId="{5C747FBB-BAA0-4A3A-9943-58D73CBA8276}" type="presParOf" srcId="{B3513B43-CFDF-457C-A982-0965B5D98DAE}" destId="{056E2888-211E-4D8D-8C42-E39F19FB83C4}" srcOrd="0" destOrd="0" presId="urn:microsoft.com/office/officeart/2008/layout/SquareAccentList"/>
-    <dgm:cxn modelId="{37280173-3BA4-4CB3-98C7-12A88E4F710A}" type="presParOf" srcId="{056E2888-211E-4D8D-8C42-E39F19FB83C4}" destId="{8715885E-12BD-41B3-8F59-63A5BA751FE5}" srcOrd="0" destOrd="0" presId="urn:microsoft.com/office/officeart/2008/layout/SquareAccentList"/>
-    <dgm:cxn modelId="{7644B3E2-0F03-4294-9BFC-EE3F5AABE5C4}" type="presParOf" srcId="{056E2888-211E-4D8D-8C42-E39F19FB83C4}" destId="{1CA3E5F0-3F29-4A78-AA81-A7E04C148ACE}" srcOrd="1" destOrd="0" presId="urn:microsoft.com/office/officeart/2008/layout/SquareAccentList"/>
-    <dgm:cxn modelId="{4FD8C3DF-C228-442B-9BEB-CC1ADB802A5F}" type="presParOf" srcId="{B3513B43-CFDF-457C-A982-0965B5D98DAE}" destId="{37F5DFAD-E4D1-4363-8028-141B58E315CC}" srcOrd="1" destOrd="0" presId="urn:microsoft.com/office/officeart/2008/layout/SquareAccentList"/>
-    <dgm:cxn modelId="{02A75A87-6319-4B67-B18E-E32D944E5C1A}" type="presParOf" srcId="{37F5DFAD-E4D1-4363-8028-141B58E315CC}" destId="{384006D6-FE5E-4EF6-86B9-393F29A446CC}" srcOrd="0" destOrd="0" presId="urn:microsoft.com/office/officeart/2008/layout/SquareAccentList"/>
-    <dgm:cxn modelId="{50788764-2BFA-4616-B34D-C341D60B8F10}" type="presParOf" srcId="{37F5DFAD-E4D1-4363-8028-141B58E315CC}" destId="{8796C6B9-39CB-4D79-98D1-F18F6E6D20C1}" srcOrd="1" destOrd="0" presId="urn:microsoft.com/office/officeart/2008/layout/SquareAccentList"/>
-    <dgm:cxn modelId="{CBBDB33E-15FE-4B02-A7C3-C2A88A06A849}" type="presParOf" srcId="{B3513B43-CFDF-457C-A982-0965B5D98DAE}" destId="{24815251-C74A-4F4E-800A-6BC6FC5E9423}" srcOrd="2" destOrd="0" presId="urn:microsoft.com/office/officeart/2008/layout/SquareAccentList"/>
-    <dgm:cxn modelId="{45DAAC04-3CF3-4A6E-BE8C-D3E266815110}" type="presParOf" srcId="{24815251-C74A-4F4E-800A-6BC6FC5E9423}" destId="{52A0ED07-ACA8-4EF3-B540-01315170A8EC}" srcOrd="0" destOrd="0" presId="urn:microsoft.com/office/officeart/2008/layout/SquareAccentList"/>
-    <dgm:cxn modelId="{9AD2FD6F-6DB6-4726-8E5F-7864650C36D0}" type="presParOf" srcId="{24815251-C74A-4F4E-800A-6BC6FC5E9423}" destId="{F5306336-4379-4739-BC46-71202D29E646}" srcOrd="1" destOrd="0" presId="urn:microsoft.com/office/officeart/2008/layout/SquareAccentList"/>
-    <dgm:cxn modelId="{1DBE3065-8335-4017-B4CF-02EECE8B336D}" type="presParOf" srcId="{B3513B43-CFDF-457C-A982-0965B5D98DAE}" destId="{4E028091-976E-4B2C-8FCF-AD9ADFE3D49A}" srcOrd="3" destOrd="0" presId="urn:microsoft.com/office/officeart/2008/layout/SquareAccentList"/>
-    <dgm:cxn modelId="{96DDD567-353E-49F0-8CB0-EEC91FD68E55}" type="presParOf" srcId="{4E028091-976E-4B2C-8FCF-AD9ADFE3D49A}" destId="{CBB22B72-AFA3-44DB-B5FF-D5B307F3513E}" srcOrd="0" destOrd="0" presId="urn:microsoft.com/office/officeart/2008/layout/SquareAccentList"/>
-    <dgm:cxn modelId="{212080AD-BD6E-490D-8409-5DB9F91722FE}" type="presParOf" srcId="{4E028091-976E-4B2C-8FCF-AD9ADFE3D49A}" destId="{C139161B-D8D7-43DF-968C-DABDD1CF2320}" srcOrd="1" destOrd="0" presId="urn:microsoft.com/office/officeart/2008/layout/SquareAccentList"/>
+    <dgm:cxn modelId="{296A139D-54BC-4D82-999B-37BB3AE0085F}" type="presOf" srcId="{20D4E9DB-3B8D-4027-8A17-50B974C6567B}" destId="{583C6395-70CA-4560-A8CE-191C1BD88AC4}" srcOrd="0" destOrd="0" presId="urn:microsoft.com/office/officeart/2005/8/layout/chevron2"/>
+    <dgm:cxn modelId="{D5048BB9-6E11-42C8-B2FB-4566219B6212}" srcId="{1A2B4F42-0AB5-44FC-BD18-331CDE8A3CAD}" destId="{08807098-8173-485D-A578-A38AF1D80C6C}" srcOrd="3" destOrd="0" parTransId="{F32F62E7-9F1A-4F43-973E-CE891FA4987C}" sibTransId="{3E238C47-BDE1-4919-BC46-88186AA7575C}"/>
+    <dgm:cxn modelId="{1E9F5C42-BEC5-46A8-B88A-3B91CE4FDABE}" srcId="{46536F57-D59A-4EDB-88DD-DE941E2CDB52}" destId="{28B1C933-CF01-4D4D-9C7E-CDE645EA629C}" srcOrd="0" destOrd="0" parTransId="{C7E97234-4A13-4550-B989-B4D48F071F6E}" sibTransId="{D8275AC3-0268-4A33-B3FC-476D08921FED}"/>
+    <dgm:cxn modelId="{2EC315FE-3723-4ADE-87DE-2DE6D8B3ED42}" type="presOf" srcId="{E72E7007-DC96-46EB-A0AF-7C11C99C0C7E}" destId="{549FC660-91D8-4751-B1B1-D01C73B2226D}" srcOrd="0" destOrd="0" presId="urn:microsoft.com/office/officeart/2005/8/layout/chevron2"/>
+    <dgm:cxn modelId="{5D128A41-D8C8-490B-A96E-B6BF99591214}" srcId="{1A2B4F42-0AB5-44FC-BD18-331CDE8A3CAD}" destId="{82A3D12D-5DBA-4139-8125-9632D20344C0}" srcOrd="6" destOrd="0" parTransId="{AE332554-BD3C-404B-84D9-2EEF0FA86493}" sibTransId="{1FD01FA0-C5CB-4416-A9A9-6C795EB54394}"/>
+    <dgm:cxn modelId="{DD8CFE6D-55E4-438D-A7E3-E7637AC83AE9}" type="presOf" srcId="{48A5BE5C-9BAE-46E6-9EAE-3E9643D0F040}" destId="{6FBA01A9-1ACB-4855-AAB5-AAFDC1A2A53F}" srcOrd="0" destOrd="0" presId="urn:microsoft.com/office/officeart/2005/8/layout/chevron2"/>
+    <dgm:cxn modelId="{733B4DD4-E837-4484-B687-A22C49C2EB61}" srcId="{1A2B4F42-0AB5-44FC-BD18-331CDE8A3CAD}" destId="{48A5BE5C-9BAE-46E6-9EAE-3E9643D0F040}" srcOrd="1" destOrd="0" parTransId="{710C47EE-6F8D-4473-8DA1-E5314A0E2E2B}" sibTransId="{3AD8CA92-12D0-4C7F-9897-DFC8CEF50068}"/>
+    <dgm:cxn modelId="{AA51604D-50C2-44E8-8C7B-C643739905F3}" type="presOf" srcId="{28B1C933-CF01-4D4D-9C7E-CDE645EA629C}" destId="{DFCD5078-65B0-4F43-9A63-A8CAB2AC2759}" srcOrd="0" destOrd="0" presId="urn:microsoft.com/office/officeart/2005/8/layout/chevron2"/>
+    <dgm:cxn modelId="{DEA78DF2-288C-49F3-881E-2A12C28E5934}" srcId="{08807098-8173-485D-A578-A38AF1D80C6C}" destId="{AA8BE08D-1173-4BDE-A6B4-3151D280CA14}" srcOrd="0" destOrd="0" parTransId="{D434AFDF-CE43-4B83-AC32-D4E4D0290B5F}" sibTransId="{5E1F489E-D7C5-44FD-A1A3-04D59B67D3D3}"/>
+    <dgm:cxn modelId="{AF2509D2-D194-4FEC-9A85-C7102BA37FAD}" type="presOf" srcId="{94C851D7-643F-4F6A-907F-24F25BC578B2}" destId="{72B0EC31-621D-40AC-BFBB-803A3C7A0AD9}" srcOrd="0" destOrd="0" presId="urn:microsoft.com/office/officeart/2005/8/layout/chevron2"/>
+    <dgm:cxn modelId="{EAF78E45-2672-4494-8674-3569401D5F89}" type="presOf" srcId="{3EA63519-AA89-4F95-8C73-5034D21E59BF}" destId="{71CDE68D-3753-4F31-B4E8-BC5EF45BFA00}" srcOrd="0" destOrd="0" presId="urn:microsoft.com/office/officeart/2005/8/layout/chevron2"/>
+    <dgm:cxn modelId="{44B925CC-5DD4-4838-B0A9-C40D98202E3B}" type="presOf" srcId="{82A3D12D-5DBA-4139-8125-9632D20344C0}" destId="{D22CBBA7-221A-477B-93F8-2E5AB75E2AC3}" srcOrd="0" destOrd="0" presId="urn:microsoft.com/office/officeart/2005/8/layout/chevron2"/>
+    <dgm:cxn modelId="{E81C0F9B-6287-4CB3-A81F-9C0A7F36DF6A}" srcId="{1A2B4F42-0AB5-44FC-BD18-331CDE8A3CAD}" destId="{F0CE30F2-B300-4D97-B71E-DB265D1A6A0D}" srcOrd="5" destOrd="0" parTransId="{52790CC6-89CC-4536-8529-C60C34A61B1D}" sibTransId="{246503D8-7CDA-4D55-B11E-0B9A2DFC7C59}"/>
+    <dgm:cxn modelId="{D1A73058-2BFC-4635-BC1F-0946272AA679}" srcId="{1A2B4F42-0AB5-44FC-BD18-331CDE8A3CAD}" destId="{46536F57-D59A-4EDB-88DD-DE941E2CDB52}" srcOrd="4" destOrd="0" parTransId="{CDCD3A05-CBC8-4032-98E8-A06616CA2AB7}" sibTransId="{81C1B152-4659-481A-BEBA-00BF5144CD9C}"/>
+    <dgm:cxn modelId="{57AAE7AF-18AE-40C9-B656-ADFCA4C9B3D3}" type="presOf" srcId="{1A2B4F42-0AB5-44FC-BD18-331CDE8A3CAD}" destId="{768B53D8-2061-49A1-A97C-CDEB6A139446}" srcOrd="0" destOrd="0" presId="urn:microsoft.com/office/officeart/2005/8/layout/chevron2"/>
+    <dgm:cxn modelId="{FC02B022-81CC-42E7-AD91-7AEBAA7B40F1}" type="presOf" srcId="{AA8BE08D-1173-4BDE-A6B4-3151D280CA14}" destId="{E43DB939-6F23-4514-9208-729410AE4A73}" srcOrd="0" destOrd="0" presId="urn:microsoft.com/office/officeart/2005/8/layout/chevron2"/>
+    <dgm:cxn modelId="{A713BBB0-344F-4968-9C95-9FD94F821A48}" srcId="{48A5BE5C-9BAE-46E6-9EAE-3E9643D0F040}" destId="{20D4E9DB-3B8D-4027-8A17-50B974C6567B}" srcOrd="0" destOrd="0" parTransId="{A4F04CAF-F577-4215-8C23-5205684EBD2F}" sibTransId="{66C4B0AB-028F-4B31-932C-D483CE4D1542}"/>
+    <dgm:cxn modelId="{D40FDFB1-8BD7-4BD7-A2A5-21C6964715EB}" type="presOf" srcId="{46536F57-D59A-4EDB-88DD-DE941E2CDB52}" destId="{8490C617-2CE8-45AE-96AF-71AC9C7297E4}" srcOrd="0" destOrd="0" presId="urn:microsoft.com/office/officeart/2005/8/layout/chevron2"/>
+    <dgm:cxn modelId="{4A99776C-8983-419C-AED0-889770B8961D}" type="presOf" srcId="{0E715C82-7B9E-4BD1-BE9A-46A07AC4BF73}" destId="{8BE77904-10B1-47D7-823E-F63AA3738A8F}" srcOrd="0" destOrd="0" presId="urn:microsoft.com/office/officeart/2005/8/layout/chevron2"/>
+    <dgm:cxn modelId="{4B32B947-1875-412F-B6AB-EB2689C12F13}" srcId="{0E715C82-7B9E-4BD1-BE9A-46A07AC4BF73}" destId="{94C851D7-643F-4F6A-907F-24F25BC578B2}" srcOrd="0" destOrd="0" parTransId="{0F0C90CE-83D4-4FBD-BF9D-A01C180F4989}" sibTransId="{1FEDE2C6-7D55-47ED-82AA-F36D819709A3}"/>
+    <dgm:cxn modelId="{F44B38DA-7DE8-4D4B-922E-06418E0483E2}" type="presOf" srcId="{F0CE30F2-B300-4D97-B71E-DB265D1A6A0D}" destId="{D5805F06-885F-4C36-B24C-43D053D7AC6E}" srcOrd="0" destOrd="0" presId="urn:microsoft.com/office/officeart/2005/8/layout/chevron2"/>
+    <dgm:cxn modelId="{C1910F58-AC67-4480-B5D5-500D8300913F}" type="presOf" srcId="{FAEF1F42-C67B-4A8A-9E12-41FDC5290F07}" destId="{B66D0B5E-9F1F-4996-A2A6-CECFC53B724F}" srcOrd="0" destOrd="0" presId="urn:microsoft.com/office/officeart/2005/8/layout/chevron2"/>
+    <dgm:cxn modelId="{C44EE3FB-881F-47F1-A679-F16A25D069D0}" srcId="{3EA63519-AA89-4F95-8C73-5034D21E59BF}" destId="{FAEF1F42-C67B-4A8A-9E12-41FDC5290F07}" srcOrd="0" destOrd="0" parTransId="{B4DB3190-305E-43E7-968B-725AA300ED56}" sibTransId="{4003C8C3-76C1-4713-B446-A04AFEB69B2D}"/>
+    <dgm:cxn modelId="{EDEFD8B6-7F4E-4B70-B15D-0D3A7CE7A00E}" srcId="{1A2B4F42-0AB5-44FC-BD18-331CDE8A3CAD}" destId="{3EA63519-AA89-4F95-8C73-5034D21E59BF}" srcOrd="0" destOrd="0" parTransId="{F04F4797-34DC-4280-9A4A-5E516BD17653}" sibTransId="{4F4A7401-D012-4811-8902-6A8861DD1192}"/>
+    <dgm:cxn modelId="{956F5759-D0E5-42AA-B95F-27314A35572B}" type="presOf" srcId="{8B534C09-8A18-4985-9A93-E5C5232E39A9}" destId="{66463D27-39F3-47CA-B4D6-F708B4EE319A}" srcOrd="0" destOrd="0" presId="urn:microsoft.com/office/officeart/2005/8/layout/chevron2"/>
+    <dgm:cxn modelId="{998A3911-B63B-42DE-894A-C8514CAECDDC}" type="presOf" srcId="{08807098-8173-485D-A578-A38AF1D80C6C}" destId="{841751F1-A347-484C-9024-ECF7F5F5C4E7}" srcOrd="0" destOrd="0" presId="urn:microsoft.com/office/officeart/2005/8/layout/chevron2"/>
+    <dgm:cxn modelId="{6162899D-8914-44E4-A026-7CEFDB6F4AD9}" srcId="{82A3D12D-5DBA-4139-8125-9632D20344C0}" destId="{E72E7007-DC96-46EB-A0AF-7C11C99C0C7E}" srcOrd="0" destOrd="0" parTransId="{35D5888D-7271-462D-95A0-24674C5AA23D}" sibTransId="{6834C8F3-C2E7-41EE-8B29-9DE276E6ECB7}"/>
+    <dgm:cxn modelId="{C4524886-0B8B-4C5A-B358-3C586595CD70}" srcId="{F0CE30F2-B300-4D97-B71E-DB265D1A6A0D}" destId="{8B534C09-8A18-4985-9A93-E5C5232E39A9}" srcOrd="0" destOrd="0" parTransId="{6CE18C87-2EBD-4517-99AF-ABB9CC6084AB}" sibTransId="{3D16B76E-3AE8-4C9B-A792-8600C66E8E1E}"/>
+    <dgm:cxn modelId="{F62970D0-F4F8-40EC-BC8F-7B2E4A19B8A1}" srcId="{1A2B4F42-0AB5-44FC-BD18-331CDE8A3CAD}" destId="{0E715C82-7B9E-4BD1-BE9A-46A07AC4BF73}" srcOrd="2" destOrd="0" parTransId="{6EA4062B-DC3C-413E-9AAC-A06DE51CEE1E}" sibTransId="{B4E30E3C-1CDE-4293-B0E6-ABE817CDB4E0}"/>
+    <dgm:cxn modelId="{37DE4AFA-8236-4A75-A9AC-E03D35E4F1BF}" type="presParOf" srcId="{768B53D8-2061-49A1-A97C-CDEB6A139446}" destId="{9B641961-F480-44A6-B37F-0F6D7A5C65F7}" srcOrd="0" destOrd="0" presId="urn:microsoft.com/office/officeart/2005/8/layout/chevron2"/>
+    <dgm:cxn modelId="{90603AE6-E321-45C7-A544-E1B9AD221F34}" type="presParOf" srcId="{9B641961-F480-44A6-B37F-0F6D7A5C65F7}" destId="{71CDE68D-3753-4F31-B4E8-BC5EF45BFA00}" srcOrd="0" destOrd="0" presId="urn:microsoft.com/office/officeart/2005/8/layout/chevron2"/>
+    <dgm:cxn modelId="{B5E8D5DE-349F-4D77-9FC4-F7388EFB50AF}" type="presParOf" srcId="{9B641961-F480-44A6-B37F-0F6D7A5C65F7}" destId="{B66D0B5E-9F1F-4996-A2A6-CECFC53B724F}" srcOrd="1" destOrd="0" presId="urn:microsoft.com/office/officeart/2005/8/layout/chevron2"/>
+    <dgm:cxn modelId="{A8A0FED0-78BC-40A6-86F7-9E2B5A4E7E48}" type="presParOf" srcId="{768B53D8-2061-49A1-A97C-CDEB6A139446}" destId="{D02FBEF6-CF23-4EC0-A096-08CA8773E3B0}" srcOrd="1" destOrd="0" presId="urn:microsoft.com/office/officeart/2005/8/layout/chevron2"/>
+    <dgm:cxn modelId="{05D97E96-9892-40C4-A880-18340EDDEC5A}" type="presParOf" srcId="{768B53D8-2061-49A1-A97C-CDEB6A139446}" destId="{B4761D78-98C3-473B-AF28-3F0EC8C385B8}" srcOrd="2" destOrd="0" presId="urn:microsoft.com/office/officeart/2005/8/layout/chevron2"/>
+    <dgm:cxn modelId="{0A9FB364-C682-4213-A1AA-41EB6EF79A21}" type="presParOf" srcId="{B4761D78-98C3-473B-AF28-3F0EC8C385B8}" destId="{6FBA01A9-1ACB-4855-AAB5-AAFDC1A2A53F}" srcOrd="0" destOrd="0" presId="urn:microsoft.com/office/officeart/2005/8/layout/chevron2"/>
+    <dgm:cxn modelId="{37436C46-82E3-49BA-B6A0-C1D97899C97E}" type="presParOf" srcId="{B4761D78-98C3-473B-AF28-3F0EC8C385B8}" destId="{583C6395-70CA-4560-A8CE-191C1BD88AC4}" srcOrd="1" destOrd="0" presId="urn:microsoft.com/office/officeart/2005/8/layout/chevron2"/>
+    <dgm:cxn modelId="{31FA7C66-5012-4B79-9D0B-104FF05FB568}" type="presParOf" srcId="{768B53D8-2061-49A1-A97C-CDEB6A139446}" destId="{2C9C0F09-58F8-4882-ADA8-8A20893E3E87}" srcOrd="3" destOrd="0" presId="urn:microsoft.com/office/officeart/2005/8/layout/chevron2"/>
+    <dgm:cxn modelId="{314F34BC-D58B-4CD5-9DA1-DDF432C529CD}" type="presParOf" srcId="{768B53D8-2061-49A1-A97C-CDEB6A139446}" destId="{D024EED7-0F52-4AF7-81B7-BAAC963F8469}" srcOrd="4" destOrd="0" presId="urn:microsoft.com/office/officeart/2005/8/layout/chevron2"/>
+    <dgm:cxn modelId="{276B0830-CFEA-473E-90DA-C57D15FB11D8}" type="presParOf" srcId="{D024EED7-0F52-4AF7-81B7-BAAC963F8469}" destId="{8BE77904-10B1-47D7-823E-F63AA3738A8F}" srcOrd="0" destOrd="0" presId="urn:microsoft.com/office/officeart/2005/8/layout/chevron2"/>
+    <dgm:cxn modelId="{7BBD75C4-6C5C-4F2C-AECF-849F38E8EE2B}" type="presParOf" srcId="{D024EED7-0F52-4AF7-81B7-BAAC963F8469}" destId="{72B0EC31-621D-40AC-BFBB-803A3C7A0AD9}" srcOrd="1" destOrd="0" presId="urn:microsoft.com/office/officeart/2005/8/layout/chevron2"/>
+    <dgm:cxn modelId="{CE082B96-DF66-4431-A2E1-F3503DFD87A6}" type="presParOf" srcId="{768B53D8-2061-49A1-A97C-CDEB6A139446}" destId="{E2C3267F-14EB-4677-8165-189D938F1DA0}" srcOrd="5" destOrd="0" presId="urn:microsoft.com/office/officeart/2005/8/layout/chevron2"/>
+    <dgm:cxn modelId="{72D315AF-11E0-4D4F-BF4C-A45FD7626410}" type="presParOf" srcId="{768B53D8-2061-49A1-A97C-CDEB6A139446}" destId="{4077566B-2B00-4B97-9B3C-0A99BB6F0A77}" srcOrd="6" destOrd="0" presId="urn:microsoft.com/office/officeart/2005/8/layout/chevron2"/>
+    <dgm:cxn modelId="{6040C928-A92A-4F08-A0D1-64EBDB342A06}" type="presParOf" srcId="{4077566B-2B00-4B97-9B3C-0A99BB6F0A77}" destId="{841751F1-A347-484C-9024-ECF7F5F5C4E7}" srcOrd="0" destOrd="0" presId="urn:microsoft.com/office/officeart/2005/8/layout/chevron2"/>
+    <dgm:cxn modelId="{9C0D6A07-C2CB-4AAC-A9F2-B5DE7D7A3DE6}" type="presParOf" srcId="{4077566B-2B00-4B97-9B3C-0A99BB6F0A77}" destId="{E43DB939-6F23-4514-9208-729410AE4A73}" srcOrd="1" destOrd="0" presId="urn:microsoft.com/office/officeart/2005/8/layout/chevron2"/>
+    <dgm:cxn modelId="{023C9427-8DC2-40A4-BDE9-157123FDB24F}" type="presParOf" srcId="{768B53D8-2061-49A1-A97C-CDEB6A139446}" destId="{03DD555D-AE41-47EA-9D16-1E520D93B24B}" srcOrd="7" destOrd="0" presId="urn:microsoft.com/office/officeart/2005/8/layout/chevron2"/>
+    <dgm:cxn modelId="{A69F2926-164A-463E-A828-D6BECA2423D0}" type="presParOf" srcId="{768B53D8-2061-49A1-A97C-CDEB6A139446}" destId="{0D5CC4B6-3AF2-43BA-BC30-305B3F4CF8E4}" srcOrd="8" destOrd="0" presId="urn:microsoft.com/office/officeart/2005/8/layout/chevron2"/>
+    <dgm:cxn modelId="{4E401CA1-BF5E-4320-80B8-F0D60CF91474}" type="presParOf" srcId="{0D5CC4B6-3AF2-43BA-BC30-305B3F4CF8E4}" destId="{8490C617-2CE8-45AE-96AF-71AC9C7297E4}" srcOrd="0" destOrd="0" presId="urn:microsoft.com/office/officeart/2005/8/layout/chevron2"/>
+    <dgm:cxn modelId="{14C310DF-5D41-42AC-93AD-13AF2063EDC2}" type="presParOf" srcId="{0D5CC4B6-3AF2-43BA-BC30-305B3F4CF8E4}" destId="{DFCD5078-65B0-4F43-9A63-A8CAB2AC2759}" srcOrd="1" destOrd="0" presId="urn:microsoft.com/office/officeart/2005/8/layout/chevron2"/>
+    <dgm:cxn modelId="{949078C3-01A6-45AD-80D8-2C3C330E7EAA}" type="presParOf" srcId="{768B53D8-2061-49A1-A97C-CDEB6A139446}" destId="{535F4265-557B-44A2-B061-ADE28D293156}" srcOrd="9" destOrd="0" presId="urn:microsoft.com/office/officeart/2005/8/layout/chevron2"/>
+    <dgm:cxn modelId="{0653270B-B376-4973-A50B-CC37B19975BB}" type="presParOf" srcId="{768B53D8-2061-49A1-A97C-CDEB6A139446}" destId="{E04F1E49-0066-4F30-8994-1C1985F2A17B}" srcOrd="10" destOrd="0" presId="urn:microsoft.com/office/officeart/2005/8/layout/chevron2"/>
+    <dgm:cxn modelId="{60C58398-701D-40D8-B032-52B65EB4952F}" type="presParOf" srcId="{E04F1E49-0066-4F30-8994-1C1985F2A17B}" destId="{D5805F06-885F-4C36-B24C-43D053D7AC6E}" srcOrd="0" destOrd="0" presId="urn:microsoft.com/office/officeart/2005/8/layout/chevron2"/>
+    <dgm:cxn modelId="{DFDF7FCA-5991-4943-9730-96B5952229A5}" type="presParOf" srcId="{E04F1E49-0066-4F30-8994-1C1985F2A17B}" destId="{66463D27-39F3-47CA-B4D6-F708B4EE319A}" srcOrd="1" destOrd="0" presId="urn:microsoft.com/office/officeart/2005/8/layout/chevron2"/>
+    <dgm:cxn modelId="{087B9128-707B-4E51-8037-49E46F0B614E}" type="presParOf" srcId="{768B53D8-2061-49A1-A97C-CDEB6A139446}" destId="{A7967FFF-2DF9-485C-8DDD-823397DB4625}" srcOrd="11" destOrd="0" presId="urn:microsoft.com/office/officeart/2005/8/layout/chevron2"/>
+    <dgm:cxn modelId="{D16CC80C-EB37-4778-8425-032388F78FF0}" type="presParOf" srcId="{768B53D8-2061-49A1-A97C-CDEB6A139446}" destId="{FA49C867-B3BA-4A74-8046-65E77C394252}" srcOrd="12" destOrd="0" presId="urn:microsoft.com/office/officeart/2005/8/layout/chevron2"/>
+    <dgm:cxn modelId="{F8F298C5-9C09-4FA8-B019-32594DB89A09}" type="presParOf" srcId="{FA49C867-B3BA-4A74-8046-65E77C394252}" destId="{D22CBBA7-221A-477B-93F8-2E5AB75E2AC3}" srcOrd="0" destOrd="0" presId="urn:microsoft.com/office/officeart/2005/8/layout/chevron2"/>
+    <dgm:cxn modelId="{21CE046F-E36A-45D3-81D3-63BAF5BA574E}" type="presParOf" srcId="{FA49C867-B3BA-4A74-8046-65E77C394252}" destId="{549FC660-91D8-4751-B1B1-D01C73B2226D}" srcOrd="1" destOrd="0" presId="urn:microsoft.com/office/officeart/2005/8/layout/chevron2"/>
   </dgm:cxnLst>
   <dgm:bg/>
   <dgm:whole/>
@@ -6489,12 +5383,12 @@
         <a:fontRef idx="minor"/>
       </dsp:style>
       <dsp:txBody>
-        <a:bodyPr spcFirstLastPara="0" vert="horz" wrap="square" lIns="232410" tIns="232410" rIns="232410" bIns="232410" numCol="1" spcCol="1270" anchor="t" anchorCtr="0">
+        <a:bodyPr spcFirstLastPara="0" vert="horz" wrap="square" lIns="247650" tIns="247650" rIns="247650" bIns="247650" numCol="1" spcCol="1270" anchor="t" anchorCtr="0">
           <a:noAutofit/>
         </a:bodyPr>
         <a:lstStyle/>
         <a:p>
-          <a:pPr lvl="0" algn="l" defTabSz="2711450">
+          <a:pPr lvl="0" algn="l" defTabSz="2889250">
             <a:lnSpc>
               <a:spcPct val="90000"/>
             </a:lnSpc>
@@ -6506,10 +5400,10 @@
             </a:spcAft>
           </a:pPr>
           <a:r>
-            <a:rPr lang="en-US" sz="6100" kern="1200" dirty="0" smtClean="0"/>
-            <a:t>PCM</a:t>
+            <a:rPr lang="en-US" sz="6500" kern="1200" dirty="0" smtClean="0"/>
+            <a:t>PG</a:t>
           </a:r>
-          <a:endParaRPr lang="ru-RU" sz="6100" kern="1200" dirty="0"/>
+          <a:endParaRPr lang="ru-RU" sz="6500" kern="1200" dirty="0"/>
         </a:p>
       </dsp:txBody>
       <dsp:txXfrm>
@@ -7078,15 +5972,7 @@
           </a:pPr>
           <a:r>
             <a:rPr lang="ru-RU" sz="2700" kern="1200" dirty="0" smtClean="0"/>
-            <a:t>Объединить </a:t>
-          </a:r>
-          <a:r>
-            <a:rPr lang="ru-RU" sz="2700" kern="1200" dirty="0" smtClean="0"/>
-            <a:t>всё в </a:t>
-          </a:r>
-          <a:r>
-            <a:rPr lang="ru-RU" sz="2700" kern="1200" dirty="0" smtClean="0"/>
-            <a:t>один образ</a:t>
+            <a:t>Объединить всё в один образ</a:t>
           </a:r>
           <a:endParaRPr lang="ru-RU" sz="2700" kern="1200" dirty="0"/>
         </a:p>
@@ -7919,57 +6805,17 @@
       <dsp:cNvGrpSpPr/>
     </dsp:nvGrpSpPr>
     <dsp:grpSpPr/>
-    <dsp:sp modelId="{49BA00DD-D962-4A59-8B54-2FF5F53FB60A}">
+    <dsp:sp modelId="{71CDE68D-3753-4F31-B4E8-BC5EF45BFA00}">
       <dsp:nvSpPr>
         <dsp:cNvPr id="0" name=""/>
         <dsp:cNvSpPr/>
       </dsp:nvSpPr>
       <dsp:spPr>
-        <a:xfrm>
-          <a:off x="729019" y="0"/>
-          <a:ext cx="8262222" cy="4022725"/>
+        <a:xfrm rot="5400000">
+          <a:off x="-97228" y="98862"/>
+          <a:ext cx="648192" cy="453735"/>
         </a:xfrm>
-        <a:prstGeom prst="rightArrow">
-          <a:avLst/>
-        </a:prstGeom>
-        <a:solidFill>
-          <a:schemeClr val="accent1">
-            <a:tint val="40000"/>
-            <a:hueOff val="0"/>
-            <a:satOff val="0"/>
-            <a:lumOff val="0"/>
-            <a:alphaOff val="0"/>
-          </a:schemeClr>
-        </a:solidFill>
-        <a:ln>
-          <a:noFill/>
-        </a:ln>
-        <a:effectLst/>
-      </dsp:spPr>
-      <dsp:style>
-        <a:lnRef idx="0">
-          <a:scrgbClr r="0" g="0" b="0"/>
-        </a:lnRef>
-        <a:fillRef idx="1">
-          <a:scrgbClr r="0" g="0" b="0"/>
-        </a:fillRef>
-        <a:effectRef idx="0">
-          <a:scrgbClr r="0" g="0" b="0"/>
-        </a:effectRef>
-        <a:fontRef idx="minor"/>
-      </dsp:style>
-    </dsp:sp>
-    <dsp:sp modelId="{684CD503-3A7A-4945-9AF2-39B7BF932C28}">
-      <dsp:nvSpPr>
-        <dsp:cNvPr id="0" name=""/>
-        <dsp:cNvSpPr/>
-      </dsp:nvSpPr>
-      <dsp:spPr>
-        <a:xfrm>
-          <a:off x="1423" y="1206817"/>
-          <a:ext cx="1527808" cy="1609090"/>
-        </a:xfrm>
-        <a:prstGeom prst="roundRect">
+        <a:prstGeom prst="chevron">
           <a:avLst/>
         </a:prstGeom>
         <a:solidFill>
@@ -8009,12 +6855,12 @@
         </a:fontRef>
       </dsp:style>
       <dsp:txBody>
-        <a:bodyPr spcFirstLastPara="0" vert="horz" wrap="square" lIns="53340" tIns="53340" rIns="53340" bIns="53340" numCol="1" spcCol="1270" anchor="ctr" anchorCtr="0">
+        <a:bodyPr spcFirstLastPara="0" vert="horz" wrap="square" lIns="15240" tIns="15240" rIns="15240" bIns="15240" numCol="1" spcCol="1270" anchor="ctr" anchorCtr="0">
           <a:noAutofit/>
         </a:bodyPr>
         <a:lstStyle/>
         <a:p>
-          <a:pPr lvl="0" algn="ctr" defTabSz="622300">
+          <a:pPr lvl="0" algn="ctr" defTabSz="1066800">
             <a:lnSpc>
               <a:spcPct val="90000"/>
             </a:lnSpc>
@@ -8025,29 +6871,103 @@
               <a:spcPct val="35000"/>
             </a:spcAft>
           </a:pPr>
-          <a:r>
-            <a:rPr lang="ru-RU" sz="1400" kern="1200" dirty="0" smtClean="0"/>
-            <a:t>Проектирование</a:t>
-          </a:r>
-          <a:endParaRPr lang="ru-RU" sz="1400" kern="1200" dirty="0"/>
+          <a:endParaRPr lang="ru-RU" sz="2400" kern="1200" dirty="0"/>
         </a:p>
       </dsp:txBody>
-      <dsp:txXfrm>
-        <a:off x="76004" y="1281398"/>
-        <a:ext cx="1378646" cy="1459928"/>
+      <dsp:txXfrm rot="-5400000">
+        <a:off x="1" y="228502"/>
+        <a:ext cx="453735" cy="194457"/>
       </dsp:txXfrm>
     </dsp:sp>
-    <dsp:sp modelId="{B9814984-5FFD-43AA-A575-6FE08D9D0415}">
+    <dsp:sp modelId="{B66D0B5E-9F1F-4996-A2A6-CECFC53B724F}">
       <dsp:nvSpPr>
         <dsp:cNvPr id="0" name=""/>
         <dsp:cNvSpPr/>
       </dsp:nvSpPr>
       <dsp:spPr>
-        <a:xfrm>
-          <a:off x="1639344" y="1206817"/>
-          <a:ext cx="1527808" cy="1609090"/>
+        <a:xfrm rot="5400000">
+          <a:off x="4876335" y="-4420966"/>
+          <a:ext cx="421325" cy="9266526"/>
         </a:xfrm>
-        <a:prstGeom prst="roundRect">
+        <a:prstGeom prst="round2SameRect">
+          <a:avLst/>
+        </a:prstGeom>
+        <a:solidFill>
+          <a:schemeClr val="accent1">
+            <a:alpha val="90000"/>
+            <a:tint val="40000"/>
+            <a:hueOff val="0"/>
+            <a:satOff val="0"/>
+            <a:lumOff val="0"/>
+            <a:alphaOff val="0"/>
+          </a:schemeClr>
+        </a:solidFill>
+        <a:ln w="15875" cap="flat" cmpd="sng" algn="ctr">
+          <a:solidFill>
+            <a:schemeClr val="accent1">
+              <a:hueOff val="0"/>
+              <a:satOff val="0"/>
+              <a:lumOff val="0"/>
+              <a:alphaOff val="0"/>
+            </a:schemeClr>
+          </a:solidFill>
+          <a:prstDash val="solid"/>
+        </a:ln>
+        <a:effectLst/>
+      </dsp:spPr>
+      <dsp:style>
+        <a:lnRef idx="2">
+          <a:scrgbClr r="0" g="0" b="0"/>
+        </a:lnRef>
+        <a:fillRef idx="1">
+          <a:scrgbClr r="0" g="0" b="0"/>
+        </a:fillRef>
+        <a:effectRef idx="0">
+          <a:scrgbClr r="0" g="0" b="0"/>
+        </a:effectRef>
+        <a:fontRef idx="minor"/>
+      </dsp:style>
+      <dsp:txBody>
+        <a:bodyPr spcFirstLastPara="0" vert="horz" wrap="square" lIns="170688" tIns="15240" rIns="15240" bIns="15240" numCol="1" spcCol="1270" anchor="ctr" anchorCtr="0">
+          <a:noAutofit/>
+        </a:bodyPr>
+        <a:lstStyle/>
+        <a:p>
+          <a:pPr marL="228600" lvl="1" indent="-228600" algn="l" defTabSz="1066800">
+            <a:lnSpc>
+              <a:spcPct val="90000"/>
+            </a:lnSpc>
+            <a:spcBef>
+              <a:spcPct val="0"/>
+            </a:spcBef>
+            <a:spcAft>
+              <a:spcPct val="15000"/>
+            </a:spcAft>
+            <a:buChar char="••"/>
+          </a:pPr>
+          <a:r>
+            <a:rPr lang="ru-RU" sz="2400" kern="1200" dirty="0" smtClean="0"/>
+            <a:t>Анализ</a:t>
+          </a:r>
+          <a:endParaRPr lang="ru-RU" sz="2400" kern="1200" dirty="0"/>
+        </a:p>
+      </dsp:txBody>
+      <dsp:txXfrm rot="-5400000">
+        <a:off x="453735" y="22201"/>
+        <a:ext cx="9245959" cy="380191"/>
+      </dsp:txXfrm>
+    </dsp:sp>
+    <dsp:sp modelId="{6FBA01A9-1ACB-4855-AAB5-AAFDC1A2A53F}">
+      <dsp:nvSpPr>
+        <dsp:cNvPr id="0" name=""/>
+        <dsp:cNvSpPr/>
+      </dsp:nvSpPr>
+      <dsp:spPr>
+        <a:xfrm rot="5400000">
+          <a:off x="-97228" y="660740"/>
+          <a:ext cx="648192" cy="453735"/>
+        </a:xfrm>
+        <a:prstGeom prst="chevron">
           <a:avLst/>
         </a:prstGeom>
         <a:solidFill>
@@ -8087,12 +7007,12 @@
         </a:fontRef>
       </dsp:style>
       <dsp:txBody>
-        <a:bodyPr spcFirstLastPara="0" vert="horz" wrap="square" lIns="53340" tIns="53340" rIns="53340" bIns="53340" numCol="1" spcCol="1270" anchor="ctr" anchorCtr="0">
+        <a:bodyPr spcFirstLastPara="0" vert="horz" wrap="square" lIns="15240" tIns="15240" rIns="15240" bIns="15240" numCol="1" spcCol="1270" anchor="ctr" anchorCtr="0">
           <a:noAutofit/>
         </a:bodyPr>
         <a:lstStyle/>
         <a:p>
-          <a:pPr lvl="0" algn="ctr" defTabSz="622300">
+          <a:pPr lvl="0" algn="ctr" defTabSz="1066800">
             <a:lnSpc>
               <a:spcPct val="90000"/>
             </a:lnSpc>
@@ -8103,29 +7023,103 @@
               <a:spcPct val="35000"/>
             </a:spcAft>
           </a:pPr>
-          <a:r>
-            <a:rPr lang="ru-RU" sz="1400" kern="1200" dirty="0" smtClean="0"/>
-            <a:t>Создание</a:t>
-          </a:r>
-          <a:endParaRPr lang="ru-RU" sz="1400" kern="1200" dirty="0"/>
+          <a:endParaRPr lang="ru-RU" sz="2400" kern="1200" dirty="0"/>
         </a:p>
       </dsp:txBody>
-      <dsp:txXfrm>
-        <a:off x="1713925" y="1281398"/>
-        <a:ext cx="1378646" cy="1459928"/>
+      <dsp:txXfrm rot="-5400000">
+        <a:off x="1" y="790380"/>
+        <a:ext cx="453735" cy="194457"/>
       </dsp:txXfrm>
     </dsp:sp>
-    <dsp:sp modelId="{824472BB-2F7B-4112-A4DD-102069FBCD42}">
+    <dsp:sp modelId="{583C6395-70CA-4560-A8CE-191C1BD88AC4}">
       <dsp:nvSpPr>
         <dsp:cNvPr id="0" name=""/>
         <dsp:cNvSpPr/>
       </dsp:nvSpPr>
       <dsp:spPr>
-        <a:xfrm>
-          <a:off x="3277266" y="1206817"/>
-          <a:ext cx="1527808" cy="1609090"/>
+        <a:xfrm rot="5400000">
+          <a:off x="4876335" y="-3859089"/>
+          <a:ext cx="421325" cy="9266526"/>
         </a:xfrm>
-        <a:prstGeom prst="roundRect">
+        <a:prstGeom prst="round2SameRect">
+          <a:avLst/>
+        </a:prstGeom>
+        <a:solidFill>
+          <a:schemeClr val="accent1">
+            <a:alpha val="90000"/>
+            <a:tint val="40000"/>
+            <a:hueOff val="0"/>
+            <a:satOff val="0"/>
+            <a:lumOff val="0"/>
+            <a:alphaOff val="0"/>
+          </a:schemeClr>
+        </a:solidFill>
+        <a:ln w="15875" cap="flat" cmpd="sng" algn="ctr">
+          <a:solidFill>
+            <a:schemeClr val="accent1">
+              <a:hueOff val="0"/>
+              <a:satOff val="0"/>
+              <a:lumOff val="0"/>
+              <a:alphaOff val="0"/>
+            </a:schemeClr>
+          </a:solidFill>
+          <a:prstDash val="solid"/>
+        </a:ln>
+        <a:effectLst/>
+      </dsp:spPr>
+      <dsp:style>
+        <a:lnRef idx="2">
+          <a:scrgbClr r="0" g="0" b="0"/>
+        </a:lnRef>
+        <a:fillRef idx="1">
+          <a:scrgbClr r="0" g="0" b="0"/>
+        </a:fillRef>
+        <a:effectRef idx="0">
+          <a:scrgbClr r="0" g="0" b="0"/>
+        </a:effectRef>
+        <a:fontRef idx="minor"/>
+      </dsp:style>
+      <dsp:txBody>
+        <a:bodyPr spcFirstLastPara="0" vert="horz" wrap="square" lIns="170688" tIns="15240" rIns="15240" bIns="15240" numCol="1" spcCol="1270" anchor="ctr" anchorCtr="0">
+          <a:noAutofit/>
+        </a:bodyPr>
+        <a:lstStyle/>
+        <a:p>
+          <a:pPr marL="228600" lvl="1" indent="-228600" algn="l" defTabSz="1066800">
+            <a:lnSpc>
+              <a:spcPct val="90000"/>
+            </a:lnSpc>
+            <a:spcBef>
+              <a:spcPct val="0"/>
+            </a:spcBef>
+            <a:spcAft>
+              <a:spcPct val="15000"/>
+            </a:spcAft>
+            <a:buChar char="••"/>
+          </a:pPr>
+          <a:r>
+            <a:rPr lang="ru-RU" sz="2400" kern="1200" dirty="0" smtClean="0"/>
+            <a:t>Проектирование</a:t>
+          </a:r>
+          <a:endParaRPr lang="ru-RU" sz="2400" kern="1200" dirty="0"/>
+        </a:p>
+      </dsp:txBody>
+      <dsp:txXfrm rot="-5400000">
+        <a:off x="453735" y="584078"/>
+        <a:ext cx="9245959" cy="380191"/>
+      </dsp:txXfrm>
+    </dsp:sp>
+    <dsp:sp modelId="{8BE77904-10B1-47D7-823E-F63AA3738A8F}">
+      <dsp:nvSpPr>
+        <dsp:cNvPr id="0" name=""/>
+        <dsp:cNvSpPr/>
+      </dsp:nvSpPr>
+      <dsp:spPr>
+        <a:xfrm rot="5400000">
+          <a:off x="-97228" y="1222617"/>
+          <a:ext cx="648192" cy="453735"/>
+        </a:xfrm>
+        <a:prstGeom prst="chevron">
           <a:avLst/>
         </a:prstGeom>
         <a:solidFill>
@@ -8165,12 +7159,12 @@
         </a:fontRef>
       </dsp:style>
       <dsp:txBody>
-        <a:bodyPr spcFirstLastPara="0" vert="horz" wrap="square" lIns="53340" tIns="53340" rIns="53340" bIns="53340" numCol="1" spcCol="1270" anchor="ctr" anchorCtr="0">
+        <a:bodyPr spcFirstLastPara="0" vert="horz" wrap="square" lIns="7620" tIns="7620" rIns="7620" bIns="7620" numCol="1" spcCol="1270" anchor="ctr" anchorCtr="0">
           <a:noAutofit/>
         </a:bodyPr>
         <a:lstStyle/>
         <a:p>
-          <a:pPr lvl="0" algn="ctr" defTabSz="622300">
+          <a:pPr lvl="0" algn="ctr" defTabSz="533400">
             <a:lnSpc>
               <a:spcPct val="90000"/>
             </a:lnSpc>
@@ -8181,29 +7175,103 @@
               <a:spcPct val="35000"/>
             </a:spcAft>
           </a:pPr>
-          <a:r>
-            <a:rPr lang="ru-RU" sz="1400" kern="1200" dirty="0" smtClean="0"/>
-            <a:t>Тестирование</a:t>
-          </a:r>
-          <a:endParaRPr lang="ru-RU" sz="1400" kern="1200" dirty="0"/>
+          <a:endParaRPr lang="ru-RU" sz="1200" kern="1200" dirty="0"/>
         </a:p>
       </dsp:txBody>
-      <dsp:txXfrm>
-        <a:off x="3351847" y="1281398"/>
-        <a:ext cx="1378646" cy="1459928"/>
+      <dsp:txXfrm rot="-5400000">
+        <a:off x="1" y="1352257"/>
+        <a:ext cx="453735" cy="194457"/>
       </dsp:txXfrm>
     </dsp:sp>
-    <dsp:sp modelId="{1A6CD480-AFE0-4325-B4B7-48B0020877EE}">
+    <dsp:sp modelId="{72B0EC31-621D-40AC-BFBB-803A3C7A0AD9}">
       <dsp:nvSpPr>
         <dsp:cNvPr id="0" name=""/>
         <dsp:cNvSpPr/>
       </dsp:nvSpPr>
       <dsp:spPr>
-        <a:xfrm>
-          <a:off x="4915187" y="1206817"/>
-          <a:ext cx="1527808" cy="1609090"/>
+        <a:xfrm rot="5400000">
+          <a:off x="4876335" y="-3297212"/>
+          <a:ext cx="421325" cy="9266526"/>
         </a:xfrm>
-        <a:prstGeom prst="roundRect">
+        <a:prstGeom prst="round2SameRect">
+          <a:avLst/>
+        </a:prstGeom>
+        <a:solidFill>
+          <a:schemeClr val="accent1">
+            <a:alpha val="90000"/>
+            <a:tint val="40000"/>
+            <a:hueOff val="0"/>
+            <a:satOff val="0"/>
+            <a:lumOff val="0"/>
+            <a:alphaOff val="0"/>
+          </a:schemeClr>
+        </a:solidFill>
+        <a:ln w="15875" cap="flat" cmpd="sng" algn="ctr">
+          <a:solidFill>
+            <a:schemeClr val="accent1">
+              <a:hueOff val="0"/>
+              <a:satOff val="0"/>
+              <a:lumOff val="0"/>
+              <a:alphaOff val="0"/>
+            </a:schemeClr>
+          </a:solidFill>
+          <a:prstDash val="solid"/>
+        </a:ln>
+        <a:effectLst/>
+      </dsp:spPr>
+      <dsp:style>
+        <a:lnRef idx="2">
+          <a:scrgbClr r="0" g="0" b="0"/>
+        </a:lnRef>
+        <a:fillRef idx="1">
+          <a:scrgbClr r="0" g="0" b="0"/>
+        </a:fillRef>
+        <a:effectRef idx="0">
+          <a:scrgbClr r="0" g="0" b="0"/>
+        </a:effectRef>
+        <a:fontRef idx="minor"/>
+      </dsp:style>
+      <dsp:txBody>
+        <a:bodyPr spcFirstLastPara="0" vert="horz" wrap="square" lIns="170688" tIns="15240" rIns="15240" bIns="15240" numCol="1" spcCol="1270" anchor="ctr" anchorCtr="0">
+          <a:noAutofit/>
+        </a:bodyPr>
+        <a:lstStyle/>
+        <a:p>
+          <a:pPr marL="228600" lvl="1" indent="-228600" algn="l" defTabSz="1066800">
+            <a:lnSpc>
+              <a:spcPct val="90000"/>
+            </a:lnSpc>
+            <a:spcBef>
+              <a:spcPct val="0"/>
+            </a:spcBef>
+            <a:spcAft>
+              <a:spcPct val="15000"/>
+            </a:spcAft>
+            <a:buChar char="••"/>
+          </a:pPr>
+          <a:r>
+            <a:rPr lang="ru-RU" sz="2400" kern="1200" dirty="0" smtClean="0"/>
+            <a:t>Разработка</a:t>
+          </a:r>
+          <a:endParaRPr lang="ru-RU" sz="2400" kern="1200" dirty="0"/>
+        </a:p>
+      </dsp:txBody>
+      <dsp:txXfrm rot="-5400000">
+        <a:off x="453735" y="1145955"/>
+        <a:ext cx="9245959" cy="380191"/>
+      </dsp:txXfrm>
+    </dsp:sp>
+    <dsp:sp modelId="{841751F1-A347-484C-9024-ECF7F5F5C4E7}">
+      <dsp:nvSpPr>
+        <dsp:cNvPr id="0" name=""/>
+        <dsp:cNvSpPr/>
+      </dsp:nvSpPr>
+      <dsp:spPr>
+        <a:xfrm rot="5400000">
+          <a:off x="-97228" y="1784494"/>
+          <a:ext cx="648192" cy="453735"/>
+        </a:xfrm>
+        <a:prstGeom prst="chevron">
           <a:avLst/>
         </a:prstGeom>
         <a:solidFill>
@@ -8243,12 +7311,12 @@
         </a:fontRef>
       </dsp:style>
       <dsp:txBody>
-        <a:bodyPr spcFirstLastPara="0" vert="horz" wrap="square" lIns="53340" tIns="53340" rIns="53340" bIns="53340" numCol="1" spcCol="1270" anchor="ctr" anchorCtr="0">
+        <a:bodyPr spcFirstLastPara="0" vert="horz" wrap="square" lIns="7620" tIns="7620" rIns="7620" bIns="7620" numCol="1" spcCol="1270" anchor="ctr" anchorCtr="0">
           <a:noAutofit/>
         </a:bodyPr>
         <a:lstStyle/>
         <a:p>
-          <a:pPr lvl="0" algn="ctr" defTabSz="622300">
+          <a:pPr lvl="0" algn="ctr" defTabSz="533400">
             <a:lnSpc>
               <a:spcPct val="90000"/>
             </a:lnSpc>
@@ -8259,29 +7327,103 @@
               <a:spcPct val="35000"/>
             </a:spcAft>
           </a:pPr>
-          <a:r>
-            <a:rPr lang="ru-RU" sz="1400" kern="1200" dirty="0" smtClean="0"/>
-            <a:t>Изменение</a:t>
-          </a:r>
-          <a:endParaRPr lang="ru-RU" sz="1400" kern="1200" dirty="0"/>
+          <a:endParaRPr lang="ru-RU" sz="1200" kern="1200" dirty="0"/>
         </a:p>
       </dsp:txBody>
-      <dsp:txXfrm>
-        <a:off x="4989768" y="1281398"/>
-        <a:ext cx="1378646" cy="1459928"/>
+      <dsp:txXfrm rot="-5400000">
+        <a:off x="1" y="1914134"/>
+        <a:ext cx="453735" cy="194457"/>
       </dsp:txXfrm>
     </dsp:sp>
-    <dsp:sp modelId="{180C9C67-F2EA-4F60-8AF6-AD7689B7633F}">
+    <dsp:sp modelId="{E43DB939-6F23-4514-9208-729410AE4A73}">
       <dsp:nvSpPr>
         <dsp:cNvPr id="0" name=""/>
         <dsp:cNvSpPr/>
       </dsp:nvSpPr>
       <dsp:spPr>
-        <a:xfrm>
-          <a:off x="6553108" y="1206817"/>
-          <a:ext cx="1527808" cy="1609090"/>
+        <a:xfrm rot="5400000">
+          <a:off x="4876335" y="-2735334"/>
+          <a:ext cx="421325" cy="9266526"/>
         </a:xfrm>
-        <a:prstGeom prst="roundRect">
+        <a:prstGeom prst="round2SameRect">
+          <a:avLst/>
+        </a:prstGeom>
+        <a:solidFill>
+          <a:schemeClr val="accent1">
+            <a:alpha val="90000"/>
+            <a:tint val="40000"/>
+            <a:hueOff val="0"/>
+            <a:satOff val="0"/>
+            <a:lumOff val="0"/>
+            <a:alphaOff val="0"/>
+          </a:schemeClr>
+        </a:solidFill>
+        <a:ln w="15875" cap="flat" cmpd="sng" algn="ctr">
+          <a:solidFill>
+            <a:schemeClr val="accent1">
+              <a:hueOff val="0"/>
+              <a:satOff val="0"/>
+              <a:lumOff val="0"/>
+              <a:alphaOff val="0"/>
+            </a:schemeClr>
+          </a:solidFill>
+          <a:prstDash val="solid"/>
+        </a:ln>
+        <a:effectLst/>
+      </dsp:spPr>
+      <dsp:style>
+        <a:lnRef idx="2">
+          <a:scrgbClr r="0" g="0" b="0"/>
+        </a:lnRef>
+        <a:fillRef idx="1">
+          <a:scrgbClr r="0" g="0" b="0"/>
+        </a:fillRef>
+        <a:effectRef idx="0">
+          <a:scrgbClr r="0" g="0" b="0"/>
+        </a:effectRef>
+        <a:fontRef idx="minor"/>
+      </dsp:style>
+      <dsp:txBody>
+        <a:bodyPr spcFirstLastPara="0" vert="horz" wrap="square" lIns="170688" tIns="15240" rIns="15240" bIns="15240" numCol="1" spcCol="1270" anchor="ctr" anchorCtr="0">
+          <a:noAutofit/>
+        </a:bodyPr>
+        <a:lstStyle/>
+        <a:p>
+          <a:pPr marL="228600" lvl="1" indent="-228600" algn="l" defTabSz="1066800">
+            <a:lnSpc>
+              <a:spcPct val="90000"/>
+            </a:lnSpc>
+            <a:spcBef>
+              <a:spcPct val="0"/>
+            </a:spcBef>
+            <a:spcAft>
+              <a:spcPct val="15000"/>
+            </a:spcAft>
+            <a:buChar char="••"/>
+          </a:pPr>
+          <a:r>
+            <a:rPr lang="ru-RU" sz="2400" kern="1200" dirty="0" smtClean="0"/>
+            <a:t>Тестирование</a:t>
+          </a:r>
+          <a:endParaRPr lang="ru-RU" sz="2400" kern="1200" dirty="0"/>
+        </a:p>
+      </dsp:txBody>
+      <dsp:txXfrm rot="-5400000">
+        <a:off x="453735" y="1707833"/>
+        <a:ext cx="9245959" cy="380191"/>
+      </dsp:txXfrm>
+    </dsp:sp>
+    <dsp:sp modelId="{8490C617-2CE8-45AE-96AF-71AC9C7297E4}">
+      <dsp:nvSpPr>
+        <dsp:cNvPr id="0" name=""/>
+        <dsp:cNvSpPr/>
+      </dsp:nvSpPr>
+      <dsp:spPr>
+        <a:xfrm rot="5400000">
+          <a:off x="-97228" y="2346372"/>
+          <a:ext cx="648192" cy="453735"/>
+        </a:xfrm>
+        <a:prstGeom prst="chevron">
           <a:avLst/>
         </a:prstGeom>
         <a:solidFill>
@@ -8321,12 +7463,12 @@
         </a:fontRef>
       </dsp:style>
       <dsp:txBody>
-        <a:bodyPr spcFirstLastPara="0" vert="horz" wrap="square" lIns="53340" tIns="53340" rIns="53340" bIns="53340" numCol="1" spcCol="1270" anchor="ctr" anchorCtr="0">
+        <a:bodyPr spcFirstLastPara="0" vert="horz" wrap="square" lIns="7620" tIns="7620" rIns="7620" bIns="7620" numCol="1" spcCol="1270" anchor="ctr" anchorCtr="0">
           <a:noAutofit/>
         </a:bodyPr>
         <a:lstStyle/>
         <a:p>
-          <a:pPr lvl="0" algn="ctr" defTabSz="622300">
+          <a:pPr lvl="0" algn="ctr" defTabSz="533400">
             <a:lnSpc>
               <a:spcPct val="90000"/>
             </a:lnSpc>
@@ -8337,29 +7479,103 @@
               <a:spcPct val="35000"/>
             </a:spcAft>
           </a:pPr>
-          <a:r>
-            <a:rPr lang="ru-RU" sz="1400" kern="1200" dirty="0" smtClean="0"/>
-            <a:t>Сборка образ</a:t>
-          </a:r>
-          <a:endParaRPr lang="ru-RU" sz="1400" kern="1200" dirty="0"/>
+          <a:endParaRPr lang="ru-RU" sz="1200" kern="1200" dirty="0"/>
         </a:p>
       </dsp:txBody>
-      <dsp:txXfrm>
-        <a:off x="6627689" y="1281398"/>
-        <a:ext cx="1378646" cy="1459928"/>
+      <dsp:txXfrm rot="-5400000">
+        <a:off x="1" y="2476012"/>
+        <a:ext cx="453735" cy="194457"/>
       </dsp:txXfrm>
     </dsp:sp>
-    <dsp:sp modelId="{8875CD33-A813-4BB9-9AA1-C55534DFCBA1}">
+    <dsp:sp modelId="{DFCD5078-65B0-4F43-9A63-A8CAB2AC2759}">
       <dsp:nvSpPr>
         <dsp:cNvPr id="0" name=""/>
         <dsp:cNvSpPr/>
       </dsp:nvSpPr>
       <dsp:spPr>
-        <a:xfrm>
-          <a:off x="8191029" y="1206817"/>
-          <a:ext cx="1527808" cy="1609090"/>
+        <a:xfrm rot="5400000">
+          <a:off x="4876335" y="-2173457"/>
+          <a:ext cx="421325" cy="9266526"/>
         </a:xfrm>
-        <a:prstGeom prst="roundRect">
+        <a:prstGeom prst="round2SameRect">
+          <a:avLst/>
+        </a:prstGeom>
+        <a:solidFill>
+          <a:schemeClr val="accent1">
+            <a:alpha val="90000"/>
+            <a:tint val="40000"/>
+            <a:hueOff val="0"/>
+            <a:satOff val="0"/>
+            <a:lumOff val="0"/>
+            <a:alphaOff val="0"/>
+          </a:schemeClr>
+        </a:solidFill>
+        <a:ln w="15875" cap="flat" cmpd="sng" algn="ctr">
+          <a:solidFill>
+            <a:schemeClr val="accent1">
+              <a:hueOff val="0"/>
+              <a:satOff val="0"/>
+              <a:lumOff val="0"/>
+              <a:alphaOff val="0"/>
+            </a:schemeClr>
+          </a:solidFill>
+          <a:prstDash val="solid"/>
+        </a:ln>
+        <a:effectLst/>
+      </dsp:spPr>
+      <dsp:style>
+        <a:lnRef idx="2">
+          <a:scrgbClr r="0" g="0" b="0"/>
+        </a:lnRef>
+        <a:fillRef idx="1">
+          <a:scrgbClr r="0" g="0" b="0"/>
+        </a:fillRef>
+        <a:effectRef idx="0">
+          <a:scrgbClr r="0" g="0" b="0"/>
+        </a:effectRef>
+        <a:fontRef idx="minor"/>
+      </dsp:style>
+      <dsp:txBody>
+        <a:bodyPr spcFirstLastPara="0" vert="horz" wrap="square" lIns="170688" tIns="15240" rIns="15240" bIns="15240" numCol="1" spcCol="1270" anchor="ctr" anchorCtr="0">
+          <a:noAutofit/>
+        </a:bodyPr>
+        <a:lstStyle/>
+        <a:p>
+          <a:pPr marL="228600" lvl="1" indent="-228600" algn="l" defTabSz="1066800">
+            <a:lnSpc>
+              <a:spcPct val="90000"/>
+            </a:lnSpc>
+            <a:spcBef>
+              <a:spcPct val="0"/>
+            </a:spcBef>
+            <a:spcAft>
+              <a:spcPct val="15000"/>
+            </a:spcAft>
+            <a:buChar char="••"/>
+          </a:pPr>
+          <a:r>
+            <a:rPr lang="ru-RU" sz="2400" kern="1200" dirty="0" smtClean="0"/>
+            <a:t>Корректировка</a:t>
+          </a:r>
+          <a:endParaRPr lang="ru-RU" sz="2400" kern="1200" dirty="0"/>
+        </a:p>
+      </dsp:txBody>
+      <dsp:txXfrm rot="-5400000">
+        <a:off x="453735" y="2269710"/>
+        <a:ext cx="9245959" cy="380191"/>
+      </dsp:txXfrm>
+    </dsp:sp>
+    <dsp:sp modelId="{D5805F06-885F-4C36-B24C-43D053D7AC6E}">
+      <dsp:nvSpPr>
+        <dsp:cNvPr id="0" name=""/>
+        <dsp:cNvSpPr/>
+      </dsp:nvSpPr>
+      <dsp:spPr>
+        <a:xfrm rot="5400000">
+          <a:off x="-97228" y="2908249"/>
+          <a:ext cx="648192" cy="453735"/>
+        </a:xfrm>
+        <a:prstGeom prst="chevron">
           <a:avLst/>
         </a:prstGeom>
         <a:solidFill>
@@ -8399,12 +7615,12 @@
         </a:fontRef>
       </dsp:style>
       <dsp:txBody>
-        <a:bodyPr spcFirstLastPara="0" vert="horz" wrap="square" lIns="53340" tIns="53340" rIns="53340" bIns="53340" numCol="1" spcCol="1270" anchor="ctr" anchorCtr="0">
+        <a:bodyPr spcFirstLastPara="0" vert="horz" wrap="square" lIns="7620" tIns="7620" rIns="7620" bIns="7620" numCol="1" spcCol="1270" anchor="ctr" anchorCtr="0">
           <a:noAutofit/>
         </a:bodyPr>
         <a:lstStyle/>
         <a:p>
-          <a:pPr lvl="0" algn="ctr" defTabSz="622300">
+          <a:pPr lvl="0" algn="ctr" defTabSz="533400">
             <a:lnSpc>
               <a:spcPct val="90000"/>
             </a:lnSpc>
@@ -8415,95 +7631,31 @@
               <a:spcPct val="35000"/>
             </a:spcAft>
           </a:pPr>
-          <a:r>
-            <a:rPr lang="ru-RU" sz="1400" kern="1200" dirty="0" smtClean="0"/>
-            <a:t>Генерация кода</a:t>
-          </a:r>
-          <a:endParaRPr lang="ru-RU" sz="1400" kern="1200" dirty="0"/>
+          <a:endParaRPr lang="ru-RU" sz="1200" kern="1200" dirty="0"/>
         </a:p>
       </dsp:txBody>
-      <dsp:txXfrm>
-        <a:off x="8265610" y="1281398"/>
-        <a:ext cx="1378646" cy="1459928"/>
+      <dsp:txXfrm rot="-5400000">
+        <a:off x="1" y="3037889"/>
+        <a:ext cx="453735" cy="194457"/>
       </dsp:txXfrm>
     </dsp:sp>
-  </dsp:spTree>
-</dsp:drawing>
-</file>
-
-<file path=ppt/diagrams/drawing5.xml><?xml version="1.0" encoding="utf-8"?>
-<dsp:drawing xmlns:dgm="http://schemas.openxmlformats.org/drawingml/2006/diagram" xmlns:dsp="http://schemas.microsoft.com/office/drawing/2008/diagram" xmlns:a="http://schemas.openxmlformats.org/drawingml/2006/main">
-  <dsp:spTree>
-    <dsp:nvGrpSpPr>
-      <dsp:cNvPr id="0" name=""/>
-      <dsp:cNvGrpSpPr/>
-    </dsp:nvGrpSpPr>
-    <dsp:grpSpPr/>
-    <dsp:sp modelId="{79FEC703-F261-4D4A-ABDC-5C957D3DBB47}">
+    <dsp:sp modelId="{66463D27-39F3-47CA-B4D6-F708B4EE319A}">
       <dsp:nvSpPr>
         <dsp:cNvPr id="0" name=""/>
         <dsp:cNvSpPr/>
       </dsp:nvSpPr>
       <dsp:spPr>
-        <a:xfrm>
-          <a:off x="5677" y="642652"/>
-          <a:ext cx="3040795" cy="357740"/>
+        <a:xfrm rot="5400000">
+          <a:off x="4876335" y="-1611579"/>
+          <a:ext cx="421325" cy="9266526"/>
         </a:xfrm>
-        <a:prstGeom prst="rect">
+        <a:prstGeom prst="round2SameRect">
           <a:avLst/>
         </a:prstGeom>
         <a:solidFill>
           <a:schemeClr val="accent1">
-            <a:hueOff val="0"/>
-            <a:satOff val="0"/>
-            <a:lumOff val="0"/>
-            <a:alphaOff val="0"/>
-          </a:schemeClr>
-        </a:solidFill>
-        <a:ln w="15875" cap="flat" cmpd="sng" algn="ctr">
-          <a:solidFill>
-            <a:schemeClr val="accent1">
-              <a:hueOff val="0"/>
-              <a:satOff val="0"/>
-              <a:lumOff val="0"/>
-              <a:alphaOff val="0"/>
-            </a:schemeClr>
-          </a:solidFill>
-          <a:prstDash val="solid"/>
-        </a:ln>
-        <a:effectLst/>
-      </dsp:spPr>
-      <dsp:style>
-        <a:lnRef idx="2">
-          <a:scrgbClr r="0" g="0" b="0"/>
-        </a:lnRef>
-        <a:fillRef idx="1">
-          <a:scrgbClr r="0" g="0" b="0"/>
-        </a:fillRef>
-        <a:effectRef idx="0">
-          <a:scrgbClr r="0" g="0" b="0"/>
-        </a:effectRef>
-        <a:fontRef idx="minor">
-          <a:schemeClr val="lt1"/>
-        </a:fontRef>
-      </dsp:style>
-    </dsp:sp>
-    <dsp:sp modelId="{25D4A95F-4F70-45F7-8465-7FF83CF0A1A2}">
-      <dsp:nvSpPr>
-        <dsp:cNvPr id="0" name=""/>
-        <dsp:cNvSpPr/>
-      </dsp:nvSpPr>
-      <dsp:spPr>
-        <a:xfrm>
-          <a:off x="5677" y="777005"/>
-          <a:ext cx="223387" cy="223387"/>
-        </a:xfrm>
-        <a:prstGeom prst="rect">
-          <a:avLst/>
-        </a:prstGeom>
-        <a:solidFill>
-          <a:schemeClr val="lt1">
             <a:alpha val="90000"/>
+            <a:tint val="40000"/>
             <a:hueOff val="0"/>
             <a:satOff val="0"/>
             <a:lumOff val="0"/>
@@ -8535,45 +7687,92 @@
         </a:effectRef>
         <a:fontRef idx="minor"/>
       </dsp:style>
+      <dsp:txBody>
+        <a:bodyPr spcFirstLastPara="0" vert="horz" wrap="square" lIns="170688" tIns="15240" rIns="15240" bIns="15240" numCol="1" spcCol="1270" anchor="ctr" anchorCtr="0">
+          <a:noAutofit/>
+        </a:bodyPr>
+        <a:lstStyle/>
+        <a:p>
+          <a:pPr marL="228600" lvl="1" indent="-228600" algn="l" defTabSz="1066800">
+            <a:lnSpc>
+              <a:spcPct val="90000"/>
+            </a:lnSpc>
+            <a:spcBef>
+              <a:spcPct val="0"/>
+            </a:spcBef>
+            <a:spcAft>
+              <a:spcPct val="15000"/>
+            </a:spcAft>
+            <a:buChar char="••"/>
+          </a:pPr>
+          <a:r>
+            <a:rPr lang="ru-RU" sz="2400" kern="1200" dirty="0" smtClean="0"/>
+            <a:t>Сбор образа</a:t>
+          </a:r>
+          <a:endParaRPr lang="ru-RU" sz="2400" kern="1200" dirty="0"/>
+        </a:p>
+      </dsp:txBody>
+      <dsp:txXfrm rot="-5400000">
+        <a:off x="453735" y="2831588"/>
+        <a:ext cx="9245959" cy="380191"/>
+      </dsp:txXfrm>
     </dsp:sp>
-    <dsp:sp modelId="{5A538641-AF19-4C32-94A0-DC116495EA87}">
+    <dsp:sp modelId="{D22CBBA7-221A-477B-93F8-2E5AB75E2AC3}">
       <dsp:nvSpPr>
         <dsp:cNvPr id="0" name=""/>
         <dsp:cNvSpPr/>
       </dsp:nvSpPr>
       <dsp:spPr>
-        <a:xfrm>
-          <a:off x="5677" y="0"/>
-          <a:ext cx="3040795" cy="642652"/>
+        <a:xfrm rot="5400000">
+          <a:off x="-97228" y="3470127"/>
+          <a:ext cx="648192" cy="453735"/>
         </a:xfrm>
-        <a:prstGeom prst="rect">
+        <a:prstGeom prst="chevron">
           <a:avLst/>
         </a:prstGeom>
-        <a:noFill/>
-        <a:ln>
-          <a:noFill/>
+        <a:solidFill>
+          <a:schemeClr val="lt1">
+            <a:hueOff val="0"/>
+            <a:satOff val="0"/>
+            <a:lumOff val="0"/>
+            <a:alphaOff val="0"/>
+          </a:schemeClr>
+        </a:solidFill>
+        <a:ln w="15875" cap="flat" cmpd="sng" algn="ctr">
+          <a:solidFill>
+            <a:schemeClr val="accent1">
+              <a:shade val="80000"/>
+              <a:hueOff val="0"/>
+              <a:satOff val="0"/>
+              <a:lumOff val="0"/>
+              <a:alphaOff val="0"/>
+            </a:schemeClr>
+          </a:solidFill>
+          <a:prstDash val="solid"/>
         </a:ln>
         <a:effectLst/>
       </dsp:spPr>
       <dsp:style>
-        <a:lnRef idx="0">
+        <a:lnRef idx="2">
           <a:scrgbClr r="0" g="0" b="0"/>
         </a:lnRef>
-        <a:fillRef idx="0">
+        <a:fillRef idx="1">
           <a:scrgbClr r="0" g="0" b="0"/>
         </a:fillRef>
         <a:effectRef idx="0">
           <a:scrgbClr r="0" g="0" b="0"/>
         </a:effectRef>
-        <a:fontRef idx="minor"/>
+        <a:fontRef idx="minor">
+          <a:schemeClr val="lt1"/>
+        </a:fontRef>
       </dsp:style>
       <dsp:txBody>
-        <a:bodyPr spcFirstLastPara="0" vert="horz" wrap="square" lIns="72390" tIns="48260" rIns="72390" bIns="48260" numCol="1" spcCol="1270" anchor="ctr" anchorCtr="0">
+        <a:bodyPr spcFirstLastPara="0" vert="horz" wrap="square" lIns="7620" tIns="7620" rIns="7620" bIns="7620" numCol="1" spcCol="1270" anchor="ctr" anchorCtr="0">
           <a:noAutofit/>
         </a:bodyPr>
         <a:lstStyle/>
         <a:p>
-          <a:pPr lvl="0" algn="l" defTabSz="1689100">
+          <a:pPr lvl="0" algn="ctr" defTabSz="533400">
             <a:lnSpc>
               <a:spcPct val="90000"/>
             </a:lnSpc>
@@ -8584,33 +7783,31 @@
               <a:spcPct val="35000"/>
             </a:spcAft>
           </a:pPr>
-          <a:r>
-            <a:rPr lang="en-US" sz="3800" kern="1200" dirty="0" smtClean="0"/>
-            <a:t>Smalltalk</a:t>
-          </a:r>
-          <a:endParaRPr lang="ru-RU" sz="3800" kern="1200" dirty="0"/>
+          <a:endParaRPr lang="ru-RU" sz="1200" kern="1200" dirty="0"/>
         </a:p>
       </dsp:txBody>
-      <dsp:txXfrm>
-        <a:off x="5677" y="0"/>
-        <a:ext cx="3040795" cy="642652"/>
+      <dsp:txXfrm rot="-5400000">
+        <a:off x="1" y="3599767"/>
+        <a:ext cx="453735" cy="194457"/>
       </dsp:txXfrm>
     </dsp:sp>
-    <dsp:sp modelId="{C7D6DF4F-D759-4FA5-AD7C-0AABFD177E97}">
+    <dsp:sp modelId="{549FC660-91D8-4751-B1B1-D01C73B2226D}">
       <dsp:nvSpPr>
         <dsp:cNvPr id="0" name=""/>
         <dsp:cNvSpPr/>
       </dsp:nvSpPr>
       <dsp:spPr>
-        <a:xfrm>
-          <a:off x="5677" y="1297715"/>
-          <a:ext cx="223382" cy="223382"/>
+        <a:xfrm rot="5400000">
+          <a:off x="4876335" y="-1049702"/>
+          <a:ext cx="421325" cy="9266526"/>
         </a:xfrm>
-        <a:prstGeom prst="rect">
+        <a:prstGeom prst="round2SameRect">
           <a:avLst/>
         </a:prstGeom>
         <a:solidFill>
-          <a:schemeClr val="lt1">
+          <a:schemeClr val="accent1">
+            <a:alpha val="90000"/>
+            <a:tint val="40000"/>
             <a:hueOff val="0"/>
             <a:satOff val="0"/>
             <a:lumOff val="0"/>
@@ -8642,45 +7839,13 @@
         </a:effectRef>
         <a:fontRef idx="minor"/>
       </dsp:style>
-    </dsp:sp>
-    <dsp:sp modelId="{6D303641-8EC5-405F-BD17-D9C941004BF0}">
-      <dsp:nvSpPr>
-        <dsp:cNvPr id="0" name=""/>
-        <dsp:cNvSpPr/>
-      </dsp:nvSpPr>
-      <dsp:spPr>
-        <a:xfrm>
-          <a:off x="218533" y="1149054"/>
-          <a:ext cx="2827939" cy="520704"/>
-        </a:xfrm>
-        <a:prstGeom prst="rect">
-          <a:avLst/>
-        </a:prstGeom>
-        <a:noFill/>
-        <a:ln>
-          <a:noFill/>
-        </a:ln>
-        <a:effectLst/>
-      </dsp:spPr>
-      <dsp:style>
-        <a:lnRef idx="0">
-          <a:scrgbClr r="0" g="0" b="0"/>
-        </a:lnRef>
-        <a:fillRef idx="0">
-          <a:scrgbClr r="0" g="0" b="0"/>
-        </a:fillRef>
-        <a:effectRef idx="0">
-          <a:scrgbClr r="0" g="0" b="0"/>
-        </a:effectRef>
-        <a:fontRef idx="minor"/>
-      </dsp:style>
       <dsp:txBody>
-        <a:bodyPr spcFirstLastPara="0" vert="horz" wrap="square" lIns="99568" tIns="99568" rIns="99568" bIns="99568" numCol="1" spcCol="1270" anchor="ctr" anchorCtr="0">
+        <a:bodyPr spcFirstLastPara="0" vert="horz" wrap="square" lIns="170688" tIns="15240" rIns="15240" bIns="15240" numCol="1" spcCol="1270" anchor="ctr" anchorCtr="0">
           <a:noAutofit/>
         </a:bodyPr>
         <a:lstStyle/>
         <a:p>
-          <a:pPr lvl="0" algn="l" defTabSz="622300">
+          <a:pPr marL="228600" lvl="1" indent="-228600" algn="l" defTabSz="1066800">
             <a:lnSpc>
               <a:spcPct val="90000"/>
             </a:lnSpc>
@@ -8688,925 +7853,20 @@
               <a:spcPct val="0"/>
             </a:spcBef>
             <a:spcAft>
-              <a:spcPct val="35000"/>
+              <a:spcPct val="15000"/>
             </a:spcAft>
+            <a:buChar char="••"/>
           </a:pPr>
           <a:r>
-            <a:rPr lang="ru-RU" sz="1400" kern="1200" dirty="0" smtClean="0"/>
-            <a:t>Чисто объекто-ориентированный</a:t>
+            <a:rPr lang="ru-RU" sz="2400" kern="1200" dirty="0" smtClean="0"/>
+            <a:t>Генерация кода</a:t>
           </a:r>
-          <a:endParaRPr lang="ru-RU" sz="1400" kern="1200" dirty="0"/>
+          <a:endParaRPr lang="ru-RU" sz="2400" kern="1200" dirty="0"/>
         </a:p>
       </dsp:txBody>
-      <dsp:txXfrm>
-        <a:off x="218533" y="1149054"/>
-        <a:ext cx="2827939" cy="520704"/>
-      </dsp:txXfrm>
-    </dsp:sp>
-    <dsp:sp modelId="{C4673F3A-1FBE-4F50-88A9-7DEE7E2A4865}">
-      <dsp:nvSpPr>
-        <dsp:cNvPr id="0" name=""/>
-        <dsp:cNvSpPr/>
-      </dsp:nvSpPr>
-      <dsp:spPr>
-        <a:xfrm>
-          <a:off x="5677" y="1818420"/>
-          <a:ext cx="223382" cy="223382"/>
-        </a:xfrm>
-        <a:prstGeom prst="rect">
-          <a:avLst/>
-        </a:prstGeom>
-        <a:solidFill>
-          <a:schemeClr val="lt1">
-            <a:hueOff val="0"/>
-            <a:satOff val="0"/>
-            <a:lumOff val="0"/>
-            <a:alphaOff val="0"/>
-          </a:schemeClr>
-        </a:solidFill>
-        <a:ln w="15875" cap="flat" cmpd="sng" algn="ctr">
-          <a:solidFill>
-            <a:schemeClr val="accent1">
-              <a:hueOff val="0"/>
-              <a:satOff val="0"/>
-              <a:lumOff val="0"/>
-              <a:alphaOff val="0"/>
-            </a:schemeClr>
-          </a:solidFill>
-          <a:prstDash val="solid"/>
-        </a:ln>
-        <a:effectLst/>
-      </dsp:spPr>
-      <dsp:style>
-        <a:lnRef idx="2">
-          <a:scrgbClr r="0" g="0" b="0"/>
-        </a:lnRef>
-        <a:fillRef idx="1">
-          <a:scrgbClr r="0" g="0" b="0"/>
-        </a:fillRef>
-        <a:effectRef idx="0">
-          <a:scrgbClr r="0" g="0" b="0"/>
-        </a:effectRef>
-        <a:fontRef idx="minor"/>
-      </dsp:style>
-    </dsp:sp>
-    <dsp:sp modelId="{19B199F8-9724-4362-8E2D-A0C6497B82F6}">
-      <dsp:nvSpPr>
-        <dsp:cNvPr id="0" name=""/>
-        <dsp:cNvSpPr/>
-      </dsp:nvSpPr>
-      <dsp:spPr>
-        <a:xfrm>
-          <a:off x="218533" y="1669759"/>
-          <a:ext cx="2827939" cy="520704"/>
-        </a:xfrm>
-        <a:prstGeom prst="rect">
-          <a:avLst/>
-        </a:prstGeom>
-        <a:noFill/>
-        <a:ln>
-          <a:noFill/>
-        </a:ln>
-        <a:effectLst/>
-      </dsp:spPr>
-      <dsp:style>
-        <a:lnRef idx="0">
-          <a:scrgbClr r="0" g="0" b="0"/>
-        </a:lnRef>
-        <a:fillRef idx="0">
-          <a:scrgbClr r="0" g="0" b="0"/>
-        </a:fillRef>
-        <a:effectRef idx="0">
-          <a:scrgbClr r="0" g="0" b="0"/>
-        </a:effectRef>
-        <a:fontRef idx="minor"/>
-      </dsp:style>
-      <dsp:txBody>
-        <a:bodyPr spcFirstLastPara="0" vert="horz" wrap="square" lIns="99568" tIns="99568" rIns="99568" bIns="99568" numCol="1" spcCol="1270" anchor="ctr" anchorCtr="0">
-          <a:noAutofit/>
-        </a:bodyPr>
-        <a:lstStyle/>
-        <a:p>
-          <a:pPr lvl="0" algn="l" defTabSz="622300">
-            <a:lnSpc>
-              <a:spcPct val="90000"/>
-            </a:lnSpc>
-            <a:spcBef>
-              <a:spcPct val="0"/>
-            </a:spcBef>
-            <a:spcAft>
-              <a:spcPct val="35000"/>
-            </a:spcAft>
-          </a:pPr>
-          <a:r>
-            <a:rPr lang="ru-RU" sz="1400" kern="1200" dirty="0" smtClean="0"/>
-            <a:t>Интерпретируемый</a:t>
-          </a:r>
-          <a:endParaRPr lang="ru-RU" sz="1400" kern="1200" dirty="0"/>
-        </a:p>
-      </dsp:txBody>
-      <dsp:txXfrm>
-        <a:off x="218533" y="1669759"/>
-        <a:ext cx="2827939" cy="520704"/>
-      </dsp:txXfrm>
-    </dsp:sp>
-    <dsp:sp modelId="{085C5279-1134-4CCA-A1B3-AAC3D8EE8654}">
-      <dsp:nvSpPr>
-        <dsp:cNvPr id="0" name=""/>
-        <dsp:cNvSpPr/>
-      </dsp:nvSpPr>
-      <dsp:spPr>
-        <a:xfrm>
-          <a:off x="5677" y="2339125"/>
-          <a:ext cx="223382" cy="223382"/>
-        </a:xfrm>
-        <a:prstGeom prst="rect">
-          <a:avLst/>
-        </a:prstGeom>
-        <a:solidFill>
-          <a:schemeClr val="lt1">
-            <a:hueOff val="0"/>
-            <a:satOff val="0"/>
-            <a:lumOff val="0"/>
-            <a:alphaOff val="0"/>
-          </a:schemeClr>
-        </a:solidFill>
-        <a:ln w="15875" cap="flat" cmpd="sng" algn="ctr">
-          <a:solidFill>
-            <a:schemeClr val="accent1">
-              <a:hueOff val="0"/>
-              <a:satOff val="0"/>
-              <a:lumOff val="0"/>
-              <a:alphaOff val="0"/>
-            </a:schemeClr>
-          </a:solidFill>
-          <a:prstDash val="solid"/>
-        </a:ln>
-        <a:effectLst/>
-      </dsp:spPr>
-      <dsp:style>
-        <a:lnRef idx="2">
-          <a:scrgbClr r="0" g="0" b="0"/>
-        </a:lnRef>
-        <a:fillRef idx="1">
-          <a:scrgbClr r="0" g="0" b="0"/>
-        </a:fillRef>
-        <a:effectRef idx="0">
-          <a:scrgbClr r="0" g="0" b="0"/>
-        </a:effectRef>
-        <a:fontRef idx="minor"/>
-      </dsp:style>
-    </dsp:sp>
-    <dsp:sp modelId="{4C6DF099-8420-404C-B374-8C9305B305FE}">
-      <dsp:nvSpPr>
-        <dsp:cNvPr id="0" name=""/>
-        <dsp:cNvSpPr/>
-      </dsp:nvSpPr>
-      <dsp:spPr>
-        <a:xfrm>
-          <a:off x="218533" y="2190464"/>
-          <a:ext cx="2827939" cy="520704"/>
-        </a:xfrm>
-        <a:prstGeom prst="rect">
-          <a:avLst/>
-        </a:prstGeom>
-        <a:noFill/>
-        <a:ln>
-          <a:noFill/>
-        </a:ln>
-        <a:effectLst/>
-      </dsp:spPr>
-      <dsp:style>
-        <a:lnRef idx="0">
-          <a:scrgbClr r="0" g="0" b="0"/>
-        </a:lnRef>
-        <a:fillRef idx="0">
-          <a:scrgbClr r="0" g="0" b="0"/>
-        </a:fillRef>
-        <a:effectRef idx="0">
-          <a:scrgbClr r="0" g="0" b="0"/>
-        </a:effectRef>
-        <a:fontRef idx="minor"/>
-      </dsp:style>
-      <dsp:txBody>
-        <a:bodyPr spcFirstLastPara="0" vert="horz" wrap="square" lIns="99568" tIns="99568" rIns="99568" bIns="99568" numCol="1" spcCol="1270" anchor="ctr" anchorCtr="0">
-          <a:noAutofit/>
-        </a:bodyPr>
-        <a:lstStyle/>
-        <a:p>
-          <a:pPr lvl="0" algn="l" defTabSz="622300">
-            <a:lnSpc>
-              <a:spcPct val="90000"/>
-            </a:lnSpc>
-            <a:spcBef>
-              <a:spcPct val="0"/>
-            </a:spcBef>
-            <a:spcAft>
-              <a:spcPct val="35000"/>
-            </a:spcAft>
-          </a:pPr>
-          <a:r>
-            <a:rPr lang="ru-RU" sz="1400" kern="1200" dirty="0" smtClean="0"/>
-            <a:t>Динамическая типизация</a:t>
-          </a:r>
-          <a:endParaRPr lang="ru-RU" sz="1400" kern="1200" dirty="0"/>
-        </a:p>
-      </dsp:txBody>
-      <dsp:txXfrm>
-        <a:off x="218533" y="2190464"/>
-        <a:ext cx="2827939" cy="520704"/>
-      </dsp:txXfrm>
-    </dsp:sp>
-    <dsp:sp modelId="{8CAB3347-52F5-4502-9E78-05DBA6BFFE72}">
-      <dsp:nvSpPr>
-        <dsp:cNvPr id="0" name=""/>
-        <dsp:cNvSpPr/>
-      </dsp:nvSpPr>
-      <dsp:spPr>
-        <a:xfrm>
-          <a:off x="5677" y="2859830"/>
-          <a:ext cx="223382" cy="223382"/>
-        </a:xfrm>
-        <a:prstGeom prst="rect">
-          <a:avLst/>
-        </a:prstGeom>
-        <a:solidFill>
-          <a:schemeClr val="lt1">
-            <a:hueOff val="0"/>
-            <a:satOff val="0"/>
-            <a:lumOff val="0"/>
-            <a:alphaOff val="0"/>
-          </a:schemeClr>
-        </a:solidFill>
-        <a:ln w="15875" cap="flat" cmpd="sng" algn="ctr">
-          <a:solidFill>
-            <a:schemeClr val="accent1">
-              <a:hueOff val="0"/>
-              <a:satOff val="0"/>
-              <a:lumOff val="0"/>
-              <a:alphaOff val="0"/>
-            </a:schemeClr>
-          </a:solidFill>
-          <a:prstDash val="solid"/>
-        </a:ln>
-        <a:effectLst/>
-      </dsp:spPr>
-      <dsp:style>
-        <a:lnRef idx="2">
-          <a:scrgbClr r="0" g="0" b="0"/>
-        </a:lnRef>
-        <a:fillRef idx="1">
-          <a:scrgbClr r="0" g="0" b="0"/>
-        </a:fillRef>
-        <a:effectRef idx="0">
-          <a:scrgbClr r="0" g="0" b="0"/>
-        </a:effectRef>
-        <a:fontRef idx="minor"/>
-      </dsp:style>
-    </dsp:sp>
-    <dsp:sp modelId="{15486690-B66F-4BCA-BABE-366A5D97FB7F}">
-      <dsp:nvSpPr>
-        <dsp:cNvPr id="0" name=""/>
-        <dsp:cNvSpPr/>
-      </dsp:nvSpPr>
-      <dsp:spPr>
-        <a:xfrm>
-          <a:off x="218533" y="2711168"/>
-          <a:ext cx="2827939" cy="520704"/>
-        </a:xfrm>
-        <a:prstGeom prst="rect">
-          <a:avLst/>
-        </a:prstGeom>
-        <a:noFill/>
-        <a:ln>
-          <a:noFill/>
-        </a:ln>
-        <a:effectLst/>
-      </dsp:spPr>
-      <dsp:style>
-        <a:lnRef idx="0">
-          <a:scrgbClr r="0" g="0" b="0"/>
-        </a:lnRef>
-        <a:fillRef idx="0">
-          <a:scrgbClr r="0" g="0" b="0"/>
-        </a:fillRef>
-        <a:effectRef idx="0">
-          <a:scrgbClr r="0" g="0" b="0"/>
-        </a:effectRef>
-        <a:fontRef idx="minor"/>
-      </dsp:style>
-      <dsp:txBody>
-        <a:bodyPr spcFirstLastPara="0" vert="horz" wrap="square" lIns="99568" tIns="99568" rIns="99568" bIns="99568" numCol="1" spcCol="1270" anchor="ctr" anchorCtr="0">
-          <a:noAutofit/>
-        </a:bodyPr>
-        <a:lstStyle/>
-        <a:p>
-          <a:pPr lvl="0" algn="l" defTabSz="622300">
-            <a:lnSpc>
-              <a:spcPct val="90000"/>
-            </a:lnSpc>
-            <a:spcBef>
-              <a:spcPct val="0"/>
-            </a:spcBef>
-            <a:spcAft>
-              <a:spcPct val="35000"/>
-            </a:spcAft>
-          </a:pPr>
-          <a:r>
-            <a:rPr lang="ru-RU" sz="1400" kern="1200" dirty="0" smtClean="0"/>
-            <a:t>Виртуальная машина</a:t>
-          </a:r>
-          <a:endParaRPr lang="ru-RU" sz="1400" kern="1200" dirty="0"/>
-        </a:p>
-      </dsp:txBody>
-      <dsp:txXfrm>
-        <a:off x="218533" y="2711168"/>
-        <a:ext cx="2827939" cy="520704"/>
-      </dsp:txXfrm>
-    </dsp:sp>
-    <dsp:sp modelId="{4C788C74-CF6B-4BAA-BD34-7D2A7BF33582}">
-      <dsp:nvSpPr>
-        <dsp:cNvPr id="0" name=""/>
-        <dsp:cNvSpPr/>
-      </dsp:nvSpPr>
-      <dsp:spPr>
-        <a:xfrm>
-          <a:off x="3198513" y="642652"/>
-          <a:ext cx="3040795" cy="357740"/>
-        </a:xfrm>
-        <a:prstGeom prst="rect">
-          <a:avLst/>
-        </a:prstGeom>
-        <a:solidFill>
-          <a:schemeClr val="accent1">
-            <a:hueOff val="0"/>
-            <a:satOff val="0"/>
-            <a:lumOff val="0"/>
-            <a:alphaOff val="0"/>
-          </a:schemeClr>
-        </a:solidFill>
-        <a:ln w="15875" cap="flat" cmpd="sng" algn="ctr">
-          <a:solidFill>
-            <a:schemeClr val="accent1">
-              <a:hueOff val="0"/>
-              <a:satOff val="0"/>
-              <a:lumOff val="0"/>
-              <a:alphaOff val="0"/>
-            </a:schemeClr>
-          </a:solidFill>
-          <a:prstDash val="solid"/>
-        </a:ln>
-        <a:effectLst/>
-      </dsp:spPr>
-      <dsp:style>
-        <a:lnRef idx="2">
-          <a:scrgbClr r="0" g="0" b="0"/>
-        </a:lnRef>
-        <a:fillRef idx="1">
-          <a:scrgbClr r="0" g="0" b="0"/>
-        </a:fillRef>
-        <a:effectRef idx="0">
-          <a:scrgbClr r="0" g="0" b="0"/>
-        </a:effectRef>
-        <a:fontRef idx="minor">
-          <a:schemeClr val="lt1"/>
-        </a:fontRef>
-      </dsp:style>
-    </dsp:sp>
-    <dsp:sp modelId="{C43FB655-F7D4-442F-A80C-D7E7D0E389C6}">
-      <dsp:nvSpPr>
-        <dsp:cNvPr id="0" name=""/>
-        <dsp:cNvSpPr/>
-      </dsp:nvSpPr>
-      <dsp:spPr>
-        <a:xfrm>
-          <a:off x="3198513" y="777005"/>
-          <a:ext cx="223387" cy="223387"/>
-        </a:xfrm>
-        <a:prstGeom prst="rect">
-          <a:avLst/>
-        </a:prstGeom>
-        <a:solidFill>
-          <a:schemeClr val="lt1">
-            <a:alpha val="90000"/>
-            <a:hueOff val="0"/>
-            <a:satOff val="0"/>
-            <a:lumOff val="0"/>
-            <a:alphaOff val="0"/>
-          </a:schemeClr>
-        </a:solidFill>
-        <a:ln w="15875" cap="flat" cmpd="sng" algn="ctr">
-          <a:solidFill>
-            <a:schemeClr val="accent1">
-              <a:hueOff val="0"/>
-              <a:satOff val="0"/>
-              <a:lumOff val="0"/>
-              <a:alphaOff val="0"/>
-            </a:schemeClr>
-          </a:solidFill>
-          <a:prstDash val="solid"/>
-        </a:ln>
-        <a:effectLst/>
-      </dsp:spPr>
-      <dsp:style>
-        <a:lnRef idx="2">
-          <a:scrgbClr r="0" g="0" b="0"/>
-        </a:lnRef>
-        <a:fillRef idx="1">
-          <a:scrgbClr r="0" g="0" b="0"/>
-        </a:fillRef>
-        <a:effectRef idx="0">
-          <a:scrgbClr r="0" g="0" b="0"/>
-        </a:effectRef>
-        <a:fontRef idx="minor"/>
-      </dsp:style>
-    </dsp:sp>
-    <dsp:sp modelId="{000BD891-A42A-4F08-8E38-5D4CACBE81BB}">
-      <dsp:nvSpPr>
-        <dsp:cNvPr id="0" name=""/>
-        <dsp:cNvSpPr/>
-      </dsp:nvSpPr>
-      <dsp:spPr>
-        <a:xfrm>
-          <a:off x="3198513" y="0"/>
-          <a:ext cx="3040795" cy="642652"/>
-        </a:xfrm>
-        <a:prstGeom prst="rect">
-          <a:avLst/>
-        </a:prstGeom>
-        <a:noFill/>
-        <a:ln>
-          <a:noFill/>
-        </a:ln>
-        <a:effectLst/>
-      </dsp:spPr>
-      <dsp:style>
-        <a:lnRef idx="0">
-          <a:scrgbClr r="0" g="0" b="0"/>
-        </a:lnRef>
-        <a:fillRef idx="0">
-          <a:scrgbClr r="0" g="0" b="0"/>
-        </a:fillRef>
-        <a:effectRef idx="0">
-          <a:scrgbClr r="0" g="0" b="0"/>
-        </a:effectRef>
-        <a:fontRef idx="minor"/>
-      </dsp:style>
-      <dsp:txBody>
-        <a:bodyPr spcFirstLastPara="0" vert="horz" wrap="square" lIns="72390" tIns="48260" rIns="72390" bIns="48260" numCol="1" spcCol="1270" anchor="ctr" anchorCtr="0">
-          <a:noAutofit/>
-        </a:bodyPr>
-        <a:lstStyle/>
-        <a:p>
-          <a:pPr lvl="0" algn="l" defTabSz="1689100">
-            <a:lnSpc>
-              <a:spcPct val="90000"/>
-            </a:lnSpc>
-            <a:spcBef>
-              <a:spcPct val="0"/>
-            </a:spcBef>
-            <a:spcAft>
-              <a:spcPct val="35000"/>
-            </a:spcAft>
-          </a:pPr>
-          <a:r>
-            <a:rPr lang="en-US" sz="3800" kern="1200" dirty="0" smtClean="0"/>
-            <a:t>PHP</a:t>
-          </a:r>
-          <a:endParaRPr lang="ru-RU" sz="3800" kern="1200" dirty="0"/>
-        </a:p>
-      </dsp:txBody>
-      <dsp:txXfrm>
-        <a:off x="3198513" y="0"/>
-        <a:ext cx="3040795" cy="642652"/>
-      </dsp:txXfrm>
-    </dsp:sp>
-    <dsp:sp modelId="{8715885E-12BD-41B3-8F59-63A5BA751FE5}">
-      <dsp:nvSpPr>
-        <dsp:cNvPr id="0" name=""/>
-        <dsp:cNvSpPr/>
-      </dsp:nvSpPr>
-      <dsp:spPr>
-        <a:xfrm>
-          <a:off x="3198513" y="1297715"/>
-          <a:ext cx="223382" cy="223382"/>
-        </a:xfrm>
-        <a:prstGeom prst="rect">
-          <a:avLst/>
-        </a:prstGeom>
-        <a:solidFill>
-          <a:schemeClr val="lt1">
-            <a:hueOff val="0"/>
-            <a:satOff val="0"/>
-            <a:lumOff val="0"/>
-            <a:alphaOff val="0"/>
-          </a:schemeClr>
-        </a:solidFill>
-        <a:ln w="15875" cap="flat" cmpd="sng" algn="ctr">
-          <a:solidFill>
-            <a:schemeClr val="accent1">
-              <a:hueOff val="0"/>
-              <a:satOff val="0"/>
-              <a:lumOff val="0"/>
-              <a:alphaOff val="0"/>
-            </a:schemeClr>
-          </a:solidFill>
-          <a:prstDash val="solid"/>
-        </a:ln>
-        <a:effectLst/>
-      </dsp:spPr>
-      <dsp:style>
-        <a:lnRef idx="2">
-          <a:scrgbClr r="0" g="0" b="0"/>
-        </a:lnRef>
-        <a:fillRef idx="1">
-          <a:scrgbClr r="0" g="0" b="0"/>
-        </a:fillRef>
-        <a:effectRef idx="0">
-          <a:scrgbClr r="0" g="0" b="0"/>
-        </a:effectRef>
-        <a:fontRef idx="minor"/>
-      </dsp:style>
-    </dsp:sp>
-    <dsp:sp modelId="{1CA3E5F0-3F29-4A78-AA81-A7E04C148ACE}">
-      <dsp:nvSpPr>
-        <dsp:cNvPr id="0" name=""/>
-        <dsp:cNvSpPr/>
-      </dsp:nvSpPr>
-      <dsp:spPr>
-        <a:xfrm>
-          <a:off x="3411369" y="1149054"/>
-          <a:ext cx="2827939" cy="520704"/>
-        </a:xfrm>
-        <a:prstGeom prst="rect">
-          <a:avLst/>
-        </a:prstGeom>
-        <a:noFill/>
-        <a:ln>
-          <a:noFill/>
-        </a:ln>
-        <a:effectLst/>
-      </dsp:spPr>
-      <dsp:style>
-        <a:lnRef idx="0">
-          <a:scrgbClr r="0" g="0" b="0"/>
-        </a:lnRef>
-        <a:fillRef idx="0">
-          <a:scrgbClr r="0" g="0" b="0"/>
-        </a:fillRef>
-        <a:effectRef idx="0">
-          <a:scrgbClr r="0" g="0" b="0"/>
-        </a:effectRef>
-        <a:fontRef idx="minor"/>
-      </dsp:style>
-      <dsp:txBody>
-        <a:bodyPr spcFirstLastPara="0" vert="horz" wrap="square" lIns="99568" tIns="99568" rIns="99568" bIns="99568" numCol="1" spcCol="1270" anchor="ctr" anchorCtr="0">
-          <a:noAutofit/>
-        </a:bodyPr>
-        <a:lstStyle/>
-        <a:p>
-          <a:pPr lvl="0" algn="l" defTabSz="622300">
-            <a:lnSpc>
-              <a:spcPct val="90000"/>
-            </a:lnSpc>
-            <a:spcBef>
-              <a:spcPct val="0"/>
-            </a:spcBef>
-            <a:spcAft>
-              <a:spcPct val="35000"/>
-            </a:spcAft>
-          </a:pPr>
-          <a:r>
-            <a:rPr lang="ru-RU" sz="1400" kern="1200" dirty="0" smtClean="0"/>
-            <a:t>-</a:t>
-          </a:r>
-          <a:endParaRPr lang="ru-RU" sz="1400" kern="1200" dirty="0"/>
-        </a:p>
-      </dsp:txBody>
-      <dsp:txXfrm>
-        <a:off x="3411369" y="1149054"/>
-        <a:ext cx="2827939" cy="520704"/>
-      </dsp:txXfrm>
-    </dsp:sp>
-    <dsp:sp modelId="{384006D6-FE5E-4EF6-86B9-393F29A446CC}">
-      <dsp:nvSpPr>
-        <dsp:cNvPr id="0" name=""/>
-        <dsp:cNvSpPr/>
-      </dsp:nvSpPr>
-      <dsp:spPr>
-        <a:xfrm>
-          <a:off x="3198513" y="1818420"/>
-          <a:ext cx="223382" cy="223382"/>
-        </a:xfrm>
-        <a:prstGeom prst="rect">
-          <a:avLst/>
-        </a:prstGeom>
-        <a:solidFill>
-          <a:schemeClr val="lt1">
-            <a:hueOff val="0"/>
-            <a:satOff val="0"/>
-            <a:lumOff val="0"/>
-            <a:alphaOff val="0"/>
-          </a:schemeClr>
-        </a:solidFill>
-        <a:ln w="15875" cap="flat" cmpd="sng" algn="ctr">
-          <a:solidFill>
-            <a:schemeClr val="accent1">
-              <a:hueOff val="0"/>
-              <a:satOff val="0"/>
-              <a:lumOff val="0"/>
-              <a:alphaOff val="0"/>
-            </a:schemeClr>
-          </a:solidFill>
-          <a:prstDash val="solid"/>
-        </a:ln>
-        <a:effectLst/>
-      </dsp:spPr>
-      <dsp:style>
-        <a:lnRef idx="2">
-          <a:scrgbClr r="0" g="0" b="0"/>
-        </a:lnRef>
-        <a:fillRef idx="1">
-          <a:scrgbClr r="0" g="0" b="0"/>
-        </a:fillRef>
-        <a:effectRef idx="0">
-          <a:scrgbClr r="0" g="0" b="0"/>
-        </a:effectRef>
-        <a:fontRef idx="minor"/>
-      </dsp:style>
-    </dsp:sp>
-    <dsp:sp modelId="{8796C6B9-39CB-4D79-98D1-F18F6E6D20C1}">
-      <dsp:nvSpPr>
-        <dsp:cNvPr id="0" name=""/>
-        <dsp:cNvSpPr/>
-      </dsp:nvSpPr>
-      <dsp:spPr>
-        <a:xfrm>
-          <a:off x="3411369" y="1669759"/>
-          <a:ext cx="2827939" cy="520704"/>
-        </a:xfrm>
-        <a:prstGeom prst="rect">
-          <a:avLst/>
-        </a:prstGeom>
-        <a:noFill/>
-        <a:ln>
-          <a:noFill/>
-        </a:ln>
-        <a:effectLst/>
-      </dsp:spPr>
-      <dsp:style>
-        <a:lnRef idx="0">
-          <a:scrgbClr r="0" g="0" b="0"/>
-        </a:lnRef>
-        <a:fillRef idx="0">
-          <a:scrgbClr r="0" g="0" b="0"/>
-        </a:fillRef>
-        <a:effectRef idx="0">
-          <a:scrgbClr r="0" g="0" b="0"/>
-        </a:effectRef>
-        <a:fontRef idx="minor"/>
-      </dsp:style>
-      <dsp:txBody>
-        <a:bodyPr spcFirstLastPara="0" vert="horz" wrap="square" lIns="99568" tIns="99568" rIns="99568" bIns="99568" numCol="1" spcCol="1270" anchor="ctr" anchorCtr="0">
-          <a:noAutofit/>
-        </a:bodyPr>
-        <a:lstStyle/>
-        <a:p>
-          <a:pPr lvl="0" algn="l" defTabSz="622300">
-            <a:lnSpc>
-              <a:spcPct val="90000"/>
-            </a:lnSpc>
-            <a:spcBef>
-              <a:spcPct val="0"/>
-            </a:spcBef>
-            <a:spcAft>
-              <a:spcPct val="35000"/>
-            </a:spcAft>
-          </a:pPr>
-          <a:r>
-            <a:rPr lang="ru-RU" sz="1400" kern="1200" dirty="0" smtClean="0"/>
-            <a:t>Интерпретируемый</a:t>
-          </a:r>
-          <a:endParaRPr lang="ru-RU" sz="1400" kern="1200" dirty="0"/>
-        </a:p>
-      </dsp:txBody>
-      <dsp:txXfrm>
-        <a:off x="3411369" y="1669759"/>
-        <a:ext cx="2827939" cy="520704"/>
-      </dsp:txXfrm>
-    </dsp:sp>
-    <dsp:sp modelId="{52A0ED07-ACA8-4EF3-B540-01315170A8EC}">
-      <dsp:nvSpPr>
-        <dsp:cNvPr id="0" name=""/>
-        <dsp:cNvSpPr/>
-      </dsp:nvSpPr>
-      <dsp:spPr>
-        <a:xfrm>
-          <a:off x="3198513" y="2339125"/>
-          <a:ext cx="223382" cy="223382"/>
-        </a:xfrm>
-        <a:prstGeom prst="rect">
-          <a:avLst/>
-        </a:prstGeom>
-        <a:solidFill>
-          <a:schemeClr val="lt1">
-            <a:hueOff val="0"/>
-            <a:satOff val="0"/>
-            <a:lumOff val="0"/>
-            <a:alphaOff val="0"/>
-          </a:schemeClr>
-        </a:solidFill>
-        <a:ln w="15875" cap="flat" cmpd="sng" algn="ctr">
-          <a:solidFill>
-            <a:schemeClr val="accent1">
-              <a:hueOff val="0"/>
-              <a:satOff val="0"/>
-              <a:lumOff val="0"/>
-              <a:alphaOff val="0"/>
-            </a:schemeClr>
-          </a:solidFill>
-          <a:prstDash val="solid"/>
-        </a:ln>
-        <a:effectLst/>
-      </dsp:spPr>
-      <dsp:style>
-        <a:lnRef idx="2">
-          <a:scrgbClr r="0" g="0" b="0"/>
-        </a:lnRef>
-        <a:fillRef idx="1">
-          <a:scrgbClr r="0" g="0" b="0"/>
-        </a:fillRef>
-        <a:effectRef idx="0">
-          <a:scrgbClr r="0" g="0" b="0"/>
-        </a:effectRef>
-        <a:fontRef idx="minor"/>
-      </dsp:style>
-    </dsp:sp>
-    <dsp:sp modelId="{F5306336-4379-4739-BC46-71202D29E646}">
-      <dsp:nvSpPr>
-        <dsp:cNvPr id="0" name=""/>
-        <dsp:cNvSpPr/>
-      </dsp:nvSpPr>
-      <dsp:spPr>
-        <a:xfrm>
-          <a:off x="3411369" y="2190464"/>
-          <a:ext cx="2827939" cy="520704"/>
-        </a:xfrm>
-        <a:prstGeom prst="rect">
-          <a:avLst/>
-        </a:prstGeom>
-        <a:noFill/>
-        <a:ln>
-          <a:noFill/>
-        </a:ln>
-        <a:effectLst/>
-      </dsp:spPr>
-      <dsp:style>
-        <a:lnRef idx="0">
-          <a:scrgbClr r="0" g="0" b="0"/>
-        </a:lnRef>
-        <a:fillRef idx="0">
-          <a:scrgbClr r="0" g="0" b="0"/>
-        </a:fillRef>
-        <a:effectRef idx="0">
-          <a:scrgbClr r="0" g="0" b="0"/>
-        </a:effectRef>
-        <a:fontRef idx="minor"/>
-      </dsp:style>
-      <dsp:txBody>
-        <a:bodyPr spcFirstLastPara="0" vert="horz" wrap="square" lIns="99568" tIns="99568" rIns="99568" bIns="99568" numCol="1" spcCol="1270" anchor="ctr" anchorCtr="0">
-          <a:noAutofit/>
-        </a:bodyPr>
-        <a:lstStyle/>
-        <a:p>
-          <a:pPr lvl="0" algn="l" defTabSz="622300">
-            <a:lnSpc>
-              <a:spcPct val="90000"/>
-            </a:lnSpc>
-            <a:spcBef>
-              <a:spcPct val="0"/>
-            </a:spcBef>
-            <a:spcAft>
-              <a:spcPct val="35000"/>
-            </a:spcAft>
-          </a:pPr>
-          <a:r>
-            <a:rPr lang="ru-RU" sz="1400" kern="1200" dirty="0" smtClean="0"/>
-            <a:t>Динамическая типизация</a:t>
-          </a:r>
-          <a:endParaRPr lang="ru-RU" sz="1400" kern="1200" dirty="0"/>
-        </a:p>
-      </dsp:txBody>
-      <dsp:txXfrm>
-        <a:off x="3411369" y="2190464"/>
-        <a:ext cx="2827939" cy="520704"/>
-      </dsp:txXfrm>
-    </dsp:sp>
-    <dsp:sp modelId="{CBB22B72-AFA3-44DB-B5FF-D5B307F3513E}">
-      <dsp:nvSpPr>
-        <dsp:cNvPr id="0" name=""/>
-        <dsp:cNvSpPr/>
-      </dsp:nvSpPr>
-      <dsp:spPr>
-        <a:xfrm>
-          <a:off x="3198513" y="2859830"/>
-          <a:ext cx="223382" cy="223382"/>
-        </a:xfrm>
-        <a:prstGeom prst="rect">
-          <a:avLst/>
-        </a:prstGeom>
-        <a:solidFill>
-          <a:schemeClr val="lt1">
-            <a:hueOff val="0"/>
-            <a:satOff val="0"/>
-            <a:lumOff val="0"/>
-            <a:alphaOff val="0"/>
-          </a:schemeClr>
-        </a:solidFill>
-        <a:ln w="15875" cap="flat" cmpd="sng" algn="ctr">
-          <a:solidFill>
-            <a:schemeClr val="accent1">
-              <a:hueOff val="0"/>
-              <a:satOff val="0"/>
-              <a:lumOff val="0"/>
-              <a:alphaOff val="0"/>
-            </a:schemeClr>
-          </a:solidFill>
-          <a:prstDash val="solid"/>
-        </a:ln>
-        <a:effectLst/>
-      </dsp:spPr>
-      <dsp:style>
-        <a:lnRef idx="2">
-          <a:scrgbClr r="0" g="0" b="0"/>
-        </a:lnRef>
-        <a:fillRef idx="1">
-          <a:scrgbClr r="0" g="0" b="0"/>
-        </a:fillRef>
-        <a:effectRef idx="0">
-          <a:scrgbClr r="0" g="0" b="0"/>
-        </a:effectRef>
-        <a:fontRef idx="minor"/>
-      </dsp:style>
-    </dsp:sp>
-    <dsp:sp modelId="{C139161B-D8D7-43DF-968C-DABDD1CF2320}">
-      <dsp:nvSpPr>
-        <dsp:cNvPr id="0" name=""/>
-        <dsp:cNvSpPr/>
-      </dsp:nvSpPr>
-      <dsp:spPr>
-        <a:xfrm>
-          <a:off x="3411369" y="2711168"/>
-          <a:ext cx="2827939" cy="520704"/>
-        </a:xfrm>
-        <a:prstGeom prst="rect">
-          <a:avLst/>
-        </a:prstGeom>
-        <a:noFill/>
-        <a:ln>
-          <a:noFill/>
-        </a:ln>
-        <a:effectLst/>
-      </dsp:spPr>
-      <dsp:style>
-        <a:lnRef idx="0">
-          <a:scrgbClr r="0" g="0" b="0"/>
-        </a:lnRef>
-        <a:fillRef idx="0">
-          <a:scrgbClr r="0" g="0" b="0"/>
-        </a:fillRef>
-        <a:effectRef idx="0">
-          <a:scrgbClr r="0" g="0" b="0"/>
-        </a:effectRef>
-        <a:fontRef idx="minor"/>
-      </dsp:style>
-      <dsp:txBody>
-        <a:bodyPr spcFirstLastPara="0" vert="horz" wrap="square" lIns="99568" tIns="99568" rIns="99568" bIns="99568" numCol="1" spcCol="1270" anchor="ctr" anchorCtr="0">
-          <a:noAutofit/>
-        </a:bodyPr>
-        <a:lstStyle/>
-        <a:p>
-          <a:pPr lvl="0" algn="l" defTabSz="622300">
-            <a:lnSpc>
-              <a:spcPct val="90000"/>
-            </a:lnSpc>
-            <a:spcBef>
-              <a:spcPct val="0"/>
-            </a:spcBef>
-            <a:spcAft>
-              <a:spcPct val="35000"/>
-            </a:spcAft>
-          </a:pPr>
-          <a:r>
-            <a:rPr lang="ru-RU" sz="1400" kern="1200" dirty="0" smtClean="0"/>
-            <a:t>Виртуальная машина</a:t>
-          </a:r>
-          <a:endParaRPr lang="ru-RU" sz="1400" kern="1200" dirty="0"/>
-        </a:p>
-      </dsp:txBody>
-      <dsp:txXfrm>
-        <a:off x="3411369" y="2711168"/>
-        <a:ext cx="2827939" cy="520704"/>
+      <dsp:txXfrm rot="-5400000">
+        <a:off x="453735" y="3393465"/>
+        <a:ext cx="9245959" cy="380191"/>
       </dsp:txXfrm>
     </dsp:sp>
   </dsp:spTree>
@@ -11583,16 +9843,57 @@
 </file>
 
 <file path=ppt/diagrams/layout4.xml><?xml version="1.0" encoding="utf-8"?>
-<dgm:layoutDef xmlns:dgm="http://schemas.openxmlformats.org/drawingml/2006/diagram" xmlns:a="http://schemas.openxmlformats.org/drawingml/2006/main" uniqueId="urn:microsoft.com/office/officeart/2005/8/layout/hProcess9">
+<dgm:layoutDef xmlns:dgm="http://schemas.openxmlformats.org/drawingml/2006/diagram" xmlns:a="http://schemas.openxmlformats.org/drawingml/2006/main" uniqueId="urn:microsoft.com/office/officeart/2005/8/layout/chevron2">
   <dgm:title val=""/>
   <dgm:desc val=""/>
   <dgm:catLst>
-    <dgm:cat type="process" pri="5000"/>
-    <dgm:cat type="convert" pri="13000"/>
+    <dgm:cat type="process" pri="12000"/>
+    <dgm:cat type="list" pri="16000"/>
+    <dgm:cat type="convert" pri="11000"/>
   </dgm:catLst>
-  <dgm:sampData useDef="1">
+  <dgm:sampData>
     <dgm:dataModel>
-      <dgm:ptLst/>
+      <dgm:ptLst>
+        <dgm:pt modelId="0" type="doc"/>
+        <dgm:pt modelId="1">
+          <dgm:prSet phldr="1"/>
+        </dgm:pt>
+        <dgm:pt modelId="11">
+          <dgm:prSet phldr="1"/>
+        </dgm:pt>
+        <dgm:pt modelId="12">
+          <dgm:prSet phldr="1"/>
+        </dgm:pt>
+        <dgm:pt modelId="2">
+          <dgm:prSet phldr="1"/>
+        </dgm:pt>
+        <dgm:pt modelId="21">
+          <dgm:prSet phldr="1"/>
+        </dgm:pt>
+        <dgm:pt modelId="22">
+          <dgm:prSet phldr="1"/>
+        </dgm:pt>
+        <dgm:pt modelId="3">
+          <dgm:prSet phldr="1"/>
+        </dgm:pt>
+        <dgm:pt modelId="31">
+          <dgm:prSet phldr="1"/>
+        </dgm:pt>
+        <dgm:pt modelId="32">
+          <dgm:prSet phldr="1"/>
+        </dgm:pt>
+      </dgm:ptLst>
+      <dgm:cxnLst>
+        <dgm:cxn modelId="4" srcId="0" destId="1" srcOrd="0" destOrd="0"/>
+        <dgm:cxn modelId="5" srcId="0" destId="2" srcOrd="1" destOrd="0"/>
+        <dgm:cxn modelId="6" srcId="0" destId="3" srcOrd="2" destOrd="0"/>
+        <dgm:cxn modelId="13" srcId="1" destId="11" srcOrd="0" destOrd="0"/>
+        <dgm:cxn modelId="14" srcId="1" destId="12" srcOrd="1" destOrd="0"/>
+        <dgm:cxn modelId="23" srcId="2" destId="21" srcOrd="0" destOrd="0"/>
+        <dgm:cxn modelId="24" srcId="2" destId="22" srcOrd="1" destOrd="0"/>
+        <dgm:cxn modelId="33" srcId="3" destId="31" srcOrd="0" destOrd="0"/>
+        <dgm:cxn modelId="34" srcId="3" destId="32" srcOrd="1" destOrd="0"/>
+      </dgm:cxnLst>
       <dgm:bg/>
       <dgm:whole/>
     </dgm:dataModel>
@@ -11602,11 +9903,9 @@
       <dgm:ptLst>
         <dgm:pt modelId="0" type="doc"/>
         <dgm:pt modelId="1"/>
-        <dgm:pt modelId="2"/>
       </dgm:ptLst>
       <dgm:cxnLst>
-        <dgm:cxn modelId="3" srcId="0" destId="1" srcOrd="0" destOrd="0"/>
-        <dgm:cxn modelId="4" srcId="0" destId="2" srcOrd="1" destOrd="0"/>
+        <dgm:cxn modelId="4" srcId="0" destId="1" srcOrd="0" destOrd="0"/>
       </dgm:cxnLst>
       <dgm:bg/>
       <dgm:whole/>
@@ -11617,506 +9916,181 @@
       <dgm:ptLst>
         <dgm:pt modelId="0" type="doc"/>
         <dgm:pt modelId="1"/>
+        <dgm:pt modelId="11"/>
         <dgm:pt modelId="2"/>
+        <dgm:pt modelId="21"/>
         <dgm:pt modelId="3"/>
+        <dgm:pt modelId="31"/>
         <dgm:pt modelId="4"/>
+        <dgm:pt modelId="41"/>
       </dgm:ptLst>
       <dgm:cxnLst>
         <dgm:cxn modelId="5" srcId="0" destId="1" srcOrd="0" destOrd="0"/>
         <dgm:cxn modelId="6" srcId="0" destId="2" srcOrd="1" destOrd="0"/>
         <dgm:cxn modelId="7" srcId="0" destId="3" srcOrd="2" destOrd="0"/>
         <dgm:cxn modelId="8" srcId="0" destId="4" srcOrd="3" destOrd="0"/>
+        <dgm:cxn modelId="13" srcId="1" destId="11" srcOrd="0" destOrd="0"/>
+        <dgm:cxn modelId="23" srcId="2" destId="21" srcOrd="0" destOrd="0"/>
+        <dgm:cxn modelId="33" srcId="3" destId="31" srcOrd="0" destOrd="0"/>
+        <dgm:cxn modelId="43" srcId="4" destId="41" srcOrd="0" destOrd="0"/>
       </dgm:cxnLst>
       <dgm:bg/>
       <dgm:whole/>
     </dgm:dataModel>
   </dgm:clrData>
-  <dgm:layoutNode name="CompostProcess">
+  <dgm:layoutNode name="linearFlow">
     <dgm:varLst>
       <dgm:dir/>
+      <dgm:animLvl val="lvl"/>
       <dgm:resizeHandles val="exact"/>
     </dgm:varLst>
-    <dgm:alg type="composite">
-      <dgm:param type="horzAlign" val="ctr"/>
-      <dgm:param type="vertAlign" val="mid"/>
+    <dgm:alg type="lin">
+      <dgm:param type="linDir" val="fromT"/>
+      <dgm:param type="nodeHorzAlign" val="l"/>
     </dgm:alg>
     <dgm:shape xmlns:r="http://schemas.openxmlformats.org/officeDocument/2006/relationships" r:blip="">
       <dgm:adjLst/>
     </dgm:shape>
     <dgm:presOf/>
     <dgm:constrLst>
-      <dgm:constr type="w" for="ch" forName="arrow" refType="w" fact="0.85"/>
-      <dgm:constr type="h" for="ch" forName="arrow" refType="h"/>
-      <dgm:constr type="ctrX" for="ch" forName="arrow" refType="w" fact="0.5"/>
-      <dgm:constr type="ctrY" for="ch" forName="arrow" refType="h" fact="0.5"/>
-      <dgm:constr type="w" for="ch" forName="linearProcess" refType="w"/>
-      <dgm:constr type="h" for="ch" forName="linearProcess" refType="h" fact="0.4"/>
-      <dgm:constr type="ctrX" for="ch" forName="linearProcess" refType="w" fact="0.5"/>
-      <dgm:constr type="ctrY" for="ch" forName="linearProcess" refType="h" fact="0.5"/>
+      <dgm:constr type="h" for="ch" forName="composite" refType="h"/>
+      <dgm:constr type="w" for="ch" forName="composite" refType="w"/>
+      <dgm:constr type="h" for="des" forName="parentText" op="equ"/>
+      <dgm:constr type="h" for="ch" forName="sp" val="-14.88"/>
+      <dgm:constr type="h" for="ch" forName="sp" refType="w" refFor="des" refForName="parentText" op="gte" fact="-0.3"/>
+      <dgm:constr type="primFontSz" for="des" forName="parentText" op="equ" val="65"/>
+      <dgm:constr type="primFontSz" for="des" forName="descendantText" op="equ" val="65"/>
     </dgm:constrLst>
     <dgm:ruleLst/>
-    <dgm:layoutNode name="arrow" styleLbl="bgShp">
-      <dgm:alg type="sp"/>
-      <dgm:choose name="Name0">
-        <dgm:if name="Name1" func="var" arg="dir" op="equ" val="norm">
-          <dgm:shape xmlns:r="http://schemas.openxmlformats.org/officeDocument/2006/relationships" type="rightArrow" r:blip="">
+    <dgm:forEach name="Name0" axis="ch" ptType="node">
+      <dgm:layoutNode name="composite">
+        <dgm:alg type="composite"/>
+        <dgm:shape xmlns:r="http://schemas.openxmlformats.org/officeDocument/2006/relationships" r:blip="">
+          <dgm:adjLst/>
+        </dgm:shape>
+        <dgm:presOf/>
+        <dgm:choose name="Name1">
+          <dgm:if name="Name2" func="var" arg="dir" op="equ" val="norm">
+            <dgm:constrLst>
+              <dgm:constr type="t" for="ch" forName="parentText"/>
+              <dgm:constr type="l" for="ch" forName="parentText"/>
+              <dgm:constr type="w" for="ch" forName="parentText" refType="w" fact="0.4"/>
+              <dgm:constr type="h" for="ch" forName="parentText" refType="h"/>
+              <dgm:constr type="w" for="ch" forName="parentText" refType="w" op="lte" fact="0.5"/>
+              <dgm:constr type="w" for="ch" forName="parentText" refType="h" refFor="ch" refForName="parentText" op="lte" fact="0.7"/>
+              <dgm:constr type="h" for="ch" forName="parentText" refType="w" refFor="ch" refForName="parentText" op="lte" fact="3"/>
+              <dgm:constr type="l" for="ch" forName="descendantText" refType="w" refFor="ch" refForName="parentText"/>
+              <dgm:constr type="w" for="ch" forName="descendantText" refType="w"/>
+              <dgm:constr type="wOff" for="ch" forName="descendantText" refType="w" refFor="ch" refForName="parentText" fact="-1"/>
+              <dgm:constr type="t" for="ch" forName="descendantText"/>
+              <dgm:constr type="b" for="ch" forName="descendantText" refType="h" refFor="ch" refForName="parentText"/>
+              <dgm:constr type="bOff" for="ch" forName="descendantText" refType="w" refFor="ch" refForName="parentText" fact="-0.5"/>
+            </dgm:constrLst>
+          </dgm:if>
+          <dgm:else name="Name3">
+            <dgm:constrLst>
+              <dgm:constr type="t" for="ch" forName="parentText"/>
+              <dgm:constr type="r" for="ch" forName="parentText" refType="w"/>
+              <dgm:constr type="w" for="ch" forName="parentText" refType="w" fact="0.4"/>
+              <dgm:constr type="h" for="ch" forName="parentText" refType="h"/>
+              <dgm:constr type="w" for="ch" forName="parentText" refType="w" op="lte" fact="0.5"/>
+              <dgm:constr type="w" for="ch" forName="parentText" refType="h" refFor="ch" refForName="parentText" op="lte" fact="0.7"/>
+              <dgm:constr type="h" for="ch" forName="parentText" refType="w" refFor="ch" refForName="parentText" op="lte" fact="3"/>
+              <dgm:constr type="l" for="ch" forName="descendantText"/>
+              <dgm:constr type="w" for="ch" forName="descendantText" refType="w"/>
+              <dgm:constr type="wOff" for="ch" forName="descendantText" refType="w" refFor="ch" refForName="parentText" fact="-1"/>
+              <dgm:constr type="t" for="ch" forName="descendantText"/>
+              <dgm:constr type="b" for="ch" forName="descendantText" refType="h" refFor="ch" refForName="parentText"/>
+              <dgm:constr type="bOff" for="ch" forName="descendantText" refType="w" refFor="ch" refForName="parentText" fact="-0.5"/>
+            </dgm:constrLst>
+          </dgm:else>
+        </dgm:choose>
+        <dgm:ruleLst/>
+        <dgm:layoutNode name="parentText" styleLbl="alignNode1">
+          <dgm:varLst>
+            <dgm:chMax val="1"/>
+            <dgm:bulletEnabled val="1"/>
+          </dgm:varLst>
+          <dgm:alg type="tx"/>
+          <dgm:shape xmlns:r="http://schemas.openxmlformats.org/officeDocument/2006/relationships" rot="90" type="chevron" r:blip="">
             <dgm:adjLst/>
           </dgm:shape>
-        </dgm:if>
-        <dgm:else name="Name2">
-          <dgm:shape xmlns:r="http://schemas.openxmlformats.org/officeDocument/2006/relationships" type="leftArrow" r:blip="">
-            <dgm:adjLst/>
-          </dgm:shape>
-        </dgm:else>
-      </dgm:choose>
-      <dgm:presOf/>
-      <dgm:constrLst/>
-      <dgm:ruleLst/>
-    </dgm:layoutNode>
-    <dgm:layoutNode name="linearProcess">
-      <dgm:choose name="Name3">
-        <dgm:if name="Name4" func="var" arg="dir" op="equ" val="norm">
-          <dgm:alg type="lin"/>
-        </dgm:if>
-        <dgm:else name="Name5">
-          <dgm:alg type="lin">
-            <dgm:param type="linDir" val="fromR"/>
-          </dgm:alg>
-        </dgm:else>
-      </dgm:choose>
-      <dgm:shape xmlns:r="http://schemas.openxmlformats.org/officeDocument/2006/relationships" r:blip="">
-        <dgm:adjLst/>
-      </dgm:shape>
-      <dgm:presOf/>
-      <dgm:constrLst>
-        <dgm:constr type="userA" for="ch" ptType="node" refType="w"/>
-        <dgm:constr type="h" for="ch" ptType="node" refType="h"/>
-        <dgm:constr type="w" for="ch" ptType="node" op="equ"/>
-        <dgm:constr type="w" for="ch" forName="sibTrans" refType="w" fact="0.05"/>
-        <dgm:constr type="primFontSz" for="ch" ptType="node" op="equ" val="65"/>
-      </dgm:constrLst>
-      <dgm:ruleLst/>
-      <dgm:forEach name="Name6" axis="ch" ptType="node">
-        <dgm:layoutNode name="textNode" styleLbl="node1">
+          <dgm:presOf axis="self" ptType="node"/>
+          <dgm:constrLst>
+            <dgm:constr type="lMarg" refType="primFontSz" fact="0.05"/>
+            <dgm:constr type="rMarg" refType="primFontSz" fact="0.05"/>
+            <dgm:constr type="tMarg" refType="primFontSz" fact="0.05"/>
+            <dgm:constr type="bMarg" refType="primFontSz" fact="0.05"/>
+          </dgm:constrLst>
+          <dgm:ruleLst>
+            <dgm:rule type="h" val="100" fact="NaN" max="NaN"/>
+            <dgm:rule type="primFontSz" val="24" fact="NaN" max="NaN"/>
+            <dgm:rule type="h" val="110" fact="NaN" max="NaN"/>
+            <dgm:rule type="primFontSz" val="18" fact="NaN" max="NaN"/>
+            <dgm:rule type="h" val="INF" fact="NaN" max="NaN"/>
+            <dgm:rule type="primFontSz" val="5" fact="NaN" max="NaN"/>
+          </dgm:ruleLst>
+        </dgm:layoutNode>
+        <dgm:layoutNode name="descendantText" styleLbl="alignAcc1">
           <dgm:varLst>
             <dgm:bulletEnabled val="1"/>
           </dgm:varLst>
-          <dgm:alg type="tx"/>
-          <dgm:shape xmlns:r="http://schemas.openxmlformats.org/officeDocument/2006/relationships" type="roundRect" r:blip="">
-            <dgm:adjLst/>
-          </dgm:shape>
-          <dgm:presOf axis="desOrSelf" ptType="node"/>
-          <dgm:constrLst>
-            <dgm:constr type="userA"/>
-            <dgm:constr type="w" refType="userA" fact="0.3"/>
-            <dgm:constr type="tMarg" refType="primFontSz" fact="0.3"/>
-            <dgm:constr type="bMarg" refType="primFontSz" fact="0.3"/>
-            <dgm:constr type="lMarg" refType="primFontSz" fact="0.3"/>
-            <dgm:constr type="rMarg" refType="primFontSz" fact="0.3"/>
-          </dgm:constrLst>
+          <dgm:choose name="Name4">
+            <dgm:if name="Name5" func="var" arg="dir" op="equ" val="norm">
+              <dgm:alg type="tx">
+                <dgm:param type="stBulletLvl" val="1"/>
+                <dgm:param type="txAnchorVertCh" val="mid"/>
+              </dgm:alg>
+              <dgm:shape xmlns:r="http://schemas.openxmlformats.org/officeDocument/2006/relationships" rot="90" type="round2SameRect" r:blip="">
+                <dgm:adjLst/>
+              </dgm:shape>
+            </dgm:if>
+            <dgm:else name="Name6">
+              <dgm:alg type="tx">
+                <dgm:param type="stBulletLvl" val="1"/>
+                <dgm:param type="txAnchorVertCh" val="mid"/>
+              </dgm:alg>
+              <dgm:shape xmlns:r="http://schemas.openxmlformats.org/officeDocument/2006/relationships" rot="-90" type="round2SameRect" r:blip="">
+                <dgm:adjLst/>
+              </dgm:shape>
+            </dgm:else>
+          </dgm:choose>
+          <dgm:presOf axis="des" ptType="node"/>
+          <dgm:choose name="Name7">
+            <dgm:if name="Name8" func="var" arg="dir" op="equ" val="norm">
+              <dgm:constrLst>
+                <dgm:constr type="secFontSz" refType="primFontSz"/>
+                <dgm:constr type="tMarg" refType="primFontSz" fact="0.05"/>
+                <dgm:constr type="bMarg" refType="primFontSz" fact="0.05"/>
+                <dgm:constr type="rMarg" refType="primFontSz" fact="0.05"/>
+              </dgm:constrLst>
+            </dgm:if>
+            <dgm:else name="Name9">
+              <dgm:constrLst>
+                <dgm:constr type="secFontSz" refType="primFontSz"/>
+                <dgm:constr type="tMarg" refType="primFontSz" fact="0.05"/>
+                <dgm:constr type="bMarg" refType="primFontSz" fact="0.05"/>
+                <dgm:constr type="lMarg" refType="primFontSz" fact="0.05"/>
+              </dgm:constrLst>
+            </dgm:else>
+          </dgm:choose>
           <dgm:ruleLst>
-            <dgm:rule type="w" val="NaN" fact="1" max="NaN"/>
             <dgm:rule type="primFontSz" val="5" fact="NaN" max="NaN"/>
           </dgm:ruleLst>
         </dgm:layoutNode>
-        <dgm:forEach name="Name7" axis="followSib" ptType="sibTrans" cnt="1">
-          <dgm:layoutNode name="sibTrans">
-            <dgm:alg type="sp"/>
-            <dgm:shape xmlns:r="http://schemas.openxmlformats.org/officeDocument/2006/relationships" r:blip="">
-              <dgm:adjLst/>
-            </dgm:shape>
-            <dgm:presOf/>
-            <dgm:constrLst/>
-            <dgm:ruleLst/>
-          </dgm:layoutNode>
-        </dgm:forEach>
-      </dgm:forEach>
-    </dgm:layoutNode>
-  </dgm:layoutNode>
-</dgm:layoutDef>
-</file>
-
-<file path=ppt/diagrams/layout5.xml><?xml version="1.0" encoding="utf-8"?>
-<dgm:layoutDef xmlns:dgm="http://schemas.openxmlformats.org/drawingml/2006/diagram" xmlns:a="http://schemas.openxmlformats.org/drawingml/2006/main" uniqueId="urn:microsoft.com/office/officeart/2008/layout/SquareAccentList">
-  <dgm:title val=""/>
-  <dgm:desc val=""/>
-  <dgm:catLst>
-    <dgm:cat type="list" pri="5500"/>
-  </dgm:catLst>
-  <dgm:sampData>
-    <dgm:dataModel>
-      <dgm:ptLst>
-        <dgm:pt modelId="0" type="doc"/>
-        <dgm:pt modelId="10">
-          <dgm:prSet phldr="1"/>
-        </dgm:pt>
-        <dgm:pt modelId="11">
-          <dgm:prSet phldr="1"/>
-        </dgm:pt>
-        <dgm:pt modelId="12">
-          <dgm:prSet phldr="1"/>
-        </dgm:pt>
-        <dgm:pt modelId="13">
-          <dgm:prSet phldr="1"/>
-        </dgm:pt>
-        <dgm:pt modelId="20">
-          <dgm:prSet phldr="1"/>
-        </dgm:pt>
-        <dgm:pt modelId="21">
-          <dgm:prSet phldr="1"/>
-        </dgm:pt>
-        <dgm:pt modelId="22">
-          <dgm:prSet phldr="1"/>
-        </dgm:pt>
-        <dgm:pt modelId="23">
-          <dgm:prSet phldr="1"/>
-        </dgm:pt>
-      </dgm:ptLst>
-      <dgm:cxnLst>
-        <dgm:cxn modelId="1" srcId="0" destId="10" srcOrd="0" destOrd="0"/>
-        <dgm:cxn modelId="2" srcId="10" destId="11" srcOrd="0" destOrd="0"/>
-        <dgm:cxn modelId="3" srcId="10" destId="12" srcOrd="1" destOrd="0"/>
-        <dgm:cxn modelId="4" srcId="10" destId="13" srcOrd="2" destOrd="0"/>
-        <dgm:cxn modelId="5" srcId="0" destId="20" srcOrd="0" destOrd="0"/>
-        <dgm:cxn modelId="6" srcId="20" destId="21" srcOrd="0" destOrd="0"/>
-        <dgm:cxn modelId="7" srcId="20" destId="22" srcOrd="1" destOrd="0"/>
-        <dgm:cxn modelId="8" srcId="20" destId="23" srcOrd="2" destOrd="0"/>
-      </dgm:cxnLst>
-      <dgm:bg/>
-      <dgm:whole/>
-    </dgm:dataModel>
-  </dgm:sampData>
-  <dgm:styleData>
-    <dgm:dataModel>
-      <dgm:ptLst>
-        <dgm:pt modelId="0" type="doc"/>
-        <dgm:pt modelId="10">
-          <dgm:prSet phldr="1"/>
-        </dgm:pt>
-        <dgm:pt modelId="11">
-          <dgm:prSet phldr="1"/>
-        </dgm:pt>
-        <dgm:pt modelId="12">
-          <dgm:prSet phldr="1"/>
-        </dgm:pt>
-        <dgm:pt modelId="13">
-          <dgm:prSet phldr="1"/>
-        </dgm:pt>
-        <dgm:pt modelId="20">
-          <dgm:prSet phldr="1"/>
-        </dgm:pt>
-        <dgm:pt modelId="21">
-          <dgm:prSet phldr="1"/>
-        </dgm:pt>
-        <dgm:pt modelId="22">
-          <dgm:prSet phldr="1"/>
-        </dgm:pt>
-        <dgm:pt modelId="23">
-          <dgm:prSet phldr="1"/>
-        </dgm:pt>
-      </dgm:ptLst>
-      <dgm:cxnLst>
-        <dgm:cxn modelId="1" srcId="0" destId="10" srcOrd="0" destOrd="0"/>
-        <dgm:cxn modelId="2" srcId="10" destId="11" srcOrd="0" destOrd="0"/>
-        <dgm:cxn modelId="3" srcId="10" destId="12" srcOrd="1" destOrd="0"/>
-        <dgm:cxn modelId="4" srcId="10" destId="13" srcOrd="2" destOrd="0"/>
-        <dgm:cxn modelId="5" srcId="0" destId="20" srcOrd="0" destOrd="0"/>
-        <dgm:cxn modelId="6" srcId="20" destId="21" srcOrd="0" destOrd="0"/>
-        <dgm:cxn modelId="7" srcId="20" destId="22" srcOrd="1" destOrd="0"/>
-        <dgm:cxn modelId="8" srcId="20" destId="23" srcOrd="2" destOrd="0"/>
-      </dgm:cxnLst>
-      <dgm:bg/>
-      <dgm:whole/>
-    </dgm:dataModel>
-  </dgm:styleData>
-  <dgm:clrData>
-    <dgm:dataModel>
-      <dgm:ptLst>
-        <dgm:pt modelId="0" type="doc"/>
-        <dgm:pt modelId="10">
-          <dgm:prSet phldr="1"/>
-        </dgm:pt>
-        <dgm:pt modelId="11">
-          <dgm:prSet phldr="1"/>
-        </dgm:pt>
-        <dgm:pt modelId="12">
-          <dgm:prSet phldr="1"/>
-        </dgm:pt>
-        <dgm:pt modelId="13">
-          <dgm:prSet phldr="1"/>
-        </dgm:pt>
-        <dgm:pt modelId="20">
-          <dgm:prSet phldr="1"/>
-        </dgm:pt>
-        <dgm:pt modelId="21">
-          <dgm:prSet phldr="1"/>
-        </dgm:pt>
-        <dgm:pt modelId="22">
-          <dgm:prSet phldr="1"/>
-        </dgm:pt>
-        <dgm:pt modelId="23">
-          <dgm:prSet phldr="1"/>
-        </dgm:pt>
-      </dgm:ptLst>
-      <dgm:cxnLst>
-        <dgm:cxn modelId="1" srcId="0" destId="10" srcOrd="0" destOrd="0"/>
-        <dgm:cxn modelId="2" srcId="10" destId="11" srcOrd="0" destOrd="0"/>
-        <dgm:cxn modelId="3" srcId="10" destId="12" srcOrd="1" destOrd="0"/>
-        <dgm:cxn modelId="4" srcId="10" destId="13" srcOrd="2" destOrd="0"/>
-        <dgm:cxn modelId="5" srcId="0" destId="20" srcOrd="0" destOrd="0"/>
-        <dgm:cxn modelId="6" srcId="20" destId="21" srcOrd="0" destOrd="0"/>
-        <dgm:cxn modelId="7" srcId="20" destId="22" srcOrd="1" destOrd="0"/>
-        <dgm:cxn modelId="8" srcId="20" destId="23" srcOrd="2" destOrd="0"/>
-      </dgm:cxnLst>
-      <dgm:bg/>
-      <dgm:whole/>
-    </dgm:dataModel>
-  </dgm:clrData>
-  <dgm:layoutNode name="layout">
-    <dgm:varLst>
-      <dgm:chMax/>
-      <dgm:chPref/>
-      <dgm:dir/>
-      <dgm:resizeHandles/>
-    </dgm:varLst>
-    <dgm:choose name="Name0">
-      <dgm:if name="Name1" func="var" arg="dir" op="equ" val="norm">
-        <dgm:alg type="hierChild">
-          <dgm:param type="linDir" val="fromL"/>
-          <dgm:param type="vertAlign" val="t"/>
-          <dgm:param type="nodeVertAlign" val="t"/>
-          <dgm:param type="horzAlign" val="ctr"/>
-          <dgm:param type="fallback" val="1D"/>
-        </dgm:alg>
-      </dgm:if>
-      <dgm:else name="Name2">
-        <dgm:alg type="hierChild">
-          <dgm:param type="linDir" val="fromR"/>
-          <dgm:param type="vertAlign" val="t"/>
-          <dgm:param type="nodeVertAlign" val="t"/>
-          <dgm:param type="horzAlign" val="ctr"/>
-          <dgm:param type="fallback" val="1D"/>
-        </dgm:alg>
-      </dgm:else>
-    </dgm:choose>
-    <dgm:shape xmlns:r="http://schemas.openxmlformats.org/officeDocument/2006/relationships" r:blip="">
-      <dgm:adjLst/>
-    </dgm:shape>
-    <dgm:presOf/>
-    <dgm:constrLst>
-      <dgm:constr type="primFontSz" for="des" forName="Parent" op="equ" val="65"/>
-      <dgm:constr type="primFontSz" for="des" forName="Child" op="equ" val="65"/>
-      <dgm:constr type="primFontSz" for="des" forName="Child" refType="primFontSz" refFor="des" refForName="Parent" op="lte"/>
-      <dgm:constr type="w" for="des" forName="rootComposite" refType="h" refFor="des" refForName="rootComposite" fact="3.0396"/>
-      <dgm:constr type="h" for="des" forName="rootComposite" refType="h"/>
-      <dgm:constr type="w" for="des" forName="childComposite" refType="w" refFor="des" refForName="rootComposite"/>
-      <dgm:constr type="h" for="des" forName="childComposite" refType="h" refFor="des" refForName="rootComposite" fact="0.5205"/>
-      <dgm:constr type="sibSp" refType="w" refFor="des" refForName="rootComposite" fact="0.05"/>
-      <dgm:constr type="sp" for="des" forName="root" refType="h" refFor="des" refForName="childComposite" fact="0.2855"/>
-    </dgm:constrLst>
-    <dgm:ruleLst/>
-    <dgm:forEach name="Name3" axis="ch">
-      <dgm:forEach name="Name4" axis="self" ptType="node" cnt="1">
-        <dgm:layoutNode name="root">
-          <dgm:varLst>
-            <dgm:chMax/>
-            <dgm:chPref/>
-          </dgm:varLst>
-          <dgm:alg type="hierRoot">
-            <dgm:param type="hierAlign" val="tL"/>
-          </dgm:alg>
+      </dgm:layoutNode>
+      <dgm:forEach name="Name10" axis="followSib" ptType="sibTrans" cnt="1">
+        <dgm:layoutNode name="sp">
+          <dgm:alg type="sp"/>
           <dgm:shape xmlns:r="http://schemas.openxmlformats.org/officeDocument/2006/relationships" r:blip="">
             <dgm:adjLst/>
           </dgm:shape>
-          <dgm:presOf/>
-          <dgm:constrLst/>
+          <dgm:presOf axis="self"/>
+          <dgm:constrLst>
+            <dgm:constr type="w" val="1"/>
+            <dgm:constr type="h" val="37.5"/>
+          </dgm:constrLst>
           <dgm:ruleLst/>
-          <dgm:layoutNode name="rootComposite">
-            <dgm:varLst/>
-            <dgm:alg type="composite"/>
-            <dgm:shape xmlns:r="http://schemas.openxmlformats.org/officeDocument/2006/relationships" r:blip="">
-              <dgm:adjLst/>
-            </dgm:shape>
-            <dgm:presOf axis="self" ptType="node" cnt="1"/>
-            <dgm:choose name="Name5">
-              <dgm:if name="Name6" func="var" arg="dir" op="equ" val="norm">
-                <dgm:constrLst>
-                  <dgm:constr type="l" for="ch" forName="Parent" refType="w" fact="0"/>
-                  <dgm:constr type="t" for="ch" forName="Parent" refType="h" fact="0"/>
-                  <dgm:constr type="w" for="ch" forName="Parent" refType="w"/>
-                  <dgm:constr type="h" for="ch" forName="Parent" refType="h" fact="0.6424"/>
-                  <dgm:constr type="l" for="ch" forName="ParentAccent" refType="w" fact="0"/>
-                  <dgm:constr type="b" for="ch" forName="ParentAccent" refType="h"/>
-                  <dgm:constr type="w" for="ch" forName="ParentAccent" refType="w"/>
-                  <dgm:constr type="h" for="ch" forName="ParentAccent" refType="h" fact="0.3576"/>
-                  <dgm:constr type="l" for="ch" forName="ParentSmallAccent" refType="w" fact="0"/>
-                  <dgm:constr type="b" for="ch" forName="ParentSmallAccent" refType="h"/>
-                  <dgm:constr type="w" for="ch" forName="ParentSmallAccent" refType="h" fact="0.2233"/>
-                  <dgm:constr type="h" for="ch" forName="ParentSmallAccent" refType="h" fact="0.2233"/>
-                </dgm:constrLst>
-              </dgm:if>
-              <dgm:else name="Name7">
-                <dgm:constrLst>
-                  <dgm:constr type="l" for="ch" forName="Parent" refType="w" fact="0"/>
-                  <dgm:constr type="t" for="ch" forName="Parent" refType="h" fact="0"/>
-                  <dgm:constr type="w" for="ch" forName="Parent" refType="w"/>
-                  <dgm:constr type="h" for="ch" forName="Parent" refType="h" fact="0.6424"/>
-                  <dgm:constr type="l" for="ch" forName="ParentAccent" refType="w" fact="0"/>
-                  <dgm:constr type="b" for="ch" forName="ParentAccent" refType="h"/>
-                  <dgm:constr type="w" for="ch" forName="ParentAccent" refType="w"/>
-                  <dgm:constr type="h" for="ch" forName="ParentAccent" refType="h" fact="0.3576"/>
-                  <dgm:constr type="r" for="ch" forName="ParentSmallAccent" refType="w"/>
-                  <dgm:constr type="b" for="ch" forName="ParentSmallAccent" refType="h"/>
-                  <dgm:constr type="w" for="ch" forName="ParentSmallAccent" refType="h" fact="0.2233"/>
-                  <dgm:constr type="h" for="ch" forName="ParentSmallAccent" refType="h" fact="0.2233"/>
-                </dgm:constrLst>
-              </dgm:else>
-            </dgm:choose>
-            <dgm:ruleLst/>
-            <dgm:layoutNode name="ParentAccent" styleLbl="alignNode1">
-              <dgm:alg type="sp"/>
-              <dgm:shape xmlns:r="http://schemas.openxmlformats.org/officeDocument/2006/relationships" type="rect" r:blip="">
-                <dgm:adjLst/>
-              </dgm:shape>
-              <dgm:presOf/>
-            </dgm:layoutNode>
-            <dgm:layoutNode name="ParentSmallAccent" styleLbl="fgAcc1">
-              <dgm:alg type="sp"/>
-              <dgm:shape xmlns:r="http://schemas.openxmlformats.org/officeDocument/2006/relationships" type="rect" r:blip="">
-                <dgm:adjLst/>
-              </dgm:shape>
-              <dgm:presOf/>
-            </dgm:layoutNode>
-            <dgm:layoutNode name="Parent" styleLbl="revTx">
-              <dgm:varLst>
-                <dgm:chMax/>
-                <dgm:chPref val="4"/>
-                <dgm:bulletEnabled val="1"/>
-              </dgm:varLst>
-              <dgm:choose name="Name8">
-                <dgm:if name="Name9" func="var" arg="dir" op="equ" val="norm">
-                  <dgm:alg type="tx">
-                    <dgm:param type="txAnchorVertCh" val="mid"/>
-                    <dgm:param type="parTxLTRAlign" val="l"/>
-                  </dgm:alg>
-                </dgm:if>
-                <dgm:else name="Name10">
-                  <dgm:alg type="tx">
-                    <dgm:param type="txAnchorVertCh" val="mid"/>
-                    <dgm:param type="parTxLTRAlign" val="r"/>
-                  </dgm:alg>
-                </dgm:else>
-              </dgm:choose>
-              <dgm:shape xmlns:r="http://schemas.openxmlformats.org/officeDocument/2006/relationships" type="rect" r:blip="">
-                <dgm:adjLst/>
-              </dgm:shape>
-              <dgm:presOf axis="self" ptType="node"/>
-              <dgm:constrLst>
-                <dgm:constr type="tMarg" refType="primFontSz" fact="0.1"/>
-                <dgm:constr type="bMarg" refType="primFontSz" fact="0.1"/>
-                <dgm:constr type="lMarg" refType="primFontSz" fact="0.15"/>
-                <dgm:constr type="rMarg" refType="primFontSz" fact="0.15"/>
-              </dgm:constrLst>
-              <dgm:ruleLst>
-                <dgm:rule type="primFontSz" val="5" fact="NaN" max="NaN"/>
-                <dgm:rule type="primFontSz" val="65" fact="NaN" max="NaN"/>
-              </dgm:ruleLst>
-            </dgm:layoutNode>
-          </dgm:layoutNode>
-          <dgm:layoutNode name="childShape">
-            <dgm:varLst>
-              <dgm:chMax val="0"/>
-              <dgm:chPref val="0"/>
-            </dgm:varLst>
-            <dgm:alg type="hierChild">
-              <dgm:param type="chAlign" val="r"/>
-              <dgm:param type="linDir" val="fromT"/>
-              <dgm:param type="fallback" val="2D"/>
-            </dgm:alg>
-            <dgm:shape xmlns:r="http://schemas.openxmlformats.org/officeDocument/2006/relationships" r:blip="">
-              <dgm:adjLst/>
-            </dgm:shape>
-            <dgm:presOf/>
-            <dgm:constrLst/>
-            <dgm:ruleLst/>
-            <dgm:forEach name="Name11" axis="ch">
-              <dgm:forEach name="Name12" axis="self" ptType="node">
-                <dgm:layoutNode name="childComposite">
-                  <dgm:varLst>
-                    <dgm:chMax val="0"/>
-                    <dgm:chPref val="0"/>
-                  </dgm:varLst>
-                  <dgm:alg type="composite"/>
-                  <dgm:shape xmlns:r="http://schemas.openxmlformats.org/officeDocument/2006/relationships" r:blip="">
-                    <dgm:adjLst/>
-                  </dgm:shape>
-                  <dgm:presOf/>
-                  <dgm:choose name="Name13">
-                    <dgm:if name="Name14" func="var" arg="dir" op="equ" val="norm">
-                      <dgm:constrLst>
-                        <dgm:constr type="w" for="ch" forName="ChildAccent" refType="h" fact="0.429"/>
-                        <dgm:constr type="h" for="ch" forName="ChildAccent" refType="h" fact="0.429"/>
-                        <dgm:constr type="l" for="ch" forName="ChildAccent" refType="w" fact="0"/>
-                        <dgm:constr type="t" for="ch" forName="ChildAccent" refType="h" fact="0.2855"/>
-                        <dgm:constr type="w" for="ch" forName="Child" refType="w" fact="0.93"/>
-                        <dgm:constr type="h" for="ch" forName="Child" refType="h"/>
-                        <dgm:constr type="l" for="ch" forName="Child" refType="w" fact="0.07"/>
-                        <dgm:constr type="t" for="ch" forName="Child" refType="h" fact="0"/>
-                      </dgm:constrLst>
-                    </dgm:if>
-                    <dgm:else name="Name15">
-                      <dgm:constrLst>
-                        <dgm:constr type="w" for="ch" forName="ChildAccent" refType="h" fact="0.429"/>
-                        <dgm:constr type="h" for="ch" forName="ChildAccent" refType="h" fact="0.429"/>
-                        <dgm:constr type="r" for="ch" forName="ChildAccent" refType="w"/>
-                        <dgm:constr type="t" for="ch" forName="ChildAccent" refType="h" fact="0.2855"/>
-                        <dgm:constr type="w" for="ch" forName="Child" refType="w" fact="0.93"/>
-                        <dgm:constr type="h" for="ch" forName="Child" refType="h"/>
-                        <dgm:constr type="r" for="ch" forName="Child" refType="w" fact="0.93"/>
-                        <dgm:constr type="t" for="ch" forName="Child" refType="h" fact="0"/>
-                      </dgm:constrLst>
-                    </dgm:else>
-                  </dgm:choose>
-                  <dgm:ruleLst/>
-                  <dgm:layoutNode name="ChildAccent" styleLbl="solidFgAcc1">
-                    <dgm:alg type="sp"/>
-                    <dgm:shape xmlns:r="http://schemas.openxmlformats.org/officeDocument/2006/relationships" type="rect" r:blip="">
-                      <dgm:adjLst/>
-                    </dgm:shape>
-                    <dgm:presOf/>
-                  </dgm:layoutNode>
-                  <dgm:layoutNode name="Child" styleLbl="revTx">
-                    <dgm:varLst>
-                      <dgm:chMax val="0"/>
-                      <dgm:chPref val="0"/>
-                      <dgm:bulletEnabled val="1"/>
-                    </dgm:varLst>
-                    <dgm:choose name="Name16">
-                      <dgm:if name="Name17" func="var" arg="dir" op="equ" val="norm">
-                        <dgm:alg type="tx">
-                          <dgm:param type="txAnchorVertCh" val="mid"/>
-                          <dgm:param type="parTxLTRAlign" val="l"/>
-                        </dgm:alg>
-                      </dgm:if>
-                      <dgm:else name="Name18">
-                        <dgm:alg type="tx">
-                          <dgm:param type="txAnchorVertCh" val="mid"/>
-                          <dgm:param type="parTxLTRAlign" val="r"/>
-                        </dgm:alg>
-                      </dgm:else>
-                    </dgm:choose>
-                    <dgm:shape xmlns:r="http://schemas.openxmlformats.org/officeDocument/2006/relationships" type="rect" r:blip="">
-                      <dgm:adjLst/>
-                    </dgm:shape>
-                    <dgm:presOf axis="desOrSelf" ptType="node node"/>
-                    <dgm:ruleLst>
-                      <dgm:rule type="primFontSz" val="5" fact="NaN" max="NaN"/>
-                    </dgm:ruleLst>
-                  </dgm:layoutNode>
-                </dgm:layoutNode>
-              </dgm:forEach>
-            </dgm:forEach>
-          </dgm:layoutNode>
         </dgm:layoutNode>
       </dgm:forEach>
     </dgm:forEach>
@@ -15227,1040 +13201,6 @@
 </file>
 
 <file path=ppt/diagrams/quickStyle4.xml><?xml version="1.0" encoding="utf-8"?>
-<dgm:styleDef xmlns:dgm="http://schemas.openxmlformats.org/drawingml/2006/diagram" xmlns:a="http://schemas.openxmlformats.org/drawingml/2006/main" uniqueId="urn:microsoft.com/office/officeart/2005/8/quickstyle/simple1">
-  <dgm:title val=""/>
-  <dgm:desc val=""/>
-  <dgm:catLst>
-    <dgm:cat type="simple" pri="10100"/>
-  </dgm:catLst>
-  <dgm:scene3d>
-    <a:camera prst="orthographicFront"/>
-    <a:lightRig rig="threePt" dir="t"/>
-  </dgm:scene3d>
-  <dgm:styleLbl name="node0">
-    <dgm:scene3d>
-      <a:camera prst="orthographicFront"/>
-      <a:lightRig rig="threePt" dir="t"/>
-    </dgm:scene3d>
-    <dgm:sp3d/>
-    <dgm:txPr/>
-    <dgm:style>
-      <a:lnRef idx="2">
-        <a:scrgbClr r="0" g="0" b="0"/>
-      </a:lnRef>
-      <a:fillRef idx="1">
-        <a:scrgbClr r="0" g="0" b="0"/>
-      </a:fillRef>
-      <a:effectRef idx="0">
-        <a:scrgbClr r="0" g="0" b="0"/>
-      </a:effectRef>
-      <a:fontRef idx="minor">
-        <a:schemeClr val="lt1"/>
-      </a:fontRef>
-    </dgm:style>
-  </dgm:styleLbl>
-  <dgm:styleLbl name="lnNode1">
-    <dgm:scene3d>
-      <a:camera prst="orthographicFront"/>
-      <a:lightRig rig="threePt" dir="t"/>
-    </dgm:scene3d>
-    <dgm:sp3d/>
-    <dgm:txPr/>
-    <dgm:style>
-      <a:lnRef idx="2">
-        <a:scrgbClr r="0" g="0" b="0"/>
-      </a:lnRef>
-      <a:fillRef idx="1">
-        <a:scrgbClr r="0" g="0" b="0"/>
-      </a:fillRef>
-      <a:effectRef idx="0">
-        <a:scrgbClr r="0" g="0" b="0"/>
-      </a:effectRef>
-      <a:fontRef idx="minor">
-        <a:schemeClr val="lt1"/>
-      </a:fontRef>
-    </dgm:style>
-  </dgm:styleLbl>
-  <dgm:styleLbl name="vennNode1">
-    <dgm:scene3d>
-      <a:camera prst="orthographicFront"/>
-      <a:lightRig rig="threePt" dir="t"/>
-    </dgm:scene3d>
-    <dgm:sp3d/>
-    <dgm:txPr/>
-    <dgm:style>
-      <a:lnRef idx="2">
-        <a:scrgbClr r="0" g="0" b="0"/>
-      </a:lnRef>
-      <a:fillRef idx="1">
-        <a:scrgbClr r="0" g="0" b="0"/>
-      </a:fillRef>
-      <a:effectRef idx="0">
-        <a:scrgbClr r="0" g="0" b="0"/>
-      </a:effectRef>
-      <a:fontRef idx="minor">
-        <a:schemeClr val="tx1"/>
-      </a:fontRef>
-    </dgm:style>
-  </dgm:styleLbl>
-  <dgm:styleLbl name="alignNode1">
-    <dgm:scene3d>
-      <a:camera prst="orthographicFront"/>
-      <a:lightRig rig="threePt" dir="t"/>
-    </dgm:scene3d>
-    <dgm:sp3d/>
-    <dgm:txPr/>
-    <dgm:style>
-      <a:lnRef idx="2">
-        <a:scrgbClr r="0" g="0" b="0"/>
-      </a:lnRef>
-      <a:fillRef idx="1">
-        <a:scrgbClr r="0" g="0" b="0"/>
-      </a:fillRef>
-      <a:effectRef idx="0">
-        <a:scrgbClr r="0" g="0" b="0"/>
-      </a:effectRef>
-      <a:fontRef idx="minor">
-        <a:schemeClr val="lt1"/>
-      </a:fontRef>
-    </dgm:style>
-  </dgm:styleLbl>
-  <dgm:styleLbl name="node1">
-    <dgm:scene3d>
-      <a:camera prst="orthographicFront"/>
-      <a:lightRig rig="threePt" dir="t"/>
-    </dgm:scene3d>
-    <dgm:sp3d/>
-    <dgm:txPr/>
-    <dgm:style>
-      <a:lnRef idx="2">
-        <a:scrgbClr r="0" g="0" b="0"/>
-      </a:lnRef>
-      <a:fillRef idx="1">
-        <a:scrgbClr r="0" g="0" b="0"/>
-      </a:fillRef>
-      <a:effectRef idx="0">
-        <a:scrgbClr r="0" g="0" b="0"/>
-      </a:effectRef>
-      <a:fontRef idx="minor">
-        <a:schemeClr val="lt1"/>
-      </a:fontRef>
-    </dgm:style>
-  </dgm:styleLbl>
-  <dgm:styleLbl name="node2">
-    <dgm:scene3d>
-      <a:camera prst="orthographicFront"/>
-      <a:lightRig rig="threePt" dir="t"/>
-    </dgm:scene3d>
-    <dgm:sp3d/>
-    <dgm:txPr/>
-    <dgm:style>
-      <a:lnRef idx="2">
-        <a:scrgbClr r="0" g="0" b="0"/>
-      </a:lnRef>
-      <a:fillRef idx="1">
-        <a:scrgbClr r="0" g="0" b="0"/>
-      </a:fillRef>
-      <a:effectRef idx="0">
-        <a:scrgbClr r="0" g="0" b="0"/>
-      </a:effectRef>
-      <a:fontRef idx="minor">
-        <a:schemeClr val="lt1"/>
-      </a:fontRef>
-    </dgm:style>
-  </dgm:styleLbl>
-  <dgm:styleLbl name="node3">
-    <dgm:scene3d>
-      <a:camera prst="orthographicFront"/>
-      <a:lightRig rig="threePt" dir="t"/>
-    </dgm:scene3d>
-    <dgm:sp3d/>
-    <dgm:txPr/>
-    <dgm:style>
-      <a:lnRef idx="2">
-        <a:scrgbClr r="0" g="0" b="0"/>
-      </a:lnRef>
-      <a:fillRef idx="1">
-        <a:scrgbClr r="0" g="0" b="0"/>
-      </a:fillRef>
-      <a:effectRef idx="0">
-        <a:scrgbClr r="0" g="0" b="0"/>
-      </a:effectRef>
-      <a:fontRef idx="minor">
-        <a:schemeClr val="lt1"/>
-      </a:fontRef>
-    </dgm:style>
-  </dgm:styleLbl>
-  <dgm:styleLbl name="node4">
-    <dgm:scene3d>
-      <a:camera prst="orthographicFront"/>
-      <a:lightRig rig="threePt" dir="t"/>
-    </dgm:scene3d>
-    <dgm:sp3d/>
-    <dgm:txPr/>
-    <dgm:style>
-      <a:lnRef idx="2">
-        <a:scrgbClr r="0" g="0" b="0"/>
-      </a:lnRef>
-      <a:fillRef idx="1">
-        <a:scrgbClr r="0" g="0" b="0"/>
-      </a:fillRef>
-      <a:effectRef idx="0">
-        <a:scrgbClr r="0" g="0" b="0"/>
-      </a:effectRef>
-      <a:fontRef idx="minor">
-        <a:schemeClr val="lt1"/>
-      </a:fontRef>
-    </dgm:style>
-  </dgm:styleLbl>
-  <dgm:styleLbl name="fgImgPlace1">
-    <dgm:scene3d>
-      <a:camera prst="orthographicFront"/>
-      <a:lightRig rig="threePt" dir="t"/>
-    </dgm:scene3d>
-    <dgm:sp3d/>
-    <dgm:txPr/>
-    <dgm:style>
-      <a:lnRef idx="2">
-        <a:scrgbClr r="0" g="0" b="0"/>
-      </a:lnRef>
-      <a:fillRef idx="1">
-        <a:scrgbClr r="0" g="0" b="0"/>
-      </a:fillRef>
-      <a:effectRef idx="0">
-        <a:scrgbClr r="0" g="0" b="0"/>
-      </a:effectRef>
-      <a:fontRef idx="minor"/>
-    </dgm:style>
-  </dgm:styleLbl>
-  <dgm:styleLbl name="alignImgPlace1">
-    <dgm:scene3d>
-      <a:camera prst="orthographicFront"/>
-      <a:lightRig rig="threePt" dir="t"/>
-    </dgm:scene3d>
-    <dgm:sp3d/>
-    <dgm:txPr/>
-    <dgm:style>
-      <a:lnRef idx="2">
-        <a:scrgbClr r="0" g="0" b="0"/>
-      </a:lnRef>
-      <a:fillRef idx="1">
-        <a:scrgbClr r="0" g="0" b="0"/>
-      </a:fillRef>
-      <a:effectRef idx="0">
-        <a:scrgbClr r="0" g="0" b="0"/>
-      </a:effectRef>
-      <a:fontRef idx="minor"/>
-    </dgm:style>
-  </dgm:styleLbl>
-  <dgm:styleLbl name="bgImgPlace1">
-    <dgm:scene3d>
-      <a:camera prst="orthographicFront"/>
-      <a:lightRig rig="threePt" dir="t"/>
-    </dgm:scene3d>
-    <dgm:sp3d/>
-    <dgm:txPr/>
-    <dgm:style>
-      <a:lnRef idx="2">
-        <a:scrgbClr r="0" g="0" b="0"/>
-      </a:lnRef>
-      <a:fillRef idx="1">
-        <a:scrgbClr r="0" g="0" b="0"/>
-      </a:fillRef>
-      <a:effectRef idx="0">
-        <a:scrgbClr r="0" g="0" b="0"/>
-      </a:effectRef>
-      <a:fontRef idx="minor"/>
-    </dgm:style>
-  </dgm:styleLbl>
-  <dgm:styleLbl name="sibTrans2D1">
-    <dgm:scene3d>
-      <a:camera prst="orthographicFront"/>
-      <a:lightRig rig="threePt" dir="t"/>
-    </dgm:scene3d>
-    <dgm:sp3d/>
-    <dgm:txPr/>
-    <dgm:style>
-      <a:lnRef idx="0">
-        <a:scrgbClr r="0" g="0" b="0"/>
-      </a:lnRef>
-      <a:fillRef idx="1">
-        <a:scrgbClr r="0" g="0" b="0"/>
-      </a:fillRef>
-      <a:effectRef idx="0">
-        <a:scrgbClr r="0" g="0" b="0"/>
-      </a:effectRef>
-      <a:fontRef idx="minor">
-        <a:schemeClr val="lt1"/>
-      </a:fontRef>
-    </dgm:style>
-  </dgm:styleLbl>
-  <dgm:styleLbl name="fgSibTrans2D1">
-    <dgm:scene3d>
-      <a:camera prst="orthographicFront"/>
-      <a:lightRig rig="threePt" dir="t"/>
-    </dgm:scene3d>
-    <dgm:sp3d/>
-    <dgm:txPr/>
-    <dgm:style>
-      <a:lnRef idx="0">
-        <a:scrgbClr r="0" g="0" b="0"/>
-      </a:lnRef>
-      <a:fillRef idx="1">
-        <a:scrgbClr r="0" g="0" b="0"/>
-      </a:fillRef>
-      <a:effectRef idx="0">
-        <a:scrgbClr r="0" g="0" b="0"/>
-      </a:effectRef>
-      <a:fontRef idx="minor">
-        <a:schemeClr val="lt1"/>
-      </a:fontRef>
-    </dgm:style>
-  </dgm:styleLbl>
-  <dgm:styleLbl name="bgSibTrans2D1">
-    <dgm:scene3d>
-      <a:camera prst="orthographicFront"/>
-      <a:lightRig rig="threePt" dir="t"/>
-    </dgm:scene3d>
-    <dgm:sp3d/>
-    <dgm:txPr/>
-    <dgm:style>
-      <a:lnRef idx="0">
-        <a:scrgbClr r="0" g="0" b="0"/>
-      </a:lnRef>
-      <a:fillRef idx="1">
-        <a:scrgbClr r="0" g="0" b="0"/>
-      </a:fillRef>
-      <a:effectRef idx="0">
-        <a:scrgbClr r="0" g="0" b="0"/>
-      </a:effectRef>
-      <a:fontRef idx="minor">
-        <a:schemeClr val="lt1"/>
-      </a:fontRef>
-    </dgm:style>
-  </dgm:styleLbl>
-  <dgm:styleLbl name="sibTrans1D1">
-    <dgm:scene3d>
-      <a:camera prst="orthographicFront"/>
-      <a:lightRig rig="threePt" dir="t"/>
-    </dgm:scene3d>
-    <dgm:sp3d/>
-    <dgm:txPr/>
-    <dgm:style>
-      <a:lnRef idx="1">
-        <a:scrgbClr r="0" g="0" b="0"/>
-      </a:lnRef>
-      <a:fillRef idx="0">
-        <a:scrgbClr r="0" g="0" b="0"/>
-      </a:fillRef>
-      <a:effectRef idx="0">
-        <a:scrgbClr r="0" g="0" b="0"/>
-      </a:effectRef>
-      <a:fontRef idx="minor"/>
-    </dgm:style>
-  </dgm:styleLbl>
-  <dgm:styleLbl name="callout">
-    <dgm:scene3d>
-      <a:camera prst="orthographicFront"/>
-      <a:lightRig rig="threePt" dir="t"/>
-    </dgm:scene3d>
-    <dgm:sp3d/>
-    <dgm:txPr/>
-    <dgm:style>
-      <a:lnRef idx="2">
-        <a:scrgbClr r="0" g="0" b="0"/>
-      </a:lnRef>
-      <a:fillRef idx="1">
-        <a:scrgbClr r="0" g="0" b="0"/>
-      </a:fillRef>
-      <a:effectRef idx="0">
-        <a:scrgbClr r="0" g="0" b="0"/>
-      </a:effectRef>
-      <a:fontRef idx="minor"/>
-    </dgm:style>
-  </dgm:styleLbl>
-  <dgm:styleLbl name="asst0">
-    <dgm:scene3d>
-      <a:camera prst="orthographicFront"/>
-      <a:lightRig rig="threePt" dir="t"/>
-    </dgm:scene3d>
-    <dgm:sp3d/>
-    <dgm:txPr/>
-    <dgm:style>
-      <a:lnRef idx="2">
-        <a:scrgbClr r="0" g="0" b="0"/>
-      </a:lnRef>
-      <a:fillRef idx="1">
-        <a:scrgbClr r="0" g="0" b="0"/>
-      </a:fillRef>
-      <a:effectRef idx="0">
-        <a:scrgbClr r="0" g="0" b="0"/>
-      </a:effectRef>
-      <a:fontRef idx="minor">
-        <a:schemeClr val="lt1"/>
-      </a:fontRef>
-    </dgm:style>
-  </dgm:styleLbl>
-  <dgm:styleLbl name="asst1">
-    <dgm:scene3d>
-      <a:camera prst="orthographicFront"/>
-      <a:lightRig rig="threePt" dir="t"/>
-    </dgm:scene3d>
-    <dgm:sp3d/>
-    <dgm:txPr/>
-    <dgm:style>
-      <a:lnRef idx="2">
-        <a:scrgbClr r="0" g="0" b="0"/>
-      </a:lnRef>
-      <a:fillRef idx="1">
-        <a:scrgbClr r="0" g="0" b="0"/>
-      </a:fillRef>
-      <a:effectRef idx="0">
-        <a:scrgbClr r="0" g="0" b="0"/>
-      </a:effectRef>
-      <a:fontRef idx="minor">
-        <a:schemeClr val="lt1"/>
-      </a:fontRef>
-    </dgm:style>
-  </dgm:styleLbl>
-  <dgm:styleLbl name="asst2">
-    <dgm:scene3d>
-      <a:camera prst="orthographicFront"/>
-      <a:lightRig rig="threePt" dir="t"/>
-    </dgm:scene3d>
-    <dgm:sp3d/>
-    <dgm:txPr/>
-    <dgm:style>
-      <a:lnRef idx="2">
-        <a:scrgbClr r="0" g="0" b="0"/>
-      </a:lnRef>
-      <a:fillRef idx="1">
-        <a:scrgbClr r="0" g="0" b="0"/>
-      </a:fillRef>
-      <a:effectRef idx="0">
-        <a:scrgbClr r="0" g="0" b="0"/>
-      </a:effectRef>
-      <a:fontRef idx="minor">
-        <a:schemeClr val="lt1"/>
-      </a:fontRef>
-    </dgm:style>
-  </dgm:styleLbl>
-  <dgm:styleLbl name="asst3">
-    <dgm:scene3d>
-      <a:camera prst="orthographicFront"/>
-      <a:lightRig rig="threePt" dir="t"/>
-    </dgm:scene3d>
-    <dgm:sp3d/>
-    <dgm:txPr/>
-    <dgm:style>
-      <a:lnRef idx="2">
-        <a:scrgbClr r="0" g="0" b="0"/>
-      </a:lnRef>
-      <a:fillRef idx="1">
-        <a:scrgbClr r="0" g="0" b="0"/>
-      </a:fillRef>
-      <a:effectRef idx="0">
-        <a:scrgbClr r="0" g="0" b="0"/>
-      </a:effectRef>
-      <a:fontRef idx="minor">
-        <a:schemeClr val="lt1"/>
-      </a:fontRef>
-    </dgm:style>
-  </dgm:styleLbl>
-  <dgm:styleLbl name="asst4">
-    <dgm:scene3d>
-      <a:camera prst="orthographicFront"/>
-      <a:lightRig rig="threePt" dir="t"/>
-    </dgm:scene3d>
-    <dgm:sp3d/>
-    <dgm:txPr/>
-    <dgm:style>
-      <a:lnRef idx="2">
-        <a:scrgbClr r="0" g="0" b="0"/>
-      </a:lnRef>
-      <a:fillRef idx="1">
-        <a:scrgbClr r="0" g="0" b="0"/>
-      </a:fillRef>
-      <a:effectRef idx="0">
-        <a:scrgbClr r="0" g="0" b="0"/>
-      </a:effectRef>
-      <a:fontRef idx="minor">
-        <a:schemeClr val="lt1"/>
-      </a:fontRef>
-    </dgm:style>
-  </dgm:styleLbl>
-  <dgm:styleLbl name="parChTrans2D1">
-    <dgm:scene3d>
-      <a:camera prst="orthographicFront"/>
-      <a:lightRig rig="threePt" dir="t"/>
-    </dgm:scene3d>
-    <dgm:sp3d/>
-    <dgm:txPr/>
-    <dgm:style>
-      <a:lnRef idx="2">
-        <a:scrgbClr r="0" g="0" b="0"/>
-      </a:lnRef>
-      <a:fillRef idx="1">
-        <a:scrgbClr r="0" g="0" b="0"/>
-      </a:fillRef>
-      <a:effectRef idx="0">
-        <a:scrgbClr r="0" g="0" b="0"/>
-      </a:effectRef>
-      <a:fontRef idx="minor">
-        <a:schemeClr val="lt1"/>
-      </a:fontRef>
-    </dgm:style>
-  </dgm:styleLbl>
-  <dgm:styleLbl name="parChTrans2D2">
-    <dgm:scene3d>
-      <a:camera prst="orthographicFront"/>
-      <a:lightRig rig="threePt" dir="t"/>
-    </dgm:scene3d>
-    <dgm:sp3d/>
-    <dgm:txPr/>
-    <dgm:style>
-      <a:lnRef idx="2">
-        <a:scrgbClr r="0" g="0" b="0"/>
-      </a:lnRef>
-      <a:fillRef idx="1">
-        <a:scrgbClr r="0" g="0" b="0"/>
-      </a:fillRef>
-      <a:effectRef idx="0">
-        <a:scrgbClr r="0" g="0" b="0"/>
-      </a:effectRef>
-      <a:fontRef idx="minor">
-        <a:schemeClr val="lt1"/>
-      </a:fontRef>
-    </dgm:style>
-  </dgm:styleLbl>
-  <dgm:styleLbl name="parChTrans2D3">
-    <dgm:scene3d>
-      <a:camera prst="orthographicFront"/>
-      <a:lightRig rig="threePt" dir="t"/>
-    </dgm:scene3d>
-    <dgm:sp3d/>
-    <dgm:txPr/>
-    <dgm:style>
-      <a:lnRef idx="2">
-        <a:scrgbClr r="0" g="0" b="0"/>
-      </a:lnRef>
-      <a:fillRef idx="1">
-        <a:scrgbClr r="0" g="0" b="0"/>
-      </a:fillRef>
-      <a:effectRef idx="0">
-        <a:scrgbClr r="0" g="0" b="0"/>
-      </a:effectRef>
-      <a:fontRef idx="minor">
-        <a:schemeClr val="lt1"/>
-      </a:fontRef>
-    </dgm:style>
-  </dgm:styleLbl>
-  <dgm:styleLbl name="parChTrans2D4">
-    <dgm:scene3d>
-      <a:camera prst="orthographicFront"/>
-      <a:lightRig rig="threePt" dir="t"/>
-    </dgm:scene3d>
-    <dgm:sp3d/>
-    <dgm:txPr/>
-    <dgm:style>
-      <a:lnRef idx="2">
-        <a:scrgbClr r="0" g="0" b="0"/>
-      </a:lnRef>
-      <a:fillRef idx="1">
-        <a:scrgbClr r="0" g="0" b="0"/>
-      </a:fillRef>
-      <a:effectRef idx="0">
-        <a:scrgbClr r="0" g="0" b="0"/>
-      </a:effectRef>
-      <a:fontRef idx="minor">
-        <a:schemeClr val="lt1"/>
-      </a:fontRef>
-    </dgm:style>
-  </dgm:styleLbl>
-  <dgm:styleLbl name="parChTrans1D1">
-    <dgm:scene3d>
-      <a:camera prst="orthographicFront"/>
-      <a:lightRig rig="threePt" dir="t"/>
-    </dgm:scene3d>
-    <dgm:sp3d/>
-    <dgm:txPr/>
-    <dgm:style>
-      <a:lnRef idx="2">
-        <a:scrgbClr r="0" g="0" b="0"/>
-      </a:lnRef>
-      <a:fillRef idx="0">
-        <a:scrgbClr r="0" g="0" b="0"/>
-      </a:fillRef>
-      <a:effectRef idx="0">
-        <a:scrgbClr r="0" g="0" b="0"/>
-      </a:effectRef>
-      <a:fontRef idx="minor"/>
-    </dgm:style>
-  </dgm:styleLbl>
-  <dgm:styleLbl name="parChTrans1D2">
-    <dgm:scene3d>
-      <a:camera prst="orthographicFront"/>
-      <a:lightRig rig="threePt" dir="t"/>
-    </dgm:scene3d>
-    <dgm:sp3d/>
-    <dgm:txPr/>
-    <dgm:style>
-      <a:lnRef idx="2">
-        <a:scrgbClr r="0" g="0" b="0"/>
-      </a:lnRef>
-      <a:fillRef idx="0">
-        <a:scrgbClr r="0" g="0" b="0"/>
-      </a:fillRef>
-      <a:effectRef idx="0">
-        <a:scrgbClr r="0" g="0" b="0"/>
-      </a:effectRef>
-      <a:fontRef idx="minor"/>
-    </dgm:style>
-  </dgm:styleLbl>
-  <dgm:styleLbl name="parChTrans1D3">
-    <dgm:scene3d>
-      <a:camera prst="orthographicFront"/>
-      <a:lightRig rig="threePt" dir="t"/>
-    </dgm:scene3d>
-    <dgm:sp3d/>
-    <dgm:txPr/>
-    <dgm:style>
-      <a:lnRef idx="2">
-        <a:scrgbClr r="0" g="0" b="0"/>
-      </a:lnRef>
-      <a:fillRef idx="0">
-        <a:scrgbClr r="0" g="0" b="0"/>
-      </a:fillRef>
-      <a:effectRef idx="0">
-        <a:scrgbClr r="0" g="0" b="0"/>
-      </a:effectRef>
-      <a:fontRef idx="minor"/>
-    </dgm:style>
-  </dgm:styleLbl>
-  <dgm:styleLbl name="parChTrans1D4">
-    <dgm:scene3d>
-      <a:camera prst="orthographicFront"/>
-      <a:lightRig rig="threePt" dir="t"/>
-    </dgm:scene3d>
-    <dgm:sp3d/>
-    <dgm:txPr/>
-    <dgm:style>
-      <a:lnRef idx="2">
-        <a:scrgbClr r="0" g="0" b="0"/>
-      </a:lnRef>
-      <a:fillRef idx="0">
-        <a:scrgbClr r="0" g="0" b="0"/>
-      </a:fillRef>
-      <a:effectRef idx="0">
-        <a:scrgbClr r="0" g="0" b="0"/>
-      </a:effectRef>
-      <a:fontRef idx="minor"/>
-    </dgm:style>
-  </dgm:styleLbl>
-  <dgm:styleLbl name="fgAcc1">
-    <dgm:scene3d>
-      <a:camera prst="orthographicFront"/>
-      <a:lightRig rig="threePt" dir="t"/>
-    </dgm:scene3d>
-    <dgm:sp3d/>
-    <dgm:txPr/>
-    <dgm:style>
-      <a:lnRef idx="2">
-        <a:scrgbClr r="0" g="0" b="0"/>
-      </a:lnRef>
-      <a:fillRef idx="1">
-        <a:scrgbClr r="0" g="0" b="0"/>
-      </a:fillRef>
-      <a:effectRef idx="0">
-        <a:scrgbClr r="0" g="0" b="0"/>
-      </a:effectRef>
-      <a:fontRef idx="minor"/>
-    </dgm:style>
-  </dgm:styleLbl>
-  <dgm:styleLbl name="conFgAcc1">
-    <dgm:scene3d>
-      <a:camera prst="orthographicFront"/>
-      <a:lightRig rig="threePt" dir="t"/>
-    </dgm:scene3d>
-    <dgm:sp3d/>
-    <dgm:txPr/>
-    <dgm:style>
-      <a:lnRef idx="2">
-        <a:scrgbClr r="0" g="0" b="0"/>
-      </a:lnRef>
-      <a:fillRef idx="1">
-        <a:scrgbClr r="0" g="0" b="0"/>
-      </a:fillRef>
-      <a:effectRef idx="0">
-        <a:scrgbClr r="0" g="0" b="0"/>
-      </a:effectRef>
-      <a:fontRef idx="minor"/>
-    </dgm:style>
-  </dgm:styleLbl>
-  <dgm:styleLbl name="alignAcc1">
-    <dgm:scene3d>
-      <a:camera prst="orthographicFront"/>
-      <a:lightRig rig="threePt" dir="t"/>
-    </dgm:scene3d>
-    <dgm:sp3d/>
-    <dgm:txPr/>
-    <dgm:style>
-      <a:lnRef idx="2">
-        <a:scrgbClr r="0" g="0" b="0"/>
-      </a:lnRef>
-      <a:fillRef idx="1">
-        <a:scrgbClr r="0" g="0" b="0"/>
-      </a:fillRef>
-      <a:effectRef idx="0">
-        <a:scrgbClr r="0" g="0" b="0"/>
-      </a:effectRef>
-      <a:fontRef idx="minor"/>
-    </dgm:style>
-  </dgm:styleLbl>
-  <dgm:styleLbl name="trAlignAcc1">
-    <dgm:scene3d>
-      <a:camera prst="orthographicFront"/>
-      <a:lightRig rig="threePt" dir="t"/>
-    </dgm:scene3d>
-    <dgm:sp3d/>
-    <dgm:txPr/>
-    <dgm:style>
-      <a:lnRef idx="1">
-        <a:scrgbClr r="0" g="0" b="0"/>
-      </a:lnRef>
-      <a:fillRef idx="1">
-        <a:scrgbClr r="0" g="0" b="0"/>
-      </a:fillRef>
-      <a:effectRef idx="0">
-        <a:scrgbClr r="0" g="0" b="0"/>
-      </a:effectRef>
-      <a:fontRef idx="minor"/>
-    </dgm:style>
-  </dgm:styleLbl>
-  <dgm:styleLbl name="bgAcc1">
-    <dgm:scene3d>
-      <a:camera prst="orthographicFront"/>
-      <a:lightRig rig="threePt" dir="t"/>
-    </dgm:scene3d>
-    <dgm:sp3d/>
-    <dgm:txPr/>
-    <dgm:style>
-      <a:lnRef idx="2">
-        <a:scrgbClr r="0" g="0" b="0"/>
-      </a:lnRef>
-      <a:fillRef idx="1">
-        <a:scrgbClr r="0" g="0" b="0"/>
-      </a:fillRef>
-      <a:effectRef idx="0">
-        <a:scrgbClr r="0" g="0" b="0"/>
-      </a:effectRef>
-      <a:fontRef idx="minor"/>
-    </dgm:style>
-  </dgm:styleLbl>
-  <dgm:styleLbl name="solidFgAcc1">
-    <dgm:scene3d>
-      <a:camera prst="orthographicFront"/>
-      <a:lightRig rig="threePt" dir="t"/>
-    </dgm:scene3d>
-    <dgm:sp3d/>
-    <dgm:txPr/>
-    <dgm:style>
-      <a:lnRef idx="2">
-        <a:scrgbClr r="0" g="0" b="0"/>
-      </a:lnRef>
-      <a:fillRef idx="1">
-        <a:scrgbClr r="0" g="0" b="0"/>
-      </a:fillRef>
-      <a:effectRef idx="0">
-        <a:scrgbClr r="0" g="0" b="0"/>
-      </a:effectRef>
-      <a:fontRef idx="minor"/>
-    </dgm:style>
-  </dgm:styleLbl>
-  <dgm:styleLbl name="solidAlignAcc1">
-    <dgm:scene3d>
-      <a:camera prst="orthographicFront"/>
-      <a:lightRig rig="threePt" dir="t"/>
-    </dgm:scene3d>
-    <dgm:sp3d/>
-    <dgm:txPr/>
-    <dgm:style>
-      <a:lnRef idx="2">
-        <a:scrgbClr r="0" g="0" b="0"/>
-      </a:lnRef>
-      <a:fillRef idx="1">
-        <a:scrgbClr r="0" g="0" b="0"/>
-      </a:fillRef>
-      <a:effectRef idx="0">
-        <a:scrgbClr r="0" g="0" b="0"/>
-      </a:effectRef>
-      <a:fontRef idx="minor"/>
-    </dgm:style>
-  </dgm:styleLbl>
-  <dgm:styleLbl name="solidBgAcc1">
-    <dgm:scene3d>
-      <a:camera prst="orthographicFront"/>
-      <a:lightRig rig="threePt" dir="t"/>
-    </dgm:scene3d>
-    <dgm:sp3d/>
-    <dgm:txPr/>
-    <dgm:style>
-      <a:lnRef idx="2">
-        <a:scrgbClr r="0" g="0" b="0"/>
-      </a:lnRef>
-      <a:fillRef idx="1">
-        <a:scrgbClr r="0" g="0" b="0"/>
-      </a:fillRef>
-      <a:effectRef idx="0">
-        <a:scrgbClr r="0" g="0" b="0"/>
-      </a:effectRef>
-      <a:fontRef idx="minor"/>
-    </dgm:style>
-  </dgm:styleLbl>
-  <dgm:styleLbl name="fgAccFollowNode1">
-    <dgm:scene3d>
-      <a:camera prst="orthographicFront"/>
-      <a:lightRig rig="threePt" dir="t"/>
-    </dgm:scene3d>
-    <dgm:sp3d/>
-    <dgm:txPr/>
-    <dgm:style>
-      <a:lnRef idx="2">
-        <a:scrgbClr r="0" g="0" b="0"/>
-      </a:lnRef>
-      <a:fillRef idx="1">
-        <a:scrgbClr r="0" g="0" b="0"/>
-      </a:fillRef>
-      <a:effectRef idx="0">
-        <a:scrgbClr r="0" g="0" b="0"/>
-      </a:effectRef>
-      <a:fontRef idx="minor"/>
-    </dgm:style>
-  </dgm:styleLbl>
-  <dgm:styleLbl name="alignAccFollowNode1">
-    <dgm:scene3d>
-      <a:camera prst="orthographicFront"/>
-      <a:lightRig rig="threePt" dir="t"/>
-    </dgm:scene3d>
-    <dgm:sp3d/>
-    <dgm:txPr/>
-    <dgm:style>
-      <a:lnRef idx="2">
-        <a:scrgbClr r="0" g="0" b="0"/>
-      </a:lnRef>
-      <a:fillRef idx="1">
-        <a:scrgbClr r="0" g="0" b="0"/>
-      </a:fillRef>
-      <a:effectRef idx="0">
-        <a:scrgbClr r="0" g="0" b="0"/>
-      </a:effectRef>
-      <a:fontRef idx="minor"/>
-    </dgm:style>
-  </dgm:styleLbl>
-  <dgm:styleLbl name="bgAccFollowNode1">
-    <dgm:scene3d>
-      <a:camera prst="orthographicFront"/>
-      <a:lightRig rig="threePt" dir="t"/>
-    </dgm:scene3d>
-    <dgm:sp3d/>
-    <dgm:txPr/>
-    <dgm:style>
-      <a:lnRef idx="2">
-        <a:scrgbClr r="0" g="0" b="0"/>
-      </a:lnRef>
-      <a:fillRef idx="1">
-        <a:scrgbClr r="0" g="0" b="0"/>
-      </a:fillRef>
-      <a:effectRef idx="0">
-        <a:scrgbClr r="0" g="0" b="0"/>
-      </a:effectRef>
-      <a:fontRef idx="minor"/>
-    </dgm:style>
-  </dgm:styleLbl>
-  <dgm:styleLbl name="fgAcc0">
-    <dgm:scene3d>
-      <a:camera prst="orthographicFront"/>
-      <a:lightRig rig="threePt" dir="t"/>
-    </dgm:scene3d>
-    <dgm:sp3d/>
-    <dgm:txPr/>
-    <dgm:style>
-      <a:lnRef idx="2">
-        <a:scrgbClr r="0" g="0" b="0"/>
-      </a:lnRef>
-      <a:fillRef idx="1">
-        <a:scrgbClr r="0" g="0" b="0"/>
-      </a:fillRef>
-      <a:effectRef idx="0">
-        <a:scrgbClr r="0" g="0" b="0"/>
-      </a:effectRef>
-      <a:fontRef idx="minor"/>
-    </dgm:style>
-  </dgm:styleLbl>
-  <dgm:styleLbl name="fgAcc2">
-    <dgm:scene3d>
-      <a:camera prst="orthographicFront"/>
-      <a:lightRig rig="threePt" dir="t"/>
-    </dgm:scene3d>
-    <dgm:sp3d/>
-    <dgm:txPr/>
-    <dgm:style>
-      <a:lnRef idx="2">
-        <a:scrgbClr r="0" g="0" b="0"/>
-      </a:lnRef>
-      <a:fillRef idx="1">
-        <a:scrgbClr r="0" g="0" b="0"/>
-      </a:fillRef>
-      <a:effectRef idx="0">
-        <a:scrgbClr r="0" g="0" b="0"/>
-      </a:effectRef>
-      <a:fontRef idx="minor"/>
-    </dgm:style>
-  </dgm:styleLbl>
-  <dgm:styleLbl name="fgAcc3">
-    <dgm:scene3d>
-      <a:camera prst="orthographicFront"/>
-      <a:lightRig rig="threePt" dir="t"/>
-    </dgm:scene3d>
-    <dgm:sp3d/>
-    <dgm:txPr/>
-    <dgm:style>
-      <a:lnRef idx="2">
-        <a:scrgbClr r="0" g="0" b="0"/>
-      </a:lnRef>
-      <a:fillRef idx="1">
-        <a:scrgbClr r="0" g="0" b="0"/>
-      </a:fillRef>
-      <a:effectRef idx="0">
-        <a:scrgbClr r="0" g="0" b="0"/>
-      </a:effectRef>
-      <a:fontRef idx="minor"/>
-    </dgm:style>
-  </dgm:styleLbl>
-  <dgm:styleLbl name="fgAcc4">
-    <dgm:scene3d>
-      <a:camera prst="orthographicFront"/>
-      <a:lightRig rig="threePt" dir="t"/>
-    </dgm:scene3d>
-    <dgm:sp3d/>
-    <dgm:txPr/>
-    <dgm:style>
-      <a:lnRef idx="2">
-        <a:scrgbClr r="0" g="0" b="0"/>
-      </a:lnRef>
-      <a:fillRef idx="1">
-        <a:scrgbClr r="0" g="0" b="0"/>
-      </a:fillRef>
-      <a:effectRef idx="0">
-        <a:scrgbClr r="0" g="0" b="0"/>
-      </a:effectRef>
-      <a:fontRef idx="minor"/>
-    </dgm:style>
-  </dgm:styleLbl>
-  <dgm:styleLbl name="bgShp">
-    <dgm:scene3d>
-      <a:camera prst="orthographicFront"/>
-      <a:lightRig rig="threePt" dir="t"/>
-    </dgm:scene3d>
-    <dgm:sp3d/>
-    <dgm:txPr/>
-    <dgm:style>
-      <a:lnRef idx="0">
-        <a:scrgbClr r="0" g="0" b="0"/>
-      </a:lnRef>
-      <a:fillRef idx="1">
-        <a:scrgbClr r="0" g="0" b="0"/>
-      </a:fillRef>
-      <a:effectRef idx="0">
-        <a:scrgbClr r="0" g="0" b="0"/>
-      </a:effectRef>
-      <a:fontRef idx="minor"/>
-    </dgm:style>
-  </dgm:styleLbl>
-  <dgm:styleLbl name="dkBgShp">
-    <dgm:scene3d>
-      <a:camera prst="orthographicFront"/>
-      <a:lightRig rig="threePt" dir="t"/>
-    </dgm:scene3d>
-    <dgm:sp3d/>
-    <dgm:txPr/>
-    <dgm:style>
-      <a:lnRef idx="0">
-        <a:scrgbClr r="0" g="0" b="0"/>
-      </a:lnRef>
-      <a:fillRef idx="1">
-        <a:scrgbClr r="0" g="0" b="0"/>
-      </a:fillRef>
-      <a:effectRef idx="0">
-        <a:scrgbClr r="0" g="0" b="0"/>
-      </a:effectRef>
-      <a:fontRef idx="minor"/>
-    </dgm:style>
-  </dgm:styleLbl>
-  <dgm:styleLbl name="trBgShp">
-    <dgm:scene3d>
-      <a:camera prst="orthographicFront"/>
-      <a:lightRig rig="threePt" dir="t"/>
-    </dgm:scene3d>
-    <dgm:sp3d/>
-    <dgm:txPr/>
-    <dgm:style>
-      <a:lnRef idx="0">
-        <a:scrgbClr r="0" g="0" b="0"/>
-      </a:lnRef>
-      <a:fillRef idx="1">
-        <a:scrgbClr r="0" g="0" b="0"/>
-      </a:fillRef>
-      <a:effectRef idx="0">
-        <a:scrgbClr r="0" g="0" b="0"/>
-      </a:effectRef>
-      <a:fontRef idx="minor"/>
-    </dgm:style>
-  </dgm:styleLbl>
-  <dgm:styleLbl name="fgShp">
-    <dgm:scene3d>
-      <a:camera prst="orthographicFront"/>
-      <a:lightRig rig="threePt" dir="t"/>
-    </dgm:scene3d>
-    <dgm:sp3d/>
-    <dgm:txPr/>
-    <dgm:style>
-      <a:lnRef idx="2">
-        <a:scrgbClr r="0" g="0" b="0"/>
-      </a:lnRef>
-      <a:fillRef idx="1">
-        <a:scrgbClr r="0" g="0" b="0"/>
-      </a:fillRef>
-      <a:effectRef idx="0">
-        <a:scrgbClr r="0" g="0" b="0"/>
-      </a:effectRef>
-      <a:fontRef idx="minor"/>
-    </dgm:style>
-  </dgm:styleLbl>
-  <dgm:styleLbl name="revTx">
-    <dgm:scene3d>
-      <a:camera prst="orthographicFront"/>
-      <a:lightRig rig="threePt" dir="t"/>
-    </dgm:scene3d>
-    <dgm:sp3d/>
-    <dgm:txPr/>
-    <dgm:style>
-      <a:lnRef idx="0">
-        <a:scrgbClr r="0" g="0" b="0"/>
-      </a:lnRef>
-      <a:fillRef idx="0">
-        <a:scrgbClr r="0" g="0" b="0"/>
-      </a:fillRef>
-      <a:effectRef idx="0">
-        <a:scrgbClr r="0" g="0" b="0"/>
-      </a:effectRef>
-      <a:fontRef idx="minor"/>
-    </dgm:style>
-  </dgm:styleLbl>
-</dgm:styleDef>
-</file>
-
-<file path=ppt/diagrams/quickStyle5.xml><?xml version="1.0" encoding="utf-8"?>
 <dgm:styleDef xmlns:dgm="http://schemas.openxmlformats.org/drawingml/2006/diagram" xmlns:a="http://schemas.openxmlformats.org/drawingml/2006/main" uniqueId="urn:microsoft.com/office/officeart/2005/8/quickstyle/simple1">
   <dgm:title val=""/>
   <dgm:desc val=""/>
@@ -26087,7 +23027,7 @@
           <a:p>
             <a:fld id="{FE639C38-B010-4D5D-B83E-9DEB693DE9D8}" type="datetimeFigureOut">
               <a:rPr lang="ru-RU" smtClean="0"/>
-              <a:t>26.03.2017</a:t>
+              <a:t>01.04.2017</a:t>
             </a:fld>
             <a:endParaRPr lang="ru-RU"/>
           </a:p>
@@ -26294,7 +23234,7 @@
           <a:p>
             <a:fld id="{FE639C38-B010-4D5D-B83E-9DEB693DE9D8}" type="datetimeFigureOut">
               <a:rPr lang="ru-RU" smtClean="0"/>
-              <a:t>26.03.2017</a:t>
+              <a:t>01.04.2017</a:t>
             </a:fld>
             <a:endParaRPr lang="ru-RU"/>
           </a:p>
@@ -26474,7 +23414,7 @@
           <a:p>
             <a:fld id="{FE639C38-B010-4D5D-B83E-9DEB693DE9D8}" type="datetimeFigureOut">
               <a:rPr lang="ru-RU" smtClean="0"/>
-              <a:t>26.03.2017</a:t>
+              <a:t>01.04.2017</a:t>
             </a:fld>
             <a:endParaRPr lang="ru-RU"/>
           </a:p>
@@ -26679,7 +23619,7 @@
           <a:p>
             <a:fld id="{FE639C38-B010-4D5D-B83E-9DEB693DE9D8}" type="datetimeFigureOut">
               <a:rPr lang="ru-RU" smtClean="0"/>
-              <a:t>26.03.2017</a:t>
+              <a:t>01.04.2017</a:t>
             </a:fld>
             <a:endParaRPr lang="ru-RU"/>
           </a:p>
@@ -35577,7 +32517,7 @@
           <a:p>
             <a:fld id="{FE639C38-B010-4D5D-B83E-9DEB693DE9D8}" type="datetimeFigureOut">
               <a:rPr lang="ru-RU" smtClean="0"/>
-              <a:t>26.03.2017</a:t>
+              <a:t>01.04.2017</a:t>
             </a:fld>
             <a:endParaRPr lang="ru-RU"/>
           </a:p>
@@ -35851,7 +32791,7 @@
           <a:p>
             <a:fld id="{FE639C38-B010-4D5D-B83E-9DEB693DE9D8}" type="datetimeFigureOut">
               <a:rPr lang="ru-RU" smtClean="0"/>
-              <a:t>26.03.2017</a:t>
+              <a:t>01.04.2017</a:t>
             </a:fld>
             <a:endParaRPr lang="ru-RU"/>
           </a:p>
@@ -36249,7 +33189,7 @@
           <a:p>
             <a:fld id="{FE639C38-B010-4D5D-B83E-9DEB693DE9D8}" type="datetimeFigureOut">
               <a:rPr lang="ru-RU" smtClean="0"/>
-              <a:t>26.03.2017</a:t>
+              <a:t>01.04.2017</a:t>
             </a:fld>
             <a:endParaRPr lang="ru-RU"/>
           </a:p>
@@ -36367,7 +33307,7 @@
           <a:p>
             <a:fld id="{FE639C38-B010-4D5D-B83E-9DEB693DE9D8}" type="datetimeFigureOut">
               <a:rPr lang="ru-RU" smtClean="0"/>
-              <a:t>26.03.2017</a:t>
+              <a:t>01.04.2017</a:t>
             </a:fld>
             <a:endParaRPr lang="ru-RU"/>
           </a:p>
@@ -36462,7 +33402,7 @@
           <a:p>
             <a:fld id="{FE639C38-B010-4D5D-B83E-9DEB693DE9D8}" type="datetimeFigureOut">
               <a:rPr lang="ru-RU" smtClean="0"/>
-              <a:t>26.03.2017</a:t>
+              <a:t>01.04.2017</a:t>
             </a:fld>
             <a:endParaRPr lang="ru-RU"/>
           </a:p>
@@ -36752,7 +33692,7 @@
           <a:p>
             <a:fld id="{FE639C38-B010-4D5D-B83E-9DEB693DE9D8}" type="datetimeFigureOut">
               <a:rPr lang="ru-RU" smtClean="0"/>
-              <a:t>26.03.2017</a:t>
+              <a:t>01.04.2017</a:t>
             </a:fld>
             <a:endParaRPr lang="ru-RU"/>
           </a:p>
@@ -37032,7 +33972,7 @@
           <a:p>
             <a:fld id="{FE639C38-B010-4D5D-B83E-9DEB693DE9D8}" type="datetimeFigureOut">
               <a:rPr lang="ru-RU" smtClean="0"/>
-              <a:t>26.03.2017</a:t>
+              <a:t>01.04.2017</a:t>
             </a:fld>
             <a:endParaRPr lang="ru-RU"/>
           </a:p>
@@ -37282,7 +34222,7 @@
           <a:p>
             <a:fld id="{FE639C38-B010-4D5D-B83E-9DEB693DE9D8}" type="datetimeFigureOut">
               <a:rPr lang="ru-RU" smtClean="0"/>
-              <a:t>26.03.2017</a:t>
+              <a:t>01.04.2017</a:t>
             </a:fld>
             <a:endParaRPr lang="ru-RU"/>
           </a:p>
@@ -37800,8 +34740,16 @@
           <a:lstStyle/>
           <a:p>
             <a:r>
+              <a:rPr lang="en-US" dirty="0" err="1" smtClean="0"/>
+              <a:t>PGenerator</a:t>
+            </a:r>
+            <a:r>
+              <a:rPr lang="en-US" dirty="0"/>
+              <a:t> </a:t>
+            </a:r>
+            <a:r>
               <a:rPr lang="en-US" dirty="0" smtClean="0"/>
-              <a:t>PHP Class Manager</a:t>
+              <a:t>(PCM)</a:t>
             </a:r>
             <a:endParaRPr lang="ru-RU" dirty="0"/>
           </a:p>
@@ -37838,36 +34786,6 @@
           </a:p>
         </p:txBody>
       </p:sp>
-      <p:pic>
-        <p:nvPicPr>
-          <p:cNvPr id="4" name="Рисунок 3"/>
-          <p:cNvPicPr>
-            <a:picLocks noChangeAspect="1"/>
-          </p:cNvPicPr>
-          <p:nvPr/>
-        </p:nvPicPr>
-        <p:blipFill>
-          <a:blip r:embed="rId2">
-            <a:extLst>
-              <a:ext uri="{28A0092B-C50C-407E-A947-70E740481C1C}">
-                <a14:useLocalDpi xmlns:a14="http://schemas.microsoft.com/office/drawing/2010/main" val="0"/>
-              </a:ext>
-            </a:extLst>
-          </a:blip>
-          <a:stretch>
-            <a:fillRect/>
-          </a:stretch>
-        </p:blipFill>
-        <p:spPr>
-          <a:xfrm>
-            <a:off x="457200" y="4677613"/>
-            <a:ext cx="3030200" cy="2028087"/>
-          </a:xfrm>
-          <a:prstGeom prst="rect">
-            <a:avLst/>
-          </a:prstGeom>
-        </p:spPr>
-      </p:pic>
     </p:spTree>
     <p:extLst>
       <p:ext uri="{BB962C8B-B14F-4D97-AF65-F5344CB8AC3E}">
@@ -37915,11 +34833,19 @@
           <a:p>
             <a:r>
               <a:rPr lang="ru-RU" dirty="0" smtClean="0"/>
-              <a:t>Цели </a:t>
+              <a:t>Цел</a:t>
             </a:r>
             <a:r>
-              <a:rPr lang="en-US" dirty="0" smtClean="0"/>
-              <a:t>PHP CLASS MANAGER</a:t>
+              <a:rPr lang="ru-RU" dirty="0"/>
+              <a:t>ь</a:t>
+            </a:r>
+            <a:r>
+              <a:rPr lang="ru-RU" dirty="0" smtClean="0"/>
+              <a:t> </a:t>
+            </a:r>
+            <a:r>
+              <a:rPr lang="en-US" dirty="0" err="1" smtClean="0"/>
+              <a:t>PGenerator</a:t>
             </a:r>
             <a:endParaRPr lang="ru-RU" dirty="0"/>
           </a:p>
@@ -37927,22 +34853,17 @@
       </p:sp>
       <p:sp>
         <p:nvSpPr>
-          <p:cNvPr id="7" name="Объект 6"/>
+          <p:cNvPr id="3" name="Текст 2"/>
           <p:cNvSpPr>
             <a:spLocks noGrp="1"/>
           </p:cNvSpPr>
           <p:nvPr>
-            <p:ph idx="1"/>
+            <p:ph type="body" sz="half" idx="2"/>
           </p:nvPr>
         </p:nvSpPr>
-        <p:spPr>
-          <a:xfrm>
-            <a:off x="1024128" y="2286000"/>
-            <a:ext cx="9720073" cy="555171"/>
-          </a:xfrm>
-        </p:spPr>
+        <p:spPr/>
         <p:txBody>
-          <a:bodyPr>
+          <a:bodyPr anchor="ctr">
             <a:normAutofit/>
           </a:bodyPr>
           <a:lstStyle/>
@@ -37951,6 +34872,17 @@
             <a:r>
               <a:rPr lang="ru-RU" sz="2800" dirty="0" smtClean="0"/>
               <a:t>Создать среду разработки для веб-приложений</a:t>
+            </a:r>
+          </a:p>
+          <a:p>
+            <a:pPr algn="ctr"/>
+            <a:r>
+              <a:rPr lang="ru-RU" sz="2800" dirty="0" smtClean="0"/>
+              <a:t>Такую, как среда </a:t>
+            </a:r>
+            <a:r>
+              <a:rPr lang="en-US" sz="2800" dirty="0" smtClean="0"/>
+              <a:t>Smalltalk</a:t>
             </a:r>
             <a:endParaRPr lang="ru-RU" sz="2800" dirty="0"/>
           </a:p>
@@ -37978,7 +34910,7 @@
         </p:blipFill>
         <p:spPr>
           <a:xfrm>
-            <a:off x="3114592" y="3042339"/>
+            <a:off x="6011715" y="2275486"/>
             <a:ext cx="5539144" cy="3726334"/>
           </a:xfrm>
           <a:prstGeom prst="rect">
@@ -38049,7 +34981,7 @@
             <p:ph idx="1"/>
             <p:extLst>
               <p:ext uri="{D42A27DB-BD31-4B8C-83A1-F6EECF244321}">
-                <p14:modId xmlns:p14="http://schemas.microsoft.com/office/powerpoint/2010/main" val="1373524770"/>
+                <p14:modId xmlns:p14="http://schemas.microsoft.com/office/powerpoint/2010/main" val="1845937078"/>
               </p:ext>
             </p:extLst>
           </p:nvPr>
@@ -38271,7 +35203,11 @@
           <a:p>
             <a:r>
               <a:rPr lang="ru-RU" dirty="0" smtClean="0"/>
-              <a:t>Как это работает?</a:t>
+              <a:t>Этапы разработки в </a:t>
+            </a:r>
+            <a:r>
+              <a:rPr lang="en-US" dirty="0" smtClean="0"/>
+              <a:t>PG</a:t>
             </a:r>
             <a:endParaRPr lang="ru-RU" dirty="0"/>
           </a:p>
@@ -38287,7 +35223,7 @@
             <p:ph idx="1"/>
             <p:extLst>
               <p:ext uri="{D42A27DB-BD31-4B8C-83A1-F6EECF244321}">
-                <p14:modId xmlns:p14="http://schemas.microsoft.com/office/powerpoint/2010/main" val="1441244789"/>
+                <p14:modId xmlns:p14="http://schemas.microsoft.com/office/powerpoint/2010/main" val="1077364130"/>
               </p:ext>
             </p:extLst>
           </p:nvPr>
@@ -38349,47 +35285,22 @@
           <a:p>
             <a:r>
               <a:rPr lang="ru-RU" dirty="0" smtClean="0"/>
-              <a:t>Итоги работы</a:t>
+              <a:t>Используемые средства</a:t>
             </a:r>
             <a:endParaRPr lang="ru-RU" dirty="0"/>
           </a:p>
         </p:txBody>
       </p:sp>
-      <p:graphicFrame>
-        <p:nvGraphicFramePr>
-          <p:cNvPr id="4" name="Объект 3"/>
-          <p:cNvGraphicFramePr>
-            <a:graphicFrameLocks noGrp="1"/>
-          </p:cNvGraphicFramePr>
-          <p:nvPr>
-            <p:ph idx="1"/>
-            <p:extLst>
-              <p:ext uri="{D42A27DB-BD31-4B8C-83A1-F6EECF244321}">
-                <p14:modId xmlns:p14="http://schemas.microsoft.com/office/powerpoint/2010/main" val="1089014102"/>
-              </p:ext>
-            </p:extLst>
-          </p:nvPr>
-        </p:nvGraphicFramePr>
-        <p:xfrm>
-          <a:off x="497728" y="2123991"/>
-          <a:ext cx="6244987" cy="3843913"/>
-        </p:xfrm>
-        <a:graphic>
-          <a:graphicData uri="http://schemas.openxmlformats.org/drawingml/2006/diagram">
-            <dgm:relIds xmlns:dgm="http://schemas.openxmlformats.org/drawingml/2006/diagram" xmlns:r="http://schemas.openxmlformats.org/officeDocument/2006/relationships" r:dm="rId2" r:lo="rId3" r:qs="rId4" r:cs="rId5"/>
-          </a:graphicData>
-        </a:graphic>
-      </p:graphicFrame>
       <p:pic>
         <p:nvPicPr>
-          <p:cNvPr id="6" name="Рисунок 5"/>
+          <p:cNvPr id="5" name="Рисунок 4"/>
           <p:cNvPicPr>
             <a:picLocks noChangeAspect="1"/>
           </p:cNvPicPr>
           <p:nvPr/>
         </p:nvPicPr>
         <p:blipFill>
-          <a:blip r:embed="rId7">
+          <a:blip r:embed="rId2">
             <a:extLst>
               <a:ext uri="{28A0092B-C50C-407E-A947-70E740481C1C}">
                 <a14:useLocalDpi xmlns:a14="http://schemas.microsoft.com/office/drawing/2010/main" val="0"/>
@@ -38402,7 +35313,7 @@
         </p:blipFill>
         <p:spPr>
           <a:xfrm>
-            <a:off x="7013432" y="1829800"/>
+            <a:off x="612633" y="1984848"/>
             <a:ext cx="4644487" cy="2157412"/>
           </a:xfrm>
           <a:prstGeom prst="rect">
@@ -38412,14 +35323,14 @@
       </p:pic>
       <p:pic>
         <p:nvPicPr>
-          <p:cNvPr id="7" name="Рисунок 6"/>
+          <p:cNvPr id="6" name="Рисунок 5"/>
           <p:cNvPicPr>
             <a:picLocks noChangeAspect="1"/>
           </p:cNvPicPr>
           <p:nvPr/>
         </p:nvPicPr>
         <p:blipFill>
-          <a:blip r:embed="rId8">
+          <a:blip r:embed="rId3">
             <a:extLst>
               <a:ext uri="{28A0092B-C50C-407E-A947-70E740481C1C}">
                 <a14:useLocalDpi xmlns:a14="http://schemas.microsoft.com/office/drawing/2010/main" val="0"/>
@@ -38432,7 +35343,7 @@
         </p:blipFill>
         <p:spPr>
           <a:xfrm>
-            <a:off x="7013432" y="4273240"/>
+            <a:off x="612633" y="4412026"/>
             <a:ext cx="4644486" cy="2157412"/>
           </a:xfrm>
           <a:prstGeom prst="rect">
@@ -38442,13 +35353,13 @@
       </p:pic>
       <p:sp>
         <p:nvSpPr>
-          <p:cNvPr id="8" name="TextBox 7"/>
+          <p:cNvPr id="7" name="TextBox 6"/>
           <p:cNvSpPr txBox="1"/>
           <p:nvPr/>
         </p:nvSpPr>
         <p:spPr>
           <a:xfrm>
-            <a:off x="8104664" y="3876671"/>
+            <a:off x="1839222" y="4022975"/>
             <a:ext cx="2191306" cy="338554"/>
           </a:xfrm>
           <a:prstGeom prst="rect">
@@ -38480,13 +35391,13 @@
       </p:sp>
       <p:sp>
         <p:nvSpPr>
-          <p:cNvPr id="10" name="TextBox 9"/>
+          <p:cNvPr id="8" name="TextBox 7"/>
           <p:cNvSpPr txBox="1"/>
           <p:nvPr/>
         </p:nvSpPr>
         <p:spPr>
           <a:xfrm>
-            <a:off x="8472457" y="6430652"/>
+            <a:off x="2071658" y="6519446"/>
             <a:ext cx="1726435" cy="338554"/>
           </a:xfrm>
           <a:prstGeom prst="rect">
@@ -38513,6 +35424,410 @@
               <a:t> ST</a:t>
             </a:r>
             <a:endParaRPr lang="ru-RU" sz="1600" dirty="0"/>
+          </a:p>
+        </p:txBody>
+      </p:sp>
+      <p:graphicFrame>
+        <p:nvGraphicFramePr>
+          <p:cNvPr id="9" name="Таблица 8"/>
+          <p:cNvGraphicFramePr>
+            <a:graphicFrameLocks noGrp="1"/>
+          </p:cNvGraphicFramePr>
+          <p:nvPr>
+            <p:extLst>
+              <p:ext uri="{D42A27DB-BD31-4B8C-83A1-F6EECF244321}">
+                <p14:modId xmlns:p14="http://schemas.microsoft.com/office/powerpoint/2010/main" val="623380679"/>
+              </p:ext>
+            </p:extLst>
+          </p:nvPr>
+        </p:nvGraphicFramePr>
+        <p:xfrm>
+          <a:off x="5492974" y="4123464"/>
+          <a:ext cx="6459540" cy="2199640"/>
+        </p:xfrm>
+        <a:graphic>
+          <a:graphicData uri="http://schemas.openxmlformats.org/drawingml/2006/table">
+            <a:tbl>
+              <a:tblPr firstRow="1" bandRow="1">
+                <a:tableStyleId>{3B4B98B0-60AC-42C2-AFA5-B58CD77FA1E5}</a:tableStyleId>
+              </a:tblPr>
+              <a:tblGrid>
+                <a:gridCol w="3625781"/>
+                <a:gridCol w="1342416"/>
+                <a:gridCol w="1491343"/>
+              </a:tblGrid>
+              <a:tr h="370840">
+                <a:tc>
+                  <a:txBody>
+                    <a:bodyPr/>
+                    <a:lstStyle/>
+                    <a:p>
+                      <a:pPr algn="ctr"/>
+                      <a:endParaRPr lang="ru-RU" dirty="0"/>
+                    </a:p>
+                  </a:txBody>
+                  <a:tcPr/>
+                </a:tc>
+                <a:tc>
+                  <a:txBody>
+                    <a:bodyPr/>
+                    <a:lstStyle/>
+                    <a:p>
+                      <a:pPr algn="ctr"/>
+                      <a:r>
+                        <a:rPr lang="en-US" dirty="0" smtClean="0"/>
+                        <a:t>Smalltalk</a:t>
+                      </a:r>
+                      <a:endParaRPr lang="ru-RU" dirty="0"/>
+                    </a:p>
+                  </a:txBody>
+                  <a:tcPr/>
+                </a:tc>
+                <a:tc>
+                  <a:txBody>
+                    <a:bodyPr/>
+                    <a:lstStyle/>
+                    <a:p>
+                      <a:pPr algn="ctr"/>
+                      <a:r>
+                        <a:rPr lang="en-US" dirty="0" smtClean="0"/>
+                        <a:t>PHP</a:t>
+                      </a:r>
+                      <a:endParaRPr lang="ru-RU" dirty="0"/>
+                    </a:p>
+                  </a:txBody>
+                  <a:tcPr/>
+                </a:tc>
+              </a:tr>
+              <a:tr h="370840">
+                <a:tc>
+                  <a:txBody>
+                    <a:bodyPr/>
+                    <a:lstStyle/>
+                    <a:p>
+                      <a:r>
+                        <a:rPr lang="ru-RU" sz="2400" dirty="0" smtClean="0"/>
+                        <a:t>ООП</a:t>
+                      </a:r>
+                      <a:endParaRPr lang="ru-RU" sz="2400" dirty="0"/>
+                    </a:p>
+                  </a:txBody>
+                  <a:tcPr/>
+                </a:tc>
+                <a:tc>
+                  <a:txBody>
+                    <a:bodyPr/>
+                    <a:lstStyle/>
+                    <a:p>
+                      <a:pPr algn="ctr"/>
+                      <a:r>
+                        <a:rPr lang="ru-RU" dirty="0" smtClean="0"/>
+                        <a:t>+</a:t>
+                      </a:r>
+                      <a:endParaRPr lang="ru-RU" dirty="0"/>
+                    </a:p>
+                  </a:txBody>
+                  <a:tcPr/>
+                </a:tc>
+                <a:tc>
+                  <a:txBody>
+                    <a:bodyPr/>
+                    <a:lstStyle/>
+                    <a:p>
+                      <a:pPr algn="ctr"/>
+                      <a:r>
+                        <a:rPr lang="ru-RU" dirty="0" smtClean="0"/>
+                        <a:t>+/-</a:t>
+                      </a:r>
+                      <a:endParaRPr lang="ru-RU" dirty="0"/>
+                    </a:p>
+                  </a:txBody>
+                  <a:tcPr/>
+                </a:tc>
+              </a:tr>
+              <a:tr h="370840">
+                <a:tc>
+                  <a:txBody>
+                    <a:bodyPr/>
+                    <a:lstStyle/>
+                    <a:p>
+                      <a:r>
+                        <a:rPr lang="ru-RU" sz="2400" dirty="0" smtClean="0"/>
+                        <a:t>Интерпретируемый</a:t>
+                      </a:r>
+                      <a:endParaRPr lang="ru-RU" sz="2400" dirty="0"/>
+                    </a:p>
+                  </a:txBody>
+                  <a:tcPr/>
+                </a:tc>
+                <a:tc>
+                  <a:txBody>
+                    <a:bodyPr/>
+                    <a:lstStyle/>
+                    <a:p>
+                      <a:pPr algn="ctr"/>
+                      <a:r>
+                        <a:rPr lang="ru-RU" dirty="0" smtClean="0"/>
+                        <a:t>+</a:t>
+                      </a:r>
+                      <a:endParaRPr lang="ru-RU" dirty="0"/>
+                    </a:p>
+                  </a:txBody>
+                  <a:tcPr/>
+                </a:tc>
+                <a:tc>
+                  <a:txBody>
+                    <a:bodyPr/>
+                    <a:lstStyle/>
+                    <a:p>
+                      <a:pPr algn="ctr"/>
+                      <a:r>
+                        <a:rPr lang="ru-RU" dirty="0" smtClean="0"/>
+                        <a:t>+</a:t>
+                      </a:r>
+                      <a:endParaRPr lang="ru-RU" dirty="0"/>
+                    </a:p>
+                  </a:txBody>
+                  <a:tcPr/>
+                </a:tc>
+              </a:tr>
+              <a:tr h="370840">
+                <a:tc>
+                  <a:txBody>
+                    <a:bodyPr/>
+                    <a:lstStyle/>
+                    <a:p>
+                      <a:r>
+                        <a:rPr lang="ru-RU" sz="2400" dirty="0" smtClean="0"/>
+                        <a:t>Динамическая типизация</a:t>
+                      </a:r>
+                      <a:endParaRPr lang="ru-RU" sz="2400" dirty="0"/>
+                    </a:p>
+                  </a:txBody>
+                  <a:tcPr/>
+                </a:tc>
+                <a:tc>
+                  <a:txBody>
+                    <a:bodyPr/>
+                    <a:lstStyle/>
+                    <a:p>
+                      <a:pPr algn="ctr"/>
+                      <a:r>
+                        <a:rPr lang="ru-RU" dirty="0" smtClean="0"/>
+                        <a:t>+</a:t>
+                      </a:r>
+                      <a:endParaRPr lang="ru-RU" dirty="0"/>
+                    </a:p>
+                  </a:txBody>
+                  <a:tcPr/>
+                </a:tc>
+                <a:tc>
+                  <a:txBody>
+                    <a:bodyPr/>
+                    <a:lstStyle/>
+                    <a:p>
+                      <a:pPr algn="ctr"/>
+                      <a:r>
+                        <a:rPr lang="ru-RU" dirty="0" smtClean="0"/>
+                        <a:t>+</a:t>
+                      </a:r>
+                      <a:endParaRPr lang="ru-RU" dirty="0"/>
+                    </a:p>
+                  </a:txBody>
+                  <a:tcPr/>
+                </a:tc>
+              </a:tr>
+              <a:tr h="370840">
+                <a:tc>
+                  <a:txBody>
+                    <a:bodyPr/>
+                    <a:lstStyle/>
+                    <a:p>
+                      <a:r>
+                        <a:rPr lang="ru-RU" sz="2400" dirty="0" smtClean="0"/>
+                        <a:t>Виртуальная машина</a:t>
+                      </a:r>
+                      <a:endParaRPr lang="ru-RU" sz="2400" dirty="0"/>
+                    </a:p>
+                  </a:txBody>
+                  <a:tcPr/>
+                </a:tc>
+                <a:tc>
+                  <a:txBody>
+                    <a:bodyPr/>
+                    <a:lstStyle/>
+                    <a:p>
+                      <a:pPr algn="ctr"/>
+                      <a:r>
+                        <a:rPr lang="ru-RU" dirty="0" smtClean="0"/>
+                        <a:t>+</a:t>
+                      </a:r>
+                      <a:endParaRPr lang="ru-RU" dirty="0"/>
+                    </a:p>
+                  </a:txBody>
+                  <a:tcPr/>
+                </a:tc>
+                <a:tc>
+                  <a:txBody>
+                    <a:bodyPr/>
+                    <a:lstStyle/>
+                    <a:p>
+                      <a:pPr algn="ctr"/>
+                      <a:r>
+                        <a:rPr lang="ru-RU" dirty="0" smtClean="0"/>
+                        <a:t>+</a:t>
+                      </a:r>
+                      <a:endParaRPr lang="ru-RU" dirty="0"/>
+                    </a:p>
+                  </a:txBody>
+                  <a:tcPr/>
+                </a:tc>
+              </a:tr>
+            </a:tbl>
+          </a:graphicData>
+        </a:graphic>
+      </p:graphicFrame>
+    </p:spTree>
+    <p:extLst>
+      <p:ext uri="{BB962C8B-B14F-4D97-AF65-F5344CB8AC3E}">
+        <p14:creationId xmlns:p14="http://schemas.microsoft.com/office/powerpoint/2010/main" val="1715647811"/>
+      </p:ext>
+    </p:extLst>
+  </p:cSld>
+  <p:clrMapOvr>
+    <a:masterClrMapping/>
+  </p:clrMapOvr>
+</p:sld>
+</file>
+
+<file path=ppt/slides/slide8.xml><?xml version="1.0" encoding="utf-8"?>
+<p:sld xmlns:a="http://schemas.openxmlformats.org/drawingml/2006/main" xmlns:r="http://schemas.openxmlformats.org/officeDocument/2006/relationships" xmlns:p="http://schemas.openxmlformats.org/presentationml/2006/main">
+  <p:cSld>
+    <p:spTree>
+      <p:nvGrpSpPr>
+        <p:cNvPr id="1" name=""/>
+        <p:cNvGrpSpPr/>
+        <p:nvPr/>
+      </p:nvGrpSpPr>
+      <p:grpSpPr>
+        <a:xfrm>
+          <a:off x="0" y="0"/>
+          <a:ext cx="0" cy="0"/>
+          <a:chOff x="0" y="0"/>
+          <a:chExt cx="0" cy="0"/>
+        </a:xfrm>
+      </p:grpSpPr>
+      <p:sp>
+        <p:nvSpPr>
+          <p:cNvPr id="2" name="Заголовок 1"/>
+          <p:cNvSpPr>
+            <a:spLocks noGrp="1"/>
+          </p:cNvSpPr>
+          <p:nvPr>
+            <p:ph type="title"/>
+          </p:nvPr>
+        </p:nvSpPr>
+        <p:spPr/>
+        <p:txBody>
+          <a:bodyPr/>
+          <a:lstStyle/>
+          <a:p>
+            <a:r>
+              <a:rPr lang="ru-RU" dirty="0" smtClean="0"/>
+              <a:t>Сравнение с аналогами</a:t>
+            </a:r>
+            <a:endParaRPr lang="ru-RU" dirty="0"/>
+          </a:p>
+        </p:txBody>
+      </p:sp>
+      <p:sp>
+        <p:nvSpPr>
+          <p:cNvPr id="3" name="Объект 2"/>
+          <p:cNvSpPr>
+            <a:spLocks noGrp="1"/>
+          </p:cNvSpPr>
+          <p:nvPr>
+            <p:ph idx="1"/>
+          </p:nvPr>
+        </p:nvSpPr>
+        <p:spPr/>
+        <p:txBody>
+          <a:bodyPr/>
+          <a:lstStyle/>
+          <a:p>
+            <a:endParaRPr lang="ru-RU"/>
+          </a:p>
+        </p:txBody>
+      </p:sp>
+    </p:spTree>
+    <p:extLst>
+      <p:ext uri="{BB962C8B-B14F-4D97-AF65-F5344CB8AC3E}">
+        <p14:creationId xmlns:p14="http://schemas.microsoft.com/office/powerpoint/2010/main" val="2829663930"/>
+      </p:ext>
+    </p:extLst>
+  </p:cSld>
+  <p:clrMapOvr>
+    <a:masterClrMapping/>
+  </p:clrMapOvr>
+</p:sld>
+</file>
+
+<file path=ppt/slides/slide9.xml><?xml version="1.0" encoding="utf-8"?>
+<p:sld xmlns:a="http://schemas.openxmlformats.org/drawingml/2006/main" xmlns:r="http://schemas.openxmlformats.org/officeDocument/2006/relationships" xmlns:p="http://schemas.openxmlformats.org/presentationml/2006/main">
+  <p:cSld>
+    <p:spTree>
+      <p:nvGrpSpPr>
+        <p:cNvPr id="1" name=""/>
+        <p:cNvGrpSpPr/>
+        <p:nvPr/>
+      </p:nvGrpSpPr>
+      <p:grpSpPr>
+        <a:xfrm>
+          <a:off x="0" y="0"/>
+          <a:ext cx="0" cy="0"/>
+          <a:chOff x="0" y="0"/>
+          <a:chExt cx="0" cy="0"/>
+        </a:xfrm>
+      </p:grpSpPr>
+      <p:sp>
+        <p:nvSpPr>
+          <p:cNvPr id="2" name="Заголовок 1"/>
+          <p:cNvSpPr>
+            <a:spLocks noGrp="1"/>
+          </p:cNvSpPr>
+          <p:nvPr>
+            <p:ph type="title"/>
+          </p:nvPr>
+        </p:nvSpPr>
+        <p:spPr/>
+        <p:txBody>
+          <a:bodyPr/>
+          <a:lstStyle/>
+          <a:p>
+            <a:r>
+              <a:rPr lang="ru-RU" dirty="0" smtClean="0"/>
+              <a:t>Итоги работы</a:t>
+            </a:r>
+            <a:endParaRPr lang="ru-RU" dirty="0"/>
+          </a:p>
+        </p:txBody>
+      </p:sp>
+      <p:sp>
+        <p:nvSpPr>
+          <p:cNvPr id="3" name="Объект 2"/>
+          <p:cNvSpPr>
+            <a:spLocks noGrp="1"/>
+          </p:cNvSpPr>
+          <p:nvPr>
+            <p:ph idx="1"/>
+          </p:nvPr>
+        </p:nvSpPr>
+        <p:spPr/>
+        <p:txBody>
+          <a:bodyPr/>
+          <a:lstStyle/>
+          <a:p>
+            <a:endParaRPr lang="ru-RU"/>
           </a:p>
         </p:txBody>
       </p:sp>

--- a/other/PGenerator.pptx
+++ b/other/PGenerator.pptx
@@ -7,13 +7,16 @@
   <p:sldIdLst>
     <p:sldId id="256" r:id="rId2"/>
     <p:sldId id="263" r:id="rId3"/>
-    <p:sldId id="261" r:id="rId4"/>
-    <p:sldId id="260" r:id="rId5"/>
-    <p:sldId id="257" r:id="rId6"/>
-    <p:sldId id="258" r:id="rId7"/>
-    <p:sldId id="265" r:id="rId8"/>
-    <p:sldId id="266" r:id="rId9"/>
-    <p:sldId id="264" r:id="rId10"/>
+    <p:sldId id="268" r:id="rId4"/>
+    <p:sldId id="261" r:id="rId5"/>
+    <p:sldId id="260" r:id="rId6"/>
+    <p:sldId id="257" r:id="rId7"/>
+    <p:sldId id="258" r:id="rId8"/>
+    <p:sldId id="265" r:id="rId9"/>
+    <p:sldId id="266" r:id="rId10"/>
+    <p:sldId id="264" r:id="rId11"/>
+    <p:sldId id="267" r:id="rId12"/>
+    <p:sldId id="269" r:id="rId13"/>
   </p:sldIdLst>
   <p:sldSz cx="12192000" cy="6858000"/>
   <p:notesSz cx="6858000" cy="9144000"/>
@@ -928,18 +931,18 @@
 </file>
 
 <file path=ppt/diagrams/colors2.xml><?xml version="1.0" encoding="utf-8"?>
-<dgm:colorsDef xmlns:dgm="http://schemas.openxmlformats.org/drawingml/2006/diagram" xmlns:a="http://schemas.openxmlformats.org/drawingml/2006/main" uniqueId="urn:microsoft.com/office/officeart/2005/8/colors/accent2_1">
+<dgm:colorsDef xmlns:dgm="http://schemas.openxmlformats.org/drawingml/2006/diagram" xmlns:a="http://schemas.openxmlformats.org/drawingml/2006/main" uniqueId="urn:microsoft.com/office/officeart/2005/8/colors/accent1_1">
   <dgm:title val=""/>
   <dgm:desc val=""/>
   <dgm:catLst>
-    <dgm:cat type="accent2" pri="11100"/>
+    <dgm:cat type="accent1" pri="11100"/>
   </dgm:catLst>
   <dgm:styleLbl name="node0">
     <dgm:fillClrLst meth="repeat">
       <a:schemeClr val="lt1"/>
     </dgm:fillClrLst>
     <dgm:linClrLst meth="repeat">
-      <a:schemeClr val="accent2">
+      <a:schemeClr val="accent1">
         <a:shade val="80000"/>
       </a:schemeClr>
     </dgm:linClrLst>
@@ -950,12 +953,12 @@
     </dgm:txFillClrLst>
     <dgm:txEffectClrLst/>
   </dgm:styleLbl>
-  <dgm:styleLbl name="node1">
+  <dgm:styleLbl name="alignNode1">
     <dgm:fillClrLst meth="repeat">
       <a:schemeClr val="lt1"/>
     </dgm:fillClrLst>
     <dgm:linClrLst meth="repeat">
-      <a:schemeClr val="accent2">
+      <a:schemeClr val="accent1">
         <a:shade val="80000"/>
       </a:schemeClr>
     </dgm:linClrLst>
@@ -966,12 +969,12 @@
     </dgm:txFillClrLst>
     <dgm:txEffectClrLst/>
   </dgm:styleLbl>
-  <dgm:styleLbl name="alignNode1">
+  <dgm:styleLbl name="node1">
     <dgm:fillClrLst meth="repeat">
       <a:schemeClr val="lt1"/>
     </dgm:fillClrLst>
     <dgm:linClrLst meth="repeat">
-      <a:schemeClr val="accent2">
+      <a:schemeClr val="accent1">
         <a:shade val="80000"/>
       </a:schemeClr>
     </dgm:linClrLst>
@@ -987,7 +990,7 @@
       <a:schemeClr val="lt1"/>
     </dgm:fillClrLst>
     <dgm:linClrLst meth="repeat">
-      <a:schemeClr val="accent2">
+      <a:schemeClr val="accent1">
         <a:shade val="80000"/>
       </a:schemeClr>
     </dgm:linClrLst>
@@ -1005,7 +1008,7 @@
       </a:schemeClr>
     </dgm:fillClrLst>
     <dgm:linClrLst meth="repeat">
-      <a:schemeClr val="accent2">
+      <a:schemeClr val="accent1">
         <a:shade val="80000"/>
       </a:schemeClr>
     </dgm:linClrLst>
@@ -1019,7 +1022,7 @@
       <a:schemeClr val="lt1"/>
     </dgm:fillClrLst>
     <dgm:linClrLst meth="repeat">
-      <a:schemeClr val="accent2">
+      <a:schemeClr val="accent1">
         <a:shade val="80000"/>
       </a:schemeClr>
     </dgm:linClrLst>
@@ -1035,7 +1038,7 @@
       <a:schemeClr val="lt1"/>
     </dgm:fillClrLst>
     <dgm:linClrLst meth="repeat">
-      <a:schemeClr val="accent2">
+      <a:schemeClr val="accent1">
         <a:shade val="80000"/>
       </a:schemeClr>
     </dgm:linClrLst>
@@ -1051,7 +1054,7 @@
       <a:schemeClr val="lt1"/>
     </dgm:fillClrLst>
     <dgm:linClrLst meth="repeat">
-      <a:schemeClr val="accent2">
+      <a:schemeClr val="accent1">
         <a:shade val="80000"/>
       </a:schemeClr>
     </dgm:linClrLst>
@@ -1064,12 +1067,12 @@
   </dgm:styleLbl>
   <dgm:styleLbl name="fgImgPlace1">
     <dgm:fillClrLst meth="repeat">
-      <a:schemeClr val="accent2">
+      <a:schemeClr val="accent1">
         <a:tint val="40000"/>
       </a:schemeClr>
     </dgm:fillClrLst>
     <dgm:linClrLst meth="repeat">
-      <a:schemeClr val="accent2">
+      <a:schemeClr val="accent1">
         <a:shade val="80000"/>
       </a:schemeClr>
     </dgm:linClrLst>
@@ -1082,12 +1085,12 @@
   </dgm:styleLbl>
   <dgm:styleLbl name="alignImgPlace1">
     <dgm:fillClrLst meth="repeat">
-      <a:schemeClr val="accent2">
+      <a:schemeClr val="accent1">
         <a:tint val="40000"/>
       </a:schemeClr>
     </dgm:fillClrLst>
     <dgm:linClrLst meth="repeat">
-      <a:schemeClr val="accent2">
+      <a:schemeClr val="accent1">
         <a:shade val="80000"/>
       </a:schemeClr>
     </dgm:linClrLst>
@@ -1100,12 +1103,12 @@
   </dgm:styleLbl>
   <dgm:styleLbl name="bgImgPlace1">
     <dgm:fillClrLst meth="repeat">
-      <a:schemeClr val="accent2">
+      <a:schemeClr val="accent1">
         <a:tint val="40000"/>
       </a:schemeClr>
     </dgm:fillClrLst>
     <dgm:linClrLst meth="repeat">
-      <a:schemeClr val="accent2">
+      <a:schemeClr val="accent1">
         <a:shade val="80000"/>
       </a:schemeClr>
     </dgm:linClrLst>
@@ -1118,12 +1121,12 @@
   </dgm:styleLbl>
   <dgm:styleLbl name="sibTrans2D1">
     <dgm:fillClrLst meth="repeat">
-      <a:schemeClr val="accent2">
+      <a:schemeClr val="accent1">
         <a:tint val="60000"/>
       </a:schemeClr>
     </dgm:fillClrLst>
     <dgm:linClrLst meth="repeat">
-      <a:schemeClr val="accent2">
+      <a:schemeClr val="accent1">
         <a:tint val="60000"/>
       </a:schemeClr>
     </dgm:linClrLst>
@@ -1136,12 +1139,12 @@
   </dgm:styleLbl>
   <dgm:styleLbl name="fgSibTrans2D1">
     <dgm:fillClrLst meth="repeat">
-      <a:schemeClr val="accent2">
+      <a:schemeClr val="accent1">
         <a:tint val="60000"/>
       </a:schemeClr>
     </dgm:fillClrLst>
     <dgm:linClrLst meth="repeat">
-      <a:schemeClr val="accent2">
+      <a:schemeClr val="accent1">
         <a:tint val="60000"/>
       </a:schemeClr>
     </dgm:linClrLst>
@@ -1154,12 +1157,12 @@
   </dgm:styleLbl>
   <dgm:styleLbl name="bgSibTrans2D1">
     <dgm:fillClrLst meth="repeat">
-      <a:schemeClr val="accent2">
+      <a:schemeClr val="accent1">
         <a:tint val="60000"/>
       </a:schemeClr>
     </dgm:fillClrLst>
     <dgm:linClrLst meth="repeat">
-      <a:schemeClr val="accent2">
+      <a:schemeClr val="accent1">
         <a:tint val="60000"/>
       </a:schemeClr>
     </dgm:linClrLst>
@@ -1172,10 +1175,10 @@
   </dgm:styleLbl>
   <dgm:styleLbl name="sibTrans1D1">
     <dgm:fillClrLst meth="repeat">
-      <a:schemeClr val="accent2"/>
+      <a:schemeClr val="accent1"/>
     </dgm:fillClrLst>
     <dgm:linClrLst meth="repeat">
-      <a:schemeClr val="accent2"/>
+      <a:schemeClr val="accent1"/>
     </dgm:linClrLst>
     <dgm:effectClrLst/>
     <dgm:txLinClrLst/>
@@ -1186,10 +1189,10 @@
   </dgm:styleLbl>
   <dgm:styleLbl name="callout">
     <dgm:fillClrLst meth="repeat">
-      <a:schemeClr val="accent2"/>
+      <a:schemeClr val="accent1"/>
     </dgm:fillClrLst>
     <dgm:linClrLst meth="repeat">
-      <a:schemeClr val="accent2"/>
+      <a:schemeClr val="accent1"/>
     </dgm:linClrLst>
     <dgm:effectClrLst/>
     <dgm:txLinClrLst/>
@@ -1203,7 +1206,7 @@
       <a:schemeClr val="lt1"/>
     </dgm:fillClrLst>
     <dgm:linClrLst meth="repeat">
-      <a:schemeClr val="accent2">
+      <a:schemeClr val="accent1">
         <a:shade val="80000"/>
       </a:schemeClr>
     </dgm:linClrLst>
@@ -1219,7 +1222,7 @@
       <a:schemeClr val="lt1"/>
     </dgm:fillClrLst>
     <dgm:linClrLst meth="repeat">
-      <a:schemeClr val="accent2">
+      <a:schemeClr val="accent1">
         <a:shade val="80000"/>
       </a:schemeClr>
     </dgm:linClrLst>
@@ -1235,7 +1238,7 @@
       <a:schemeClr val="lt1"/>
     </dgm:fillClrLst>
     <dgm:linClrLst meth="repeat">
-      <a:schemeClr val="accent2">
+      <a:schemeClr val="accent1">
         <a:shade val="80000"/>
       </a:schemeClr>
     </dgm:linClrLst>
@@ -1251,7 +1254,7 @@
       <a:schemeClr val="lt1"/>
     </dgm:fillClrLst>
     <dgm:linClrLst meth="repeat">
-      <a:schemeClr val="accent2">
+      <a:schemeClr val="accent1">
         <a:shade val="80000"/>
       </a:schemeClr>
     </dgm:linClrLst>
@@ -1267,7 +1270,7 @@
       <a:schemeClr val="lt1"/>
     </dgm:fillClrLst>
     <dgm:linClrLst meth="repeat">
-      <a:schemeClr val="accent2">
+      <a:schemeClr val="accent1">
         <a:shade val="80000"/>
       </a:schemeClr>
     </dgm:linClrLst>
@@ -1280,12 +1283,12 @@
   </dgm:styleLbl>
   <dgm:styleLbl name="parChTrans2D1">
     <dgm:fillClrLst meth="repeat">
-      <a:schemeClr val="accent2">
+      <a:schemeClr val="accent1">
         <a:tint val="60000"/>
       </a:schemeClr>
     </dgm:fillClrLst>
     <dgm:linClrLst meth="repeat">
-      <a:schemeClr val="accent2">
+      <a:schemeClr val="accent1">
         <a:tint val="60000"/>
       </a:schemeClr>
     </dgm:linClrLst>
@@ -1296,10 +1299,10 @@
   </dgm:styleLbl>
   <dgm:styleLbl name="parChTrans2D2">
     <dgm:fillClrLst meth="repeat">
-      <a:schemeClr val="accent2"/>
+      <a:schemeClr val="accent1"/>
     </dgm:fillClrLst>
     <dgm:linClrLst meth="repeat">
-      <a:schemeClr val="accent2"/>
+      <a:schemeClr val="accent1"/>
     </dgm:linClrLst>
     <dgm:effectClrLst/>
     <dgm:txLinClrLst/>
@@ -1308,10 +1311,10 @@
   </dgm:styleLbl>
   <dgm:styleLbl name="parChTrans2D3">
     <dgm:fillClrLst meth="repeat">
-      <a:schemeClr val="accent2"/>
+      <a:schemeClr val="accent1"/>
     </dgm:fillClrLst>
     <dgm:linClrLst meth="repeat">
-      <a:schemeClr val="accent2"/>
+      <a:schemeClr val="accent1"/>
     </dgm:linClrLst>
     <dgm:effectClrLst/>
     <dgm:txLinClrLst/>
@@ -1320,10 +1323,10 @@
   </dgm:styleLbl>
   <dgm:styleLbl name="parChTrans2D4">
     <dgm:fillClrLst meth="repeat">
-      <a:schemeClr val="accent2"/>
+      <a:schemeClr val="accent1"/>
     </dgm:fillClrLst>
     <dgm:linClrLst meth="repeat">
-      <a:schemeClr val="accent2"/>
+      <a:schemeClr val="accent1"/>
     </dgm:linClrLst>
     <dgm:effectClrLst/>
     <dgm:txLinClrLst/>
@@ -1334,10 +1337,10 @@
   </dgm:styleLbl>
   <dgm:styleLbl name="parChTrans1D1">
     <dgm:fillClrLst meth="repeat">
-      <a:schemeClr val="accent2"/>
+      <a:schemeClr val="accent1"/>
     </dgm:fillClrLst>
     <dgm:linClrLst meth="repeat">
-      <a:schemeClr val="accent2">
+      <a:schemeClr val="accent1">
         <a:shade val="60000"/>
       </a:schemeClr>
     </dgm:linClrLst>
@@ -1350,10 +1353,10 @@
   </dgm:styleLbl>
   <dgm:styleLbl name="parChTrans1D2">
     <dgm:fillClrLst meth="repeat">
-      <a:schemeClr val="accent2"/>
+      <a:schemeClr val="accent1"/>
     </dgm:fillClrLst>
     <dgm:linClrLst meth="repeat">
-      <a:schemeClr val="accent2">
+      <a:schemeClr val="accent1">
         <a:shade val="60000"/>
       </a:schemeClr>
     </dgm:linClrLst>
@@ -1366,10 +1369,10 @@
   </dgm:styleLbl>
   <dgm:styleLbl name="parChTrans1D3">
     <dgm:fillClrLst meth="repeat">
-      <a:schemeClr val="accent2"/>
+      <a:schemeClr val="accent1"/>
     </dgm:fillClrLst>
     <dgm:linClrLst meth="repeat">
-      <a:schemeClr val="accent2">
+      <a:schemeClr val="accent1">
         <a:shade val="80000"/>
       </a:schemeClr>
     </dgm:linClrLst>
@@ -1382,10 +1385,10 @@
   </dgm:styleLbl>
   <dgm:styleLbl name="parChTrans1D4">
     <dgm:fillClrLst meth="repeat">
-      <a:schemeClr val="accent2"/>
+      <a:schemeClr val="accent1"/>
     </dgm:fillClrLst>
     <dgm:linClrLst meth="repeat">
-      <a:schemeClr val="accent2">
+      <a:schemeClr val="accent1">
         <a:shade val="80000"/>
       </a:schemeClr>
     </dgm:linClrLst>
@@ -1398,13 +1401,13 @@
   </dgm:styleLbl>
   <dgm:styleLbl name="fgAcc1">
     <dgm:fillClrLst meth="repeat">
-      <a:schemeClr val="accent2">
+      <a:schemeClr val="accent1">
         <a:alpha val="90000"/>
         <a:tint val="40000"/>
       </a:schemeClr>
     </dgm:fillClrLst>
     <dgm:linClrLst meth="repeat">
-      <a:schemeClr val="accent2"/>
+      <a:schemeClr val="accent1"/>
     </dgm:linClrLst>
     <dgm:effectClrLst/>
     <dgm:txLinClrLst/>
@@ -1415,13 +1418,13 @@
   </dgm:styleLbl>
   <dgm:styleLbl name="conFgAcc1">
     <dgm:fillClrLst meth="repeat">
-      <a:schemeClr val="accent2">
+      <a:schemeClr val="accent1">
         <a:alpha val="90000"/>
         <a:tint val="40000"/>
       </a:schemeClr>
     </dgm:fillClrLst>
     <dgm:linClrLst meth="repeat">
-      <a:schemeClr val="accent2"/>
+      <a:schemeClr val="accent1"/>
     </dgm:linClrLst>
     <dgm:effectClrLst/>
     <dgm:txLinClrLst/>
@@ -1432,13 +1435,13 @@
   </dgm:styleLbl>
   <dgm:styleLbl name="alignAcc1">
     <dgm:fillClrLst meth="repeat">
-      <a:schemeClr val="accent2">
+      <a:schemeClr val="accent1">
         <a:alpha val="90000"/>
         <a:tint val="40000"/>
       </a:schemeClr>
     </dgm:fillClrLst>
     <dgm:linClrLst meth="repeat">
-      <a:schemeClr val="accent2"/>
+      <a:schemeClr val="accent1"/>
     </dgm:linClrLst>
     <dgm:effectClrLst/>
     <dgm:txLinClrLst/>
@@ -1449,13 +1452,13 @@
   </dgm:styleLbl>
   <dgm:styleLbl name="trAlignAcc1">
     <dgm:fillClrLst meth="repeat">
-      <a:schemeClr val="accent2">
+      <a:schemeClr val="accent1">
         <a:alpha val="40000"/>
         <a:tint val="40000"/>
       </a:schemeClr>
     </dgm:fillClrLst>
     <dgm:linClrLst meth="repeat">
-      <a:schemeClr val="accent2"/>
+      <a:schemeClr val="accent1"/>
     </dgm:linClrLst>
     <dgm:effectClrLst/>
     <dgm:txLinClrLst/>
@@ -1466,13 +1469,13 @@
   </dgm:styleLbl>
   <dgm:styleLbl name="bgAcc1">
     <dgm:fillClrLst meth="repeat">
-      <a:schemeClr val="accent2">
+      <a:schemeClr val="accent1">
         <a:alpha val="90000"/>
         <a:tint val="40000"/>
       </a:schemeClr>
     </dgm:fillClrLst>
     <dgm:linClrLst meth="repeat">
-      <a:schemeClr val="accent2"/>
+      <a:schemeClr val="accent1"/>
     </dgm:linClrLst>
     <dgm:effectClrLst/>
     <dgm:txLinClrLst/>
@@ -1486,7 +1489,7 @@
       <a:schemeClr val="lt1"/>
     </dgm:fillClrLst>
     <dgm:linClrLst meth="repeat">
-      <a:schemeClr val="accent2"/>
+      <a:schemeClr val="accent1"/>
     </dgm:linClrLst>
     <dgm:effectClrLst/>
     <dgm:txLinClrLst/>
@@ -1500,7 +1503,7 @@
       <a:schemeClr val="lt1"/>
     </dgm:fillClrLst>
     <dgm:linClrLst meth="repeat">
-      <a:schemeClr val="accent2"/>
+      <a:schemeClr val="accent1"/>
     </dgm:linClrLst>
     <dgm:effectClrLst/>
     <dgm:txLinClrLst/>
@@ -1514,7 +1517,7 @@
       <a:schemeClr val="lt1"/>
     </dgm:fillClrLst>
     <dgm:linClrLst meth="repeat">
-      <a:schemeClr val="accent2"/>
+      <a:schemeClr val="accent1"/>
     </dgm:linClrLst>
     <dgm:effectClrLst/>
     <dgm:txLinClrLst/>
@@ -1531,7 +1534,7 @@
       </a:schemeClr>
     </dgm:fillClrLst>
     <dgm:linClrLst meth="repeat">
-      <a:schemeClr val="accent2">
+      <a:schemeClr val="accent1">
         <a:alpha val="90000"/>
       </a:schemeClr>
     </dgm:linClrLst>
@@ -1550,7 +1553,7 @@
       </a:schemeClr>
     </dgm:fillClrLst>
     <dgm:linClrLst meth="repeat">
-      <a:schemeClr val="accent2">
+      <a:schemeClr val="accent1">
         <a:alpha val="90000"/>
       </a:schemeClr>
     </dgm:linClrLst>
@@ -1569,7 +1572,7 @@
       </a:schemeClr>
     </dgm:fillClrLst>
     <dgm:linClrLst meth="repeat">
-      <a:schemeClr val="accent2">
+      <a:schemeClr val="accent1">
         <a:alpha val="90000"/>
       </a:schemeClr>
     </dgm:linClrLst>
@@ -1582,13 +1585,13 @@
   </dgm:styleLbl>
   <dgm:styleLbl name="fgAcc0">
     <dgm:fillClrLst meth="repeat">
-      <a:schemeClr val="accent2">
+      <a:schemeClr val="accent1">
         <a:alpha val="90000"/>
         <a:tint val="40000"/>
       </a:schemeClr>
     </dgm:fillClrLst>
     <dgm:linClrLst meth="repeat">
-      <a:schemeClr val="accent2"/>
+      <a:schemeClr val="accent1"/>
     </dgm:linClrLst>
     <dgm:effectClrLst/>
     <dgm:txLinClrLst/>
@@ -1599,13 +1602,13 @@
   </dgm:styleLbl>
   <dgm:styleLbl name="fgAcc2">
     <dgm:fillClrLst meth="repeat">
-      <a:schemeClr val="accent2">
+      <a:schemeClr val="accent1">
         <a:alpha val="90000"/>
         <a:tint val="40000"/>
       </a:schemeClr>
     </dgm:fillClrLst>
     <dgm:linClrLst meth="repeat">
-      <a:schemeClr val="accent2"/>
+      <a:schemeClr val="accent1"/>
     </dgm:linClrLst>
     <dgm:effectClrLst/>
     <dgm:txLinClrLst/>
@@ -1616,13 +1619,13 @@
   </dgm:styleLbl>
   <dgm:styleLbl name="fgAcc3">
     <dgm:fillClrLst meth="repeat">
-      <a:schemeClr val="accent2">
+      <a:schemeClr val="accent1">
         <a:alpha val="90000"/>
         <a:tint val="40000"/>
       </a:schemeClr>
     </dgm:fillClrLst>
     <dgm:linClrLst meth="repeat">
-      <a:schemeClr val="accent2"/>
+      <a:schemeClr val="accent1"/>
     </dgm:linClrLst>
     <dgm:effectClrLst/>
     <dgm:txLinClrLst/>
@@ -1633,13 +1636,13 @@
   </dgm:styleLbl>
   <dgm:styleLbl name="fgAcc4">
     <dgm:fillClrLst meth="repeat">
-      <a:schemeClr val="accent2">
+      <a:schemeClr val="accent1">
         <a:alpha val="90000"/>
         <a:tint val="40000"/>
       </a:schemeClr>
     </dgm:fillClrLst>
     <dgm:linClrLst meth="repeat">
-      <a:schemeClr val="accent2"/>
+      <a:schemeClr val="accent1"/>
     </dgm:linClrLst>
     <dgm:effectClrLst/>
     <dgm:txLinClrLst/>
@@ -1650,12 +1653,12 @@
   </dgm:styleLbl>
   <dgm:styleLbl name="bgShp">
     <dgm:fillClrLst meth="repeat">
-      <a:schemeClr val="accent2">
+      <a:schemeClr val="accent1">
         <a:tint val="40000"/>
       </a:schemeClr>
     </dgm:fillClrLst>
     <dgm:linClrLst meth="repeat">
-      <a:schemeClr val="accent2"/>
+      <a:schemeClr val="accent1"/>
     </dgm:linClrLst>
     <dgm:effectClrLst/>
     <dgm:txLinClrLst/>
@@ -1666,12 +1669,12 @@
   </dgm:styleLbl>
   <dgm:styleLbl name="dkBgShp">
     <dgm:fillClrLst meth="repeat">
-      <a:schemeClr val="accent2">
+      <a:schemeClr val="accent1">
         <a:shade val="80000"/>
       </a:schemeClr>
     </dgm:fillClrLst>
     <dgm:linClrLst meth="repeat">
-      <a:schemeClr val="accent2"/>
+      <a:schemeClr val="accent1"/>
     </dgm:linClrLst>
     <dgm:effectClrLst/>
     <dgm:txLinClrLst/>
@@ -1682,13 +1685,13 @@
   </dgm:styleLbl>
   <dgm:styleLbl name="trBgShp">
     <dgm:fillClrLst meth="repeat">
-      <a:schemeClr val="accent2">
+      <a:schemeClr val="accent1">
         <a:tint val="50000"/>
         <a:alpha val="40000"/>
       </a:schemeClr>
     </dgm:fillClrLst>
     <dgm:linClrLst meth="repeat">
-      <a:schemeClr val="accent2"/>
+      <a:schemeClr val="accent1"/>
     </dgm:linClrLst>
     <dgm:effectClrLst/>
     <dgm:txLinClrLst/>
@@ -1699,7 +1702,7 @@
   </dgm:styleLbl>
   <dgm:styleLbl name="fgShp">
     <dgm:fillClrLst meth="repeat">
-      <a:schemeClr val="accent2">
+      <a:schemeClr val="accent1">
         <a:tint val="60000"/>
       </a:schemeClr>
     </dgm:fillClrLst>
@@ -2542,6 +2545,813 @@
 </file>
 
 <file path=ppt/diagrams/colors4.xml><?xml version="1.0" encoding="utf-8"?>
+<dgm:colorsDef xmlns:dgm="http://schemas.openxmlformats.org/drawingml/2006/diagram" xmlns:a="http://schemas.openxmlformats.org/drawingml/2006/main" uniqueId="urn:microsoft.com/office/officeart/2005/8/colors/accent2_1">
+  <dgm:title val=""/>
+  <dgm:desc val=""/>
+  <dgm:catLst>
+    <dgm:cat type="accent2" pri="11100"/>
+  </dgm:catLst>
+  <dgm:styleLbl name="node0">
+    <dgm:fillClrLst meth="repeat">
+      <a:schemeClr val="lt1"/>
+    </dgm:fillClrLst>
+    <dgm:linClrLst meth="repeat">
+      <a:schemeClr val="accent2">
+        <a:shade val="80000"/>
+      </a:schemeClr>
+    </dgm:linClrLst>
+    <dgm:effectClrLst/>
+    <dgm:txLinClrLst/>
+    <dgm:txFillClrLst meth="repeat">
+      <a:schemeClr val="dk1"/>
+    </dgm:txFillClrLst>
+    <dgm:txEffectClrLst/>
+  </dgm:styleLbl>
+  <dgm:styleLbl name="node1">
+    <dgm:fillClrLst meth="repeat">
+      <a:schemeClr val="lt1"/>
+    </dgm:fillClrLst>
+    <dgm:linClrLst meth="repeat">
+      <a:schemeClr val="accent2">
+        <a:shade val="80000"/>
+      </a:schemeClr>
+    </dgm:linClrLst>
+    <dgm:effectClrLst/>
+    <dgm:txLinClrLst/>
+    <dgm:txFillClrLst meth="repeat">
+      <a:schemeClr val="dk1"/>
+    </dgm:txFillClrLst>
+    <dgm:txEffectClrLst/>
+  </dgm:styleLbl>
+  <dgm:styleLbl name="alignNode1">
+    <dgm:fillClrLst meth="repeat">
+      <a:schemeClr val="lt1"/>
+    </dgm:fillClrLst>
+    <dgm:linClrLst meth="repeat">
+      <a:schemeClr val="accent2">
+        <a:shade val="80000"/>
+      </a:schemeClr>
+    </dgm:linClrLst>
+    <dgm:effectClrLst/>
+    <dgm:txLinClrLst/>
+    <dgm:txFillClrLst meth="repeat">
+      <a:schemeClr val="dk1"/>
+    </dgm:txFillClrLst>
+    <dgm:txEffectClrLst/>
+  </dgm:styleLbl>
+  <dgm:styleLbl name="lnNode1">
+    <dgm:fillClrLst meth="repeat">
+      <a:schemeClr val="lt1"/>
+    </dgm:fillClrLst>
+    <dgm:linClrLst meth="repeat">
+      <a:schemeClr val="accent2">
+        <a:shade val="80000"/>
+      </a:schemeClr>
+    </dgm:linClrLst>
+    <dgm:effectClrLst/>
+    <dgm:txLinClrLst/>
+    <dgm:txFillClrLst meth="repeat">
+      <a:schemeClr val="dk1"/>
+    </dgm:txFillClrLst>
+    <dgm:txEffectClrLst/>
+  </dgm:styleLbl>
+  <dgm:styleLbl name="vennNode1">
+    <dgm:fillClrLst meth="repeat">
+      <a:schemeClr val="lt1">
+        <a:alpha val="50000"/>
+      </a:schemeClr>
+    </dgm:fillClrLst>
+    <dgm:linClrLst meth="repeat">
+      <a:schemeClr val="accent2">
+        <a:shade val="80000"/>
+      </a:schemeClr>
+    </dgm:linClrLst>
+    <dgm:effectClrLst/>
+    <dgm:txLinClrLst/>
+    <dgm:txFillClrLst/>
+    <dgm:txEffectClrLst/>
+  </dgm:styleLbl>
+  <dgm:styleLbl name="node2">
+    <dgm:fillClrLst meth="repeat">
+      <a:schemeClr val="lt1"/>
+    </dgm:fillClrLst>
+    <dgm:linClrLst meth="repeat">
+      <a:schemeClr val="accent2">
+        <a:shade val="80000"/>
+      </a:schemeClr>
+    </dgm:linClrLst>
+    <dgm:effectClrLst/>
+    <dgm:txLinClrLst/>
+    <dgm:txFillClrLst meth="repeat">
+      <a:schemeClr val="dk1"/>
+    </dgm:txFillClrLst>
+    <dgm:txEffectClrLst/>
+  </dgm:styleLbl>
+  <dgm:styleLbl name="node3">
+    <dgm:fillClrLst meth="repeat">
+      <a:schemeClr val="lt1"/>
+    </dgm:fillClrLst>
+    <dgm:linClrLst meth="repeat">
+      <a:schemeClr val="accent2">
+        <a:shade val="80000"/>
+      </a:schemeClr>
+    </dgm:linClrLst>
+    <dgm:effectClrLst/>
+    <dgm:txLinClrLst/>
+    <dgm:txFillClrLst meth="repeat">
+      <a:schemeClr val="dk1"/>
+    </dgm:txFillClrLst>
+    <dgm:txEffectClrLst/>
+  </dgm:styleLbl>
+  <dgm:styleLbl name="node4">
+    <dgm:fillClrLst meth="repeat">
+      <a:schemeClr val="lt1"/>
+    </dgm:fillClrLst>
+    <dgm:linClrLst meth="repeat">
+      <a:schemeClr val="accent2">
+        <a:shade val="80000"/>
+      </a:schemeClr>
+    </dgm:linClrLst>
+    <dgm:effectClrLst/>
+    <dgm:txLinClrLst/>
+    <dgm:txFillClrLst meth="repeat">
+      <a:schemeClr val="dk1"/>
+    </dgm:txFillClrLst>
+    <dgm:txEffectClrLst/>
+  </dgm:styleLbl>
+  <dgm:styleLbl name="fgImgPlace1">
+    <dgm:fillClrLst meth="repeat">
+      <a:schemeClr val="accent2">
+        <a:tint val="40000"/>
+      </a:schemeClr>
+    </dgm:fillClrLst>
+    <dgm:linClrLst meth="repeat">
+      <a:schemeClr val="accent2">
+        <a:shade val="80000"/>
+      </a:schemeClr>
+    </dgm:linClrLst>
+    <dgm:effectClrLst/>
+    <dgm:txLinClrLst/>
+    <dgm:txFillClrLst meth="repeat">
+      <a:schemeClr val="lt1"/>
+    </dgm:txFillClrLst>
+    <dgm:txEffectClrLst/>
+  </dgm:styleLbl>
+  <dgm:styleLbl name="alignImgPlace1">
+    <dgm:fillClrLst meth="repeat">
+      <a:schemeClr val="accent2">
+        <a:tint val="40000"/>
+      </a:schemeClr>
+    </dgm:fillClrLst>
+    <dgm:linClrLst meth="repeat">
+      <a:schemeClr val="accent2">
+        <a:shade val="80000"/>
+      </a:schemeClr>
+    </dgm:linClrLst>
+    <dgm:effectClrLst/>
+    <dgm:txLinClrLst/>
+    <dgm:txFillClrLst meth="repeat">
+      <a:schemeClr val="lt1"/>
+    </dgm:txFillClrLst>
+    <dgm:txEffectClrLst/>
+  </dgm:styleLbl>
+  <dgm:styleLbl name="bgImgPlace1">
+    <dgm:fillClrLst meth="repeat">
+      <a:schemeClr val="accent2">
+        <a:tint val="40000"/>
+      </a:schemeClr>
+    </dgm:fillClrLst>
+    <dgm:linClrLst meth="repeat">
+      <a:schemeClr val="accent2">
+        <a:shade val="80000"/>
+      </a:schemeClr>
+    </dgm:linClrLst>
+    <dgm:effectClrLst/>
+    <dgm:txLinClrLst/>
+    <dgm:txFillClrLst meth="repeat">
+      <a:schemeClr val="lt1"/>
+    </dgm:txFillClrLst>
+    <dgm:txEffectClrLst/>
+  </dgm:styleLbl>
+  <dgm:styleLbl name="sibTrans2D1">
+    <dgm:fillClrLst meth="repeat">
+      <a:schemeClr val="accent2">
+        <a:tint val="60000"/>
+      </a:schemeClr>
+    </dgm:fillClrLst>
+    <dgm:linClrLst meth="repeat">
+      <a:schemeClr val="accent2">
+        <a:tint val="60000"/>
+      </a:schemeClr>
+    </dgm:linClrLst>
+    <dgm:effectClrLst/>
+    <dgm:txLinClrLst/>
+    <dgm:txFillClrLst meth="repeat">
+      <a:schemeClr val="dk1"/>
+    </dgm:txFillClrLst>
+    <dgm:txEffectClrLst/>
+  </dgm:styleLbl>
+  <dgm:styleLbl name="fgSibTrans2D1">
+    <dgm:fillClrLst meth="repeat">
+      <a:schemeClr val="accent2">
+        <a:tint val="60000"/>
+      </a:schemeClr>
+    </dgm:fillClrLst>
+    <dgm:linClrLst meth="repeat">
+      <a:schemeClr val="accent2">
+        <a:tint val="60000"/>
+      </a:schemeClr>
+    </dgm:linClrLst>
+    <dgm:effectClrLst/>
+    <dgm:txLinClrLst/>
+    <dgm:txFillClrLst meth="repeat">
+      <a:schemeClr val="dk1"/>
+    </dgm:txFillClrLst>
+    <dgm:txEffectClrLst/>
+  </dgm:styleLbl>
+  <dgm:styleLbl name="bgSibTrans2D1">
+    <dgm:fillClrLst meth="repeat">
+      <a:schemeClr val="accent2">
+        <a:tint val="60000"/>
+      </a:schemeClr>
+    </dgm:fillClrLst>
+    <dgm:linClrLst meth="repeat">
+      <a:schemeClr val="accent2">
+        <a:tint val="60000"/>
+      </a:schemeClr>
+    </dgm:linClrLst>
+    <dgm:effectClrLst/>
+    <dgm:txLinClrLst/>
+    <dgm:txFillClrLst meth="repeat">
+      <a:schemeClr val="dk1"/>
+    </dgm:txFillClrLst>
+    <dgm:txEffectClrLst/>
+  </dgm:styleLbl>
+  <dgm:styleLbl name="sibTrans1D1">
+    <dgm:fillClrLst meth="repeat">
+      <a:schemeClr val="accent2"/>
+    </dgm:fillClrLst>
+    <dgm:linClrLst meth="repeat">
+      <a:schemeClr val="accent2"/>
+    </dgm:linClrLst>
+    <dgm:effectClrLst/>
+    <dgm:txLinClrLst/>
+    <dgm:txFillClrLst meth="repeat">
+      <a:schemeClr val="tx1"/>
+    </dgm:txFillClrLst>
+    <dgm:txEffectClrLst/>
+  </dgm:styleLbl>
+  <dgm:styleLbl name="callout">
+    <dgm:fillClrLst meth="repeat">
+      <a:schemeClr val="accent2"/>
+    </dgm:fillClrLst>
+    <dgm:linClrLst meth="repeat">
+      <a:schemeClr val="accent2"/>
+    </dgm:linClrLst>
+    <dgm:effectClrLst/>
+    <dgm:txLinClrLst/>
+    <dgm:txFillClrLst meth="repeat">
+      <a:schemeClr val="tx1"/>
+    </dgm:txFillClrLst>
+    <dgm:txEffectClrLst/>
+  </dgm:styleLbl>
+  <dgm:styleLbl name="asst0">
+    <dgm:fillClrLst meth="repeat">
+      <a:schemeClr val="lt1"/>
+    </dgm:fillClrLst>
+    <dgm:linClrLst meth="repeat">
+      <a:schemeClr val="accent2">
+        <a:shade val="80000"/>
+      </a:schemeClr>
+    </dgm:linClrLst>
+    <dgm:effectClrLst/>
+    <dgm:txLinClrLst/>
+    <dgm:txFillClrLst meth="repeat">
+      <a:schemeClr val="dk1"/>
+    </dgm:txFillClrLst>
+    <dgm:txEffectClrLst/>
+  </dgm:styleLbl>
+  <dgm:styleLbl name="asst1">
+    <dgm:fillClrLst meth="repeat">
+      <a:schemeClr val="lt1"/>
+    </dgm:fillClrLst>
+    <dgm:linClrLst meth="repeat">
+      <a:schemeClr val="accent2">
+        <a:shade val="80000"/>
+      </a:schemeClr>
+    </dgm:linClrLst>
+    <dgm:effectClrLst/>
+    <dgm:txLinClrLst/>
+    <dgm:txFillClrLst meth="repeat">
+      <a:schemeClr val="dk1"/>
+    </dgm:txFillClrLst>
+    <dgm:txEffectClrLst/>
+  </dgm:styleLbl>
+  <dgm:styleLbl name="asst2">
+    <dgm:fillClrLst meth="repeat">
+      <a:schemeClr val="lt1"/>
+    </dgm:fillClrLst>
+    <dgm:linClrLst meth="repeat">
+      <a:schemeClr val="accent2">
+        <a:shade val="80000"/>
+      </a:schemeClr>
+    </dgm:linClrLst>
+    <dgm:effectClrLst/>
+    <dgm:txLinClrLst/>
+    <dgm:txFillClrLst meth="repeat">
+      <a:schemeClr val="dk1"/>
+    </dgm:txFillClrLst>
+    <dgm:txEffectClrLst/>
+  </dgm:styleLbl>
+  <dgm:styleLbl name="asst3">
+    <dgm:fillClrLst meth="repeat">
+      <a:schemeClr val="lt1"/>
+    </dgm:fillClrLst>
+    <dgm:linClrLst meth="repeat">
+      <a:schemeClr val="accent2">
+        <a:shade val="80000"/>
+      </a:schemeClr>
+    </dgm:linClrLst>
+    <dgm:effectClrLst/>
+    <dgm:txLinClrLst/>
+    <dgm:txFillClrLst meth="repeat">
+      <a:schemeClr val="dk1"/>
+    </dgm:txFillClrLst>
+    <dgm:txEffectClrLst/>
+  </dgm:styleLbl>
+  <dgm:styleLbl name="asst4">
+    <dgm:fillClrLst meth="repeat">
+      <a:schemeClr val="lt1"/>
+    </dgm:fillClrLst>
+    <dgm:linClrLst meth="repeat">
+      <a:schemeClr val="accent2">
+        <a:shade val="80000"/>
+      </a:schemeClr>
+    </dgm:linClrLst>
+    <dgm:effectClrLst/>
+    <dgm:txLinClrLst/>
+    <dgm:txFillClrLst meth="repeat">
+      <a:schemeClr val="dk1"/>
+    </dgm:txFillClrLst>
+    <dgm:txEffectClrLst/>
+  </dgm:styleLbl>
+  <dgm:styleLbl name="parChTrans2D1">
+    <dgm:fillClrLst meth="repeat">
+      <a:schemeClr val="accent2">
+        <a:tint val="60000"/>
+      </a:schemeClr>
+    </dgm:fillClrLst>
+    <dgm:linClrLst meth="repeat">
+      <a:schemeClr val="accent2">
+        <a:tint val="60000"/>
+      </a:schemeClr>
+    </dgm:linClrLst>
+    <dgm:effectClrLst/>
+    <dgm:txLinClrLst/>
+    <dgm:txFillClrLst/>
+    <dgm:txEffectClrLst/>
+  </dgm:styleLbl>
+  <dgm:styleLbl name="parChTrans2D2">
+    <dgm:fillClrLst meth="repeat">
+      <a:schemeClr val="accent2"/>
+    </dgm:fillClrLst>
+    <dgm:linClrLst meth="repeat">
+      <a:schemeClr val="accent2"/>
+    </dgm:linClrLst>
+    <dgm:effectClrLst/>
+    <dgm:txLinClrLst/>
+    <dgm:txFillClrLst/>
+    <dgm:txEffectClrLst/>
+  </dgm:styleLbl>
+  <dgm:styleLbl name="parChTrans2D3">
+    <dgm:fillClrLst meth="repeat">
+      <a:schemeClr val="accent2"/>
+    </dgm:fillClrLst>
+    <dgm:linClrLst meth="repeat">
+      <a:schemeClr val="accent2"/>
+    </dgm:linClrLst>
+    <dgm:effectClrLst/>
+    <dgm:txLinClrLst/>
+    <dgm:txFillClrLst/>
+    <dgm:txEffectClrLst/>
+  </dgm:styleLbl>
+  <dgm:styleLbl name="parChTrans2D4">
+    <dgm:fillClrLst meth="repeat">
+      <a:schemeClr val="accent2"/>
+    </dgm:fillClrLst>
+    <dgm:linClrLst meth="repeat">
+      <a:schemeClr val="accent2"/>
+    </dgm:linClrLst>
+    <dgm:effectClrLst/>
+    <dgm:txLinClrLst/>
+    <dgm:txFillClrLst meth="repeat">
+      <a:schemeClr val="lt1"/>
+    </dgm:txFillClrLst>
+    <dgm:txEffectClrLst/>
+  </dgm:styleLbl>
+  <dgm:styleLbl name="parChTrans1D1">
+    <dgm:fillClrLst meth="repeat">
+      <a:schemeClr val="accent2"/>
+    </dgm:fillClrLst>
+    <dgm:linClrLst meth="repeat">
+      <a:schemeClr val="accent2">
+        <a:shade val="60000"/>
+      </a:schemeClr>
+    </dgm:linClrLst>
+    <dgm:effectClrLst/>
+    <dgm:txLinClrLst/>
+    <dgm:txFillClrLst meth="repeat">
+      <a:schemeClr val="tx1"/>
+    </dgm:txFillClrLst>
+    <dgm:txEffectClrLst/>
+  </dgm:styleLbl>
+  <dgm:styleLbl name="parChTrans1D2">
+    <dgm:fillClrLst meth="repeat">
+      <a:schemeClr val="accent2"/>
+    </dgm:fillClrLst>
+    <dgm:linClrLst meth="repeat">
+      <a:schemeClr val="accent2">
+        <a:shade val="60000"/>
+      </a:schemeClr>
+    </dgm:linClrLst>
+    <dgm:effectClrLst/>
+    <dgm:txLinClrLst/>
+    <dgm:txFillClrLst meth="repeat">
+      <a:schemeClr val="tx1"/>
+    </dgm:txFillClrLst>
+    <dgm:txEffectClrLst/>
+  </dgm:styleLbl>
+  <dgm:styleLbl name="parChTrans1D3">
+    <dgm:fillClrLst meth="repeat">
+      <a:schemeClr val="accent2"/>
+    </dgm:fillClrLst>
+    <dgm:linClrLst meth="repeat">
+      <a:schemeClr val="accent2">
+        <a:shade val="80000"/>
+      </a:schemeClr>
+    </dgm:linClrLst>
+    <dgm:effectClrLst/>
+    <dgm:txLinClrLst/>
+    <dgm:txFillClrLst meth="repeat">
+      <a:schemeClr val="tx1"/>
+    </dgm:txFillClrLst>
+    <dgm:txEffectClrLst/>
+  </dgm:styleLbl>
+  <dgm:styleLbl name="parChTrans1D4">
+    <dgm:fillClrLst meth="repeat">
+      <a:schemeClr val="accent2"/>
+    </dgm:fillClrLst>
+    <dgm:linClrLst meth="repeat">
+      <a:schemeClr val="accent2">
+        <a:shade val="80000"/>
+      </a:schemeClr>
+    </dgm:linClrLst>
+    <dgm:effectClrLst/>
+    <dgm:txLinClrLst/>
+    <dgm:txFillClrLst meth="repeat">
+      <a:schemeClr val="tx1"/>
+    </dgm:txFillClrLst>
+    <dgm:txEffectClrLst/>
+  </dgm:styleLbl>
+  <dgm:styleLbl name="fgAcc1">
+    <dgm:fillClrLst meth="repeat">
+      <a:schemeClr val="accent2">
+        <a:alpha val="90000"/>
+        <a:tint val="40000"/>
+      </a:schemeClr>
+    </dgm:fillClrLst>
+    <dgm:linClrLst meth="repeat">
+      <a:schemeClr val="accent2"/>
+    </dgm:linClrLst>
+    <dgm:effectClrLst/>
+    <dgm:txLinClrLst/>
+    <dgm:txFillClrLst meth="repeat">
+      <a:schemeClr val="dk1"/>
+    </dgm:txFillClrLst>
+    <dgm:txEffectClrLst/>
+  </dgm:styleLbl>
+  <dgm:styleLbl name="conFgAcc1">
+    <dgm:fillClrLst meth="repeat">
+      <a:schemeClr val="accent2">
+        <a:alpha val="90000"/>
+        <a:tint val="40000"/>
+      </a:schemeClr>
+    </dgm:fillClrLst>
+    <dgm:linClrLst meth="repeat">
+      <a:schemeClr val="accent2"/>
+    </dgm:linClrLst>
+    <dgm:effectClrLst/>
+    <dgm:txLinClrLst/>
+    <dgm:txFillClrLst meth="repeat">
+      <a:schemeClr val="dk1"/>
+    </dgm:txFillClrLst>
+    <dgm:txEffectClrLst/>
+  </dgm:styleLbl>
+  <dgm:styleLbl name="alignAcc1">
+    <dgm:fillClrLst meth="repeat">
+      <a:schemeClr val="accent2">
+        <a:alpha val="90000"/>
+        <a:tint val="40000"/>
+      </a:schemeClr>
+    </dgm:fillClrLst>
+    <dgm:linClrLst meth="repeat">
+      <a:schemeClr val="accent2"/>
+    </dgm:linClrLst>
+    <dgm:effectClrLst/>
+    <dgm:txLinClrLst/>
+    <dgm:txFillClrLst meth="repeat">
+      <a:schemeClr val="dk1"/>
+    </dgm:txFillClrLst>
+    <dgm:txEffectClrLst/>
+  </dgm:styleLbl>
+  <dgm:styleLbl name="trAlignAcc1">
+    <dgm:fillClrLst meth="repeat">
+      <a:schemeClr val="accent2">
+        <a:alpha val="40000"/>
+        <a:tint val="40000"/>
+      </a:schemeClr>
+    </dgm:fillClrLst>
+    <dgm:linClrLst meth="repeat">
+      <a:schemeClr val="accent2"/>
+    </dgm:linClrLst>
+    <dgm:effectClrLst/>
+    <dgm:txLinClrLst/>
+    <dgm:txFillClrLst meth="repeat">
+      <a:schemeClr val="dk1"/>
+    </dgm:txFillClrLst>
+    <dgm:txEffectClrLst/>
+  </dgm:styleLbl>
+  <dgm:styleLbl name="bgAcc1">
+    <dgm:fillClrLst meth="repeat">
+      <a:schemeClr val="accent2">
+        <a:alpha val="90000"/>
+        <a:tint val="40000"/>
+      </a:schemeClr>
+    </dgm:fillClrLst>
+    <dgm:linClrLst meth="repeat">
+      <a:schemeClr val="accent2"/>
+    </dgm:linClrLst>
+    <dgm:effectClrLst/>
+    <dgm:txLinClrLst/>
+    <dgm:txFillClrLst meth="repeat">
+      <a:schemeClr val="dk1"/>
+    </dgm:txFillClrLst>
+    <dgm:txEffectClrLst/>
+  </dgm:styleLbl>
+  <dgm:styleLbl name="solidFgAcc1">
+    <dgm:fillClrLst meth="repeat">
+      <a:schemeClr val="lt1"/>
+    </dgm:fillClrLst>
+    <dgm:linClrLst meth="repeat">
+      <a:schemeClr val="accent2"/>
+    </dgm:linClrLst>
+    <dgm:effectClrLst/>
+    <dgm:txLinClrLst/>
+    <dgm:txFillClrLst meth="repeat">
+      <a:schemeClr val="dk1"/>
+    </dgm:txFillClrLst>
+    <dgm:txEffectClrLst/>
+  </dgm:styleLbl>
+  <dgm:styleLbl name="solidAlignAcc1">
+    <dgm:fillClrLst meth="repeat">
+      <a:schemeClr val="lt1"/>
+    </dgm:fillClrLst>
+    <dgm:linClrLst meth="repeat">
+      <a:schemeClr val="accent2"/>
+    </dgm:linClrLst>
+    <dgm:effectClrLst/>
+    <dgm:txLinClrLst/>
+    <dgm:txFillClrLst meth="repeat">
+      <a:schemeClr val="dk1"/>
+    </dgm:txFillClrLst>
+    <dgm:txEffectClrLst/>
+  </dgm:styleLbl>
+  <dgm:styleLbl name="solidBgAcc1">
+    <dgm:fillClrLst meth="repeat">
+      <a:schemeClr val="lt1"/>
+    </dgm:fillClrLst>
+    <dgm:linClrLst meth="repeat">
+      <a:schemeClr val="accent2"/>
+    </dgm:linClrLst>
+    <dgm:effectClrLst/>
+    <dgm:txLinClrLst/>
+    <dgm:txFillClrLst meth="repeat">
+      <a:schemeClr val="dk1"/>
+    </dgm:txFillClrLst>
+    <dgm:txEffectClrLst/>
+  </dgm:styleLbl>
+  <dgm:styleLbl name="fgAccFollowNode1">
+    <dgm:fillClrLst meth="repeat">
+      <a:schemeClr val="lt1">
+        <a:alpha val="90000"/>
+        <a:tint val="40000"/>
+      </a:schemeClr>
+    </dgm:fillClrLst>
+    <dgm:linClrLst meth="repeat">
+      <a:schemeClr val="accent2">
+        <a:alpha val="90000"/>
+      </a:schemeClr>
+    </dgm:linClrLst>
+    <dgm:effectClrLst/>
+    <dgm:txLinClrLst/>
+    <dgm:txFillClrLst meth="repeat">
+      <a:schemeClr val="dk1"/>
+    </dgm:txFillClrLst>
+    <dgm:txEffectClrLst/>
+  </dgm:styleLbl>
+  <dgm:styleLbl name="alignAccFollowNode1">
+    <dgm:fillClrLst meth="repeat">
+      <a:schemeClr val="lt1">
+        <a:alpha val="90000"/>
+        <a:tint val="40000"/>
+      </a:schemeClr>
+    </dgm:fillClrLst>
+    <dgm:linClrLst meth="repeat">
+      <a:schemeClr val="accent2">
+        <a:alpha val="90000"/>
+      </a:schemeClr>
+    </dgm:linClrLst>
+    <dgm:effectClrLst/>
+    <dgm:txLinClrLst/>
+    <dgm:txFillClrLst meth="repeat">
+      <a:schemeClr val="dk1"/>
+    </dgm:txFillClrLst>
+    <dgm:txEffectClrLst/>
+  </dgm:styleLbl>
+  <dgm:styleLbl name="bgAccFollowNode1">
+    <dgm:fillClrLst meth="repeat">
+      <a:schemeClr val="lt1">
+        <a:alpha val="90000"/>
+        <a:tint val="40000"/>
+      </a:schemeClr>
+    </dgm:fillClrLst>
+    <dgm:linClrLst meth="repeat">
+      <a:schemeClr val="accent2">
+        <a:alpha val="90000"/>
+      </a:schemeClr>
+    </dgm:linClrLst>
+    <dgm:effectClrLst/>
+    <dgm:txLinClrLst/>
+    <dgm:txFillClrLst meth="repeat">
+      <a:schemeClr val="dk1"/>
+    </dgm:txFillClrLst>
+    <dgm:txEffectClrLst/>
+  </dgm:styleLbl>
+  <dgm:styleLbl name="fgAcc0">
+    <dgm:fillClrLst meth="repeat">
+      <a:schemeClr val="accent2">
+        <a:alpha val="90000"/>
+        <a:tint val="40000"/>
+      </a:schemeClr>
+    </dgm:fillClrLst>
+    <dgm:linClrLst meth="repeat">
+      <a:schemeClr val="accent2"/>
+    </dgm:linClrLst>
+    <dgm:effectClrLst/>
+    <dgm:txLinClrLst/>
+    <dgm:txFillClrLst meth="repeat">
+      <a:schemeClr val="dk1"/>
+    </dgm:txFillClrLst>
+    <dgm:txEffectClrLst/>
+  </dgm:styleLbl>
+  <dgm:styleLbl name="fgAcc2">
+    <dgm:fillClrLst meth="repeat">
+      <a:schemeClr val="accent2">
+        <a:alpha val="90000"/>
+        <a:tint val="40000"/>
+      </a:schemeClr>
+    </dgm:fillClrLst>
+    <dgm:linClrLst meth="repeat">
+      <a:schemeClr val="accent2"/>
+    </dgm:linClrLst>
+    <dgm:effectClrLst/>
+    <dgm:txLinClrLst/>
+    <dgm:txFillClrLst meth="repeat">
+      <a:schemeClr val="dk1"/>
+    </dgm:txFillClrLst>
+    <dgm:txEffectClrLst/>
+  </dgm:styleLbl>
+  <dgm:styleLbl name="fgAcc3">
+    <dgm:fillClrLst meth="repeat">
+      <a:schemeClr val="accent2">
+        <a:alpha val="90000"/>
+        <a:tint val="40000"/>
+      </a:schemeClr>
+    </dgm:fillClrLst>
+    <dgm:linClrLst meth="repeat">
+      <a:schemeClr val="accent2"/>
+    </dgm:linClrLst>
+    <dgm:effectClrLst/>
+    <dgm:txLinClrLst/>
+    <dgm:txFillClrLst meth="repeat">
+      <a:schemeClr val="dk1"/>
+    </dgm:txFillClrLst>
+    <dgm:txEffectClrLst/>
+  </dgm:styleLbl>
+  <dgm:styleLbl name="fgAcc4">
+    <dgm:fillClrLst meth="repeat">
+      <a:schemeClr val="accent2">
+        <a:alpha val="90000"/>
+        <a:tint val="40000"/>
+      </a:schemeClr>
+    </dgm:fillClrLst>
+    <dgm:linClrLst meth="repeat">
+      <a:schemeClr val="accent2"/>
+    </dgm:linClrLst>
+    <dgm:effectClrLst/>
+    <dgm:txLinClrLst/>
+    <dgm:txFillClrLst meth="repeat">
+      <a:schemeClr val="dk1"/>
+    </dgm:txFillClrLst>
+    <dgm:txEffectClrLst/>
+  </dgm:styleLbl>
+  <dgm:styleLbl name="bgShp">
+    <dgm:fillClrLst meth="repeat">
+      <a:schemeClr val="accent2">
+        <a:tint val="40000"/>
+      </a:schemeClr>
+    </dgm:fillClrLst>
+    <dgm:linClrLst meth="repeat">
+      <a:schemeClr val="accent2"/>
+    </dgm:linClrLst>
+    <dgm:effectClrLst/>
+    <dgm:txLinClrLst/>
+    <dgm:txFillClrLst meth="repeat">
+      <a:schemeClr val="dk1"/>
+    </dgm:txFillClrLst>
+    <dgm:txEffectClrLst/>
+  </dgm:styleLbl>
+  <dgm:styleLbl name="dkBgShp">
+    <dgm:fillClrLst meth="repeat">
+      <a:schemeClr val="accent2">
+        <a:shade val="80000"/>
+      </a:schemeClr>
+    </dgm:fillClrLst>
+    <dgm:linClrLst meth="repeat">
+      <a:schemeClr val="accent2"/>
+    </dgm:linClrLst>
+    <dgm:effectClrLst/>
+    <dgm:txLinClrLst/>
+    <dgm:txFillClrLst meth="repeat">
+      <a:schemeClr val="lt1"/>
+    </dgm:txFillClrLst>
+    <dgm:txEffectClrLst/>
+  </dgm:styleLbl>
+  <dgm:styleLbl name="trBgShp">
+    <dgm:fillClrLst meth="repeat">
+      <a:schemeClr val="accent2">
+        <a:tint val="50000"/>
+        <a:alpha val="40000"/>
+      </a:schemeClr>
+    </dgm:fillClrLst>
+    <dgm:linClrLst meth="repeat">
+      <a:schemeClr val="accent2"/>
+    </dgm:linClrLst>
+    <dgm:effectClrLst/>
+    <dgm:txLinClrLst/>
+    <dgm:txFillClrLst meth="repeat">
+      <a:schemeClr val="lt1"/>
+    </dgm:txFillClrLst>
+    <dgm:txEffectClrLst/>
+  </dgm:styleLbl>
+  <dgm:styleLbl name="fgShp">
+    <dgm:fillClrLst meth="repeat">
+      <a:schemeClr val="accent2">
+        <a:tint val="60000"/>
+      </a:schemeClr>
+    </dgm:fillClrLst>
+    <dgm:linClrLst meth="repeat">
+      <a:schemeClr val="lt1"/>
+    </dgm:linClrLst>
+    <dgm:effectClrLst/>
+    <dgm:txLinClrLst/>
+    <dgm:txFillClrLst meth="repeat">
+      <a:schemeClr val="dk1"/>
+    </dgm:txFillClrLst>
+    <dgm:txEffectClrLst/>
+  </dgm:styleLbl>
+  <dgm:styleLbl name="revTx">
+    <dgm:fillClrLst meth="repeat">
+      <a:schemeClr val="lt1">
+        <a:alpha val="0"/>
+      </a:schemeClr>
+    </dgm:fillClrLst>
+    <dgm:linClrLst meth="repeat">
+      <a:schemeClr val="dk1">
+        <a:alpha val="0"/>
+      </a:schemeClr>
+    </dgm:linClrLst>
+    <dgm:effectClrLst/>
+    <dgm:txLinClrLst/>
+    <dgm:txFillClrLst meth="repeat">
+      <a:schemeClr val="tx1"/>
+    </dgm:txFillClrLst>
+    <dgm:txEffectClrLst/>
+  </dgm:styleLbl>
+</dgm:colorsDef>
+</file>
+
+<file path=ppt/diagrams/colors5.xml><?xml version="1.0" encoding="utf-8"?>
 <dgm:colorsDef xmlns:dgm="http://schemas.openxmlformats.org/drawingml/2006/diagram" xmlns:a="http://schemas.openxmlformats.org/drawingml/2006/main" uniqueId="urn:microsoft.com/office/officeart/2005/8/colors/accent1_1">
   <dgm:title val=""/>
   <dgm:desc val=""/>
@@ -3348,7 +4158,968 @@
 </dgm:colorsDef>
 </file>
 
+<file path=ppt/diagrams/colors6.xml><?xml version="1.0" encoding="utf-8"?>
+<dgm:colorsDef xmlns:dgm="http://schemas.openxmlformats.org/drawingml/2006/diagram" xmlns:a="http://schemas.openxmlformats.org/drawingml/2006/main" uniqueId="urn:microsoft.com/office/officeart/2005/8/colors/accent1_2">
+  <dgm:title val=""/>
+  <dgm:desc val=""/>
+  <dgm:catLst>
+    <dgm:cat type="accent1" pri="11200"/>
+  </dgm:catLst>
+  <dgm:styleLbl name="node0">
+    <dgm:fillClrLst meth="repeat">
+      <a:schemeClr val="accent1"/>
+    </dgm:fillClrLst>
+    <dgm:linClrLst meth="repeat">
+      <a:schemeClr val="lt1"/>
+    </dgm:linClrLst>
+    <dgm:effectClrLst/>
+    <dgm:txLinClrLst/>
+    <dgm:txFillClrLst/>
+    <dgm:txEffectClrLst/>
+  </dgm:styleLbl>
+  <dgm:styleLbl name="alignNode1">
+    <dgm:fillClrLst meth="repeat">
+      <a:schemeClr val="accent1"/>
+    </dgm:fillClrLst>
+    <dgm:linClrLst meth="repeat">
+      <a:schemeClr val="accent1"/>
+    </dgm:linClrLst>
+    <dgm:effectClrLst/>
+    <dgm:txLinClrLst/>
+    <dgm:txFillClrLst/>
+    <dgm:txEffectClrLst/>
+  </dgm:styleLbl>
+  <dgm:styleLbl name="node1">
+    <dgm:fillClrLst meth="repeat">
+      <a:schemeClr val="accent1"/>
+    </dgm:fillClrLst>
+    <dgm:linClrLst meth="repeat">
+      <a:schemeClr val="lt1"/>
+    </dgm:linClrLst>
+    <dgm:effectClrLst/>
+    <dgm:txLinClrLst/>
+    <dgm:txFillClrLst/>
+    <dgm:txEffectClrLst/>
+  </dgm:styleLbl>
+  <dgm:styleLbl name="lnNode1">
+    <dgm:fillClrLst meth="repeat">
+      <a:schemeClr val="accent1"/>
+    </dgm:fillClrLst>
+    <dgm:linClrLst meth="repeat">
+      <a:schemeClr val="lt1"/>
+    </dgm:linClrLst>
+    <dgm:effectClrLst/>
+    <dgm:txLinClrLst/>
+    <dgm:txFillClrLst/>
+    <dgm:txEffectClrLst/>
+  </dgm:styleLbl>
+  <dgm:styleLbl name="vennNode1">
+    <dgm:fillClrLst meth="repeat">
+      <a:schemeClr val="accent1">
+        <a:alpha val="50000"/>
+      </a:schemeClr>
+    </dgm:fillClrLst>
+    <dgm:linClrLst meth="repeat">
+      <a:schemeClr val="lt1"/>
+    </dgm:linClrLst>
+    <dgm:effectClrLst/>
+    <dgm:txLinClrLst/>
+    <dgm:txFillClrLst/>
+    <dgm:txEffectClrLst/>
+  </dgm:styleLbl>
+  <dgm:styleLbl name="node2">
+    <dgm:fillClrLst meth="repeat">
+      <a:schemeClr val="accent1"/>
+    </dgm:fillClrLst>
+    <dgm:linClrLst meth="repeat">
+      <a:schemeClr val="lt1"/>
+    </dgm:linClrLst>
+    <dgm:effectClrLst/>
+    <dgm:txLinClrLst/>
+    <dgm:txFillClrLst/>
+    <dgm:txEffectClrLst/>
+  </dgm:styleLbl>
+  <dgm:styleLbl name="node3">
+    <dgm:fillClrLst meth="repeat">
+      <a:schemeClr val="accent1"/>
+    </dgm:fillClrLst>
+    <dgm:linClrLst meth="repeat">
+      <a:schemeClr val="lt1"/>
+    </dgm:linClrLst>
+    <dgm:effectClrLst/>
+    <dgm:txLinClrLst/>
+    <dgm:txFillClrLst/>
+    <dgm:txEffectClrLst/>
+  </dgm:styleLbl>
+  <dgm:styleLbl name="node4">
+    <dgm:fillClrLst meth="repeat">
+      <a:schemeClr val="accent1"/>
+    </dgm:fillClrLst>
+    <dgm:linClrLst meth="repeat">
+      <a:schemeClr val="lt1"/>
+    </dgm:linClrLst>
+    <dgm:effectClrLst/>
+    <dgm:txLinClrLst/>
+    <dgm:txFillClrLst/>
+    <dgm:txEffectClrLst/>
+  </dgm:styleLbl>
+  <dgm:styleLbl name="fgImgPlace1">
+    <dgm:fillClrLst meth="repeat">
+      <a:schemeClr val="accent1">
+        <a:tint val="50000"/>
+      </a:schemeClr>
+    </dgm:fillClrLst>
+    <dgm:linClrLst meth="repeat">
+      <a:schemeClr val="lt1"/>
+    </dgm:linClrLst>
+    <dgm:effectClrLst/>
+    <dgm:txLinClrLst/>
+    <dgm:txFillClrLst meth="repeat">
+      <a:schemeClr val="lt1"/>
+    </dgm:txFillClrLst>
+    <dgm:txEffectClrLst/>
+  </dgm:styleLbl>
+  <dgm:styleLbl name="alignImgPlace1">
+    <dgm:fillClrLst meth="repeat">
+      <a:schemeClr val="accent1">
+        <a:tint val="50000"/>
+      </a:schemeClr>
+    </dgm:fillClrLst>
+    <dgm:linClrLst meth="repeat">
+      <a:schemeClr val="lt1"/>
+    </dgm:linClrLst>
+    <dgm:effectClrLst/>
+    <dgm:txLinClrLst/>
+    <dgm:txFillClrLst meth="repeat">
+      <a:schemeClr val="lt1"/>
+    </dgm:txFillClrLst>
+    <dgm:txEffectClrLst/>
+  </dgm:styleLbl>
+  <dgm:styleLbl name="bgImgPlace1">
+    <dgm:fillClrLst meth="repeat">
+      <a:schemeClr val="accent1">
+        <a:tint val="50000"/>
+      </a:schemeClr>
+    </dgm:fillClrLst>
+    <dgm:linClrLst meth="repeat">
+      <a:schemeClr val="lt1"/>
+    </dgm:linClrLst>
+    <dgm:effectClrLst/>
+    <dgm:txLinClrLst/>
+    <dgm:txFillClrLst meth="repeat">
+      <a:schemeClr val="lt1"/>
+    </dgm:txFillClrLst>
+    <dgm:txEffectClrLst/>
+  </dgm:styleLbl>
+  <dgm:styleLbl name="sibTrans2D1">
+    <dgm:fillClrLst meth="repeat">
+      <a:schemeClr val="accent1">
+        <a:tint val="60000"/>
+      </a:schemeClr>
+    </dgm:fillClrLst>
+    <dgm:linClrLst meth="repeat">
+      <a:schemeClr val="accent1">
+        <a:tint val="60000"/>
+      </a:schemeClr>
+    </dgm:linClrLst>
+    <dgm:effectClrLst/>
+    <dgm:txLinClrLst/>
+    <dgm:txFillClrLst/>
+    <dgm:txEffectClrLst/>
+  </dgm:styleLbl>
+  <dgm:styleLbl name="fgSibTrans2D1">
+    <dgm:fillClrLst meth="repeat">
+      <a:schemeClr val="accent1">
+        <a:tint val="60000"/>
+      </a:schemeClr>
+    </dgm:fillClrLst>
+    <dgm:linClrLst meth="repeat">
+      <a:schemeClr val="accent1">
+        <a:tint val="60000"/>
+      </a:schemeClr>
+    </dgm:linClrLst>
+    <dgm:effectClrLst/>
+    <dgm:txLinClrLst/>
+    <dgm:txFillClrLst/>
+    <dgm:txEffectClrLst/>
+  </dgm:styleLbl>
+  <dgm:styleLbl name="bgSibTrans2D1">
+    <dgm:fillClrLst meth="repeat">
+      <a:schemeClr val="accent1">
+        <a:tint val="60000"/>
+      </a:schemeClr>
+    </dgm:fillClrLst>
+    <dgm:linClrLst meth="repeat">
+      <a:schemeClr val="accent1">
+        <a:tint val="60000"/>
+      </a:schemeClr>
+    </dgm:linClrLst>
+    <dgm:effectClrLst/>
+    <dgm:txLinClrLst/>
+    <dgm:txFillClrLst/>
+    <dgm:txEffectClrLst/>
+  </dgm:styleLbl>
+  <dgm:styleLbl name="sibTrans1D1">
+    <dgm:fillClrLst meth="repeat">
+      <a:schemeClr val="accent1"/>
+    </dgm:fillClrLst>
+    <dgm:linClrLst meth="repeat">
+      <a:schemeClr val="accent1"/>
+    </dgm:linClrLst>
+    <dgm:effectClrLst/>
+    <dgm:txLinClrLst/>
+    <dgm:txFillClrLst meth="repeat">
+      <a:schemeClr val="tx1"/>
+    </dgm:txFillClrLst>
+    <dgm:txEffectClrLst/>
+  </dgm:styleLbl>
+  <dgm:styleLbl name="callout">
+    <dgm:fillClrLst meth="repeat">
+      <a:schemeClr val="accent1"/>
+    </dgm:fillClrLst>
+    <dgm:linClrLst meth="repeat">
+      <a:schemeClr val="accent1">
+        <a:tint val="50000"/>
+      </a:schemeClr>
+    </dgm:linClrLst>
+    <dgm:effectClrLst/>
+    <dgm:txLinClrLst/>
+    <dgm:txFillClrLst meth="repeat">
+      <a:schemeClr val="tx1"/>
+    </dgm:txFillClrLst>
+    <dgm:txEffectClrLst/>
+  </dgm:styleLbl>
+  <dgm:styleLbl name="asst0">
+    <dgm:fillClrLst meth="repeat">
+      <a:schemeClr val="accent1"/>
+    </dgm:fillClrLst>
+    <dgm:linClrLst meth="repeat">
+      <a:schemeClr val="lt1"/>
+    </dgm:linClrLst>
+    <dgm:effectClrLst/>
+    <dgm:txLinClrLst/>
+    <dgm:txFillClrLst/>
+    <dgm:txEffectClrLst/>
+  </dgm:styleLbl>
+  <dgm:styleLbl name="asst1">
+    <dgm:fillClrLst meth="repeat">
+      <a:schemeClr val="accent1"/>
+    </dgm:fillClrLst>
+    <dgm:linClrLst meth="repeat">
+      <a:schemeClr val="lt1"/>
+    </dgm:linClrLst>
+    <dgm:effectClrLst/>
+    <dgm:txLinClrLst/>
+    <dgm:txFillClrLst/>
+    <dgm:txEffectClrLst/>
+  </dgm:styleLbl>
+  <dgm:styleLbl name="asst2">
+    <dgm:fillClrLst meth="repeat">
+      <a:schemeClr val="accent1"/>
+    </dgm:fillClrLst>
+    <dgm:linClrLst meth="repeat">
+      <a:schemeClr val="lt1"/>
+    </dgm:linClrLst>
+    <dgm:effectClrLst/>
+    <dgm:txLinClrLst/>
+    <dgm:txFillClrLst/>
+    <dgm:txEffectClrLst/>
+  </dgm:styleLbl>
+  <dgm:styleLbl name="asst3">
+    <dgm:fillClrLst meth="repeat">
+      <a:schemeClr val="accent1"/>
+    </dgm:fillClrLst>
+    <dgm:linClrLst meth="repeat">
+      <a:schemeClr val="lt1"/>
+    </dgm:linClrLst>
+    <dgm:effectClrLst/>
+    <dgm:txLinClrLst/>
+    <dgm:txFillClrLst/>
+    <dgm:txEffectClrLst/>
+  </dgm:styleLbl>
+  <dgm:styleLbl name="asst4">
+    <dgm:fillClrLst meth="repeat">
+      <a:schemeClr val="accent1"/>
+    </dgm:fillClrLst>
+    <dgm:linClrLst meth="repeat">
+      <a:schemeClr val="lt1"/>
+    </dgm:linClrLst>
+    <dgm:effectClrLst/>
+    <dgm:txLinClrLst/>
+    <dgm:txFillClrLst/>
+    <dgm:txEffectClrLst/>
+  </dgm:styleLbl>
+  <dgm:styleLbl name="parChTrans2D1">
+    <dgm:fillClrLst meth="repeat">
+      <a:schemeClr val="accent1">
+        <a:tint val="60000"/>
+      </a:schemeClr>
+    </dgm:fillClrLst>
+    <dgm:linClrLst meth="repeat">
+      <a:schemeClr val="accent1">
+        <a:tint val="60000"/>
+      </a:schemeClr>
+    </dgm:linClrLst>
+    <dgm:effectClrLst/>
+    <dgm:txLinClrLst/>
+    <dgm:txFillClrLst meth="repeat">
+      <a:schemeClr val="lt1"/>
+    </dgm:txFillClrLst>
+    <dgm:txEffectClrLst/>
+  </dgm:styleLbl>
+  <dgm:styleLbl name="parChTrans2D2">
+    <dgm:fillClrLst meth="repeat">
+      <a:schemeClr val="accent1"/>
+    </dgm:fillClrLst>
+    <dgm:linClrLst meth="repeat">
+      <a:schemeClr val="accent1"/>
+    </dgm:linClrLst>
+    <dgm:effectClrLst/>
+    <dgm:txLinClrLst/>
+    <dgm:txFillClrLst meth="repeat">
+      <a:schemeClr val="lt1"/>
+    </dgm:txFillClrLst>
+    <dgm:txEffectClrLst/>
+  </dgm:styleLbl>
+  <dgm:styleLbl name="parChTrans2D3">
+    <dgm:fillClrLst meth="repeat">
+      <a:schemeClr val="accent1"/>
+    </dgm:fillClrLst>
+    <dgm:linClrLst meth="repeat">
+      <a:schemeClr val="accent1"/>
+    </dgm:linClrLst>
+    <dgm:effectClrLst/>
+    <dgm:txLinClrLst/>
+    <dgm:txFillClrLst meth="repeat">
+      <a:schemeClr val="lt1"/>
+    </dgm:txFillClrLst>
+    <dgm:txEffectClrLst/>
+  </dgm:styleLbl>
+  <dgm:styleLbl name="parChTrans2D4">
+    <dgm:fillClrLst meth="repeat">
+      <a:schemeClr val="accent1"/>
+    </dgm:fillClrLst>
+    <dgm:linClrLst meth="repeat">
+      <a:schemeClr val="accent1"/>
+    </dgm:linClrLst>
+    <dgm:effectClrLst/>
+    <dgm:txLinClrLst/>
+    <dgm:txFillClrLst meth="repeat">
+      <a:schemeClr val="lt1"/>
+    </dgm:txFillClrLst>
+    <dgm:txEffectClrLst/>
+  </dgm:styleLbl>
+  <dgm:styleLbl name="parChTrans1D1">
+    <dgm:fillClrLst meth="repeat">
+      <a:schemeClr val="accent1"/>
+    </dgm:fillClrLst>
+    <dgm:linClrLst meth="repeat">
+      <a:schemeClr val="accent1">
+        <a:shade val="60000"/>
+      </a:schemeClr>
+    </dgm:linClrLst>
+    <dgm:effectClrLst/>
+    <dgm:txLinClrLst/>
+    <dgm:txFillClrLst meth="repeat">
+      <a:schemeClr val="tx1"/>
+    </dgm:txFillClrLst>
+    <dgm:txEffectClrLst/>
+  </dgm:styleLbl>
+  <dgm:styleLbl name="parChTrans1D2">
+    <dgm:fillClrLst meth="repeat">
+      <a:schemeClr val="accent1"/>
+    </dgm:fillClrLst>
+    <dgm:linClrLst meth="repeat">
+      <a:schemeClr val="accent1">
+        <a:shade val="60000"/>
+      </a:schemeClr>
+    </dgm:linClrLst>
+    <dgm:effectClrLst/>
+    <dgm:txLinClrLst/>
+    <dgm:txFillClrLst meth="repeat">
+      <a:schemeClr val="tx1"/>
+    </dgm:txFillClrLst>
+    <dgm:txEffectClrLst/>
+  </dgm:styleLbl>
+  <dgm:styleLbl name="parChTrans1D3">
+    <dgm:fillClrLst meth="repeat">
+      <a:schemeClr val="accent1"/>
+    </dgm:fillClrLst>
+    <dgm:linClrLst meth="repeat">
+      <a:schemeClr val="accent1">
+        <a:shade val="80000"/>
+      </a:schemeClr>
+    </dgm:linClrLst>
+    <dgm:effectClrLst/>
+    <dgm:txLinClrLst/>
+    <dgm:txFillClrLst meth="repeat">
+      <a:schemeClr val="tx1"/>
+    </dgm:txFillClrLst>
+    <dgm:txEffectClrLst/>
+  </dgm:styleLbl>
+  <dgm:styleLbl name="parChTrans1D4">
+    <dgm:fillClrLst meth="repeat">
+      <a:schemeClr val="accent1"/>
+    </dgm:fillClrLst>
+    <dgm:linClrLst meth="repeat">
+      <a:schemeClr val="accent1">
+        <a:shade val="80000"/>
+      </a:schemeClr>
+    </dgm:linClrLst>
+    <dgm:effectClrLst/>
+    <dgm:txLinClrLst/>
+    <dgm:txFillClrLst meth="repeat">
+      <a:schemeClr val="tx1"/>
+    </dgm:txFillClrLst>
+    <dgm:txEffectClrLst/>
+  </dgm:styleLbl>
+  <dgm:styleLbl name="fgAcc1">
+    <dgm:fillClrLst meth="repeat">
+      <a:schemeClr val="lt1">
+        <a:alpha val="90000"/>
+      </a:schemeClr>
+    </dgm:fillClrLst>
+    <dgm:linClrLst meth="repeat">
+      <a:schemeClr val="accent1"/>
+    </dgm:linClrLst>
+    <dgm:effectClrLst/>
+    <dgm:txLinClrLst/>
+    <dgm:txFillClrLst meth="repeat">
+      <a:schemeClr val="dk1"/>
+    </dgm:txFillClrLst>
+    <dgm:txEffectClrLst/>
+  </dgm:styleLbl>
+  <dgm:styleLbl name="conFgAcc1">
+    <dgm:fillClrLst meth="repeat">
+      <a:schemeClr val="lt1">
+        <a:alpha val="90000"/>
+      </a:schemeClr>
+    </dgm:fillClrLst>
+    <dgm:linClrLst meth="repeat">
+      <a:schemeClr val="accent1"/>
+    </dgm:linClrLst>
+    <dgm:effectClrLst/>
+    <dgm:txLinClrLst/>
+    <dgm:txFillClrLst meth="repeat">
+      <a:schemeClr val="dk1"/>
+    </dgm:txFillClrLst>
+    <dgm:txEffectClrLst/>
+  </dgm:styleLbl>
+  <dgm:styleLbl name="alignAcc1">
+    <dgm:fillClrLst meth="repeat">
+      <a:schemeClr val="lt1">
+        <a:alpha val="90000"/>
+      </a:schemeClr>
+    </dgm:fillClrLst>
+    <dgm:linClrLst meth="repeat">
+      <a:schemeClr val="accent1"/>
+    </dgm:linClrLst>
+    <dgm:effectClrLst/>
+    <dgm:txLinClrLst/>
+    <dgm:txFillClrLst meth="repeat">
+      <a:schemeClr val="dk1"/>
+    </dgm:txFillClrLst>
+    <dgm:txEffectClrLst/>
+  </dgm:styleLbl>
+  <dgm:styleLbl name="trAlignAcc1">
+    <dgm:fillClrLst meth="repeat">
+      <a:schemeClr val="lt1">
+        <a:alpha val="40000"/>
+      </a:schemeClr>
+    </dgm:fillClrLst>
+    <dgm:linClrLst meth="repeat">
+      <a:schemeClr val="accent1"/>
+    </dgm:linClrLst>
+    <dgm:effectClrLst/>
+    <dgm:txLinClrLst/>
+    <dgm:txFillClrLst meth="repeat">
+      <a:schemeClr val="dk1"/>
+    </dgm:txFillClrLst>
+    <dgm:txEffectClrLst/>
+  </dgm:styleLbl>
+  <dgm:styleLbl name="bgAcc1">
+    <dgm:fillClrLst meth="repeat">
+      <a:schemeClr val="lt1">
+        <a:alpha val="90000"/>
+      </a:schemeClr>
+    </dgm:fillClrLst>
+    <dgm:linClrLst meth="repeat">
+      <a:schemeClr val="accent1"/>
+    </dgm:linClrLst>
+    <dgm:effectClrLst/>
+    <dgm:txLinClrLst/>
+    <dgm:txFillClrLst meth="repeat">
+      <a:schemeClr val="dk1"/>
+    </dgm:txFillClrLst>
+    <dgm:txEffectClrLst/>
+  </dgm:styleLbl>
+  <dgm:styleLbl name="solidFgAcc1">
+    <dgm:fillClrLst meth="repeat">
+      <a:schemeClr val="lt1"/>
+    </dgm:fillClrLst>
+    <dgm:linClrLst meth="repeat">
+      <a:schemeClr val="accent1"/>
+    </dgm:linClrLst>
+    <dgm:effectClrLst/>
+    <dgm:txLinClrLst/>
+    <dgm:txFillClrLst meth="repeat">
+      <a:schemeClr val="dk1"/>
+    </dgm:txFillClrLst>
+    <dgm:txEffectClrLst/>
+  </dgm:styleLbl>
+  <dgm:styleLbl name="solidAlignAcc1">
+    <dgm:fillClrLst meth="repeat">
+      <a:schemeClr val="lt1"/>
+    </dgm:fillClrLst>
+    <dgm:linClrLst meth="repeat">
+      <a:schemeClr val="accent1"/>
+    </dgm:linClrLst>
+    <dgm:effectClrLst/>
+    <dgm:txLinClrLst/>
+    <dgm:txFillClrLst meth="repeat">
+      <a:schemeClr val="dk1"/>
+    </dgm:txFillClrLst>
+    <dgm:txEffectClrLst/>
+  </dgm:styleLbl>
+  <dgm:styleLbl name="solidBgAcc1">
+    <dgm:fillClrLst meth="repeat">
+      <a:schemeClr val="lt1"/>
+    </dgm:fillClrLst>
+    <dgm:linClrLst meth="repeat">
+      <a:schemeClr val="accent1"/>
+    </dgm:linClrLst>
+    <dgm:effectClrLst/>
+    <dgm:txLinClrLst/>
+    <dgm:txFillClrLst meth="repeat">
+      <a:schemeClr val="dk1"/>
+    </dgm:txFillClrLst>
+    <dgm:txEffectClrLst/>
+  </dgm:styleLbl>
+  <dgm:styleLbl name="fgAccFollowNode1">
+    <dgm:fillClrLst meth="repeat">
+      <a:schemeClr val="accent1">
+        <a:alpha val="90000"/>
+        <a:tint val="40000"/>
+      </a:schemeClr>
+    </dgm:fillClrLst>
+    <dgm:linClrLst meth="repeat">
+      <a:schemeClr val="accent1">
+        <a:alpha val="90000"/>
+        <a:tint val="40000"/>
+      </a:schemeClr>
+    </dgm:linClrLst>
+    <dgm:effectClrLst/>
+    <dgm:txLinClrLst/>
+    <dgm:txFillClrLst meth="repeat">
+      <a:schemeClr val="dk1"/>
+    </dgm:txFillClrLst>
+    <dgm:txEffectClrLst/>
+  </dgm:styleLbl>
+  <dgm:styleLbl name="alignAccFollowNode1">
+    <dgm:fillClrLst meth="repeat">
+      <a:schemeClr val="accent1">
+        <a:alpha val="90000"/>
+        <a:tint val="40000"/>
+      </a:schemeClr>
+    </dgm:fillClrLst>
+    <dgm:linClrLst meth="repeat">
+      <a:schemeClr val="accent1">
+        <a:alpha val="90000"/>
+        <a:tint val="40000"/>
+      </a:schemeClr>
+    </dgm:linClrLst>
+    <dgm:effectClrLst/>
+    <dgm:txLinClrLst/>
+    <dgm:txFillClrLst meth="repeat">
+      <a:schemeClr val="dk1"/>
+    </dgm:txFillClrLst>
+    <dgm:txEffectClrLst/>
+  </dgm:styleLbl>
+  <dgm:styleLbl name="bgAccFollowNode1">
+    <dgm:fillClrLst meth="repeat">
+      <a:schemeClr val="accent1">
+        <a:alpha val="90000"/>
+        <a:tint val="40000"/>
+      </a:schemeClr>
+    </dgm:fillClrLst>
+    <dgm:linClrLst meth="repeat">
+      <a:schemeClr val="accent1">
+        <a:alpha val="90000"/>
+        <a:tint val="40000"/>
+      </a:schemeClr>
+    </dgm:linClrLst>
+    <dgm:effectClrLst/>
+    <dgm:txLinClrLst/>
+    <dgm:txFillClrLst meth="repeat">
+      <a:schemeClr val="dk1"/>
+    </dgm:txFillClrLst>
+    <dgm:txEffectClrLst/>
+  </dgm:styleLbl>
+  <dgm:styleLbl name="fgAcc0">
+    <dgm:fillClrLst meth="repeat">
+      <a:schemeClr val="lt1">
+        <a:alpha val="90000"/>
+      </a:schemeClr>
+    </dgm:fillClrLst>
+    <dgm:linClrLst meth="repeat">
+      <a:schemeClr val="accent1"/>
+    </dgm:linClrLst>
+    <dgm:effectClrLst/>
+    <dgm:txLinClrLst/>
+    <dgm:txFillClrLst meth="repeat">
+      <a:schemeClr val="dk1"/>
+    </dgm:txFillClrLst>
+    <dgm:txEffectClrLst/>
+  </dgm:styleLbl>
+  <dgm:styleLbl name="fgAcc2">
+    <dgm:fillClrLst meth="repeat">
+      <a:schemeClr val="lt1">
+        <a:alpha val="90000"/>
+      </a:schemeClr>
+    </dgm:fillClrLst>
+    <dgm:linClrLst meth="repeat">
+      <a:schemeClr val="accent1"/>
+    </dgm:linClrLst>
+    <dgm:effectClrLst/>
+    <dgm:txLinClrLst/>
+    <dgm:txFillClrLst meth="repeat">
+      <a:schemeClr val="dk1"/>
+    </dgm:txFillClrLst>
+    <dgm:txEffectClrLst/>
+  </dgm:styleLbl>
+  <dgm:styleLbl name="fgAcc3">
+    <dgm:fillClrLst meth="repeat">
+      <a:schemeClr val="lt1">
+        <a:alpha val="90000"/>
+      </a:schemeClr>
+    </dgm:fillClrLst>
+    <dgm:linClrLst meth="repeat">
+      <a:schemeClr val="accent1"/>
+    </dgm:linClrLst>
+    <dgm:effectClrLst/>
+    <dgm:txLinClrLst/>
+    <dgm:txFillClrLst meth="repeat">
+      <a:schemeClr val="dk1"/>
+    </dgm:txFillClrLst>
+    <dgm:txEffectClrLst/>
+  </dgm:styleLbl>
+  <dgm:styleLbl name="fgAcc4">
+    <dgm:fillClrLst meth="repeat">
+      <a:schemeClr val="lt1">
+        <a:alpha val="90000"/>
+      </a:schemeClr>
+    </dgm:fillClrLst>
+    <dgm:linClrLst meth="repeat">
+      <a:schemeClr val="accent1"/>
+    </dgm:linClrLst>
+    <dgm:effectClrLst/>
+    <dgm:txLinClrLst/>
+    <dgm:txFillClrLst meth="repeat">
+      <a:schemeClr val="dk1"/>
+    </dgm:txFillClrLst>
+    <dgm:txEffectClrLst/>
+  </dgm:styleLbl>
+  <dgm:styleLbl name="bgShp">
+    <dgm:fillClrLst meth="repeat">
+      <a:schemeClr val="accent1">
+        <a:tint val="40000"/>
+      </a:schemeClr>
+    </dgm:fillClrLst>
+    <dgm:linClrLst meth="repeat">
+      <a:schemeClr val="accent1"/>
+    </dgm:linClrLst>
+    <dgm:effectClrLst/>
+    <dgm:txLinClrLst/>
+    <dgm:txFillClrLst meth="repeat">
+      <a:schemeClr val="dk1"/>
+    </dgm:txFillClrLst>
+    <dgm:txEffectClrLst/>
+  </dgm:styleLbl>
+  <dgm:styleLbl name="dkBgShp">
+    <dgm:fillClrLst meth="repeat">
+      <a:schemeClr val="accent1">
+        <a:shade val="80000"/>
+      </a:schemeClr>
+    </dgm:fillClrLst>
+    <dgm:linClrLst meth="repeat">
+      <a:schemeClr val="accent1"/>
+    </dgm:linClrLst>
+    <dgm:effectClrLst/>
+    <dgm:txLinClrLst/>
+    <dgm:txFillClrLst meth="repeat">
+      <a:schemeClr val="lt1"/>
+    </dgm:txFillClrLst>
+    <dgm:txEffectClrLst/>
+  </dgm:styleLbl>
+  <dgm:styleLbl name="trBgShp">
+    <dgm:fillClrLst meth="repeat">
+      <a:schemeClr val="accent1">
+        <a:tint val="50000"/>
+        <a:alpha val="40000"/>
+      </a:schemeClr>
+    </dgm:fillClrLst>
+    <dgm:linClrLst meth="repeat">
+      <a:schemeClr val="accent1"/>
+    </dgm:linClrLst>
+    <dgm:effectClrLst/>
+    <dgm:txLinClrLst/>
+    <dgm:txFillClrLst meth="repeat">
+      <a:schemeClr val="lt1"/>
+    </dgm:txFillClrLst>
+    <dgm:txEffectClrLst/>
+  </dgm:styleLbl>
+  <dgm:styleLbl name="fgShp">
+    <dgm:fillClrLst meth="repeat">
+      <a:schemeClr val="accent1">
+        <a:tint val="60000"/>
+      </a:schemeClr>
+    </dgm:fillClrLst>
+    <dgm:linClrLst meth="repeat">
+      <a:schemeClr val="lt1"/>
+    </dgm:linClrLst>
+    <dgm:effectClrLst/>
+    <dgm:txLinClrLst/>
+    <dgm:txFillClrLst meth="repeat">
+      <a:schemeClr val="dk1"/>
+    </dgm:txFillClrLst>
+    <dgm:txEffectClrLst/>
+  </dgm:styleLbl>
+  <dgm:styleLbl name="revTx">
+    <dgm:fillClrLst meth="repeat">
+      <a:schemeClr val="lt1">
+        <a:alpha val="0"/>
+      </a:schemeClr>
+    </dgm:fillClrLst>
+    <dgm:linClrLst meth="repeat">
+      <a:schemeClr val="dk1">
+        <a:alpha val="0"/>
+      </a:schemeClr>
+    </dgm:linClrLst>
+    <dgm:effectClrLst/>
+    <dgm:txLinClrLst/>
+    <dgm:txFillClrLst meth="repeat">
+      <a:schemeClr val="tx1"/>
+    </dgm:txFillClrLst>
+    <dgm:txEffectClrLst/>
+  </dgm:styleLbl>
+</dgm:colorsDef>
+</file>
+
 <file path=ppt/diagrams/data1.xml><?xml version="1.0" encoding="utf-8"?>
+<dgm:dataModel xmlns:dgm="http://schemas.openxmlformats.org/drawingml/2006/diagram" xmlns:a="http://schemas.openxmlformats.org/drawingml/2006/main">
+  <dgm:ptLst>
+    <dgm:pt modelId="{8202CEFD-808F-4694-927F-74F8105641E6}" type="doc">
+      <dgm:prSet loTypeId="urn:microsoft.com/office/officeart/2005/8/layout/equation2" loCatId="process" qsTypeId="urn:microsoft.com/office/officeart/2005/8/quickstyle/simple1" qsCatId="simple" csTypeId="urn:microsoft.com/office/officeart/2005/8/colors/accent1_1" csCatId="accent1" phldr="1"/>
+      <dgm:spPr/>
+    </dgm:pt>
+    <dgm:pt modelId="{32AD97E4-20C6-45AE-9FF4-01C56C8AF328}">
+      <dgm:prSet phldrT="[Текст]"/>
+      <dgm:spPr/>
+      <dgm:t>
+        <a:bodyPr/>
+        <a:lstStyle/>
+        <a:p>
+          <a:r>
+            <a:rPr lang="ru-RU" dirty="0" smtClean="0"/>
+            <a:t>ООП</a:t>
+          </a:r>
+          <a:endParaRPr lang="ru-RU" dirty="0"/>
+        </a:p>
+      </dgm:t>
+    </dgm:pt>
+    <dgm:pt modelId="{106C0348-8546-46B0-B0FE-9E75ED4FDF2A}" type="parTrans" cxnId="{F97515DD-3FB7-4902-A0B1-5974D87C2C07}">
+      <dgm:prSet/>
+      <dgm:spPr/>
+      <dgm:t>
+        <a:bodyPr/>
+        <a:lstStyle/>
+        <a:p>
+          <a:endParaRPr lang="ru-RU"/>
+        </a:p>
+      </dgm:t>
+    </dgm:pt>
+    <dgm:pt modelId="{A266BA56-49B0-40A8-A411-7D4A6AD026C8}" type="sibTrans" cxnId="{F97515DD-3FB7-4902-A0B1-5974D87C2C07}">
+      <dgm:prSet/>
+      <dgm:spPr/>
+      <dgm:t>
+        <a:bodyPr/>
+        <a:lstStyle/>
+        <a:p>
+          <a:endParaRPr lang="ru-RU"/>
+        </a:p>
+      </dgm:t>
+    </dgm:pt>
+    <dgm:pt modelId="{732332F0-6B31-4530-90F0-EB3486BB5925}">
+      <dgm:prSet phldrT="[Текст]"/>
+      <dgm:spPr/>
+      <dgm:t>
+        <a:bodyPr/>
+        <a:lstStyle/>
+        <a:p>
+          <a:r>
+            <a:rPr lang="ru-RU" dirty="0" smtClean="0"/>
+            <a:t>Среда</a:t>
+          </a:r>
+          <a:endParaRPr lang="ru-RU" dirty="0"/>
+        </a:p>
+      </dgm:t>
+    </dgm:pt>
+    <dgm:pt modelId="{4C039156-FBE2-4D30-B73A-0F1A1CFE1E8B}" type="parTrans" cxnId="{A040E454-1AC0-4C94-9819-994D6105F608}">
+      <dgm:prSet/>
+      <dgm:spPr/>
+      <dgm:t>
+        <a:bodyPr/>
+        <a:lstStyle/>
+        <a:p>
+          <a:endParaRPr lang="ru-RU"/>
+        </a:p>
+      </dgm:t>
+    </dgm:pt>
+    <dgm:pt modelId="{1509C92A-E692-4D12-8E80-64F104CEA235}" type="sibTrans" cxnId="{A040E454-1AC0-4C94-9819-994D6105F608}">
+      <dgm:prSet/>
+      <dgm:spPr/>
+      <dgm:t>
+        <a:bodyPr/>
+        <a:lstStyle/>
+        <a:p>
+          <a:endParaRPr lang="ru-RU"/>
+        </a:p>
+      </dgm:t>
+    </dgm:pt>
+    <dgm:pt modelId="{280360DD-967A-452B-87CB-08353B4A3555}">
+      <dgm:prSet phldrT="[Текст]"/>
+      <dgm:spPr/>
+      <dgm:t>
+        <a:bodyPr/>
+        <a:lstStyle/>
+        <a:p>
+          <a:r>
+            <a:rPr lang="ru-RU" dirty="0" smtClean="0"/>
+            <a:t>Динамическая среда исполнения</a:t>
+          </a:r>
+          <a:endParaRPr lang="ru-RU" dirty="0"/>
+        </a:p>
+      </dgm:t>
+    </dgm:pt>
+    <dgm:pt modelId="{6E7C50CC-8DD6-41FA-B339-43A3445DF079}" type="parTrans" cxnId="{FCB56887-07F0-4F92-AC80-C2CAE8A6F413}">
+      <dgm:prSet/>
+      <dgm:spPr/>
+      <dgm:t>
+        <a:bodyPr/>
+        <a:lstStyle/>
+        <a:p>
+          <a:endParaRPr lang="ru-RU"/>
+        </a:p>
+      </dgm:t>
+    </dgm:pt>
+    <dgm:pt modelId="{E76869D1-3BEE-4703-9B40-CE6577410AF1}" type="sibTrans" cxnId="{FCB56887-07F0-4F92-AC80-C2CAE8A6F413}">
+      <dgm:prSet/>
+      <dgm:spPr/>
+      <dgm:t>
+        <a:bodyPr/>
+        <a:lstStyle/>
+        <a:p>
+          <a:endParaRPr lang="ru-RU"/>
+        </a:p>
+      </dgm:t>
+    </dgm:pt>
+    <dgm:pt modelId="{C8A5F25D-B713-4F3B-8684-E5B6DA8E7835}" type="pres">
+      <dgm:prSet presAssocID="{8202CEFD-808F-4694-927F-74F8105641E6}" presName="Name0" presStyleCnt="0">
+        <dgm:presLayoutVars>
+          <dgm:dir/>
+          <dgm:resizeHandles val="exact"/>
+        </dgm:presLayoutVars>
+      </dgm:prSet>
+      <dgm:spPr/>
+    </dgm:pt>
+    <dgm:pt modelId="{6D002B97-0A9E-4CA6-AC73-4D98174A712D}" type="pres">
+      <dgm:prSet presAssocID="{8202CEFD-808F-4694-927F-74F8105641E6}" presName="vNodes" presStyleCnt="0"/>
+      <dgm:spPr/>
+    </dgm:pt>
+    <dgm:pt modelId="{9F1F12AB-C07E-461D-BB13-01F005A9B56F}" type="pres">
+      <dgm:prSet presAssocID="{32AD97E4-20C6-45AE-9FF4-01C56C8AF328}" presName="node" presStyleLbl="node1" presStyleIdx="0" presStyleCnt="3">
+        <dgm:presLayoutVars>
+          <dgm:bulletEnabled val="1"/>
+        </dgm:presLayoutVars>
+      </dgm:prSet>
+      <dgm:spPr/>
+    </dgm:pt>
+    <dgm:pt modelId="{B79D5CA3-28F9-4FAC-A692-2DA81D1A97A5}" type="pres">
+      <dgm:prSet presAssocID="{A266BA56-49B0-40A8-A411-7D4A6AD026C8}" presName="spacerT" presStyleCnt="0"/>
+      <dgm:spPr/>
+    </dgm:pt>
+    <dgm:pt modelId="{890B29F2-437E-47C7-9768-4252E015FB01}" type="pres">
+      <dgm:prSet presAssocID="{A266BA56-49B0-40A8-A411-7D4A6AD026C8}" presName="sibTrans" presStyleLbl="sibTrans2D1" presStyleIdx="0" presStyleCnt="2"/>
+      <dgm:spPr/>
+    </dgm:pt>
+    <dgm:pt modelId="{09BA9280-5188-4A0B-9021-E2A88EA5F40E}" type="pres">
+      <dgm:prSet presAssocID="{A266BA56-49B0-40A8-A411-7D4A6AD026C8}" presName="spacerB" presStyleCnt="0"/>
+      <dgm:spPr/>
+    </dgm:pt>
+    <dgm:pt modelId="{7B55F157-C1D2-4F4E-9744-9A70E800B009}" type="pres">
+      <dgm:prSet presAssocID="{732332F0-6B31-4530-90F0-EB3486BB5925}" presName="node" presStyleLbl="node1" presStyleIdx="1" presStyleCnt="3">
+        <dgm:presLayoutVars>
+          <dgm:bulletEnabled val="1"/>
+        </dgm:presLayoutVars>
+      </dgm:prSet>
+      <dgm:spPr/>
+    </dgm:pt>
+    <dgm:pt modelId="{05D8B1FA-6E12-4ACD-9455-90D28DF79B1E}" type="pres">
+      <dgm:prSet presAssocID="{8202CEFD-808F-4694-927F-74F8105641E6}" presName="sibTransLast" presStyleLbl="sibTrans2D1" presStyleIdx="1" presStyleCnt="2"/>
+      <dgm:spPr/>
+    </dgm:pt>
+    <dgm:pt modelId="{69644CC2-327F-430D-A17F-B68F3267BA36}" type="pres">
+      <dgm:prSet presAssocID="{8202CEFD-808F-4694-927F-74F8105641E6}" presName="connectorText" presStyleLbl="sibTrans2D1" presStyleIdx="1" presStyleCnt="2"/>
+      <dgm:spPr/>
+    </dgm:pt>
+    <dgm:pt modelId="{22202C48-C455-412A-BCBB-943E3E3B478E}" type="pres">
+      <dgm:prSet presAssocID="{8202CEFD-808F-4694-927F-74F8105641E6}" presName="lastNode" presStyleLbl="node1" presStyleIdx="2" presStyleCnt="3">
+        <dgm:presLayoutVars>
+          <dgm:bulletEnabled val="1"/>
+        </dgm:presLayoutVars>
+      </dgm:prSet>
+      <dgm:spPr/>
+      <dgm:t>
+        <a:bodyPr/>
+        <a:lstStyle/>
+        <a:p>
+          <a:endParaRPr lang="ru-RU"/>
+        </a:p>
+      </dgm:t>
+    </dgm:pt>
+  </dgm:ptLst>
+  <dgm:cxnLst>
+    <dgm:cxn modelId="{89340772-7B7C-4991-AC1C-F4B363682154}" type="presOf" srcId="{280360DD-967A-452B-87CB-08353B4A3555}" destId="{22202C48-C455-412A-BCBB-943E3E3B478E}" srcOrd="0" destOrd="0" presId="urn:microsoft.com/office/officeart/2005/8/layout/equation2"/>
+    <dgm:cxn modelId="{A040E454-1AC0-4C94-9819-994D6105F608}" srcId="{8202CEFD-808F-4694-927F-74F8105641E6}" destId="{732332F0-6B31-4530-90F0-EB3486BB5925}" srcOrd="1" destOrd="0" parTransId="{4C039156-FBE2-4D30-B73A-0F1A1CFE1E8B}" sibTransId="{1509C92A-E692-4D12-8E80-64F104CEA235}"/>
+    <dgm:cxn modelId="{B31EB41D-48F0-4CD7-9949-DA1D63E56EEA}" type="presOf" srcId="{732332F0-6B31-4530-90F0-EB3486BB5925}" destId="{7B55F157-C1D2-4F4E-9744-9A70E800B009}" srcOrd="0" destOrd="0" presId="urn:microsoft.com/office/officeart/2005/8/layout/equation2"/>
+    <dgm:cxn modelId="{4DB27EBB-8F95-455D-AD89-DDD7048DDFAA}" type="presOf" srcId="{1509C92A-E692-4D12-8E80-64F104CEA235}" destId="{69644CC2-327F-430D-A17F-B68F3267BA36}" srcOrd="1" destOrd="0" presId="urn:microsoft.com/office/officeart/2005/8/layout/equation2"/>
+    <dgm:cxn modelId="{99401E6E-5A4C-47B8-9828-EFA50215BD60}" type="presOf" srcId="{8202CEFD-808F-4694-927F-74F8105641E6}" destId="{C8A5F25D-B713-4F3B-8684-E5B6DA8E7835}" srcOrd="0" destOrd="0" presId="urn:microsoft.com/office/officeart/2005/8/layout/equation2"/>
+    <dgm:cxn modelId="{BF02BE18-FFEA-4C73-9845-E36352EC9F26}" type="presOf" srcId="{1509C92A-E692-4D12-8E80-64F104CEA235}" destId="{05D8B1FA-6E12-4ACD-9455-90D28DF79B1E}" srcOrd="0" destOrd="0" presId="urn:microsoft.com/office/officeart/2005/8/layout/equation2"/>
+    <dgm:cxn modelId="{FCB56887-07F0-4F92-AC80-C2CAE8A6F413}" srcId="{8202CEFD-808F-4694-927F-74F8105641E6}" destId="{280360DD-967A-452B-87CB-08353B4A3555}" srcOrd="2" destOrd="0" parTransId="{6E7C50CC-8DD6-41FA-B339-43A3445DF079}" sibTransId="{E76869D1-3BEE-4703-9B40-CE6577410AF1}"/>
+    <dgm:cxn modelId="{F97515DD-3FB7-4902-A0B1-5974D87C2C07}" srcId="{8202CEFD-808F-4694-927F-74F8105641E6}" destId="{32AD97E4-20C6-45AE-9FF4-01C56C8AF328}" srcOrd="0" destOrd="0" parTransId="{106C0348-8546-46B0-B0FE-9E75ED4FDF2A}" sibTransId="{A266BA56-49B0-40A8-A411-7D4A6AD026C8}"/>
+    <dgm:cxn modelId="{9A3D5DE4-876C-4086-83C1-932C694292B7}" type="presOf" srcId="{32AD97E4-20C6-45AE-9FF4-01C56C8AF328}" destId="{9F1F12AB-C07E-461D-BB13-01F005A9B56F}" srcOrd="0" destOrd="0" presId="urn:microsoft.com/office/officeart/2005/8/layout/equation2"/>
+    <dgm:cxn modelId="{15710FF4-F50B-443B-B49A-7BC9D1A95346}" type="presOf" srcId="{A266BA56-49B0-40A8-A411-7D4A6AD026C8}" destId="{890B29F2-437E-47C7-9768-4252E015FB01}" srcOrd="0" destOrd="0" presId="urn:microsoft.com/office/officeart/2005/8/layout/equation2"/>
+    <dgm:cxn modelId="{17B3D1B3-336C-4188-8151-EFD628D24268}" type="presParOf" srcId="{C8A5F25D-B713-4F3B-8684-E5B6DA8E7835}" destId="{6D002B97-0A9E-4CA6-AC73-4D98174A712D}" srcOrd="0" destOrd="0" presId="urn:microsoft.com/office/officeart/2005/8/layout/equation2"/>
+    <dgm:cxn modelId="{B07A85C4-53D8-4B14-9A69-98E0FF7A60FB}" type="presParOf" srcId="{6D002B97-0A9E-4CA6-AC73-4D98174A712D}" destId="{9F1F12AB-C07E-461D-BB13-01F005A9B56F}" srcOrd="0" destOrd="0" presId="urn:microsoft.com/office/officeart/2005/8/layout/equation2"/>
+    <dgm:cxn modelId="{E2544D89-9877-47A5-B94F-0E93B9926060}" type="presParOf" srcId="{6D002B97-0A9E-4CA6-AC73-4D98174A712D}" destId="{B79D5CA3-28F9-4FAC-A692-2DA81D1A97A5}" srcOrd="1" destOrd="0" presId="urn:microsoft.com/office/officeart/2005/8/layout/equation2"/>
+    <dgm:cxn modelId="{B330A21B-08DD-4AC0-86EC-A7260D0D6B5F}" type="presParOf" srcId="{6D002B97-0A9E-4CA6-AC73-4D98174A712D}" destId="{890B29F2-437E-47C7-9768-4252E015FB01}" srcOrd="2" destOrd="0" presId="urn:microsoft.com/office/officeart/2005/8/layout/equation2"/>
+    <dgm:cxn modelId="{152ACC8F-28E9-4B62-BC8A-064247CEB7EA}" type="presParOf" srcId="{6D002B97-0A9E-4CA6-AC73-4D98174A712D}" destId="{09BA9280-5188-4A0B-9021-E2A88EA5F40E}" srcOrd="3" destOrd="0" presId="urn:microsoft.com/office/officeart/2005/8/layout/equation2"/>
+    <dgm:cxn modelId="{A6ED0C66-DE4F-492D-AAF5-0EA1B86503EA}" type="presParOf" srcId="{6D002B97-0A9E-4CA6-AC73-4D98174A712D}" destId="{7B55F157-C1D2-4F4E-9744-9A70E800B009}" srcOrd="4" destOrd="0" presId="urn:microsoft.com/office/officeart/2005/8/layout/equation2"/>
+    <dgm:cxn modelId="{51BABE29-EC3A-44D6-AF87-A7889ED3EBBB}" type="presParOf" srcId="{C8A5F25D-B713-4F3B-8684-E5B6DA8E7835}" destId="{05D8B1FA-6E12-4ACD-9455-90D28DF79B1E}" srcOrd="1" destOrd="0" presId="urn:microsoft.com/office/officeart/2005/8/layout/equation2"/>
+    <dgm:cxn modelId="{4C11E044-854F-44E7-A195-DE55D691A0EE}" type="presParOf" srcId="{05D8B1FA-6E12-4ACD-9455-90D28DF79B1E}" destId="{69644CC2-327F-430D-A17F-B68F3267BA36}" srcOrd="0" destOrd="0" presId="urn:microsoft.com/office/officeart/2005/8/layout/equation2"/>
+    <dgm:cxn modelId="{AD3DBA79-8CC6-4300-AA9B-8149F771C4C6}" type="presParOf" srcId="{C8A5F25D-B713-4F3B-8684-E5B6DA8E7835}" destId="{22202C48-C455-412A-BCBB-943E3E3B478E}" srcOrd="2" destOrd="0" presId="urn:microsoft.com/office/officeart/2005/8/layout/equation2"/>
+  </dgm:cxnLst>
+  <dgm:bg/>
+  <dgm:whole/>
+  <dgm:extLst>
+    <a:ext uri="http://schemas.microsoft.com/office/drawing/2008/diagram">
+      <dsp:dataModelExt xmlns:dsp="http://schemas.microsoft.com/office/drawing/2008/diagram" relId="rId7" minVer="http://schemas.openxmlformats.org/drawingml/2006/diagram"/>
+    </a:ext>
+  </dgm:extLst>
+</dgm:dataModel>
+</file>
+
+<file path=ppt/diagrams/data2.xml><?xml version="1.0" encoding="utf-8"?>
 <dgm:dataModel xmlns:dgm="http://schemas.openxmlformats.org/drawingml/2006/diagram" xmlns:a="http://schemas.openxmlformats.org/drawingml/2006/main">
   <dgm:ptLst>
     <dgm:pt modelId="{C7663D2E-D6E3-488C-816A-9E4135DA5EA7}" type="doc">
@@ -3772,7 +5543,7 @@
 </dgm:dataModel>
 </file>
 
-<file path=ppt/diagrams/data2.xml><?xml version="1.0" encoding="utf-8"?>
+<file path=ppt/diagrams/data3.xml><?xml version="1.0" encoding="utf-8"?>
 <dgm:dataModel xmlns:dgm="http://schemas.openxmlformats.org/drawingml/2006/diagram" xmlns:a="http://schemas.openxmlformats.org/drawingml/2006/main">
   <dgm:ptLst>
     <dgm:pt modelId="{CD8C183C-2FBB-46DE-B39B-2FE56D3E5498}" type="doc">
@@ -4091,7 +5862,7 @@
 </dgm:dataModel>
 </file>
 
-<file path=ppt/diagrams/data3.xml><?xml version="1.0" encoding="utf-8"?>
+<file path=ppt/diagrams/data4.xml><?xml version="1.0" encoding="utf-8"?>
 <dgm:dataModel xmlns:dgm="http://schemas.openxmlformats.org/drawingml/2006/diagram" xmlns:a="http://schemas.openxmlformats.org/drawingml/2006/main">
   <dgm:ptLst>
     <dgm:pt modelId="{2EC91971-A4B6-44E5-BEEF-E4E75F2E68EE}" type="doc">
@@ -4434,7 +6205,7 @@
 </dgm:dataModel>
 </file>
 
-<file path=ppt/diagrams/data4.xml><?xml version="1.0" encoding="utf-8"?>
+<file path=ppt/diagrams/data5.xml><?xml version="1.0" encoding="utf-8"?>
 <dgm:dataModel xmlns:dgm="http://schemas.openxmlformats.org/drawingml/2006/diagram" xmlns:a="http://schemas.openxmlformats.org/drawingml/2006/main">
   <dgm:ptLst>
     <dgm:pt modelId="{1A2B4F42-0AB5-44FC-BD18-331CDE8A3CAD}" type="doc">
@@ -5226,35 +6997,35 @@
     </dgm:pt>
   </dgm:ptLst>
   <dgm:cxnLst>
+    <dgm:cxn modelId="{FC02B022-81CC-42E7-AD91-7AEBAA7B40F1}" type="presOf" srcId="{AA8BE08D-1173-4BDE-A6B4-3151D280CA14}" destId="{E43DB939-6F23-4514-9208-729410AE4A73}" srcOrd="0" destOrd="0" presId="urn:microsoft.com/office/officeart/2005/8/layout/chevron2"/>
+    <dgm:cxn modelId="{733B4DD4-E837-4484-B687-A22C49C2EB61}" srcId="{1A2B4F42-0AB5-44FC-BD18-331CDE8A3CAD}" destId="{48A5BE5C-9BAE-46E6-9EAE-3E9643D0F040}" srcOrd="1" destOrd="0" parTransId="{710C47EE-6F8D-4473-8DA1-E5314A0E2E2B}" sibTransId="{3AD8CA92-12D0-4C7F-9897-DFC8CEF50068}"/>
+    <dgm:cxn modelId="{C4524886-0B8B-4C5A-B358-3C586595CD70}" srcId="{F0CE30F2-B300-4D97-B71E-DB265D1A6A0D}" destId="{8B534C09-8A18-4985-9A93-E5C5232E39A9}" srcOrd="0" destOrd="0" parTransId="{6CE18C87-2EBD-4517-99AF-ABB9CC6084AB}" sibTransId="{3D16B76E-3AE8-4C9B-A792-8600C66E8E1E}"/>
+    <dgm:cxn modelId="{EDEFD8B6-7F4E-4B70-B15D-0D3A7CE7A00E}" srcId="{1A2B4F42-0AB5-44FC-BD18-331CDE8A3CAD}" destId="{3EA63519-AA89-4F95-8C73-5034D21E59BF}" srcOrd="0" destOrd="0" parTransId="{F04F4797-34DC-4280-9A4A-5E516BD17653}" sibTransId="{4F4A7401-D012-4811-8902-6A8861DD1192}"/>
+    <dgm:cxn modelId="{D1A73058-2BFC-4635-BC1F-0946272AA679}" srcId="{1A2B4F42-0AB5-44FC-BD18-331CDE8A3CAD}" destId="{46536F57-D59A-4EDB-88DD-DE941E2CDB52}" srcOrd="4" destOrd="0" parTransId="{CDCD3A05-CBC8-4032-98E8-A06616CA2AB7}" sibTransId="{81C1B152-4659-481A-BEBA-00BF5144CD9C}"/>
+    <dgm:cxn modelId="{2EC315FE-3723-4ADE-87DE-2DE6D8B3ED42}" type="presOf" srcId="{E72E7007-DC96-46EB-A0AF-7C11C99C0C7E}" destId="{549FC660-91D8-4751-B1B1-D01C73B2226D}" srcOrd="0" destOrd="0" presId="urn:microsoft.com/office/officeart/2005/8/layout/chevron2"/>
+    <dgm:cxn modelId="{C1910F58-AC67-4480-B5D5-500D8300913F}" type="presOf" srcId="{FAEF1F42-C67B-4A8A-9E12-41FDC5290F07}" destId="{B66D0B5E-9F1F-4996-A2A6-CECFC53B724F}" srcOrd="0" destOrd="0" presId="urn:microsoft.com/office/officeart/2005/8/layout/chevron2"/>
+    <dgm:cxn modelId="{DEA78DF2-288C-49F3-881E-2A12C28E5934}" srcId="{08807098-8173-485D-A578-A38AF1D80C6C}" destId="{AA8BE08D-1173-4BDE-A6B4-3151D280CA14}" srcOrd="0" destOrd="0" parTransId="{D434AFDF-CE43-4B83-AC32-D4E4D0290B5F}" sibTransId="{5E1F489E-D7C5-44FD-A1A3-04D59B67D3D3}"/>
+    <dgm:cxn modelId="{5D128A41-D8C8-490B-A96E-B6BF99591214}" srcId="{1A2B4F42-0AB5-44FC-BD18-331CDE8A3CAD}" destId="{82A3D12D-5DBA-4139-8125-9632D20344C0}" srcOrd="6" destOrd="0" parTransId="{AE332554-BD3C-404B-84D9-2EEF0FA86493}" sibTransId="{1FD01FA0-C5CB-4416-A9A9-6C795EB54394}"/>
+    <dgm:cxn modelId="{956F5759-D0E5-42AA-B95F-27314A35572B}" type="presOf" srcId="{8B534C09-8A18-4985-9A93-E5C5232E39A9}" destId="{66463D27-39F3-47CA-B4D6-F708B4EE319A}" srcOrd="0" destOrd="0" presId="urn:microsoft.com/office/officeart/2005/8/layout/chevron2"/>
+    <dgm:cxn modelId="{D40FDFB1-8BD7-4BD7-A2A5-21C6964715EB}" type="presOf" srcId="{46536F57-D59A-4EDB-88DD-DE941E2CDB52}" destId="{8490C617-2CE8-45AE-96AF-71AC9C7297E4}" srcOrd="0" destOrd="0" presId="urn:microsoft.com/office/officeart/2005/8/layout/chevron2"/>
+    <dgm:cxn modelId="{C44EE3FB-881F-47F1-A679-F16A25D069D0}" srcId="{3EA63519-AA89-4F95-8C73-5034D21E59BF}" destId="{FAEF1F42-C67B-4A8A-9E12-41FDC5290F07}" srcOrd="0" destOrd="0" parTransId="{B4DB3190-305E-43E7-968B-725AA300ED56}" sibTransId="{4003C8C3-76C1-4713-B446-A04AFEB69B2D}"/>
+    <dgm:cxn modelId="{4B32B947-1875-412F-B6AB-EB2689C12F13}" srcId="{0E715C82-7B9E-4BD1-BE9A-46A07AC4BF73}" destId="{94C851D7-643F-4F6A-907F-24F25BC578B2}" srcOrd="0" destOrd="0" parTransId="{0F0C90CE-83D4-4FBD-BF9D-A01C180F4989}" sibTransId="{1FEDE2C6-7D55-47ED-82AA-F36D819709A3}"/>
+    <dgm:cxn modelId="{F62970D0-F4F8-40EC-BC8F-7B2E4A19B8A1}" srcId="{1A2B4F42-0AB5-44FC-BD18-331CDE8A3CAD}" destId="{0E715C82-7B9E-4BD1-BE9A-46A07AC4BF73}" srcOrd="2" destOrd="0" parTransId="{6EA4062B-DC3C-413E-9AAC-A06DE51CEE1E}" sibTransId="{B4E30E3C-1CDE-4293-B0E6-ABE817CDB4E0}"/>
+    <dgm:cxn modelId="{F44B38DA-7DE8-4D4B-922E-06418E0483E2}" type="presOf" srcId="{F0CE30F2-B300-4D97-B71E-DB265D1A6A0D}" destId="{D5805F06-885F-4C36-B24C-43D053D7AC6E}" srcOrd="0" destOrd="0" presId="urn:microsoft.com/office/officeart/2005/8/layout/chevron2"/>
+    <dgm:cxn modelId="{4A99776C-8983-419C-AED0-889770B8961D}" type="presOf" srcId="{0E715C82-7B9E-4BD1-BE9A-46A07AC4BF73}" destId="{8BE77904-10B1-47D7-823E-F63AA3738A8F}" srcOrd="0" destOrd="0" presId="urn:microsoft.com/office/officeart/2005/8/layout/chevron2"/>
+    <dgm:cxn modelId="{AA51604D-50C2-44E8-8C7B-C643739905F3}" type="presOf" srcId="{28B1C933-CF01-4D4D-9C7E-CDE645EA629C}" destId="{DFCD5078-65B0-4F43-9A63-A8CAB2AC2759}" srcOrd="0" destOrd="0" presId="urn:microsoft.com/office/officeart/2005/8/layout/chevron2"/>
+    <dgm:cxn modelId="{6162899D-8914-44E4-A026-7CEFDB6F4AD9}" srcId="{82A3D12D-5DBA-4139-8125-9632D20344C0}" destId="{E72E7007-DC96-46EB-A0AF-7C11C99C0C7E}" srcOrd="0" destOrd="0" parTransId="{35D5888D-7271-462D-95A0-24674C5AA23D}" sibTransId="{6834C8F3-C2E7-41EE-8B29-9DE276E6ECB7}"/>
+    <dgm:cxn modelId="{EAF78E45-2672-4494-8674-3569401D5F89}" type="presOf" srcId="{3EA63519-AA89-4F95-8C73-5034D21E59BF}" destId="{71CDE68D-3753-4F31-B4E8-BC5EF45BFA00}" srcOrd="0" destOrd="0" presId="urn:microsoft.com/office/officeart/2005/8/layout/chevron2"/>
+    <dgm:cxn modelId="{998A3911-B63B-42DE-894A-C8514CAECDDC}" type="presOf" srcId="{08807098-8173-485D-A578-A38AF1D80C6C}" destId="{841751F1-A347-484C-9024-ECF7F5F5C4E7}" srcOrd="0" destOrd="0" presId="urn:microsoft.com/office/officeart/2005/8/layout/chevron2"/>
+    <dgm:cxn modelId="{57AAE7AF-18AE-40C9-B656-ADFCA4C9B3D3}" type="presOf" srcId="{1A2B4F42-0AB5-44FC-BD18-331CDE8A3CAD}" destId="{768B53D8-2061-49A1-A97C-CDEB6A139446}" srcOrd="0" destOrd="0" presId="urn:microsoft.com/office/officeart/2005/8/layout/chevron2"/>
+    <dgm:cxn modelId="{44B925CC-5DD4-4838-B0A9-C40D98202E3B}" type="presOf" srcId="{82A3D12D-5DBA-4139-8125-9632D20344C0}" destId="{D22CBBA7-221A-477B-93F8-2E5AB75E2AC3}" srcOrd="0" destOrd="0" presId="urn:microsoft.com/office/officeart/2005/8/layout/chevron2"/>
     <dgm:cxn modelId="{296A139D-54BC-4D82-999B-37BB3AE0085F}" type="presOf" srcId="{20D4E9DB-3B8D-4027-8A17-50B974C6567B}" destId="{583C6395-70CA-4560-A8CE-191C1BD88AC4}" srcOrd="0" destOrd="0" presId="urn:microsoft.com/office/officeart/2005/8/layout/chevron2"/>
+    <dgm:cxn modelId="{DD8CFE6D-55E4-438D-A7E3-E7637AC83AE9}" type="presOf" srcId="{48A5BE5C-9BAE-46E6-9EAE-3E9643D0F040}" destId="{6FBA01A9-1ACB-4855-AAB5-AAFDC1A2A53F}" srcOrd="0" destOrd="0" presId="urn:microsoft.com/office/officeart/2005/8/layout/chevron2"/>
+    <dgm:cxn modelId="{1E9F5C42-BEC5-46A8-B88A-3B91CE4FDABE}" srcId="{46536F57-D59A-4EDB-88DD-DE941E2CDB52}" destId="{28B1C933-CF01-4D4D-9C7E-CDE645EA629C}" srcOrd="0" destOrd="0" parTransId="{C7E97234-4A13-4550-B989-B4D48F071F6E}" sibTransId="{D8275AC3-0268-4A33-B3FC-476D08921FED}"/>
+    <dgm:cxn modelId="{AF2509D2-D194-4FEC-9A85-C7102BA37FAD}" type="presOf" srcId="{94C851D7-643F-4F6A-907F-24F25BC578B2}" destId="{72B0EC31-621D-40AC-BFBB-803A3C7A0AD9}" srcOrd="0" destOrd="0" presId="urn:microsoft.com/office/officeart/2005/8/layout/chevron2"/>
+    <dgm:cxn modelId="{A713BBB0-344F-4968-9C95-9FD94F821A48}" srcId="{48A5BE5C-9BAE-46E6-9EAE-3E9643D0F040}" destId="{20D4E9DB-3B8D-4027-8A17-50B974C6567B}" srcOrd="0" destOrd="0" parTransId="{A4F04CAF-F577-4215-8C23-5205684EBD2F}" sibTransId="{66C4B0AB-028F-4B31-932C-D483CE4D1542}"/>
     <dgm:cxn modelId="{D5048BB9-6E11-42C8-B2FB-4566219B6212}" srcId="{1A2B4F42-0AB5-44FC-BD18-331CDE8A3CAD}" destId="{08807098-8173-485D-A578-A38AF1D80C6C}" srcOrd="3" destOrd="0" parTransId="{F32F62E7-9F1A-4F43-973E-CE891FA4987C}" sibTransId="{3E238C47-BDE1-4919-BC46-88186AA7575C}"/>
-    <dgm:cxn modelId="{1E9F5C42-BEC5-46A8-B88A-3B91CE4FDABE}" srcId="{46536F57-D59A-4EDB-88DD-DE941E2CDB52}" destId="{28B1C933-CF01-4D4D-9C7E-CDE645EA629C}" srcOrd="0" destOrd="0" parTransId="{C7E97234-4A13-4550-B989-B4D48F071F6E}" sibTransId="{D8275AC3-0268-4A33-B3FC-476D08921FED}"/>
-    <dgm:cxn modelId="{2EC315FE-3723-4ADE-87DE-2DE6D8B3ED42}" type="presOf" srcId="{E72E7007-DC96-46EB-A0AF-7C11C99C0C7E}" destId="{549FC660-91D8-4751-B1B1-D01C73B2226D}" srcOrd="0" destOrd="0" presId="urn:microsoft.com/office/officeart/2005/8/layout/chevron2"/>
-    <dgm:cxn modelId="{5D128A41-D8C8-490B-A96E-B6BF99591214}" srcId="{1A2B4F42-0AB5-44FC-BD18-331CDE8A3CAD}" destId="{82A3D12D-5DBA-4139-8125-9632D20344C0}" srcOrd="6" destOrd="0" parTransId="{AE332554-BD3C-404B-84D9-2EEF0FA86493}" sibTransId="{1FD01FA0-C5CB-4416-A9A9-6C795EB54394}"/>
-    <dgm:cxn modelId="{DD8CFE6D-55E4-438D-A7E3-E7637AC83AE9}" type="presOf" srcId="{48A5BE5C-9BAE-46E6-9EAE-3E9643D0F040}" destId="{6FBA01A9-1ACB-4855-AAB5-AAFDC1A2A53F}" srcOrd="0" destOrd="0" presId="urn:microsoft.com/office/officeart/2005/8/layout/chevron2"/>
-    <dgm:cxn modelId="{733B4DD4-E837-4484-B687-A22C49C2EB61}" srcId="{1A2B4F42-0AB5-44FC-BD18-331CDE8A3CAD}" destId="{48A5BE5C-9BAE-46E6-9EAE-3E9643D0F040}" srcOrd="1" destOrd="0" parTransId="{710C47EE-6F8D-4473-8DA1-E5314A0E2E2B}" sibTransId="{3AD8CA92-12D0-4C7F-9897-DFC8CEF50068}"/>
-    <dgm:cxn modelId="{AA51604D-50C2-44E8-8C7B-C643739905F3}" type="presOf" srcId="{28B1C933-CF01-4D4D-9C7E-CDE645EA629C}" destId="{DFCD5078-65B0-4F43-9A63-A8CAB2AC2759}" srcOrd="0" destOrd="0" presId="urn:microsoft.com/office/officeart/2005/8/layout/chevron2"/>
-    <dgm:cxn modelId="{DEA78DF2-288C-49F3-881E-2A12C28E5934}" srcId="{08807098-8173-485D-A578-A38AF1D80C6C}" destId="{AA8BE08D-1173-4BDE-A6B4-3151D280CA14}" srcOrd="0" destOrd="0" parTransId="{D434AFDF-CE43-4B83-AC32-D4E4D0290B5F}" sibTransId="{5E1F489E-D7C5-44FD-A1A3-04D59B67D3D3}"/>
-    <dgm:cxn modelId="{AF2509D2-D194-4FEC-9A85-C7102BA37FAD}" type="presOf" srcId="{94C851D7-643F-4F6A-907F-24F25BC578B2}" destId="{72B0EC31-621D-40AC-BFBB-803A3C7A0AD9}" srcOrd="0" destOrd="0" presId="urn:microsoft.com/office/officeart/2005/8/layout/chevron2"/>
-    <dgm:cxn modelId="{EAF78E45-2672-4494-8674-3569401D5F89}" type="presOf" srcId="{3EA63519-AA89-4F95-8C73-5034D21E59BF}" destId="{71CDE68D-3753-4F31-B4E8-BC5EF45BFA00}" srcOrd="0" destOrd="0" presId="urn:microsoft.com/office/officeart/2005/8/layout/chevron2"/>
-    <dgm:cxn modelId="{44B925CC-5DD4-4838-B0A9-C40D98202E3B}" type="presOf" srcId="{82A3D12D-5DBA-4139-8125-9632D20344C0}" destId="{D22CBBA7-221A-477B-93F8-2E5AB75E2AC3}" srcOrd="0" destOrd="0" presId="urn:microsoft.com/office/officeart/2005/8/layout/chevron2"/>
     <dgm:cxn modelId="{E81C0F9B-6287-4CB3-A81F-9C0A7F36DF6A}" srcId="{1A2B4F42-0AB5-44FC-BD18-331CDE8A3CAD}" destId="{F0CE30F2-B300-4D97-B71E-DB265D1A6A0D}" srcOrd="5" destOrd="0" parTransId="{52790CC6-89CC-4536-8529-C60C34A61B1D}" sibTransId="{246503D8-7CDA-4D55-B11E-0B9A2DFC7C59}"/>
-    <dgm:cxn modelId="{D1A73058-2BFC-4635-BC1F-0946272AA679}" srcId="{1A2B4F42-0AB5-44FC-BD18-331CDE8A3CAD}" destId="{46536F57-D59A-4EDB-88DD-DE941E2CDB52}" srcOrd="4" destOrd="0" parTransId="{CDCD3A05-CBC8-4032-98E8-A06616CA2AB7}" sibTransId="{81C1B152-4659-481A-BEBA-00BF5144CD9C}"/>
-    <dgm:cxn modelId="{57AAE7AF-18AE-40C9-B656-ADFCA4C9B3D3}" type="presOf" srcId="{1A2B4F42-0AB5-44FC-BD18-331CDE8A3CAD}" destId="{768B53D8-2061-49A1-A97C-CDEB6A139446}" srcOrd="0" destOrd="0" presId="urn:microsoft.com/office/officeart/2005/8/layout/chevron2"/>
-    <dgm:cxn modelId="{FC02B022-81CC-42E7-AD91-7AEBAA7B40F1}" type="presOf" srcId="{AA8BE08D-1173-4BDE-A6B4-3151D280CA14}" destId="{E43DB939-6F23-4514-9208-729410AE4A73}" srcOrd="0" destOrd="0" presId="urn:microsoft.com/office/officeart/2005/8/layout/chevron2"/>
-    <dgm:cxn modelId="{A713BBB0-344F-4968-9C95-9FD94F821A48}" srcId="{48A5BE5C-9BAE-46E6-9EAE-3E9643D0F040}" destId="{20D4E9DB-3B8D-4027-8A17-50B974C6567B}" srcOrd="0" destOrd="0" parTransId="{A4F04CAF-F577-4215-8C23-5205684EBD2F}" sibTransId="{66C4B0AB-028F-4B31-932C-D483CE4D1542}"/>
-    <dgm:cxn modelId="{D40FDFB1-8BD7-4BD7-A2A5-21C6964715EB}" type="presOf" srcId="{46536F57-D59A-4EDB-88DD-DE941E2CDB52}" destId="{8490C617-2CE8-45AE-96AF-71AC9C7297E4}" srcOrd="0" destOrd="0" presId="urn:microsoft.com/office/officeart/2005/8/layout/chevron2"/>
-    <dgm:cxn modelId="{4A99776C-8983-419C-AED0-889770B8961D}" type="presOf" srcId="{0E715C82-7B9E-4BD1-BE9A-46A07AC4BF73}" destId="{8BE77904-10B1-47D7-823E-F63AA3738A8F}" srcOrd="0" destOrd="0" presId="urn:microsoft.com/office/officeart/2005/8/layout/chevron2"/>
-    <dgm:cxn modelId="{4B32B947-1875-412F-B6AB-EB2689C12F13}" srcId="{0E715C82-7B9E-4BD1-BE9A-46A07AC4BF73}" destId="{94C851D7-643F-4F6A-907F-24F25BC578B2}" srcOrd="0" destOrd="0" parTransId="{0F0C90CE-83D4-4FBD-BF9D-A01C180F4989}" sibTransId="{1FEDE2C6-7D55-47ED-82AA-F36D819709A3}"/>
-    <dgm:cxn modelId="{F44B38DA-7DE8-4D4B-922E-06418E0483E2}" type="presOf" srcId="{F0CE30F2-B300-4D97-B71E-DB265D1A6A0D}" destId="{D5805F06-885F-4C36-B24C-43D053D7AC6E}" srcOrd="0" destOrd="0" presId="urn:microsoft.com/office/officeart/2005/8/layout/chevron2"/>
-    <dgm:cxn modelId="{C1910F58-AC67-4480-B5D5-500D8300913F}" type="presOf" srcId="{FAEF1F42-C67B-4A8A-9E12-41FDC5290F07}" destId="{B66D0B5E-9F1F-4996-A2A6-CECFC53B724F}" srcOrd="0" destOrd="0" presId="urn:microsoft.com/office/officeart/2005/8/layout/chevron2"/>
-    <dgm:cxn modelId="{C44EE3FB-881F-47F1-A679-F16A25D069D0}" srcId="{3EA63519-AA89-4F95-8C73-5034D21E59BF}" destId="{FAEF1F42-C67B-4A8A-9E12-41FDC5290F07}" srcOrd="0" destOrd="0" parTransId="{B4DB3190-305E-43E7-968B-725AA300ED56}" sibTransId="{4003C8C3-76C1-4713-B446-A04AFEB69B2D}"/>
-    <dgm:cxn modelId="{EDEFD8B6-7F4E-4B70-B15D-0D3A7CE7A00E}" srcId="{1A2B4F42-0AB5-44FC-BD18-331CDE8A3CAD}" destId="{3EA63519-AA89-4F95-8C73-5034D21E59BF}" srcOrd="0" destOrd="0" parTransId="{F04F4797-34DC-4280-9A4A-5E516BD17653}" sibTransId="{4F4A7401-D012-4811-8902-6A8861DD1192}"/>
-    <dgm:cxn modelId="{956F5759-D0E5-42AA-B95F-27314A35572B}" type="presOf" srcId="{8B534C09-8A18-4985-9A93-E5C5232E39A9}" destId="{66463D27-39F3-47CA-B4D6-F708B4EE319A}" srcOrd="0" destOrd="0" presId="urn:microsoft.com/office/officeart/2005/8/layout/chevron2"/>
-    <dgm:cxn modelId="{998A3911-B63B-42DE-894A-C8514CAECDDC}" type="presOf" srcId="{08807098-8173-485D-A578-A38AF1D80C6C}" destId="{841751F1-A347-484C-9024-ECF7F5F5C4E7}" srcOrd="0" destOrd="0" presId="urn:microsoft.com/office/officeart/2005/8/layout/chevron2"/>
-    <dgm:cxn modelId="{6162899D-8914-44E4-A026-7CEFDB6F4AD9}" srcId="{82A3D12D-5DBA-4139-8125-9632D20344C0}" destId="{E72E7007-DC96-46EB-A0AF-7C11C99C0C7E}" srcOrd="0" destOrd="0" parTransId="{35D5888D-7271-462D-95A0-24674C5AA23D}" sibTransId="{6834C8F3-C2E7-41EE-8B29-9DE276E6ECB7}"/>
-    <dgm:cxn modelId="{C4524886-0B8B-4C5A-B358-3C586595CD70}" srcId="{F0CE30F2-B300-4D97-B71E-DB265D1A6A0D}" destId="{8B534C09-8A18-4985-9A93-E5C5232E39A9}" srcOrd="0" destOrd="0" parTransId="{6CE18C87-2EBD-4517-99AF-ABB9CC6084AB}" sibTransId="{3D16B76E-3AE8-4C9B-A792-8600C66E8E1E}"/>
-    <dgm:cxn modelId="{F62970D0-F4F8-40EC-BC8F-7B2E4A19B8A1}" srcId="{1A2B4F42-0AB5-44FC-BD18-331CDE8A3CAD}" destId="{0E715C82-7B9E-4BD1-BE9A-46A07AC4BF73}" srcOrd="2" destOrd="0" parTransId="{6EA4062B-DC3C-413E-9AAC-A06DE51CEE1E}" sibTransId="{B4E30E3C-1CDE-4293-B0E6-ABE817CDB4E0}"/>
     <dgm:cxn modelId="{37DE4AFA-8236-4A75-A9AC-E03D35E4F1BF}" type="presParOf" srcId="{768B53D8-2061-49A1-A97C-CDEB6A139446}" destId="{9B641961-F480-44A6-B37F-0F6D7A5C65F7}" srcOrd="0" destOrd="0" presId="urn:microsoft.com/office/officeart/2005/8/layout/chevron2"/>
     <dgm:cxn modelId="{90603AE6-E321-45C7-A544-E1B9AD221F34}" type="presParOf" srcId="{9B641961-F480-44A6-B37F-0F6D7A5C65F7}" destId="{71CDE68D-3753-4F31-B4E8-BC5EF45BFA00}" srcOrd="0" destOrd="0" presId="urn:microsoft.com/office/officeart/2005/8/layout/chevron2"/>
     <dgm:cxn modelId="{B5E8D5DE-349F-4D77-9FC4-F7388EFB50AF}" type="presParOf" srcId="{9B641961-F480-44A6-B37F-0F6D7A5C65F7}" destId="{B66D0B5E-9F1F-4996-A2A6-CECFC53B724F}" srcOrd="1" destOrd="0" presId="urn:microsoft.com/office/officeart/2005/8/layout/chevron2"/>
@@ -5293,7 +7064,727 @@
 </dgm:dataModel>
 </file>
 
+<file path=ppt/diagrams/data6.xml><?xml version="1.0" encoding="utf-8"?>
+<dgm:dataModel xmlns:dgm="http://schemas.openxmlformats.org/drawingml/2006/diagram" xmlns:a="http://schemas.openxmlformats.org/drawingml/2006/main">
+  <dgm:ptLst>
+    <dgm:pt modelId="{84912711-5EBD-4547-A8AE-05FE6E17E18E}" type="doc">
+      <dgm:prSet loTypeId="urn:microsoft.com/office/officeart/2005/8/layout/vProcess5" loCatId="process" qsTypeId="urn:microsoft.com/office/officeart/2005/8/quickstyle/simple1" qsCatId="simple" csTypeId="urn:microsoft.com/office/officeart/2005/8/colors/accent1_2" csCatId="accent1" phldr="1"/>
+      <dgm:spPr/>
+      <dgm:t>
+        <a:bodyPr/>
+        <a:lstStyle/>
+        <a:p>
+          <a:endParaRPr lang="ru-RU"/>
+        </a:p>
+      </dgm:t>
+    </dgm:pt>
+    <dgm:pt modelId="{3FA38A96-1C55-42C7-B3B3-F902CD337EEC}">
+      <dgm:prSet phldrT="[Текст]"/>
+      <dgm:spPr/>
+      <dgm:t>
+        <a:bodyPr/>
+        <a:lstStyle/>
+        <a:p>
+          <a:r>
+            <a:rPr lang="en-US" dirty="0" smtClean="0"/>
+            <a:t>XML</a:t>
+          </a:r>
+          <a:endParaRPr lang="ru-RU" dirty="0"/>
+        </a:p>
+      </dgm:t>
+    </dgm:pt>
+    <dgm:pt modelId="{31C87B40-A5B6-4EDF-8ADF-82FE6341EEEF}" type="parTrans" cxnId="{1CB4434A-4599-49AC-AFAC-C2907E5A1F08}">
+      <dgm:prSet/>
+      <dgm:spPr/>
+      <dgm:t>
+        <a:bodyPr/>
+        <a:lstStyle/>
+        <a:p>
+          <a:endParaRPr lang="ru-RU"/>
+        </a:p>
+      </dgm:t>
+    </dgm:pt>
+    <dgm:pt modelId="{9C9DD5B1-26A9-4835-ABA3-83502733D5BA}" type="sibTrans" cxnId="{1CB4434A-4599-49AC-AFAC-C2907E5A1F08}">
+      <dgm:prSet/>
+      <dgm:spPr/>
+      <dgm:t>
+        <a:bodyPr/>
+        <a:lstStyle/>
+        <a:p>
+          <a:endParaRPr lang="ru-RU"/>
+        </a:p>
+      </dgm:t>
+    </dgm:pt>
+    <dgm:pt modelId="{12E93B7E-390D-4511-B584-F92EE0474DDE}">
+      <dgm:prSet phldrT="[Текст]"/>
+      <dgm:spPr/>
+      <dgm:t>
+        <a:bodyPr/>
+        <a:lstStyle/>
+        <a:p>
+          <a:r>
+            <a:rPr lang="ru-RU" dirty="0" smtClean="0"/>
+            <a:t>Интеграция стандартных классов</a:t>
+          </a:r>
+          <a:endParaRPr lang="ru-RU" dirty="0"/>
+        </a:p>
+      </dgm:t>
+    </dgm:pt>
+    <dgm:pt modelId="{D100AA9B-64EE-431C-8474-60020C6EAA75}" type="parTrans" cxnId="{87AE2975-3C57-4F0C-9439-BDD7D7D9EDD3}">
+      <dgm:prSet/>
+      <dgm:spPr/>
+      <dgm:t>
+        <a:bodyPr/>
+        <a:lstStyle/>
+        <a:p>
+          <a:endParaRPr lang="ru-RU"/>
+        </a:p>
+      </dgm:t>
+    </dgm:pt>
+    <dgm:pt modelId="{6BC1227A-1EF6-4F62-A96F-60F0CA7B10FB}" type="sibTrans" cxnId="{87AE2975-3C57-4F0C-9439-BDD7D7D9EDD3}">
+      <dgm:prSet/>
+      <dgm:spPr/>
+      <dgm:t>
+        <a:bodyPr/>
+        <a:lstStyle/>
+        <a:p>
+          <a:endParaRPr lang="ru-RU"/>
+        </a:p>
+      </dgm:t>
+    </dgm:pt>
+    <dgm:pt modelId="{BA67E04C-DA72-4B7B-ABDC-3BE125E2E7BA}">
+      <dgm:prSet/>
+      <dgm:spPr/>
+      <dgm:t>
+        <a:bodyPr/>
+        <a:lstStyle/>
+        <a:p>
+          <a:r>
+            <a:rPr lang="ru-RU" dirty="0" smtClean="0"/>
+            <a:t>Генерация кода в соответствии со стандартами </a:t>
+          </a:r>
+          <a:r>
+            <a:rPr lang="en-US" dirty="0" err="1" smtClean="0"/>
+            <a:t>PSR</a:t>
+          </a:r>
+          <a:endParaRPr lang="ru-RU" dirty="0"/>
+        </a:p>
+      </dgm:t>
+    </dgm:pt>
+    <dgm:pt modelId="{D9D55DE6-6C82-410F-964B-3C62B389B3CE}" type="parTrans" cxnId="{4C7C5DEE-BEAF-4255-AD84-6106D31B1C44}">
+      <dgm:prSet/>
+      <dgm:spPr/>
+      <dgm:t>
+        <a:bodyPr/>
+        <a:lstStyle/>
+        <a:p>
+          <a:endParaRPr lang="ru-RU"/>
+        </a:p>
+      </dgm:t>
+    </dgm:pt>
+    <dgm:pt modelId="{6EC15F3D-0995-4000-8858-A8F230D386A1}" type="sibTrans" cxnId="{4C7C5DEE-BEAF-4255-AD84-6106D31B1C44}">
+      <dgm:prSet/>
+      <dgm:spPr/>
+      <dgm:t>
+        <a:bodyPr/>
+        <a:lstStyle/>
+        <a:p>
+          <a:endParaRPr lang="ru-RU"/>
+        </a:p>
+      </dgm:t>
+    </dgm:pt>
+    <dgm:pt modelId="{A0CE45C5-8565-4FDF-B577-7123713FD34D}">
+      <dgm:prSet/>
+      <dgm:spPr/>
+      <dgm:t>
+        <a:bodyPr/>
+        <a:lstStyle/>
+        <a:p>
+          <a:r>
+            <a:rPr lang="ru-RU" dirty="0" smtClean="0"/>
+            <a:t>Реализация основных инструментов</a:t>
+          </a:r>
+          <a:endParaRPr lang="ru-RU" dirty="0"/>
+        </a:p>
+      </dgm:t>
+    </dgm:pt>
+    <dgm:pt modelId="{A160044D-08E6-4B5F-8B3E-B2E43887BBF9}" type="parTrans" cxnId="{6772D575-718C-46BA-A987-520E23A7CA85}">
+      <dgm:prSet/>
+      <dgm:spPr/>
+      <dgm:t>
+        <a:bodyPr/>
+        <a:lstStyle/>
+        <a:p>
+          <a:endParaRPr lang="ru-RU"/>
+        </a:p>
+      </dgm:t>
+    </dgm:pt>
+    <dgm:pt modelId="{8F4CA846-91D4-484C-A9D7-9788F8E37D2A}" type="sibTrans" cxnId="{6772D575-718C-46BA-A987-520E23A7CA85}">
+      <dgm:prSet/>
+      <dgm:spPr/>
+      <dgm:t>
+        <a:bodyPr/>
+        <a:lstStyle/>
+        <a:p>
+          <a:endParaRPr lang="ru-RU"/>
+        </a:p>
+      </dgm:t>
+    </dgm:pt>
+    <dgm:pt modelId="{8965AC0F-4009-4F1E-9CF3-465673E66E35}" type="pres">
+      <dgm:prSet presAssocID="{84912711-5EBD-4547-A8AE-05FE6E17E18E}" presName="outerComposite" presStyleCnt="0">
+        <dgm:presLayoutVars>
+          <dgm:chMax val="5"/>
+          <dgm:dir/>
+          <dgm:resizeHandles val="exact"/>
+        </dgm:presLayoutVars>
+      </dgm:prSet>
+      <dgm:spPr/>
+    </dgm:pt>
+    <dgm:pt modelId="{EF81D0C7-AA43-4EB3-A4D9-F5B72D2BAFFB}" type="pres">
+      <dgm:prSet presAssocID="{84912711-5EBD-4547-A8AE-05FE6E17E18E}" presName="dummyMaxCanvas" presStyleCnt="0">
+        <dgm:presLayoutVars/>
+      </dgm:prSet>
+      <dgm:spPr/>
+    </dgm:pt>
+    <dgm:pt modelId="{6A6201E6-E2E9-469D-856E-620FAE43CCE2}" type="pres">
+      <dgm:prSet presAssocID="{84912711-5EBD-4547-A8AE-05FE6E17E18E}" presName="FourNodes_1" presStyleLbl="node1" presStyleIdx="0" presStyleCnt="4">
+        <dgm:presLayoutVars>
+          <dgm:bulletEnabled val="1"/>
+        </dgm:presLayoutVars>
+      </dgm:prSet>
+      <dgm:spPr/>
+    </dgm:pt>
+    <dgm:pt modelId="{55868877-398E-4C77-8438-2E2341A6CFC6}" type="pres">
+      <dgm:prSet presAssocID="{84912711-5EBD-4547-A8AE-05FE6E17E18E}" presName="FourNodes_2" presStyleLbl="node1" presStyleIdx="1" presStyleCnt="4">
+        <dgm:presLayoutVars>
+          <dgm:bulletEnabled val="1"/>
+        </dgm:presLayoutVars>
+      </dgm:prSet>
+      <dgm:spPr/>
+    </dgm:pt>
+    <dgm:pt modelId="{FB9C24B7-8F81-4976-9407-C8B3E8D22949}" type="pres">
+      <dgm:prSet presAssocID="{84912711-5EBD-4547-A8AE-05FE6E17E18E}" presName="FourNodes_3" presStyleLbl="node1" presStyleIdx="2" presStyleCnt="4">
+        <dgm:presLayoutVars>
+          <dgm:bulletEnabled val="1"/>
+        </dgm:presLayoutVars>
+      </dgm:prSet>
+      <dgm:spPr/>
+      <dgm:t>
+        <a:bodyPr/>
+        <a:lstStyle/>
+        <a:p>
+          <a:endParaRPr lang="ru-RU"/>
+        </a:p>
+      </dgm:t>
+    </dgm:pt>
+    <dgm:pt modelId="{8BD2E662-33C1-4EDA-BE53-959D2D478828}" type="pres">
+      <dgm:prSet presAssocID="{84912711-5EBD-4547-A8AE-05FE6E17E18E}" presName="FourNodes_4" presStyleLbl="node1" presStyleIdx="3" presStyleCnt="4">
+        <dgm:presLayoutVars>
+          <dgm:bulletEnabled val="1"/>
+        </dgm:presLayoutVars>
+      </dgm:prSet>
+      <dgm:spPr/>
+      <dgm:t>
+        <a:bodyPr/>
+        <a:lstStyle/>
+        <a:p>
+          <a:endParaRPr lang="ru-RU"/>
+        </a:p>
+      </dgm:t>
+    </dgm:pt>
+    <dgm:pt modelId="{82686923-8AEA-4C1F-A2BE-BEEE948A7AF3}" type="pres">
+      <dgm:prSet presAssocID="{84912711-5EBD-4547-A8AE-05FE6E17E18E}" presName="FourConn_1-2" presStyleLbl="fgAccFollowNode1" presStyleIdx="0" presStyleCnt="3">
+        <dgm:presLayoutVars>
+          <dgm:bulletEnabled val="1"/>
+        </dgm:presLayoutVars>
+      </dgm:prSet>
+      <dgm:spPr/>
+    </dgm:pt>
+    <dgm:pt modelId="{8F0A91C1-7497-4FE8-B52E-A50742F90737}" type="pres">
+      <dgm:prSet presAssocID="{84912711-5EBD-4547-A8AE-05FE6E17E18E}" presName="FourConn_2-3" presStyleLbl="fgAccFollowNode1" presStyleIdx="1" presStyleCnt="3">
+        <dgm:presLayoutVars>
+          <dgm:bulletEnabled val="1"/>
+        </dgm:presLayoutVars>
+      </dgm:prSet>
+      <dgm:spPr/>
+    </dgm:pt>
+    <dgm:pt modelId="{EC44042A-782D-48FE-975B-1B297CBC9D7A}" type="pres">
+      <dgm:prSet presAssocID="{84912711-5EBD-4547-A8AE-05FE6E17E18E}" presName="FourConn_3-4" presStyleLbl="fgAccFollowNode1" presStyleIdx="2" presStyleCnt="3">
+        <dgm:presLayoutVars>
+          <dgm:bulletEnabled val="1"/>
+        </dgm:presLayoutVars>
+      </dgm:prSet>
+      <dgm:spPr/>
+    </dgm:pt>
+    <dgm:pt modelId="{F1231105-EB9D-4578-87B6-C50D648D6CCE}" type="pres">
+      <dgm:prSet presAssocID="{84912711-5EBD-4547-A8AE-05FE6E17E18E}" presName="FourNodes_1_text" presStyleLbl="node1" presStyleIdx="3" presStyleCnt="4">
+        <dgm:presLayoutVars>
+          <dgm:bulletEnabled val="1"/>
+        </dgm:presLayoutVars>
+      </dgm:prSet>
+      <dgm:spPr/>
+    </dgm:pt>
+    <dgm:pt modelId="{0C03A4F4-2610-4A86-BA0F-8BC6F4F264AA}" type="pres">
+      <dgm:prSet presAssocID="{84912711-5EBD-4547-A8AE-05FE6E17E18E}" presName="FourNodes_2_text" presStyleLbl="node1" presStyleIdx="3" presStyleCnt="4">
+        <dgm:presLayoutVars>
+          <dgm:bulletEnabled val="1"/>
+        </dgm:presLayoutVars>
+      </dgm:prSet>
+      <dgm:spPr/>
+    </dgm:pt>
+    <dgm:pt modelId="{044F4391-6EE3-4BF3-AAAA-0906482E8FEA}" type="pres">
+      <dgm:prSet presAssocID="{84912711-5EBD-4547-A8AE-05FE6E17E18E}" presName="FourNodes_3_text" presStyleLbl="node1" presStyleIdx="3" presStyleCnt="4">
+        <dgm:presLayoutVars>
+          <dgm:bulletEnabled val="1"/>
+        </dgm:presLayoutVars>
+      </dgm:prSet>
+      <dgm:spPr/>
+      <dgm:t>
+        <a:bodyPr/>
+        <a:lstStyle/>
+        <a:p>
+          <a:endParaRPr lang="ru-RU"/>
+        </a:p>
+      </dgm:t>
+    </dgm:pt>
+    <dgm:pt modelId="{07E51735-06CA-46B8-A639-AC91563BF5BD}" type="pres">
+      <dgm:prSet presAssocID="{84912711-5EBD-4547-A8AE-05FE6E17E18E}" presName="FourNodes_4_text" presStyleLbl="node1" presStyleIdx="3" presStyleCnt="4">
+        <dgm:presLayoutVars>
+          <dgm:bulletEnabled val="1"/>
+        </dgm:presLayoutVars>
+      </dgm:prSet>
+      <dgm:spPr/>
+      <dgm:t>
+        <a:bodyPr/>
+        <a:lstStyle/>
+        <a:p>
+          <a:endParaRPr lang="ru-RU"/>
+        </a:p>
+      </dgm:t>
+    </dgm:pt>
+  </dgm:ptLst>
+  <dgm:cxnLst>
+    <dgm:cxn modelId="{1A6B1235-E4A7-46DE-856D-F322DE2A0080}" type="presOf" srcId="{BA67E04C-DA72-4B7B-ABDC-3BE125E2E7BA}" destId="{044F4391-6EE3-4BF3-AAAA-0906482E8FEA}" srcOrd="1" destOrd="0" presId="urn:microsoft.com/office/officeart/2005/8/layout/vProcess5"/>
+    <dgm:cxn modelId="{8B865B7A-DF6E-4F5F-AF96-7EE08E9D04A9}" type="presOf" srcId="{84912711-5EBD-4547-A8AE-05FE6E17E18E}" destId="{8965AC0F-4009-4F1E-9CF3-465673E66E35}" srcOrd="0" destOrd="0" presId="urn:microsoft.com/office/officeart/2005/8/layout/vProcess5"/>
+    <dgm:cxn modelId="{8640239B-7F24-40FE-B4E9-C4A9990871EB}" type="presOf" srcId="{A0CE45C5-8565-4FDF-B577-7123713FD34D}" destId="{07E51735-06CA-46B8-A639-AC91563BF5BD}" srcOrd="1" destOrd="0" presId="urn:microsoft.com/office/officeart/2005/8/layout/vProcess5"/>
+    <dgm:cxn modelId="{C62F655B-0271-4252-B0F4-DC8383883FE4}" type="presOf" srcId="{12E93B7E-390D-4511-B584-F92EE0474DDE}" destId="{0C03A4F4-2610-4A86-BA0F-8BC6F4F264AA}" srcOrd="1" destOrd="0" presId="urn:microsoft.com/office/officeart/2005/8/layout/vProcess5"/>
+    <dgm:cxn modelId="{88443A88-B0AE-44CF-90AF-95B266D1F85C}" type="presOf" srcId="{12E93B7E-390D-4511-B584-F92EE0474DDE}" destId="{55868877-398E-4C77-8438-2E2341A6CFC6}" srcOrd="0" destOrd="0" presId="urn:microsoft.com/office/officeart/2005/8/layout/vProcess5"/>
+    <dgm:cxn modelId="{642D005A-0C10-4F23-94EA-A0A189750ECA}" type="presOf" srcId="{3FA38A96-1C55-42C7-B3B3-F902CD337EEC}" destId="{F1231105-EB9D-4578-87B6-C50D648D6CCE}" srcOrd="1" destOrd="0" presId="urn:microsoft.com/office/officeart/2005/8/layout/vProcess5"/>
+    <dgm:cxn modelId="{6772D575-718C-46BA-A987-520E23A7CA85}" srcId="{84912711-5EBD-4547-A8AE-05FE6E17E18E}" destId="{A0CE45C5-8565-4FDF-B577-7123713FD34D}" srcOrd="3" destOrd="0" parTransId="{A160044D-08E6-4B5F-8B3E-B2E43887BBF9}" sibTransId="{8F4CA846-91D4-484C-A9D7-9788F8E37D2A}"/>
+    <dgm:cxn modelId="{B6262C1A-F66F-4059-A6E3-011A3BC75598}" type="presOf" srcId="{BA67E04C-DA72-4B7B-ABDC-3BE125E2E7BA}" destId="{FB9C24B7-8F81-4976-9407-C8B3E8D22949}" srcOrd="0" destOrd="0" presId="urn:microsoft.com/office/officeart/2005/8/layout/vProcess5"/>
+    <dgm:cxn modelId="{4C7C5DEE-BEAF-4255-AD84-6106D31B1C44}" srcId="{84912711-5EBD-4547-A8AE-05FE6E17E18E}" destId="{BA67E04C-DA72-4B7B-ABDC-3BE125E2E7BA}" srcOrd="2" destOrd="0" parTransId="{D9D55DE6-6C82-410F-964B-3C62B389B3CE}" sibTransId="{6EC15F3D-0995-4000-8858-A8F230D386A1}"/>
+    <dgm:cxn modelId="{87AE2975-3C57-4F0C-9439-BDD7D7D9EDD3}" srcId="{84912711-5EBD-4547-A8AE-05FE6E17E18E}" destId="{12E93B7E-390D-4511-B584-F92EE0474DDE}" srcOrd="1" destOrd="0" parTransId="{D100AA9B-64EE-431C-8474-60020C6EAA75}" sibTransId="{6BC1227A-1EF6-4F62-A96F-60F0CA7B10FB}"/>
+    <dgm:cxn modelId="{B74D14BE-35F5-408E-8C91-4896A788D775}" type="presOf" srcId="{A0CE45C5-8565-4FDF-B577-7123713FD34D}" destId="{8BD2E662-33C1-4EDA-BE53-959D2D478828}" srcOrd="0" destOrd="0" presId="urn:microsoft.com/office/officeart/2005/8/layout/vProcess5"/>
+    <dgm:cxn modelId="{7F0EBFCB-7B3B-41C5-AEFF-D23F832611FB}" type="presOf" srcId="{6BC1227A-1EF6-4F62-A96F-60F0CA7B10FB}" destId="{8F0A91C1-7497-4FE8-B52E-A50742F90737}" srcOrd="0" destOrd="0" presId="urn:microsoft.com/office/officeart/2005/8/layout/vProcess5"/>
+    <dgm:cxn modelId="{71B78106-ACF7-40EB-9E42-63F17B859CB9}" type="presOf" srcId="{9C9DD5B1-26A9-4835-ABA3-83502733D5BA}" destId="{82686923-8AEA-4C1F-A2BE-BEEE948A7AF3}" srcOrd="0" destOrd="0" presId="urn:microsoft.com/office/officeart/2005/8/layout/vProcess5"/>
+    <dgm:cxn modelId="{796D5D98-8EAF-428C-8ACD-9CAC75BA0887}" type="presOf" srcId="{3FA38A96-1C55-42C7-B3B3-F902CD337EEC}" destId="{6A6201E6-E2E9-469D-856E-620FAE43CCE2}" srcOrd="0" destOrd="0" presId="urn:microsoft.com/office/officeart/2005/8/layout/vProcess5"/>
+    <dgm:cxn modelId="{1CB4434A-4599-49AC-AFAC-C2907E5A1F08}" srcId="{84912711-5EBD-4547-A8AE-05FE6E17E18E}" destId="{3FA38A96-1C55-42C7-B3B3-F902CD337EEC}" srcOrd="0" destOrd="0" parTransId="{31C87B40-A5B6-4EDF-8ADF-82FE6341EEEF}" sibTransId="{9C9DD5B1-26A9-4835-ABA3-83502733D5BA}"/>
+    <dgm:cxn modelId="{EA14BF9F-49EE-437E-8518-F07CD975C36D}" type="presOf" srcId="{6EC15F3D-0995-4000-8858-A8F230D386A1}" destId="{EC44042A-782D-48FE-975B-1B297CBC9D7A}" srcOrd="0" destOrd="0" presId="urn:microsoft.com/office/officeart/2005/8/layout/vProcess5"/>
+    <dgm:cxn modelId="{94091594-749D-4BE7-863A-805BB3D2222F}" type="presParOf" srcId="{8965AC0F-4009-4F1E-9CF3-465673E66E35}" destId="{EF81D0C7-AA43-4EB3-A4D9-F5B72D2BAFFB}" srcOrd="0" destOrd="0" presId="urn:microsoft.com/office/officeart/2005/8/layout/vProcess5"/>
+    <dgm:cxn modelId="{4A1E8158-3681-4CAB-83A9-E9A145810663}" type="presParOf" srcId="{8965AC0F-4009-4F1E-9CF3-465673E66E35}" destId="{6A6201E6-E2E9-469D-856E-620FAE43CCE2}" srcOrd="1" destOrd="0" presId="urn:microsoft.com/office/officeart/2005/8/layout/vProcess5"/>
+    <dgm:cxn modelId="{153921BE-EFC1-44F9-96B0-B70EC67BD14B}" type="presParOf" srcId="{8965AC0F-4009-4F1E-9CF3-465673E66E35}" destId="{55868877-398E-4C77-8438-2E2341A6CFC6}" srcOrd="2" destOrd="0" presId="urn:microsoft.com/office/officeart/2005/8/layout/vProcess5"/>
+    <dgm:cxn modelId="{E1D57855-BB79-49FF-95D4-F8A50463965F}" type="presParOf" srcId="{8965AC0F-4009-4F1E-9CF3-465673E66E35}" destId="{FB9C24B7-8F81-4976-9407-C8B3E8D22949}" srcOrd="3" destOrd="0" presId="urn:microsoft.com/office/officeart/2005/8/layout/vProcess5"/>
+    <dgm:cxn modelId="{86846CD8-FD8D-4BF8-81FB-2C908416E733}" type="presParOf" srcId="{8965AC0F-4009-4F1E-9CF3-465673E66E35}" destId="{8BD2E662-33C1-4EDA-BE53-959D2D478828}" srcOrd="4" destOrd="0" presId="urn:microsoft.com/office/officeart/2005/8/layout/vProcess5"/>
+    <dgm:cxn modelId="{D7AF969D-333E-4959-9E07-42322F3E41F6}" type="presParOf" srcId="{8965AC0F-4009-4F1E-9CF3-465673E66E35}" destId="{82686923-8AEA-4C1F-A2BE-BEEE948A7AF3}" srcOrd="5" destOrd="0" presId="urn:microsoft.com/office/officeart/2005/8/layout/vProcess5"/>
+    <dgm:cxn modelId="{D1260FD5-EFE4-46BC-8A01-A2055A1B8CFE}" type="presParOf" srcId="{8965AC0F-4009-4F1E-9CF3-465673E66E35}" destId="{8F0A91C1-7497-4FE8-B52E-A50742F90737}" srcOrd="6" destOrd="0" presId="urn:microsoft.com/office/officeart/2005/8/layout/vProcess5"/>
+    <dgm:cxn modelId="{396DF872-017C-4660-BD87-FC7C3CB7BE14}" type="presParOf" srcId="{8965AC0F-4009-4F1E-9CF3-465673E66E35}" destId="{EC44042A-782D-48FE-975B-1B297CBC9D7A}" srcOrd="7" destOrd="0" presId="urn:microsoft.com/office/officeart/2005/8/layout/vProcess5"/>
+    <dgm:cxn modelId="{6270BE2B-8328-44D7-84CF-398E131A720D}" type="presParOf" srcId="{8965AC0F-4009-4F1E-9CF3-465673E66E35}" destId="{F1231105-EB9D-4578-87B6-C50D648D6CCE}" srcOrd="8" destOrd="0" presId="urn:microsoft.com/office/officeart/2005/8/layout/vProcess5"/>
+    <dgm:cxn modelId="{64D51D83-294C-43BA-BB7A-2E5DA33174AC}" type="presParOf" srcId="{8965AC0F-4009-4F1E-9CF3-465673E66E35}" destId="{0C03A4F4-2610-4A86-BA0F-8BC6F4F264AA}" srcOrd="9" destOrd="0" presId="urn:microsoft.com/office/officeart/2005/8/layout/vProcess5"/>
+    <dgm:cxn modelId="{FDE3ED19-F7FE-469C-A138-016ED6E73C15}" type="presParOf" srcId="{8965AC0F-4009-4F1E-9CF3-465673E66E35}" destId="{044F4391-6EE3-4BF3-AAAA-0906482E8FEA}" srcOrd="10" destOrd="0" presId="urn:microsoft.com/office/officeart/2005/8/layout/vProcess5"/>
+    <dgm:cxn modelId="{9F40873C-3DFB-4331-B4A6-8806D90CB1C0}" type="presParOf" srcId="{8965AC0F-4009-4F1E-9CF3-465673E66E35}" destId="{07E51735-06CA-46B8-A639-AC91563BF5BD}" srcOrd="11" destOrd="0" presId="urn:microsoft.com/office/officeart/2005/8/layout/vProcess5"/>
+  </dgm:cxnLst>
+  <dgm:bg/>
+  <dgm:whole/>
+  <dgm:extLst>
+    <a:ext uri="http://schemas.microsoft.com/office/drawing/2008/diagram">
+      <dsp:dataModelExt xmlns:dsp="http://schemas.microsoft.com/office/drawing/2008/diagram" relId="rId6" minVer="http://schemas.openxmlformats.org/drawingml/2006/diagram"/>
+    </a:ext>
+  </dgm:extLst>
+</dgm:dataModel>
+</file>
+
 <file path=ppt/diagrams/drawing1.xml><?xml version="1.0" encoding="utf-8"?>
+<dsp:drawing xmlns:dgm="http://schemas.openxmlformats.org/drawingml/2006/diagram" xmlns:dsp="http://schemas.microsoft.com/office/drawing/2008/diagram" xmlns:a="http://schemas.openxmlformats.org/drawingml/2006/main">
+  <dsp:spTree>
+    <dsp:nvGrpSpPr>
+      <dsp:cNvPr id="0" name=""/>
+      <dsp:cNvGrpSpPr/>
+    </dsp:nvGrpSpPr>
+    <dsp:grpSpPr/>
+    <dsp:sp modelId="{9F1F12AB-C07E-461D-BB13-01F005A9B56F}">
+      <dsp:nvSpPr>
+        <dsp:cNvPr id="0" name=""/>
+        <dsp:cNvSpPr/>
+      </dsp:nvSpPr>
+      <dsp:spPr>
+        <a:xfrm>
+          <a:off x="559430" y="594"/>
+          <a:ext cx="1634522" cy="1634522"/>
+        </a:xfrm>
+        <a:prstGeom prst="ellipse">
+          <a:avLst/>
+        </a:prstGeom>
+        <a:solidFill>
+          <a:schemeClr val="lt1">
+            <a:hueOff val="0"/>
+            <a:satOff val="0"/>
+            <a:lumOff val="0"/>
+            <a:alphaOff val="0"/>
+          </a:schemeClr>
+        </a:solidFill>
+        <a:ln w="15875" cap="flat" cmpd="sng" algn="ctr">
+          <a:solidFill>
+            <a:schemeClr val="accent1">
+              <a:shade val="80000"/>
+              <a:hueOff val="0"/>
+              <a:satOff val="0"/>
+              <a:lumOff val="0"/>
+              <a:alphaOff val="0"/>
+            </a:schemeClr>
+          </a:solidFill>
+          <a:prstDash val="solid"/>
+        </a:ln>
+        <a:effectLst/>
+      </dsp:spPr>
+      <dsp:style>
+        <a:lnRef idx="2">
+          <a:scrgbClr r="0" g="0" b="0"/>
+        </a:lnRef>
+        <a:fillRef idx="1">
+          <a:scrgbClr r="0" g="0" b="0"/>
+        </a:fillRef>
+        <a:effectRef idx="0">
+          <a:scrgbClr r="0" g="0" b="0"/>
+        </a:effectRef>
+        <a:fontRef idx="minor">
+          <a:schemeClr val="lt1"/>
+        </a:fontRef>
+      </dsp:style>
+      <dsp:txBody>
+        <a:bodyPr spcFirstLastPara="0" vert="horz" wrap="square" lIns="40640" tIns="40640" rIns="40640" bIns="40640" numCol="1" spcCol="1270" anchor="ctr" anchorCtr="0">
+          <a:noAutofit/>
+        </a:bodyPr>
+        <a:lstStyle/>
+        <a:p>
+          <a:pPr lvl="0" algn="ctr" defTabSz="1422400">
+            <a:lnSpc>
+              <a:spcPct val="90000"/>
+            </a:lnSpc>
+            <a:spcBef>
+              <a:spcPct val="0"/>
+            </a:spcBef>
+            <a:spcAft>
+              <a:spcPct val="35000"/>
+            </a:spcAft>
+          </a:pPr>
+          <a:r>
+            <a:rPr lang="ru-RU" sz="3200" kern="1200" dirty="0" smtClean="0"/>
+            <a:t>ООП</a:t>
+          </a:r>
+          <a:endParaRPr lang="ru-RU" sz="3200" kern="1200" dirty="0"/>
+        </a:p>
+      </dsp:txBody>
+      <dsp:txXfrm>
+        <a:off x="798800" y="239964"/>
+        <a:ext cx="1155782" cy="1155782"/>
+      </dsp:txXfrm>
+    </dsp:sp>
+    <dsp:sp modelId="{890B29F2-437E-47C7-9768-4252E015FB01}">
+      <dsp:nvSpPr>
+        <dsp:cNvPr id="0" name=""/>
+        <dsp:cNvSpPr/>
+      </dsp:nvSpPr>
+      <dsp:spPr>
+        <a:xfrm>
+          <a:off x="902680" y="1767840"/>
+          <a:ext cx="948023" cy="948023"/>
+        </a:xfrm>
+        <a:prstGeom prst="mathPlus">
+          <a:avLst/>
+        </a:prstGeom>
+        <a:solidFill>
+          <a:schemeClr val="accent1">
+            <a:tint val="60000"/>
+            <a:hueOff val="0"/>
+            <a:satOff val="0"/>
+            <a:lumOff val="0"/>
+            <a:alphaOff val="0"/>
+          </a:schemeClr>
+        </a:solidFill>
+        <a:ln>
+          <a:noFill/>
+        </a:ln>
+        <a:effectLst/>
+      </dsp:spPr>
+      <dsp:style>
+        <a:lnRef idx="0">
+          <a:scrgbClr r="0" g="0" b="0"/>
+        </a:lnRef>
+        <a:fillRef idx="1">
+          <a:scrgbClr r="0" g="0" b="0"/>
+        </a:fillRef>
+        <a:effectRef idx="0">
+          <a:scrgbClr r="0" g="0" b="0"/>
+        </a:effectRef>
+        <a:fontRef idx="minor">
+          <a:schemeClr val="lt1"/>
+        </a:fontRef>
+      </dsp:style>
+      <dsp:txBody>
+        <a:bodyPr spcFirstLastPara="0" vert="horz" wrap="square" lIns="0" tIns="0" rIns="0" bIns="0" numCol="1" spcCol="1270" anchor="ctr" anchorCtr="0">
+          <a:noAutofit/>
+        </a:bodyPr>
+        <a:lstStyle/>
+        <a:p>
+          <a:pPr lvl="0" algn="ctr" defTabSz="666750">
+            <a:lnSpc>
+              <a:spcPct val="90000"/>
+            </a:lnSpc>
+            <a:spcBef>
+              <a:spcPct val="0"/>
+            </a:spcBef>
+            <a:spcAft>
+              <a:spcPct val="35000"/>
+            </a:spcAft>
+          </a:pPr>
+          <a:endParaRPr lang="ru-RU" sz="1500" kern="1200"/>
+        </a:p>
+      </dsp:txBody>
+      <dsp:txXfrm>
+        <a:off x="1028340" y="2130364"/>
+        <a:ext cx="696703" cy="222975"/>
+      </dsp:txXfrm>
+    </dsp:sp>
+    <dsp:sp modelId="{7B55F157-C1D2-4F4E-9744-9A70E800B009}">
+      <dsp:nvSpPr>
+        <dsp:cNvPr id="0" name=""/>
+        <dsp:cNvSpPr/>
+      </dsp:nvSpPr>
+      <dsp:spPr>
+        <a:xfrm>
+          <a:off x="559430" y="2848586"/>
+          <a:ext cx="1634522" cy="1634522"/>
+        </a:xfrm>
+        <a:prstGeom prst="ellipse">
+          <a:avLst/>
+        </a:prstGeom>
+        <a:solidFill>
+          <a:schemeClr val="lt1">
+            <a:hueOff val="0"/>
+            <a:satOff val="0"/>
+            <a:lumOff val="0"/>
+            <a:alphaOff val="0"/>
+          </a:schemeClr>
+        </a:solidFill>
+        <a:ln w="15875" cap="flat" cmpd="sng" algn="ctr">
+          <a:solidFill>
+            <a:schemeClr val="accent1">
+              <a:shade val="80000"/>
+              <a:hueOff val="0"/>
+              <a:satOff val="0"/>
+              <a:lumOff val="0"/>
+              <a:alphaOff val="0"/>
+            </a:schemeClr>
+          </a:solidFill>
+          <a:prstDash val="solid"/>
+        </a:ln>
+        <a:effectLst/>
+      </dsp:spPr>
+      <dsp:style>
+        <a:lnRef idx="2">
+          <a:scrgbClr r="0" g="0" b="0"/>
+        </a:lnRef>
+        <a:fillRef idx="1">
+          <a:scrgbClr r="0" g="0" b="0"/>
+        </a:fillRef>
+        <a:effectRef idx="0">
+          <a:scrgbClr r="0" g="0" b="0"/>
+        </a:effectRef>
+        <a:fontRef idx="minor">
+          <a:schemeClr val="lt1"/>
+        </a:fontRef>
+      </dsp:style>
+      <dsp:txBody>
+        <a:bodyPr spcFirstLastPara="0" vert="horz" wrap="square" lIns="40640" tIns="40640" rIns="40640" bIns="40640" numCol="1" spcCol="1270" anchor="ctr" anchorCtr="0">
+          <a:noAutofit/>
+        </a:bodyPr>
+        <a:lstStyle/>
+        <a:p>
+          <a:pPr lvl="0" algn="ctr" defTabSz="1422400">
+            <a:lnSpc>
+              <a:spcPct val="90000"/>
+            </a:lnSpc>
+            <a:spcBef>
+              <a:spcPct val="0"/>
+            </a:spcBef>
+            <a:spcAft>
+              <a:spcPct val="35000"/>
+            </a:spcAft>
+          </a:pPr>
+          <a:r>
+            <a:rPr lang="ru-RU" sz="3200" kern="1200" dirty="0" smtClean="0"/>
+            <a:t>Среда</a:t>
+          </a:r>
+          <a:endParaRPr lang="ru-RU" sz="3200" kern="1200" dirty="0"/>
+        </a:p>
+      </dsp:txBody>
+      <dsp:txXfrm>
+        <a:off x="798800" y="3087956"/>
+        <a:ext cx="1155782" cy="1155782"/>
+      </dsp:txXfrm>
+    </dsp:sp>
+    <dsp:sp modelId="{05D8B1FA-6E12-4ACD-9455-90D28DF79B1E}">
+      <dsp:nvSpPr>
+        <dsp:cNvPr id="0" name=""/>
+        <dsp:cNvSpPr/>
+      </dsp:nvSpPr>
+      <dsp:spPr>
+        <a:xfrm>
+          <a:off x="2439131" y="1937830"/>
+          <a:ext cx="519778" cy="608042"/>
+        </a:xfrm>
+        <a:prstGeom prst="rightArrow">
+          <a:avLst>
+            <a:gd name="adj1" fmla="val 60000"/>
+            <a:gd name="adj2" fmla="val 50000"/>
+          </a:avLst>
+        </a:prstGeom>
+        <a:solidFill>
+          <a:schemeClr val="accent1">
+            <a:tint val="60000"/>
+            <a:hueOff val="0"/>
+            <a:satOff val="0"/>
+            <a:lumOff val="0"/>
+            <a:alphaOff val="0"/>
+          </a:schemeClr>
+        </a:solidFill>
+        <a:ln>
+          <a:noFill/>
+        </a:ln>
+        <a:effectLst/>
+      </dsp:spPr>
+      <dsp:style>
+        <a:lnRef idx="0">
+          <a:scrgbClr r="0" g="0" b="0"/>
+        </a:lnRef>
+        <a:fillRef idx="1">
+          <a:scrgbClr r="0" g="0" b="0"/>
+        </a:fillRef>
+        <a:effectRef idx="0">
+          <a:scrgbClr r="0" g="0" b="0"/>
+        </a:effectRef>
+        <a:fontRef idx="minor">
+          <a:schemeClr val="lt1"/>
+        </a:fontRef>
+      </dsp:style>
+      <dsp:txBody>
+        <a:bodyPr spcFirstLastPara="0" vert="horz" wrap="square" lIns="0" tIns="0" rIns="0" bIns="0" numCol="1" spcCol="1270" anchor="ctr" anchorCtr="0">
+          <a:noAutofit/>
+        </a:bodyPr>
+        <a:lstStyle/>
+        <a:p>
+          <a:pPr lvl="0" algn="ctr" defTabSz="1155700">
+            <a:lnSpc>
+              <a:spcPct val="90000"/>
+            </a:lnSpc>
+            <a:spcBef>
+              <a:spcPct val="0"/>
+            </a:spcBef>
+            <a:spcAft>
+              <a:spcPct val="35000"/>
+            </a:spcAft>
+          </a:pPr>
+          <a:endParaRPr lang="ru-RU" sz="2600" kern="1200"/>
+        </a:p>
+      </dsp:txBody>
+      <dsp:txXfrm>
+        <a:off x="2439131" y="2059438"/>
+        <a:ext cx="363845" cy="364826"/>
+      </dsp:txXfrm>
+    </dsp:sp>
+    <dsp:sp modelId="{22202C48-C455-412A-BCBB-943E3E3B478E}">
+      <dsp:nvSpPr>
+        <dsp:cNvPr id="0" name=""/>
+        <dsp:cNvSpPr/>
+      </dsp:nvSpPr>
+      <dsp:spPr>
+        <a:xfrm>
+          <a:off x="3174666" y="607329"/>
+          <a:ext cx="3269045" cy="3269045"/>
+        </a:xfrm>
+        <a:prstGeom prst="ellipse">
+          <a:avLst/>
+        </a:prstGeom>
+        <a:solidFill>
+          <a:schemeClr val="lt1">
+            <a:hueOff val="0"/>
+            <a:satOff val="0"/>
+            <a:lumOff val="0"/>
+            <a:alphaOff val="0"/>
+          </a:schemeClr>
+        </a:solidFill>
+        <a:ln w="15875" cap="flat" cmpd="sng" algn="ctr">
+          <a:solidFill>
+            <a:schemeClr val="accent1">
+              <a:shade val="80000"/>
+              <a:hueOff val="0"/>
+              <a:satOff val="0"/>
+              <a:lumOff val="0"/>
+              <a:alphaOff val="0"/>
+            </a:schemeClr>
+          </a:solidFill>
+          <a:prstDash val="solid"/>
+        </a:ln>
+        <a:effectLst/>
+      </dsp:spPr>
+      <dsp:style>
+        <a:lnRef idx="2">
+          <a:scrgbClr r="0" g="0" b="0"/>
+        </a:lnRef>
+        <a:fillRef idx="1">
+          <a:scrgbClr r="0" g="0" b="0"/>
+        </a:fillRef>
+        <a:effectRef idx="0">
+          <a:scrgbClr r="0" g="0" b="0"/>
+        </a:effectRef>
+        <a:fontRef idx="minor">
+          <a:schemeClr val="lt1"/>
+        </a:fontRef>
+      </dsp:style>
+      <dsp:txBody>
+        <a:bodyPr spcFirstLastPara="0" vert="horz" wrap="square" lIns="35560" tIns="35560" rIns="35560" bIns="35560" numCol="1" spcCol="1270" anchor="ctr" anchorCtr="0">
+          <a:noAutofit/>
+        </a:bodyPr>
+        <a:lstStyle/>
+        <a:p>
+          <a:pPr lvl="0" algn="ctr" defTabSz="1244600">
+            <a:lnSpc>
+              <a:spcPct val="90000"/>
+            </a:lnSpc>
+            <a:spcBef>
+              <a:spcPct val="0"/>
+            </a:spcBef>
+            <a:spcAft>
+              <a:spcPct val="35000"/>
+            </a:spcAft>
+          </a:pPr>
+          <a:r>
+            <a:rPr lang="ru-RU" sz="2800" kern="1200" dirty="0" smtClean="0"/>
+            <a:t>Динамическая среда исполнения</a:t>
+          </a:r>
+          <a:endParaRPr lang="ru-RU" sz="2800" kern="1200" dirty="0"/>
+        </a:p>
+      </dsp:txBody>
+      <dsp:txXfrm>
+        <a:off x="3653407" y="1086070"/>
+        <a:ext cx="2311563" cy="2311563"/>
+      </dsp:txXfrm>
+    </dsp:sp>
+  </dsp:spTree>
+</dsp:drawing>
+</file>
+
+<file path=ppt/diagrams/drawing2.xml><?xml version="1.0" encoding="utf-8"?>
 <dsp:drawing xmlns:dgm="http://schemas.openxmlformats.org/drawingml/2006/diagram" xmlns:dsp="http://schemas.microsoft.com/office/drawing/2008/diagram" xmlns:a="http://schemas.openxmlformats.org/drawingml/2006/main">
   <dsp:spTree>
     <dsp:nvGrpSpPr>
@@ -5847,7 +8338,7 @@
 </dsp:drawing>
 </file>
 
-<file path=ppt/diagrams/drawing2.xml><?xml version="1.0" encoding="utf-8"?>
+<file path=ppt/diagrams/drawing3.xml><?xml version="1.0" encoding="utf-8"?>
 <dsp:drawing xmlns:dgm="http://schemas.openxmlformats.org/drawingml/2006/diagram" xmlns:dsp="http://schemas.microsoft.com/office/drawing/2008/diagram" xmlns:a="http://schemas.openxmlformats.org/drawingml/2006/main">
   <dsp:spTree>
     <dsp:nvGrpSpPr>
@@ -6240,7 +8731,7 @@
 </dsp:drawing>
 </file>
 
-<file path=ppt/diagrams/drawing3.xml><?xml version="1.0" encoding="utf-8"?>
+<file path=ppt/diagrams/drawing4.xml><?xml version="1.0" encoding="utf-8"?>
 <dsp:drawing xmlns:dgm="http://schemas.openxmlformats.org/drawingml/2006/diagram" xmlns:dsp="http://schemas.microsoft.com/office/drawing/2008/diagram" xmlns:a="http://schemas.openxmlformats.org/drawingml/2006/main">
   <dsp:spTree>
     <dsp:nvGrpSpPr>
@@ -6797,7 +9288,7 @@
 </dsp:drawing>
 </file>
 
-<file path=ppt/diagrams/drawing4.xml><?xml version="1.0" encoding="utf-8"?>
+<file path=ppt/diagrams/drawing5.xml><?xml version="1.0" encoding="utf-8"?>
 <dsp:drawing xmlns:dgm="http://schemas.openxmlformats.org/drawingml/2006/diagram" xmlns:dsp="http://schemas.microsoft.com/office/drawing/2008/diagram" xmlns:a="http://schemas.openxmlformats.org/drawingml/2006/main">
   <dsp:spTree>
     <dsp:nvGrpSpPr>
@@ -7873,7 +10364,838 @@
 </dsp:drawing>
 </file>
 
+<file path=ppt/diagrams/drawing6.xml><?xml version="1.0" encoding="utf-8"?>
+<dsp:drawing xmlns:dgm="http://schemas.openxmlformats.org/drawingml/2006/diagram" xmlns:dsp="http://schemas.microsoft.com/office/drawing/2008/diagram" xmlns:a="http://schemas.openxmlformats.org/drawingml/2006/main">
+  <dsp:spTree>
+    <dsp:nvGrpSpPr>
+      <dsp:cNvPr id="0" name=""/>
+      <dsp:cNvGrpSpPr/>
+    </dsp:nvGrpSpPr>
+    <dsp:grpSpPr/>
+    <dsp:sp modelId="{6A6201E6-E2E9-469D-856E-620FAE43CCE2}">
+      <dsp:nvSpPr>
+        <dsp:cNvPr id="0" name=""/>
+        <dsp:cNvSpPr/>
+      </dsp:nvSpPr>
+      <dsp:spPr>
+        <a:xfrm>
+          <a:off x="0" y="0"/>
+          <a:ext cx="7776209" cy="884999"/>
+        </a:xfrm>
+        <a:prstGeom prst="roundRect">
+          <a:avLst>
+            <a:gd name="adj" fmla="val 10000"/>
+          </a:avLst>
+        </a:prstGeom>
+        <a:solidFill>
+          <a:schemeClr val="accent1">
+            <a:hueOff val="0"/>
+            <a:satOff val="0"/>
+            <a:lumOff val="0"/>
+            <a:alphaOff val="0"/>
+          </a:schemeClr>
+        </a:solidFill>
+        <a:ln w="15875" cap="flat" cmpd="sng" algn="ctr">
+          <a:solidFill>
+            <a:schemeClr val="lt1">
+              <a:hueOff val="0"/>
+              <a:satOff val="0"/>
+              <a:lumOff val="0"/>
+              <a:alphaOff val="0"/>
+            </a:schemeClr>
+          </a:solidFill>
+          <a:prstDash val="solid"/>
+        </a:ln>
+        <a:effectLst/>
+      </dsp:spPr>
+      <dsp:style>
+        <a:lnRef idx="2">
+          <a:scrgbClr r="0" g="0" b="0"/>
+        </a:lnRef>
+        <a:fillRef idx="1">
+          <a:scrgbClr r="0" g="0" b="0"/>
+        </a:fillRef>
+        <a:effectRef idx="0">
+          <a:scrgbClr r="0" g="0" b="0"/>
+        </a:effectRef>
+        <a:fontRef idx="minor">
+          <a:schemeClr val="lt1"/>
+        </a:fontRef>
+      </dsp:style>
+      <dsp:txBody>
+        <a:bodyPr spcFirstLastPara="0" vert="horz" wrap="square" lIns="87630" tIns="87630" rIns="87630" bIns="87630" numCol="1" spcCol="1270" anchor="ctr" anchorCtr="0">
+          <a:noAutofit/>
+        </a:bodyPr>
+        <a:lstStyle/>
+        <a:p>
+          <a:pPr lvl="0" algn="l" defTabSz="1022350">
+            <a:lnSpc>
+              <a:spcPct val="90000"/>
+            </a:lnSpc>
+            <a:spcBef>
+              <a:spcPct val="0"/>
+            </a:spcBef>
+            <a:spcAft>
+              <a:spcPct val="35000"/>
+            </a:spcAft>
+          </a:pPr>
+          <a:r>
+            <a:rPr lang="en-US" sz="2300" kern="1200" dirty="0" smtClean="0"/>
+            <a:t>XML</a:t>
+          </a:r>
+          <a:endParaRPr lang="ru-RU" sz="2300" kern="1200" dirty="0"/>
+        </a:p>
+      </dsp:txBody>
+      <dsp:txXfrm>
+        <a:off x="25921" y="25921"/>
+        <a:ext cx="6746443" cy="833157"/>
+      </dsp:txXfrm>
+    </dsp:sp>
+    <dsp:sp modelId="{55868877-398E-4C77-8438-2E2341A6CFC6}">
+      <dsp:nvSpPr>
+        <dsp:cNvPr id="0" name=""/>
+        <dsp:cNvSpPr/>
+      </dsp:nvSpPr>
+      <dsp:spPr>
+        <a:xfrm>
+          <a:off x="651257" y="1045908"/>
+          <a:ext cx="7776209" cy="884999"/>
+        </a:xfrm>
+        <a:prstGeom prst="roundRect">
+          <a:avLst>
+            <a:gd name="adj" fmla="val 10000"/>
+          </a:avLst>
+        </a:prstGeom>
+        <a:solidFill>
+          <a:schemeClr val="accent1">
+            <a:hueOff val="0"/>
+            <a:satOff val="0"/>
+            <a:lumOff val="0"/>
+            <a:alphaOff val="0"/>
+          </a:schemeClr>
+        </a:solidFill>
+        <a:ln w="15875" cap="flat" cmpd="sng" algn="ctr">
+          <a:solidFill>
+            <a:schemeClr val="lt1">
+              <a:hueOff val="0"/>
+              <a:satOff val="0"/>
+              <a:lumOff val="0"/>
+              <a:alphaOff val="0"/>
+            </a:schemeClr>
+          </a:solidFill>
+          <a:prstDash val="solid"/>
+        </a:ln>
+        <a:effectLst/>
+      </dsp:spPr>
+      <dsp:style>
+        <a:lnRef idx="2">
+          <a:scrgbClr r="0" g="0" b="0"/>
+        </a:lnRef>
+        <a:fillRef idx="1">
+          <a:scrgbClr r="0" g="0" b="0"/>
+        </a:fillRef>
+        <a:effectRef idx="0">
+          <a:scrgbClr r="0" g="0" b="0"/>
+        </a:effectRef>
+        <a:fontRef idx="minor">
+          <a:schemeClr val="lt1"/>
+        </a:fontRef>
+      </dsp:style>
+      <dsp:txBody>
+        <a:bodyPr spcFirstLastPara="0" vert="horz" wrap="square" lIns="87630" tIns="87630" rIns="87630" bIns="87630" numCol="1" spcCol="1270" anchor="ctr" anchorCtr="0">
+          <a:noAutofit/>
+        </a:bodyPr>
+        <a:lstStyle/>
+        <a:p>
+          <a:pPr lvl="0" algn="l" defTabSz="1022350">
+            <a:lnSpc>
+              <a:spcPct val="90000"/>
+            </a:lnSpc>
+            <a:spcBef>
+              <a:spcPct val="0"/>
+            </a:spcBef>
+            <a:spcAft>
+              <a:spcPct val="35000"/>
+            </a:spcAft>
+          </a:pPr>
+          <a:r>
+            <a:rPr lang="ru-RU" sz="2300" kern="1200" dirty="0" smtClean="0"/>
+            <a:t>Интеграция стандартных классов</a:t>
+          </a:r>
+          <a:endParaRPr lang="ru-RU" sz="2300" kern="1200" dirty="0"/>
+        </a:p>
+      </dsp:txBody>
+      <dsp:txXfrm>
+        <a:off x="677178" y="1071829"/>
+        <a:ext cx="6497860" cy="833157"/>
+      </dsp:txXfrm>
+    </dsp:sp>
+    <dsp:sp modelId="{FB9C24B7-8F81-4976-9407-C8B3E8D22949}">
+      <dsp:nvSpPr>
+        <dsp:cNvPr id="0" name=""/>
+        <dsp:cNvSpPr/>
+      </dsp:nvSpPr>
+      <dsp:spPr>
+        <a:xfrm>
+          <a:off x="1292794" y="2091817"/>
+          <a:ext cx="7776209" cy="884999"/>
+        </a:xfrm>
+        <a:prstGeom prst="roundRect">
+          <a:avLst>
+            <a:gd name="adj" fmla="val 10000"/>
+          </a:avLst>
+        </a:prstGeom>
+        <a:solidFill>
+          <a:schemeClr val="accent1">
+            <a:hueOff val="0"/>
+            <a:satOff val="0"/>
+            <a:lumOff val="0"/>
+            <a:alphaOff val="0"/>
+          </a:schemeClr>
+        </a:solidFill>
+        <a:ln w="15875" cap="flat" cmpd="sng" algn="ctr">
+          <a:solidFill>
+            <a:schemeClr val="lt1">
+              <a:hueOff val="0"/>
+              <a:satOff val="0"/>
+              <a:lumOff val="0"/>
+              <a:alphaOff val="0"/>
+            </a:schemeClr>
+          </a:solidFill>
+          <a:prstDash val="solid"/>
+        </a:ln>
+        <a:effectLst/>
+      </dsp:spPr>
+      <dsp:style>
+        <a:lnRef idx="2">
+          <a:scrgbClr r="0" g="0" b="0"/>
+        </a:lnRef>
+        <a:fillRef idx="1">
+          <a:scrgbClr r="0" g="0" b="0"/>
+        </a:fillRef>
+        <a:effectRef idx="0">
+          <a:scrgbClr r="0" g="0" b="0"/>
+        </a:effectRef>
+        <a:fontRef idx="minor">
+          <a:schemeClr val="lt1"/>
+        </a:fontRef>
+      </dsp:style>
+      <dsp:txBody>
+        <a:bodyPr spcFirstLastPara="0" vert="horz" wrap="square" lIns="87630" tIns="87630" rIns="87630" bIns="87630" numCol="1" spcCol="1270" anchor="ctr" anchorCtr="0">
+          <a:noAutofit/>
+        </a:bodyPr>
+        <a:lstStyle/>
+        <a:p>
+          <a:pPr lvl="0" algn="l" defTabSz="1022350">
+            <a:lnSpc>
+              <a:spcPct val="90000"/>
+            </a:lnSpc>
+            <a:spcBef>
+              <a:spcPct val="0"/>
+            </a:spcBef>
+            <a:spcAft>
+              <a:spcPct val="35000"/>
+            </a:spcAft>
+          </a:pPr>
+          <a:r>
+            <a:rPr lang="ru-RU" sz="2300" kern="1200" dirty="0" smtClean="0"/>
+            <a:t>Генерация кода в соответствии со стандартами </a:t>
+          </a:r>
+          <a:r>
+            <a:rPr lang="en-US" sz="2300" kern="1200" dirty="0" err="1" smtClean="0"/>
+            <a:t>PSR</a:t>
+          </a:r>
+          <a:endParaRPr lang="ru-RU" sz="2300" kern="1200" dirty="0"/>
+        </a:p>
+      </dsp:txBody>
+      <dsp:txXfrm>
+        <a:off x="1318715" y="2117738"/>
+        <a:ext cx="6507580" cy="833157"/>
+      </dsp:txXfrm>
+    </dsp:sp>
+    <dsp:sp modelId="{8BD2E662-33C1-4EDA-BE53-959D2D478828}">
+      <dsp:nvSpPr>
+        <dsp:cNvPr id="0" name=""/>
+        <dsp:cNvSpPr/>
+      </dsp:nvSpPr>
+      <dsp:spPr>
+        <a:xfrm>
+          <a:off x="1944052" y="3137725"/>
+          <a:ext cx="7776209" cy="884999"/>
+        </a:xfrm>
+        <a:prstGeom prst="roundRect">
+          <a:avLst>
+            <a:gd name="adj" fmla="val 10000"/>
+          </a:avLst>
+        </a:prstGeom>
+        <a:solidFill>
+          <a:schemeClr val="accent1">
+            <a:hueOff val="0"/>
+            <a:satOff val="0"/>
+            <a:lumOff val="0"/>
+            <a:alphaOff val="0"/>
+          </a:schemeClr>
+        </a:solidFill>
+        <a:ln w="15875" cap="flat" cmpd="sng" algn="ctr">
+          <a:solidFill>
+            <a:schemeClr val="lt1">
+              <a:hueOff val="0"/>
+              <a:satOff val="0"/>
+              <a:lumOff val="0"/>
+              <a:alphaOff val="0"/>
+            </a:schemeClr>
+          </a:solidFill>
+          <a:prstDash val="solid"/>
+        </a:ln>
+        <a:effectLst/>
+      </dsp:spPr>
+      <dsp:style>
+        <a:lnRef idx="2">
+          <a:scrgbClr r="0" g="0" b="0"/>
+        </a:lnRef>
+        <a:fillRef idx="1">
+          <a:scrgbClr r="0" g="0" b="0"/>
+        </a:fillRef>
+        <a:effectRef idx="0">
+          <a:scrgbClr r="0" g="0" b="0"/>
+        </a:effectRef>
+        <a:fontRef idx="minor">
+          <a:schemeClr val="lt1"/>
+        </a:fontRef>
+      </dsp:style>
+      <dsp:txBody>
+        <a:bodyPr spcFirstLastPara="0" vert="horz" wrap="square" lIns="87630" tIns="87630" rIns="87630" bIns="87630" numCol="1" spcCol="1270" anchor="ctr" anchorCtr="0">
+          <a:noAutofit/>
+        </a:bodyPr>
+        <a:lstStyle/>
+        <a:p>
+          <a:pPr lvl="0" algn="l" defTabSz="1022350">
+            <a:lnSpc>
+              <a:spcPct val="90000"/>
+            </a:lnSpc>
+            <a:spcBef>
+              <a:spcPct val="0"/>
+            </a:spcBef>
+            <a:spcAft>
+              <a:spcPct val="35000"/>
+            </a:spcAft>
+          </a:pPr>
+          <a:r>
+            <a:rPr lang="ru-RU" sz="2300" kern="1200" dirty="0" smtClean="0"/>
+            <a:t>Реализация основных инструментов</a:t>
+          </a:r>
+          <a:endParaRPr lang="ru-RU" sz="2300" kern="1200" dirty="0"/>
+        </a:p>
+      </dsp:txBody>
+      <dsp:txXfrm>
+        <a:off x="1969973" y="3163646"/>
+        <a:ext cx="6497860" cy="833157"/>
+      </dsp:txXfrm>
+    </dsp:sp>
+    <dsp:sp modelId="{82686923-8AEA-4C1F-A2BE-BEEE948A7AF3}">
+      <dsp:nvSpPr>
+        <dsp:cNvPr id="0" name=""/>
+        <dsp:cNvSpPr/>
+      </dsp:nvSpPr>
+      <dsp:spPr>
+        <a:xfrm>
+          <a:off x="7200959" y="677829"/>
+          <a:ext cx="575249" cy="575249"/>
+        </a:xfrm>
+        <a:prstGeom prst="downArrow">
+          <a:avLst>
+            <a:gd name="adj1" fmla="val 55000"/>
+            <a:gd name="adj2" fmla="val 45000"/>
+          </a:avLst>
+        </a:prstGeom>
+        <a:solidFill>
+          <a:schemeClr val="accent1">
+            <a:alpha val="90000"/>
+            <a:tint val="40000"/>
+            <a:hueOff val="0"/>
+            <a:satOff val="0"/>
+            <a:lumOff val="0"/>
+            <a:alphaOff val="0"/>
+          </a:schemeClr>
+        </a:solidFill>
+        <a:ln w="15875" cap="flat" cmpd="sng" algn="ctr">
+          <a:solidFill>
+            <a:schemeClr val="accent1">
+              <a:alpha val="90000"/>
+              <a:tint val="40000"/>
+              <a:hueOff val="0"/>
+              <a:satOff val="0"/>
+              <a:lumOff val="0"/>
+              <a:alphaOff val="0"/>
+            </a:schemeClr>
+          </a:solidFill>
+          <a:prstDash val="solid"/>
+        </a:ln>
+        <a:effectLst/>
+      </dsp:spPr>
+      <dsp:style>
+        <a:lnRef idx="2">
+          <a:scrgbClr r="0" g="0" b="0"/>
+        </a:lnRef>
+        <a:fillRef idx="1">
+          <a:scrgbClr r="0" g="0" b="0"/>
+        </a:fillRef>
+        <a:effectRef idx="0">
+          <a:scrgbClr r="0" g="0" b="0"/>
+        </a:effectRef>
+        <a:fontRef idx="minor"/>
+      </dsp:style>
+      <dsp:txBody>
+        <a:bodyPr spcFirstLastPara="0" vert="horz" wrap="square" lIns="33020" tIns="33020" rIns="33020" bIns="33020" numCol="1" spcCol="1270" anchor="ctr" anchorCtr="0">
+          <a:noAutofit/>
+        </a:bodyPr>
+        <a:lstStyle/>
+        <a:p>
+          <a:pPr lvl="0" algn="ctr" defTabSz="1155700">
+            <a:lnSpc>
+              <a:spcPct val="90000"/>
+            </a:lnSpc>
+            <a:spcBef>
+              <a:spcPct val="0"/>
+            </a:spcBef>
+            <a:spcAft>
+              <a:spcPct val="35000"/>
+            </a:spcAft>
+          </a:pPr>
+          <a:endParaRPr lang="ru-RU" sz="2600" kern="1200"/>
+        </a:p>
+      </dsp:txBody>
+      <dsp:txXfrm>
+        <a:off x="7330390" y="677829"/>
+        <a:ext cx="316387" cy="432875"/>
+      </dsp:txXfrm>
+    </dsp:sp>
+    <dsp:sp modelId="{8F0A91C1-7497-4FE8-B52E-A50742F90737}">
+      <dsp:nvSpPr>
+        <dsp:cNvPr id="0" name=""/>
+        <dsp:cNvSpPr/>
+      </dsp:nvSpPr>
+      <dsp:spPr>
+        <a:xfrm>
+          <a:off x="7852217" y="1723737"/>
+          <a:ext cx="575249" cy="575249"/>
+        </a:xfrm>
+        <a:prstGeom prst="downArrow">
+          <a:avLst>
+            <a:gd name="adj1" fmla="val 55000"/>
+            <a:gd name="adj2" fmla="val 45000"/>
+          </a:avLst>
+        </a:prstGeom>
+        <a:solidFill>
+          <a:schemeClr val="accent1">
+            <a:alpha val="90000"/>
+            <a:tint val="40000"/>
+            <a:hueOff val="0"/>
+            <a:satOff val="0"/>
+            <a:lumOff val="0"/>
+            <a:alphaOff val="0"/>
+          </a:schemeClr>
+        </a:solidFill>
+        <a:ln w="15875" cap="flat" cmpd="sng" algn="ctr">
+          <a:solidFill>
+            <a:schemeClr val="accent1">
+              <a:alpha val="90000"/>
+              <a:tint val="40000"/>
+              <a:hueOff val="0"/>
+              <a:satOff val="0"/>
+              <a:lumOff val="0"/>
+              <a:alphaOff val="0"/>
+            </a:schemeClr>
+          </a:solidFill>
+          <a:prstDash val="solid"/>
+        </a:ln>
+        <a:effectLst/>
+      </dsp:spPr>
+      <dsp:style>
+        <a:lnRef idx="2">
+          <a:scrgbClr r="0" g="0" b="0"/>
+        </a:lnRef>
+        <a:fillRef idx="1">
+          <a:scrgbClr r="0" g="0" b="0"/>
+        </a:fillRef>
+        <a:effectRef idx="0">
+          <a:scrgbClr r="0" g="0" b="0"/>
+        </a:effectRef>
+        <a:fontRef idx="minor"/>
+      </dsp:style>
+      <dsp:txBody>
+        <a:bodyPr spcFirstLastPara="0" vert="horz" wrap="square" lIns="33020" tIns="33020" rIns="33020" bIns="33020" numCol="1" spcCol="1270" anchor="ctr" anchorCtr="0">
+          <a:noAutofit/>
+        </a:bodyPr>
+        <a:lstStyle/>
+        <a:p>
+          <a:pPr lvl="0" algn="ctr" defTabSz="1155700">
+            <a:lnSpc>
+              <a:spcPct val="90000"/>
+            </a:lnSpc>
+            <a:spcBef>
+              <a:spcPct val="0"/>
+            </a:spcBef>
+            <a:spcAft>
+              <a:spcPct val="35000"/>
+            </a:spcAft>
+          </a:pPr>
+          <a:endParaRPr lang="ru-RU" sz="2600" kern="1200"/>
+        </a:p>
+      </dsp:txBody>
+      <dsp:txXfrm>
+        <a:off x="7981648" y="1723737"/>
+        <a:ext cx="316387" cy="432875"/>
+      </dsp:txXfrm>
+    </dsp:sp>
+    <dsp:sp modelId="{EC44042A-782D-48FE-975B-1B297CBC9D7A}">
+      <dsp:nvSpPr>
+        <dsp:cNvPr id="0" name=""/>
+        <dsp:cNvSpPr/>
+      </dsp:nvSpPr>
+      <dsp:spPr>
+        <a:xfrm>
+          <a:off x="8493754" y="2769646"/>
+          <a:ext cx="575249" cy="575249"/>
+        </a:xfrm>
+        <a:prstGeom prst="downArrow">
+          <a:avLst>
+            <a:gd name="adj1" fmla="val 55000"/>
+            <a:gd name="adj2" fmla="val 45000"/>
+          </a:avLst>
+        </a:prstGeom>
+        <a:solidFill>
+          <a:schemeClr val="accent1">
+            <a:alpha val="90000"/>
+            <a:tint val="40000"/>
+            <a:hueOff val="0"/>
+            <a:satOff val="0"/>
+            <a:lumOff val="0"/>
+            <a:alphaOff val="0"/>
+          </a:schemeClr>
+        </a:solidFill>
+        <a:ln w="15875" cap="flat" cmpd="sng" algn="ctr">
+          <a:solidFill>
+            <a:schemeClr val="accent1">
+              <a:alpha val="90000"/>
+              <a:tint val="40000"/>
+              <a:hueOff val="0"/>
+              <a:satOff val="0"/>
+              <a:lumOff val="0"/>
+              <a:alphaOff val="0"/>
+            </a:schemeClr>
+          </a:solidFill>
+          <a:prstDash val="solid"/>
+        </a:ln>
+        <a:effectLst/>
+      </dsp:spPr>
+      <dsp:style>
+        <a:lnRef idx="2">
+          <a:scrgbClr r="0" g="0" b="0"/>
+        </a:lnRef>
+        <a:fillRef idx="1">
+          <a:scrgbClr r="0" g="0" b="0"/>
+        </a:fillRef>
+        <a:effectRef idx="0">
+          <a:scrgbClr r="0" g="0" b="0"/>
+        </a:effectRef>
+        <a:fontRef idx="minor"/>
+      </dsp:style>
+      <dsp:txBody>
+        <a:bodyPr spcFirstLastPara="0" vert="horz" wrap="square" lIns="33020" tIns="33020" rIns="33020" bIns="33020" numCol="1" spcCol="1270" anchor="ctr" anchorCtr="0">
+          <a:noAutofit/>
+        </a:bodyPr>
+        <a:lstStyle/>
+        <a:p>
+          <a:pPr lvl="0" algn="ctr" defTabSz="1155700">
+            <a:lnSpc>
+              <a:spcPct val="90000"/>
+            </a:lnSpc>
+            <a:spcBef>
+              <a:spcPct val="0"/>
+            </a:spcBef>
+            <a:spcAft>
+              <a:spcPct val="35000"/>
+            </a:spcAft>
+          </a:pPr>
+          <a:endParaRPr lang="ru-RU" sz="2600" kern="1200"/>
+        </a:p>
+      </dsp:txBody>
+      <dsp:txXfrm>
+        <a:off x="8623185" y="2769646"/>
+        <a:ext cx="316387" cy="432875"/>
+      </dsp:txXfrm>
+    </dsp:sp>
+  </dsp:spTree>
+</dsp:drawing>
+</file>
+
 <file path=ppt/diagrams/layout1.xml><?xml version="1.0" encoding="utf-8"?>
+<dgm:layoutDef xmlns:dgm="http://schemas.openxmlformats.org/drawingml/2006/diagram" xmlns:a="http://schemas.openxmlformats.org/drawingml/2006/main" uniqueId="urn:microsoft.com/office/officeart/2005/8/layout/equation2">
+  <dgm:title val=""/>
+  <dgm:desc val=""/>
+  <dgm:catLst>
+    <dgm:cat type="relationship" pri="18000"/>
+    <dgm:cat type="process" pri="26000"/>
+  </dgm:catLst>
+  <dgm:sampData useDef="1">
+    <dgm:dataModel>
+      <dgm:ptLst/>
+      <dgm:bg/>
+      <dgm:whole/>
+    </dgm:dataModel>
+  </dgm:sampData>
+  <dgm:styleData>
+    <dgm:dataModel>
+      <dgm:ptLst>
+        <dgm:pt modelId="0" type="doc"/>
+        <dgm:pt modelId="1"/>
+        <dgm:pt modelId="2"/>
+      </dgm:ptLst>
+      <dgm:cxnLst>
+        <dgm:cxn modelId="3" srcId="0" destId="1" srcOrd="0" destOrd="0"/>
+        <dgm:cxn modelId="4" srcId="0" destId="2" srcOrd="1" destOrd="0"/>
+      </dgm:cxnLst>
+      <dgm:bg/>
+      <dgm:whole/>
+    </dgm:dataModel>
+  </dgm:styleData>
+  <dgm:clrData>
+    <dgm:dataModel>
+      <dgm:ptLst>
+        <dgm:pt modelId="0" type="doc"/>
+        <dgm:pt modelId="1"/>
+        <dgm:pt modelId="2"/>
+        <dgm:pt modelId="3"/>
+        <dgm:pt modelId="4"/>
+      </dgm:ptLst>
+      <dgm:cxnLst>
+        <dgm:cxn modelId="5" srcId="0" destId="1" srcOrd="0" destOrd="0"/>
+        <dgm:cxn modelId="6" srcId="0" destId="2" srcOrd="1" destOrd="0"/>
+        <dgm:cxn modelId="7" srcId="0" destId="3" srcOrd="2" destOrd="0"/>
+        <dgm:cxn modelId="8" srcId="0" destId="4" srcOrd="3" destOrd="0"/>
+      </dgm:cxnLst>
+      <dgm:bg/>
+      <dgm:whole/>
+    </dgm:dataModel>
+  </dgm:clrData>
+  <dgm:layoutNode name="Name0">
+    <dgm:varLst>
+      <dgm:dir/>
+      <dgm:resizeHandles val="exact"/>
+    </dgm:varLst>
+    <dgm:choose name="Name1">
+      <dgm:if name="Name2" func="var" arg="dir" op="equ" val="norm">
+        <dgm:alg type="lin">
+          <dgm:param type="linDir" val="fromL"/>
+          <dgm:param type="fallback" val="2D"/>
+        </dgm:alg>
+      </dgm:if>
+      <dgm:else name="Name3">
+        <dgm:alg type="lin">
+          <dgm:param type="linDir" val="fromR"/>
+          <dgm:param type="fallback" val="2D"/>
+        </dgm:alg>
+      </dgm:else>
+    </dgm:choose>
+    <dgm:shape xmlns:r="http://schemas.openxmlformats.org/officeDocument/2006/relationships" r:blip="">
+      <dgm:adjLst/>
+    </dgm:shape>
+    <dgm:presOf/>
+    <dgm:choose name="Name4">
+      <dgm:if name="Name5" axis="ch" ptType="node" func="cnt" op="gte" val="3">
+        <dgm:constrLst>
+          <dgm:constr type="h" for="des" forName="node" refType="w" fact="0.5"/>
+          <dgm:constr type="w" for="ch" forName="lastNode" refType="w"/>
+          <dgm:constr type="w" for="des" forName="node" refType="h" refFor="des" refForName="node"/>
+          <dgm:constr type="w" for="ch" forName="sibTransLast" refType="h" refFor="des" refForName="node" fact="0.6"/>
+          <dgm:constr type="h" for="des" forName="sibTrans" refType="h" refFor="des" refForName="node" op="equ" fact="0.58"/>
+          <dgm:constr type="w" for="des" forName="sibTrans" refType="h" refFor="des" refForName="sibTrans" op="equ"/>
+          <dgm:constr type="primFontSz" for="ch" forName="lastNode" op="equ" val="65"/>
+          <dgm:constr type="primFontSz" for="des" forName="node" op="equ" val="65"/>
+          <dgm:constr type="primFontSz" for="des" forName="sibTrans" val="55"/>
+          <dgm:constr type="primFontSz" for="des" forName="sibTrans" refType="primFontSz" refFor="des" refForName="node" op="lte" fact="0.8"/>
+          <dgm:constr type="primFontSz" for="des" forName="connectorText" refType="primFontSz" refFor="des" refForName="node" op="lte" fact="0.8"/>
+          <dgm:constr type="primFontSz" for="des" forName="connectorText" refType="primFontSz" refFor="des" refForName="sibTrans" op="equ"/>
+          <dgm:constr type="h" for="des" forName="spacerT" refType="h" refFor="des" refForName="sibTrans" fact="0.14"/>
+          <dgm:constr type="h" for="des" forName="spacerB" refType="h" refFor="des" refForName="sibTrans" fact="0.14"/>
+        </dgm:constrLst>
+      </dgm:if>
+      <dgm:else name="Name6">
+        <dgm:constrLst>
+          <dgm:constr type="h" for="des" forName="node" refType="w"/>
+          <dgm:constr type="w" for="ch" forName="lastNode" refType="w"/>
+          <dgm:constr type="w" for="des" forName="node" refType="h" refFor="des" refForName="node"/>
+          <dgm:constr type="w" for="ch" forName="sibTransLast" refType="h" refFor="des" refForName="node" fact="0.6"/>
+          <dgm:constr type="h" for="des" forName="sibTrans" refType="h" refFor="des" refForName="node" op="equ" fact="0.58"/>
+          <dgm:constr type="w" for="des" forName="sibTrans" refType="h" refFor="des" refForName="sibTrans" op="equ"/>
+          <dgm:constr type="primFontSz" for="des" forName="node" val="65"/>
+          <dgm:constr type="primFontSz" for="ch" forName="lastNode" refType="primFontSz" refFor="des" refForName="node" op="equ"/>
+          <dgm:constr type="primFontSz" for="des" forName="sibTrans" val="55"/>
+          <dgm:constr type="primFontSz" for="des" forName="connectorText" refType="primFontSz" refFor="des" refForName="node" op="lte" fact="0.8"/>
+          <dgm:constr type="primFontSz" for="des" forName="connectorText" refType="primFontSz" refFor="des" refForName="sibTrans" op="equ"/>
+          <dgm:constr type="h" for="des" forName="spacerT" refType="h" refFor="des" refForName="sibTrans" fact="0.14"/>
+          <dgm:constr type="h" for="des" forName="spacerB" refType="h" refFor="des" refForName="sibTrans" fact="0.14"/>
+        </dgm:constrLst>
+      </dgm:else>
+    </dgm:choose>
+    <dgm:ruleLst/>
+    <dgm:choose name="Name7">
+      <dgm:if name="Name8" axis="ch" ptType="node" func="cnt" op="gte" val="1">
+        <dgm:layoutNode name="vNodes">
+          <dgm:alg type="lin">
+            <dgm:param type="linDir" val="fromT"/>
+            <dgm:param type="fallback" val="2D"/>
+          </dgm:alg>
+          <dgm:shape xmlns:r="http://schemas.openxmlformats.org/officeDocument/2006/relationships" r:blip="">
+            <dgm:adjLst/>
+          </dgm:shape>
+          <dgm:presOf/>
+          <dgm:constrLst/>
+          <dgm:ruleLst/>
+          <dgm:forEach name="Name9" axis="ch" ptType="node">
+            <dgm:choose name="Name10">
+              <dgm:if name="Name11" axis="self" func="revPos" op="neq" val="1">
+                <dgm:layoutNode name="node">
+                  <dgm:varLst>
+                    <dgm:bulletEnabled val="1"/>
+                  </dgm:varLst>
+                  <dgm:alg type="tx">
+                    <dgm:param type="txAnchorVertCh" val="mid"/>
+                  </dgm:alg>
+                  <dgm:shape xmlns:r="http://schemas.openxmlformats.org/officeDocument/2006/relationships" type="ellipse" r:blip="">
+                    <dgm:adjLst/>
+                  </dgm:shape>
+                  <dgm:presOf axis="desOrSelf" ptType="node"/>
+                  <dgm:constrLst>
+                    <dgm:constr type="tMarg" refType="primFontSz" fact="0.1"/>
+                    <dgm:constr type="bMarg" refType="primFontSz" fact="0.1"/>
+                    <dgm:constr type="lMarg" refType="primFontSz" fact="0.1"/>
+                    <dgm:constr type="rMarg" refType="primFontSz" fact="0.1"/>
+                  </dgm:constrLst>
+                  <dgm:ruleLst>
+                    <dgm:rule type="primFontSz" val="5" fact="NaN" max="NaN"/>
+                  </dgm:ruleLst>
+                </dgm:layoutNode>
+                <dgm:choose name="Name12">
+                  <dgm:if name="Name13" axis="self" ptType="node" func="revPos" op="gt" val="2">
+                    <dgm:forEach name="sibTransForEach" axis="followSib" ptType="sibTrans" cnt="1">
+                      <dgm:layoutNode name="spacerT">
+                        <dgm:alg type="sp"/>
+                        <dgm:shape xmlns:r="http://schemas.openxmlformats.org/officeDocument/2006/relationships" r:blip="">
+                          <dgm:adjLst/>
+                        </dgm:shape>
+                        <dgm:presOf axis="self"/>
+                        <dgm:constrLst/>
+                        <dgm:ruleLst/>
+                      </dgm:layoutNode>
+                      <dgm:layoutNode name="sibTrans">
+                        <dgm:alg type="tx"/>
+                        <dgm:shape xmlns:r="http://schemas.openxmlformats.org/officeDocument/2006/relationships" type="mathPlus" r:blip="">
+                          <dgm:adjLst/>
+                        </dgm:shape>
+                        <dgm:presOf axis="self"/>
+                        <dgm:constrLst>
+                          <dgm:constr type="h" refType="w"/>
+                          <dgm:constr type="lMarg"/>
+                          <dgm:constr type="rMarg"/>
+                          <dgm:constr type="tMarg"/>
+                          <dgm:constr type="bMarg"/>
+                        </dgm:constrLst>
+                        <dgm:ruleLst>
+                          <dgm:rule type="primFontSz" val="5" fact="NaN" max="NaN"/>
+                        </dgm:ruleLst>
+                      </dgm:layoutNode>
+                      <dgm:layoutNode name="spacerB">
+                        <dgm:alg type="sp"/>
+                        <dgm:shape xmlns:r="http://schemas.openxmlformats.org/officeDocument/2006/relationships" r:blip="">
+                          <dgm:adjLst/>
+                        </dgm:shape>
+                        <dgm:presOf axis="self"/>
+                        <dgm:constrLst/>
+                        <dgm:ruleLst/>
+                      </dgm:layoutNode>
+                    </dgm:forEach>
+                  </dgm:if>
+                  <dgm:else name="Name14"/>
+                </dgm:choose>
+              </dgm:if>
+              <dgm:else name="Name15"/>
+            </dgm:choose>
+          </dgm:forEach>
+        </dgm:layoutNode>
+        <dgm:choose name="Name16">
+          <dgm:if name="Name17" axis="ch" ptType="node" func="cnt" op="gt" val="1">
+            <dgm:layoutNode name="sibTransLast">
+              <dgm:alg type="conn">
+                <dgm:param type="begPts" val="auto"/>
+                <dgm:param type="endPts" val="auto"/>
+                <dgm:param type="srcNode" val="vNodes"/>
+                <dgm:param type="dstNode" val="lastNode"/>
+              </dgm:alg>
+              <dgm:shape xmlns:r="http://schemas.openxmlformats.org/officeDocument/2006/relationships" type="conn" r:blip="">
+                <dgm:adjLst/>
+              </dgm:shape>
+              <dgm:presOf axis="ch" ptType="sibTrans" st="-1" cnt="1"/>
+              <dgm:constrLst>
+                <dgm:constr type="h" refType="w" fact="0.62"/>
+                <dgm:constr type="connDist"/>
+                <dgm:constr type="begPad" refType="connDist" fact="0.25"/>
+                <dgm:constr type="endPad" refType="connDist" fact="0.22"/>
+              </dgm:constrLst>
+              <dgm:ruleLst/>
+              <dgm:layoutNode name="connectorText">
+                <dgm:alg type="tx">
+                  <dgm:param type="autoTxRot" val="grav"/>
+                </dgm:alg>
+                <dgm:shape xmlns:r="http://schemas.openxmlformats.org/officeDocument/2006/relationships" type="conn" r:blip="" hideGeom="1">
+                  <dgm:adjLst/>
+                </dgm:shape>
+                <dgm:presOf axis="ch desOrSelf" ptType="sibTrans sibTrans" st="-1 1" cnt="1 0"/>
+                <dgm:constrLst>
+                  <dgm:constr type="lMarg"/>
+                  <dgm:constr type="rMarg"/>
+                  <dgm:constr type="tMarg"/>
+                  <dgm:constr type="bMarg"/>
+                </dgm:constrLst>
+                <dgm:ruleLst>
+                  <dgm:rule type="primFontSz" val="5" fact="NaN" max="NaN"/>
+                </dgm:ruleLst>
+              </dgm:layoutNode>
+            </dgm:layoutNode>
+          </dgm:if>
+          <dgm:else name="Name18"/>
+        </dgm:choose>
+        <dgm:layoutNode name="lastNode">
+          <dgm:varLst>
+            <dgm:bulletEnabled val="1"/>
+          </dgm:varLst>
+          <dgm:alg type="tx">
+            <dgm:param type="txAnchorVertCh" val="mid"/>
+          </dgm:alg>
+          <dgm:shape xmlns:r="http://schemas.openxmlformats.org/officeDocument/2006/relationships" type="ellipse" r:blip="">
+            <dgm:adjLst/>
+          </dgm:shape>
+          <dgm:presOf axis="ch desOrSelf" ptType="node node" st="-1 1" cnt="1 0"/>
+          <dgm:constrLst>
+            <dgm:constr type="h" refType="w"/>
+            <dgm:constr type="tMarg" refType="primFontSz" fact="0.1"/>
+            <dgm:constr type="bMarg" refType="primFontSz" fact="0.1"/>
+            <dgm:constr type="lMarg" refType="primFontSz" fact="0.1"/>
+            <dgm:constr type="rMarg" refType="primFontSz" fact="0.1"/>
+          </dgm:constrLst>
+          <dgm:ruleLst>
+            <dgm:rule type="primFontSz" val="5" fact="NaN" max="NaN"/>
+          </dgm:ruleLst>
+        </dgm:layoutNode>
+      </dgm:if>
+      <dgm:else name="Name19"/>
+    </dgm:choose>
+  </dgm:layoutNode>
+</dgm:layoutDef>
+</file>
+
+<file path=ppt/diagrams/layout2.xml><?xml version="1.0" encoding="utf-8"?>
 <dgm:layoutDef xmlns:dgm="http://schemas.openxmlformats.org/drawingml/2006/diagram" xmlns:a="http://schemas.openxmlformats.org/drawingml/2006/main" uniqueId="urn:microsoft.com/office/officeart/2008/layout/LinedList">
   <dgm:title val=""/>
   <dgm:desc val=""/>
@@ -8339,7 +11661,7 @@
 </dgm:layoutDef>
 </file>
 
-<file path=ppt/diagrams/layout2.xml><?xml version="1.0" encoding="utf-8"?>
+<file path=ppt/diagrams/layout3.xml><?xml version="1.0" encoding="utf-8"?>
 <dgm:layoutDef xmlns:dgm="http://schemas.openxmlformats.org/drawingml/2006/diagram" xmlns:a="http://schemas.openxmlformats.org/drawingml/2006/main" uniqueId="urn:microsoft.com/office/officeart/2005/8/layout/list1">
   <dgm:title val=""/>
   <dgm:desc val=""/>
@@ -8564,7 +11886,7 @@
 </dgm:layoutDef>
 </file>
 
-<file path=ppt/diagrams/layout3.xml><?xml version="1.0" encoding="utf-8"?>
+<file path=ppt/diagrams/layout4.xml><?xml version="1.0" encoding="utf-8"?>
 <dgm:layoutDef xmlns:dgm="http://schemas.openxmlformats.org/drawingml/2006/diagram" xmlns:a="http://schemas.openxmlformats.org/drawingml/2006/main" uniqueId="urn:microsoft.com/office/officeart/2008/layout/VerticalCurvedList">
   <dgm:title val=""/>
   <dgm:desc val=""/>
@@ -9842,7 +13164,7 @@
 </dgm:layoutDef>
 </file>
 
-<file path=ppt/diagrams/layout4.xml><?xml version="1.0" encoding="utf-8"?>
+<file path=ppt/diagrams/layout5.xml><?xml version="1.0" encoding="utf-8"?>
 <dgm:layoutDef xmlns:dgm="http://schemas.openxmlformats.org/drawingml/2006/diagram" xmlns:a="http://schemas.openxmlformats.org/drawingml/2006/main" uniqueId="urn:microsoft.com/office/officeart/2005/8/layout/chevron2">
   <dgm:title val=""/>
   <dgm:desc val=""/>
@@ -10098,6 +13420,1232 @@
 </dgm:layoutDef>
 </file>
 
+<file path=ppt/diagrams/layout6.xml><?xml version="1.0" encoding="utf-8"?>
+<dgm:layoutDef xmlns:dgm="http://schemas.openxmlformats.org/drawingml/2006/diagram" xmlns:a="http://schemas.openxmlformats.org/drawingml/2006/main" uniqueId="urn:microsoft.com/office/officeart/2005/8/layout/vProcess5">
+  <dgm:title val=""/>
+  <dgm:desc val=""/>
+  <dgm:catLst>
+    <dgm:cat type="process" pri="14000"/>
+  </dgm:catLst>
+  <dgm:sampData>
+    <dgm:dataModel>
+      <dgm:ptLst>
+        <dgm:pt modelId="0" type="doc"/>
+        <dgm:pt modelId="1">
+          <dgm:prSet phldr="1"/>
+        </dgm:pt>
+        <dgm:pt modelId="2">
+          <dgm:prSet phldr="1"/>
+        </dgm:pt>
+        <dgm:pt modelId="3">
+          <dgm:prSet phldr="1"/>
+        </dgm:pt>
+      </dgm:ptLst>
+      <dgm:cxnLst>
+        <dgm:cxn modelId="5" srcId="0" destId="1" srcOrd="0" destOrd="0"/>
+        <dgm:cxn modelId="6" srcId="0" destId="2" srcOrd="1" destOrd="0"/>
+        <dgm:cxn modelId="7" srcId="0" destId="3" srcOrd="2" destOrd="0"/>
+      </dgm:cxnLst>
+      <dgm:bg/>
+      <dgm:whole/>
+    </dgm:dataModel>
+  </dgm:sampData>
+  <dgm:styleData>
+    <dgm:dataModel>
+      <dgm:ptLst>
+        <dgm:pt modelId="0" type="doc"/>
+        <dgm:pt modelId="1"/>
+        <dgm:pt modelId="2"/>
+      </dgm:ptLst>
+      <dgm:cxnLst>
+        <dgm:cxn modelId="3" srcId="0" destId="1" srcOrd="0" destOrd="0"/>
+        <dgm:cxn modelId="4" srcId="0" destId="2" srcOrd="1" destOrd="0"/>
+      </dgm:cxnLst>
+      <dgm:bg/>
+      <dgm:whole/>
+    </dgm:dataModel>
+  </dgm:styleData>
+  <dgm:clrData>
+    <dgm:dataModel>
+      <dgm:ptLst>
+        <dgm:pt modelId="0" type="doc"/>
+        <dgm:pt modelId="1"/>
+        <dgm:pt modelId="2"/>
+        <dgm:pt modelId="3"/>
+        <dgm:pt modelId="4"/>
+      </dgm:ptLst>
+      <dgm:cxnLst>
+        <dgm:cxn modelId="6" srcId="0" destId="1" srcOrd="0" destOrd="0"/>
+        <dgm:cxn modelId="7" srcId="0" destId="2" srcOrd="1" destOrd="0"/>
+        <dgm:cxn modelId="8" srcId="0" destId="3" srcOrd="2" destOrd="0"/>
+        <dgm:cxn modelId="9" srcId="0" destId="4" srcOrd="3" destOrd="0"/>
+      </dgm:cxnLst>
+      <dgm:bg/>
+      <dgm:whole/>
+    </dgm:dataModel>
+  </dgm:clrData>
+  <dgm:layoutNode name="outerComposite">
+    <dgm:varLst>
+      <dgm:chMax val="5"/>
+      <dgm:dir/>
+      <dgm:resizeHandles val="exact"/>
+    </dgm:varLst>
+    <dgm:alg type="composite"/>
+    <dgm:shape xmlns:r="http://schemas.openxmlformats.org/officeDocument/2006/relationships" r:blip="">
+      <dgm:adjLst/>
+    </dgm:shape>
+    <dgm:presOf/>
+    <dgm:choose name="Name0">
+      <dgm:if name="Name1" func="var" arg="dir" op="equ" val="norm">
+        <dgm:constrLst>
+          <dgm:constr type="primFontSz" for="ch" ptType="node" op="equ" val="65"/>
+          <dgm:constr type="w" for="ch" forName="dummyMaxCanvas" refType="w"/>
+          <dgm:constr type="h" for="ch" forName="dummyMaxCanvas" refType="h"/>
+          <dgm:constr type="w" for="ch" forName="OneNode_1" refType="w"/>
+          <dgm:constr type="h" for="ch" forName="OneNode_1" refType="h" fact="0.5"/>
+          <dgm:constr type="ctrY" for="ch" forName="OneNode_1" refType="h" fact="0.5"/>
+          <dgm:constr type="w" for="ch" forName="TwoNodes_1" refType="w" fact="0.85"/>
+          <dgm:constr type="h" for="ch" forName="TwoNodes_1" refType="h" fact="0.45"/>
+          <dgm:constr type="t" for="ch" forName="TwoNodes_1"/>
+          <dgm:constr type="l" for="ch" forName="TwoNodes_1"/>
+          <dgm:constr type="w" for="ch" forName="TwoNodes_2" refType="w" fact="0.85"/>
+          <dgm:constr type="h" for="ch" forName="TwoNodes_2" refType="h" fact="0.45"/>
+          <dgm:constr type="b" for="ch" forName="TwoNodes_2" refType="h"/>
+          <dgm:constr type="r" for="ch" forName="TwoNodes_2" refType="w"/>
+          <dgm:constr type="w" for="ch" forName="TwoConn_1-2" refType="h" refFor="ch" refForName="TwoNodes_1" fact="0.65"/>
+          <dgm:constr type="h" for="ch" forName="TwoConn_1-2" refType="h" refFor="ch" refForName="TwoNodes_1" fact="0.65"/>
+          <dgm:constr type="ctrY" for="ch" forName="TwoConn_1-2" refType="h" fact="0.5"/>
+          <dgm:constr type="r" for="ch" forName="TwoConn_1-2" refType="r" refFor="ch" refForName="TwoNodes_1"/>
+          <dgm:constr type="r" for="ch" forName="TwoNodes_1_text" refType="l" refFor="ch" refForName="TwoConn_1-2"/>
+          <dgm:constr type="rOff" for="ch" forName="TwoNodes_1_text" refType="w" refFor="ch" refForName="TwoConn_1-2" fact="-0.5"/>
+          <dgm:constr type="t" for="ch" forName="TwoNodes_1_text" refType="t" refFor="ch" refForName="TwoNodes_1"/>
+          <dgm:constr type="b" for="ch" forName="TwoNodes_1_text" refType="b" refFor="ch" refForName="TwoNodes_1"/>
+          <dgm:constr type="l" for="ch" forName="TwoNodes_1_text" refType="l" refFor="ch" refForName="TwoNodes_1"/>
+          <dgm:constr type="r" for="ch" forName="TwoNodes_2_text" refType="l" refFor="ch" refForName="TwoConn_1-2"/>
+          <dgm:constr type="t" for="ch" forName="TwoNodes_2_text" refType="t" refFor="ch" refForName="TwoNodes_2"/>
+          <dgm:constr type="b" for="ch" forName="TwoNodes_2_text" refType="b" refFor="ch" refForName="TwoNodes_2"/>
+          <dgm:constr type="l" for="ch" forName="TwoNodes_2_text" refType="l" refFor="ch" refForName="TwoNodes_2"/>
+          <dgm:constr type="w" for="ch" forName="ThreeNodes_1" refType="w" fact="0.85"/>
+          <dgm:constr type="h" for="ch" forName="ThreeNodes_1" refType="h" fact="0.3"/>
+          <dgm:constr type="t" for="ch" forName="ThreeNodes_1"/>
+          <dgm:constr type="l" for="ch" forName="ThreeNodes_1"/>
+          <dgm:constr type="w" for="ch" forName="ThreeNodes_2" refType="w" fact="0.85"/>
+          <dgm:constr type="h" for="ch" forName="ThreeNodes_2" refType="h" fact="0.3"/>
+          <dgm:constr type="ctrY" for="ch" forName="ThreeNodes_2" refType="h" fact="0.5"/>
+          <dgm:constr type="ctrX" for="ch" forName="ThreeNodes_2" refType="w" fact="0.5"/>
+          <dgm:constr type="w" for="ch" forName="ThreeNodes_3" refType="w" fact="0.85"/>
+          <dgm:constr type="h" for="ch" forName="ThreeNodes_3" refType="h" fact="0.3"/>
+          <dgm:constr type="b" for="ch" forName="ThreeNodes_3" refType="h"/>
+          <dgm:constr type="r" for="ch" forName="ThreeNodes_3" refType="w"/>
+          <dgm:constr type="w" for="ch" forName="ThreeConn_1-2" refType="h" refFor="ch" refForName="ThreeNodes_1" fact="0.65"/>
+          <dgm:constr type="h" for="ch" forName="ThreeConn_1-2" refType="h" refFor="ch" refForName="ThreeNodes_1" fact="0.65"/>
+          <dgm:constr type="ctrY" for="ch" forName="ThreeConn_1-2" refType="h" fact="0.325"/>
+          <dgm:constr type="r" for="ch" forName="ThreeConn_1-2" refType="r" refFor="ch" refForName="ThreeNodes_1"/>
+          <dgm:constr type="w" for="ch" forName="ThreeConn_2-3" refType="h" refFor="ch" refForName="ThreeNodes_2" fact="0.65"/>
+          <dgm:constr type="h" for="ch" forName="ThreeConn_2-3" refType="h" refFor="ch" refForName="ThreeNodes_2" fact="0.65"/>
+          <dgm:constr type="ctrY" for="ch" forName="ThreeConn_2-3" refType="h" fact="0.673"/>
+          <dgm:constr type="r" for="ch" forName="ThreeConn_2-3" refType="r" refFor="ch" refForName="ThreeNodes_2"/>
+          <dgm:constr type="r" for="ch" forName="ThreeNodes_1_text" refType="l" refFor="ch" refForName="ThreeConn_1-2"/>
+          <dgm:constr type="rOff" for="ch" forName="ThreeNodes_1_text" refType="w" refFor="ch" refForName="ThreeConn_1-2" fact="-0.57"/>
+          <dgm:constr type="t" for="ch" forName="ThreeNodes_1_text" refType="t" refFor="ch" refForName="ThreeNodes_1"/>
+          <dgm:constr type="b" for="ch" forName="ThreeNodes_1_text" refType="b" refFor="ch" refForName="ThreeNodes_1"/>
+          <dgm:constr type="l" for="ch" forName="ThreeNodes_1_text" refType="l" refFor="ch" refForName="ThreeNodes_1"/>
+          <dgm:constr type="r" for="ch" forName="ThreeNodes_2_text" refType="l" refFor="ch" refForName="ThreeConn_1-2"/>
+          <dgm:constr type="t" for="ch" forName="ThreeNodes_2_text" refType="t" refFor="ch" refForName="ThreeNodes_2"/>
+          <dgm:constr type="b" for="ch" forName="ThreeNodes_2_text" refType="b" refFor="ch" refForName="ThreeNodes_2"/>
+          <dgm:constr type="l" for="ch" forName="ThreeNodes_2_text" refType="l" refFor="ch" refForName="ThreeNodes_2"/>
+          <dgm:constr type="r" for="ch" forName="ThreeNodes_3_text" refType="l" refFor="ch" refForName="ThreeConn_2-3"/>
+          <dgm:constr type="t" for="ch" forName="ThreeNodes_3_text" refType="t" refFor="ch" refForName="ThreeNodes_3"/>
+          <dgm:constr type="b" for="ch" forName="ThreeNodes_3_text" refType="b" refFor="ch" refForName="ThreeNodes_3"/>
+          <dgm:constr type="l" for="ch" forName="ThreeNodes_3_text" refType="l" refFor="ch" refForName="ThreeNodes_3"/>
+          <dgm:constr type="w" for="ch" forName="FourNodes_1" refType="w" fact="0.8"/>
+          <dgm:constr type="h" for="ch" forName="FourNodes_1" refType="h" fact="0.22"/>
+          <dgm:constr type="t" for="ch" forName="FourNodes_1"/>
+          <dgm:constr type="l" for="ch" forName="FourNodes_1"/>
+          <dgm:constr type="w" for="ch" forName="FourNodes_2" refType="w" fact="0.8"/>
+          <dgm:constr type="h" for="ch" forName="FourNodes_2" refType="h" fact="0.22"/>
+          <dgm:constr type="ctrY" for="ch" forName="FourNodes_2" refType="h" fact="0.37"/>
+          <dgm:constr type="ctrX" for="ch" forName="FourNodes_2" refType="w" fact="0.467"/>
+          <dgm:constr type="w" for="ch" forName="FourNodes_3" refType="w" fact="0.8"/>
+          <dgm:constr type="h" for="ch" forName="FourNodes_3" refType="h" fact="0.22"/>
+          <dgm:constr type="ctrY" for="ch" forName="FourNodes_3" refType="h" fact="0.63"/>
+          <dgm:constr type="ctrX" for="ch" forName="FourNodes_3" refType="w" fact="0.533"/>
+          <dgm:constr type="w" for="ch" forName="FourNodes_4" refType="w" fact="0.8"/>
+          <dgm:constr type="h" for="ch" forName="FourNodes_4" refType="h" fact="0.22"/>
+          <dgm:constr type="b" for="ch" forName="FourNodes_4" refType="h"/>
+          <dgm:constr type="r" for="ch" forName="FourNodes_4" refType="w"/>
+          <dgm:constr type="w" for="ch" forName="FourConn_1-2" refType="h" refFor="ch" refForName="FourNodes_1" fact="0.65"/>
+          <dgm:constr type="h" for="ch" forName="FourConn_1-2" refType="h" refFor="ch" refForName="FourNodes_1" fact="0.65"/>
+          <dgm:constr type="ctrY" for="ch" forName="FourConn_1-2" refType="h" fact="0.24"/>
+          <dgm:constr type="r" for="ch" forName="FourConn_1-2" refType="r" refFor="ch" refForName="FourNodes_1"/>
+          <dgm:constr type="w" for="ch" forName="FourConn_2-3" refType="h" refFor="ch" refForName="FourNodes_2" fact="0.65"/>
+          <dgm:constr type="h" for="ch" forName="FourConn_2-3" refType="h" refFor="ch" refForName="FourNodes_2" fact="0.65"/>
+          <dgm:constr type="ctrY" for="ch" forName="FourConn_2-3" refType="h" fact="0.5"/>
+          <dgm:constr type="r" for="ch" forName="FourConn_2-3" refType="r" refFor="ch" refForName="FourNodes_2"/>
+          <dgm:constr type="w" for="ch" forName="FourConn_3-4" refType="h" refFor="ch" refForName="FourNodes_3" fact="0.65"/>
+          <dgm:constr type="h" for="ch" forName="FourConn_3-4" refType="h" refFor="ch" refForName="FourNodes_3" fact="0.65"/>
+          <dgm:constr type="ctrY" for="ch" forName="FourConn_3-4" refType="h" fact="0.76"/>
+          <dgm:constr type="r" for="ch" forName="FourConn_3-4" refType="r" refFor="ch" refForName="FourNodes_3"/>
+          <dgm:constr type="r" for="ch" forName="FourNodes_1_text" refType="l" refFor="ch" refForName="FourConn_1-2"/>
+          <dgm:constr type="rOff" for="ch" forName="FourNodes_1_text" refType="w" refFor="ch" refForName="FourConn_1-2" fact="-0.7"/>
+          <dgm:constr type="t" for="ch" forName="FourNodes_1_text" refType="t" refFor="ch" refForName="FourNodes_1"/>
+          <dgm:constr type="b" for="ch" forName="FourNodes_1_text" refType="b" refFor="ch" refForName="FourNodes_1"/>
+          <dgm:constr type="l" for="ch" forName="FourNodes_1_text" refType="l" refFor="ch" refForName="FourNodes_1"/>
+          <dgm:constr type="r" for="ch" forName="FourNodes_2_text" refType="l" refFor="ch" refForName="FourConn_1-2"/>
+          <dgm:constr type="t" for="ch" forName="FourNodes_2_text" refType="t" refFor="ch" refForName="FourNodes_2"/>
+          <dgm:constr type="b" for="ch" forName="FourNodes_2_text" refType="b" refFor="ch" refForName="FourNodes_2"/>
+          <dgm:constr type="l" for="ch" forName="FourNodes_2_text" refType="l" refFor="ch" refForName="FourNodes_2"/>
+          <dgm:constr type="r" for="ch" forName="FourNodes_3_text" refType="l" refFor="ch" refForName="FourConn_2-3"/>
+          <dgm:constr type="t" for="ch" forName="FourNodes_3_text" refType="t" refFor="ch" refForName="FourNodes_3"/>
+          <dgm:constr type="b" for="ch" forName="FourNodes_3_text" refType="b" refFor="ch" refForName="FourNodes_3"/>
+          <dgm:constr type="l" for="ch" forName="FourNodes_3_text" refType="l" refFor="ch" refForName="FourNodes_3"/>
+          <dgm:constr type="r" for="ch" forName="FourNodes_4_text" refType="l" refFor="ch" refForName="FourConn_3-4"/>
+          <dgm:constr type="t" for="ch" forName="FourNodes_4_text" refType="t" refFor="ch" refForName="FourNodes_4"/>
+          <dgm:constr type="b" for="ch" forName="FourNodes_4_text" refType="b" refFor="ch" refForName="FourNodes_4"/>
+          <dgm:constr type="l" for="ch" forName="FourNodes_4_text" refType="l" refFor="ch" refForName="FourNodes_4"/>
+          <dgm:constr type="w" for="ch" forName="FiveNodes_1" refType="w" fact="0.77"/>
+          <dgm:constr type="h" for="ch" forName="FiveNodes_1" refType="h" fact="0.18"/>
+          <dgm:constr type="t" for="ch" forName="FiveNodes_1"/>
+          <dgm:constr type="l" for="ch" forName="FiveNodes_1"/>
+          <dgm:constr type="w" for="ch" forName="FiveNodes_2" refType="w" fact="0.77"/>
+          <dgm:constr type="h" for="ch" forName="FiveNodes_2" refType="h" fact="0.18"/>
+          <dgm:constr type="ctrY" for="ch" forName="FiveNodes_2" refType="h" fact="0.295"/>
+          <dgm:constr type="ctrX" for="ch" forName="FiveNodes_2" refType="w" fact="0.4425"/>
+          <dgm:constr type="w" for="ch" forName="FiveNodes_3" refType="w" fact="0.77"/>
+          <dgm:constr type="h" for="ch" forName="FiveNodes_3" refType="h" fact="0.18"/>
+          <dgm:constr type="ctrY" for="ch" forName="FiveNodes_3" refType="h" fact="0.5"/>
+          <dgm:constr type="ctrX" for="ch" forName="FiveNodes_3" refType="w" fact="0.5"/>
+          <dgm:constr type="w" for="ch" forName="FiveNodes_4" refType="w" fact="0.77"/>
+          <dgm:constr type="h" for="ch" forName="FiveNodes_4" refType="h" fact="0.18"/>
+          <dgm:constr type="ctrY" for="ch" forName="FiveNodes_4" refType="h" fact="0.705"/>
+          <dgm:constr type="ctrX" for="ch" forName="FiveNodes_4" refType="w" fact="0.5575"/>
+          <dgm:constr type="w" for="ch" forName="FiveNodes_5" refType="w" fact="0.77"/>
+          <dgm:constr type="h" for="ch" forName="FiveNodes_5" refType="h" fact="0.18"/>
+          <dgm:constr type="b" for="ch" forName="FiveNodes_5" refType="h"/>
+          <dgm:constr type="r" for="ch" forName="FiveNodes_5" refType="w"/>
+          <dgm:constr type="w" for="ch" forName="FiveConn_1-2" refType="h" refFor="ch" refForName="FiveNodes_1" fact="0.65"/>
+          <dgm:constr type="h" for="ch" forName="FiveConn_1-2" refType="h" refFor="ch" refForName="FiveNodes_1" fact="0.65"/>
+          <dgm:constr type="ctrY" for="ch" forName="FiveConn_1-2" refType="h" fact="0.19"/>
+          <dgm:constr type="r" for="ch" forName="FiveConn_1-2" refType="r" refFor="ch" refForName="FiveNodes_1"/>
+          <dgm:constr type="w" for="ch" forName="FiveConn_2-3" refType="h" refFor="ch" refForName="FiveNodes_2" fact="0.65"/>
+          <dgm:constr type="h" for="ch" forName="FiveConn_2-3" refType="h" refFor="ch" refForName="FiveNodes_2" fact="0.65"/>
+          <dgm:constr type="ctrY" for="ch" forName="FiveConn_2-3" refType="h" fact="0.395"/>
+          <dgm:constr type="r" for="ch" forName="FiveConn_2-3" refType="r" refFor="ch" refForName="FiveNodes_2"/>
+          <dgm:constr type="w" for="ch" forName="FiveConn_3-4" refType="h" refFor="ch" refForName="FiveNodes_3" fact="0.65"/>
+          <dgm:constr type="h" for="ch" forName="FiveConn_3-4" refType="h" refFor="ch" refForName="FiveNodes_3" fact="0.65"/>
+          <dgm:constr type="ctrY" for="ch" forName="FiveConn_3-4" refType="h" fact="0.597"/>
+          <dgm:constr type="r" for="ch" forName="FiveConn_3-4" refType="r" refFor="ch" refForName="FiveNodes_3"/>
+          <dgm:constr type="w" for="ch" forName="FiveConn_4-5" refType="h" refFor="ch" refForName="FiveNodes_4" fact="0.65"/>
+          <dgm:constr type="h" for="ch" forName="FiveConn_4-5" refType="h" refFor="ch" refForName="FiveNodes_4" fact="0.65"/>
+          <dgm:constr type="ctrY" for="ch" forName="FiveConn_4-5" refType="h" fact="0.804"/>
+          <dgm:constr type="r" for="ch" forName="FiveConn_4-5" refType="r" refFor="ch" refForName="FiveNodes_4"/>
+          <dgm:constr type="r" for="ch" forName="FiveNodes_1_text" refType="l" refFor="ch" refForName="FiveConn_1-2"/>
+          <dgm:constr type="rOff" for="ch" forName="FiveNodes_1_text" refType="w" refFor="ch" refForName="FiveConn_1-2" fact="-0.75"/>
+          <dgm:constr type="t" for="ch" forName="FiveNodes_1_text" refType="t" refFor="ch" refForName="FiveNodes_1"/>
+          <dgm:constr type="b" for="ch" forName="FiveNodes_1_text" refType="b" refFor="ch" refForName="FiveNodes_1"/>
+          <dgm:constr type="l" for="ch" forName="FiveNodes_1_text" refType="l" refFor="ch" refForName="FiveNodes_1"/>
+          <dgm:constr type="r" for="ch" forName="FiveNodes_2_text" refType="l" refFor="ch" refForName="FiveConn_1-2"/>
+          <dgm:constr type="t" for="ch" forName="FiveNodes_2_text" refType="t" refFor="ch" refForName="FiveNodes_2"/>
+          <dgm:constr type="b" for="ch" forName="FiveNodes_2_text" refType="b" refFor="ch" refForName="FiveNodes_2"/>
+          <dgm:constr type="l" for="ch" forName="FiveNodes_2_text" refType="l" refFor="ch" refForName="FiveNodes_2"/>
+          <dgm:constr type="r" for="ch" forName="FiveNodes_3_text" refType="l" refFor="ch" refForName="FiveConn_2-3"/>
+          <dgm:constr type="t" for="ch" forName="FiveNodes_3_text" refType="t" refFor="ch" refForName="FiveNodes_3"/>
+          <dgm:constr type="b" for="ch" forName="FiveNodes_3_text" refType="b" refFor="ch" refForName="FiveNodes_3"/>
+          <dgm:constr type="l" for="ch" forName="FiveNodes_3_text" refType="l" refFor="ch" refForName="FiveNodes_3"/>
+          <dgm:constr type="r" for="ch" forName="FiveNodes_4_text" refType="l" refFor="ch" refForName="FiveConn_3-4"/>
+          <dgm:constr type="t" for="ch" forName="FiveNodes_4_text" refType="t" refFor="ch" refForName="FiveNodes_4"/>
+          <dgm:constr type="b" for="ch" forName="FiveNodes_4_text" refType="b" refFor="ch" refForName="FiveNodes_4"/>
+          <dgm:constr type="l" for="ch" forName="FiveNodes_4_text" refType="l" refFor="ch" refForName="FiveNodes_4"/>
+          <dgm:constr type="r" for="ch" forName="FiveNodes_5_text" refType="l" refFor="ch" refForName="FiveConn_4-5"/>
+          <dgm:constr type="t" for="ch" forName="FiveNodes_5_text" refType="t" refFor="ch" refForName="FiveNodes_5"/>
+          <dgm:constr type="b" for="ch" forName="FiveNodes_5_text" refType="b" refFor="ch" refForName="FiveNodes_5"/>
+          <dgm:constr type="l" for="ch" forName="FiveNodes_5_text" refType="l" refFor="ch" refForName="FiveNodes_5"/>
+        </dgm:constrLst>
+      </dgm:if>
+      <dgm:else name="Name2">
+        <dgm:constrLst>
+          <dgm:constr type="primFontSz" for="ch" ptType="node" op="equ" val="65"/>
+          <dgm:constr type="w" for="ch" forName="dummyMaxCanvas" refType="w"/>
+          <dgm:constr type="h" for="ch" forName="dummyMaxCanvas" refType="h"/>
+          <dgm:constr type="w" for="ch" forName="OneNode_1" refType="w"/>
+          <dgm:constr type="h" for="ch" forName="OneNode_1" refType="h" fact="0.5"/>
+          <dgm:constr type="ctrY" for="ch" forName="OneNode_1" refType="h" fact="0.5"/>
+          <dgm:constr type="w" for="ch" forName="TwoNodes_1" refType="w" fact="0.85"/>
+          <dgm:constr type="h" for="ch" forName="TwoNodes_1" refType="h" fact="0.45"/>
+          <dgm:constr type="t" for="ch" forName="TwoNodes_1"/>
+          <dgm:constr type="r" for="ch" forName="TwoNodes_1" refType="w"/>
+          <dgm:constr type="w" for="ch" forName="TwoNodes_2" refType="w" fact="0.85"/>
+          <dgm:constr type="h" for="ch" forName="TwoNodes_2" refType="h" fact="0.45"/>
+          <dgm:constr type="b" for="ch" forName="TwoNodes_2" refType="h"/>
+          <dgm:constr type="l" for="ch" forName="TwoNodes_2"/>
+          <dgm:constr type="w" for="ch" forName="TwoConn_1-2" refType="h" refFor="ch" refForName="TwoNodes_1" fact="0.65"/>
+          <dgm:constr type="h" for="ch" forName="TwoConn_1-2" refType="h" refFor="ch" refForName="TwoNodes_1" fact="0.65"/>
+          <dgm:constr type="ctrY" for="ch" forName="TwoConn_1-2" refType="h" fact="0.5"/>
+          <dgm:constr type="l" for="ch" forName="TwoConn_1-2" refType="l" refFor="ch" refForName="TwoNodes_1"/>
+          <dgm:constr type="l" for="ch" forName="TwoNodes_1_text" refType="r" refFor="ch" refForName="TwoConn_1-2"/>
+          <dgm:constr type="lOff" for="ch" forName="TwoNodes_1_text" refType="w" refFor="ch" refForName="TwoConn_1-2" fact="0.5"/>
+          <dgm:constr type="t" for="ch" forName="TwoNodes_1_text" refType="t" refFor="ch" refForName="TwoNodes_1"/>
+          <dgm:constr type="b" for="ch" forName="TwoNodes_1_text" refType="b" refFor="ch" refForName="TwoNodes_1"/>
+          <dgm:constr type="r" for="ch" forName="TwoNodes_1_text" refType="r" refFor="ch" refForName="TwoNodes_1"/>
+          <dgm:constr type="l" for="ch" forName="TwoNodes_2_text" refType="r" refFor="ch" refForName="TwoConn_1-2"/>
+          <dgm:constr type="t" for="ch" forName="TwoNodes_2_text" refType="t" refFor="ch" refForName="TwoNodes_2"/>
+          <dgm:constr type="b" for="ch" forName="TwoNodes_2_text" refType="b" refFor="ch" refForName="TwoNodes_2"/>
+          <dgm:constr type="r" for="ch" forName="TwoNodes_2_text" refType="r" refFor="ch" refForName="TwoNodes_2"/>
+          <dgm:constr type="w" for="ch" forName="ThreeNodes_1" refType="w" fact="0.85"/>
+          <dgm:constr type="h" for="ch" forName="ThreeNodes_1" refType="h" fact="0.3"/>
+          <dgm:constr type="t" for="ch" forName="ThreeNodes_1"/>
+          <dgm:constr type="r" for="ch" forName="ThreeNodes_1" refType="w"/>
+          <dgm:constr type="w" for="ch" forName="ThreeNodes_2" refType="w" fact="0.85"/>
+          <dgm:constr type="h" for="ch" forName="ThreeNodes_2" refType="h" fact="0.3"/>
+          <dgm:constr type="ctrY" for="ch" forName="ThreeNodes_2" refType="h" fact="0.5"/>
+          <dgm:constr type="ctrX" for="ch" forName="ThreeNodes_2" refType="w" fact="0.5"/>
+          <dgm:constr type="w" for="ch" forName="ThreeNodes_3" refType="w" fact="0.85"/>
+          <dgm:constr type="h" for="ch" forName="ThreeNodes_3" refType="h" fact="0.3"/>
+          <dgm:constr type="b" for="ch" forName="ThreeNodes_3" refType="h"/>
+          <dgm:constr type="l" for="ch" forName="ThreeNodes_3"/>
+          <dgm:constr type="w" for="ch" forName="ThreeConn_1-2" refType="h" refFor="ch" refForName="ThreeNodes_1" fact="0.65"/>
+          <dgm:constr type="h" for="ch" forName="ThreeConn_1-2" refType="h" refFor="ch" refForName="ThreeNodes_1" fact="0.65"/>
+          <dgm:constr type="ctrY" for="ch" forName="ThreeConn_1-2" refType="h" fact="0.325"/>
+          <dgm:constr type="l" for="ch" forName="ThreeConn_1-2" refType="l" refFor="ch" refForName="ThreeNodes_1"/>
+          <dgm:constr type="w" for="ch" forName="ThreeConn_2-3" refType="h" refFor="ch" refForName="ThreeNodes_2" fact="0.65"/>
+          <dgm:constr type="h" for="ch" forName="ThreeConn_2-3" refType="h" refFor="ch" refForName="ThreeNodes_2" fact="0.65"/>
+          <dgm:constr type="ctrY" for="ch" forName="ThreeConn_2-3" refType="h" fact="0.673"/>
+          <dgm:constr type="l" for="ch" forName="ThreeConn_2-3" refType="l" refFor="ch" refForName="ThreeNodes_2"/>
+          <dgm:constr type="l" for="ch" forName="ThreeNodes_1_text" refType="r" refFor="ch" refForName="ThreeConn_1-2"/>
+          <dgm:constr type="lOff" for="ch" forName="ThreeNodes_1_text" refType="w" refFor="ch" refForName="ThreeConn_1-2" fact="0.55"/>
+          <dgm:constr type="t" for="ch" forName="ThreeNodes_1_text" refType="t" refFor="ch" refForName="ThreeNodes_1"/>
+          <dgm:constr type="b" for="ch" forName="ThreeNodes_1_text" refType="b" refFor="ch" refForName="ThreeNodes_1"/>
+          <dgm:constr type="r" for="ch" forName="ThreeNodes_1_text" refType="r" refFor="ch" refForName="ThreeNodes_1"/>
+          <dgm:constr type="l" for="ch" forName="ThreeNodes_2_text" refType="r" refFor="ch" refForName="ThreeConn_1-2"/>
+          <dgm:constr type="t" for="ch" forName="ThreeNodes_2_text" refType="t" refFor="ch" refForName="ThreeNodes_2"/>
+          <dgm:constr type="b" for="ch" forName="ThreeNodes_2_text" refType="b" refFor="ch" refForName="ThreeNodes_2"/>
+          <dgm:constr type="r" for="ch" forName="ThreeNodes_2_text" refType="r" refFor="ch" refForName="ThreeNodes_2"/>
+          <dgm:constr type="l" for="ch" forName="ThreeNodes_3_text" refType="r" refFor="ch" refForName="ThreeConn_2-3"/>
+          <dgm:constr type="t" for="ch" forName="ThreeNodes_3_text" refType="t" refFor="ch" refForName="ThreeNodes_3"/>
+          <dgm:constr type="b" for="ch" forName="ThreeNodes_3_text" refType="b" refFor="ch" refForName="ThreeNodes_3"/>
+          <dgm:constr type="r" for="ch" forName="ThreeNodes_3_text" refType="r" refFor="ch" refForName="ThreeNodes_3"/>
+          <dgm:constr type="w" for="ch" forName="FourNodes_1" refType="w" fact="0.8"/>
+          <dgm:constr type="h" for="ch" forName="FourNodes_1" refType="h" fact="0.22"/>
+          <dgm:constr type="t" for="ch" forName="FourNodes_1"/>
+          <dgm:constr type="r" for="ch" forName="FourNodes_1" refType="w"/>
+          <dgm:constr type="w" for="ch" forName="FourNodes_2" refType="w" fact="0.8"/>
+          <dgm:constr type="h" for="ch" forName="FourNodes_2" refType="h" fact="0.22"/>
+          <dgm:constr type="ctrY" for="ch" forName="FourNodes_2" refType="h" fact="0.37"/>
+          <dgm:constr type="ctrX" for="ch" forName="FourNodes_2" refType="w" fact="0.533"/>
+          <dgm:constr type="w" for="ch" forName="FourNodes_3" refType="w" fact="0.8"/>
+          <dgm:constr type="h" for="ch" forName="FourNodes_3" refType="h" fact="0.22"/>
+          <dgm:constr type="ctrY" for="ch" forName="FourNodes_3" refType="h" fact="0.63"/>
+          <dgm:constr type="ctrX" for="ch" forName="FourNodes_3" refType="w" fact="0.467"/>
+          <dgm:constr type="w" for="ch" forName="FourNodes_4" refType="w" fact="0.8"/>
+          <dgm:constr type="h" for="ch" forName="FourNodes_4" refType="h" fact="0.22"/>
+          <dgm:constr type="b" for="ch" forName="FourNodes_4" refType="h"/>
+          <dgm:constr type="l" for="ch" forName="FourNodes_4"/>
+          <dgm:constr type="w" for="ch" forName="FourConn_1-2" refType="h" refFor="ch" refForName="FourNodes_1" fact="0.65"/>
+          <dgm:constr type="h" for="ch" forName="FourConn_1-2" refType="h" refFor="ch" refForName="FourNodes_1" fact="0.65"/>
+          <dgm:constr type="ctrY" for="ch" forName="FourConn_1-2" refType="h" fact="0.24"/>
+          <dgm:constr type="l" for="ch" forName="FourConn_1-2" refType="l" refFor="ch" refForName="FourNodes_1"/>
+          <dgm:constr type="w" for="ch" forName="FourConn_2-3" refType="h" refFor="ch" refForName="FourNodes_2" fact="0.65"/>
+          <dgm:constr type="h" for="ch" forName="FourConn_2-3" refType="h" refFor="ch" refForName="FourNodes_2" fact="0.65"/>
+          <dgm:constr type="ctrY" for="ch" forName="FourConn_2-3" refType="h" fact="0.5"/>
+          <dgm:constr type="l" for="ch" forName="FourConn_2-3" refType="l" refFor="ch" refForName="FourNodes_2"/>
+          <dgm:constr type="w" for="ch" forName="FourConn_3-4" refType="h" refFor="ch" refForName="FourNodes_3" fact="0.65"/>
+          <dgm:constr type="h" for="ch" forName="FourConn_3-4" refType="h" refFor="ch" refForName="FourNodes_3" fact="0.65"/>
+          <dgm:constr type="ctrY" for="ch" forName="FourConn_3-4" refType="h" fact="0.76"/>
+          <dgm:constr type="l" for="ch" forName="FourConn_3-4" refType="l" refFor="ch" refForName="FourNodes_3"/>
+          <dgm:constr type="l" for="ch" forName="FourNodes_1_text" refType="r" refFor="ch" refForName="FourConn_1-2"/>
+          <dgm:constr type="lOff" for="ch" forName="FourNodes_1_text" refType="w" refFor="ch" refForName="FourConn_1-2" fact="0.69"/>
+          <dgm:constr type="t" for="ch" forName="FourNodes_1_text" refType="t" refFor="ch" refForName="FourNodes_1"/>
+          <dgm:constr type="b" for="ch" forName="FourNodes_1_text" refType="b" refFor="ch" refForName="FourNodes_1"/>
+          <dgm:constr type="r" for="ch" forName="FourNodes_1_text" refType="r" refFor="ch" refForName="FourNodes_1"/>
+          <dgm:constr type="l" for="ch" forName="FourNodes_2_text" refType="r" refFor="ch" refForName="FourConn_1-2"/>
+          <dgm:constr type="t" for="ch" forName="FourNodes_2_text" refType="t" refFor="ch" refForName="FourNodes_2"/>
+          <dgm:constr type="b" for="ch" forName="FourNodes_2_text" refType="b" refFor="ch" refForName="FourNodes_2"/>
+          <dgm:constr type="r" for="ch" forName="FourNodes_2_text" refType="r" refFor="ch" refForName="FourNodes_2"/>
+          <dgm:constr type="l" for="ch" forName="FourNodes_3_text" refType="r" refFor="ch" refForName="FourConn_2-3"/>
+          <dgm:constr type="t" for="ch" forName="FourNodes_3_text" refType="t" refFor="ch" refForName="FourNodes_3"/>
+          <dgm:constr type="b" for="ch" forName="FourNodes_3_text" refType="b" refFor="ch" refForName="FourNodes_3"/>
+          <dgm:constr type="r" for="ch" forName="FourNodes_3_text" refType="r" refFor="ch" refForName="FourNodes_3"/>
+          <dgm:constr type="l" for="ch" forName="FourNodes_4_text" refType="r" refFor="ch" refForName="FourConn_3-4"/>
+          <dgm:constr type="t" for="ch" forName="FourNodes_4_text" refType="t" refFor="ch" refForName="FourNodes_4"/>
+          <dgm:constr type="b" for="ch" forName="FourNodes_4_text" refType="b" refFor="ch" refForName="FourNodes_4"/>
+          <dgm:constr type="r" for="ch" forName="FourNodes_4_text" refType="r" refFor="ch" refForName="FourNodes_4"/>
+          <dgm:constr type="w" for="ch" forName="FiveNodes_1" refType="w" fact="0.77"/>
+          <dgm:constr type="h" for="ch" forName="FiveNodes_1" refType="h" fact="0.18"/>
+          <dgm:constr type="t" for="ch" forName="FiveNodes_1"/>
+          <dgm:constr type="r" for="ch" forName="FiveNodes_1" refType="w"/>
+          <dgm:constr type="w" for="ch" forName="FiveNodes_2" refType="w" fact="0.77"/>
+          <dgm:constr type="h" for="ch" forName="FiveNodes_2" refType="h" fact="0.18"/>
+          <dgm:constr type="ctrY" for="ch" forName="FiveNodes_2" refType="h" fact="0.295"/>
+          <dgm:constr type="ctrX" for="ch" forName="FiveNodes_2" refType="w" fact="0.5575"/>
+          <dgm:constr type="w" for="ch" forName="FiveNodes_3" refType="w" fact="0.77"/>
+          <dgm:constr type="h" for="ch" forName="FiveNodes_3" refType="h" fact="0.18"/>
+          <dgm:constr type="ctrY" for="ch" forName="FiveNodes_3" refType="h" fact="0.5"/>
+          <dgm:constr type="ctrX" for="ch" forName="FiveNodes_3" refType="w" fact="0.5"/>
+          <dgm:constr type="w" for="ch" forName="FiveNodes_4" refType="w" fact="0.77"/>
+          <dgm:constr type="h" for="ch" forName="FiveNodes_4" refType="h" fact="0.18"/>
+          <dgm:constr type="ctrY" for="ch" forName="FiveNodes_4" refType="h" fact="0.705"/>
+          <dgm:constr type="ctrX" for="ch" forName="FiveNodes_4" refType="w" fact="0.4425"/>
+          <dgm:constr type="w" for="ch" forName="FiveNodes_5" refType="w" fact="0.77"/>
+          <dgm:constr type="h" for="ch" forName="FiveNodes_5" refType="h" fact="0.18"/>
+          <dgm:constr type="b" for="ch" forName="FiveNodes_5" refType="h"/>
+          <dgm:constr type="l" for="ch" forName="FiveNodes_5"/>
+          <dgm:constr type="w" for="ch" forName="FiveConn_1-2" refType="h" refFor="ch" refForName="FiveNodes_1" fact="0.65"/>
+          <dgm:constr type="h" for="ch" forName="FiveConn_1-2" refType="h" refFor="ch" refForName="FiveNodes_1" fact="0.65"/>
+          <dgm:constr type="ctrY" for="ch" forName="FiveConn_1-2" refType="h" fact="0.19"/>
+          <dgm:constr type="l" for="ch" forName="FiveConn_1-2" refType="l" refFor="ch" refForName="FiveNodes_1"/>
+          <dgm:constr type="w" for="ch" forName="FiveConn_2-3" refType="h" refFor="ch" refForName="FiveNodes_2" fact="0.65"/>
+          <dgm:constr type="h" for="ch" forName="FiveConn_2-3" refType="h" refFor="ch" refForName="FiveNodes_2" fact="0.65"/>
+          <dgm:constr type="ctrY" for="ch" forName="FiveConn_2-3" refType="h" fact="0.395"/>
+          <dgm:constr type="l" for="ch" forName="FiveConn_2-3" refType="l" refFor="ch" refForName="FiveNodes_2"/>
+          <dgm:constr type="w" for="ch" forName="FiveConn_3-4" refType="h" refFor="ch" refForName="FiveNodes_3" fact="0.65"/>
+          <dgm:constr type="h" for="ch" forName="FiveConn_3-4" refType="h" refFor="ch" refForName="FiveNodes_3" fact="0.65"/>
+          <dgm:constr type="ctrY" for="ch" forName="FiveConn_3-4" refType="h" fact="0.597"/>
+          <dgm:constr type="l" for="ch" forName="FiveConn_3-4" refType="l" refFor="ch" refForName="FiveNodes_3"/>
+          <dgm:constr type="w" for="ch" forName="FiveConn_4-5" refType="h" refFor="ch" refForName="FiveNodes_4" fact="0.65"/>
+          <dgm:constr type="h" for="ch" forName="FiveConn_4-5" refType="h" refFor="ch" refForName="FiveNodes_4" fact="0.65"/>
+          <dgm:constr type="ctrY" for="ch" forName="FiveConn_4-5" refType="h" fact="0.804"/>
+          <dgm:constr type="l" for="ch" forName="FiveConn_4-5" refType="l" refFor="ch" refForName="FiveNodes_4"/>
+          <dgm:constr type="l" for="ch" forName="FiveNodes_1_text" refType="r" refFor="ch" refForName="FiveConn_1-2"/>
+          <dgm:constr type="lOff" for="ch" forName="FiveNodes_1_text" refType="w" refFor="ch" refForName="FiveConn_1-2" fact="0.73"/>
+          <dgm:constr type="t" for="ch" forName="FiveNodes_1_text" refType="t" refFor="ch" refForName="FiveNodes_1"/>
+          <dgm:constr type="b" for="ch" forName="FiveNodes_1_text" refType="b" refFor="ch" refForName="FiveNodes_1"/>
+          <dgm:constr type="r" for="ch" forName="FiveNodes_1_text" refType="r" refFor="ch" refForName="FiveNodes_1"/>
+          <dgm:constr type="l" for="ch" forName="FiveNodes_2_text" refType="r" refFor="ch" refForName="FiveConn_1-2"/>
+          <dgm:constr type="t" for="ch" forName="FiveNodes_2_text" refType="t" refFor="ch" refForName="FiveNodes_2"/>
+          <dgm:constr type="b" for="ch" forName="FiveNodes_2_text" refType="b" refFor="ch" refForName="FiveNodes_2"/>
+          <dgm:constr type="r" for="ch" forName="FiveNodes_2_text" refType="r" refFor="ch" refForName="FiveNodes_2"/>
+          <dgm:constr type="l" for="ch" forName="FiveNodes_3_text" refType="r" refFor="ch" refForName="FiveConn_2-3"/>
+          <dgm:constr type="t" for="ch" forName="FiveNodes_3_text" refType="t" refFor="ch" refForName="FiveNodes_3"/>
+          <dgm:constr type="b" for="ch" forName="FiveNodes_3_text" refType="b" refFor="ch" refForName="FiveNodes_3"/>
+          <dgm:constr type="r" for="ch" forName="FiveNodes_3_text" refType="r" refFor="ch" refForName="FiveNodes_3"/>
+          <dgm:constr type="l" for="ch" forName="FiveNodes_4_text" refType="r" refFor="ch" refForName="FiveConn_3-4"/>
+          <dgm:constr type="t" for="ch" forName="FiveNodes_4_text" refType="t" refFor="ch" refForName="FiveNodes_4"/>
+          <dgm:constr type="b" for="ch" forName="FiveNodes_4_text" refType="b" refFor="ch" refForName="FiveNodes_4"/>
+          <dgm:constr type="r" for="ch" forName="FiveNodes_4_text" refType="r" refFor="ch" refForName="FiveNodes_4"/>
+          <dgm:constr type="l" for="ch" forName="FiveNodes_5_text" refType="r" refFor="ch" refForName="FiveConn_4-5"/>
+          <dgm:constr type="t" for="ch" forName="FiveNodes_5_text" refType="t" refFor="ch" refForName="FiveNodes_5"/>
+          <dgm:constr type="b" for="ch" forName="FiveNodes_5_text" refType="b" refFor="ch" refForName="FiveNodes_5"/>
+          <dgm:constr type="r" for="ch" forName="FiveNodes_5_text" refType="r" refFor="ch" refForName="FiveNodes_5"/>
+        </dgm:constrLst>
+      </dgm:else>
+    </dgm:choose>
+    <dgm:ruleLst/>
+    <dgm:layoutNode name="dummyMaxCanvas">
+      <dgm:varLst/>
+      <dgm:alg type="sp"/>
+      <dgm:shape xmlns:r="http://schemas.openxmlformats.org/officeDocument/2006/relationships" r:blip="">
+        <dgm:adjLst/>
+      </dgm:shape>
+      <dgm:presOf/>
+      <dgm:constrLst/>
+      <dgm:ruleLst/>
+    </dgm:layoutNode>
+    <dgm:choose name="Name3">
+      <dgm:if name="Name4" axis="ch" ptType="node" func="cnt" op="equ" val="1">
+        <dgm:layoutNode name="OneNode_1">
+          <dgm:varLst>
+            <dgm:bulletEnabled val="1"/>
+          </dgm:varLst>
+          <dgm:alg type="tx"/>
+          <dgm:shape xmlns:r="http://schemas.openxmlformats.org/officeDocument/2006/relationships" type="roundRect" r:blip="">
+            <dgm:adjLst>
+              <dgm:adj idx="1" val="0.1"/>
+            </dgm:adjLst>
+          </dgm:shape>
+          <dgm:presOf axis="ch desOrSelf" ptType="node node" st="1 1" cnt="1 0"/>
+          <dgm:constrLst>
+            <dgm:constr type="lMarg" refType="primFontSz" fact="0.3"/>
+            <dgm:constr type="rMarg" refType="primFontSz" fact="0.3"/>
+            <dgm:constr type="tMarg" refType="primFontSz" fact="0.3"/>
+            <dgm:constr type="bMarg" refType="primFontSz" fact="0.3"/>
+          </dgm:constrLst>
+          <dgm:ruleLst>
+            <dgm:rule type="primFontSz" val="5" fact="NaN" max="NaN"/>
+          </dgm:ruleLst>
+        </dgm:layoutNode>
+      </dgm:if>
+      <dgm:else name="Name5">
+        <dgm:choose name="Name6">
+          <dgm:if name="Name7" axis="ch" ptType="node" func="cnt" op="equ" val="2">
+            <dgm:layoutNode name="TwoNodes_1">
+              <dgm:varLst>
+                <dgm:bulletEnabled val="1"/>
+              </dgm:varLst>
+              <dgm:alg type="sp"/>
+              <dgm:shape xmlns:r="http://schemas.openxmlformats.org/officeDocument/2006/relationships" type="roundRect" r:blip="">
+                <dgm:adjLst>
+                  <dgm:adj idx="1" val="0.1"/>
+                </dgm:adjLst>
+              </dgm:shape>
+              <dgm:presOf axis="ch desOrSelf" ptType="node node" st="1 1" cnt="1 0"/>
+              <dgm:constrLst/>
+              <dgm:ruleLst/>
+            </dgm:layoutNode>
+            <dgm:layoutNode name="TwoNodes_2">
+              <dgm:varLst>
+                <dgm:bulletEnabled val="1"/>
+              </dgm:varLst>
+              <dgm:alg type="sp"/>
+              <dgm:shape xmlns:r="http://schemas.openxmlformats.org/officeDocument/2006/relationships" type="roundRect" r:blip="">
+                <dgm:adjLst>
+                  <dgm:adj idx="1" val="0.1"/>
+                </dgm:adjLst>
+              </dgm:shape>
+              <dgm:presOf axis="ch desOrSelf" ptType="node node" st="2 1" cnt="1 0"/>
+              <dgm:constrLst/>
+              <dgm:ruleLst/>
+            </dgm:layoutNode>
+            <dgm:layoutNode name="TwoConn_1-2" styleLbl="fgAccFollowNode1">
+              <dgm:varLst>
+                <dgm:bulletEnabled val="1"/>
+              </dgm:varLst>
+              <dgm:alg type="tx"/>
+              <dgm:shape xmlns:r="http://schemas.openxmlformats.org/officeDocument/2006/relationships" type="downArrow" r:blip="">
+                <dgm:adjLst>
+                  <dgm:adj idx="1" val="0.55"/>
+                  <dgm:adj idx="2" val="0.45"/>
+                </dgm:adjLst>
+              </dgm:shape>
+              <dgm:presOf axis="ch" ptType="sibTrans" cnt="1"/>
+              <dgm:constrLst>
+                <dgm:constr type="lMarg" refType="primFontSz" fact="0.1"/>
+                <dgm:constr type="rMarg" refType="primFontSz" fact="0.1"/>
+                <dgm:constr type="tMarg" refType="primFontSz" fact="0.1"/>
+                <dgm:constr type="bMarg" refType="primFontSz" fact="0.1"/>
+              </dgm:constrLst>
+              <dgm:ruleLst>
+                <dgm:rule type="primFontSz" val="5" fact="NaN" max="NaN"/>
+              </dgm:ruleLst>
+            </dgm:layoutNode>
+            <dgm:layoutNode name="TwoNodes_1_text">
+              <dgm:varLst>
+                <dgm:bulletEnabled val="1"/>
+              </dgm:varLst>
+              <dgm:alg type="tx">
+                <dgm:param type="parTxLTRAlign" val="l"/>
+                <dgm:param type="txAnchorVertCh" val="mid"/>
+              </dgm:alg>
+              <dgm:shape xmlns:r="http://schemas.openxmlformats.org/officeDocument/2006/relationships" type="roundRect" r:blip="" hideGeom="1">
+                <dgm:adjLst>
+                  <dgm:adj idx="1" val="0.1"/>
+                </dgm:adjLst>
+              </dgm:shape>
+              <dgm:presOf axis="ch desOrSelf" ptType="node node" st="1 1" cnt="1 0"/>
+              <dgm:constrLst>
+                <dgm:constr type="lMarg" refType="primFontSz" fact="0.3"/>
+                <dgm:constr type="rMarg" refType="primFontSz" fact="0.3"/>
+                <dgm:constr type="tMarg" refType="primFontSz" fact="0.3"/>
+                <dgm:constr type="bMarg" refType="primFontSz" fact="0.3"/>
+              </dgm:constrLst>
+              <dgm:ruleLst>
+                <dgm:rule type="primFontSz" val="5" fact="NaN" max="NaN"/>
+              </dgm:ruleLst>
+            </dgm:layoutNode>
+            <dgm:layoutNode name="TwoNodes_2_text">
+              <dgm:varLst>
+                <dgm:bulletEnabled val="1"/>
+              </dgm:varLst>
+              <dgm:alg type="tx">
+                <dgm:param type="parTxLTRAlign" val="l"/>
+                <dgm:param type="txAnchorVertCh" val="mid"/>
+              </dgm:alg>
+              <dgm:shape xmlns:r="http://schemas.openxmlformats.org/officeDocument/2006/relationships" type="roundRect" r:blip="" hideGeom="1">
+                <dgm:adjLst>
+                  <dgm:adj idx="1" val="0.1"/>
+                </dgm:adjLst>
+              </dgm:shape>
+              <dgm:presOf axis="ch desOrSelf" ptType="node node" st="2 1" cnt="1 0"/>
+              <dgm:constrLst>
+                <dgm:constr type="lMarg" refType="primFontSz" fact="0.3"/>
+                <dgm:constr type="rMarg" refType="primFontSz" fact="0.3"/>
+                <dgm:constr type="tMarg" refType="primFontSz" fact="0.3"/>
+                <dgm:constr type="bMarg" refType="primFontSz" fact="0.3"/>
+              </dgm:constrLst>
+              <dgm:ruleLst>
+                <dgm:rule type="primFontSz" val="5" fact="NaN" max="NaN"/>
+              </dgm:ruleLst>
+            </dgm:layoutNode>
+          </dgm:if>
+          <dgm:else name="Name8">
+            <dgm:choose name="Name9">
+              <dgm:if name="Name10" axis="ch" ptType="node" func="cnt" op="equ" val="3">
+                <dgm:layoutNode name="ThreeNodes_1">
+                  <dgm:varLst>
+                    <dgm:bulletEnabled val="1"/>
+                  </dgm:varLst>
+                  <dgm:alg type="sp"/>
+                  <dgm:shape xmlns:r="http://schemas.openxmlformats.org/officeDocument/2006/relationships" type="roundRect" r:blip="">
+                    <dgm:adjLst>
+                      <dgm:adj idx="1" val="0.1"/>
+                    </dgm:adjLst>
+                  </dgm:shape>
+                  <dgm:presOf axis="ch desOrSelf" ptType="node node" st="1 1" cnt="1 0"/>
+                  <dgm:constrLst/>
+                  <dgm:ruleLst/>
+                </dgm:layoutNode>
+                <dgm:layoutNode name="ThreeNodes_2">
+                  <dgm:varLst>
+                    <dgm:bulletEnabled val="1"/>
+                  </dgm:varLst>
+                  <dgm:alg type="sp"/>
+                  <dgm:shape xmlns:r="http://schemas.openxmlformats.org/officeDocument/2006/relationships" type="roundRect" r:blip="">
+                    <dgm:adjLst>
+                      <dgm:adj idx="1" val="0.1"/>
+                    </dgm:adjLst>
+                  </dgm:shape>
+                  <dgm:presOf axis="ch desOrSelf" ptType="node node" st="2 1" cnt="1 0"/>
+                  <dgm:constrLst/>
+                  <dgm:ruleLst/>
+                </dgm:layoutNode>
+                <dgm:layoutNode name="ThreeNodes_3">
+                  <dgm:varLst>
+                    <dgm:bulletEnabled val="1"/>
+                  </dgm:varLst>
+                  <dgm:alg type="sp"/>
+                  <dgm:shape xmlns:r="http://schemas.openxmlformats.org/officeDocument/2006/relationships" type="roundRect" r:blip="">
+                    <dgm:adjLst>
+                      <dgm:adj idx="1" val="0.1"/>
+                    </dgm:adjLst>
+                  </dgm:shape>
+                  <dgm:presOf axis="ch desOrSelf" ptType="node node" st="3 1" cnt="1 0"/>
+                  <dgm:constrLst/>
+                  <dgm:ruleLst/>
+                </dgm:layoutNode>
+                <dgm:layoutNode name="ThreeConn_1-2" styleLbl="fgAccFollowNode1">
+                  <dgm:varLst>
+                    <dgm:bulletEnabled val="1"/>
+                  </dgm:varLst>
+                  <dgm:alg type="tx"/>
+                  <dgm:shape xmlns:r="http://schemas.openxmlformats.org/officeDocument/2006/relationships" type="downArrow" r:blip="">
+                    <dgm:adjLst>
+                      <dgm:adj idx="1" val="0.55"/>
+                      <dgm:adj idx="2" val="0.45"/>
+                    </dgm:adjLst>
+                  </dgm:shape>
+                  <dgm:presOf axis="ch" ptType="sibTrans" cnt="1"/>
+                  <dgm:constrLst>
+                    <dgm:constr type="lMarg" refType="primFontSz" fact="0.1"/>
+                    <dgm:constr type="rMarg" refType="primFontSz" fact="0.1"/>
+                    <dgm:constr type="tMarg" refType="primFontSz" fact="0.1"/>
+                    <dgm:constr type="bMarg" refType="primFontSz" fact="0.1"/>
+                  </dgm:constrLst>
+                  <dgm:ruleLst>
+                    <dgm:rule type="primFontSz" val="5" fact="NaN" max="NaN"/>
+                  </dgm:ruleLst>
+                </dgm:layoutNode>
+                <dgm:layoutNode name="ThreeConn_2-3" styleLbl="fgAccFollowNode1">
+                  <dgm:varLst>
+                    <dgm:bulletEnabled val="1"/>
+                  </dgm:varLst>
+                  <dgm:alg type="tx"/>
+                  <dgm:shape xmlns:r="http://schemas.openxmlformats.org/officeDocument/2006/relationships" type="downArrow" r:blip="">
+                    <dgm:adjLst>
+                      <dgm:adj idx="1" val="0.55"/>
+                      <dgm:adj idx="2" val="0.45"/>
+                    </dgm:adjLst>
+                  </dgm:shape>
+                  <dgm:presOf axis="ch" ptType="sibTrans" st="2" cnt="1"/>
+                  <dgm:constrLst>
+                    <dgm:constr type="lMarg" refType="primFontSz" fact="0.1"/>
+                    <dgm:constr type="rMarg" refType="primFontSz" fact="0.1"/>
+                    <dgm:constr type="tMarg" refType="primFontSz" fact="0.1"/>
+                    <dgm:constr type="bMarg" refType="primFontSz" fact="0.1"/>
+                  </dgm:constrLst>
+                  <dgm:ruleLst>
+                    <dgm:rule type="primFontSz" val="5" fact="NaN" max="NaN"/>
+                  </dgm:ruleLst>
+                </dgm:layoutNode>
+                <dgm:layoutNode name="ThreeNodes_1_text">
+                  <dgm:varLst>
+                    <dgm:bulletEnabled val="1"/>
+                  </dgm:varLst>
+                  <dgm:alg type="tx">
+                    <dgm:param type="parTxLTRAlign" val="l"/>
+                    <dgm:param type="txAnchorVertCh" val="mid"/>
+                  </dgm:alg>
+                  <dgm:shape xmlns:r="http://schemas.openxmlformats.org/officeDocument/2006/relationships" type="roundRect" r:blip="" hideGeom="1">
+                    <dgm:adjLst>
+                      <dgm:adj idx="1" val="0.1"/>
+                    </dgm:adjLst>
+                  </dgm:shape>
+                  <dgm:presOf axis="ch desOrSelf" ptType="node node" st="1 1" cnt="1 0"/>
+                  <dgm:constrLst>
+                    <dgm:constr type="lMarg" refType="primFontSz" fact="0.3"/>
+                    <dgm:constr type="rMarg" refType="primFontSz" fact="0.3"/>
+                    <dgm:constr type="tMarg" refType="primFontSz" fact="0.3"/>
+                    <dgm:constr type="bMarg" refType="primFontSz" fact="0.3"/>
+                  </dgm:constrLst>
+                  <dgm:ruleLst>
+                    <dgm:rule type="primFontSz" val="5" fact="NaN" max="NaN"/>
+                  </dgm:ruleLst>
+                </dgm:layoutNode>
+                <dgm:layoutNode name="ThreeNodes_2_text">
+                  <dgm:varLst>
+                    <dgm:bulletEnabled val="1"/>
+                  </dgm:varLst>
+                  <dgm:alg type="tx">
+                    <dgm:param type="parTxLTRAlign" val="l"/>
+                    <dgm:param type="txAnchorVertCh" val="mid"/>
+                  </dgm:alg>
+                  <dgm:shape xmlns:r="http://schemas.openxmlformats.org/officeDocument/2006/relationships" type="roundRect" r:blip="" hideGeom="1">
+                    <dgm:adjLst>
+                      <dgm:adj idx="1" val="0.1"/>
+                    </dgm:adjLst>
+                  </dgm:shape>
+                  <dgm:presOf axis="ch desOrSelf" ptType="node node" st="2 1" cnt="1 0"/>
+                  <dgm:constrLst>
+                    <dgm:constr type="lMarg" refType="primFontSz" fact="0.3"/>
+                    <dgm:constr type="rMarg" refType="primFontSz" fact="0.3"/>
+                    <dgm:constr type="tMarg" refType="primFontSz" fact="0.3"/>
+                    <dgm:constr type="bMarg" refType="primFontSz" fact="0.3"/>
+                  </dgm:constrLst>
+                  <dgm:ruleLst>
+                    <dgm:rule type="primFontSz" val="5" fact="NaN" max="NaN"/>
+                  </dgm:ruleLst>
+                </dgm:layoutNode>
+                <dgm:layoutNode name="ThreeNodes_3_text">
+                  <dgm:varLst>
+                    <dgm:bulletEnabled val="1"/>
+                  </dgm:varLst>
+                  <dgm:alg type="tx">
+                    <dgm:param type="parTxLTRAlign" val="l"/>
+                    <dgm:param type="txAnchorVertCh" val="mid"/>
+                  </dgm:alg>
+                  <dgm:shape xmlns:r="http://schemas.openxmlformats.org/officeDocument/2006/relationships" type="roundRect" r:blip="" hideGeom="1">
+                    <dgm:adjLst>
+                      <dgm:adj idx="1" val="0.1"/>
+                    </dgm:adjLst>
+                  </dgm:shape>
+                  <dgm:presOf axis="ch desOrSelf" ptType="node node" st="3 1" cnt="1 0"/>
+                  <dgm:constrLst>
+                    <dgm:constr type="lMarg" refType="primFontSz" fact="0.3"/>
+                    <dgm:constr type="rMarg" refType="primFontSz" fact="0.3"/>
+                    <dgm:constr type="tMarg" refType="primFontSz" fact="0.3"/>
+                    <dgm:constr type="bMarg" refType="primFontSz" fact="0.3"/>
+                  </dgm:constrLst>
+                  <dgm:ruleLst>
+                    <dgm:rule type="primFontSz" val="5" fact="NaN" max="NaN"/>
+                  </dgm:ruleLst>
+                </dgm:layoutNode>
+              </dgm:if>
+              <dgm:else name="Name11">
+                <dgm:choose name="Name12">
+                  <dgm:if name="Name13" axis="ch" ptType="node" func="cnt" op="equ" val="4">
+                    <dgm:layoutNode name="FourNodes_1">
+                      <dgm:varLst>
+                        <dgm:bulletEnabled val="1"/>
+                      </dgm:varLst>
+                      <dgm:alg type="sp"/>
+                      <dgm:shape xmlns:r="http://schemas.openxmlformats.org/officeDocument/2006/relationships" type="roundRect" r:blip="">
+                        <dgm:adjLst>
+                          <dgm:adj idx="1" val="0.1"/>
+                        </dgm:adjLst>
+                      </dgm:shape>
+                      <dgm:presOf axis="ch desOrSelf" ptType="node node" st="1 1" cnt="1 0"/>
+                      <dgm:constrLst/>
+                      <dgm:ruleLst/>
+                    </dgm:layoutNode>
+                    <dgm:layoutNode name="FourNodes_2">
+                      <dgm:varLst>
+                        <dgm:bulletEnabled val="1"/>
+                      </dgm:varLst>
+                      <dgm:alg type="sp"/>
+                      <dgm:shape xmlns:r="http://schemas.openxmlformats.org/officeDocument/2006/relationships" type="roundRect" r:blip="">
+                        <dgm:adjLst>
+                          <dgm:adj idx="1" val="0.1"/>
+                        </dgm:adjLst>
+                      </dgm:shape>
+                      <dgm:presOf axis="ch desOrSelf" ptType="node node" st="2 1" cnt="1 0"/>
+                      <dgm:constrLst/>
+                      <dgm:ruleLst/>
+                    </dgm:layoutNode>
+                    <dgm:layoutNode name="FourNodes_3">
+                      <dgm:varLst>
+                        <dgm:bulletEnabled val="1"/>
+                      </dgm:varLst>
+                      <dgm:alg type="sp"/>
+                      <dgm:shape xmlns:r="http://schemas.openxmlformats.org/officeDocument/2006/relationships" type="roundRect" r:blip="">
+                        <dgm:adjLst>
+                          <dgm:adj idx="1" val="0.1"/>
+                        </dgm:adjLst>
+                      </dgm:shape>
+                      <dgm:presOf axis="ch desOrSelf" ptType="node node" st="3 1" cnt="1 0"/>
+                      <dgm:constrLst/>
+                      <dgm:ruleLst/>
+                    </dgm:layoutNode>
+                    <dgm:layoutNode name="FourNodes_4">
+                      <dgm:varLst>
+                        <dgm:bulletEnabled val="1"/>
+                      </dgm:varLst>
+                      <dgm:alg type="sp"/>
+                      <dgm:shape xmlns:r="http://schemas.openxmlformats.org/officeDocument/2006/relationships" type="roundRect" r:blip="">
+                        <dgm:adjLst>
+                          <dgm:adj idx="1" val="0.1"/>
+                        </dgm:adjLst>
+                      </dgm:shape>
+                      <dgm:presOf axis="ch desOrSelf" ptType="node node" st="4 1" cnt="1 0"/>
+                      <dgm:constrLst/>
+                      <dgm:ruleLst/>
+                    </dgm:layoutNode>
+                    <dgm:layoutNode name="FourConn_1-2" styleLbl="fgAccFollowNode1">
+                      <dgm:varLst>
+                        <dgm:bulletEnabled val="1"/>
+                      </dgm:varLst>
+                      <dgm:alg type="tx"/>
+                      <dgm:shape xmlns:r="http://schemas.openxmlformats.org/officeDocument/2006/relationships" type="downArrow" r:blip="">
+                        <dgm:adjLst>
+                          <dgm:adj idx="1" val="0.55"/>
+                          <dgm:adj idx="2" val="0.45"/>
+                        </dgm:adjLst>
+                      </dgm:shape>
+                      <dgm:presOf axis="ch" ptType="sibTrans" cnt="1"/>
+                      <dgm:constrLst>
+                        <dgm:constr type="lMarg" refType="primFontSz" fact="0.1"/>
+                        <dgm:constr type="rMarg" refType="primFontSz" fact="0.1"/>
+                        <dgm:constr type="tMarg" refType="primFontSz" fact="0.1"/>
+                        <dgm:constr type="bMarg" refType="primFontSz" fact="0.1"/>
+                      </dgm:constrLst>
+                      <dgm:ruleLst>
+                        <dgm:rule type="primFontSz" val="5" fact="NaN" max="NaN"/>
+                      </dgm:ruleLst>
+                    </dgm:layoutNode>
+                    <dgm:layoutNode name="FourConn_2-3" styleLbl="fgAccFollowNode1">
+                      <dgm:varLst>
+                        <dgm:bulletEnabled val="1"/>
+                      </dgm:varLst>
+                      <dgm:alg type="tx"/>
+                      <dgm:shape xmlns:r="http://schemas.openxmlformats.org/officeDocument/2006/relationships" type="downArrow" r:blip="">
+                        <dgm:adjLst>
+                          <dgm:adj idx="1" val="0.55"/>
+                          <dgm:adj idx="2" val="0.45"/>
+                        </dgm:adjLst>
+                      </dgm:shape>
+                      <dgm:presOf axis="ch" ptType="sibTrans" st="2" cnt="1"/>
+                      <dgm:constrLst>
+                        <dgm:constr type="lMarg" refType="primFontSz" fact="0.1"/>
+                        <dgm:constr type="rMarg" refType="primFontSz" fact="0.1"/>
+                        <dgm:constr type="tMarg" refType="primFontSz" fact="0.1"/>
+                        <dgm:constr type="bMarg" refType="primFontSz" fact="0.1"/>
+                      </dgm:constrLst>
+                      <dgm:ruleLst>
+                        <dgm:rule type="primFontSz" val="5" fact="NaN" max="NaN"/>
+                      </dgm:ruleLst>
+                    </dgm:layoutNode>
+                    <dgm:layoutNode name="FourConn_3-4" styleLbl="fgAccFollowNode1">
+                      <dgm:varLst>
+                        <dgm:bulletEnabled val="1"/>
+                      </dgm:varLst>
+                      <dgm:alg type="tx"/>
+                      <dgm:shape xmlns:r="http://schemas.openxmlformats.org/officeDocument/2006/relationships" type="downArrow" r:blip="">
+                        <dgm:adjLst>
+                          <dgm:adj idx="1" val="0.55"/>
+                          <dgm:adj idx="2" val="0.45"/>
+                        </dgm:adjLst>
+                      </dgm:shape>
+                      <dgm:presOf axis="ch" ptType="sibTrans" st="3" cnt="1"/>
+                      <dgm:constrLst>
+                        <dgm:constr type="lMarg" refType="primFontSz" fact="0.1"/>
+                        <dgm:constr type="rMarg" refType="primFontSz" fact="0.1"/>
+                        <dgm:constr type="tMarg" refType="primFontSz" fact="0.1"/>
+                        <dgm:constr type="bMarg" refType="primFontSz" fact="0.1"/>
+                      </dgm:constrLst>
+                      <dgm:ruleLst>
+                        <dgm:rule type="primFontSz" val="5" fact="NaN" max="NaN"/>
+                      </dgm:ruleLst>
+                    </dgm:layoutNode>
+                    <dgm:layoutNode name="FourNodes_1_text">
+                      <dgm:varLst>
+                        <dgm:bulletEnabled val="1"/>
+                      </dgm:varLst>
+                      <dgm:alg type="tx">
+                        <dgm:param type="parTxLTRAlign" val="l"/>
+                        <dgm:param type="txAnchorVertCh" val="mid"/>
+                      </dgm:alg>
+                      <dgm:shape xmlns:r="http://schemas.openxmlformats.org/officeDocument/2006/relationships" type="roundRect" r:blip="" hideGeom="1">
+                        <dgm:adjLst>
+                          <dgm:adj idx="1" val="0.1"/>
+                        </dgm:adjLst>
+                      </dgm:shape>
+                      <dgm:presOf axis="ch desOrSelf" ptType="node node" st="1 1" cnt="1 0"/>
+                      <dgm:constrLst>
+                        <dgm:constr type="lMarg" refType="primFontSz" fact="0.3"/>
+                        <dgm:constr type="rMarg" refType="primFontSz" fact="0.3"/>
+                        <dgm:constr type="tMarg" refType="primFontSz" fact="0.3"/>
+                        <dgm:constr type="bMarg" refType="primFontSz" fact="0.3"/>
+                      </dgm:constrLst>
+                      <dgm:ruleLst>
+                        <dgm:rule type="primFontSz" val="5" fact="NaN" max="NaN"/>
+                      </dgm:ruleLst>
+                    </dgm:layoutNode>
+                    <dgm:layoutNode name="FourNodes_2_text">
+                      <dgm:varLst>
+                        <dgm:bulletEnabled val="1"/>
+                      </dgm:varLst>
+                      <dgm:alg type="tx">
+                        <dgm:param type="parTxLTRAlign" val="l"/>
+                        <dgm:param type="txAnchorVertCh" val="mid"/>
+                      </dgm:alg>
+                      <dgm:shape xmlns:r="http://schemas.openxmlformats.org/officeDocument/2006/relationships" type="roundRect" r:blip="" hideGeom="1">
+                        <dgm:adjLst>
+                          <dgm:adj idx="1" val="0.1"/>
+                        </dgm:adjLst>
+                      </dgm:shape>
+                      <dgm:presOf axis="ch desOrSelf" ptType="node node" st="2 1" cnt="1 0"/>
+                      <dgm:constrLst>
+                        <dgm:constr type="lMarg" refType="primFontSz" fact="0.3"/>
+                        <dgm:constr type="rMarg" refType="primFontSz" fact="0.3"/>
+                        <dgm:constr type="tMarg" refType="primFontSz" fact="0.3"/>
+                        <dgm:constr type="bMarg" refType="primFontSz" fact="0.3"/>
+                      </dgm:constrLst>
+                      <dgm:ruleLst>
+                        <dgm:rule type="primFontSz" val="5" fact="NaN" max="NaN"/>
+                      </dgm:ruleLst>
+                    </dgm:layoutNode>
+                    <dgm:layoutNode name="FourNodes_3_text">
+                      <dgm:varLst>
+                        <dgm:bulletEnabled val="1"/>
+                      </dgm:varLst>
+                      <dgm:alg type="tx">
+                        <dgm:param type="parTxLTRAlign" val="l"/>
+                        <dgm:param type="txAnchorVertCh" val="mid"/>
+                      </dgm:alg>
+                      <dgm:shape xmlns:r="http://schemas.openxmlformats.org/officeDocument/2006/relationships" type="roundRect" r:blip="" hideGeom="1">
+                        <dgm:adjLst>
+                          <dgm:adj idx="1" val="0.1"/>
+                        </dgm:adjLst>
+                      </dgm:shape>
+                      <dgm:presOf axis="ch desOrSelf" ptType="node node" st="3 1" cnt="1 0"/>
+                      <dgm:constrLst>
+                        <dgm:constr type="lMarg" refType="primFontSz" fact="0.3"/>
+                        <dgm:constr type="rMarg" refType="primFontSz" fact="0.3"/>
+                        <dgm:constr type="tMarg" refType="primFontSz" fact="0.3"/>
+                        <dgm:constr type="bMarg" refType="primFontSz" fact="0.3"/>
+                      </dgm:constrLst>
+                      <dgm:ruleLst>
+                        <dgm:rule type="primFontSz" val="5" fact="NaN" max="NaN"/>
+                      </dgm:ruleLst>
+                    </dgm:layoutNode>
+                    <dgm:layoutNode name="FourNodes_4_text">
+                      <dgm:varLst>
+                        <dgm:bulletEnabled val="1"/>
+                      </dgm:varLst>
+                      <dgm:alg type="tx">
+                        <dgm:param type="parTxLTRAlign" val="l"/>
+                        <dgm:param type="txAnchorVertCh" val="mid"/>
+                      </dgm:alg>
+                      <dgm:shape xmlns:r="http://schemas.openxmlformats.org/officeDocument/2006/relationships" type="roundRect" r:blip="" hideGeom="1">
+                        <dgm:adjLst>
+                          <dgm:adj idx="1" val="0.1"/>
+                        </dgm:adjLst>
+                      </dgm:shape>
+                      <dgm:presOf axis="ch desOrSelf" ptType="node node" st="4 1" cnt="1 0"/>
+                      <dgm:constrLst>
+                        <dgm:constr type="lMarg" refType="primFontSz" fact="0.3"/>
+                        <dgm:constr type="rMarg" refType="primFontSz" fact="0.3"/>
+                        <dgm:constr type="tMarg" refType="primFontSz" fact="0.3"/>
+                        <dgm:constr type="bMarg" refType="primFontSz" fact="0.3"/>
+                      </dgm:constrLst>
+                      <dgm:ruleLst>
+                        <dgm:rule type="primFontSz" val="5" fact="NaN" max="NaN"/>
+                      </dgm:ruleLst>
+                    </dgm:layoutNode>
+                  </dgm:if>
+                  <dgm:else name="Name14">
+                    <dgm:choose name="Name15">
+                      <dgm:if name="Name16" axis="ch" ptType="node" func="cnt" op="gte" val="5">
+                        <dgm:layoutNode name="FiveNodes_1">
+                          <dgm:varLst>
+                            <dgm:bulletEnabled val="1"/>
+                          </dgm:varLst>
+                          <dgm:alg type="sp"/>
+                          <dgm:shape xmlns:r="http://schemas.openxmlformats.org/officeDocument/2006/relationships" type="roundRect" r:blip="">
+                            <dgm:adjLst>
+                              <dgm:adj idx="1" val="0.1"/>
+                            </dgm:adjLst>
+                          </dgm:shape>
+                          <dgm:presOf axis="ch desOrSelf" ptType="node node" st="1 1" cnt="1 0"/>
+                          <dgm:constrLst/>
+                          <dgm:ruleLst/>
+                        </dgm:layoutNode>
+                        <dgm:layoutNode name="FiveNodes_2">
+                          <dgm:varLst>
+                            <dgm:bulletEnabled val="1"/>
+                          </dgm:varLst>
+                          <dgm:alg type="sp"/>
+                          <dgm:shape xmlns:r="http://schemas.openxmlformats.org/officeDocument/2006/relationships" type="roundRect" r:blip="">
+                            <dgm:adjLst>
+                              <dgm:adj idx="1" val="0.1"/>
+                            </dgm:adjLst>
+                          </dgm:shape>
+                          <dgm:presOf axis="ch desOrSelf" ptType="node node" st="2 1" cnt="1 0"/>
+                          <dgm:constrLst/>
+                          <dgm:ruleLst/>
+                        </dgm:layoutNode>
+                        <dgm:layoutNode name="FiveNodes_3">
+                          <dgm:varLst>
+                            <dgm:bulletEnabled val="1"/>
+                          </dgm:varLst>
+                          <dgm:alg type="sp"/>
+                          <dgm:shape xmlns:r="http://schemas.openxmlformats.org/officeDocument/2006/relationships" type="roundRect" r:blip="">
+                            <dgm:adjLst>
+                              <dgm:adj idx="1" val="0.1"/>
+                            </dgm:adjLst>
+                          </dgm:shape>
+                          <dgm:presOf axis="ch desOrSelf" ptType="node node" st="3 1" cnt="1 0"/>
+                          <dgm:constrLst/>
+                          <dgm:ruleLst/>
+                        </dgm:layoutNode>
+                        <dgm:layoutNode name="FiveNodes_4">
+                          <dgm:varLst>
+                            <dgm:bulletEnabled val="1"/>
+                          </dgm:varLst>
+                          <dgm:alg type="sp"/>
+                          <dgm:shape xmlns:r="http://schemas.openxmlformats.org/officeDocument/2006/relationships" type="roundRect" r:blip="">
+                            <dgm:adjLst>
+                              <dgm:adj idx="1" val="0.1"/>
+                            </dgm:adjLst>
+                          </dgm:shape>
+                          <dgm:presOf axis="ch desOrSelf" ptType="node node" st="4 1" cnt="1 0"/>
+                          <dgm:constrLst/>
+                          <dgm:ruleLst/>
+                        </dgm:layoutNode>
+                        <dgm:layoutNode name="FiveNodes_5">
+                          <dgm:varLst>
+                            <dgm:bulletEnabled val="1"/>
+                          </dgm:varLst>
+                          <dgm:alg type="sp"/>
+                          <dgm:shape xmlns:r="http://schemas.openxmlformats.org/officeDocument/2006/relationships" type="roundRect" r:blip="">
+                            <dgm:adjLst>
+                              <dgm:adj idx="1" val="0.1"/>
+                            </dgm:adjLst>
+                          </dgm:shape>
+                          <dgm:presOf axis="ch desOrSelf" ptType="node node" st="5 1" cnt="1 0"/>
+                          <dgm:constrLst/>
+                          <dgm:ruleLst/>
+                        </dgm:layoutNode>
+                        <dgm:layoutNode name="FiveConn_1-2" styleLbl="fgAccFollowNode1">
+                          <dgm:varLst>
+                            <dgm:bulletEnabled val="1"/>
+                          </dgm:varLst>
+                          <dgm:alg type="tx"/>
+                          <dgm:shape xmlns:r="http://schemas.openxmlformats.org/officeDocument/2006/relationships" type="downArrow" r:blip="">
+                            <dgm:adjLst>
+                              <dgm:adj idx="1" val="0.55"/>
+                              <dgm:adj idx="2" val="0.45"/>
+                            </dgm:adjLst>
+                          </dgm:shape>
+                          <dgm:presOf axis="ch" ptType="sibTrans" cnt="1"/>
+                          <dgm:constrLst>
+                            <dgm:constr type="lMarg" refType="primFontSz" fact="0.1"/>
+                            <dgm:constr type="rMarg" refType="primFontSz" fact="0.1"/>
+                            <dgm:constr type="tMarg" refType="primFontSz" fact="0.1"/>
+                            <dgm:constr type="bMarg" refType="primFontSz" fact="0.1"/>
+                          </dgm:constrLst>
+                          <dgm:ruleLst>
+                            <dgm:rule type="primFontSz" val="5" fact="NaN" max="NaN"/>
+                          </dgm:ruleLst>
+                        </dgm:layoutNode>
+                        <dgm:layoutNode name="FiveConn_2-3" styleLbl="fgAccFollowNode1">
+                          <dgm:varLst>
+                            <dgm:bulletEnabled val="1"/>
+                          </dgm:varLst>
+                          <dgm:alg type="tx"/>
+                          <dgm:shape xmlns:r="http://schemas.openxmlformats.org/officeDocument/2006/relationships" type="downArrow" r:blip="">
+                            <dgm:adjLst>
+                              <dgm:adj idx="1" val="0.55"/>
+                              <dgm:adj idx="2" val="0.45"/>
+                            </dgm:adjLst>
+                          </dgm:shape>
+                          <dgm:presOf axis="ch" ptType="sibTrans" st="2" cnt="1"/>
+                          <dgm:constrLst>
+                            <dgm:constr type="lMarg" refType="primFontSz" fact="0.1"/>
+                            <dgm:constr type="rMarg" refType="primFontSz" fact="0.1"/>
+                            <dgm:constr type="tMarg" refType="primFontSz" fact="0.1"/>
+                            <dgm:constr type="bMarg" refType="primFontSz" fact="0.1"/>
+                          </dgm:constrLst>
+                          <dgm:ruleLst>
+                            <dgm:rule type="primFontSz" val="5" fact="NaN" max="NaN"/>
+                          </dgm:ruleLst>
+                        </dgm:layoutNode>
+                        <dgm:layoutNode name="FiveConn_3-4" styleLbl="fgAccFollowNode1">
+                          <dgm:varLst>
+                            <dgm:bulletEnabled val="1"/>
+                          </dgm:varLst>
+                          <dgm:alg type="tx"/>
+                          <dgm:shape xmlns:r="http://schemas.openxmlformats.org/officeDocument/2006/relationships" type="downArrow" r:blip="">
+                            <dgm:adjLst>
+                              <dgm:adj idx="1" val="0.55"/>
+                              <dgm:adj idx="2" val="0.45"/>
+                            </dgm:adjLst>
+                          </dgm:shape>
+                          <dgm:presOf axis="ch" ptType="sibTrans" st="3" cnt="1"/>
+                          <dgm:constrLst>
+                            <dgm:constr type="lMarg" refType="primFontSz" fact="0.1"/>
+                            <dgm:constr type="rMarg" refType="primFontSz" fact="0.1"/>
+                            <dgm:constr type="tMarg" refType="primFontSz" fact="0.1"/>
+                            <dgm:constr type="bMarg" refType="primFontSz" fact="0.1"/>
+                          </dgm:constrLst>
+                          <dgm:ruleLst>
+                            <dgm:rule type="primFontSz" val="5" fact="NaN" max="NaN"/>
+                          </dgm:ruleLst>
+                        </dgm:layoutNode>
+                        <dgm:layoutNode name="FiveConn_4-5" styleLbl="fgAccFollowNode1">
+                          <dgm:varLst>
+                            <dgm:bulletEnabled val="1"/>
+                          </dgm:varLst>
+                          <dgm:alg type="tx"/>
+                          <dgm:shape xmlns:r="http://schemas.openxmlformats.org/officeDocument/2006/relationships" type="downArrow" r:blip="">
+                            <dgm:adjLst>
+                              <dgm:adj idx="1" val="0.55"/>
+                              <dgm:adj idx="2" val="0.45"/>
+                            </dgm:adjLst>
+                          </dgm:shape>
+                          <dgm:presOf axis="ch" ptType="sibTrans" st="4" cnt="1"/>
+                          <dgm:constrLst>
+                            <dgm:constr type="lMarg" refType="primFontSz" fact="0.1"/>
+                            <dgm:constr type="rMarg" refType="primFontSz" fact="0.1"/>
+                            <dgm:constr type="tMarg" refType="primFontSz" fact="0.1"/>
+                            <dgm:constr type="bMarg" refType="primFontSz" fact="0.1"/>
+                          </dgm:constrLst>
+                          <dgm:ruleLst>
+                            <dgm:rule type="primFontSz" val="5" fact="NaN" max="NaN"/>
+                          </dgm:ruleLst>
+                        </dgm:layoutNode>
+                        <dgm:layoutNode name="FiveNodes_1_text">
+                          <dgm:varLst>
+                            <dgm:bulletEnabled val="1"/>
+                          </dgm:varLst>
+                          <dgm:alg type="tx">
+                            <dgm:param type="parTxLTRAlign" val="l"/>
+                            <dgm:param type="txAnchorVertCh" val="mid"/>
+                          </dgm:alg>
+                          <dgm:shape xmlns:r="http://schemas.openxmlformats.org/officeDocument/2006/relationships" type="roundRect" r:blip="" hideGeom="1">
+                            <dgm:adjLst>
+                              <dgm:adj idx="1" val="0.1"/>
+                            </dgm:adjLst>
+                          </dgm:shape>
+                          <dgm:presOf axis="ch desOrSelf" ptType="node node" st="1 1" cnt="1 0"/>
+                          <dgm:constrLst>
+                            <dgm:constr type="lMarg" refType="primFontSz" fact="0.3"/>
+                            <dgm:constr type="rMarg" refType="primFontSz" fact="0.3"/>
+                            <dgm:constr type="tMarg" refType="primFontSz" fact="0.3"/>
+                            <dgm:constr type="bMarg" refType="primFontSz" fact="0.3"/>
+                          </dgm:constrLst>
+                          <dgm:ruleLst>
+                            <dgm:rule type="primFontSz" val="5" fact="NaN" max="NaN"/>
+                          </dgm:ruleLst>
+                        </dgm:layoutNode>
+                        <dgm:layoutNode name="FiveNodes_2_text">
+                          <dgm:varLst>
+                            <dgm:bulletEnabled val="1"/>
+                          </dgm:varLst>
+                          <dgm:alg type="tx">
+                            <dgm:param type="parTxLTRAlign" val="l"/>
+                            <dgm:param type="txAnchorVertCh" val="mid"/>
+                          </dgm:alg>
+                          <dgm:shape xmlns:r="http://schemas.openxmlformats.org/officeDocument/2006/relationships" type="roundRect" r:blip="" hideGeom="1">
+                            <dgm:adjLst>
+                              <dgm:adj idx="1" val="0.1"/>
+                            </dgm:adjLst>
+                          </dgm:shape>
+                          <dgm:presOf axis="ch desOrSelf" ptType="node node" st="2 1" cnt="1 0"/>
+                          <dgm:constrLst>
+                            <dgm:constr type="lMarg" refType="primFontSz" fact="0.3"/>
+                            <dgm:constr type="rMarg" refType="primFontSz" fact="0.3"/>
+                            <dgm:constr type="tMarg" refType="primFontSz" fact="0.3"/>
+                            <dgm:constr type="bMarg" refType="primFontSz" fact="0.3"/>
+                          </dgm:constrLst>
+                          <dgm:ruleLst>
+                            <dgm:rule type="primFontSz" val="5" fact="NaN" max="NaN"/>
+                          </dgm:ruleLst>
+                        </dgm:layoutNode>
+                        <dgm:layoutNode name="FiveNodes_3_text">
+                          <dgm:varLst>
+                            <dgm:bulletEnabled val="1"/>
+                          </dgm:varLst>
+                          <dgm:alg type="tx">
+                            <dgm:param type="parTxLTRAlign" val="l"/>
+                            <dgm:param type="txAnchorVertCh" val="mid"/>
+                          </dgm:alg>
+                          <dgm:shape xmlns:r="http://schemas.openxmlformats.org/officeDocument/2006/relationships" type="roundRect" r:blip="" hideGeom="1">
+                            <dgm:adjLst>
+                              <dgm:adj idx="1" val="0.1"/>
+                            </dgm:adjLst>
+                          </dgm:shape>
+                          <dgm:presOf axis="ch desOrSelf" ptType="node node" st="3 1" cnt="1 0"/>
+                          <dgm:constrLst>
+                            <dgm:constr type="lMarg" refType="primFontSz" fact="0.3"/>
+                            <dgm:constr type="rMarg" refType="primFontSz" fact="0.3"/>
+                            <dgm:constr type="tMarg" refType="primFontSz" fact="0.3"/>
+                            <dgm:constr type="bMarg" refType="primFontSz" fact="0.3"/>
+                          </dgm:constrLst>
+                          <dgm:ruleLst>
+                            <dgm:rule type="primFontSz" val="5" fact="NaN" max="NaN"/>
+                          </dgm:ruleLst>
+                        </dgm:layoutNode>
+                        <dgm:layoutNode name="FiveNodes_4_text">
+                          <dgm:varLst>
+                            <dgm:bulletEnabled val="1"/>
+                          </dgm:varLst>
+                          <dgm:alg type="tx">
+                            <dgm:param type="parTxLTRAlign" val="l"/>
+                            <dgm:param type="txAnchorVertCh" val="mid"/>
+                          </dgm:alg>
+                          <dgm:shape xmlns:r="http://schemas.openxmlformats.org/officeDocument/2006/relationships" type="roundRect" r:blip="" hideGeom="1">
+                            <dgm:adjLst>
+                              <dgm:adj idx="1" val="0.1"/>
+                            </dgm:adjLst>
+                          </dgm:shape>
+                          <dgm:presOf axis="ch desOrSelf" ptType="node node" st="4 1" cnt="1 0"/>
+                          <dgm:constrLst>
+                            <dgm:constr type="lMarg" refType="primFontSz" fact="0.3"/>
+                            <dgm:constr type="rMarg" refType="primFontSz" fact="0.3"/>
+                            <dgm:constr type="tMarg" refType="primFontSz" fact="0.3"/>
+                            <dgm:constr type="bMarg" refType="primFontSz" fact="0.3"/>
+                          </dgm:constrLst>
+                          <dgm:ruleLst>
+                            <dgm:rule type="primFontSz" val="5" fact="NaN" max="NaN"/>
+                          </dgm:ruleLst>
+                        </dgm:layoutNode>
+                        <dgm:layoutNode name="FiveNodes_5_text">
+                          <dgm:varLst>
+                            <dgm:bulletEnabled val="1"/>
+                          </dgm:varLst>
+                          <dgm:alg type="tx">
+                            <dgm:param type="parTxLTRAlign" val="l"/>
+                            <dgm:param type="txAnchorVertCh" val="mid"/>
+                          </dgm:alg>
+                          <dgm:shape xmlns:r="http://schemas.openxmlformats.org/officeDocument/2006/relationships" type="roundRect" r:blip="" hideGeom="1">
+                            <dgm:adjLst>
+                              <dgm:adj idx="1" val="0.1"/>
+                            </dgm:adjLst>
+                          </dgm:shape>
+                          <dgm:presOf axis="ch desOrSelf" ptType="node node" st="5 1" cnt="1 0"/>
+                          <dgm:constrLst>
+                            <dgm:constr type="lMarg" refType="primFontSz" fact="0.3"/>
+                            <dgm:constr type="rMarg" refType="primFontSz" fact="0.3"/>
+                            <dgm:constr type="tMarg" refType="primFontSz" fact="0.3"/>
+                            <dgm:constr type="bMarg" refType="primFontSz" fact="0.3"/>
+                          </dgm:constrLst>
+                          <dgm:ruleLst>
+                            <dgm:rule type="primFontSz" val="5" fact="NaN" max="NaN"/>
+                          </dgm:ruleLst>
+                        </dgm:layoutNode>
+                      </dgm:if>
+                      <dgm:else name="Name17"/>
+                    </dgm:choose>
+                  </dgm:else>
+                </dgm:choose>
+              </dgm:else>
+            </dgm:choose>
+          </dgm:else>
+        </dgm:choose>
+      </dgm:else>
+    </dgm:choose>
+  </dgm:layoutNode>
+</dgm:layoutDef>
+</file>
+
 <file path=ppt/diagrams/quickStyle1.xml><?xml version="1.0" encoding="utf-8"?>
 <dgm:styleDef xmlns:dgm="http://schemas.openxmlformats.org/drawingml/2006/diagram" xmlns:a="http://schemas.openxmlformats.org/drawingml/2006/main" uniqueId="urn:microsoft.com/office/officeart/2005/8/quickstyle/simple1">
   <dgm:title val=""/>
@@ -13201,6 +17749,2074 @@
 </file>
 
 <file path=ppt/diagrams/quickStyle4.xml><?xml version="1.0" encoding="utf-8"?>
+<dgm:styleDef xmlns:dgm="http://schemas.openxmlformats.org/drawingml/2006/diagram" xmlns:a="http://schemas.openxmlformats.org/drawingml/2006/main" uniqueId="urn:microsoft.com/office/officeart/2005/8/quickstyle/simple1">
+  <dgm:title val=""/>
+  <dgm:desc val=""/>
+  <dgm:catLst>
+    <dgm:cat type="simple" pri="10100"/>
+  </dgm:catLst>
+  <dgm:scene3d>
+    <a:camera prst="orthographicFront"/>
+    <a:lightRig rig="threePt" dir="t"/>
+  </dgm:scene3d>
+  <dgm:styleLbl name="node0">
+    <dgm:scene3d>
+      <a:camera prst="orthographicFront"/>
+      <a:lightRig rig="threePt" dir="t"/>
+    </dgm:scene3d>
+    <dgm:sp3d/>
+    <dgm:txPr/>
+    <dgm:style>
+      <a:lnRef idx="2">
+        <a:scrgbClr r="0" g="0" b="0"/>
+      </a:lnRef>
+      <a:fillRef idx="1">
+        <a:scrgbClr r="0" g="0" b="0"/>
+      </a:fillRef>
+      <a:effectRef idx="0">
+        <a:scrgbClr r="0" g="0" b="0"/>
+      </a:effectRef>
+      <a:fontRef idx="minor">
+        <a:schemeClr val="lt1"/>
+      </a:fontRef>
+    </dgm:style>
+  </dgm:styleLbl>
+  <dgm:styleLbl name="lnNode1">
+    <dgm:scene3d>
+      <a:camera prst="orthographicFront"/>
+      <a:lightRig rig="threePt" dir="t"/>
+    </dgm:scene3d>
+    <dgm:sp3d/>
+    <dgm:txPr/>
+    <dgm:style>
+      <a:lnRef idx="2">
+        <a:scrgbClr r="0" g="0" b="0"/>
+      </a:lnRef>
+      <a:fillRef idx="1">
+        <a:scrgbClr r="0" g="0" b="0"/>
+      </a:fillRef>
+      <a:effectRef idx="0">
+        <a:scrgbClr r="0" g="0" b="0"/>
+      </a:effectRef>
+      <a:fontRef idx="minor">
+        <a:schemeClr val="lt1"/>
+      </a:fontRef>
+    </dgm:style>
+  </dgm:styleLbl>
+  <dgm:styleLbl name="vennNode1">
+    <dgm:scene3d>
+      <a:camera prst="orthographicFront"/>
+      <a:lightRig rig="threePt" dir="t"/>
+    </dgm:scene3d>
+    <dgm:sp3d/>
+    <dgm:txPr/>
+    <dgm:style>
+      <a:lnRef idx="2">
+        <a:scrgbClr r="0" g="0" b="0"/>
+      </a:lnRef>
+      <a:fillRef idx="1">
+        <a:scrgbClr r="0" g="0" b="0"/>
+      </a:fillRef>
+      <a:effectRef idx="0">
+        <a:scrgbClr r="0" g="0" b="0"/>
+      </a:effectRef>
+      <a:fontRef idx="minor">
+        <a:schemeClr val="tx1"/>
+      </a:fontRef>
+    </dgm:style>
+  </dgm:styleLbl>
+  <dgm:styleLbl name="alignNode1">
+    <dgm:scene3d>
+      <a:camera prst="orthographicFront"/>
+      <a:lightRig rig="threePt" dir="t"/>
+    </dgm:scene3d>
+    <dgm:sp3d/>
+    <dgm:txPr/>
+    <dgm:style>
+      <a:lnRef idx="2">
+        <a:scrgbClr r="0" g="0" b="0"/>
+      </a:lnRef>
+      <a:fillRef idx="1">
+        <a:scrgbClr r="0" g="0" b="0"/>
+      </a:fillRef>
+      <a:effectRef idx="0">
+        <a:scrgbClr r="0" g="0" b="0"/>
+      </a:effectRef>
+      <a:fontRef idx="minor">
+        <a:schemeClr val="lt1"/>
+      </a:fontRef>
+    </dgm:style>
+  </dgm:styleLbl>
+  <dgm:styleLbl name="node1">
+    <dgm:scene3d>
+      <a:camera prst="orthographicFront"/>
+      <a:lightRig rig="threePt" dir="t"/>
+    </dgm:scene3d>
+    <dgm:sp3d/>
+    <dgm:txPr/>
+    <dgm:style>
+      <a:lnRef idx="2">
+        <a:scrgbClr r="0" g="0" b="0"/>
+      </a:lnRef>
+      <a:fillRef idx="1">
+        <a:scrgbClr r="0" g="0" b="0"/>
+      </a:fillRef>
+      <a:effectRef idx="0">
+        <a:scrgbClr r="0" g="0" b="0"/>
+      </a:effectRef>
+      <a:fontRef idx="minor">
+        <a:schemeClr val="lt1"/>
+      </a:fontRef>
+    </dgm:style>
+  </dgm:styleLbl>
+  <dgm:styleLbl name="node2">
+    <dgm:scene3d>
+      <a:camera prst="orthographicFront"/>
+      <a:lightRig rig="threePt" dir="t"/>
+    </dgm:scene3d>
+    <dgm:sp3d/>
+    <dgm:txPr/>
+    <dgm:style>
+      <a:lnRef idx="2">
+        <a:scrgbClr r="0" g="0" b="0"/>
+      </a:lnRef>
+      <a:fillRef idx="1">
+        <a:scrgbClr r="0" g="0" b="0"/>
+      </a:fillRef>
+      <a:effectRef idx="0">
+        <a:scrgbClr r="0" g="0" b="0"/>
+      </a:effectRef>
+      <a:fontRef idx="minor">
+        <a:schemeClr val="lt1"/>
+      </a:fontRef>
+    </dgm:style>
+  </dgm:styleLbl>
+  <dgm:styleLbl name="node3">
+    <dgm:scene3d>
+      <a:camera prst="orthographicFront"/>
+      <a:lightRig rig="threePt" dir="t"/>
+    </dgm:scene3d>
+    <dgm:sp3d/>
+    <dgm:txPr/>
+    <dgm:style>
+      <a:lnRef idx="2">
+        <a:scrgbClr r="0" g="0" b="0"/>
+      </a:lnRef>
+      <a:fillRef idx="1">
+        <a:scrgbClr r="0" g="0" b="0"/>
+      </a:fillRef>
+      <a:effectRef idx="0">
+        <a:scrgbClr r="0" g="0" b="0"/>
+      </a:effectRef>
+      <a:fontRef idx="minor">
+        <a:schemeClr val="lt1"/>
+      </a:fontRef>
+    </dgm:style>
+  </dgm:styleLbl>
+  <dgm:styleLbl name="node4">
+    <dgm:scene3d>
+      <a:camera prst="orthographicFront"/>
+      <a:lightRig rig="threePt" dir="t"/>
+    </dgm:scene3d>
+    <dgm:sp3d/>
+    <dgm:txPr/>
+    <dgm:style>
+      <a:lnRef idx="2">
+        <a:scrgbClr r="0" g="0" b="0"/>
+      </a:lnRef>
+      <a:fillRef idx="1">
+        <a:scrgbClr r="0" g="0" b="0"/>
+      </a:fillRef>
+      <a:effectRef idx="0">
+        <a:scrgbClr r="0" g="0" b="0"/>
+      </a:effectRef>
+      <a:fontRef idx="minor">
+        <a:schemeClr val="lt1"/>
+      </a:fontRef>
+    </dgm:style>
+  </dgm:styleLbl>
+  <dgm:styleLbl name="fgImgPlace1">
+    <dgm:scene3d>
+      <a:camera prst="orthographicFront"/>
+      <a:lightRig rig="threePt" dir="t"/>
+    </dgm:scene3d>
+    <dgm:sp3d/>
+    <dgm:txPr/>
+    <dgm:style>
+      <a:lnRef idx="2">
+        <a:scrgbClr r="0" g="0" b="0"/>
+      </a:lnRef>
+      <a:fillRef idx="1">
+        <a:scrgbClr r="0" g="0" b="0"/>
+      </a:fillRef>
+      <a:effectRef idx="0">
+        <a:scrgbClr r="0" g="0" b="0"/>
+      </a:effectRef>
+      <a:fontRef idx="minor"/>
+    </dgm:style>
+  </dgm:styleLbl>
+  <dgm:styleLbl name="alignImgPlace1">
+    <dgm:scene3d>
+      <a:camera prst="orthographicFront"/>
+      <a:lightRig rig="threePt" dir="t"/>
+    </dgm:scene3d>
+    <dgm:sp3d/>
+    <dgm:txPr/>
+    <dgm:style>
+      <a:lnRef idx="2">
+        <a:scrgbClr r="0" g="0" b="0"/>
+      </a:lnRef>
+      <a:fillRef idx="1">
+        <a:scrgbClr r="0" g="0" b="0"/>
+      </a:fillRef>
+      <a:effectRef idx="0">
+        <a:scrgbClr r="0" g="0" b="0"/>
+      </a:effectRef>
+      <a:fontRef idx="minor"/>
+    </dgm:style>
+  </dgm:styleLbl>
+  <dgm:styleLbl name="bgImgPlace1">
+    <dgm:scene3d>
+      <a:camera prst="orthographicFront"/>
+      <a:lightRig rig="threePt" dir="t"/>
+    </dgm:scene3d>
+    <dgm:sp3d/>
+    <dgm:txPr/>
+    <dgm:style>
+      <a:lnRef idx="2">
+        <a:scrgbClr r="0" g="0" b="0"/>
+      </a:lnRef>
+      <a:fillRef idx="1">
+        <a:scrgbClr r="0" g="0" b="0"/>
+      </a:fillRef>
+      <a:effectRef idx="0">
+        <a:scrgbClr r="0" g="0" b="0"/>
+      </a:effectRef>
+      <a:fontRef idx="minor"/>
+    </dgm:style>
+  </dgm:styleLbl>
+  <dgm:styleLbl name="sibTrans2D1">
+    <dgm:scene3d>
+      <a:camera prst="orthographicFront"/>
+      <a:lightRig rig="threePt" dir="t"/>
+    </dgm:scene3d>
+    <dgm:sp3d/>
+    <dgm:txPr/>
+    <dgm:style>
+      <a:lnRef idx="0">
+        <a:scrgbClr r="0" g="0" b="0"/>
+      </a:lnRef>
+      <a:fillRef idx="1">
+        <a:scrgbClr r="0" g="0" b="0"/>
+      </a:fillRef>
+      <a:effectRef idx="0">
+        <a:scrgbClr r="0" g="0" b="0"/>
+      </a:effectRef>
+      <a:fontRef idx="minor">
+        <a:schemeClr val="lt1"/>
+      </a:fontRef>
+    </dgm:style>
+  </dgm:styleLbl>
+  <dgm:styleLbl name="fgSibTrans2D1">
+    <dgm:scene3d>
+      <a:camera prst="orthographicFront"/>
+      <a:lightRig rig="threePt" dir="t"/>
+    </dgm:scene3d>
+    <dgm:sp3d/>
+    <dgm:txPr/>
+    <dgm:style>
+      <a:lnRef idx="0">
+        <a:scrgbClr r="0" g="0" b="0"/>
+      </a:lnRef>
+      <a:fillRef idx="1">
+        <a:scrgbClr r="0" g="0" b="0"/>
+      </a:fillRef>
+      <a:effectRef idx="0">
+        <a:scrgbClr r="0" g="0" b="0"/>
+      </a:effectRef>
+      <a:fontRef idx="minor">
+        <a:schemeClr val="lt1"/>
+      </a:fontRef>
+    </dgm:style>
+  </dgm:styleLbl>
+  <dgm:styleLbl name="bgSibTrans2D1">
+    <dgm:scene3d>
+      <a:camera prst="orthographicFront"/>
+      <a:lightRig rig="threePt" dir="t"/>
+    </dgm:scene3d>
+    <dgm:sp3d/>
+    <dgm:txPr/>
+    <dgm:style>
+      <a:lnRef idx="0">
+        <a:scrgbClr r="0" g="0" b="0"/>
+      </a:lnRef>
+      <a:fillRef idx="1">
+        <a:scrgbClr r="0" g="0" b="0"/>
+      </a:fillRef>
+      <a:effectRef idx="0">
+        <a:scrgbClr r="0" g="0" b="0"/>
+      </a:effectRef>
+      <a:fontRef idx="minor">
+        <a:schemeClr val="lt1"/>
+      </a:fontRef>
+    </dgm:style>
+  </dgm:styleLbl>
+  <dgm:styleLbl name="sibTrans1D1">
+    <dgm:scene3d>
+      <a:camera prst="orthographicFront"/>
+      <a:lightRig rig="threePt" dir="t"/>
+    </dgm:scene3d>
+    <dgm:sp3d/>
+    <dgm:txPr/>
+    <dgm:style>
+      <a:lnRef idx="1">
+        <a:scrgbClr r="0" g="0" b="0"/>
+      </a:lnRef>
+      <a:fillRef idx="0">
+        <a:scrgbClr r="0" g="0" b="0"/>
+      </a:fillRef>
+      <a:effectRef idx="0">
+        <a:scrgbClr r="0" g="0" b="0"/>
+      </a:effectRef>
+      <a:fontRef idx="minor"/>
+    </dgm:style>
+  </dgm:styleLbl>
+  <dgm:styleLbl name="callout">
+    <dgm:scene3d>
+      <a:camera prst="orthographicFront"/>
+      <a:lightRig rig="threePt" dir="t"/>
+    </dgm:scene3d>
+    <dgm:sp3d/>
+    <dgm:txPr/>
+    <dgm:style>
+      <a:lnRef idx="2">
+        <a:scrgbClr r="0" g="0" b="0"/>
+      </a:lnRef>
+      <a:fillRef idx="1">
+        <a:scrgbClr r="0" g="0" b="0"/>
+      </a:fillRef>
+      <a:effectRef idx="0">
+        <a:scrgbClr r="0" g="0" b="0"/>
+      </a:effectRef>
+      <a:fontRef idx="minor"/>
+    </dgm:style>
+  </dgm:styleLbl>
+  <dgm:styleLbl name="asst0">
+    <dgm:scene3d>
+      <a:camera prst="orthographicFront"/>
+      <a:lightRig rig="threePt" dir="t"/>
+    </dgm:scene3d>
+    <dgm:sp3d/>
+    <dgm:txPr/>
+    <dgm:style>
+      <a:lnRef idx="2">
+        <a:scrgbClr r="0" g="0" b="0"/>
+      </a:lnRef>
+      <a:fillRef idx="1">
+        <a:scrgbClr r="0" g="0" b="0"/>
+      </a:fillRef>
+      <a:effectRef idx="0">
+        <a:scrgbClr r="0" g="0" b="0"/>
+      </a:effectRef>
+      <a:fontRef idx="minor">
+        <a:schemeClr val="lt1"/>
+      </a:fontRef>
+    </dgm:style>
+  </dgm:styleLbl>
+  <dgm:styleLbl name="asst1">
+    <dgm:scene3d>
+      <a:camera prst="orthographicFront"/>
+      <a:lightRig rig="threePt" dir="t"/>
+    </dgm:scene3d>
+    <dgm:sp3d/>
+    <dgm:txPr/>
+    <dgm:style>
+      <a:lnRef idx="2">
+        <a:scrgbClr r="0" g="0" b="0"/>
+      </a:lnRef>
+      <a:fillRef idx="1">
+        <a:scrgbClr r="0" g="0" b="0"/>
+      </a:fillRef>
+      <a:effectRef idx="0">
+        <a:scrgbClr r="0" g="0" b="0"/>
+      </a:effectRef>
+      <a:fontRef idx="minor">
+        <a:schemeClr val="lt1"/>
+      </a:fontRef>
+    </dgm:style>
+  </dgm:styleLbl>
+  <dgm:styleLbl name="asst2">
+    <dgm:scene3d>
+      <a:camera prst="orthographicFront"/>
+      <a:lightRig rig="threePt" dir="t"/>
+    </dgm:scene3d>
+    <dgm:sp3d/>
+    <dgm:txPr/>
+    <dgm:style>
+      <a:lnRef idx="2">
+        <a:scrgbClr r="0" g="0" b="0"/>
+      </a:lnRef>
+      <a:fillRef idx="1">
+        <a:scrgbClr r="0" g="0" b="0"/>
+      </a:fillRef>
+      <a:effectRef idx="0">
+        <a:scrgbClr r="0" g="0" b="0"/>
+      </a:effectRef>
+      <a:fontRef idx="minor">
+        <a:schemeClr val="lt1"/>
+      </a:fontRef>
+    </dgm:style>
+  </dgm:styleLbl>
+  <dgm:styleLbl name="asst3">
+    <dgm:scene3d>
+      <a:camera prst="orthographicFront"/>
+      <a:lightRig rig="threePt" dir="t"/>
+    </dgm:scene3d>
+    <dgm:sp3d/>
+    <dgm:txPr/>
+    <dgm:style>
+      <a:lnRef idx="2">
+        <a:scrgbClr r="0" g="0" b="0"/>
+      </a:lnRef>
+      <a:fillRef idx="1">
+        <a:scrgbClr r="0" g="0" b="0"/>
+      </a:fillRef>
+      <a:effectRef idx="0">
+        <a:scrgbClr r="0" g="0" b="0"/>
+      </a:effectRef>
+      <a:fontRef idx="minor">
+        <a:schemeClr val="lt1"/>
+      </a:fontRef>
+    </dgm:style>
+  </dgm:styleLbl>
+  <dgm:styleLbl name="asst4">
+    <dgm:scene3d>
+      <a:camera prst="orthographicFront"/>
+      <a:lightRig rig="threePt" dir="t"/>
+    </dgm:scene3d>
+    <dgm:sp3d/>
+    <dgm:txPr/>
+    <dgm:style>
+      <a:lnRef idx="2">
+        <a:scrgbClr r="0" g="0" b="0"/>
+      </a:lnRef>
+      <a:fillRef idx="1">
+        <a:scrgbClr r="0" g="0" b="0"/>
+      </a:fillRef>
+      <a:effectRef idx="0">
+        <a:scrgbClr r="0" g="0" b="0"/>
+      </a:effectRef>
+      <a:fontRef idx="minor">
+        <a:schemeClr val="lt1"/>
+      </a:fontRef>
+    </dgm:style>
+  </dgm:styleLbl>
+  <dgm:styleLbl name="parChTrans2D1">
+    <dgm:scene3d>
+      <a:camera prst="orthographicFront"/>
+      <a:lightRig rig="threePt" dir="t"/>
+    </dgm:scene3d>
+    <dgm:sp3d/>
+    <dgm:txPr/>
+    <dgm:style>
+      <a:lnRef idx="2">
+        <a:scrgbClr r="0" g="0" b="0"/>
+      </a:lnRef>
+      <a:fillRef idx="1">
+        <a:scrgbClr r="0" g="0" b="0"/>
+      </a:fillRef>
+      <a:effectRef idx="0">
+        <a:scrgbClr r="0" g="0" b="0"/>
+      </a:effectRef>
+      <a:fontRef idx="minor">
+        <a:schemeClr val="lt1"/>
+      </a:fontRef>
+    </dgm:style>
+  </dgm:styleLbl>
+  <dgm:styleLbl name="parChTrans2D2">
+    <dgm:scene3d>
+      <a:camera prst="orthographicFront"/>
+      <a:lightRig rig="threePt" dir="t"/>
+    </dgm:scene3d>
+    <dgm:sp3d/>
+    <dgm:txPr/>
+    <dgm:style>
+      <a:lnRef idx="2">
+        <a:scrgbClr r="0" g="0" b="0"/>
+      </a:lnRef>
+      <a:fillRef idx="1">
+        <a:scrgbClr r="0" g="0" b="0"/>
+      </a:fillRef>
+      <a:effectRef idx="0">
+        <a:scrgbClr r="0" g="0" b="0"/>
+      </a:effectRef>
+      <a:fontRef idx="minor">
+        <a:schemeClr val="lt1"/>
+      </a:fontRef>
+    </dgm:style>
+  </dgm:styleLbl>
+  <dgm:styleLbl name="parChTrans2D3">
+    <dgm:scene3d>
+      <a:camera prst="orthographicFront"/>
+      <a:lightRig rig="threePt" dir="t"/>
+    </dgm:scene3d>
+    <dgm:sp3d/>
+    <dgm:txPr/>
+    <dgm:style>
+      <a:lnRef idx="2">
+        <a:scrgbClr r="0" g="0" b="0"/>
+      </a:lnRef>
+      <a:fillRef idx="1">
+        <a:scrgbClr r="0" g="0" b="0"/>
+      </a:fillRef>
+      <a:effectRef idx="0">
+        <a:scrgbClr r="0" g="0" b="0"/>
+      </a:effectRef>
+      <a:fontRef idx="minor">
+        <a:schemeClr val="lt1"/>
+      </a:fontRef>
+    </dgm:style>
+  </dgm:styleLbl>
+  <dgm:styleLbl name="parChTrans2D4">
+    <dgm:scene3d>
+      <a:camera prst="orthographicFront"/>
+      <a:lightRig rig="threePt" dir="t"/>
+    </dgm:scene3d>
+    <dgm:sp3d/>
+    <dgm:txPr/>
+    <dgm:style>
+      <a:lnRef idx="2">
+        <a:scrgbClr r="0" g="0" b="0"/>
+      </a:lnRef>
+      <a:fillRef idx="1">
+        <a:scrgbClr r="0" g="0" b="0"/>
+      </a:fillRef>
+      <a:effectRef idx="0">
+        <a:scrgbClr r="0" g="0" b="0"/>
+      </a:effectRef>
+      <a:fontRef idx="minor">
+        <a:schemeClr val="lt1"/>
+      </a:fontRef>
+    </dgm:style>
+  </dgm:styleLbl>
+  <dgm:styleLbl name="parChTrans1D1">
+    <dgm:scene3d>
+      <a:camera prst="orthographicFront"/>
+      <a:lightRig rig="threePt" dir="t"/>
+    </dgm:scene3d>
+    <dgm:sp3d/>
+    <dgm:txPr/>
+    <dgm:style>
+      <a:lnRef idx="2">
+        <a:scrgbClr r="0" g="0" b="0"/>
+      </a:lnRef>
+      <a:fillRef idx="0">
+        <a:scrgbClr r="0" g="0" b="0"/>
+      </a:fillRef>
+      <a:effectRef idx="0">
+        <a:scrgbClr r="0" g="0" b="0"/>
+      </a:effectRef>
+      <a:fontRef idx="minor"/>
+    </dgm:style>
+  </dgm:styleLbl>
+  <dgm:styleLbl name="parChTrans1D2">
+    <dgm:scene3d>
+      <a:camera prst="orthographicFront"/>
+      <a:lightRig rig="threePt" dir="t"/>
+    </dgm:scene3d>
+    <dgm:sp3d/>
+    <dgm:txPr/>
+    <dgm:style>
+      <a:lnRef idx="2">
+        <a:scrgbClr r="0" g="0" b="0"/>
+      </a:lnRef>
+      <a:fillRef idx="0">
+        <a:scrgbClr r="0" g="0" b="0"/>
+      </a:fillRef>
+      <a:effectRef idx="0">
+        <a:scrgbClr r="0" g="0" b="0"/>
+      </a:effectRef>
+      <a:fontRef idx="minor"/>
+    </dgm:style>
+  </dgm:styleLbl>
+  <dgm:styleLbl name="parChTrans1D3">
+    <dgm:scene3d>
+      <a:camera prst="orthographicFront"/>
+      <a:lightRig rig="threePt" dir="t"/>
+    </dgm:scene3d>
+    <dgm:sp3d/>
+    <dgm:txPr/>
+    <dgm:style>
+      <a:lnRef idx="2">
+        <a:scrgbClr r="0" g="0" b="0"/>
+      </a:lnRef>
+      <a:fillRef idx="0">
+        <a:scrgbClr r="0" g="0" b="0"/>
+      </a:fillRef>
+      <a:effectRef idx="0">
+        <a:scrgbClr r="0" g="0" b="0"/>
+      </a:effectRef>
+      <a:fontRef idx="minor"/>
+    </dgm:style>
+  </dgm:styleLbl>
+  <dgm:styleLbl name="parChTrans1D4">
+    <dgm:scene3d>
+      <a:camera prst="orthographicFront"/>
+      <a:lightRig rig="threePt" dir="t"/>
+    </dgm:scene3d>
+    <dgm:sp3d/>
+    <dgm:txPr/>
+    <dgm:style>
+      <a:lnRef idx="2">
+        <a:scrgbClr r="0" g="0" b="0"/>
+      </a:lnRef>
+      <a:fillRef idx="0">
+        <a:scrgbClr r="0" g="0" b="0"/>
+      </a:fillRef>
+      <a:effectRef idx="0">
+        <a:scrgbClr r="0" g="0" b="0"/>
+      </a:effectRef>
+      <a:fontRef idx="minor"/>
+    </dgm:style>
+  </dgm:styleLbl>
+  <dgm:styleLbl name="fgAcc1">
+    <dgm:scene3d>
+      <a:camera prst="orthographicFront"/>
+      <a:lightRig rig="threePt" dir="t"/>
+    </dgm:scene3d>
+    <dgm:sp3d/>
+    <dgm:txPr/>
+    <dgm:style>
+      <a:lnRef idx="2">
+        <a:scrgbClr r="0" g="0" b="0"/>
+      </a:lnRef>
+      <a:fillRef idx="1">
+        <a:scrgbClr r="0" g="0" b="0"/>
+      </a:fillRef>
+      <a:effectRef idx="0">
+        <a:scrgbClr r="0" g="0" b="0"/>
+      </a:effectRef>
+      <a:fontRef idx="minor"/>
+    </dgm:style>
+  </dgm:styleLbl>
+  <dgm:styleLbl name="conFgAcc1">
+    <dgm:scene3d>
+      <a:camera prst="orthographicFront"/>
+      <a:lightRig rig="threePt" dir="t"/>
+    </dgm:scene3d>
+    <dgm:sp3d/>
+    <dgm:txPr/>
+    <dgm:style>
+      <a:lnRef idx="2">
+        <a:scrgbClr r="0" g="0" b="0"/>
+      </a:lnRef>
+      <a:fillRef idx="1">
+        <a:scrgbClr r="0" g="0" b="0"/>
+      </a:fillRef>
+      <a:effectRef idx="0">
+        <a:scrgbClr r="0" g="0" b="0"/>
+      </a:effectRef>
+      <a:fontRef idx="minor"/>
+    </dgm:style>
+  </dgm:styleLbl>
+  <dgm:styleLbl name="alignAcc1">
+    <dgm:scene3d>
+      <a:camera prst="orthographicFront"/>
+      <a:lightRig rig="threePt" dir="t"/>
+    </dgm:scene3d>
+    <dgm:sp3d/>
+    <dgm:txPr/>
+    <dgm:style>
+      <a:lnRef idx="2">
+        <a:scrgbClr r="0" g="0" b="0"/>
+      </a:lnRef>
+      <a:fillRef idx="1">
+        <a:scrgbClr r="0" g="0" b="0"/>
+      </a:fillRef>
+      <a:effectRef idx="0">
+        <a:scrgbClr r="0" g="0" b="0"/>
+      </a:effectRef>
+      <a:fontRef idx="minor"/>
+    </dgm:style>
+  </dgm:styleLbl>
+  <dgm:styleLbl name="trAlignAcc1">
+    <dgm:scene3d>
+      <a:camera prst="orthographicFront"/>
+      <a:lightRig rig="threePt" dir="t"/>
+    </dgm:scene3d>
+    <dgm:sp3d/>
+    <dgm:txPr/>
+    <dgm:style>
+      <a:lnRef idx="1">
+        <a:scrgbClr r="0" g="0" b="0"/>
+      </a:lnRef>
+      <a:fillRef idx="1">
+        <a:scrgbClr r="0" g="0" b="0"/>
+      </a:fillRef>
+      <a:effectRef idx="0">
+        <a:scrgbClr r="0" g="0" b="0"/>
+      </a:effectRef>
+      <a:fontRef idx="minor"/>
+    </dgm:style>
+  </dgm:styleLbl>
+  <dgm:styleLbl name="bgAcc1">
+    <dgm:scene3d>
+      <a:camera prst="orthographicFront"/>
+      <a:lightRig rig="threePt" dir="t"/>
+    </dgm:scene3d>
+    <dgm:sp3d/>
+    <dgm:txPr/>
+    <dgm:style>
+      <a:lnRef idx="2">
+        <a:scrgbClr r="0" g="0" b="0"/>
+      </a:lnRef>
+      <a:fillRef idx="1">
+        <a:scrgbClr r="0" g="0" b="0"/>
+      </a:fillRef>
+      <a:effectRef idx="0">
+        <a:scrgbClr r="0" g="0" b="0"/>
+      </a:effectRef>
+      <a:fontRef idx="minor"/>
+    </dgm:style>
+  </dgm:styleLbl>
+  <dgm:styleLbl name="solidFgAcc1">
+    <dgm:scene3d>
+      <a:camera prst="orthographicFront"/>
+      <a:lightRig rig="threePt" dir="t"/>
+    </dgm:scene3d>
+    <dgm:sp3d/>
+    <dgm:txPr/>
+    <dgm:style>
+      <a:lnRef idx="2">
+        <a:scrgbClr r="0" g="0" b="0"/>
+      </a:lnRef>
+      <a:fillRef idx="1">
+        <a:scrgbClr r="0" g="0" b="0"/>
+      </a:fillRef>
+      <a:effectRef idx="0">
+        <a:scrgbClr r="0" g="0" b="0"/>
+      </a:effectRef>
+      <a:fontRef idx="minor"/>
+    </dgm:style>
+  </dgm:styleLbl>
+  <dgm:styleLbl name="solidAlignAcc1">
+    <dgm:scene3d>
+      <a:camera prst="orthographicFront"/>
+      <a:lightRig rig="threePt" dir="t"/>
+    </dgm:scene3d>
+    <dgm:sp3d/>
+    <dgm:txPr/>
+    <dgm:style>
+      <a:lnRef idx="2">
+        <a:scrgbClr r="0" g="0" b="0"/>
+      </a:lnRef>
+      <a:fillRef idx="1">
+        <a:scrgbClr r="0" g="0" b="0"/>
+      </a:fillRef>
+      <a:effectRef idx="0">
+        <a:scrgbClr r="0" g="0" b="0"/>
+      </a:effectRef>
+      <a:fontRef idx="minor"/>
+    </dgm:style>
+  </dgm:styleLbl>
+  <dgm:styleLbl name="solidBgAcc1">
+    <dgm:scene3d>
+      <a:camera prst="orthographicFront"/>
+      <a:lightRig rig="threePt" dir="t"/>
+    </dgm:scene3d>
+    <dgm:sp3d/>
+    <dgm:txPr/>
+    <dgm:style>
+      <a:lnRef idx="2">
+        <a:scrgbClr r="0" g="0" b="0"/>
+      </a:lnRef>
+      <a:fillRef idx="1">
+        <a:scrgbClr r="0" g="0" b="0"/>
+      </a:fillRef>
+      <a:effectRef idx="0">
+        <a:scrgbClr r="0" g="0" b="0"/>
+      </a:effectRef>
+      <a:fontRef idx="minor"/>
+    </dgm:style>
+  </dgm:styleLbl>
+  <dgm:styleLbl name="fgAccFollowNode1">
+    <dgm:scene3d>
+      <a:camera prst="orthographicFront"/>
+      <a:lightRig rig="threePt" dir="t"/>
+    </dgm:scene3d>
+    <dgm:sp3d/>
+    <dgm:txPr/>
+    <dgm:style>
+      <a:lnRef idx="2">
+        <a:scrgbClr r="0" g="0" b="0"/>
+      </a:lnRef>
+      <a:fillRef idx="1">
+        <a:scrgbClr r="0" g="0" b="0"/>
+      </a:fillRef>
+      <a:effectRef idx="0">
+        <a:scrgbClr r="0" g="0" b="0"/>
+      </a:effectRef>
+      <a:fontRef idx="minor"/>
+    </dgm:style>
+  </dgm:styleLbl>
+  <dgm:styleLbl name="alignAccFollowNode1">
+    <dgm:scene3d>
+      <a:camera prst="orthographicFront"/>
+      <a:lightRig rig="threePt" dir="t"/>
+    </dgm:scene3d>
+    <dgm:sp3d/>
+    <dgm:txPr/>
+    <dgm:style>
+      <a:lnRef idx="2">
+        <a:scrgbClr r="0" g="0" b="0"/>
+      </a:lnRef>
+      <a:fillRef idx="1">
+        <a:scrgbClr r="0" g="0" b="0"/>
+      </a:fillRef>
+      <a:effectRef idx="0">
+        <a:scrgbClr r="0" g="0" b="0"/>
+      </a:effectRef>
+      <a:fontRef idx="minor"/>
+    </dgm:style>
+  </dgm:styleLbl>
+  <dgm:styleLbl name="bgAccFollowNode1">
+    <dgm:scene3d>
+      <a:camera prst="orthographicFront"/>
+      <a:lightRig rig="threePt" dir="t"/>
+    </dgm:scene3d>
+    <dgm:sp3d/>
+    <dgm:txPr/>
+    <dgm:style>
+      <a:lnRef idx="2">
+        <a:scrgbClr r="0" g="0" b="0"/>
+      </a:lnRef>
+      <a:fillRef idx="1">
+        <a:scrgbClr r="0" g="0" b="0"/>
+      </a:fillRef>
+      <a:effectRef idx="0">
+        <a:scrgbClr r="0" g="0" b="0"/>
+      </a:effectRef>
+      <a:fontRef idx="minor"/>
+    </dgm:style>
+  </dgm:styleLbl>
+  <dgm:styleLbl name="fgAcc0">
+    <dgm:scene3d>
+      <a:camera prst="orthographicFront"/>
+      <a:lightRig rig="threePt" dir="t"/>
+    </dgm:scene3d>
+    <dgm:sp3d/>
+    <dgm:txPr/>
+    <dgm:style>
+      <a:lnRef idx="2">
+        <a:scrgbClr r="0" g="0" b="0"/>
+      </a:lnRef>
+      <a:fillRef idx="1">
+        <a:scrgbClr r="0" g="0" b="0"/>
+      </a:fillRef>
+      <a:effectRef idx="0">
+        <a:scrgbClr r="0" g="0" b="0"/>
+      </a:effectRef>
+      <a:fontRef idx="minor"/>
+    </dgm:style>
+  </dgm:styleLbl>
+  <dgm:styleLbl name="fgAcc2">
+    <dgm:scene3d>
+      <a:camera prst="orthographicFront"/>
+      <a:lightRig rig="threePt" dir="t"/>
+    </dgm:scene3d>
+    <dgm:sp3d/>
+    <dgm:txPr/>
+    <dgm:style>
+      <a:lnRef idx="2">
+        <a:scrgbClr r="0" g="0" b="0"/>
+      </a:lnRef>
+      <a:fillRef idx="1">
+        <a:scrgbClr r="0" g="0" b="0"/>
+      </a:fillRef>
+      <a:effectRef idx="0">
+        <a:scrgbClr r="0" g="0" b="0"/>
+      </a:effectRef>
+      <a:fontRef idx="minor"/>
+    </dgm:style>
+  </dgm:styleLbl>
+  <dgm:styleLbl name="fgAcc3">
+    <dgm:scene3d>
+      <a:camera prst="orthographicFront"/>
+      <a:lightRig rig="threePt" dir="t"/>
+    </dgm:scene3d>
+    <dgm:sp3d/>
+    <dgm:txPr/>
+    <dgm:style>
+      <a:lnRef idx="2">
+        <a:scrgbClr r="0" g="0" b="0"/>
+      </a:lnRef>
+      <a:fillRef idx="1">
+        <a:scrgbClr r="0" g="0" b="0"/>
+      </a:fillRef>
+      <a:effectRef idx="0">
+        <a:scrgbClr r="0" g="0" b="0"/>
+      </a:effectRef>
+      <a:fontRef idx="minor"/>
+    </dgm:style>
+  </dgm:styleLbl>
+  <dgm:styleLbl name="fgAcc4">
+    <dgm:scene3d>
+      <a:camera prst="orthographicFront"/>
+      <a:lightRig rig="threePt" dir="t"/>
+    </dgm:scene3d>
+    <dgm:sp3d/>
+    <dgm:txPr/>
+    <dgm:style>
+      <a:lnRef idx="2">
+        <a:scrgbClr r="0" g="0" b="0"/>
+      </a:lnRef>
+      <a:fillRef idx="1">
+        <a:scrgbClr r="0" g="0" b="0"/>
+      </a:fillRef>
+      <a:effectRef idx="0">
+        <a:scrgbClr r="0" g="0" b="0"/>
+      </a:effectRef>
+      <a:fontRef idx="minor"/>
+    </dgm:style>
+  </dgm:styleLbl>
+  <dgm:styleLbl name="bgShp">
+    <dgm:scene3d>
+      <a:camera prst="orthographicFront"/>
+      <a:lightRig rig="threePt" dir="t"/>
+    </dgm:scene3d>
+    <dgm:sp3d/>
+    <dgm:txPr/>
+    <dgm:style>
+      <a:lnRef idx="0">
+        <a:scrgbClr r="0" g="0" b="0"/>
+      </a:lnRef>
+      <a:fillRef idx="1">
+        <a:scrgbClr r="0" g="0" b="0"/>
+      </a:fillRef>
+      <a:effectRef idx="0">
+        <a:scrgbClr r="0" g="0" b="0"/>
+      </a:effectRef>
+      <a:fontRef idx="minor"/>
+    </dgm:style>
+  </dgm:styleLbl>
+  <dgm:styleLbl name="dkBgShp">
+    <dgm:scene3d>
+      <a:camera prst="orthographicFront"/>
+      <a:lightRig rig="threePt" dir="t"/>
+    </dgm:scene3d>
+    <dgm:sp3d/>
+    <dgm:txPr/>
+    <dgm:style>
+      <a:lnRef idx="0">
+        <a:scrgbClr r="0" g="0" b="0"/>
+      </a:lnRef>
+      <a:fillRef idx="1">
+        <a:scrgbClr r="0" g="0" b="0"/>
+      </a:fillRef>
+      <a:effectRef idx="0">
+        <a:scrgbClr r="0" g="0" b="0"/>
+      </a:effectRef>
+      <a:fontRef idx="minor"/>
+    </dgm:style>
+  </dgm:styleLbl>
+  <dgm:styleLbl name="trBgShp">
+    <dgm:scene3d>
+      <a:camera prst="orthographicFront"/>
+      <a:lightRig rig="threePt" dir="t"/>
+    </dgm:scene3d>
+    <dgm:sp3d/>
+    <dgm:txPr/>
+    <dgm:style>
+      <a:lnRef idx="0">
+        <a:scrgbClr r="0" g="0" b="0"/>
+      </a:lnRef>
+      <a:fillRef idx="1">
+        <a:scrgbClr r="0" g="0" b="0"/>
+      </a:fillRef>
+      <a:effectRef idx="0">
+        <a:scrgbClr r="0" g="0" b="0"/>
+      </a:effectRef>
+      <a:fontRef idx="minor"/>
+    </dgm:style>
+  </dgm:styleLbl>
+  <dgm:styleLbl name="fgShp">
+    <dgm:scene3d>
+      <a:camera prst="orthographicFront"/>
+      <a:lightRig rig="threePt" dir="t"/>
+    </dgm:scene3d>
+    <dgm:sp3d/>
+    <dgm:txPr/>
+    <dgm:style>
+      <a:lnRef idx="2">
+        <a:scrgbClr r="0" g="0" b="0"/>
+      </a:lnRef>
+      <a:fillRef idx="1">
+        <a:scrgbClr r="0" g="0" b="0"/>
+      </a:fillRef>
+      <a:effectRef idx="0">
+        <a:scrgbClr r="0" g="0" b="0"/>
+      </a:effectRef>
+      <a:fontRef idx="minor"/>
+    </dgm:style>
+  </dgm:styleLbl>
+  <dgm:styleLbl name="revTx">
+    <dgm:scene3d>
+      <a:camera prst="orthographicFront"/>
+      <a:lightRig rig="threePt" dir="t"/>
+    </dgm:scene3d>
+    <dgm:sp3d/>
+    <dgm:txPr/>
+    <dgm:style>
+      <a:lnRef idx="0">
+        <a:scrgbClr r="0" g="0" b="0"/>
+      </a:lnRef>
+      <a:fillRef idx="0">
+        <a:scrgbClr r="0" g="0" b="0"/>
+      </a:fillRef>
+      <a:effectRef idx="0">
+        <a:scrgbClr r="0" g="0" b="0"/>
+      </a:effectRef>
+      <a:fontRef idx="minor"/>
+    </dgm:style>
+  </dgm:styleLbl>
+</dgm:styleDef>
+</file>
+
+<file path=ppt/diagrams/quickStyle5.xml><?xml version="1.0" encoding="utf-8"?>
+<dgm:styleDef xmlns:dgm="http://schemas.openxmlformats.org/drawingml/2006/diagram" xmlns:a="http://schemas.openxmlformats.org/drawingml/2006/main" uniqueId="urn:microsoft.com/office/officeart/2005/8/quickstyle/simple1">
+  <dgm:title val=""/>
+  <dgm:desc val=""/>
+  <dgm:catLst>
+    <dgm:cat type="simple" pri="10100"/>
+  </dgm:catLst>
+  <dgm:scene3d>
+    <a:camera prst="orthographicFront"/>
+    <a:lightRig rig="threePt" dir="t"/>
+  </dgm:scene3d>
+  <dgm:styleLbl name="node0">
+    <dgm:scene3d>
+      <a:camera prst="orthographicFront"/>
+      <a:lightRig rig="threePt" dir="t"/>
+    </dgm:scene3d>
+    <dgm:sp3d/>
+    <dgm:txPr/>
+    <dgm:style>
+      <a:lnRef idx="2">
+        <a:scrgbClr r="0" g="0" b="0"/>
+      </a:lnRef>
+      <a:fillRef idx="1">
+        <a:scrgbClr r="0" g="0" b="0"/>
+      </a:fillRef>
+      <a:effectRef idx="0">
+        <a:scrgbClr r="0" g="0" b="0"/>
+      </a:effectRef>
+      <a:fontRef idx="minor">
+        <a:schemeClr val="lt1"/>
+      </a:fontRef>
+    </dgm:style>
+  </dgm:styleLbl>
+  <dgm:styleLbl name="lnNode1">
+    <dgm:scene3d>
+      <a:camera prst="orthographicFront"/>
+      <a:lightRig rig="threePt" dir="t"/>
+    </dgm:scene3d>
+    <dgm:sp3d/>
+    <dgm:txPr/>
+    <dgm:style>
+      <a:lnRef idx="2">
+        <a:scrgbClr r="0" g="0" b="0"/>
+      </a:lnRef>
+      <a:fillRef idx="1">
+        <a:scrgbClr r="0" g="0" b="0"/>
+      </a:fillRef>
+      <a:effectRef idx="0">
+        <a:scrgbClr r="0" g="0" b="0"/>
+      </a:effectRef>
+      <a:fontRef idx="minor">
+        <a:schemeClr val="lt1"/>
+      </a:fontRef>
+    </dgm:style>
+  </dgm:styleLbl>
+  <dgm:styleLbl name="vennNode1">
+    <dgm:scene3d>
+      <a:camera prst="orthographicFront"/>
+      <a:lightRig rig="threePt" dir="t"/>
+    </dgm:scene3d>
+    <dgm:sp3d/>
+    <dgm:txPr/>
+    <dgm:style>
+      <a:lnRef idx="2">
+        <a:scrgbClr r="0" g="0" b="0"/>
+      </a:lnRef>
+      <a:fillRef idx="1">
+        <a:scrgbClr r="0" g="0" b="0"/>
+      </a:fillRef>
+      <a:effectRef idx="0">
+        <a:scrgbClr r="0" g="0" b="0"/>
+      </a:effectRef>
+      <a:fontRef idx="minor">
+        <a:schemeClr val="tx1"/>
+      </a:fontRef>
+    </dgm:style>
+  </dgm:styleLbl>
+  <dgm:styleLbl name="alignNode1">
+    <dgm:scene3d>
+      <a:camera prst="orthographicFront"/>
+      <a:lightRig rig="threePt" dir="t"/>
+    </dgm:scene3d>
+    <dgm:sp3d/>
+    <dgm:txPr/>
+    <dgm:style>
+      <a:lnRef idx="2">
+        <a:scrgbClr r="0" g="0" b="0"/>
+      </a:lnRef>
+      <a:fillRef idx="1">
+        <a:scrgbClr r="0" g="0" b="0"/>
+      </a:fillRef>
+      <a:effectRef idx="0">
+        <a:scrgbClr r="0" g="0" b="0"/>
+      </a:effectRef>
+      <a:fontRef idx="minor">
+        <a:schemeClr val="lt1"/>
+      </a:fontRef>
+    </dgm:style>
+  </dgm:styleLbl>
+  <dgm:styleLbl name="node1">
+    <dgm:scene3d>
+      <a:camera prst="orthographicFront"/>
+      <a:lightRig rig="threePt" dir="t"/>
+    </dgm:scene3d>
+    <dgm:sp3d/>
+    <dgm:txPr/>
+    <dgm:style>
+      <a:lnRef idx="2">
+        <a:scrgbClr r="0" g="0" b="0"/>
+      </a:lnRef>
+      <a:fillRef idx="1">
+        <a:scrgbClr r="0" g="0" b="0"/>
+      </a:fillRef>
+      <a:effectRef idx="0">
+        <a:scrgbClr r="0" g="0" b="0"/>
+      </a:effectRef>
+      <a:fontRef idx="minor">
+        <a:schemeClr val="lt1"/>
+      </a:fontRef>
+    </dgm:style>
+  </dgm:styleLbl>
+  <dgm:styleLbl name="node2">
+    <dgm:scene3d>
+      <a:camera prst="orthographicFront"/>
+      <a:lightRig rig="threePt" dir="t"/>
+    </dgm:scene3d>
+    <dgm:sp3d/>
+    <dgm:txPr/>
+    <dgm:style>
+      <a:lnRef idx="2">
+        <a:scrgbClr r="0" g="0" b="0"/>
+      </a:lnRef>
+      <a:fillRef idx="1">
+        <a:scrgbClr r="0" g="0" b="0"/>
+      </a:fillRef>
+      <a:effectRef idx="0">
+        <a:scrgbClr r="0" g="0" b="0"/>
+      </a:effectRef>
+      <a:fontRef idx="minor">
+        <a:schemeClr val="lt1"/>
+      </a:fontRef>
+    </dgm:style>
+  </dgm:styleLbl>
+  <dgm:styleLbl name="node3">
+    <dgm:scene3d>
+      <a:camera prst="orthographicFront"/>
+      <a:lightRig rig="threePt" dir="t"/>
+    </dgm:scene3d>
+    <dgm:sp3d/>
+    <dgm:txPr/>
+    <dgm:style>
+      <a:lnRef idx="2">
+        <a:scrgbClr r="0" g="0" b="0"/>
+      </a:lnRef>
+      <a:fillRef idx="1">
+        <a:scrgbClr r="0" g="0" b="0"/>
+      </a:fillRef>
+      <a:effectRef idx="0">
+        <a:scrgbClr r="0" g="0" b="0"/>
+      </a:effectRef>
+      <a:fontRef idx="minor">
+        <a:schemeClr val="lt1"/>
+      </a:fontRef>
+    </dgm:style>
+  </dgm:styleLbl>
+  <dgm:styleLbl name="node4">
+    <dgm:scene3d>
+      <a:camera prst="orthographicFront"/>
+      <a:lightRig rig="threePt" dir="t"/>
+    </dgm:scene3d>
+    <dgm:sp3d/>
+    <dgm:txPr/>
+    <dgm:style>
+      <a:lnRef idx="2">
+        <a:scrgbClr r="0" g="0" b="0"/>
+      </a:lnRef>
+      <a:fillRef idx="1">
+        <a:scrgbClr r="0" g="0" b="0"/>
+      </a:fillRef>
+      <a:effectRef idx="0">
+        <a:scrgbClr r="0" g="0" b="0"/>
+      </a:effectRef>
+      <a:fontRef idx="minor">
+        <a:schemeClr val="lt1"/>
+      </a:fontRef>
+    </dgm:style>
+  </dgm:styleLbl>
+  <dgm:styleLbl name="fgImgPlace1">
+    <dgm:scene3d>
+      <a:camera prst="orthographicFront"/>
+      <a:lightRig rig="threePt" dir="t"/>
+    </dgm:scene3d>
+    <dgm:sp3d/>
+    <dgm:txPr/>
+    <dgm:style>
+      <a:lnRef idx="2">
+        <a:scrgbClr r="0" g="0" b="0"/>
+      </a:lnRef>
+      <a:fillRef idx="1">
+        <a:scrgbClr r="0" g="0" b="0"/>
+      </a:fillRef>
+      <a:effectRef idx="0">
+        <a:scrgbClr r="0" g="0" b="0"/>
+      </a:effectRef>
+      <a:fontRef idx="minor"/>
+    </dgm:style>
+  </dgm:styleLbl>
+  <dgm:styleLbl name="alignImgPlace1">
+    <dgm:scene3d>
+      <a:camera prst="orthographicFront"/>
+      <a:lightRig rig="threePt" dir="t"/>
+    </dgm:scene3d>
+    <dgm:sp3d/>
+    <dgm:txPr/>
+    <dgm:style>
+      <a:lnRef idx="2">
+        <a:scrgbClr r="0" g="0" b="0"/>
+      </a:lnRef>
+      <a:fillRef idx="1">
+        <a:scrgbClr r="0" g="0" b="0"/>
+      </a:fillRef>
+      <a:effectRef idx="0">
+        <a:scrgbClr r="0" g="0" b="0"/>
+      </a:effectRef>
+      <a:fontRef idx="minor"/>
+    </dgm:style>
+  </dgm:styleLbl>
+  <dgm:styleLbl name="bgImgPlace1">
+    <dgm:scene3d>
+      <a:camera prst="orthographicFront"/>
+      <a:lightRig rig="threePt" dir="t"/>
+    </dgm:scene3d>
+    <dgm:sp3d/>
+    <dgm:txPr/>
+    <dgm:style>
+      <a:lnRef idx="2">
+        <a:scrgbClr r="0" g="0" b="0"/>
+      </a:lnRef>
+      <a:fillRef idx="1">
+        <a:scrgbClr r="0" g="0" b="0"/>
+      </a:fillRef>
+      <a:effectRef idx="0">
+        <a:scrgbClr r="0" g="0" b="0"/>
+      </a:effectRef>
+      <a:fontRef idx="minor"/>
+    </dgm:style>
+  </dgm:styleLbl>
+  <dgm:styleLbl name="sibTrans2D1">
+    <dgm:scene3d>
+      <a:camera prst="orthographicFront"/>
+      <a:lightRig rig="threePt" dir="t"/>
+    </dgm:scene3d>
+    <dgm:sp3d/>
+    <dgm:txPr/>
+    <dgm:style>
+      <a:lnRef idx="0">
+        <a:scrgbClr r="0" g="0" b="0"/>
+      </a:lnRef>
+      <a:fillRef idx="1">
+        <a:scrgbClr r="0" g="0" b="0"/>
+      </a:fillRef>
+      <a:effectRef idx="0">
+        <a:scrgbClr r="0" g="0" b="0"/>
+      </a:effectRef>
+      <a:fontRef idx="minor">
+        <a:schemeClr val="lt1"/>
+      </a:fontRef>
+    </dgm:style>
+  </dgm:styleLbl>
+  <dgm:styleLbl name="fgSibTrans2D1">
+    <dgm:scene3d>
+      <a:camera prst="orthographicFront"/>
+      <a:lightRig rig="threePt" dir="t"/>
+    </dgm:scene3d>
+    <dgm:sp3d/>
+    <dgm:txPr/>
+    <dgm:style>
+      <a:lnRef idx="0">
+        <a:scrgbClr r="0" g="0" b="0"/>
+      </a:lnRef>
+      <a:fillRef idx="1">
+        <a:scrgbClr r="0" g="0" b="0"/>
+      </a:fillRef>
+      <a:effectRef idx="0">
+        <a:scrgbClr r="0" g="0" b="0"/>
+      </a:effectRef>
+      <a:fontRef idx="minor">
+        <a:schemeClr val="lt1"/>
+      </a:fontRef>
+    </dgm:style>
+  </dgm:styleLbl>
+  <dgm:styleLbl name="bgSibTrans2D1">
+    <dgm:scene3d>
+      <a:camera prst="orthographicFront"/>
+      <a:lightRig rig="threePt" dir="t"/>
+    </dgm:scene3d>
+    <dgm:sp3d/>
+    <dgm:txPr/>
+    <dgm:style>
+      <a:lnRef idx="0">
+        <a:scrgbClr r="0" g="0" b="0"/>
+      </a:lnRef>
+      <a:fillRef idx="1">
+        <a:scrgbClr r="0" g="0" b="0"/>
+      </a:fillRef>
+      <a:effectRef idx="0">
+        <a:scrgbClr r="0" g="0" b="0"/>
+      </a:effectRef>
+      <a:fontRef idx="minor">
+        <a:schemeClr val="lt1"/>
+      </a:fontRef>
+    </dgm:style>
+  </dgm:styleLbl>
+  <dgm:styleLbl name="sibTrans1D1">
+    <dgm:scene3d>
+      <a:camera prst="orthographicFront"/>
+      <a:lightRig rig="threePt" dir="t"/>
+    </dgm:scene3d>
+    <dgm:sp3d/>
+    <dgm:txPr/>
+    <dgm:style>
+      <a:lnRef idx="1">
+        <a:scrgbClr r="0" g="0" b="0"/>
+      </a:lnRef>
+      <a:fillRef idx="0">
+        <a:scrgbClr r="0" g="0" b="0"/>
+      </a:fillRef>
+      <a:effectRef idx="0">
+        <a:scrgbClr r="0" g="0" b="0"/>
+      </a:effectRef>
+      <a:fontRef idx="minor"/>
+    </dgm:style>
+  </dgm:styleLbl>
+  <dgm:styleLbl name="callout">
+    <dgm:scene3d>
+      <a:camera prst="orthographicFront"/>
+      <a:lightRig rig="threePt" dir="t"/>
+    </dgm:scene3d>
+    <dgm:sp3d/>
+    <dgm:txPr/>
+    <dgm:style>
+      <a:lnRef idx="2">
+        <a:scrgbClr r="0" g="0" b="0"/>
+      </a:lnRef>
+      <a:fillRef idx="1">
+        <a:scrgbClr r="0" g="0" b="0"/>
+      </a:fillRef>
+      <a:effectRef idx="0">
+        <a:scrgbClr r="0" g="0" b="0"/>
+      </a:effectRef>
+      <a:fontRef idx="minor"/>
+    </dgm:style>
+  </dgm:styleLbl>
+  <dgm:styleLbl name="asst0">
+    <dgm:scene3d>
+      <a:camera prst="orthographicFront"/>
+      <a:lightRig rig="threePt" dir="t"/>
+    </dgm:scene3d>
+    <dgm:sp3d/>
+    <dgm:txPr/>
+    <dgm:style>
+      <a:lnRef idx="2">
+        <a:scrgbClr r="0" g="0" b="0"/>
+      </a:lnRef>
+      <a:fillRef idx="1">
+        <a:scrgbClr r="0" g="0" b="0"/>
+      </a:fillRef>
+      <a:effectRef idx="0">
+        <a:scrgbClr r="0" g="0" b="0"/>
+      </a:effectRef>
+      <a:fontRef idx="minor">
+        <a:schemeClr val="lt1"/>
+      </a:fontRef>
+    </dgm:style>
+  </dgm:styleLbl>
+  <dgm:styleLbl name="asst1">
+    <dgm:scene3d>
+      <a:camera prst="orthographicFront"/>
+      <a:lightRig rig="threePt" dir="t"/>
+    </dgm:scene3d>
+    <dgm:sp3d/>
+    <dgm:txPr/>
+    <dgm:style>
+      <a:lnRef idx="2">
+        <a:scrgbClr r="0" g="0" b="0"/>
+      </a:lnRef>
+      <a:fillRef idx="1">
+        <a:scrgbClr r="0" g="0" b="0"/>
+      </a:fillRef>
+      <a:effectRef idx="0">
+        <a:scrgbClr r="0" g="0" b="0"/>
+      </a:effectRef>
+      <a:fontRef idx="minor">
+        <a:schemeClr val="lt1"/>
+      </a:fontRef>
+    </dgm:style>
+  </dgm:styleLbl>
+  <dgm:styleLbl name="asst2">
+    <dgm:scene3d>
+      <a:camera prst="orthographicFront"/>
+      <a:lightRig rig="threePt" dir="t"/>
+    </dgm:scene3d>
+    <dgm:sp3d/>
+    <dgm:txPr/>
+    <dgm:style>
+      <a:lnRef idx="2">
+        <a:scrgbClr r="0" g="0" b="0"/>
+      </a:lnRef>
+      <a:fillRef idx="1">
+        <a:scrgbClr r="0" g="0" b="0"/>
+      </a:fillRef>
+      <a:effectRef idx="0">
+        <a:scrgbClr r="0" g="0" b="0"/>
+      </a:effectRef>
+      <a:fontRef idx="minor">
+        <a:schemeClr val="lt1"/>
+      </a:fontRef>
+    </dgm:style>
+  </dgm:styleLbl>
+  <dgm:styleLbl name="asst3">
+    <dgm:scene3d>
+      <a:camera prst="orthographicFront"/>
+      <a:lightRig rig="threePt" dir="t"/>
+    </dgm:scene3d>
+    <dgm:sp3d/>
+    <dgm:txPr/>
+    <dgm:style>
+      <a:lnRef idx="2">
+        <a:scrgbClr r="0" g="0" b="0"/>
+      </a:lnRef>
+      <a:fillRef idx="1">
+        <a:scrgbClr r="0" g="0" b="0"/>
+      </a:fillRef>
+      <a:effectRef idx="0">
+        <a:scrgbClr r="0" g="0" b="0"/>
+      </a:effectRef>
+      <a:fontRef idx="minor">
+        <a:schemeClr val="lt1"/>
+      </a:fontRef>
+    </dgm:style>
+  </dgm:styleLbl>
+  <dgm:styleLbl name="asst4">
+    <dgm:scene3d>
+      <a:camera prst="orthographicFront"/>
+      <a:lightRig rig="threePt" dir="t"/>
+    </dgm:scene3d>
+    <dgm:sp3d/>
+    <dgm:txPr/>
+    <dgm:style>
+      <a:lnRef idx="2">
+        <a:scrgbClr r="0" g="0" b="0"/>
+      </a:lnRef>
+      <a:fillRef idx="1">
+        <a:scrgbClr r="0" g="0" b="0"/>
+      </a:fillRef>
+      <a:effectRef idx="0">
+        <a:scrgbClr r="0" g="0" b="0"/>
+      </a:effectRef>
+      <a:fontRef idx="minor">
+        <a:schemeClr val="lt1"/>
+      </a:fontRef>
+    </dgm:style>
+  </dgm:styleLbl>
+  <dgm:styleLbl name="parChTrans2D1">
+    <dgm:scene3d>
+      <a:camera prst="orthographicFront"/>
+      <a:lightRig rig="threePt" dir="t"/>
+    </dgm:scene3d>
+    <dgm:sp3d/>
+    <dgm:txPr/>
+    <dgm:style>
+      <a:lnRef idx="2">
+        <a:scrgbClr r="0" g="0" b="0"/>
+      </a:lnRef>
+      <a:fillRef idx="1">
+        <a:scrgbClr r="0" g="0" b="0"/>
+      </a:fillRef>
+      <a:effectRef idx="0">
+        <a:scrgbClr r="0" g="0" b="0"/>
+      </a:effectRef>
+      <a:fontRef idx="minor">
+        <a:schemeClr val="lt1"/>
+      </a:fontRef>
+    </dgm:style>
+  </dgm:styleLbl>
+  <dgm:styleLbl name="parChTrans2D2">
+    <dgm:scene3d>
+      <a:camera prst="orthographicFront"/>
+      <a:lightRig rig="threePt" dir="t"/>
+    </dgm:scene3d>
+    <dgm:sp3d/>
+    <dgm:txPr/>
+    <dgm:style>
+      <a:lnRef idx="2">
+        <a:scrgbClr r="0" g="0" b="0"/>
+      </a:lnRef>
+      <a:fillRef idx="1">
+        <a:scrgbClr r="0" g="0" b="0"/>
+      </a:fillRef>
+      <a:effectRef idx="0">
+        <a:scrgbClr r="0" g="0" b="0"/>
+      </a:effectRef>
+      <a:fontRef idx="minor">
+        <a:schemeClr val="lt1"/>
+      </a:fontRef>
+    </dgm:style>
+  </dgm:styleLbl>
+  <dgm:styleLbl name="parChTrans2D3">
+    <dgm:scene3d>
+      <a:camera prst="orthographicFront"/>
+      <a:lightRig rig="threePt" dir="t"/>
+    </dgm:scene3d>
+    <dgm:sp3d/>
+    <dgm:txPr/>
+    <dgm:style>
+      <a:lnRef idx="2">
+        <a:scrgbClr r="0" g="0" b="0"/>
+      </a:lnRef>
+      <a:fillRef idx="1">
+        <a:scrgbClr r="0" g="0" b="0"/>
+      </a:fillRef>
+      <a:effectRef idx="0">
+        <a:scrgbClr r="0" g="0" b="0"/>
+      </a:effectRef>
+      <a:fontRef idx="minor">
+        <a:schemeClr val="lt1"/>
+      </a:fontRef>
+    </dgm:style>
+  </dgm:styleLbl>
+  <dgm:styleLbl name="parChTrans2D4">
+    <dgm:scene3d>
+      <a:camera prst="orthographicFront"/>
+      <a:lightRig rig="threePt" dir="t"/>
+    </dgm:scene3d>
+    <dgm:sp3d/>
+    <dgm:txPr/>
+    <dgm:style>
+      <a:lnRef idx="2">
+        <a:scrgbClr r="0" g="0" b="0"/>
+      </a:lnRef>
+      <a:fillRef idx="1">
+        <a:scrgbClr r="0" g="0" b="0"/>
+      </a:fillRef>
+      <a:effectRef idx="0">
+        <a:scrgbClr r="0" g="0" b="0"/>
+      </a:effectRef>
+      <a:fontRef idx="minor">
+        <a:schemeClr val="lt1"/>
+      </a:fontRef>
+    </dgm:style>
+  </dgm:styleLbl>
+  <dgm:styleLbl name="parChTrans1D1">
+    <dgm:scene3d>
+      <a:camera prst="orthographicFront"/>
+      <a:lightRig rig="threePt" dir="t"/>
+    </dgm:scene3d>
+    <dgm:sp3d/>
+    <dgm:txPr/>
+    <dgm:style>
+      <a:lnRef idx="2">
+        <a:scrgbClr r="0" g="0" b="0"/>
+      </a:lnRef>
+      <a:fillRef idx="0">
+        <a:scrgbClr r="0" g="0" b="0"/>
+      </a:fillRef>
+      <a:effectRef idx="0">
+        <a:scrgbClr r="0" g="0" b="0"/>
+      </a:effectRef>
+      <a:fontRef idx="minor"/>
+    </dgm:style>
+  </dgm:styleLbl>
+  <dgm:styleLbl name="parChTrans1D2">
+    <dgm:scene3d>
+      <a:camera prst="orthographicFront"/>
+      <a:lightRig rig="threePt" dir="t"/>
+    </dgm:scene3d>
+    <dgm:sp3d/>
+    <dgm:txPr/>
+    <dgm:style>
+      <a:lnRef idx="2">
+        <a:scrgbClr r="0" g="0" b="0"/>
+      </a:lnRef>
+      <a:fillRef idx="0">
+        <a:scrgbClr r="0" g="0" b="0"/>
+      </a:fillRef>
+      <a:effectRef idx="0">
+        <a:scrgbClr r="0" g="0" b="0"/>
+      </a:effectRef>
+      <a:fontRef idx="minor"/>
+    </dgm:style>
+  </dgm:styleLbl>
+  <dgm:styleLbl name="parChTrans1D3">
+    <dgm:scene3d>
+      <a:camera prst="orthographicFront"/>
+      <a:lightRig rig="threePt" dir="t"/>
+    </dgm:scene3d>
+    <dgm:sp3d/>
+    <dgm:txPr/>
+    <dgm:style>
+      <a:lnRef idx="2">
+        <a:scrgbClr r="0" g="0" b="0"/>
+      </a:lnRef>
+      <a:fillRef idx="0">
+        <a:scrgbClr r="0" g="0" b="0"/>
+      </a:fillRef>
+      <a:effectRef idx="0">
+        <a:scrgbClr r="0" g="0" b="0"/>
+      </a:effectRef>
+      <a:fontRef idx="minor"/>
+    </dgm:style>
+  </dgm:styleLbl>
+  <dgm:styleLbl name="parChTrans1D4">
+    <dgm:scene3d>
+      <a:camera prst="orthographicFront"/>
+      <a:lightRig rig="threePt" dir="t"/>
+    </dgm:scene3d>
+    <dgm:sp3d/>
+    <dgm:txPr/>
+    <dgm:style>
+      <a:lnRef idx="2">
+        <a:scrgbClr r="0" g="0" b="0"/>
+      </a:lnRef>
+      <a:fillRef idx="0">
+        <a:scrgbClr r="0" g="0" b="0"/>
+      </a:fillRef>
+      <a:effectRef idx="0">
+        <a:scrgbClr r="0" g="0" b="0"/>
+      </a:effectRef>
+      <a:fontRef idx="minor"/>
+    </dgm:style>
+  </dgm:styleLbl>
+  <dgm:styleLbl name="fgAcc1">
+    <dgm:scene3d>
+      <a:camera prst="orthographicFront"/>
+      <a:lightRig rig="threePt" dir="t"/>
+    </dgm:scene3d>
+    <dgm:sp3d/>
+    <dgm:txPr/>
+    <dgm:style>
+      <a:lnRef idx="2">
+        <a:scrgbClr r="0" g="0" b="0"/>
+      </a:lnRef>
+      <a:fillRef idx="1">
+        <a:scrgbClr r="0" g="0" b="0"/>
+      </a:fillRef>
+      <a:effectRef idx="0">
+        <a:scrgbClr r="0" g="0" b="0"/>
+      </a:effectRef>
+      <a:fontRef idx="minor"/>
+    </dgm:style>
+  </dgm:styleLbl>
+  <dgm:styleLbl name="conFgAcc1">
+    <dgm:scene3d>
+      <a:camera prst="orthographicFront"/>
+      <a:lightRig rig="threePt" dir="t"/>
+    </dgm:scene3d>
+    <dgm:sp3d/>
+    <dgm:txPr/>
+    <dgm:style>
+      <a:lnRef idx="2">
+        <a:scrgbClr r="0" g="0" b="0"/>
+      </a:lnRef>
+      <a:fillRef idx="1">
+        <a:scrgbClr r="0" g="0" b="0"/>
+      </a:fillRef>
+      <a:effectRef idx="0">
+        <a:scrgbClr r="0" g="0" b="0"/>
+      </a:effectRef>
+      <a:fontRef idx="minor"/>
+    </dgm:style>
+  </dgm:styleLbl>
+  <dgm:styleLbl name="alignAcc1">
+    <dgm:scene3d>
+      <a:camera prst="orthographicFront"/>
+      <a:lightRig rig="threePt" dir="t"/>
+    </dgm:scene3d>
+    <dgm:sp3d/>
+    <dgm:txPr/>
+    <dgm:style>
+      <a:lnRef idx="2">
+        <a:scrgbClr r="0" g="0" b="0"/>
+      </a:lnRef>
+      <a:fillRef idx="1">
+        <a:scrgbClr r="0" g="0" b="0"/>
+      </a:fillRef>
+      <a:effectRef idx="0">
+        <a:scrgbClr r="0" g="0" b="0"/>
+      </a:effectRef>
+      <a:fontRef idx="minor"/>
+    </dgm:style>
+  </dgm:styleLbl>
+  <dgm:styleLbl name="trAlignAcc1">
+    <dgm:scene3d>
+      <a:camera prst="orthographicFront"/>
+      <a:lightRig rig="threePt" dir="t"/>
+    </dgm:scene3d>
+    <dgm:sp3d/>
+    <dgm:txPr/>
+    <dgm:style>
+      <a:lnRef idx="1">
+        <a:scrgbClr r="0" g="0" b="0"/>
+      </a:lnRef>
+      <a:fillRef idx="1">
+        <a:scrgbClr r="0" g="0" b="0"/>
+      </a:fillRef>
+      <a:effectRef idx="0">
+        <a:scrgbClr r="0" g="0" b="0"/>
+      </a:effectRef>
+      <a:fontRef idx="minor"/>
+    </dgm:style>
+  </dgm:styleLbl>
+  <dgm:styleLbl name="bgAcc1">
+    <dgm:scene3d>
+      <a:camera prst="orthographicFront"/>
+      <a:lightRig rig="threePt" dir="t"/>
+    </dgm:scene3d>
+    <dgm:sp3d/>
+    <dgm:txPr/>
+    <dgm:style>
+      <a:lnRef idx="2">
+        <a:scrgbClr r="0" g="0" b="0"/>
+      </a:lnRef>
+      <a:fillRef idx="1">
+        <a:scrgbClr r="0" g="0" b="0"/>
+      </a:fillRef>
+      <a:effectRef idx="0">
+        <a:scrgbClr r="0" g="0" b="0"/>
+      </a:effectRef>
+      <a:fontRef idx="minor"/>
+    </dgm:style>
+  </dgm:styleLbl>
+  <dgm:styleLbl name="solidFgAcc1">
+    <dgm:scene3d>
+      <a:camera prst="orthographicFront"/>
+      <a:lightRig rig="threePt" dir="t"/>
+    </dgm:scene3d>
+    <dgm:sp3d/>
+    <dgm:txPr/>
+    <dgm:style>
+      <a:lnRef idx="2">
+        <a:scrgbClr r="0" g="0" b="0"/>
+      </a:lnRef>
+      <a:fillRef idx="1">
+        <a:scrgbClr r="0" g="0" b="0"/>
+      </a:fillRef>
+      <a:effectRef idx="0">
+        <a:scrgbClr r="0" g="0" b="0"/>
+      </a:effectRef>
+      <a:fontRef idx="minor"/>
+    </dgm:style>
+  </dgm:styleLbl>
+  <dgm:styleLbl name="solidAlignAcc1">
+    <dgm:scene3d>
+      <a:camera prst="orthographicFront"/>
+      <a:lightRig rig="threePt" dir="t"/>
+    </dgm:scene3d>
+    <dgm:sp3d/>
+    <dgm:txPr/>
+    <dgm:style>
+      <a:lnRef idx="2">
+        <a:scrgbClr r="0" g="0" b="0"/>
+      </a:lnRef>
+      <a:fillRef idx="1">
+        <a:scrgbClr r="0" g="0" b="0"/>
+      </a:fillRef>
+      <a:effectRef idx="0">
+        <a:scrgbClr r="0" g="0" b="0"/>
+      </a:effectRef>
+      <a:fontRef idx="minor"/>
+    </dgm:style>
+  </dgm:styleLbl>
+  <dgm:styleLbl name="solidBgAcc1">
+    <dgm:scene3d>
+      <a:camera prst="orthographicFront"/>
+      <a:lightRig rig="threePt" dir="t"/>
+    </dgm:scene3d>
+    <dgm:sp3d/>
+    <dgm:txPr/>
+    <dgm:style>
+      <a:lnRef idx="2">
+        <a:scrgbClr r="0" g="0" b="0"/>
+      </a:lnRef>
+      <a:fillRef idx="1">
+        <a:scrgbClr r="0" g="0" b="0"/>
+      </a:fillRef>
+      <a:effectRef idx="0">
+        <a:scrgbClr r="0" g="0" b="0"/>
+      </a:effectRef>
+      <a:fontRef idx="minor"/>
+    </dgm:style>
+  </dgm:styleLbl>
+  <dgm:styleLbl name="fgAccFollowNode1">
+    <dgm:scene3d>
+      <a:camera prst="orthographicFront"/>
+      <a:lightRig rig="threePt" dir="t"/>
+    </dgm:scene3d>
+    <dgm:sp3d/>
+    <dgm:txPr/>
+    <dgm:style>
+      <a:lnRef idx="2">
+        <a:scrgbClr r="0" g="0" b="0"/>
+      </a:lnRef>
+      <a:fillRef idx="1">
+        <a:scrgbClr r="0" g="0" b="0"/>
+      </a:fillRef>
+      <a:effectRef idx="0">
+        <a:scrgbClr r="0" g="0" b="0"/>
+      </a:effectRef>
+      <a:fontRef idx="minor"/>
+    </dgm:style>
+  </dgm:styleLbl>
+  <dgm:styleLbl name="alignAccFollowNode1">
+    <dgm:scene3d>
+      <a:camera prst="orthographicFront"/>
+      <a:lightRig rig="threePt" dir="t"/>
+    </dgm:scene3d>
+    <dgm:sp3d/>
+    <dgm:txPr/>
+    <dgm:style>
+      <a:lnRef idx="2">
+        <a:scrgbClr r="0" g="0" b="0"/>
+      </a:lnRef>
+      <a:fillRef idx="1">
+        <a:scrgbClr r="0" g="0" b="0"/>
+      </a:fillRef>
+      <a:effectRef idx="0">
+        <a:scrgbClr r="0" g="0" b="0"/>
+      </a:effectRef>
+      <a:fontRef idx="minor"/>
+    </dgm:style>
+  </dgm:styleLbl>
+  <dgm:styleLbl name="bgAccFollowNode1">
+    <dgm:scene3d>
+      <a:camera prst="orthographicFront"/>
+      <a:lightRig rig="threePt" dir="t"/>
+    </dgm:scene3d>
+    <dgm:sp3d/>
+    <dgm:txPr/>
+    <dgm:style>
+      <a:lnRef idx="2">
+        <a:scrgbClr r="0" g="0" b="0"/>
+      </a:lnRef>
+      <a:fillRef idx="1">
+        <a:scrgbClr r="0" g="0" b="0"/>
+      </a:fillRef>
+      <a:effectRef idx="0">
+        <a:scrgbClr r="0" g="0" b="0"/>
+      </a:effectRef>
+      <a:fontRef idx="minor"/>
+    </dgm:style>
+  </dgm:styleLbl>
+  <dgm:styleLbl name="fgAcc0">
+    <dgm:scene3d>
+      <a:camera prst="orthographicFront"/>
+      <a:lightRig rig="threePt" dir="t"/>
+    </dgm:scene3d>
+    <dgm:sp3d/>
+    <dgm:txPr/>
+    <dgm:style>
+      <a:lnRef idx="2">
+        <a:scrgbClr r="0" g="0" b="0"/>
+      </a:lnRef>
+      <a:fillRef idx="1">
+        <a:scrgbClr r="0" g="0" b="0"/>
+      </a:fillRef>
+      <a:effectRef idx="0">
+        <a:scrgbClr r="0" g="0" b="0"/>
+      </a:effectRef>
+      <a:fontRef idx="minor"/>
+    </dgm:style>
+  </dgm:styleLbl>
+  <dgm:styleLbl name="fgAcc2">
+    <dgm:scene3d>
+      <a:camera prst="orthographicFront"/>
+      <a:lightRig rig="threePt" dir="t"/>
+    </dgm:scene3d>
+    <dgm:sp3d/>
+    <dgm:txPr/>
+    <dgm:style>
+      <a:lnRef idx="2">
+        <a:scrgbClr r="0" g="0" b="0"/>
+      </a:lnRef>
+      <a:fillRef idx="1">
+        <a:scrgbClr r="0" g="0" b="0"/>
+      </a:fillRef>
+      <a:effectRef idx="0">
+        <a:scrgbClr r="0" g="0" b="0"/>
+      </a:effectRef>
+      <a:fontRef idx="minor"/>
+    </dgm:style>
+  </dgm:styleLbl>
+  <dgm:styleLbl name="fgAcc3">
+    <dgm:scene3d>
+      <a:camera prst="orthographicFront"/>
+      <a:lightRig rig="threePt" dir="t"/>
+    </dgm:scene3d>
+    <dgm:sp3d/>
+    <dgm:txPr/>
+    <dgm:style>
+      <a:lnRef idx="2">
+        <a:scrgbClr r="0" g="0" b="0"/>
+      </a:lnRef>
+      <a:fillRef idx="1">
+        <a:scrgbClr r="0" g="0" b="0"/>
+      </a:fillRef>
+      <a:effectRef idx="0">
+        <a:scrgbClr r="0" g="0" b="0"/>
+      </a:effectRef>
+      <a:fontRef idx="minor"/>
+    </dgm:style>
+  </dgm:styleLbl>
+  <dgm:styleLbl name="fgAcc4">
+    <dgm:scene3d>
+      <a:camera prst="orthographicFront"/>
+      <a:lightRig rig="threePt" dir="t"/>
+    </dgm:scene3d>
+    <dgm:sp3d/>
+    <dgm:txPr/>
+    <dgm:style>
+      <a:lnRef idx="2">
+        <a:scrgbClr r="0" g="0" b="0"/>
+      </a:lnRef>
+      <a:fillRef idx="1">
+        <a:scrgbClr r="0" g="0" b="0"/>
+      </a:fillRef>
+      <a:effectRef idx="0">
+        <a:scrgbClr r="0" g="0" b="0"/>
+      </a:effectRef>
+      <a:fontRef idx="minor"/>
+    </dgm:style>
+  </dgm:styleLbl>
+  <dgm:styleLbl name="bgShp">
+    <dgm:scene3d>
+      <a:camera prst="orthographicFront"/>
+      <a:lightRig rig="threePt" dir="t"/>
+    </dgm:scene3d>
+    <dgm:sp3d/>
+    <dgm:txPr/>
+    <dgm:style>
+      <a:lnRef idx="0">
+        <a:scrgbClr r="0" g="0" b="0"/>
+      </a:lnRef>
+      <a:fillRef idx="1">
+        <a:scrgbClr r="0" g="0" b="0"/>
+      </a:fillRef>
+      <a:effectRef idx="0">
+        <a:scrgbClr r="0" g="0" b="0"/>
+      </a:effectRef>
+      <a:fontRef idx="minor"/>
+    </dgm:style>
+  </dgm:styleLbl>
+  <dgm:styleLbl name="dkBgShp">
+    <dgm:scene3d>
+      <a:camera prst="orthographicFront"/>
+      <a:lightRig rig="threePt" dir="t"/>
+    </dgm:scene3d>
+    <dgm:sp3d/>
+    <dgm:txPr/>
+    <dgm:style>
+      <a:lnRef idx="0">
+        <a:scrgbClr r="0" g="0" b="0"/>
+      </a:lnRef>
+      <a:fillRef idx="1">
+        <a:scrgbClr r="0" g="0" b="0"/>
+      </a:fillRef>
+      <a:effectRef idx="0">
+        <a:scrgbClr r="0" g="0" b="0"/>
+      </a:effectRef>
+      <a:fontRef idx="minor"/>
+    </dgm:style>
+  </dgm:styleLbl>
+  <dgm:styleLbl name="trBgShp">
+    <dgm:scene3d>
+      <a:camera prst="orthographicFront"/>
+      <a:lightRig rig="threePt" dir="t"/>
+    </dgm:scene3d>
+    <dgm:sp3d/>
+    <dgm:txPr/>
+    <dgm:style>
+      <a:lnRef idx="0">
+        <a:scrgbClr r="0" g="0" b="0"/>
+      </a:lnRef>
+      <a:fillRef idx="1">
+        <a:scrgbClr r="0" g="0" b="0"/>
+      </a:fillRef>
+      <a:effectRef idx="0">
+        <a:scrgbClr r="0" g="0" b="0"/>
+      </a:effectRef>
+      <a:fontRef idx="minor"/>
+    </dgm:style>
+  </dgm:styleLbl>
+  <dgm:styleLbl name="fgShp">
+    <dgm:scene3d>
+      <a:camera prst="orthographicFront"/>
+      <a:lightRig rig="threePt" dir="t"/>
+    </dgm:scene3d>
+    <dgm:sp3d/>
+    <dgm:txPr/>
+    <dgm:style>
+      <a:lnRef idx="2">
+        <a:scrgbClr r="0" g="0" b="0"/>
+      </a:lnRef>
+      <a:fillRef idx="1">
+        <a:scrgbClr r="0" g="0" b="0"/>
+      </a:fillRef>
+      <a:effectRef idx="0">
+        <a:scrgbClr r="0" g="0" b="0"/>
+      </a:effectRef>
+      <a:fontRef idx="minor"/>
+    </dgm:style>
+  </dgm:styleLbl>
+  <dgm:styleLbl name="revTx">
+    <dgm:scene3d>
+      <a:camera prst="orthographicFront"/>
+      <a:lightRig rig="threePt" dir="t"/>
+    </dgm:scene3d>
+    <dgm:sp3d/>
+    <dgm:txPr/>
+    <dgm:style>
+      <a:lnRef idx="0">
+        <a:scrgbClr r="0" g="0" b="0"/>
+      </a:lnRef>
+      <a:fillRef idx="0">
+        <a:scrgbClr r="0" g="0" b="0"/>
+      </a:fillRef>
+      <a:effectRef idx="0">
+        <a:scrgbClr r="0" g="0" b="0"/>
+      </a:effectRef>
+      <a:fontRef idx="minor"/>
+    </dgm:style>
+  </dgm:styleLbl>
+</dgm:styleDef>
+</file>
+
+<file path=ppt/diagrams/quickStyle6.xml><?xml version="1.0" encoding="utf-8"?>
 <dgm:styleDef xmlns:dgm="http://schemas.openxmlformats.org/drawingml/2006/diagram" xmlns:a="http://schemas.openxmlformats.org/drawingml/2006/main" uniqueId="urn:microsoft.com/office/officeart/2005/8/quickstyle/simple1">
   <dgm:title val=""/>
   <dgm:desc val=""/>
@@ -23027,7 +29643,7 @@
           <a:p>
             <a:fld id="{FE639C38-B010-4D5D-B83E-9DEB693DE9D8}" type="datetimeFigureOut">
               <a:rPr lang="ru-RU" smtClean="0"/>
-              <a:t>01.04.2017</a:t>
+              <a:t>02.04.2017</a:t>
             </a:fld>
             <a:endParaRPr lang="ru-RU"/>
           </a:p>
@@ -23234,7 +29850,7 @@
           <a:p>
             <a:fld id="{FE639C38-B010-4D5D-B83E-9DEB693DE9D8}" type="datetimeFigureOut">
               <a:rPr lang="ru-RU" smtClean="0"/>
-              <a:t>01.04.2017</a:t>
+              <a:t>02.04.2017</a:t>
             </a:fld>
             <a:endParaRPr lang="ru-RU"/>
           </a:p>
@@ -23414,7 +30030,7 @@
           <a:p>
             <a:fld id="{FE639C38-B010-4D5D-B83E-9DEB693DE9D8}" type="datetimeFigureOut">
               <a:rPr lang="ru-RU" smtClean="0"/>
-              <a:t>01.04.2017</a:t>
+              <a:t>02.04.2017</a:t>
             </a:fld>
             <a:endParaRPr lang="ru-RU"/>
           </a:p>
@@ -23619,7 +30235,7 @@
           <a:p>
             <a:fld id="{FE639C38-B010-4D5D-B83E-9DEB693DE9D8}" type="datetimeFigureOut">
               <a:rPr lang="ru-RU" smtClean="0"/>
-              <a:t>01.04.2017</a:t>
+              <a:t>02.04.2017</a:t>
             </a:fld>
             <a:endParaRPr lang="ru-RU"/>
           </a:p>
@@ -32517,7 +39133,7 @@
           <a:p>
             <a:fld id="{FE639C38-B010-4D5D-B83E-9DEB693DE9D8}" type="datetimeFigureOut">
               <a:rPr lang="ru-RU" smtClean="0"/>
-              <a:t>01.04.2017</a:t>
+              <a:t>02.04.2017</a:t>
             </a:fld>
             <a:endParaRPr lang="ru-RU"/>
           </a:p>
@@ -32791,7 +39407,7 @@
           <a:p>
             <a:fld id="{FE639C38-B010-4D5D-B83E-9DEB693DE9D8}" type="datetimeFigureOut">
               <a:rPr lang="ru-RU" smtClean="0"/>
-              <a:t>01.04.2017</a:t>
+              <a:t>02.04.2017</a:t>
             </a:fld>
             <a:endParaRPr lang="ru-RU"/>
           </a:p>
@@ -33189,7 +39805,7 @@
           <a:p>
             <a:fld id="{FE639C38-B010-4D5D-B83E-9DEB693DE9D8}" type="datetimeFigureOut">
               <a:rPr lang="ru-RU" smtClean="0"/>
-              <a:t>01.04.2017</a:t>
+              <a:t>02.04.2017</a:t>
             </a:fld>
             <a:endParaRPr lang="ru-RU"/>
           </a:p>
@@ -33307,7 +39923,7 @@
           <a:p>
             <a:fld id="{FE639C38-B010-4D5D-B83E-9DEB693DE9D8}" type="datetimeFigureOut">
               <a:rPr lang="ru-RU" smtClean="0"/>
-              <a:t>01.04.2017</a:t>
+              <a:t>02.04.2017</a:t>
             </a:fld>
             <a:endParaRPr lang="ru-RU"/>
           </a:p>
@@ -33402,7 +40018,7 @@
           <a:p>
             <a:fld id="{FE639C38-B010-4D5D-B83E-9DEB693DE9D8}" type="datetimeFigureOut">
               <a:rPr lang="ru-RU" smtClean="0"/>
-              <a:t>01.04.2017</a:t>
+              <a:t>02.04.2017</a:t>
             </a:fld>
             <a:endParaRPr lang="ru-RU"/>
           </a:p>
@@ -33692,7 +40308,7 @@
           <a:p>
             <a:fld id="{FE639C38-B010-4D5D-B83E-9DEB693DE9D8}" type="datetimeFigureOut">
               <a:rPr lang="ru-RU" smtClean="0"/>
-              <a:t>01.04.2017</a:t>
+              <a:t>02.04.2017</a:t>
             </a:fld>
             <a:endParaRPr lang="ru-RU"/>
           </a:p>
@@ -33972,7 +40588,7 @@
           <a:p>
             <a:fld id="{FE639C38-B010-4D5D-B83E-9DEB693DE9D8}" type="datetimeFigureOut">
               <a:rPr lang="ru-RU" smtClean="0"/>
-              <a:t>01.04.2017</a:t>
+              <a:t>02.04.2017</a:t>
             </a:fld>
             <a:endParaRPr lang="ru-RU"/>
           </a:p>
@@ -34222,7 +40838,7 @@
           <a:p>
             <a:fld id="{FE639C38-B010-4D5D-B83E-9DEB693DE9D8}" type="datetimeFigureOut">
               <a:rPr lang="ru-RU" smtClean="0"/>
-              <a:t>01.04.2017</a:t>
+              <a:t>02.04.2017</a:t>
             </a:fld>
             <a:endParaRPr lang="ru-RU"/>
           </a:p>
@@ -34796,6 +41412,704 @@
   <p:clrMapOvr>
     <a:masterClrMapping/>
   </p:clrMapOvr>
+  <p:timing>
+    <p:tnLst>
+      <p:par>
+        <p:cTn id="1" dur="indefinite" restart="never" nodeType="tmRoot"/>
+      </p:par>
+    </p:tnLst>
+  </p:timing>
+</p:sld>
+</file>
+
+<file path=ppt/slides/slide10.xml><?xml version="1.0" encoding="utf-8"?>
+<p:sld xmlns:a="http://schemas.openxmlformats.org/drawingml/2006/main" xmlns:r="http://schemas.openxmlformats.org/officeDocument/2006/relationships" xmlns:p="http://schemas.openxmlformats.org/presentationml/2006/main">
+  <p:cSld>
+    <p:spTree>
+      <p:nvGrpSpPr>
+        <p:cNvPr id="1" name=""/>
+        <p:cNvGrpSpPr/>
+        <p:nvPr/>
+      </p:nvGrpSpPr>
+      <p:grpSpPr>
+        <a:xfrm>
+          <a:off x="0" y="0"/>
+          <a:ext cx="0" cy="0"/>
+          <a:chOff x="0" y="0"/>
+          <a:chExt cx="0" cy="0"/>
+        </a:xfrm>
+      </p:grpSpPr>
+      <p:sp>
+        <p:nvSpPr>
+          <p:cNvPr id="2" name="Заголовок 1"/>
+          <p:cNvSpPr>
+            <a:spLocks noGrp="1"/>
+          </p:cNvSpPr>
+          <p:nvPr>
+            <p:ph type="title"/>
+          </p:nvPr>
+        </p:nvSpPr>
+        <p:spPr/>
+        <p:txBody>
+          <a:bodyPr/>
+          <a:lstStyle/>
+          <a:p>
+            <a:r>
+              <a:rPr lang="ru-RU" dirty="0" smtClean="0"/>
+              <a:t>Итоги работы</a:t>
+            </a:r>
+            <a:endParaRPr lang="ru-RU" dirty="0"/>
+          </a:p>
+        </p:txBody>
+      </p:sp>
+      <p:pic>
+        <p:nvPicPr>
+          <p:cNvPr id="5" name="Рисунок 4"/>
+          <p:cNvPicPr>
+            <a:picLocks noChangeAspect="1"/>
+          </p:cNvPicPr>
+          <p:nvPr/>
+        </p:nvPicPr>
+        <p:blipFill>
+          <a:blip r:embed="rId2"/>
+          <a:stretch>
+            <a:fillRect/>
+          </a:stretch>
+        </p:blipFill>
+        <p:spPr>
+          <a:xfrm>
+            <a:off x="419528" y="2084832"/>
+            <a:ext cx="11456786" cy="4679223"/>
+          </a:xfrm>
+          <a:prstGeom prst="rect">
+            <a:avLst/>
+          </a:prstGeom>
+        </p:spPr>
+      </p:pic>
+    </p:spTree>
+    <p:extLst>
+      <p:ext uri="{BB962C8B-B14F-4D97-AF65-F5344CB8AC3E}">
+        <p14:creationId xmlns:p14="http://schemas.microsoft.com/office/powerpoint/2010/main" val="874954777"/>
+      </p:ext>
+    </p:extLst>
+  </p:cSld>
+  <p:clrMapOvr>
+    <a:masterClrMapping/>
+  </p:clrMapOvr>
+</p:sld>
+</file>
+
+<file path=ppt/slides/slide11.xml><?xml version="1.0" encoding="utf-8"?>
+<p:sld xmlns:a="http://schemas.openxmlformats.org/drawingml/2006/main" xmlns:r="http://schemas.openxmlformats.org/officeDocument/2006/relationships" xmlns:p="http://schemas.openxmlformats.org/presentationml/2006/main">
+  <p:cSld>
+    <p:spTree>
+      <p:nvGrpSpPr>
+        <p:cNvPr id="1" name=""/>
+        <p:cNvGrpSpPr/>
+        <p:nvPr/>
+      </p:nvGrpSpPr>
+      <p:grpSpPr>
+        <a:xfrm>
+          <a:off x="0" y="0"/>
+          <a:ext cx="0" cy="0"/>
+          <a:chOff x="0" y="0"/>
+          <a:chExt cx="0" cy="0"/>
+        </a:xfrm>
+      </p:grpSpPr>
+      <p:sp>
+        <p:nvSpPr>
+          <p:cNvPr id="2" name="Заголовок 1"/>
+          <p:cNvSpPr>
+            <a:spLocks noGrp="1"/>
+          </p:cNvSpPr>
+          <p:nvPr>
+            <p:ph type="title"/>
+          </p:nvPr>
+        </p:nvSpPr>
+        <p:spPr/>
+        <p:txBody>
+          <a:bodyPr/>
+          <a:lstStyle/>
+          <a:p>
+            <a:r>
+              <a:rPr lang="ru-RU" dirty="0" smtClean="0"/>
+              <a:t>Будущее</a:t>
+            </a:r>
+            <a:endParaRPr lang="ru-RU" dirty="0"/>
+          </a:p>
+        </p:txBody>
+      </p:sp>
+      <p:graphicFrame>
+        <p:nvGraphicFramePr>
+          <p:cNvPr id="4" name="Объект 3"/>
+          <p:cNvGraphicFramePr>
+            <a:graphicFrameLocks noGrp="1"/>
+          </p:cNvGraphicFramePr>
+          <p:nvPr>
+            <p:ph idx="1"/>
+            <p:extLst>
+              <p:ext uri="{D42A27DB-BD31-4B8C-83A1-F6EECF244321}">
+                <p14:modId xmlns:p14="http://schemas.microsoft.com/office/powerpoint/2010/main" val="1822762209"/>
+              </p:ext>
+            </p:extLst>
+          </p:nvPr>
+        </p:nvGraphicFramePr>
+        <p:xfrm>
+          <a:off x="1023938" y="2286000"/>
+          <a:ext cx="9720262" cy="4022725"/>
+        </p:xfrm>
+        <a:graphic>
+          <a:graphicData uri="http://schemas.openxmlformats.org/drawingml/2006/diagram">
+            <dgm:relIds xmlns:dgm="http://schemas.openxmlformats.org/drawingml/2006/diagram" xmlns:r="http://schemas.openxmlformats.org/officeDocument/2006/relationships" r:dm="rId2" r:lo="rId3" r:qs="rId4" r:cs="rId5"/>
+          </a:graphicData>
+        </a:graphic>
+      </p:graphicFrame>
+    </p:spTree>
+    <p:extLst>
+      <p:ext uri="{BB962C8B-B14F-4D97-AF65-F5344CB8AC3E}">
+        <p14:creationId xmlns:p14="http://schemas.microsoft.com/office/powerpoint/2010/main" val="1320338316"/>
+      </p:ext>
+    </p:extLst>
+  </p:cSld>
+  <p:clrMapOvr>
+    <a:masterClrMapping/>
+  </p:clrMapOvr>
+</p:sld>
+</file>
+
+<file path=ppt/slides/slide12.xml><?xml version="1.0" encoding="utf-8"?>
+<p:sld xmlns:a="http://schemas.openxmlformats.org/drawingml/2006/main" xmlns:r="http://schemas.openxmlformats.org/officeDocument/2006/relationships" xmlns:p="http://schemas.openxmlformats.org/presentationml/2006/main">
+  <p:cSld>
+    <p:spTree>
+      <p:nvGrpSpPr>
+        <p:cNvPr id="1" name=""/>
+        <p:cNvGrpSpPr/>
+        <p:nvPr/>
+      </p:nvGrpSpPr>
+      <p:grpSpPr>
+        <a:xfrm>
+          <a:off x="0" y="0"/>
+          <a:ext cx="0" cy="0"/>
+          <a:chOff x="0" y="0"/>
+          <a:chExt cx="0" cy="0"/>
+        </a:xfrm>
+      </p:grpSpPr>
+      <p:sp>
+        <p:nvSpPr>
+          <p:cNvPr id="2" name="Заголовок 1"/>
+          <p:cNvSpPr>
+            <a:spLocks noGrp="1"/>
+          </p:cNvSpPr>
+          <p:nvPr>
+            <p:ph type="title"/>
+          </p:nvPr>
+        </p:nvSpPr>
+        <p:spPr/>
+        <p:txBody>
+          <a:bodyPr/>
+          <a:lstStyle/>
+          <a:p>
+            <a:r>
+              <a:rPr lang="ru-RU" dirty="0" smtClean="0"/>
+              <a:t>Используемая литература</a:t>
+            </a:r>
+            <a:endParaRPr lang="ru-RU" dirty="0"/>
+          </a:p>
+        </p:txBody>
+      </p:sp>
+      <p:sp>
+        <p:nvSpPr>
+          <p:cNvPr id="4" name="Прямоугольник 3"/>
+          <p:cNvSpPr/>
+          <p:nvPr/>
+        </p:nvSpPr>
+        <p:spPr>
+          <a:xfrm>
+            <a:off x="1024127" y="2084831"/>
+            <a:ext cx="9611215" cy="1574149"/>
+          </a:xfrm>
+          <a:prstGeom prst="rect">
+            <a:avLst/>
+          </a:prstGeom>
+        </p:spPr>
+        <p:txBody>
+          <a:bodyPr wrap="square">
+            <a:spAutoFit/>
+          </a:bodyPr>
+          <a:lstStyle/>
+          <a:p>
+            <a:pPr marL="342900" lvl="0" indent="-342900" algn="just">
+              <a:lnSpc>
+                <a:spcPct val="107000"/>
+              </a:lnSpc>
+              <a:spcAft>
+                <a:spcPts val="0"/>
+              </a:spcAft>
+              <a:buFont typeface="+mj-lt"/>
+              <a:buAutoNum type="arabicPeriod"/>
+            </a:pPr>
+            <a:r>
+              <a:rPr lang="ru-RU" dirty="0">
+                <a:latin typeface="Times New Roman" panose="02020603050405020304" pitchFamily="18" charset="0"/>
+                <a:ea typeface="Calibri" panose="020F0502020204030204" pitchFamily="34" charset="0"/>
+                <a:cs typeface="Times New Roman" panose="02020603050405020304" pitchFamily="18" charset="0"/>
+              </a:rPr>
+              <a:t>История языка </a:t>
+            </a:r>
+            <a:r>
+              <a:rPr lang="en-US" dirty="0">
+                <a:latin typeface="Times New Roman" panose="02020603050405020304" pitchFamily="18" charset="0"/>
+                <a:ea typeface="Calibri" panose="020F0502020204030204" pitchFamily="34" charset="0"/>
+                <a:cs typeface="Times New Roman" panose="02020603050405020304" pitchFamily="18" charset="0"/>
+              </a:rPr>
+              <a:t>Smalltalk </a:t>
+            </a:r>
+            <a:r>
+              <a:rPr lang="ru-RU" dirty="0">
+                <a:latin typeface="Times New Roman" panose="02020603050405020304" pitchFamily="18" charset="0"/>
+                <a:ea typeface="Calibri" panose="020F0502020204030204" pitchFamily="34" charset="0"/>
+                <a:cs typeface="Times New Roman" panose="02020603050405020304" pitchFamily="18" charset="0"/>
+              </a:rPr>
+              <a:t>(статья) </a:t>
+            </a:r>
+            <a:r>
+              <a:rPr lang="en-US" dirty="0">
+                <a:latin typeface="Times New Roman" panose="02020603050405020304" pitchFamily="18" charset="0"/>
+                <a:ea typeface="Calibri" panose="020F0502020204030204" pitchFamily="34" charset="0"/>
+                <a:cs typeface="Times New Roman" panose="02020603050405020304" pitchFamily="18" charset="0"/>
+              </a:rPr>
+              <a:t>URL</a:t>
+            </a:r>
+            <a:r>
+              <a:rPr lang="ru-RU" dirty="0">
+                <a:latin typeface="Times New Roman" panose="02020603050405020304" pitchFamily="18" charset="0"/>
+                <a:ea typeface="Calibri" panose="020F0502020204030204" pitchFamily="34" charset="0"/>
+                <a:cs typeface="Times New Roman" panose="02020603050405020304" pitchFamily="18" charset="0"/>
+              </a:rPr>
+              <a:t>: </a:t>
+            </a:r>
+            <a:r>
+              <a:rPr lang="ru-RU" u="sng" dirty="0" err="1">
+                <a:solidFill>
+                  <a:srgbClr val="0563C1"/>
+                </a:solidFill>
+                <a:latin typeface="Times New Roman" panose="02020603050405020304" pitchFamily="18" charset="0"/>
+                <a:ea typeface="Calibri" panose="020F0502020204030204" pitchFamily="34" charset="0"/>
+                <a:cs typeface="Times New Roman" panose="02020603050405020304" pitchFamily="18" charset="0"/>
+                <a:hlinkClick r:id="rId2"/>
+              </a:rPr>
+              <a:t>https</a:t>
+            </a:r>
+            <a:r>
+              <a:rPr lang="ru-RU" u="sng" dirty="0">
+                <a:solidFill>
+                  <a:srgbClr val="0563C1"/>
+                </a:solidFill>
+                <a:latin typeface="Times New Roman" panose="02020603050405020304" pitchFamily="18" charset="0"/>
+                <a:ea typeface="Calibri" panose="020F0502020204030204" pitchFamily="34" charset="0"/>
+                <a:cs typeface="Times New Roman" panose="02020603050405020304" pitchFamily="18" charset="0"/>
+                <a:hlinkClick r:id="rId2"/>
+              </a:rPr>
+              <a:t>://</a:t>
+            </a:r>
+            <a:r>
+              <a:rPr lang="ru-RU" u="sng" dirty="0" err="1">
+                <a:solidFill>
+                  <a:srgbClr val="0563C1"/>
+                </a:solidFill>
+                <a:latin typeface="Times New Roman" panose="02020603050405020304" pitchFamily="18" charset="0"/>
+                <a:ea typeface="Calibri" panose="020F0502020204030204" pitchFamily="34" charset="0"/>
+                <a:cs typeface="Times New Roman" panose="02020603050405020304" pitchFamily="18" charset="0"/>
+                <a:hlinkClick r:id="rId2"/>
+              </a:rPr>
+              <a:t>goo.gl</a:t>
+            </a:r>
+            <a:r>
+              <a:rPr lang="ru-RU" u="sng" dirty="0">
+                <a:solidFill>
+                  <a:srgbClr val="0563C1"/>
+                </a:solidFill>
+                <a:latin typeface="Times New Roman" panose="02020603050405020304" pitchFamily="18" charset="0"/>
+                <a:ea typeface="Calibri" panose="020F0502020204030204" pitchFamily="34" charset="0"/>
+                <a:cs typeface="Times New Roman" panose="02020603050405020304" pitchFamily="18" charset="0"/>
+                <a:hlinkClick r:id="rId2"/>
+              </a:rPr>
+              <a:t>/</a:t>
+            </a:r>
+            <a:r>
+              <a:rPr lang="ru-RU" u="sng" dirty="0" err="1">
+                <a:solidFill>
+                  <a:srgbClr val="0563C1"/>
+                </a:solidFill>
+                <a:latin typeface="Times New Roman" panose="02020603050405020304" pitchFamily="18" charset="0"/>
+                <a:ea typeface="Calibri" panose="020F0502020204030204" pitchFamily="34" charset="0"/>
+                <a:cs typeface="Times New Roman" panose="02020603050405020304" pitchFamily="18" charset="0"/>
+                <a:hlinkClick r:id="rId2"/>
+              </a:rPr>
+              <a:t>uc7v3q</a:t>
+            </a:r>
+            <a:endParaRPr lang="ru-RU" dirty="0">
+              <a:latin typeface="Times New Roman" panose="02020603050405020304" pitchFamily="18" charset="0"/>
+              <a:ea typeface="Calibri" panose="020F0502020204030204" pitchFamily="34" charset="0"/>
+              <a:cs typeface="Times New Roman" panose="02020603050405020304" pitchFamily="18" charset="0"/>
+            </a:endParaRPr>
+          </a:p>
+          <a:p>
+            <a:pPr marL="342900" lvl="0" indent="-342900" algn="just">
+              <a:lnSpc>
+                <a:spcPct val="107000"/>
+              </a:lnSpc>
+              <a:spcAft>
+                <a:spcPts val="0"/>
+              </a:spcAft>
+              <a:buFont typeface="+mj-lt"/>
+              <a:buAutoNum type="arabicPeriod"/>
+            </a:pPr>
+            <a:r>
+              <a:rPr lang="ru-RU" dirty="0">
+                <a:latin typeface="Times New Roman" panose="02020603050405020304" pitchFamily="18" charset="0"/>
+                <a:ea typeface="Calibri" panose="020F0502020204030204" pitchFamily="34" charset="0"/>
+                <a:cs typeface="Times New Roman" panose="02020603050405020304" pitchFamily="18" charset="0"/>
+              </a:rPr>
+              <a:t>Неизвестный </a:t>
+            </a:r>
+            <a:r>
+              <a:rPr lang="en-US" dirty="0">
+                <a:latin typeface="Times New Roman" panose="02020603050405020304" pitchFamily="18" charset="0"/>
+                <a:ea typeface="Calibri" panose="020F0502020204030204" pitchFamily="34" charset="0"/>
+                <a:cs typeface="Times New Roman" panose="02020603050405020304" pitchFamily="18" charset="0"/>
+              </a:rPr>
+              <a:t>Smalltalk </a:t>
+            </a:r>
+            <a:r>
+              <a:rPr lang="ru-RU" dirty="0">
+                <a:latin typeface="Times New Roman" panose="02020603050405020304" pitchFamily="18" charset="0"/>
+                <a:ea typeface="Calibri" panose="020F0502020204030204" pitchFamily="34" charset="0"/>
+                <a:cs typeface="Times New Roman" panose="02020603050405020304" pitchFamily="18" charset="0"/>
+              </a:rPr>
+              <a:t>(статья) </a:t>
+            </a:r>
+            <a:r>
+              <a:rPr lang="en-US" dirty="0">
+                <a:latin typeface="Times New Roman" panose="02020603050405020304" pitchFamily="18" charset="0"/>
+                <a:ea typeface="Calibri" panose="020F0502020204030204" pitchFamily="34" charset="0"/>
+                <a:cs typeface="Times New Roman" panose="02020603050405020304" pitchFamily="18" charset="0"/>
+              </a:rPr>
+              <a:t>URL</a:t>
+            </a:r>
+            <a:r>
+              <a:rPr lang="ru-RU" dirty="0">
+                <a:latin typeface="Times New Roman" panose="02020603050405020304" pitchFamily="18" charset="0"/>
+                <a:ea typeface="Calibri" panose="020F0502020204030204" pitchFamily="34" charset="0"/>
+                <a:cs typeface="Times New Roman" panose="02020603050405020304" pitchFamily="18" charset="0"/>
+              </a:rPr>
+              <a:t>: </a:t>
+            </a:r>
+            <a:r>
+              <a:rPr lang="ru-RU" u="sng" dirty="0" err="1">
+                <a:solidFill>
+                  <a:srgbClr val="0563C1"/>
+                </a:solidFill>
+                <a:latin typeface="Times New Roman" panose="02020603050405020304" pitchFamily="18" charset="0"/>
+                <a:ea typeface="Calibri" panose="020F0502020204030204" pitchFamily="34" charset="0"/>
+                <a:cs typeface="Times New Roman" panose="02020603050405020304" pitchFamily="18" charset="0"/>
+                <a:hlinkClick r:id="rId3"/>
+              </a:rPr>
+              <a:t>https</a:t>
+            </a:r>
+            <a:r>
+              <a:rPr lang="ru-RU" u="sng" dirty="0">
+                <a:solidFill>
+                  <a:srgbClr val="0563C1"/>
+                </a:solidFill>
+                <a:latin typeface="Times New Roman" panose="02020603050405020304" pitchFamily="18" charset="0"/>
+                <a:ea typeface="Calibri" panose="020F0502020204030204" pitchFamily="34" charset="0"/>
+                <a:cs typeface="Times New Roman" panose="02020603050405020304" pitchFamily="18" charset="0"/>
+                <a:hlinkClick r:id="rId3"/>
+              </a:rPr>
+              <a:t>://</a:t>
+            </a:r>
+            <a:r>
+              <a:rPr lang="ru-RU" u="sng" dirty="0" err="1">
+                <a:solidFill>
+                  <a:srgbClr val="0563C1"/>
+                </a:solidFill>
+                <a:latin typeface="Times New Roman" panose="02020603050405020304" pitchFamily="18" charset="0"/>
+                <a:ea typeface="Calibri" panose="020F0502020204030204" pitchFamily="34" charset="0"/>
+                <a:cs typeface="Times New Roman" panose="02020603050405020304" pitchFamily="18" charset="0"/>
+                <a:hlinkClick r:id="rId3"/>
+              </a:rPr>
+              <a:t>goo.gl</a:t>
+            </a:r>
+            <a:r>
+              <a:rPr lang="ru-RU" u="sng" dirty="0">
+                <a:solidFill>
+                  <a:srgbClr val="0563C1"/>
+                </a:solidFill>
+                <a:latin typeface="Times New Roman" panose="02020603050405020304" pitchFamily="18" charset="0"/>
+                <a:ea typeface="Calibri" panose="020F0502020204030204" pitchFamily="34" charset="0"/>
+                <a:cs typeface="Times New Roman" panose="02020603050405020304" pitchFamily="18" charset="0"/>
+                <a:hlinkClick r:id="rId3"/>
+              </a:rPr>
+              <a:t>/</a:t>
+            </a:r>
+            <a:r>
+              <a:rPr lang="ru-RU" u="sng" dirty="0" err="1">
+                <a:solidFill>
+                  <a:srgbClr val="0563C1"/>
+                </a:solidFill>
+                <a:latin typeface="Times New Roman" panose="02020603050405020304" pitchFamily="18" charset="0"/>
+                <a:ea typeface="Calibri" panose="020F0502020204030204" pitchFamily="34" charset="0"/>
+                <a:cs typeface="Times New Roman" panose="02020603050405020304" pitchFamily="18" charset="0"/>
+                <a:hlinkClick r:id="rId3"/>
+              </a:rPr>
+              <a:t>X8QaX2</a:t>
+            </a:r>
+            <a:endParaRPr lang="ru-RU" dirty="0">
+              <a:latin typeface="Times New Roman" panose="02020603050405020304" pitchFamily="18" charset="0"/>
+              <a:ea typeface="Calibri" panose="020F0502020204030204" pitchFamily="34" charset="0"/>
+              <a:cs typeface="Times New Roman" panose="02020603050405020304" pitchFamily="18" charset="0"/>
+            </a:endParaRPr>
+          </a:p>
+          <a:p>
+            <a:pPr marL="342900" lvl="0" indent="-342900" algn="just">
+              <a:lnSpc>
+                <a:spcPct val="107000"/>
+              </a:lnSpc>
+              <a:spcAft>
+                <a:spcPts val="0"/>
+              </a:spcAft>
+              <a:buFont typeface="+mj-lt"/>
+              <a:buAutoNum type="arabicPeriod"/>
+            </a:pPr>
+            <a:r>
+              <a:rPr lang="en-US" dirty="0">
+                <a:latin typeface="Times New Roman" panose="02020603050405020304" pitchFamily="18" charset="0"/>
+                <a:ea typeface="Calibri" panose="020F0502020204030204" pitchFamily="34" charset="0"/>
+                <a:cs typeface="Times New Roman" panose="02020603050405020304" pitchFamily="18" charset="0"/>
+              </a:rPr>
+              <a:t>Smalltalk</a:t>
+            </a:r>
+            <a:r>
+              <a:rPr lang="ru-RU" dirty="0">
+                <a:latin typeface="Times New Roman" panose="02020603050405020304" pitchFamily="18" charset="0"/>
+                <a:ea typeface="Calibri" panose="020F0502020204030204" pitchFamily="34" charset="0"/>
+                <a:cs typeface="Times New Roman" panose="02020603050405020304" pitchFamily="18" charset="0"/>
+              </a:rPr>
+              <a:t>: Концепция объекто-ориентированного программирования (статья) </a:t>
+            </a:r>
+            <a:r>
+              <a:rPr lang="en-US" dirty="0">
+                <a:latin typeface="Times New Roman" panose="02020603050405020304" pitchFamily="18" charset="0"/>
+                <a:ea typeface="Calibri" panose="020F0502020204030204" pitchFamily="34" charset="0"/>
+                <a:cs typeface="Times New Roman" panose="02020603050405020304" pitchFamily="18" charset="0"/>
+              </a:rPr>
+              <a:t>URL</a:t>
+            </a:r>
+            <a:r>
+              <a:rPr lang="ru-RU" dirty="0">
+                <a:latin typeface="Times New Roman" panose="02020603050405020304" pitchFamily="18" charset="0"/>
+                <a:ea typeface="Calibri" panose="020F0502020204030204" pitchFamily="34" charset="0"/>
+                <a:cs typeface="Times New Roman" panose="02020603050405020304" pitchFamily="18" charset="0"/>
+              </a:rPr>
+              <a:t>: </a:t>
+            </a:r>
+            <a:r>
+              <a:rPr lang="ru-RU" u="sng" dirty="0" err="1">
+                <a:solidFill>
+                  <a:srgbClr val="0563C1"/>
+                </a:solidFill>
+                <a:latin typeface="Times New Roman" panose="02020603050405020304" pitchFamily="18" charset="0"/>
+                <a:ea typeface="Calibri" panose="020F0502020204030204" pitchFamily="34" charset="0"/>
+                <a:cs typeface="Times New Roman" panose="02020603050405020304" pitchFamily="18" charset="0"/>
+                <a:hlinkClick r:id="rId4"/>
+              </a:rPr>
+              <a:t>https</a:t>
+            </a:r>
+            <a:r>
+              <a:rPr lang="ru-RU" u="sng" dirty="0">
+                <a:solidFill>
+                  <a:srgbClr val="0563C1"/>
+                </a:solidFill>
+                <a:latin typeface="Times New Roman" panose="02020603050405020304" pitchFamily="18" charset="0"/>
+                <a:ea typeface="Calibri" panose="020F0502020204030204" pitchFamily="34" charset="0"/>
+                <a:cs typeface="Times New Roman" panose="02020603050405020304" pitchFamily="18" charset="0"/>
+                <a:hlinkClick r:id="rId4"/>
+              </a:rPr>
+              <a:t>://</a:t>
+            </a:r>
+            <a:r>
+              <a:rPr lang="ru-RU" u="sng" dirty="0" err="1">
+                <a:solidFill>
+                  <a:srgbClr val="0563C1"/>
+                </a:solidFill>
+                <a:latin typeface="Times New Roman" panose="02020603050405020304" pitchFamily="18" charset="0"/>
+                <a:ea typeface="Calibri" panose="020F0502020204030204" pitchFamily="34" charset="0"/>
+                <a:cs typeface="Times New Roman" panose="02020603050405020304" pitchFamily="18" charset="0"/>
+                <a:hlinkClick r:id="rId4"/>
+              </a:rPr>
+              <a:t>goo.gl</a:t>
+            </a:r>
+            <a:r>
+              <a:rPr lang="ru-RU" u="sng" dirty="0">
+                <a:solidFill>
+                  <a:srgbClr val="0563C1"/>
+                </a:solidFill>
+                <a:latin typeface="Times New Roman" panose="02020603050405020304" pitchFamily="18" charset="0"/>
+                <a:ea typeface="Calibri" panose="020F0502020204030204" pitchFamily="34" charset="0"/>
+                <a:cs typeface="Times New Roman" panose="02020603050405020304" pitchFamily="18" charset="0"/>
+                <a:hlinkClick r:id="rId4"/>
+              </a:rPr>
+              <a:t>/</a:t>
+            </a:r>
+            <a:r>
+              <a:rPr lang="ru-RU" u="sng" dirty="0" err="1">
+                <a:solidFill>
+                  <a:srgbClr val="0563C1"/>
+                </a:solidFill>
+                <a:latin typeface="Times New Roman" panose="02020603050405020304" pitchFamily="18" charset="0"/>
+                <a:ea typeface="Calibri" panose="020F0502020204030204" pitchFamily="34" charset="0"/>
+                <a:cs typeface="Times New Roman" panose="02020603050405020304" pitchFamily="18" charset="0"/>
+                <a:hlinkClick r:id="rId4"/>
+              </a:rPr>
+              <a:t>L8A38Q</a:t>
+            </a:r>
+            <a:endParaRPr lang="ru-RU" dirty="0">
+              <a:latin typeface="Times New Roman" panose="02020603050405020304" pitchFamily="18" charset="0"/>
+              <a:ea typeface="Calibri" panose="020F0502020204030204" pitchFamily="34" charset="0"/>
+              <a:cs typeface="Times New Roman" panose="02020603050405020304" pitchFamily="18" charset="0"/>
+            </a:endParaRPr>
+          </a:p>
+          <a:p>
+            <a:pPr marL="342900" lvl="0" indent="-342900" algn="just">
+              <a:lnSpc>
+                <a:spcPct val="107000"/>
+              </a:lnSpc>
+              <a:spcAft>
+                <a:spcPts val="600"/>
+              </a:spcAft>
+              <a:buFont typeface="+mj-lt"/>
+              <a:buAutoNum type="arabicPeriod"/>
+            </a:pPr>
+            <a:r>
+              <a:rPr lang="ru-RU" dirty="0">
+                <a:latin typeface="Times New Roman" panose="02020603050405020304" pitchFamily="18" charset="0"/>
+                <a:ea typeface="Calibri" panose="020F0502020204030204" pitchFamily="34" charset="0"/>
+                <a:cs typeface="Times New Roman" panose="02020603050405020304" pitchFamily="18" charset="0"/>
+              </a:rPr>
+              <a:t>«Профессиональное программирование на </a:t>
+            </a:r>
+            <a:r>
+              <a:rPr lang="en-US" dirty="0">
+                <a:latin typeface="Times New Roman" panose="02020603050405020304" pitchFamily="18" charset="0"/>
+                <a:ea typeface="Calibri" panose="020F0502020204030204" pitchFamily="34" charset="0"/>
+                <a:cs typeface="Times New Roman" panose="02020603050405020304" pitchFamily="18" charset="0"/>
+              </a:rPr>
+              <a:t>PHP</a:t>
+            </a:r>
+            <a:r>
+              <a:rPr lang="ru-RU" dirty="0">
+                <a:latin typeface="Times New Roman" panose="02020603050405020304" pitchFamily="18" charset="0"/>
+                <a:ea typeface="Calibri" panose="020F0502020204030204" pitchFamily="34" charset="0"/>
+                <a:cs typeface="Times New Roman" panose="02020603050405020304" pitchFamily="18" charset="0"/>
+              </a:rPr>
+              <a:t>» (книга) </a:t>
+            </a:r>
+            <a:r>
+              <a:rPr lang="en-US" dirty="0">
+                <a:latin typeface="Times New Roman" panose="02020603050405020304" pitchFamily="18" charset="0"/>
+                <a:ea typeface="Calibri" panose="020F0502020204030204" pitchFamily="34" charset="0"/>
+                <a:cs typeface="Times New Roman" panose="02020603050405020304" pitchFamily="18" charset="0"/>
+              </a:rPr>
+              <a:t>URL</a:t>
+            </a:r>
+            <a:r>
+              <a:rPr lang="ru-RU" dirty="0">
+                <a:latin typeface="Times New Roman" panose="02020603050405020304" pitchFamily="18" charset="0"/>
+                <a:ea typeface="Calibri" panose="020F0502020204030204" pitchFamily="34" charset="0"/>
+                <a:cs typeface="Times New Roman" panose="02020603050405020304" pitchFamily="18" charset="0"/>
+              </a:rPr>
+              <a:t>: </a:t>
+            </a:r>
+            <a:r>
+              <a:rPr lang="ru-RU" u="sng" dirty="0" err="1">
+                <a:solidFill>
+                  <a:srgbClr val="0563C1"/>
+                </a:solidFill>
+                <a:latin typeface="Times New Roman" panose="02020603050405020304" pitchFamily="18" charset="0"/>
+                <a:ea typeface="Calibri" panose="020F0502020204030204" pitchFamily="34" charset="0"/>
+                <a:cs typeface="Times New Roman" panose="02020603050405020304" pitchFamily="18" charset="0"/>
+                <a:hlinkClick r:id="rId5"/>
+              </a:rPr>
+              <a:t>https</a:t>
+            </a:r>
+            <a:r>
+              <a:rPr lang="ru-RU" u="sng" dirty="0">
+                <a:solidFill>
+                  <a:srgbClr val="0563C1"/>
+                </a:solidFill>
+                <a:latin typeface="Times New Roman" panose="02020603050405020304" pitchFamily="18" charset="0"/>
+                <a:ea typeface="Calibri" panose="020F0502020204030204" pitchFamily="34" charset="0"/>
+                <a:cs typeface="Times New Roman" panose="02020603050405020304" pitchFamily="18" charset="0"/>
+                <a:hlinkClick r:id="rId5"/>
+              </a:rPr>
+              <a:t>://</a:t>
+            </a:r>
+            <a:r>
+              <a:rPr lang="ru-RU" u="sng" dirty="0" err="1">
+                <a:solidFill>
+                  <a:srgbClr val="0563C1"/>
+                </a:solidFill>
+                <a:latin typeface="Times New Roman" panose="02020603050405020304" pitchFamily="18" charset="0"/>
+                <a:ea typeface="Calibri" panose="020F0502020204030204" pitchFamily="34" charset="0"/>
+                <a:cs typeface="Times New Roman" panose="02020603050405020304" pitchFamily="18" charset="0"/>
+                <a:hlinkClick r:id="rId5"/>
+              </a:rPr>
+              <a:t>goo.gl</a:t>
+            </a:r>
+            <a:r>
+              <a:rPr lang="ru-RU" u="sng" dirty="0">
+                <a:solidFill>
+                  <a:srgbClr val="0563C1"/>
+                </a:solidFill>
+                <a:latin typeface="Times New Roman" panose="02020603050405020304" pitchFamily="18" charset="0"/>
+                <a:ea typeface="Calibri" panose="020F0502020204030204" pitchFamily="34" charset="0"/>
+                <a:cs typeface="Times New Roman" panose="02020603050405020304" pitchFamily="18" charset="0"/>
+                <a:hlinkClick r:id="rId5"/>
+              </a:rPr>
+              <a:t>/</a:t>
+            </a:r>
+            <a:r>
+              <a:rPr lang="ru-RU" u="sng" dirty="0" err="1">
+                <a:solidFill>
+                  <a:srgbClr val="0563C1"/>
+                </a:solidFill>
+                <a:latin typeface="Times New Roman" panose="02020603050405020304" pitchFamily="18" charset="0"/>
+                <a:ea typeface="Calibri" panose="020F0502020204030204" pitchFamily="34" charset="0"/>
+                <a:cs typeface="Times New Roman" panose="02020603050405020304" pitchFamily="18" charset="0"/>
+                <a:hlinkClick r:id="rId5"/>
+              </a:rPr>
+              <a:t>7mCwsM</a:t>
+            </a:r>
+            <a:endParaRPr lang="ru-RU" dirty="0">
+              <a:effectLst/>
+              <a:latin typeface="Times New Roman" panose="02020603050405020304" pitchFamily="18" charset="0"/>
+              <a:ea typeface="Calibri" panose="020F0502020204030204" pitchFamily="34" charset="0"/>
+              <a:cs typeface="Times New Roman" panose="02020603050405020304" pitchFamily="18" charset="0"/>
+            </a:endParaRPr>
+          </a:p>
+        </p:txBody>
+      </p:sp>
+    </p:spTree>
+    <p:extLst>
+      <p:ext uri="{BB962C8B-B14F-4D97-AF65-F5344CB8AC3E}">
+        <p14:creationId xmlns:p14="http://schemas.microsoft.com/office/powerpoint/2010/main" val="3414759277"/>
+      </p:ext>
+    </p:extLst>
+  </p:cSld>
+  <p:clrMapOvr>
+    <a:masterClrMapping/>
+  </p:clrMapOvr>
 </p:sld>
 </file>
 
@@ -34861,7 +42175,12 @@
             <p:ph type="body" sz="half" idx="2"/>
           </p:nvPr>
         </p:nvSpPr>
-        <p:spPr/>
+        <p:spPr>
+          <a:xfrm>
+            <a:off x="621357" y="2208869"/>
+            <a:ext cx="4389120" cy="3762294"/>
+          </a:xfrm>
+        </p:spPr>
         <p:txBody>
           <a:bodyPr anchor="ctr">
             <a:normAutofit/>
@@ -34871,47 +42190,34 @@
             <a:pPr algn="ctr"/>
             <a:r>
               <a:rPr lang="ru-RU" sz="2800" dirty="0" smtClean="0"/>
-              <a:t>Создать среду разработки для веб-приложений</a:t>
+              <a:t>Создать среду разработки для </a:t>
             </a:r>
-          </a:p>
-          <a:p>
-            <a:pPr algn="ctr"/>
             <a:r>
               <a:rPr lang="ru-RU" sz="2800" dirty="0" smtClean="0"/>
-              <a:t>Такую, как среда </a:t>
+              <a:t>веб-приложений</a:t>
             </a:r>
-            <a:r>
-              <a:rPr lang="en-US" sz="2800" dirty="0" smtClean="0"/>
-              <a:t>Smalltalk</a:t>
-            </a:r>
-            <a:endParaRPr lang="ru-RU" sz="2800" dirty="0"/>
+            <a:endParaRPr lang="ru-RU" sz="2800" dirty="0" smtClean="0"/>
           </a:p>
         </p:txBody>
       </p:sp>
       <p:pic>
         <p:nvPicPr>
-          <p:cNvPr id="8" name="Рисунок 7"/>
+          <p:cNvPr id="4" name="Рисунок 3"/>
           <p:cNvPicPr>
             <a:picLocks noChangeAspect="1"/>
           </p:cNvPicPr>
           <p:nvPr/>
         </p:nvPicPr>
         <p:blipFill>
-          <a:blip r:embed="rId2">
-            <a:extLst>
-              <a:ext uri="{28A0092B-C50C-407E-A947-70E740481C1C}">
-                <a14:useLocalDpi xmlns:a14="http://schemas.microsoft.com/office/drawing/2010/main" val="0"/>
-              </a:ext>
-            </a:extLst>
-          </a:blip>
+          <a:blip r:embed="rId2"/>
           <a:stretch>
             <a:fillRect/>
           </a:stretch>
         </p:blipFill>
         <p:spPr>
           <a:xfrm>
-            <a:off x="6011715" y="2275486"/>
-            <a:ext cx="5539144" cy="3726334"/>
+            <a:off x="5010477" y="2208869"/>
+            <a:ext cx="6541764" cy="3445329"/>
           </a:xfrm>
           <a:prstGeom prst="rect">
             <a:avLst/>
@@ -34928,10 +42234,138 @@
   <p:clrMapOvr>
     <a:masterClrMapping/>
   </p:clrMapOvr>
+  <p:timing>
+    <p:tnLst>
+      <p:par>
+        <p:cTn id="1" dur="indefinite" restart="never" nodeType="tmRoot"/>
+      </p:par>
+    </p:tnLst>
+  </p:timing>
 </p:sld>
 </file>
 
 <file path=ppt/slides/slide3.xml><?xml version="1.0" encoding="utf-8"?>
+<p:sld xmlns:a="http://schemas.openxmlformats.org/drawingml/2006/main" xmlns:r="http://schemas.openxmlformats.org/officeDocument/2006/relationships" xmlns:p="http://schemas.openxmlformats.org/presentationml/2006/main">
+  <p:cSld>
+    <p:spTree>
+      <p:nvGrpSpPr>
+        <p:cNvPr id="1" name=""/>
+        <p:cNvGrpSpPr/>
+        <p:nvPr/>
+      </p:nvGrpSpPr>
+      <p:grpSpPr>
+        <a:xfrm>
+          <a:off x="0" y="0"/>
+          <a:ext cx="0" cy="0"/>
+          <a:chOff x="0" y="0"/>
+          <a:chExt cx="0" cy="0"/>
+        </a:xfrm>
+      </p:grpSpPr>
+      <p:sp>
+        <p:nvSpPr>
+          <p:cNvPr id="5" name="Заголовок 4"/>
+          <p:cNvSpPr>
+            <a:spLocks noGrp="1"/>
+          </p:cNvSpPr>
+          <p:nvPr>
+            <p:ph type="title"/>
+          </p:nvPr>
+        </p:nvSpPr>
+        <p:spPr>
+          <a:xfrm>
+            <a:off x="1024128" y="585216"/>
+            <a:ext cx="8870986" cy="1499616"/>
+          </a:xfrm>
+        </p:spPr>
+        <p:txBody>
+          <a:bodyPr/>
+          <a:lstStyle/>
+          <a:p>
+            <a:r>
+              <a:rPr lang="en-US" dirty="0" smtClean="0"/>
+              <a:t>Smalltalk</a:t>
+            </a:r>
+            <a:endParaRPr lang="ru-RU" dirty="0"/>
+          </a:p>
+        </p:txBody>
+      </p:sp>
+      <p:pic>
+        <p:nvPicPr>
+          <p:cNvPr id="1026" name="Picture 2" descr="Картинки по запросу smalltalk programming language"/>
+          <p:cNvPicPr>
+            <a:picLocks noChangeAspect="1" noChangeArrowheads="1"/>
+          </p:cNvPicPr>
+          <p:nvPr/>
+        </p:nvPicPr>
+        <p:blipFill>
+          <a:blip r:embed="rId2">
+            <a:extLst>
+              <a:ext uri="{28A0092B-C50C-407E-A947-70E740481C1C}">
+                <a14:useLocalDpi xmlns:a14="http://schemas.microsoft.com/office/drawing/2010/main" val="0"/>
+              </a:ext>
+            </a:extLst>
+          </a:blip>
+          <a:srcRect/>
+          <a:stretch>
+            <a:fillRect/>
+          </a:stretch>
+        </p:blipFill>
+        <p:spPr bwMode="auto">
+          <a:xfrm>
+            <a:off x="9895114" y="809684"/>
+            <a:ext cx="1433739" cy="1050679"/>
+          </a:xfrm>
+          <a:prstGeom prst="rect">
+            <a:avLst/>
+          </a:prstGeom>
+          <a:noFill/>
+          <a:extLst>
+            <a:ext uri="{909E8E84-426E-40DD-AFC4-6F175D3DCCD1}">
+              <a14:hiddenFill xmlns:a14="http://schemas.microsoft.com/office/drawing/2010/main">
+                <a:solidFill>
+                  <a:srgbClr val="FFFFFF"/>
+                </a:solidFill>
+              </a14:hiddenFill>
+            </a:ext>
+          </a:extLst>
+        </p:spPr>
+      </p:pic>
+      <p:graphicFrame>
+        <p:nvGraphicFramePr>
+          <p:cNvPr id="8" name="Схема 7"/>
+          <p:cNvGraphicFramePr/>
+          <p:nvPr>
+            <p:extLst>
+              <p:ext uri="{D42A27DB-BD31-4B8C-83A1-F6EECF244321}">
+                <p14:modId xmlns:p14="http://schemas.microsoft.com/office/powerpoint/2010/main" val="955698490"/>
+              </p:ext>
+            </p:extLst>
+          </p:nvPr>
+        </p:nvGraphicFramePr>
+        <p:xfrm>
+          <a:off x="2971799" y="1860363"/>
+          <a:ext cx="7003143" cy="4483704"/>
+        </p:xfrm>
+        <a:graphic>
+          <a:graphicData uri="http://schemas.openxmlformats.org/drawingml/2006/diagram">
+            <dgm:relIds xmlns:dgm="http://schemas.openxmlformats.org/drawingml/2006/diagram" xmlns:r="http://schemas.openxmlformats.org/officeDocument/2006/relationships" r:dm="rId3" r:lo="rId4" r:qs="rId5" r:cs="rId6"/>
+          </a:graphicData>
+        </a:graphic>
+      </p:graphicFrame>
+    </p:spTree>
+    <p:extLst>
+      <p:ext uri="{BB962C8B-B14F-4D97-AF65-F5344CB8AC3E}">
+        <p14:creationId xmlns:p14="http://schemas.microsoft.com/office/powerpoint/2010/main" val="3947833821"/>
+      </p:ext>
+    </p:extLst>
+  </p:cSld>
+  <p:clrMapOvr>
+    <a:masterClrMapping/>
+  </p:clrMapOvr>
+</p:sld>
+</file>
+
+<file path=ppt/slides/slide4.xml><?xml version="1.0" encoding="utf-8"?>
 <p:sld xmlns:a="http://schemas.openxmlformats.org/drawingml/2006/main" xmlns:r="http://schemas.openxmlformats.org/officeDocument/2006/relationships" xmlns:p="http://schemas.openxmlformats.org/presentationml/2006/main">
   <p:cSld>
     <p:spTree>
@@ -35006,10 +42440,17 @@
   <p:clrMapOvr>
     <a:masterClrMapping/>
   </p:clrMapOvr>
+  <p:timing>
+    <p:tnLst>
+      <p:par>
+        <p:cTn id="1" dur="indefinite" restart="never" nodeType="tmRoot"/>
+      </p:par>
+    </p:tnLst>
+  </p:timing>
 </p:sld>
 </file>
 
-<file path=ppt/slides/slide4.xml><?xml version="1.0" encoding="utf-8"?>
+<file path=ppt/slides/slide5.xml><?xml version="1.0" encoding="utf-8"?>
 <p:sld xmlns:a="http://schemas.openxmlformats.org/drawingml/2006/main" xmlns:r="http://schemas.openxmlformats.org/officeDocument/2006/relationships" xmlns:p="http://schemas.openxmlformats.org/presentationml/2006/main">
   <p:cSld>
     <p:spTree>
@@ -35087,7 +42528,7 @@
 </p:sld>
 </file>
 
-<file path=ppt/slides/slide5.xml><?xml version="1.0" encoding="utf-8"?>
+<file path=ppt/slides/slide6.xml><?xml version="1.0" encoding="utf-8"?>
 <p:sld xmlns:a="http://schemas.openxmlformats.org/drawingml/2006/main" xmlns:r="http://schemas.openxmlformats.org/officeDocument/2006/relationships" xmlns:p="http://schemas.openxmlformats.org/presentationml/2006/main">
   <p:cSld>
     <p:spTree>
@@ -35169,7 +42610,7 @@
 </p:sld>
 </file>
 
-<file path=ppt/slides/slide6.xml><?xml version="1.0" encoding="utf-8"?>
+<file path=ppt/slides/slide7.xml><?xml version="1.0" encoding="utf-8"?>
 <p:sld xmlns:a="http://schemas.openxmlformats.org/drawingml/2006/main" xmlns:r="http://schemas.openxmlformats.org/officeDocument/2006/relationships" xmlns:p="http://schemas.openxmlformats.org/presentationml/2006/main">
   <p:cSld>
     <p:spTree>
@@ -35251,7 +42692,7 @@
 </p:sld>
 </file>
 
-<file path=ppt/slides/slide7.xml><?xml version="1.0" encoding="utf-8"?>
+<file path=ppt/slides/slide8.xml><?xml version="1.0" encoding="utf-8"?>
 <p:sld xmlns:a="http://schemas.openxmlformats.org/drawingml/2006/main" xmlns:r="http://schemas.openxmlformats.org/officeDocument/2006/relationships" xmlns:p="http://schemas.openxmlformats.org/presentationml/2006/main">
   <p:cSld>
     <p:spTree>
@@ -35687,82 +43128,100 @@
           </a:graphicData>
         </a:graphic>
       </p:graphicFrame>
+      <p:pic>
+        <p:nvPicPr>
+          <p:cNvPr id="10" name="Рисунок 9"/>
+          <p:cNvPicPr>
+            <a:picLocks noChangeAspect="1"/>
+          </p:cNvPicPr>
+          <p:nvPr/>
+        </p:nvPicPr>
+        <p:blipFill>
+          <a:blip r:embed="rId4">
+            <a:extLst>
+              <a:ext uri="{28A0092B-C50C-407E-A947-70E740481C1C}">
+                <a14:useLocalDpi xmlns:a14="http://schemas.microsoft.com/office/drawing/2010/main" val="0"/>
+              </a:ext>
+            </a:extLst>
+          </a:blip>
+          <a:stretch>
+            <a:fillRect/>
+          </a:stretch>
+        </p:blipFill>
+        <p:spPr>
+          <a:xfrm>
+            <a:off x="9900556" y="1712628"/>
+            <a:ext cx="2158214" cy="2158214"/>
+          </a:xfrm>
+          <a:prstGeom prst="rect">
+            <a:avLst/>
+          </a:prstGeom>
+        </p:spPr>
+      </p:pic>
+      <p:pic>
+        <p:nvPicPr>
+          <p:cNvPr id="11" name="Рисунок 10"/>
+          <p:cNvPicPr>
+            <a:picLocks noChangeAspect="1"/>
+          </p:cNvPicPr>
+          <p:nvPr/>
+        </p:nvPicPr>
+        <p:blipFill>
+          <a:blip r:embed="rId5" cstate="print">
+            <a:extLst>
+              <a:ext uri="{28A0092B-C50C-407E-A947-70E740481C1C}">
+                <a14:useLocalDpi xmlns:a14="http://schemas.microsoft.com/office/drawing/2010/main" val="0"/>
+              </a:ext>
+            </a:extLst>
+          </a:blip>
+          <a:stretch>
+            <a:fillRect/>
+          </a:stretch>
+        </p:blipFill>
+        <p:spPr>
+          <a:xfrm>
+            <a:off x="5434470" y="2093396"/>
+            <a:ext cx="2668728" cy="1585666"/>
+          </a:xfrm>
+          <a:prstGeom prst="rect">
+            <a:avLst/>
+          </a:prstGeom>
+        </p:spPr>
+      </p:pic>
+      <p:pic>
+        <p:nvPicPr>
+          <p:cNvPr id="12" name="Рисунок 11"/>
+          <p:cNvPicPr>
+            <a:picLocks noChangeAspect="1"/>
+          </p:cNvPicPr>
+          <p:nvPr/>
+        </p:nvPicPr>
+        <p:blipFill>
+          <a:blip r:embed="rId6" cstate="print">
+            <a:extLst>
+              <a:ext uri="{28A0092B-C50C-407E-A947-70E740481C1C}">
+                <a14:useLocalDpi xmlns:a14="http://schemas.microsoft.com/office/drawing/2010/main" val="0"/>
+              </a:ext>
+            </a:extLst>
+          </a:blip>
+          <a:stretch>
+            <a:fillRect/>
+          </a:stretch>
+        </p:blipFill>
+        <p:spPr>
+          <a:xfrm>
+            <a:off x="8280548" y="1801524"/>
+            <a:ext cx="1442658" cy="2169410"/>
+          </a:xfrm>
+          <a:prstGeom prst="rect">
+            <a:avLst/>
+          </a:prstGeom>
+        </p:spPr>
+      </p:pic>
     </p:spTree>
     <p:extLst>
       <p:ext uri="{BB962C8B-B14F-4D97-AF65-F5344CB8AC3E}">
         <p14:creationId xmlns:p14="http://schemas.microsoft.com/office/powerpoint/2010/main" val="1715647811"/>
-      </p:ext>
-    </p:extLst>
-  </p:cSld>
-  <p:clrMapOvr>
-    <a:masterClrMapping/>
-  </p:clrMapOvr>
-</p:sld>
-</file>
-
-<file path=ppt/slides/slide8.xml><?xml version="1.0" encoding="utf-8"?>
-<p:sld xmlns:a="http://schemas.openxmlformats.org/drawingml/2006/main" xmlns:r="http://schemas.openxmlformats.org/officeDocument/2006/relationships" xmlns:p="http://schemas.openxmlformats.org/presentationml/2006/main">
-  <p:cSld>
-    <p:spTree>
-      <p:nvGrpSpPr>
-        <p:cNvPr id="1" name=""/>
-        <p:cNvGrpSpPr/>
-        <p:nvPr/>
-      </p:nvGrpSpPr>
-      <p:grpSpPr>
-        <a:xfrm>
-          <a:off x="0" y="0"/>
-          <a:ext cx="0" cy="0"/>
-          <a:chOff x="0" y="0"/>
-          <a:chExt cx="0" cy="0"/>
-        </a:xfrm>
-      </p:grpSpPr>
-      <p:sp>
-        <p:nvSpPr>
-          <p:cNvPr id="2" name="Заголовок 1"/>
-          <p:cNvSpPr>
-            <a:spLocks noGrp="1"/>
-          </p:cNvSpPr>
-          <p:nvPr>
-            <p:ph type="title"/>
-          </p:nvPr>
-        </p:nvSpPr>
-        <p:spPr/>
-        <p:txBody>
-          <a:bodyPr/>
-          <a:lstStyle/>
-          <a:p>
-            <a:r>
-              <a:rPr lang="ru-RU" dirty="0" smtClean="0"/>
-              <a:t>Сравнение с аналогами</a:t>
-            </a:r>
-            <a:endParaRPr lang="ru-RU" dirty="0"/>
-          </a:p>
-        </p:txBody>
-      </p:sp>
-      <p:sp>
-        <p:nvSpPr>
-          <p:cNvPr id="3" name="Объект 2"/>
-          <p:cNvSpPr>
-            <a:spLocks noGrp="1"/>
-          </p:cNvSpPr>
-          <p:nvPr>
-            <p:ph idx="1"/>
-          </p:nvPr>
-        </p:nvSpPr>
-        <p:spPr/>
-        <p:txBody>
-          <a:bodyPr/>
-          <a:lstStyle/>
-          <a:p>
-            <a:endParaRPr lang="ru-RU"/>
-          </a:p>
-        </p:txBody>
-      </p:sp>
-    </p:spTree>
-    <p:extLst>
-      <p:ext uri="{BB962C8B-B14F-4D97-AF65-F5344CB8AC3E}">
-        <p14:creationId xmlns:p14="http://schemas.microsoft.com/office/powerpoint/2010/main" val="2829663930"/>
       </p:ext>
     </p:extLst>
   </p:cSld>
@@ -35806,35 +43265,591 @@
           <a:p>
             <a:r>
               <a:rPr lang="ru-RU" dirty="0" smtClean="0"/>
-              <a:t>Итоги работы</a:t>
+              <a:t>Сравнение </a:t>
+            </a:r>
+            <a:r>
+              <a:rPr lang="ru-RU" dirty="0" smtClean="0"/>
+              <a:t>с</a:t>
+            </a:r>
+            <a:r>
+              <a:rPr lang="en-US" dirty="0" smtClean="0"/>
+              <a:t> DOLPHIN SMALLTALK</a:t>
             </a:r>
             <a:endParaRPr lang="ru-RU" dirty="0"/>
           </a:p>
         </p:txBody>
       </p:sp>
-      <p:sp>
-        <p:nvSpPr>
-          <p:cNvPr id="3" name="Объект 2"/>
-          <p:cNvSpPr>
-            <a:spLocks noGrp="1"/>
-          </p:cNvSpPr>
+      <p:graphicFrame>
+        <p:nvGraphicFramePr>
+          <p:cNvPr id="4" name="Таблица 3"/>
+          <p:cNvGraphicFramePr>
+            <a:graphicFrameLocks noGrp="1"/>
+          </p:cNvGraphicFramePr>
           <p:nvPr>
-            <p:ph idx="1"/>
+            <p:extLst>
+              <p:ext uri="{D42A27DB-BD31-4B8C-83A1-F6EECF244321}">
+                <p14:modId xmlns:p14="http://schemas.microsoft.com/office/powerpoint/2010/main" val="757261929"/>
+              </p:ext>
+            </p:extLst>
           </p:nvPr>
-        </p:nvSpPr>
-        <p:spPr/>
-        <p:txBody>
-          <a:bodyPr/>
-          <a:lstStyle/>
-          <a:p>
-            <a:endParaRPr lang="ru-RU"/>
-          </a:p>
-        </p:txBody>
-      </p:sp>
+        </p:nvGraphicFramePr>
+        <p:xfrm>
+          <a:off x="849956" y="2324317"/>
+          <a:ext cx="9894244" cy="3382872"/>
+        </p:xfrm>
+        <a:graphic>
+          <a:graphicData uri="http://schemas.openxmlformats.org/drawingml/2006/table">
+            <a:tbl>
+              <a:tblPr firstRow="1" firstCol="1" bandRow="1">
+                <a:tableStyleId>{5C22544A-7EE6-4342-B048-85BDC9FD1C3A}</a:tableStyleId>
+              </a:tblPr>
+              <a:tblGrid>
+                <a:gridCol w="3447368"/>
+                <a:gridCol w="3751237"/>
+                <a:gridCol w="2695639"/>
+              </a:tblGrid>
+              <a:tr h="565466">
+                <a:tc>
+                  <a:txBody>
+                    <a:bodyPr/>
+                    <a:lstStyle/>
+                    <a:p>
+                      <a:pPr>
+                        <a:lnSpc>
+                          <a:spcPct val="107000"/>
+                        </a:lnSpc>
+                        <a:spcAft>
+                          <a:spcPts val="800"/>
+                        </a:spcAft>
+                      </a:pPr>
+                      <a:r>
+                        <a:rPr lang="ru-RU" sz="1400" dirty="0">
+                          <a:effectLst/>
+                        </a:rPr>
+                        <a:t> </a:t>
+                      </a:r>
+                      <a:endParaRPr lang="ru-RU" sz="1400" dirty="0">
+                        <a:effectLst/>
+                        <a:latin typeface="Times New Roman" panose="02020603050405020304" pitchFamily="18" charset="0"/>
+                        <a:ea typeface="Calibri" panose="020F0502020204030204" pitchFamily="34" charset="0"/>
+                        <a:cs typeface="Times New Roman" panose="02020603050405020304" pitchFamily="18" charset="0"/>
+                      </a:endParaRPr>
+                    </a:p>
+                  </a:txBody>
+                  <a:tcPr marL="68580" marR="68580" marT="0" marB="0" anchor="ctr"/>
+                </a:tc>
+                <a:tc>
+                  <a:txBody>
+                    <a:bodyPr/>
+                    <a:lstStyle/>
+                    <a:p>
+                      <a:pPr algn="ctr">
+                        <a:lnSpc>
+                          <a:spcPct val="107000"/>
+                        </a:lnSpc>
+                        <a:spcAft>
+                          <a:spcPts val="0"/>
+                        </a:spcAft>
+                      </a:pPr>
+                      <a:r>
+                        <a:rPr lang="en-US" sz="2000">
+                          <a:effectLst/>
+                        </a:rPr>
+                        <a:t>Dolphin Smalltalk</a:t>
+                      </a:r>
+                      <a:endParaRPr lang="ru-RU" sz="2000">
+                        <a:effectLst/>
+                        <a:latin typeface="Times New Roman" panose="02020603050405020304" pitchFamily="18" charset="0"/>
+                        <a:ea typeface="Calibri" panose="020F0502020204030204" pitchFamily="34" charset="0"/>
+                        <a:cs typeface="Times New Roman" panose="02020603050405020304" pitchFamily="18" charset="0"/>
+                      </a:endParaRPr>
+                    </a:p>
+                  </a:txBody>
+                  <a:tcPr marL="68580" marR="68580" marT="0" marB="0" anchor="ctr"/>
+                </a:tc>
+                <a:tc>
+                  <a:txBody>
+                    <a:bodyPr/>
+                    <a:lstStyle/>
+                    <a:p>
+                      <a:pPr algn="ctr">
+                        <a:lnSpc>
+                          <a:spcPct val="107000"/>
+                        </a:lnSpc>
+                        <a:spcAft>
+                          <a:spcPts val="0"/>
+                        </a:spcAft>
+                      </a:pPr>
+                      <a:r>
+                        <a:rPr lang="en-US" sz="2000" dirty="0" smtClean="0">
+                          <a:effectLst/>
+                        </a:rPr>
+                        <a:t>PG</a:t>
+                      </a:r>
+                      <a:endParaRPr lang="ru-RU" sz="2000" dirty="0">
+                        <a:effectLst/>
+                        <a:latin typeface="Times New Roman" panose="02020603050405020304" pitchFamily="18" charset="0"/>
+                        <a:ea typeface="Calibri" panose="020F0502020204030204" pitchFamily="34" charset="0"/>
+                        <a:cs typeface="Times New Roman" panose="02020603050405020304" pitchFamily="18" charset="0"/>
+                      </a:endParaRPr>
+                    </a:p>
+                  </a:txBody>
+                  <a:tcPr marL="68580" marR="68580" marT="0" marB="0" anchor="ctr"/>
+                </a:tc>
+              </a:tr>
+              <a:tr h="562985">
+                <a:tc>
+                  <a:txBody>
+                    <a:bodyPr/>
+                    <a:lstStyle/>
+                    <a:p>
+                      <a:pPr>
+                        <a:lnSpc>
+                          <a:spcPct val="107000"/>
+                        </a:lnSpc>
+                        <a:spcAft>
+                          <a:spcPts val="0"/>
+                        </a:spcAft>
+                      </a:pPr>
+                      <a:r>
+                        <a:rPr lang="en-US" sz="2400" dirty="0">
+                          <a:effectLst/>
+                        </a:rPr>
+                        <a:t>Class Browser</a:t>
+                      </a:r>
+                      <a:endParaRPr lang="ru-RU" sz="2400" dirty="0">
+                        <a:effectLst/>
+                        <a:latin typeface="Times New Roman" panose="02020603050405020304" pitchFamily="18" charset="0"/>
+                        <a:ea typeface="Calibri" panose="020F0502020204030204" pitchFamily="34" charset="0"/>
+                        <a:cs typeface="Times New Roman" panose="02020603050405020304" pitchFamily="18" charset="0"/>
+                      </a:endParaRPr>
+                    </a:p>
+                  </a:txBody>
+                  <a:tcPr marL="68580" marR="68580" marT="0" marB="0" anchor="ctr"/>
+                </a:tc>
+                <a:tc>
+                  <a:txBody>
+                    <a:bodyPr/>
+                    <a:lstStyle/>
+                    <a:p>
+                      <a:pPr algn="ctr">
+                        <a:lnSpc>
+                          <a:spcPct val="107000"/>
+                        </a:lnSpc>
+                        <a:spcAft>
+                          <a:spcPts val="0"/>
+                        </a:spcAft>
+                      </a:pPr>
+                      <a:r>
+                        <a:rPr lang="en-US" sz="1400">
+                          <a:effectLst/>
+                        </a:rPr>
+                        <a:t>+</a:t>
+                      </a:r>
+                      <a:endParaRPr lang="ru-RU" sz="1400">
+                        <a:effectLst/>
+                        <a:latin typeface="Times New Roman" panose="02020603050405020304" pitchFamily="18" charset="0"/>
+                        <a:ea typeface="Calibri" panose="020F0502020204030204" pitchFamily="34" charset="0"/>
+                        <a:cs typeface="Times New Roman" panose="02020603050405020304" pitchFamily="18" charset="0"/>
+                      </a:endParaRPr>
+                    </a:p>
+                  </a:txBody>
+                  <a:tcPr marL="68580" marR="68580" marT="0" marB="0" anchor="ctr"/>
+                </a:tc>
+                <a:tc>
+                  <a:txBody>
+                    <a:bodyPr/>
+                    <a:lstStyle/>
+                    <a:p>
+                      <a:pPr algn="ctr">
+                        <a:lnSpc>
+                          <a:spcPct val="107000"/>
+                        </a:lnSpc>
+                        <a:spcAft>
+                          <a:spcPts val="0"/>
+                        </a:spcAft>
+                      </a:pPr>
+                      <a:r>
+                        <a:rPr lang="en-US" sz="1400">
+                          <a:effectLst/>
+                        </a:rPr>
+                        <a:t>+</a:t>
+                      </a:r>
+                      <a:endParaRPr lang="ru-RU" sz="1400">
+                        <a:effectLst/>
+                        <a:latin typeface="Times New Roman" panose="02020603050405020304" pitchFamily="18" charset="0"/>
+                        <a:ea typeface="Calibri" panose="020F0502020204030204" pitchFamily="34" charset="0"/>
+                        <a:cs typeface="Times New Roman" panose="02020603050405020304" pitchFamily="18" charset="0"/>
+                      </a:endParaRPr>
+                    </a:p>
+                  </a:txBody>
+                  <a:tcPr marL="68580" marR="68580" marT="0" marB="0" anchor="ctr"/>
+                </a:tc>
+              </a:tr>
+              <a:tr h="562985">
+                <a:tc>
+                  <a:txBody>
+                    <a:bodyPr/>
+                    <a:lstStyle/>
+                    <a:p>
+                      <a:pPr>
+                        <a:lnSpc>
+                          <a:spcPct val="107000"/>
+                        </a:lnSpc>
+                        <a:spcAft>
+                          <a:spcPts val="0"/>
+                        </a:spcAft>
+                      </a:pPr>
+                      <a:r>
+                        <a:rPr lang="en-US" sz="2400" dirty="0">
+                          <a:effectLst/>
+                        </a:rPr>
+                        <a:t>Package Browser</a:t>
+                      </a:r>
+                      <a:endParaRPr lang="ru-RU" sz="2400" dirty="0">
+                        <a:effectLst/>
+                        <a:latin typeface="Times New Roman" panose="02020603050405020304" pitchFamily="18" charset="0"/>
+                        <a:ea typeface="Calibri" panose="020F0502020204030204" pitchFamily="34" charset="0"/>
+                        <a:cs typeface="Times New Roman" panose="02020603050405020304" pitchFamily="18" charset="0"/>
+                      </a:endParaRPr>
+                    </a:p>
+                  </a:txBody>
+                  <a:tcPr marL="68580" marR="68580" marT="0" marB="0" anchor="ctr"/>
+                </a:tc>
+                <a:tc>
+                  <a:txBody>
+                    <a:bodyPr/>
+                    <a:lstStyle/>
+                    <a:p>
+                      <a:pPr algn="ctr">
+                        <a:lnSpc>
+                          <a:spcPct val="107000"/>
+                        </a:lnSpc>
+                        <a:spcAft>
+                          <a:spcPts val="0"/>
+                        </a:spcAft>
+                      </a:pPr>
+                      <a:r>
+                        <a:rPr lang="en-US" sz="1400">
+                          <a:effectLst/>
+                        </a:rPr>
+                        <a:t>+</a:t>
+                      </a:r>
+                      <a:endParaRPr lang="ru-RU" sz="1400">
+                        <a:effectLst/>
+                        <a:latin typeface="Times New Roman" panose="02020603050405020304" pitchFamily="18" charset="0"/>
+                        <a:ea typeface="Calibri" panose="020F0502020204030204" pitchFamily="34" charset="0"/>
+                        <a:cs typeface="Times New Roman" panose="02020603050405020304" pitchFamily="18" charset="0"/>
+                      </a:endParaRPr>
+                    </a:p>
+                  </a:txBody>
+                  <a:tcPr marL="68580" marR="68580" marT="0" marB="0" anchor="ctr"/>
+                </a:tc>
+                <a:tc>
+                  <a:txBody>
+                    <a:bodyPr/>
+                    <a:lstStyle/>
+                    <a:p>
+                      <a:pPr algn="ctr">
+                        <a:lnSpc>
+                          <a:spcPct val="107000"/>
+                        </a:lnSpc>
+                        <a:spcAft>
+                          <a:spcPts val="0"/>
+                        </a:spcAft>
+                      </a:pPr>
+                      <a:r>
+                        <a:rPr lang="en-US" sz="1400" dirty="0">
+                          <a:effectLst/>
+                        </a:rPr>
+                        <a:t>+</a:t>
+                      </a:r>
+                      <a:endParaRPr lang="ru-RU" sz="1400" dirty="0">
+                        <a:effectLst/>
+                        <a:latin typeface="Times New Roman" panose="02020603050405020304" pitchFamily="18" charset="0"/>
+                        <a:ea typeface="Calibri" panose="020F0502020204030204" pitchFamily="34" charset="0"/>
+                        <a:cs typeface="Times New Roman" panose="02020603050405020304" pitchFamily="18" charset="0"/>
+                      </a:endParaRPr>
+                    </a:p>
+                  </a:txBody>
+                  <a:tcPr marL="68580" marR="68580" marT="0" marB="0" anchor="ctr"/>
+                </a:tc>
+              </a:tr>
+              <a:tr h="562985">
+                <a:tc>
+                  <a:txBody>
+                    <a:bodyPr/>
+                    <a:lstStyle/>
+                    <a:p>
+                      <a:pPr>
+                        <a:lnSpc>
+                          <a:spcPct val="107000"/>
+                        </a:lnSpc>
+                        <a:spcAft>
+                          <a:spcPts val="0"/>
+                        </a:spcAft>
+                      </a:pPr>
+                      <a:r>
+                        <a:rPr lang="en-US" sz="2400" dirty="0">
+                          <a:effectLst/>
+                        </a:rPr>
+                        <a:t>Inspector</a:t>
+                      </a:r>
+                      <a:endParaRPr lang="ru-RU" sz="2400" dirty="0">
+                        <a:effectLst/>
+                        <a:latin typeface="Times New Roman" panose="02020603050405020304" pitchFamily="18" charset="0"/>
+                        <a:ea typeface="Calibri" panose="020F0502020204030204" pitchFamily="34" charset="0"/>
+                        <a:cs typeface="Times New Roman" panose="02020603050405020304" pitchFamily="18" charset="0"/>
+                      </a:endParaRPr>
+                    </a:p>
+                  </a:txBody>
+                  <a:tcPr marL="68580" marR="68580" marT="0" marB="0" anchor="ctr"/>
+                </a:tc>
+                <a:tc>
+                  <a:txBody>
+                    <a:bodyPr/>
+                    <a:lstStyle/>
+                    <a:p>
+                      <a:pPr algn="ctr">
+                        <a:lnSpc>
+                          <a:spcPct val="107000"/>
+                        </a:lnSpc>
+                        <a:spcAft>
+                          <a:spcPts val="0"/>
+                        </a:spcAft>
+                      </a:pPr>
+                      <a:r>
+                        <a:rPr lang="en-US" sz="1400">
+                          <a:effectLst/>
+                        </a:rPr>
+                        <a:t>+</a:t>
+                      </a:r>
+                      <a:endParaRPr lang="ru-RU" sz="1400">
+                        <a:effectLst/>
+                        <a:latin typeface="Times New Roman" panose="02020603050405020304" pitchFamily="18" charset="0"/>
+                        <a:ea typeface="Calibri" panose="020F0502020204030204" pitchFamily="34" charset="0"/>
+                        <a:cs typeface="Times New Roman" panose="02020603050405020304" pitchFamily="18" charset="0"/>
+                      </a:endParaRPr>
+                    </a:p>
+                  </a:txBody>
+                  <a:tcPr marL="68580" marR="68580" marT="0" marB="0" anchor="ctr"/>
+                </a:tc>
+                <a:tc>
+                  <a:txBody>
+                    <a:bodyPr/>
+                    <a:lstStyle/>
+                    <a:p>
+                      <a:pPr algn="ctr">
+                        <a:lnSpc>
+                          <a:spcPct val="107000"/>
+                        </a:lnSpc>
+                        <a:spcAft>
+                          <a:spcPts val="0"/>
+                        </a:spcAft>
+                      </a:pPr>
+                      <a:r>
+                        <a:rPr lang="en-US" sz="1400">
+                          <a:effectLst/>
+                        </a:rPr>
+                        <a:t>-</a:t>
+                      </a:r>
+                      <a:endParaRPr lang="ru-RU" sz="1400">
+                        <a:effectLst/>
+                        <a:latin typeface="Times New Roman" panose="02020603050405020304" pitchFamily="18" charset="0"/>
+                        <a:ea typeface="Calibri" panose="020F0502020204030204" pitchFamily="34" charset="0"/>
+                        <a:cs typeface="Times New Roman" panose="02020603050405020304" pitchFamily="18" charset="0"/>
+                      </a:endParaRPr>
+                    </a:p>
+                  </a:txBody>
+                  <a:tcPr marL="68580" marR="68580" marT="0" marB="0" anchor="ctr"/>
+                </a:tc>
+              </a:tr>
+              <a:tr h="562985">
+                <a:tc>
+                  <a:txBody>
+                    <a:bodyPr/>
+                    <a:lstStyle/>
+                    <a:p>
+                      <a:pPr>
+                        <a:lnSpc>
+                          <a:spcPct val="107000"/>
+                        </a:lnSpc>
+                        <a:spcAft>
+                          <a:spcPts val="0"/>
+                        </a:spcAft>
+                      </a:pPr>
+                      <a:r>
+                        <a:rPr lang="en-US" sz="2400">
+                          <a:effectLst/>
+                        </a:rPr>
+                        <a:t>Workspace</a:t>
+                      </a:r>
+                      <a:endParaRPr lang="ru-RU" sz="2400">
+                        <a:effectLst/>
+                        <a:latin typeface="Times New Roman" panose="02020603050405020304" pitchFamily="18" charset="0"/>
+                        <a:ea typeface="Calibri" panose="020F0502020204030204" pitchFamily="34" charset="0"/>
+                        <a:cs typeface="Times New Roman" panose="02020603050405020304" pitchFamily="18" charset="0"/>
+                      </a:endParaRPr>
+                    </a:p>
+                  </a:txBody>
+                  <a:tcPr marL="68580" marR="68580" marT="0" marB="0" anchor="ctr"/>
+                </a:tc>
+                <a:tc>
+                  <a:txBody>
+                    <a:bodyPr/>
+                    <a:lstStyle/>
+                    <a:p>
+                      <a:pPr algn="ctr">
+                        <a:lnSpc>
+                          <a:spcPct val="107000"/>
+                        </a:lnSpc>
+                        <a:spcAft>
+                          <a:spcPts val="0"/>
+                        </a:spcAft>
+                      </a:pPr>
+                      <a:r>
+                        <a:rPr lang="en-US" sz="1400">
+                          <a:effectLst/>
+                        </a:rPr>
+                        <a:t>+</a:t>
+                      </a:r>
+                      <a:endParaRPr lang="ru-RU" sz="1400">
+                        <a:effectLst/>
+                        <a:latin typeface="Times New Roman" panose="02020603050405020304" pitchFamily="18" charset="0"/>
+                        <a:ea typeface="Calibri" panose="020F0502020204030204" pitchFamily="34" charset="0"/>
+                        <a:cs typeface="Times New Roman" panose="02020603050405020304" pitchFamily="18" charset="0"/>
+                      </a:endParaRPr>
+                    </a:p>
+                  </a:txBody>
+                  <a:tcPr marL="68580" marR="68580" marT="0" marB="0" anchor="ctr"/>
+                </a:tc>
+                <a:tc>
+                  <a:txBody>
+                    <a:bodyPr/>
+                    <a:lstStyle/>
+                    <a:p>
+                      <a:pPr algn="ctr">
+                        <a:lnSpc>
+                          <a:spcPct val="107000"/>
+                        </a:lnSpc>
+                        <a:spcAft>
+                          <a:spcPts val="0"/>
+                        </a:spcAft>
+                      </a:pPr>
+                      <a:r>
+                        <a:rPr lang="en-US" sz="1400">
+                          <a:effectLst/>
+                        </a:rPr>
+                        <a:t>+</a:t>
+                      </a:r>
+                      <a:endParaRPr lang="ru-RU" sz="1400">
+                        <a:effectLst/>
+                        <a:latin typeface="Times New Roman" panose="02020603050405020304" pitchFamily="18" charset="0"/>
+                        <a:ea typeface="Calibri" panose="020F0502020204030204" pitchFamily="34" charset="0"/>
+                        <a:cs typeface="Times New Roman" panose="02020603050405020304" pitchFamily="18" charset="0"/>
+                      </a:endParaRPr>
+                    </a:p>
+                  </a:txBody>
+                  <a:tcPr marL="68580" marR="68580" marT="0" marB="0" anchor="ctr"/>
+                </a:tc>
+              </a:tr>
+              <a:tr h="565466">
+                <a:tc>
+                  <a:txBody>
+                    <a:bodyPr/>
+                    <a:lstStyle/>
+                    <a:p>
+                      <a:pPr>
+                        <a:lnSpc>
+                          <a:spcPct val="107000"/>
+                        </a:lnSpc>
+                        <a:spcAft>
+                          <a:spcPts val="0"/>
+                        </a:spcAft>
+                      </a:pPr>
+                      <a:r>
+                        <a:rPr lang="ru-RU" sz="2400" dirty="0">
+                          <a:effectLst/>
+                        </a:rPr>
+                        <a:t>Генератор кода</a:t>
+                      </a:r>
+                      <a:endParaRPr lang="ru-RU" sz="2400" dirty="0">
+                        <a:effectLst/>
+                        <a:latin typeface="Times New Roman" panose="02020603050405020304" pitchFamily="18" charset="0"/>
+                        <a:ea typeface="Calibri" panose="020F0502020204030204" pitchFamily="34" charset="0"/>
+                        <a:cs typeface="Times New Roman" panose="02020603050405020304" pitchFamily="18" charset="0"/>
+                      </a:endParaRPr>
+                    </a:p>
+                  </a:txBody>
+                  <a:tcPr marL="68580" marR="68580" marT="0" marB="0" anchor="ctr"/>
+                </a:tc>
+                <a:tc>
+                  <a:txBody>
+                    <a:bodyPr/>
+                    <a:lstStyle/>
+                    <a:p>
+                      <a:pPr algn="ctr">
+                        <a:lnSpc>
+                          <a:spcPct val="107000"/>
+                        </a:lnSpc>
+                        <a:spcAft>
+                          <a:spcPts val="0"/>
+                        </a:spcAft>
+                      </a:pPr>
+                      <a:r>
+                        <a:rPr lang="en-US" sz="1400">
+                          <a:effectLst/>
+                        </a:rPr>
+                        <a:t>-</a:t>
+                      </a:r>
+                      <a:endParaRPr lang="ru-RU" sz="1400">
+                        <a:effectLst/>
+                        <a:latin typeface="Times New Roman" panose="02020603050405020304" pitchFamily="18" charset="0"/>
+                        <a:ea typeface="Calibri" panose="020F0502020204030204" pitchFamily="34" charset="0"/>
+                        <a:cs typeface="Times New Roman" panose="02020603050405020304" pitchFamily="18" charset="0"/>
+                      </a:endParaRPr>
+                    </a:p>
+                  </a:txBody>
+                  <a:tcPr marL="68580" marR="68580" marT="0" marB="0" anchor="ctr"/>
+                </a:tc>
+                <a:tc>
+                  <a:txBody>
+                    <a:bodyPr/>
+                    <a:lstStyle/>
+                    <a:p>
+                      <a:pPr algn="ctr">
+                        <a:lnSpc>
+                          <a:spcPct val="107000"/>
+                        </a:lnSpc>
+                        <a:spcAft>
+                          <a:spcPts val="0"/>
+                        </a:spcAft>
+                      </a:pPr>
+                      <a:r>
+                        <a:rPr lang="ru-RU" sz="1400" dirty="0">
+                          <a:effectLst/>
+                        </a:rPr>
+                        <a:t>+</a:t>
+                      </a:r>
+                      <a:endParaRPr lang="ru-RU" sz="1400" dirty="0">
+                        <a:effectLst/>
+                        <a:latin typeface="Times New Roman" panose="02020603050405020304" pitchFamily="18" charset="0"/>
+                        <a:ea typeface="Calibri" panose="020F0502020204030204" pitchFamily="34" charset="0"/>
+                        <a:cs typeface="Times New Roman" panose="02020603050405020304" pitchFamily="18" charset="0"/>
+                      </a:endParaRPr>
+                    </a:p>
+                  </a:txBody>
+                  <a:tcPr marL="68580" marR="68580" marT="0" marB="0" anchor="ctr"/>
+                </a:tc>
+              </a:tr>
+            </a:tbl>
+          </a:graphicData>
+        </a:graphic>
+      </p:graphicFrame>
     </p:spTree>
     <p:extLst>
       <p:ext uri="{BB962C8B-B14F-4D97-AF65-F5344CB8AC3E}">
-        <p14:creationId xmlns:p14="http://schemas.microsoft.com/office/powerpoint/2010/main" val="874954777"/>
+        <p14:creationId xmlns:p14="http://schemas.microsoft.com/office/powerpoint/2010/main" val="2829663930"/>
       </p:ext>
     </p:extLst>
   </p:cSld>

--- a/other/PGenerator.pptx
+++ b/other/PGenerator.pptx
@@ -17,6 +17,7 @@
     <p:sldId id="264" r:id="rId11"/>
     <p:sldId id="267" r:id="rId12"/>
     <p:sldId id="269" r:id="rId13"/>
+    <p:sldId id="270" r:id="rId14"/>
   </p:sldIdLst>
   <p:sldSz cx="12192000" cy="6858000"/>
   <p:notesSz cx="6858000" cy="9144000"/>
@@ -41496,6 +41497,13 @@
   <p:clrMapOvr>
     <a:masterClrMapping/>
   </p:clrMapOvr>
+  <p:timing>
+    <p:tnLst>
+      <p:par>
+        <p:cTn id="1" dur="indefinite" restart="never" nodeType="tmRoot"/>
+      </p:par>
+    </p:tnLst>
+  </p:timing>
 </p:sld>
 </file>
 
@@ -41574,6 +41582,13 @@
   <p:clrMapOvr>
     <a:masterClrMapping/>
   </p:clrMapOvr>
+  <p:timing>
+    <p:tnLst>
+      <p:par>
+        <p:cTn id="1" dur="indefinite" restart="never" nodeType="tmRoot"/>
+      </p:par>
+    </p:tnLst>
+  </p:timing>
 </p:sld>
 </file>
 
@@ -42110,6 +42125,102 @@
   <p:clrMapOvr>
     <a:masterClrMapping/>
   </p:clrMapOvr>
+  <p:timing>
+    <p:tnLst>
+      <p:par>
+        <p:cTn id="1" dur="indefinite" restart="never" nodeType="tmRoot"/>
+      </p:par>
+    </p:tnLst>
+  </p:timing>
+</p:sld>
+</file>
+
+<file path=ppt/slides/slide13.xml><?xml version="1.0" encoding="utf-8"?>
+<p:sld xmlns:a="http://schemas.openxmlformats.org/drawingml/2006/main" xmlns:r="http://schemas.openxmlformats.org/officeDocument/2006/relationships" xmlns:p="http://schemas.openxmlformats.org/presentationml/2006/main">
+  <p:cSld>
+    <p:spTree>
+      <p:nvGrpSpPr>
+        <p:cNvPr id="1" name=""/>
+        <p:cNvGrpSpPr/>
+        <p:nvPr/>
+      </p:nvGrpSpPr>
+      <p:grpSpPr>
+        <a:xfrm>
+          <a:off x="0" y="0"/>
+          <a:ext cx="0" cy="0"/>
+          <a:chOff x="0" y="0"/>
+          <a:chExt cx="0" cy="0"/>
+        </a:xfrm>
+      </p:grpSpPr>
+      <p:sp>
+        <p:nvSpPr>
+          <p:cNvPr id="2" name="Заголовок 1"/>
+          <p:cNvSpPr>
+            <a:spLocks noGrp="1"/>
+          </p:cNvSpPr>
+          <p:nvPr>
+            <p:ph type="title"/>
+          </p:nvPr>
+        </p:nvSpPr>
+        <p:spPr/>
+        <p:txBody>
+          <a:bodyPr/>
+          <a:lstStyle/>
+          <a:p>
+            <a:r>
+              <a:rPr lang="ru-RU" dirty="0" smtClean="0"/>
+              <a:t>Спасибо за внимание</a:t>
+            </a:r>
+            <a:endParaRPr lang="ru-RU" dirty="0"/>
+          </a:p>
+        </p:txBody>
+      </p:sp>
+      <p:pic>
+        <p:nvPicPr>
+          <p:cNvPr id="4" name="Объект 3"/>
+          <p:cNvPicPr>
+            <a:picLocks noGrp="1" noChangeAspect="1"/>
+          </p:cNvPicPr>
+          <p:nvPr>
+            <p:ph idx="1"/>
+          </p:nvPr>
+        </p:nvPicPr>
+        <p:blipFill>
+          <a:blip r:embed="rId2">
+            <a:extLst>
+              <a:ext uri="{28A0092B-C50C-407E-A947-70E740481C1C}">
+                <a14:useLocalDpi xmlns:a14="http://schemas.microsoft.com/office/drawing/2010/main" val="0"/>
+              </a:ext>
+            </a:extLst>
+          </a:blip>
+          <a:stretch>
+            <a:fillRect/>
+          </a:stretch>
+        </p:blipFill>
+        <p:spPr>
+          <a:xfrm>
+            <a:off x="2878952" y="2253343"/>
+            <a:ext cx="6010424" cy="4022725"/>
+          </a:xfrm>
+        </p:spPr>
+      </p:pic>
+    </p:spTree>
+    <p:extLst>
+      <p:ext uri="{BB962C8B-B14F-4D97-AF65-F5344CB8AC3E}">
+        <p14:creationId xmlns:p14="http://schemas.microsoft.com/office/powerpoint/2010/main" val="752435402"/>
+      </p:ext>
+    </p:extLst>
+  </p:cSld>
+  <p:clrMapOvr>
+    <a:masterClrMapping/>
+  </p:clrMapOvr>
+  <p:timing>
+    <p:tnLst>
+      <p:par>
+        <p:cTn id="1" dur="indefinite" restart="never" nodeType="tmRoot"/>
+      </p:par>
+    </p:tnLst>
+  </p:timing>
 </p:sld>
 </file>
 
@@ -42362,6 +42473,13 @@
   <p:clrMapOvr>
     <a:masterClrMapping/>
   </p:clrMapOvr>
+  <p:timing>
+    <p:tnLst>
+      <p:par>
+        <p:cTn id="1" dur="indefinite" restart="never" nodeType="tmRoot"/>
+      </p:par>
+    </p:tnLst>
+  </p:timing>
 </p:sld>
 </file>
 
@@ -42525,6 +42643,13 @@
   <p:clrMapOvr>
     <a:masterClrMapping/>
   </p:clrMapOvr>
+  <p:timing>
+    <p:tnLst>
+      <p:par>
+        <p:cTn id="1" dur="indefinite" restart="never" nodeType="tmRoot"/>
+      </p:par>
+    </p:tnLst>
+  </p:timing>
 </p:sld>
 </file>
 
@@ -42607,6 +42732,13 @@
   <p:clrMapOvr>
     <a:masterClrMapping/>
   </p:clrMapOvr>
+  <p:timing>
+    <p:tnLst>
+      <p:par>
+        <p:cTn id="1" dur="indefinite" restart="never" nodeType="tmRoot"/>
+      </p:par>
+    </p:tnLst>
+  </p:timing>
 </p:sld>
 </file>
 
@@ -42689,6 +42821,13 @@
   <p:clrMapOvr>
     <a:masterClrMapping/>
   </p:clrMapOvr>
+  <p:timing>
+    <p:tnLst>
+      <p:par>
+        <p:cTn id="1" dur="indefinite" restart="never" nodeType="tmRoot"/>
+      </p:par>
+    </p:tnLst>
+  </p:timing>
 </p:sld>
 </file>
 
@@ -43228,6 +43367,13 @@
   <p:clrMapOvr>
     <a:masterClrMapping/>
   </p:clrMapOvr>
+  <p:timing>
+    <p:tnLst>
+      <p:par>
+        <p:cTn id="1" dur="indefinite" restart="never" nodeType="tmRoot"/>
+      </p:par>
+    </p:tnLst>
+  </p:timing>
 </p:sld>
 </file>
 
@@ -43288,13 +43434,13 @@
           <p:nvPr>
             <p:extLst>
               <p:ext uri="{D42A27DB-BD31-4B8C-83A1-F6EECF244321}">
-                <p14:modId xmlns:p14="http://schemas.microsoft.com/office/powerpoint/2010/main" val="757261929"/>
+                <p14:modId xmlns:p14="http://schemas.microsoft.com/office/powerpoint/2010/main" val="2230007840"/>
               </p:ext>
             </p:extLst>
           </p:nvPr>
         </p:nvGraphicFramePr>
         <p:xfrm>
-          <a:off x="849956" y="2324317"/>
+          <a:off x="1024128" y="2422289"/>
           <a:ext cx="9894244" cy="3382872"/>
         </p:xfrm>
         <a:graphic>
@@ -43856,6 +44002,13 @@
   <p:clrMapOvr>
     <a:masterClrMapping/>
   </p:clrMapOvr>
+  <p:timing>
+    <p:tnLst>
+      <p:par>
+        <p:cTn id="1" dur="indefinite" restart="never" nodeType="tmRoot"/>
+      </p:par>
+    </p:tnLst>
+  </p:timing>
 </p:sld>
 </file>
 
